--- a/doc/presentacion/presentacion.pptx
+++ b/doc/presentacion/presentacion.pptx
@@ -2,23 +2,28 @@
 <file path=ppt/presentation.xml><?xml version="1.0" encoding="utf-8"?>
 <p:presentation xmlns:a="http://schemas.openxmlformats.org/drawingml/2006/main" xmlns:r="http://schemas.openxmlformats.org/officeDocument/2006/relationships" xmlns:p="http://schemas.openxmlformats.org/presentationml/2006/main" saveSubsetFonts="1">
   <p:sldMasterIdLst>
-    <p:sldMasterId id="2147483660" r:id="rId1"/>
+    <p:sldMasterId id="2147483672" r:id="rId1"/>
   </p:sldMasterIdLst>
+  <p:notesMasterIdLst>
+    <p:notesMasterId r:id="rId18"/>
+  </p:notesMasterIdLst>
   <p:sldIdLst>
     <p:sldId id="256" r:id="rId2"/>
-    <p:sldId id="257" r:id="rId3"/>
-    <p:sldId id="259" r:id="rId4"/>
-    <p:sldId id="258" r:id="rId5"/>
-    <p:sldId id="260" r:id="rId6"/>
-    <p:sldId id="261" r:id="rId7"/>
-    <p:sldId id="262" r:id="rId8"/>
-    <p:sldId id="263" r:id="rId9"/>
-    <p:sldId id="265" r:id="rId10"/>
-    <p:sldId id="264" r:id="rId11"/>
-    <p:sldId id="266" r:id="rId12"/>
-    <p:sldId id="269" r:id="rId13"/>
-    <p:sldId id="267" r:id="rId14"/>
-    <p:sldId id="268" r:id="rId15"/>
+    <p:sldId id="270" r:id="rId3"/>
+    <p:sldId id="257" r:id="rId4"/>
+    <p:sldId id="259" r:id="rId5"/>
+    <p:sldId id="271" r:id="rId6"/>
+    <p:sldId id="258" r:id="rId7"/>
+    <p:sldId id="260" r:id="rId8"/>
+    <p:sldId id="261" r:id="rId9"/>
+    <p:sldId id="262" r:id="rId10"/>
+    <p:sldId id="263" r:id="rId11"/>
+    <p:sldId id="265" r:id="rId12"/>
+    <p:sldId id="264" r:id="rId13"/>
+    <p:sldId id="266" r:id="rId14"/>
+    <p:sldId id="269" r:id="rId15"/>
+    <p:sldId id="267" r:id="rId16"/>
+    <p:sldId id="268" r:id="rId17"/>
   </p:sldIdLst>
   <p:sldSz cx="9144000" cy="6858000" type="screen4x3"/>
   <p:notesSz cx="6858000" cy="9144000"/>
@@ -120,12 +125,12 @@
 </p:presentation>
 </file>
 
-<file path=ppt/slideLayouts/slideLayout1.xml><?xml version="1.0" encoding="utf-8"?>
-<p:sldLayout xmlns:a="http://schemas.openxmlformats.org/drawingml/2006/main" xmlns:r="http://schemas.openxmlformats.org/officeDocument/2006/relationships" xmlns:p="http://schemas.openxmlformats.org/presentationml/2006/main" type="title" preserve="1">
-  <p:cSld name="Diapositiva de título">
+<file path=ppt/notesMasters/notesMaster1.xml><?xml version="1.0" encoding="utf-8"?>
+<p:notesMaster xmlns:a="http://schemas.openxmlformats.org/drawingml/2006/main" xmlns:r="http://schemas.openxmlformats.org/officeDocument/2006/relationships" xmlns:p="http://schemas.openxmlformats.org/presentationml/2006/main">
+  <p:cSld>
     <p:bg>
-      <p:bgRef idx="1002">
-        <a:schemeClr val="bg2"/>
+      <p:bgRef idx="1001">
+        <a:schemeClr val="bg1"/>
       </p:bgRef>
     </p:bg>
     <p:spTree>
@@ -144,72 +149,547 @@
       </p:grpSpPr>
       <p:sp>
         <p:nvSpPr>
-          <p:cNvPr id="9" name="8 Título"/>
-          <p:cNvSpPr>
-            <a:spLocks noGrp="1"/>
-          </p:cNvSpPr>
-          <p:nvPr>
-            <p:ph type="ctrTitle"/>
+          <p:cNvPr id="2" name="Header Placeholder 1"/>
+          <p:cNvSpPr>
+            <a:spLocks noGrp="1"/>
+          </p:cNvSpPr>
+          <p:nvPr>
+            <p:ph type="hdr" sz="quarter"/>
           </p:nvPr>
         </p:nvSpPr>
         <p:spPr>
           <a:xfrm>
-            <a:off x="533400" y="1371600"/>
-            <a:ext cx="7851648" cy="1828800"/>
+            <a:off x="0" y="0"/>
+            <a:ext cx="2971800" cy="457200"/>
           </a:xfrm>
-          <a:ln>
-            <a:noFill/>
+          <a:prstGeom prst="rect">
+            <a:avLst/>
+          </a:prstGeom>
+        </p:spPr>
+        <p:txBody>
+          <a:bodyPr vert="horz" lIns="91440" tIns="45720" rIns="91440" bIns="45720" rtlCol="0"/>
+          <a:lstStyle>
+            <a:lvl1pPr algn="l">
+              <a:defRPr sz="1200"/>
+            </a:lvl1pPr>
+          </a:lstStyle>
+          <a:p>
+            <a:endParaRPr lang="es-AR"/>
+          </a:p>
+        </p:txBody>
+      </p:sp>
+      <p:sp>
+        <p:nvSpPr>
+          <p:cNvPr id="3" name="Date Placeholder 2"/>
+          <p:cNvSpPr>
+            <a:spLocks noGrp="1"/>
+          </p:cNvSpPr>
+          <p:nvPr>
+            <p:ph type="dt" idx="1"/>
+          </p:nvPr>
+        </p:nvSpPr>
+        <p:spPr>
+          <a:xfrm>
+            <a:off x="3884613" y="0"/>
+            <a:ext cx="2971800" cy="457200"/>
+          </a:xfrm>
+          <a:prstGeom prst="rect">
+            <a:avLst/>
+          </a:prstGeom>
+        </p:spPr>
+        <p:txBody>
+          <a:bodyPr vert="horz" lIns="91440" tIns="45720" rIns="91440" bIns="45720" rtlCol="0"/>
+          <a:lstStyle>
+            <a:lvl1pPr algn="r">
+              <a:defRPr sz="1200"/>
+            </a:lvl1pPr>
+          </a:lstStyle>
+          <a:p>
+            <a:fld id="{53A9BA33-61B4-4CB5-A056-C0C55B1A2ED8}" type="datetimeFigureOut">
+              <a:rPr lang="es-AR" smtClean="0"/>
+              <a:t>05/12/2010</a:t>
+            </a:fld>
+            <a:endParaRPr lang="es-AR"/>
+          </a:p>
+        </p:txBody>
+      </p:sp>
+      <p:sp>
+        <p:nvSpPr>
+          <p:cNvPr id="4" name="Slide Image Placeholder 3"/>
+          <p:cNvSpPr>
+            <a:spLocks noGrp="1" noRot="1" noChangeAspect="1"/>
+          </p:cNvSpPr>
+          <p:nvPr>
+            <p:ph type="sldImg" idx="2"/>
+          </p:nvPr>
+        </p:nvSpPr>
+        <p:spPr>
+          <a:xfrm>
+            <a:off x="1143000" y="685800"/>
+            <a:ext cx="4572000" cy="3429000"/>
+          </a:xfrm>
+          <a:prstGeom prst="rect">
+            <a:avLst/>
+          </a:prstGeom>
+          <a:noFill/>
+          <a:ln w="12700">
+            <a:solidFill>
+              <a:prstClr val="black"/>
+            </a:solidFill>
           </a:ln>
         </p:spPr>
         <p:txBody>
-          <a:bodyPr vert="horz" tIns="0" rIns="18288" bIns="0" anchor="b">
+          <a:bodyPr vert="horz" lIns="91440" tIns="45720" rIns="91440" bIns="45720" rtlCol="0" anchor="ctr"/>
+          <a:lstStyle/>
+          <a:p>
+            <a:endParaRPr lang="es-AR"/>
+          </a:p>
+        </p:txBody>
+      </p:sp>
+      <p:sp>
+        <p:nvSpPr>
+          <p:cNvPr id="5" name="Notes Placeholder 4"/>
+          <p:cNvSpPr>
+            <a:spLocks noGrp="1"/>
+          </p:cNvSpPr>
+          <p:nvPr>
+            <p:ph type="body" sz="quarter" idx="3"/>
+          </p:nvPr>
+        </p:nvSpPr>
+        <p:spPr>
+          <a:xfrm>
+            <a:off x="685800" y="4343400"/>
+            <a:ext cx="5486400" cy="4114800"/>
+          </a:xfrm>
+          <a:prstGeom prst="rect">
+            <a:avLst/>
+          </a:prstGeom>
+        </p:spPr>
+        <p:txBody>
+          <a:bodyPr vert="horz" lIns="91440" tIns="45720" rIns="91440" bIns="45720" rtlCol="0">
+            <a:normAutofit/>
+          </a:bodyPr>
+          <a:lstStyle/>
+          <a:p>
+            <a:pPr lvl="0"/>
+            <a:r>
+              <a:rPr lang="en-US" smtClean="0"/>
+              <a:t>Click to edit Master text styles</a:t>
+            </a:r>
+          </a:p>
+          <a:p>
+            <a:pPr lvl="1"/>
+            <a:r>
+              <a:rPr lang="en-US" smtClean="0"/>
+              <a:t>Second level</a:t>
+            </a:r>
+          </a:p>
+          <a:p>
+            <a:pPr lvl="2"/>
+            <a:r>
+              <a:rPr lang="en-US" smtClean="0"/>
+              <a:t>Third level</a:t>
+            </a:r>
+          </a:p>
+          <a:p>
+            <a:pPr lvl="3"/>
+            <a:r>
+              <a:rPr lang="en-US" smtClean="0"/>
+              <a:t>Fourth level</a:t>
+            </a:r>
+          </a:p>
+          <a:p>
+            <a:pPr lvl="4"/>
+            <a:r>
+              <a:rPr lang="en-US" smtClean="0"/>
+              <a:t>Fifth level</a:t>
+            </a:r>
+            <a:endParaRPr lang="es-AR"/>
+          </a:p>
+        </p:txBody>
+      </p:sp>
+      <p:sp>
+        <p:nvSpPr>
+          <p:cNvPr id="6" name="Footer Placeholder 5"/>
+          <p:cNvSpPr>
+            <a:spLocks noGrp="1"/>
+          </p:cNvSpPr>
+          <p:nvPr>
+            <p:ph type="ftr" sz="quarter" idx="4"/>
+          </p:nvPr>
+        </p:nvSpPr>
+        <p:spPr>
+          <a:xfrm>
+            <a:off x="0" y="8685213"/>
+            <a:ext cx="2971800" cy="457200"/>
+          </a:xfrm>
+          <a:prstGeom prst="rect">
+            <a:avLst/>
+          </a:prstGeom>
+        </p:spPr>
+        <p:txBody>
+          <a:bodyPr vert="horz" lIns="91440" tIns="45720" rIns="91440" bIns="45720" rtlCol="0" anchor="b"/>
+          <a:lstStyle>
+            <a:lvl1pPr algn="l">
+              <a:defRPr sz="1200"/>
+            </a:lvl1pPr>
+          </a:lstStyle>
+          <a:p>
+            <a:endParaRPr lang="es-AR"/>
+          </a:p>
+        </p:txBody>
+      </p:sp>
+      <p:sp>
+        <p:nvSpPr>
+          <p:cNvPr id="7" name="Slide Number Placeholder 6"/>
+          <p:cNvSpPr>
+            <a:spLocks noGrp="1"/>
+          </p:cNvSpPr>
+          <p:nvPr>
+            <p:ph type="sldNum" sz="quarter" idx="5"/>
+          </p:nvPr>
+        </p:nvSpPr>
+        <p:spPr>
+          <a:xfrm>
+            <a:off x="3884613" y="8685213"/>
+            <a:ext cx="2971800" cy="457200"/>
+          </a:xfrm>
+          <a:prstGeom prst="rect">
+            <a:avLst/>
+          </a:prstGeom>
+        </p:spPr>
+        <p:txBody>
+          <a:bodyPr vert="horz" lIns="91440" tIns="45720" rIns="91440" bIns="45720" rtlCol="0" anchor="b"/>
+          <a:lstStyle>
+            <a:lvl1pPr algn="r">
+              <a:defRPr sz="1200"/>
+            </a:lvl1pPr>
+          </a:lstStyle>
+          <a:p>
+            <a:fld id="{3BCBAC67-084D-419D-A89D-D7FC2C09E238}" type="slidenum">
+              <a:rPr lang="es-AR" smtClean="0"/>
+              <a:t>‹#›</a:t>
+            </a:fld>
+            <a:endParaRPr lang="es-AR"/>
+          </a:p>
+        </p:txBody>
+      </p:sp>
+    </p:spTree>
+  </p:cSld>
+  <p:clrMap bg1="lt1" tx1="dk1" bg2="lt2" tx2="dk2" accent1="accent1" accent2="accent2" accent3="accent3" accent4="accent4" accent5="accent5" accent6="accent6" hlink="hlink" folHlink="folHlink"/>
+  <p:notesStyle>
+    <a:lvl1pPr marL="0" algn="l" defTabSz="914400" rtl="0" eaLnBrk="1" latinLnBrk="0" hangingPunct="1">
+      <a:defRPr sz="1200" kern="1200">
+        <a:solidFill>
+          <a:schemeClr val="tx1"/>
+        </a:solidFill>
+        <a:latin typeface="+mn-lt"/>
+        <a:ea typeface="+mn-ea"/>
+        <a:cs typeface="+mn-cs"/>
+      </a:defRPr>
+    </a:lvl1pPr>
+    <a:lvl2pPr marL="457200" algn="l" defTabSz="914400" rtl="0" eaLnBrk="1" latinLnBrk="0" hangingPunct="1">
+      <a:defRPr sz="1200" kern="1200">
+        <a:solidFill>
+          <a:schemeClr val="tx1"/>
+        </a:solidFill>
+        <a:latin typeface="+mn-lt"/>
+        <a:ea typeface="+mn-ea"/>
+        <a:cs typeface="+mn-cs"/>
+      </a:defRPr>
+    </a:lvl2pPr>
+    <a:lvl3pPr marL="914400" algn="l" defTabSz="914400" rtl="0" eaLnBrk="1" latinLnBrk="0" hangingPunct="1">
+      <a:defRPr sz="1200" kern="1200">
+        <a:solidFill>
+          <a:schemeClr val="tx1"/>
+        </a:solidFill>
+        <a:latin typeface="+mn-lt"/>
+        <a:ea typeface="+mn-ea"/>
+        <a:cs typeface="+mn-cs"/>
+      </a:defRPr>
+    </a:lvl3pPr>
+    <a:lvl4pPr marL="1371600" algn="l" defTabSz="914400" rtl="0" eaLnBrk="1" latinLnBrk="0" hangingPunct="1">
+      <a:defRPr sz="1200" kern="1200">
+        <a:solidFill>
+          <a:schemeClr val="tx1"/>
+        </a:solidFill>
+        <a:latin typeface="+mn-lt"/>
+        <a:ea typeface="+mn-ea"/>
+        <a:cs typeface="+mn-cs"/>
+      </a:defRPr>
+    </a:lvl4pPr>
+    <a:lvl5pPr marL="1828800" algn="l" defTabSz="914400" rtl="0" eaLnBrk="1" latinLnBrk="0" hangingPunct="1">
+      <a:defRPr sz="1200" kern="1200">
+        <a:solidFill>
+          <a:schemeClr val="tx1"/>
+        </a:solidFill>
+        <a:latin typeface="+mn-lt"/>
+        <a:ea typeface="+mn-ea"/>
+        <a:cs typeface="+mn-cs"/>
+      </a:defRPr>
+    </a:lvl5pPr>
+    <a:lvl6pPr marL="2286000" algn="l" defTabSz="914400" rtl="0" eaLnBrk="1" latinLnBrk="0" hangingPunct="1">
+      <a:defRPr sz="1200" kern="1200">
+        <a:solidFill>
+          <a:schemeClr val="tx1"/>
+        </a:solidFill>
+        <a:latin typeface="+mn-lt"/>
+        <a:ea typeface="+mn-ea"/>
+        <a:cs typeface="+mn-cs"/>
+      </a:defRPr>
+    </a:lvl6pPr>
+    <a:lvl7pPr marL="2743200" algn="l" defTabSz="914400" rtl="0" eaLnBrk="1" latinLnBrk="0" hangingPunct="1">
+      <a:defRPr sz="1200" kern="1200">
+        <a:solidFill>
+          <a:schemeClr val="tx1"/>
+        </a:solidFill>
+        <a:latin typeface="+mn-lt"/>
+        <a:ea typeface="+mn-ea"/>
+        <a:cs typeface="+mn-cs"/>
+      </a:defRPr>
+    </a:lvl7pPr>
+    <a:lvl8pPr marL="3200400" algn="l" defTabSz="914400" rtl="0" eaLnBrk="1" latinLnBrk="0" hangingPunct="1">
+      <a:defRPr sz="1200" kern="1200">
+        <a:solidFill>
+          <a:schemeClr val="tx1"/>
+        </a:solidFill>
+        <a:latin typeface="+mn-lt"/>
+        <a:ea typeface="+mn-ea"/>
+        <a:cs typeface="+mn-cs"/>
+      </a:defRPr>
+    </a:lvl8pPr>
+    <a:lvl9pPr marL="3657600" algn="l" defTabSz="914400" rtl="0" eaLnBrk="1" latinLnBrk="0" hangingPunct="1">
+      <a:defRPr sz="1200" kern="1200">
+        <a:solidFill>
+          <a:schemeClr val="tx1"/>
+        </a:solidFill>
+        <a:latin typeface="+mn-lt"/>
+        <a:ea typeface="+mn-ea"/>
+        <a:cs typeface="+mn-cs"/>
+      </a:defRPr>
+    </a:lvl9pPr>
+  </p:notesStyle>
+</p:notesMaster>
+</file>
+
+<file path=ppt/notesSlides/notesSlide1.xml><?xml version="1.0" encoding="utf-8"?>
+<p:notes xmlns:a="http://schemas.openxmlformats.org/drawingml/2006/main" xmlns:r="http://schemas.openxmlformats.org/officeDocument/2006/relationships" xmlns:p="http://schemas.openxmlformats.org/presentationml/2006/main">
+  <p:cSld>
+    <p:spTree>
+      <p:nvGrpSpPr>
+        <p:cNvPr id="1" name=""/>
+        <p:cNvGrpSpPr/>
+        <p:nvPr/>
+      </p:nvGrpSpPr>
+      <p:grpSpPr>
+        <a:xfrm>
+          <a:off x="0" y="0"/>
+          <a:ext cx="0" cy="0"/>
+          <a:chOff x="0" y="0"/>
+          <a:chExt cx="0" cy="0"/>
+        </a:xfrm>
+      </p:grpSpPr>
+      <p:sp>
+        <p:nvSpPr>
+          <p:cNvPr id="2" name="Slide Image Placeholder 1"/>
+          <p:cNvSpPr>
+            <a:spLocks noGrp="1" noRot="1" noChangeAspect="1"/>
+          </p:cNvSpPr>
+          <p:nvPr>
+            <p:ph type="sldImg"/>
+          </p:nvPr>
+        </p:nvSpPr>
+        <p:spPr/>
+      </p:sp>
+      <p:sp>
+        <p:nvSpPr>
+          <p:cNvPr id="3" name="Notes Placeholder 2"/>
+          <p:cNvSpPr>
+            <a:spLocks noGrp="1"/>
+          </p:cNvSpPr>
+          <p:nvPr>
+            <p:ph type="body" idx="1"/>
+          </p:nvPr>
+        </p:nvSpPr>
+        <p:spPr/>
+        <p:txBody>
+          <a:bodyPr>
+            <a:normAutofit/>
+          </a:bodyPr>
+          <a:lstStyle/>
+          <a:p>
+            <a:endParaRPr lang="es-AR" dirty="0"/>
+          </a:p>
+        </p:txBody>
+      </p:sp>
+      <p:sp>
+        <p:nvSpPr>
+          <p:cNvPr id="4" name="Slide Number Placeholder 3"/>
+          <p:cNvSpPr>
+            <a:spLocks noGrp="1"/>
+          </p:cNvSpPr>
+          <p:nvPr>
+            <p:ph type="sldNum" sz="quarter" idx="10"/>
+          </p:nvPr>
+        </p:nvSpPr>
+        <p:spPr/>
+        <p:txBody>
+          <a:bodyPr/>
+          <a:lstStyle/>
+          <a:p>
+            <a:fld id="{3BCBAC67-084D-419D-A89D-D7FC2C09E238}" type="slidenum">
+              <a:rPr lang="es-AR" smtClean="0"/>
+              <a:t>3</a:t>
+            </a:fld>
+            <a:endParaRPr lang="es-AR"/>
+          </a:p>
+        </p:txBody>
+      </p:sp>
+    </p:spTree>
+  </p:cSld>
+  <p:clrMapOvr>
+    <a:masterClrMapping/>
+  </p:clrMapOvr>
+</p:notes>
+</file>
+
+<file path=ppt/slideLayouts/slideLayout1.xml><?xml version="1.0" encoding="utf-8"?>
+<p:sldLayout xmlns:a="http://schemas.openxmlformats.org/drawingml/2006/main" xmlns:r="http://schemas.openxmlformats.org/officeDocument/2006/relationships" xmlns:p="http://schemas.openxmlformats.org/presentationml/2006/main" showMasterSp="0" type="title" preserve="1">
+  <p:cSld name="Title Slide">
+    <p:spTree>
+      <p:nvGrpSpPr>
+        <p:cNvPr id="1" name=""/>
+        <p:cNvGrpSpPr/>
+        <p:nvPr/>
+      </p:nvGrpSpPr>
+      <p:grpSpPr>
+        <a:xfrm>
+          <a:off x="0" y="0"/>
+          <a:ext cx="0" cy="0"/>
+          <a:chOff x="0" y="0"/>
+          <a:chExt cx="0" cy="0"/>
+        </a:xfrm>
+      </p:grpSpPr>
+      <p:sp>
+        <p:nvSpPr>
+          <p:cNvPr id="10" name="Right Triangle 9"/>
+          <p:cNvSpPr/>
+          <p:nvPr/>
+        </p:nvSpPr>
+        <p:spPr>
+          <a:xfrm>
+            <a:off x="-2" y="4664147"/>
+            <a:ext cx="9151089" cy="0"/>
+          </a:xfrm>
+          <a:prstGeom prst="rtTriangle">
+            <a:avLst/>
+          </a:prstGeom>
+          <a:gradFill flip="none" rotWithShape="1">
+            <a:gsLst>
+              <a:gs pos="0">
+                <a:schemeClr val="accent1">
+                  <a:shade val="35000"/>
+                  <a:satMod val="170000"/>
+                  <a:alpha val="100000"/>
+                </a:schemeClr>
+              </a:gs>
+              <a:gs pos="55000">
+                <a:schemeClr val="accent1">
+                  <a:tint val="90000"/>
+                  <a:satMod val="150000"/>
+                  <a:alpha val="100000"/>
+                </a:schemeClr>
+              </a:gs>
+              <a:gs pos="100000">
+                <a:schemeClr val="accent1">
+                  <a:shade val="35000"/>
+                  <a:satMod val="170000"/>
+                  <a:alpha val="100000"/>
+                </a:schemeClr>
+              </a:gs>
+            </a:gsLst>
+            <a:lin ang="3000000" scaled="1"/>
+            <a:tileRect/>
+          </a:gradFill>
+          <a:ln w="12700" cap="rnd" cmpd="thickThin" algn="ctr">
+            <a:noFill/>
+            <a:prstDash val="solid"/>
+          </a:ln>
+          <a:effectLst/>
+        </p:spPr>
+        <p:style>
+          <a:lnRef idx="3">
+            <a:schemeClr val="lt1"/>
+          </a:lnRef>
+          <a:fillRef idx="1">
+            <a:schemeClr val="accent1"/>
+          </a:fillRef>
+          <a:effectRef idx="1">
+            <a:schemeClr val="accent1"/>
+          </a:effectRef>
+          <a:fontRef idx="minor">
+            <a:schemeClr val="lt1"/>
+          </a:fontRef>
+        </p:style>
+        <p:txBody>
+          <a:bodyPr anchor="ctr"/>
+          <a:lstStyle>
+            <a:extLst/>
+          </a:lstStyle>
+          <a:p>
+            <a:pPr algn="ctr" eaLnBrk="1" latinLnBrk="0" hangingPunct="1"/>
+            <a:endParaRPr kumimoji="0" lang="en-US"/>
+          </a:p>
+        </p:txBody>
+      </p:sp>
+      <p:sp>
+        <p:nvSpPr>
+          <p:cNvPr id="9" name="Title 8"/>
+          <p:cNvSpPr>
+            <a:spLocks noGrp="1"/>
+          </p:cNvSpPr>
+          <p:nvPr>
+            <p:ph type="ctrTitle"/>
+          </p:nvPr>
+        </p:nvSpPr>
+        <p:spPr>
+          <a:xfrm>
+            <a:off x="685800" y="1752601"/>
+            <a:ext cx="7772400" cy="1829761"/>
+          </a:xfrm>
+        </p:spPr>
+        <p:txBody>
+          <a:bodyPr vert="horz" anchor="b">
             <a:normAutofit/>
             <a:scene3d>
               <a:camera prst="orthographicFront"/>
-              <a:lightRig rig="freezing" dir="t">
-                <a:rot lat="0" lon="0" rev="5640000"/>
-              </a:lightRig>
+              <a:lightRig rig="soft" dir="t"/>
             </a:scene3d>
-            <a:sp3d prstMaterial="flat">
-              <a:bevelT w="38100" h="38100"/>
-              <a:contourClr>
-                <a:schemeClr val="tx2"/>
-              </a:contourClr>
+            <a:sp3d prstMaterial="softEdge">
+              <a:bevelT w="25400" h="25400"/>
             </a:sp3d>
           </a:bodyPr>
           <a:lstStyle>
-            <a:lvl1pPr algn="r" rtl="0">
-              <a:spcBef>
-                <a:spcPct val="0"/>
-              </a:spcBef>
-              <a:buNone/>
-              <a:defRPr sz="5600" b="1">
-                <a:ln>
-                  <a:noFill/>
-                </a:ln>
+            <a:lvl1pPr algn="r">
+              <a:defRPr sz="4800" b="1">
                 <a:solidFill>
-                  <a:schemeClr val="accent3">
-                    <a:tint val="90000"/>
-                    <a:satMod val="120000"/>
-                  </a:schemeClr>
+                  <a:schemeClr val="tx2"/>
                 </a:solidFill>
                 <a:effectLst>
-                  <a:outerShdw blurRad="38100" dist="25400" dir="5400000" algn="tl" rotWithShape="0">
+                  <a:outerShdw blurRad="31750" dist="25400" dir="5400000" algn="tl" rotWithShape="0">
                     <a:srgbClr val="000000">
-                      <a:alpha val="43000"/>
+                      <a:alpha val="25000"/>
                     </a:srgbClr>
                   </a:outerShdw>
                 </a:effectLst>
-                <a:latin typeface="+mj-lt"/>
-                <a:ea typeface="+mj-ea"/>
-                <a:cs typeface="+mj-cs"/>
               </a:defRPr>
             </a:lvl1pPr>
+            <a:extLst/>
           </a:lstStyle>
           <a:p>
             <a:r>
-              <a:rPr kumimoji="0" lang="es-ES" smtClean="0"/>
-              <a:t>Haga clic para modificar el estilo de título del patrón</a:t>
+              <a:rPr kumimoji="0" lang="en-US" smtClean="0"/>
+              <a:t>Click to edit Master title style</a:t>
             </a:r>
             <a:endParaRPr kumimoji="0" lang="en-US"/>
           </a:p>
@@ -217,7 +697,7 @@
       </p:sp>
       <p:sp>
         <p:nvSpPr>
-          <p:cNvPr id="17" name="16 Subtítulo"/>
+          <p:cNvPr id="17" name="Subtitle 16"/>
           <p:cNvSpPr>
             <a:spLocks noGrp="1"/>
           </p:cNvSpPr>
@@ -227,18 +707,18 @@
         </p:nvSpPr>
         <p:spPr>
           <a:xfrm>
-            <a:off x="533400" y="3228536"/>
-            <a:ext cx="7854696" cy="1752600"/>
+            <a:off x="685800" y="3611607"/>
+            <a:ext cx="7772400" cy="1199704"/>
           </a:xfrm>
         </p:spPr>
         <p:txBody>
-          <a:bodyPr lIns="0" rIns="18288"/>
+          <a:bodyPr lIns="45720" rIns="45720"/>
           <a:lstStyle>
-            <a:lvl1pPr marL="0" marR="45720" indent="0" algn="r">
+            <a:lvl1pPr marL="0" marR="64008" indent="0" algn="r">
               <a:buNone/>
               <a:defRPr>
                 <a:solidFill>
-                  <a:schemeClr val="tx1"/>
+                  <a:schemeClr val="tx2"/>
                 </a:solidFill>
               </a:defRPr>
             </a:lvl1pPr>
@@ -266,19 +746,415 @@
             <a:lvl9pPr marL="3657600" indent="0" algn="ctr">
               <a:buNone/>
             </a:lvl9pPr>
+            <a:extLst/>
           </a:lstStyle>
           <a:p>
             <a:r>
-              <a:rPr kumimoji="0" lang="es-ES" smtClean="0"/>
-              <a:t>Haga clic para modificar el estilo de subtítulo del patrón</a:t>
+              <a:rPr kumimoji="0" lang="en-US" smtClean="0"/>
+              <a:t>Click to edit Master subtitle style</a:t>
             </a:r>
             <a:endParaRPr kumimoji="0" lang="en-US"/>
           </a:p>
         </p:txBody>
       </p:sp>
-      <p:sp>
-        <p:nvSpPr>
-          <p:cNvPr id="30" name="29 Marcador de fecha"/>
+      <p:grpSp>
+        <p:nvGrpSpPr>
+          <p:cNvPr id="2" name="Group 1"/>
+          <p:cNvGrpSpPr/>
+          <p:nvPr/>
+        </p:nvGrpSpPr>
+        <p:grpSpPr>
+          <a:xfrm>
+            <a:off x="-3765" y="4953000"/>
+            <a:ext cx="9147765" cy="1912088"/>
+            <a:chOff x="-3765" y="4832896"/>
+            <a:chExt cx="9147765" cy="2032192"/>
+          </a:xfrm>
+        </p:grpSpPr>
+        <p:sp>
+          <p:nvSpPr>
+            <p:cNvPr id="7" name="Freeform 6"/>
+            <p:cNvSpPr>
+              <a:spLocks/>
+            </p:cNvSpPr>
+            <p:nvPr/>
+          </p:nvSpPr>
+          <p:spPr bwMode="auto">
+            <a:xfrm>
+              <a:off x="1687513" y="4832896"/>
+              <a:ext cx="7456487" cy="518816"/>
+            </a:xfrm>
+            <a:custGeom>
+              <a:avLst>
+                <a:gd name="A1" fmla="val 0"/>
+                <a:gd name="A2" fmla="val 0"/>
+                <a:gd name="A3" fmla="val 0"/>
+                <a:gd name="A4" fmla="val 0"/>
+                <a:gd name="A5" fmla="val 0"/>
+                <a:gd name="A6" fmla="val 0"/>
+                <a:gd name="A7" fmla="val 0"/>
+                <a:gd name="A8" fmla="val 0"/>
+              </a:avLst>
+              <a:gdLst/>
+              <a:ahLst/>
+              <a:cxnLst>
+                <a:cxn ang="0">
+                  <a:pos x="4697" y="0"/>
+                </a:cxn>
+                <a:cxn ang="0">
+                  <a:pos x="4697" y="367"/>
+                </a:cxn>
+                <a:cxn ang="0">
+                  <a:pos x="0" y="218"/>
+                </a:cxn>
+                <a:cxn ang="0">
+                  <a:pos x="4697" y="0"/>
+                </a:cxn>
+              </a:cxnLst>
+              <a:rect l="0" t="0" r="0" b="0"/>
+              <a:pathLst>
+                <a:path w="4697" h="367">
+                  <a:moveTo>
+                    <a:pt x="4697" y="0"/>
+                  </a:moveTo>
+                  <a:lnTo>
+                    <a:pt x="4697" y="367"/>
+                  </a:lnTo>
+                  <a:lnTo>
+                    <a:pt x="0" y="218"/>
+                  </a:lnTo>
+                  <a:lnTo>
+                    <a:pt x="4697" y="0"/>
+                  </a:lnTo>
+                  <a:close/>
+                </a:path>
+              </a:pathLst>
+            </a:custGeom>
+            <a:solidFill>
+              <a:schemeClr val="accent1">
+                <a:tint val="65000"/>
+                <a:satMod val="115000"/>
+                <a:alpha val="40000"/>
+              </a:schemeClr>
+            </a:solidFill>
+            <a:ln w="9525" cap="flat" cmpd="sng" algn="ctr">
+              <a:noFill/>
+              <a:prstDash val="solid"/>
+              <a:round/>
+              <a:headEnd type="none" w="med" len="med"/>
+              <a:tailEnd type="none" w="med" len="med"/>
+            </a:ln>
+            <a:effectLst/>
+          </p:spPr>
+          <p:txBody>
+            <a:bodyPr vert="horz" wrap="square" lIns="91440" tIns="45720" rIns="91440" bIns="45720" anchor="t" compatLnSpc="1"/>
+            <a:lstStyle>
+              <a:extLst/>
+            </a:lstStyle>
+            <a:p>
+              <a:endParaRPr kumimoji="0" lang="en-US"/>
+            </a:p>
+          </p:txBody>
+        </p:sp>
+        <p:sp>
+          <p:nvSpPr>
+            <p:cNvPr id="8" name="Freeform 7"/>
+            <p:cNvSpPr>
+              <a:spLocks/>
+            </p:cNvSpPr>
+            <p:nvPr/>
+          </p:nvSpPr>
+          <p:spPr bwMode="auto">
+            <a:xfrm>
+              <a:off x="35443" y="5135526"/>
+              <a:ext cx="9108557" cy="838200"/>
+            </a:xfrm>
+            <a:custGeom>
+              <a:avLst>
+                <a:gd name="A1" fmla="val 0"/>
+                <a:gd name="A2" fmla="val 0"/>
+                <a:gd name="A3" fmla="val 0"/>
+                <a:gd name="A4" fmla="val 0"/>
+                <a:gd name="A5" fmla="val 0"/>
+                <a:gd name="A6" fmla="val 0"/>
+                <a:gd name="A7" fmla="val 0"/>
+                <a:gd name="A8" fmla="val 0"/>
+              </a:avLst>
+              <a:gdLst/>
+              <a:ahLst/>
+              <a:cxnLst>
+                <a:cxn ang="0">
+                  <a:pos x="0" y="0"/>
+                </a:cxn>
+                <a:cxn ang="0">
+                  <a:pos x="5760" y="0"/>
+                </a:cxn>
+                <a:cxn ang="0">
+                  <a:pos x="5760" y="528"/>
+                </a:cxn>
+                <a:cxn ang="0">
+                  <a:pos x="48" y="0"/>
+                </a:cxn>
+              </a:cxnLst>
+              <a:rect l="0" t="0" r="0" b="0"/>
+              <a:pathLst>
+                <a:path w="5760" h="528">
+                  <a:moveTo>
+                    <a:pt x="0" y="0"/>
+                  </a:moveTo>
+                  <a:lnTo>
+                    <a:pt x="5760" y="0"/>
+                  </a:lnTo>
+                  <a:lnTo>
+                    <a:pt x="5760" y="528"/>
+                  </a:lnTo>
+                  <a:lnTo>
+                    <a:pt x="48" y="0"/>
+                  </a:lnTo>
+                </a:path>
+              </a:pathLst>
+            </a:custGeom>
+            <a:solidFill>
+              <a:srgbClr val="000000">
+                <a:alpha val="100000"/>
+              </a:srgbClr>
+            </a:solidFill>
+            <a:ln w="9525" cap="flat" cmpd="sng" algn="ctr">
+              <a:noFill/>
+              <a:prstDash val="solid"/>
+              <a:round/>
+              <a:headEnd type="none" w="med" len="med"/>
+              <a:tailEnd type="none" w="med" len="med"/>
+            </a:ln>
+            <a:effectLst/>
+          </p:spPr>
+          <p:txBody>
+            <a:bodyPr vert="horz" wrap="square" lIns="91440" tIns="45720" rIns="91440" bIns="45720" anchor="t" compatLnSpc="1"/>
+            <a:lstStyle>
+              <a:extLst/>
+            </a:lstStyle>
+            <a:p>
+              <a:endParaRPr kumimoji="0" lang="en-US"/>
+            </a:p>
+          </p:txBody>
+        </p:sp>
+        <p:sp>
+          <p:nvSpPr>
+            <p:cNvPr id="11" name="Freeform 10"/>
+            <p:cNvSpPr>
+              <a:spLocks/>
+            </p:cNvSpPr>
+            <p:nvPr/>
+          </p:nvSpPr>
+          <p:spPr bwMode="auto">
+            <a:xfrm>
+              <a:off x="0" y="4883888"/>
+              <a:ext cx="9144000" cy="1981200"/>
+            </a:xfrm>
+            <a:custGeom>
+              <a:avLst>
+                <a:gd name="A1" fmla="val 0"/>
+                <a:gd name="A2" fmla="val 0"/>
+                <a:gd name="A3" fmla="val 0"/>
+                <a:gd name="A4" fmla="val 0"/>
+                <a:gd name="A5" fmla="val 0"/>
+                <a:gd name="A6" fmla="val 0"/>
+                <a:gd name="A7" fmla="val 0"/>
+                <a:gd name="A8" fmla="val 0"/>
+              </a:avLst>
+              <a:gdLst/>
+              <a:ahLst/>
+              <a:cxnLst>
+                <a:cxn ang="0">
+                  <a:pos x="0" y="0"/>
+                </a:cxn>
+                <a:cxn ang="0">
+                  <a:pos x="0" y="1248"/>
+                </a:cxn>
+                <a:cxn ang="0">
+                  <a:pos x="5760" y="1248"/>
+                </a:cxn>
+                <a:cxn ang="0">
+                  <a:pos x="5760" y="528"/>
+                </a:cxn>
+                <a:cxn ang="0">
+                  <a:pos x="0" y="0"/>
+                </a:cxn>
+              </a:cxnLst>
+              <a:rect l="0" t="0" r="0" b="0"/>
+              <a:pathLst>
+                <a:path w="5760" h="1248">
+                  <a:moveTo>
+                    <a:pt x="0" y="0"/>
+                  </a:moveTo>
+                  <a:lnTo>
+                    <a:pt x="0" y="1248"/>
+                  </a:lnTo>
+                  <a:lnTo>
+                    <a:pt x="5760" y="1248"/>
+                  </a:lnTo>
+                  <a:lnTo>
+                    <a:pt x="5760" y="528"/>
+                  </a:lnTo>
+                  <a:lnTo>
+                    <a:pt x="0" y="0"/>
+                  </a:lnTo>
+                  <a:close/>
+                </a:path>
+              </a:pathLst>
+            </a:custGeom>
+            <a:blipFill>
+              <a:blip r:embed="rId2">
+                <a:alphaModFix amt="50000"/>
+              </a:blip>
+              <a:tile tx="0" ty="0" sx="50000" sy="50000" flip="none" algn="t"/>
+            </a:blipFill>
+            <a:ln w="12700" cap="rnd" cmpd="thickThin" algn="ctr">
+              <a:noFill/>
+              <a:prstDash val="solid"/>
+            </a:ln>
+            <a:effectLst>
+              <a:fillOverlay blend="mult">
+                <a:gradFill flip="none" rotWithShape="1">
+                  <a:gsLst>
+                    <a:gs pos="0">
+                      <a:schemeClr val="accent1">
+                        <a:shade val="20000"/>
+                        <a:satMod val="176000"/>
+                        <a:alpha val="100000"/>
+                      </a:schemeClr>
+                    </a:gs>
+                    <a:gs pos="18000">
+                      <a:schemeClr val="accent1">
+                        <a:shade val="48000"/>
+                        <a:satMod val="153000"/>
+                        <a:alpha val="100000"/>
+                      </a:schemeClr>
+                    </a:gs>
+                    <a:gs pos="43000">
+                      <a:schemeClr val="accent1">
+                        <a:tint val="86000"/>
+                        <a:satMod val="149000"/>
+                        <a:alpha val="100000"/>
+                      </a:schemeClr>
+                    </a:gs>
+                    <a:gs pos="45000">
+                      <a:schemeClr val="accent1">
+                        <a:tint val="85000"/>
+                        <a:satMod val="150000"/>
+                        <a:alpha val="100000"/>
+                      </a:schemeClr>
+                    </a:gs>
+                    <a:gs pos="50000">
+                      <a:schemeClr val="accent1">
+                        <a:tint val="86000"/>
+                        <a:satMod val="149000"/>
+                        <a:alpha val="100000"/>
+                      </a:schemeClr>
+                    </a:gs>
+                    <a:gs pos="79000">
+                      <a:schemeClr val="accent1">
+                        <a:shade val="53000"/>
+                        <a:satMod val="150000"/>
+                        <a:alpha val="100000"/>
+                      </a:schemeClr>
+                    </a:gs>
+                    <a:gs pos="100000">
+                      <a:schemeClr val="accent1">
+                        <a:shade val="25000"/>
+                        <a:satMod val="170000"/>
+                        <a:alpha val="100000"/>
+                      </a:schemeClr>
+                    </a:gs>
+                  </a:gsLst>
+                  <a:lin ang="450000" scaled="1"/>
+                  <a:tileRect/>
+                </a:gradFill>
+              </a:fillOverlay>
+            </a:effectLst>
+          </p:spPr>
+          <p:style>
+            <a:lnRef idx="3">
+              <a:schemeClr val="lt1"/>
+            </a:lnRef>
+            <a:fillRef idx="1">
+              <a:schemeClr val="accent1"/>
+            </a:fillRef>
+            <a:effectRef idx="1">
+              <a:schemeClr val="accent1"/>
+            </a:effectRef>
+            <a:fontRef idx="minor">
+              <a:schemeClr val="lt1"/>
+            </a:fontRef>
+          </p:style>
+          <p:txBody>
+            <a:bodyPr vert="horz" wrap="square" lIns="91440" tIns="45720" rIns="91440" bIns="45720" anchor="ctr" compatLnSpc="1"/>
+            <a:lstStyle>
+              <a:extLst/>
+            </a:lstStyle>
+            <a:p>
+              <a:pPr algn="ctr" eaLnBrk="1" latinLnBrk="0" hangingPunct="1"/>
+              <a:endParaRPr kumimoji="0" lang="en-US"/>
+            </a:p>
+          </p:txBody>
+        </p:sp>
+        <p:cxnSp>
+          <p:nvCxnSpPr>
+            <p:cNvPr id="12" name="Straight Connector 11"/>
+            <p:cNvCxnSpPr/>
+            <p:nvPr/>
+          </p:nvCxnSpPr>
+          <p:spPr>
+            <a:xfrm>
+              <a:off x="-3765" y="4880373"/>
+              <a:ext cx="9147765" cy="839943"/>
+            </a:xfrm>
+            <a:prstGeom prst="line">
+              <a:avLst/>
+            </a:prstGeom>
+            <a:noFill/>
+            <a:ln w="12065" cap="flat" cmpd="sng" algn="ctr">
+              <a:gradFill>
+                <a:gsLst>
+                  <a:gs pos="45000">
+                    <a:schemeClr val="accent1">
+                      <a:tint val="70000"/>
+                      <a:satMod val="110000"/>
+                    </a:schemeClr>
+                  </a:gs>
+                  <a:gs pos="15000">
+                    <a:schemeClr val="accent1">
+                      <a:shade val="40000"/>
+                      <a:satMod val="110000"/>
+                    </a:schemeClr>
+                  </a:gs>
+                </a:gsLst>
+                <a:lin ang="5400000" scaled="1"/>
+              </a:gradFill>
+              <a:prstDash val="solid"/>
+              <a:miter lim="800000"/>
+            </a:ln>
+            <a:effectLst/>
+          </p:spPr>
+          <p:style>
+            <a:lnRef idx="2">
+              <a:schemeClr val="accent1"/>
+            </a:lnRef>
+            <a:fillRef idx="0">
+              <a:schemeClr val="accent1"/>
+            </a:fillRef>
+            <a:effectRef idx="1">
+              <a:schemeClr val="accent1"/>
+            </a:effectRef>
+            <a:fontRef idx="minor">
+              <a:schemeClr val="tx1"/>
+            </a:fontRef>
+          </p:style>
+        </p:cxnSp>
+      </p:grpSp>
+      <p:sp>
+        <p:nvSpPr>
+          <p:cNvPr id="30" name="Date Placeholder 29"/>
           <p:cNvSpPr>
             <a:spLocks noGrp="1"/>
           </p:cNvSpPr>
@@ -289,20 +1165,35 @@
         <p:spPr/>
         <p:txBody>
           <a:bodyPr/>
-          <a:lstStyle/>
+          <a:lstStyle>
+            <a:lvl1pPr>
+              <a:defRPr>
+                <a:solidFill>
+                  <a:srgbClr val="FFFFFF"/>
+                </a:solidFill>
+              </a:defRPr>
+            </a:lvl1pPr>
+            <a:extLst/>
+          </a:lstStyle>
           <a:p>
             <a:fld id="{47C9B81F-C347-4BEF-BFDF-29C42F48304A}" type="datetimeFigureOut">
               <a:rPr lang="en-US" smtClean="0"/>
               <a:pPr/>
               <a:t>12/5/2010</a:t>
             </a:fld>
-            <a:endParaRPr lang="en-US"/>
-          </a:p>
-        </p:txBody>
-      </p:sp>
-      <p:sp>
-        <p:nvSpPr>
-          <p:cNvPr id="19" name="18 Marcador de pie de página"/>
+            <a:endParaRPr lang="en-US" dirty="0">
+              <a:solidFill>
+                <a:schemeClr val="tx2">
+                  <a:shade val="90000"/>
+                </a:schemeClr>
+              </a:solidFill>
+            </a:endParaRPr>
+          </a:p>
+        </p:txBody>
+      </p:sp>
+      <p:sp>
+        <p:nvSpPr>
+          <p:cNvPr id="19" name="Footer Placeholder 18"/>
           <p:cNvSpPr>
             <a:spLocks noGrp="1"/>
           </p:cNvSpPr>
@@ -313,15 +1204,33 @@
         <p:spPr/>
         <p:txBody>
           <a:bodyPr/>
-          <a:lstStyle/>
-          <a:p>
-            <a:endParaRPr kumimoji="0" lang="en-US"/>
-          </a:p>
-        </p:txBody>
-      </p:sp>
-      <p:sp>
-        <p:nvSpPr>
-          <p:cNvPr id="27" name="26 Marcador de número de diapositiva"/>
+          <a:lstStyle>
+            <a:lvl1pPr>
+              <a:defRPr>
+                <a:solidFill>
+                  <a:schemeClr val="accent1">
+                    <a:tint val="20000"/>
+                  </a:schemeClr>
+                </a:solidFill>
+              </a:defRPr>
+            </a:lvl1pPr>
+            <a:extLst/>
+          </a:lstStyle>
+          <a:p>
+            <a:pPr algn="l" eaLnBrk="1" latinLnBrk="0" hangingPunct="1"/>
+            <a:endParaRPr kumimoji="0" lang="en-US" dirty="0">
+              <a:solidFill>
+                <a:schemeClr val="tx2">
+                  <a:shade val="90000"/>
+                </a:schemeClr>
+              </a:solidFill>
+            </a:endParaRPr>
+          </a:p>
+        </p:txBody>
+      </p:sp>
+      <p:sp>
+        <p:nvSpPr>
+          <p:cNvPr id="27" name="Slide Number Placeholder 26"/>
           <p:cNvSpPr>
             <a:spLocks noGrp="1"/>
           </p:cNvSpPr>
@@ -332,28 +1241,43 @@
         <p:spPr/>
         <p:txBody>
           <a:bodyPr/>
-          <a:lstStyle/>
+          <a:lstStyle>
+            <a:lvl1pPr>
+              <a:defRPr>
+                <a:solidFill>
+                  <a:srgbClr val="FFFFFF"/>
+                </a:solidFill>
+              </a:defRPr>
+            </a:lvl1pPr>
+            <a:extLst/>
+          </a:lstStyle>
           <a:p>
             <a:fld id="{042AED99-7FB4-404E-8A97-64753DCE42EC}" type="slidenum">
               <a:rPr kumimoji="0" lang="en-US" smtClean="0"/>
               <a:pPr/>
-              <a:t>‹Nº›</a:t>
+              <a:t>‹#›</a:t>
             </a:fld>
-            <a:endParaRPr kumimoji="0" lang="en-US"/>
+            <a:endParaRPr kumimoji="0" lang="en-US" dirty="0">
+              <a:solidFill>
+                <a:schemeClr val="tx2">
+                  <a:shade val="90000"/>
+                </a:schemeClr>
+              </a:solidFill>
+            </a:endParaRPr>
           </a:p>
         </p:txBody>
       </p:sp>
     </p:spTree>
   </p:cSld>
   <p:clrMapOvr>
-    <a:overrideClrMapping bg1="dk1" tx1="lt1" bg2="dk2" tx2="lt2" accent1="accent1" accent2="accent2" accent3="accent3" accent4="accent4" accent5="accent5" accent6="accent6" hlink="hlink" folHlink="folHlink"/>
+    <a:masterClrMapping/>
   </p:clrMapOvr>
 </p:sldLayout>
 </file>
 
 <file path=ppt/slideLayouts/slideLayout10.xml><?xml version="1.0" encoding="utf-8"?>
 <p:sldLayout xmlns:a="http://schemas.openxmlformats.org/drawingml/2006/main" xmlns:r="http://schemas.openxmlformats.org/officeDocument/2006/relationships" xmlns:p="http://schemas.openxmlformats.org/presentationml/2006/main" type="vertTx" preserve="1">
-  <p:cSld name="Título y texto vertical">
+  <p:cSld name="Title and Vertical Text">
     <p:spTree>
       <p:nvGrpSpPr>
         <p:cNvPr id="1" name=""/>
@@ -370,7 +1294,7 @@
       </p:grpSpPr>
       <p:sp>
         <p:nvSpPr>
-          <p:cNvPr id="2" name="1 Título"/>
+          <p:cNvPr id="2" name="Title 1"/>
           <p:cNvSpPr>
             <a:spLocks noGrp="1"/>
           </p:cNvSpPr>
@@ -381,11 +1305,13 @@
         <p:spPr/>
         <p:txBody>
           <a:bodyPr/>
-          <a:lstStyle/>
-          <a:p>
-            <a:r>
-              <a:rPr kumimoji="0" lang="es-ES" smtClean="0"/>
-              <a:t>Haga clic para modificar el estilo de título del patrón</a:t>
+          <a:lstStyle>
+            <a:extLst/>
+          </a:lstStyle>
+          <a:p>
+            <a:r>
+              <a:rPr kumimoji="0" lang="en-US" smtClean="0"/>
+              <a:t>Click to edit Master title style</a:t>
             </a:r>
             <a:endParaRPr kumimoji="0" lang="en-US"/>
           </a:p>
@@ -393,7 +1319,7 @@
       </p:sp>
       <p:sp>
         <p:nvSpPr>
-          <p:cNvPr id="3" name="2 Marcador de texto vertical"/>
+          <p:cNvPr id="3" name="Vertical Text Placeholder 2"/>
           <p:cNvSpPr>
             <a:spLocks noGrp="1"/>
           </p:cNvSpPr>
@@ -401,75 +1327,90 @@
             <p:ph type="body" orient="vert" idx="1"/>
           </p:nvPr>
         </p:nvSpPr>
+        <p:spPr>
+          <a:xfrm>
+            <a:off x="457200" y="1481329"/>
+            <a:ext cx="8229600" cy="4386071"/>
+          </a:xfrm>
+        </p:spPr>
+        <p:txBody>
+          <a:bodyPr vert="eaVert"/>
+          <a:lstStyle>
+            <a:extLst/>
+          </a:lstStyle>
+          <a:p>
+            <a:pPr lvl="0" eaLnBrk="1" latinLnBrk="0" hangingPunct="1"/>
+            <a:r>
+              <a:rPr lang="en-US" smtClean="0"/>
+              <a:t>Click to edit Master text styles</a:t>
+            </a:r>
+          </a:p>
+          <a:p>
+            <a:pPr lvl="1" eaLnBrk="1" latinLnBrk="0" hangingPunct="1"/>
+            <a:r>
+              <a:rPr lang="en-US" smtClean="0"/>
+              <a:t>Second level</a:t>
+            </a:r>
+          </a:p>
+          <a:p>
+            <a:pPr lvl="2" eaLnBrk="1" latinLnBrk="0" hangingPunct="1"/>
+            <a:r>
+              <a:rPr lang="en-US" smtClean="0"/>
+              <a:t>Third level</a:t>
+            </a:r>
+          </a:p>
+          <a:p>
+            <a:pPr lvl="3" eaLnBrk="1" latinLnBrk="0" hangingPunct="1"/>
+            <a:r>
+              <a:rPr lang="en-US" smtClean="0"/>
+              <a:t>Fourth level</a:t>
+            </a:r>
+          </a:p>
+          <a:p>
+            <a:pPr lvl="4" eaLnBrk="1" latinLnBrk="0" hangingPunct="1"/>
+            <a:r>
+              <a:rPr lang="en-US" smtClean="0"/>
+              <a:t>Fifth level</a:t>
+            </a:r>
+            <a:endParaRPr kumimoji="0" lang="en-US"/>
+          </a:p>
+        </p:txBody>
+      </p:sp>
+      <p:sp>
+        <p:nvSpPr>
+          <p:cNvPr id="4" name="Date Placeholder 3"/>
+          <p:cNvSpPr>
+            <a:spLocks noGrp="1"/>
+          </p:cNvSpPr>
+          <p:nvPr>
+            <p:ph type="dt" sz="half" idx="10"/>
+          </p:nvPr>
+        </p:nvSpPr>
         <p:spPr/>
         <p:txBody>
-          <a:bodyPr vert="eaVert"/>
-          <a:lstStyle/>
-          <a:p>
-            <a:pPr lvl="0" eaLnBrk="1" latinLnBrk="0" hangingPunct="1"/>
-            <a:r>
-              <a:rPr lang="es-ES" smtClean="0"/>
-              <a:t>Haga clic para modificar el estilo de texto del patrón</a:t>
-            </a:r>
-          </a:p>
-          <a:p>
-            <a:pPr lvl="1" eaLnBrk="1" latinLnBrk="0" hangingPunct="1"/>
-            <a:r>
-              <a:rPr lang="es-ES" smtClean="0"/>
-              <a:t>Segundo nivel</a:t>
-            </a:r>
-          </a:p>
-          <a:p>
-            <a:pPr lvl="2" eaLnBrk="1" latinLnBrk="0" hangingPunct="1"/>
-            <a:r>
-              <a:rPr lang="es-ES" smtClean="0"/>
-              <a:t>Tercer nivel</a:t>
-            </a:r>
-          </a:p>
-          <a:p>
-            <a:pPr lvl="3" eaLnBrk="1" latinLnBrk="0" hangingPunct="1"/>
-            <a:r>
-              <a:rPr lang="es-ES" smtClean="0"/>
-              <a:t>Cuarto nivel</a:t>
-            </a:r>
-          </a:p>
-          <a:p>
-            <a:pPr lvl="4" eaLnBrk="1" latinLnBrk="0" hangingPunct="1"/>
-            <a:r>
-              <a:rPr lang="es-ES" smtClean="0"/>
-              <a:t>Quinto nivel</a:t>
-            </a:r>
-            <a:endParaRPr kumimoji="0" lang="en-US"/>
-          </a:p>
-        </p:txBody>
-      </p:sp>
-      <p:sp>
-        <p:nvSpPr>
-          <p:cNvPr id="4" name="3 Marcador de fecha"/>
-          <p:cNvSpPr>
-            <a:spLocks noGrp="1"/>
-          </p:cNvSpPr>
-          <p:nvPr>
-            <p:ph type="dt" sz="half" idx="10"/>
-          </p:nvPr>
-        </p:nvSpPr>
-        <p:spPr/>
-        <p:txBody>
           <a:bodyPr/>
-          <a:lstStyle/>
+          <a:lstStyle>
+            <a:extLst/>
+          </a:lstStyle>
           <a:p>
             <a:fld id="{47C9B81F-C347-4BEF-BFDF-29C42F48304A}" type="datetimeFigureOut">
               <a:rPr lang="en-US" smtClean="0"/>
               <a:pPr/>
               <a:t>12/5/2010</a:t>
             </a:fld>
-            <a:endParaRPr lang="en-US"/>
-          </a:p>
-        </p:txBody>
-      </p:sp>
-      <p:sp>
-        <p:nvSpPr>
-          <p:cNvPr id="5" name="4 Marcador de pie de página"/>
+            <a:endParaRPr lang="en-US" dirty="0">
+              <a:solidFill>
+                <a:schemeClr val="tx2">
+                  <a:shade val="90000"/>
+                </a:schemeClr>
+              </a:solidFill>
+            </a:endParaRPr>
+          </a:p>
+        </p:txBody>
+      </p:sp>
+      <p:sp>
+        <p:nvSpPr>
+          <p:cNvPr id="5" name="Footer Placeholder 4"/>
           <p:cNvSpPr>
             <a:spLocks noGrp="1"/>
           </p:cNvSpPr>
@@ -480,15 +1421,24 @@
         <p:spPr/>
         <p:txBody>
           <a:bodyPr/>
-          <a:lstStyle/>
-          <a:p>
-            <a:endParaRPr kumimoji="0" lang="en-US"/>
-          </a:p>
-        </p:txBody>
-      </p:sp>
-      <p:sp>
-        <p:nvSpPr>
-          <p:cNvPr id="6" name="5 Marcador de número de diapositiva"/>
+          <a:lstStyle>
+            <a:extLst/>
+          </a:lstStyle>
+          <a:p>
+            <a:pPr algn="l" eaLnBrk="1" latinLnBrk="0" hangingPunct="1"/>
+            <a:endParaRPr kumimoji="0" lang="en-US" dirty="0">
+              <a:solidFill>
+                <a:schemeClr val="tx2">
+                  <a:shade val="90000"/>
+                </a:schemeClr>
+              </a:solidFill>
+            </a:endParaRPr>
+          </a:p>
+        </p:txBody>
+      </p:sp>
+      <p:sp>
+        <p:nvSpPr>
+          <p:cNvPr id="6" name="Slide Number Placeholder 5"/>
           <p:cNvSpPr>
             <a:spLocks noGrp="1"/>
           </p:cNvSpPr>
@@ -499,14 +1449,22 @@
         <p:spPr/>
         <p:txBody>
           <a:bodyPr/>
-          <a:lstStyle/>
+          <a:lstStyle>
+            <a:extLst/>
+          </a:lstStyle>
           <a:p>
             <a:fld id="{042AED99-7FB4-404E-8A97-64753DCE42EC}" type="slidenum">
               <a:rPr kumimoji="0" lang="en-US" smtClean="0"/>
               <a:pPr/>
-              <a:t>‹Nº›</a:t>
+              <a:t>‹#›</a:t>
             </a:fld>
-            <a:endParaRPr kumimoji="0" lang="en-US"/>
+            <a:endParaRPr kumimoji="0" lang="en-US" dirty="0">
+              <a:solidFill>
+                <a:schemeClr val="tx2">
+                  <a:shade val="90000"/>
+                </a:schemeClr>
+              </a:solidFill>
+            </a:endParaRPr>
           </a:p>
         </p:txBody>
       </p:sp>
@@ -520,7 +1478,7 @@
 
 <file path=ppt/slideLayouts/slideLayout11.xml><?xml version="1.0" encoding="utf-8"?>
 <p:sldLayout xmlns:a="http://schemas.openxmlformats.org/drawingml/2006/main" xmlns:r="http://schemas.openxmlformats.org/officeDocument/2006/relationships" xmlns:p="http://schemas.openxmlformats.org/presentationml/2006/main" type="vertTitleAndTx" preserve="1">
-  <p:cSld name="Título vertical y texto">
+  <p:cSld name="Vertical Title and Text">
     <p:spTree>
       <p:nvGrpSpPr>
         <p:cNvPr id="1" name=""/>
@@ -537,7 +1495,7 @@
       </p:grpSpPr>
       <p:sp>
         <p:nvSpPr>
-          <p:cNvPr id="2" name="1 Título vertical"/>
+          <p:cNvPr id="2" name="Vertical Title 1"/>
           <p:cNvSpPr>
             <a:spLocks noGrp="1"/>
           </p:cNvSpPr>
@@ -547,17 +1505,19 @@
         </p:nvSpPr>
         <p:spPr>
           <a:xfrm>
-            <a:off x="6629400" y="914401"/>
-            <a:ext cx="2057400" cy="5211763"/>
+            <a:off x="6844013" y="274640"/>
+            <a:ext cx="1777470" cy="5592761"/>
           </a:xfrm>
         </p:spPr>
         <p:txBody>
           <a:bodyPr vert="eaVert"/>
-          <a:lstStyle/>
-          <a:p>
-            <a:r>
-              <a:rPr kumimoji="0" lang="es-ES" smtClean="0"/>
-              <a:t>Haga clic para modificar el estilo de título del patrón</a:t>
+          <a:lstStyle>
+            <a:extLst/>
+          </a:lstStyle>
+          <a:p>
+            <a:r>
+              <a:rPr kumimoji="0" lang="en-US" smtClean="0"/>
+              <a:t>Click to edit Master title style</a:t>
             </a:r>
             <a:endParaRPr kumimoji="0" lang="en-US"/>
           </a:p>
@@ -565,7 +1525,7 @@
       </p:sp>
       <p:sp>
         <p:nvSpPr>
-          <p:cNvPr id="3" name="2 Marcador de texto vertical"/>
+          <p:cNvPr id="3" name="Vertical Text Placeholder 2"/>
           <p:cNvSpPr>
             <a:spLocks noGrp="1"/>
           </p:cNvSpPr>
@@ -575,46 +1535,48 @@
         </p:nvSpPr>
         <p:spPr>
           <a:xfrm>
-            <a:off x="457200" y="914401"/>
-            <a:ext cx="6019800" cy="5211763"/>
+            <a:off x="457200" y="274641"/>
+            <a:ext cx="6324600" cy="5592760"/>
           </a:xfrm>
         </p:spPr>
         <p:txBody>
           <a:bodyPr vert="eaVert"/>
-          <a:lstStyle/>
+          <a:lstStyle>
+            <a:extLst/>
+          </a:lstStyle>
           <a:p>
             <a:pPr lvl="0" eaLnBrk="1" latinLnBrk="0" hangingPunct="1"/>
             <a:r>
-              <a:rPr lang="es-ES" smtClean="0"/>
-              <a:t>Haga clic para modificar el estilo de texto del patrón</a:t>
+              <a:rPr lang="en-US" smtClean="0"/>
+              <a:t>Click to edit Master text styles</a:t>
             </a:r>
           </a:p>
           <a:p>
             <a:pPr lvl="1" eaLnBrk="1" latinLnBrk="0" hangingPunct="1"/>
             <a:r>
-              <a:rPr lang="es-ES" smtClean="0"/>
-              <a:t>Segundo nivel</a:t>
+              <a:rPr lang="en-US" smtClean="0"/>
+              <a:t>Second level</a:t>
             </a:r>
           </a:p>
           <a:p>
             <a:pPr lvl="2" eaLnBrk="1" latinLnBrk="0" hangingPunct="1"/>
             <a:r>
-              <a:rPr lang="es-ES" smtClean="0"/>
-              <a:t>Tercer nivel</a:t>
+              <a:rPr lang="en-US" smtClean="0"/>
+              <a:t>Third level</a:t>
             </a:r>
           </a:p>
           <a:p>
             <a:pPr lvl="3" eaLnBrk="1" latinLnBrk="0" hangingPunct="1"/>
             <a:r>
-              <a:rPr lang="es-ES" smtClean="0"/>
-              <a:t>Cuarto nivel</a:t>
+              <a:rPr lang="en-US" smtClean="0"/>
+              <a:t>Fourth level</a:t>
             </a:r>
           </a:p>
           <a:p>
             <a:pPr lvl="4" eaLnBrk="1" latinLnBrk="0" hangingPunct="1"/>
             <a:r>
-              <a:rPr lang="es-ES" smtClean="0"/>
-              <a:t>Quinto nivel</a:t>
+              <a:rPr lang="en-US" smtClean="0"/>
+              <a:t>Fifth level</a:t>
             </a:r>
             <a:endParaRPr kumimoji="0" lang="en-US"/>
           </a:p>
@@ -622,7 +1584,7 @@
       </p:sp>
       <p:sp>
         <p:nvSpPr>
-          <p:cNvPr id="4" name="3 Marcador de fecha"/>
+          <p:cNvPr id="4" name="Date Placeholder 3"/>
           <p:cNvSpPr>
             <a:spLocks noGrp="1"/>
           </p:cNvSpPr>
@@ -633,20 +1595,28 @@
         <p:spPr/>
         <p:txBody>
           <a:bodyPr/>
-          <a:lstStyle/>
+          <a:lstStyle>
+            <a:extLst/>
+          </a:lstStyle>
           <a:p>
             <a:fld id="{47C9B81F-C347-4BEF-BFDF-29C42F48304A}" type="datetimeFigureOut">
               <a:rPr lang="en-US" smtClean="0"/>
               <a:pPr/>
               <a:t>12/5/2010</a:t>
             </a:fld>
-            <a:endParaRPr lang="en-US"/>
-          </a:p>
-        </p:txBody>
-      </p:sp>
-      <p:sp>
-        <p:nvSpPr>
-          <p:cNvPr id="5" name="4 Marcador de pie de página"/>
+            <a:endParaRPr lang="en-US" dirty="0">
+              <a:solidFill>
+                <a:schemeClr val="tx2">
+                  <a:shade val="90000"/>
+                </a:schemeClr>
+              </a:solidFill>
+            </a:endParaRPr>
+          </a:p>
+        </p:txBody>
+      </p:sp>
+      <p:sp>
+        <p:nvSpPr>
+          <p:cNvPr id="5" name="Footer Placeholder 4"/>
           <p:cNvSpPr>
             <a:spLocks noGrp="1"/>
           </p:cNvSpPr>
@@ -657,15 +1627,24 @@
         <p:spPr/>
         <p:txBody>
           <a:bodyPr/>
-          <a:lstStyle/>
-          <a:p>
-            <a:endParaRPr kumimoji="0" lang="en-US"/>
-          </a:p>
-        </p:txBody>
-      </p:sp>
-      <p:sp>
-        <p:nvSpPr>
-          <p:cNvPr id="6" name="5 Marcador de número de diapositiva"/>
+          <a:lstStyle>
+            <a:extLst/>
+          </a:lstStyle>
+          <a:p>
+            <a:pPr algn="l" eaLnBrk="1" latinLnBrk="0" hangingPunct="1"/>
+            <a:endParaRPr kumimoji="0" lang="en-US" dirty="0">
+              <a:solidFill>
+                <a:schemeClr val="tx2">
+                  <a:shade val="90000"/>
+                </a:schemeClr>
+              </a:solidFill>
+            </a:endParaRPr>
+          </a:p>
+        </p:txBody>
+      </p:sp>
+      <p:sp>
+        <p:nvSpPr>
+          <p:cNvPr id="6" name="Slide Number Placeholder 5"/>
           <p:cNvSpPr>
             <a:spLocks noGrp="1"/>
           </p:cNvSpPr>
@@ -676,14 +1655,22 @@
         <p:spPr/>
         <p:txBody>
           <a:bodyPr/>
-          <a:lstStyle/>
+          <a:lstStyle>
+            <a:extLst/>
+          </a:lstStyle>
           <a:p>
             <a:fld id="{042AED99-7FB4-404E-8A97-64753DCE42EC}" type="slidenum">
               <a:rPr kumimoji="0" lang="en-US" smtClean="0"/>
               <a:pPr/>
-              <a:t>‹Nº›</a:t>
+              <a:t>‹#›</a:t>
             </a:fld>
-            <a:endParaRPr kumimoji="0" lang="en-US"/>
+            <a:endParaRPr kumimoji="0" lang="en-US" dirty="0">
+              <a:solidFill>
+                <a:schemeClr val="tx2">
+                  <a:shade val="90000"/>
+                </a:schemeClr>
+              </a:solidFill>
+            </a:endParaRPr>
           </a:p>
         </p:txBody>
       </p:sp>
@@ -697,7 +1684,7 @@
 
 <file path=ppt/slideLayouts/slideLayout2.xml><?xml version="1.0" encoding="utf-8"?>
 <p:sldLayout xmlns:a="http://schemas.openxmlformats.org/drawingml/2006/main" xmlns:r="http://schemas.openxmlformats.org/officeDocument/2006/relationships" xmlns:p="http://schemas.openxmlformats.org/presentationml/2006/main" type="obj" preserve="1">
-  <p:cSld name="Título y objetos">
+  <p:cSld name="Title and Content">
     <p:spTree>
       <p:nvGrpSpPr>
         <p:cNvPr id="1" name=""/>
@@ -714,22 +1701,53 @@
       </p:grpSpPr>
       <p:sp>
         <p:nvSpPr>
-          <p:cNvPr id="2" name="1 Título"/>
-          <p:cNvSpPr>
-            <a:spLocks noGrp="1"/>
-          </p:cNvSpPr>
-          <p:nvPr>
-            <p:ph type="title"/>
+          <p:cNvPr id="3" name="Content Placeholder 2"/>
+          <p:cNvSpPr>
+            <a:spLocks noGrp="1"/>
+          </p:cNvSpPr>
+          <p:nvPr>
+            <p:ph idx="1"/>
           </p:nvPr>
         </p:nvSpPr>
         <p:spPr/>
         <p:txBody>
           <a:bodyPr/>
-          <a:lstStyle/>
-          <a:p>
-            <a:r>
-              <a:rPr kumimoji="0" lang="es-ES" smtClean="0"/>
-              <a:t>Haga clic para modificar el estilo de título del patrón</a:t>
+          <a:lstStyle>
+            <a:extLst/>
+          </a:lstStyle>
+          <a:p>
+            <a:pPr lvl="0" eaLnBrk="1" latinLnBrk="0" hangingPunct="1"/>
+            <a:r>
+              <a:rPr lang="en-US" smtClean="0"/>
+              <a:t>Click to edit Master text styles</a:t>
+            </a:r>
+          </a:p>
+          <a:p>
+            <a:pPr lvl="1" eaLnBrk="1" latinLnBrk="0" hangingPunct="1"/>
+            <a:r>
+              <a:rPr lang="en-US" smtClean="0"/>
+              <a:t>Second level</a:t>
+            </a:r>
+          </a:p>
+          <a:p>
+            <a:pPr lvl="2" eaLnBrk="1" latinLnBrk="0" hangingPunct="1"/>
+            <a:r>
+              <a:rPr lang="en-US" smtClean="0"/>
+              <a:t>Third level</a:t>
+            </a:r>
+          </a:p>
+          <a:p>
+            <a:pPr lvl="3" eaLnBrk="1" latinLnBrk="0" hangingPunct="1"/>
+            <a:r>
+              <a:rPr lang="en-US" smtClean="0"/>
+              <a:t>Fourth level</a:t>
+            </a:r>
+          </a:p>
+          <a:p>
+            <a:pPr lvl="4" eaLnBrk="1" latinLnBrk="0" hangingPunct="1"/>
+            <a:r>
+              <a:rPr lang="en-US" smtClean="0"/>
+              <a:t>Fifth level</a:t>
             </a:r>
             <a:endParaRPr kumimoji="0" lang="en-US"/>
           </a:p>
@@ -737,83 +1755,39 @@
       </p:sp>
       <p:sp>
         <p:nvSpPr>
-          <p:cNvPr id="3" name="2 Marcador de contenido"/>
-          <p:cNvSpPr>
-            <a:spLocks noGrp="1"/>
-          </p:cNvSpPr>
-          <p:nvPr>
-            <p:ph idx="1"/>
+          <p:cNvPr id="4" name="Date Placeholder 3"/>
+          <p:cNvSpPr>
+            <a:spLocks noGrp="1"/>
+          </p:cNvSpPr>
+          <p:nvPr>
+            <p:ph type="dt" sz="half" idx="10"/>
           </p:nvPr>
         </p:nvSpPr>
         <p:spPr/>
         <p:txBody>
           <a:bodyPr/>
-          <a:lstStyle/>
-          <a:p>
-            <a:pPr lvl="0" eaLnBrk="1" latinLnBrk="0" hangingPunct="1"/>
-            <a:r>
-              <a:rPr lang="es-ES" smtClean="0"/>
-              <a:t>Haga clic para modificar el estilo de texto del patrón</a:t>
-            </a:r>
-          </a:p>
-          <a:p>
-            <a:pPr lvl="1" eaLnBrk="1" latinLnBrk="0" hangingPunct="1"/>
-            <a:r>
-              <a:rPr lang="es-ES" smtClean="0"/>
-              <a:t>Segundo nivel</a:t>
-            </a:r>
-          </a:p>
-          <a:p>
-            <a:pPr lvl="2" eaLnBrk="1" latinLnBrk="0" hangingPunct="1"/>
-            <a:r>
-              <a:rPr lang="es-ES" smtClean="0"/>
-              <a:t>Tercer nivel</a:t>
-            </a:r>
-          </a:p>
-          <a:p>
-            <a:pPr lvl="3" eaLnBrk="1" latinLnBrk="0" hangingPunct="1"/>
-            <a:r>
-              <a:rPr lang="es-ES" smtClean="0"/>
-              <a:t>Cuarto nivel</a:t>
-            </a:r>
-          </a:p>
-          <a:p>
-            <a:pPr lvl="4" eaLnBrk="1" latinLnBrk="0" hangingPunct="1"/>
-            <a:r>
-              <a:rPr lang="es-ES" smtClean="0"/>
-              <a:t>Quinto nivel</a:t>
-            </a:r>
-            <a:endParaRPr kumimoji="0" lang="en-US"/>
-          </a:p>
-        </p:txBody>
-      </p:sp>
-      <p:sp>
-        <p:nvSpPr>
-          <p:cNvPr id="4" name="3 Marcador de fecha"/>
-          <p:cNvSpPr>
-            <a:spLocks noGrp="1"/>
-          </p:cNvSpPr>
-          <p:nvPr>
-            <p:ph type="dt" sz="half" idx="10"/>
-          </p:nvPr>
-        </p:nvSpPr>
-        <p:spPr/>
-        <p:txBody>
-          <a:bodyPr/>
-          <a:lstStyle/>
+          <a:lstStyle>
+            <a:extLst/>
+          </a:lstStyle>
           <a:p>
             <a:fld id="{47C9B81F-C347-4BEF-BFDF-29C42F48304A}" type="datetimeFigureOut">
               <a:rPr lang="en-US" smtClean="0"/>
               <a:pPr/>
               <a:t>12/5/2010</a:t>
             </a:fld>
-            <a:endParaRPr lang="en-US"/>
-          </a:p>
-        </p:txBody>
-      </p:sp>
-      <p:sp>
-        <p:nvSpPr>
-          <p:cNvPr id="5" name="4 Marcador de pie de página"/>
+            <a:endParaRPr lang="en-US" dirty="0">
+              <a:solidFill>
+                <a:schemeClr val="tx2">
+                  <a:shade val="90000"/>
+                </a:schemeClr>
+              </a:solidFill>
+            </a:endParaRPr>
+          </a:p>
+        </p:txBody>
+      </p:sp>
+      <p:sp>
+        <p:nvSpPr>
+          <p:cNvPr id="5" name="Footer Placeholder 4"/>
           <p:cNvSpPr>
             <a:spLocks noGrp="1"/>
           </p:cNvSpPr>
@@ -824,15 +1798,24 @@
         <p:spPr/>
         <p:txBody>
           <a:bodyPr/>
-          <a:lstStyle/>
-          <a:p>
-            <a:endParaRPr kumimoji="0" lang="en-US"/>
-          </a:p>
-        </p:txBody>
-      </p:sp>
-      <p:sp>
-        <p:nvSpPr>
-          <p:cNvPr id="6" name="5 Marcador de número de diapositiva"/>
+          <a:lstStyle>
+            <a:extLst/>
+          </a:lstStyle>
+          <a:p>
+            <a:pPr algn="l" eaLnBrk="1" latinLnBrk="0" hangingPunct="1"/>
+            <a:endParaRPr kumimoji="0" lang="en-US" dirty="0">
+              <a:solidFill>
+                <a:schemeClr val="tx2">
+                  <a:shade val="90000"/>
+                </a:schemeClr>
+              </a:solidFill>
+            </a:endParaRPr>
+          </a:p>
+        </p:txBody>
+      </p:sp>
+      <p:sp>
+        <p:nvSpPr>
+          <p:cNvPr id="6" name="Slide Number Placeholder 5"/>
           <p:cNvSpPr>
             <a:spLocks noGrp="1"/>
           </p:cNvSpPr>
@@ -843,13 +1826,46 @@
         <p:spPr/>
         <p:txBody>
           <a:bodyPr/>
-          <a:lstStyle/>
+          <a:lstStyle>
+            <a:extLst/>
+          </a:lstStyle>
           <a:p>
             <a:fld id="{042AED99-7FB4-404E-8A97-64753DCE42EC}" type="slidenum">
               <a:rPr kumimoji="0" lang="en-US" smtClean="0"/>
               <a:pPr/>
-              <a:t>‹Nº›</a:t>
+              <a:t>‹#›</a:t>
             </a:fld>
+            <a:endParaRPr kumimoji="0" lang="en-US" dirty="0">
+              <a:solidFill>
+                <a:schemeClr val="tx2">
+                  <a:shade val="90000"/>
+                </a:schemeClr>
+              </a:solidFill>
+            </a:endParaRPr>
+          </a:p>
+        </p:txBody>
+      </p:sp>
+      <p:sp>
+        <p:nvSpPr>
+          <p:cNvPr id="7" name="Title 6"/>
+          <p:cNvSpPr>
+            <a:spLocks noGrp="1"/>
+          </p:cNvSpPr>
+          <p:nvPr>
+            <p:ph type="title"/>
+          </p:nvPr>
+        </p:nvSpPr>
+        <p:spPr/>
+        <p:txBody>
+          <a:bodyPr rtlCol="0"/>
+          <a:lstStyle>
+            <a:extLst/>
+          </a:lstStyle>
+          <a:p>
+            <a:r>
+              <a:rPr kumimoji="0" lang="en-US" smtClean="0"/>
+              <a:t>Click to edit Master title style</a:t>
+            </a:r>
             <a:endParaRPr kumimoji="0" lang="en-US"/>
           </a:p>
         </p:txBody>
@@ -864,10 +1880,10 @@
 
 <file path=ppt/slideLayouts/slideLayout3.xml><?xml version="1.0" encoding="utf-8"?>
 <p:sldLayout xmlns:a="http://schemas.openxmlformats.org/drawingml/2006/main" xmlns:r="http://schemas.openxmlformats.org/officeDocument/2006/relationships" xmlns:p="http://schemas.openxmlformats.org/presentationml/2006/main" type="secHead" preserve="1">
-  <p:cSld name="Encabezado de sección">
+  <p:cSld name="Section Header">
     <p:bg>
       <p:bgRef idx="1002">
-        <a:schemeClr val="bg2"/>
+        <a:schemeClr val="bg1"/>
       </p:bgRef>
     </p:bg>
     <p:spTree>
@@ -886,7 +1902,7 @@
       </p:grpSpPr>
       <p:sp>
         <p:nvSpPr>
-          <p:cNvPr id="2" name="1 Título"/>
+          <p:cNvPr id="2" name="Title 1"/>
           <p:cNvSpPr>
             <a:spLocks noGrp="1"/>
           </p:cNvSpPr>
@@ -896,59 +1912,40 @@
         </p:nvSpPr>
         <p:spPr>
           <a:xfrm>
-            <a:off x="530352" y="1316736"/>
-            <a:ext cx="7772400" cy="1362456"/>
+            <a:off x="722376" y="1059712"/>
+            <a:ext cx="7772400" cy="1828800"/>
           </a:xfrm>
-          <a:ln>
-            <a:noFill/>
-          </a:ln>
         </p:spPr>
         <p:txBody>
-          <a:bodyPr vert="horz" tIns="0" bIns="0" anchor="b">
-            <a:noAutofit/>
+          <a:bodyPr vert="horz" anchor="b">
+            <a:normAutofit/>
             <a:scene3d>
               <a:camera prst="orthographicFront"/>
-              <a:lightRig rig="freezing" dir="t">
-                <a:rot lat="0" lon="0" rev="5640000"/>
-              </a:lightRig>
+              <a:lightRig rig="soft" dir="t"/>
             </a:scene3d>
-            <a:sp3d prstMaterial="flat">
-              <a:bevelT w="38100" h="38100"/>
+            <a:sp3d prstMaterial="softEdge">
+              <a:bevelT w="25400" h="25400"/>
             </a:sp3d>
           </a:bodyPr>
           <a:lstStyle>
-            <a:lvl1pPr algn="l" rtl="0">
-              <a:spcBef>
-                <a:spcPct val="0"/>
-              </a:spcBef>
+            <a:lvl1pPr algn="r">
               <a:buNone/>
-              <a:defRPr lang="en-US" sz="5600" b="1" cap="none" baseline="0" dirty="0">
-                <a:ln w="635">
-                  <a:noFill/>
-                </a:ln>
-                <a:solidFill>
-                  <a:schemeClr val="accent4">
-                    <a:tint val="90000"/>
-                    <a:satMod val="125000"/>
-                  </a:schemeClr>
-                </a:solidFill>
+              <a:defRPr sz="4800" b="1" cap="none" baseline="0">
                 <a:effectLst>
-                  <a:outerShdw blurRad="38100" dist="25400" dir="5400000" algn="tl" rotWithShape="0">
+                  <a:outerShdw blurRad="31750" dist="25400" dir="5400000" algn="tl" rotWithShape="0">
                     <a:srgbClr val="000000">
-                      <a:alpha val="43000"/>
+                      <a:alpha val="25000"/>
                     </a:srgbClr>
                   </a:outerShdw>
                 </a:effectLst>
-                <a:latin typeface="+mj-lt"/>
-                <a:ea typeface="+mj-ea"/>
-                <a:cs typeface="+mj-cs"/>
               </a:defRPr>
             </a:lvl1pPr>
+            <a:extLst/>
           </a:lstStyle>
           <a:p>
             <a:r>
-              <a:rPr kumimoji="0" lang="es-ES" smtClean="0"/>
-              <a:t>Haga clic para modificar el estilo de título del patrón</a:t>
+              <a:rPr kumimoji="0" lang="en-US" smtClean="0"/>
+              <a:t>Click to edit Master title style</a:t>
             </a:r>
             <a:endParaRPr kumimoji="0" lang="en-US"/>
           </a:p>
@@ -956,7 +1953,7 @@
       </p:sp>
       <p:sp>
         <p:nvSpPr>
-          <p:cNvPr id="3" name="2 Marcador de texto"/>
+          <p:cNvPr id="3" name="Text Placeholder 2"/>
           <p:cNvSpPr>
             <a:spLocks noGrp="1"/>
           </p:cNvSpPr>
@@ -966,16 +1963,16 @@
         </p:nvSpPr>
         <p:spPr>
           <a:xfrm>
-            <a:off x="530352" y="2704664"/>
-            <a:ext cx="7772400" cy="1509712"/>
+            <a:off x="3922713" y="2931712"/>
+            <a:ext cx="4572000" cy="1454888"/>
           </a:xfrm>
         </p:spPr>
         <p:txBody>
-          <a:bodyPr lIns="45720" rIns="45720" anchor="t"/>
+          <a:bodyPr lIns="91440" rIns="91440" anchor="t"/>
           <a:lstStyle>
-            <a:lvl1pPr marL="0" indent="0">
+            <a:lvl1pPr marL="0" indent="0" algn="l">
               <a:buNone/>
-              <a:defRPr sz="2200">
+              <a:defRPr sz="2300">
                 <a:solidFill>
                   <a:schemeClr val="tx1"/>
                 </a:solidFill>
@@ -1021,19 +2018,20 @@
                 </a:solidFill>
               </a:defRPr>
             </a:lvl5pPr>
+            <a:extLst/>
           </a:lstStyle>
           <a:p>
             <a:pPr lvl="0" eaLnBrk="1" latinLnBrk="0" hangingPunct="1"/>
             <a:r>
-              <a:rPr kumimoji="0" lang="es-ES" smtClean="0"/>
-              <a:t>Haga clic para modificar el estilo de texto del patrón</a:t>
-            </a:r>
-          </a:p>
-        </p:txBody>
-      </p:sp>
-      <p:sp>
-        <p:nvSpPr>
-          <p:cNvPr id="4" name="3 Marcador de fecha"/>
+              <a:rPr kumimoji="0" lang="en-US" smtClean="0"/>
+              <a:t>Click to edit Master text styles</a:t>
+            </a:r>
+          </a:p>
+        </p:txBody>
+      </p:sp>
+      <p:sp>
+        <p:nvSpPr>
+          <p:cNvPr id="4" name="Date Placeholder 3"/>
           <p:cNvSpPr>
             <a:spLocks noGrp="1"/>
           </p:cNvSpPr>
@@ -1044,20 +2042,28 @@
         <p:spPr/>
         <p:txBody>
           <a:bodyPr/>
-          <a:lstStyle/>
+          <a:lstStyle>
+            <a:extLst/>
+          </a:lstStyle>
           <a:p>
             <a:fld id="{47C9B81F-C347-4BEF-BFDF-29C42F48304A}" type="datetimeFigureOut">
               <a:rPr lang="en-US" smtClean="0"/>
               <a:pPr/>
               <a:t>12/5/2010</a:t>
             </a:fld>
-            <a:endParaRPr lang="en-US"/>
-          </a:p>
-        </p:txBody>
-      </p:sp>
-      <p:sp>
-        <p:nvSpPr>
-          <p:cNvPr id="5" name="4 Marcador de pie de página"/>
+            <a:endParaRPr lang="en-US" dirty="0">
+              <a:solidFill>
+                <a:schemeClr val="tx2">
+                  <a:shade val="90000"/>
+                </a:schemeClr>
+              </a:solidFill>
+            </a:endParaRPr>
+          </a:p>
+        </p:txBody>
+      </p:sp>
+      <p:sp>
+        <p:nvSpPr>
+          <p:cNvPr id="5" name="Footer Placeholder 4"/>
           <p:cNvSpPr>
             <a:spLocks noGrp="1"/>
           </p:cNvSpPr>
@@ -1068,15 +2074,24 @@
         <p:spPr/>
         <p:txBody>
           <a:bodyPr/>
-          <a:lstStyle/>
-          <a:p>
-            <a:endParaRPr kumimoji="0" lang="en-US"/>
-          </a:p>
-        </p:txBody>
-      </p:sp>
-      <p:sp>
-        <p:nvSpPr>
-          <p:cNvPr id="6" name="5 Marcador de número de diapositiva"/>
+          <a:lstStyle>
+            <a:extLst/>
+          </a:lstStyle>
+          <a:p>
+            <a:pPr algn="l" eaLnBrk="1" latinLnBrk="0" hangingPunct="1"/>
+            <a:endParaRPr kumimoji="0" lang="en-US" dirty="0">
+              <a:solidFill>
+                <a:schemeClr val="tx2">
+                  <a:shade val="90000"/>
+                </a:schemeClr>
+              </a:solidFill>
+            </a:endParaRPr>
+          </a:p>
+        </p:txBody>
+      </p:sp>
+      <p:sp>
+        <p:nvSpPr>
+          <p:cNvPr id="6" name="Slide Number Placeholder 5"/>
           <p:cNvSpPr>
             <a:spLocks noGrp="1"/>
           </p:cNvSpPr>
@@ -1087,13 +2102,181 @@
         <p:spPr/>
         <p:txBody>
           <a:bodyPr/>
-          <a:lstStyle/>
+          <a:lstStyle>
+            <a:extLst/>
+          </a:lstStyle>
           <a:p>
             <a:fld id="{042AED99-7FB4-404E-8A97-64753DCE42EC}" type="slidenum">
               <a:rPr kumimoji="0" lang="en-US" smtClean="0"/>
               <a:pPr/>
-              <a:t>‹Nº›</a:t>
+              <a:t>‹#›</a:t>
             </a:fld>
+            <a:endParaRPr kumimoji="0" lang="en-US" dirty="0">
+              <a:solidFill>
+                <a:schemeClr val="tx2">
+                  <a:shade val="90000"/>
+                </a:schemeClr>
+              </a:solidFill>
+            </a:endParaRPr>
+          </a:p>
+        </p:txBody>
+      </p:sp>
+      <p:sp>
+        <p:nvSpPr>
+          <p:cNvPr id="7" name="Chevron 6"/>
+          <p:cNvSpPr/>
+          <p:nvPr/>
+        </p:nvSpPr>
+        <p:spPr>
+          <a:xfrm>
+            <a:off x="3636680" y="3005472"/>
+            <a:ext cx="182880" cy="228600"/>
+          </a:xfrm>
+          <a:prstGeom prst="chevron">
+            <a:avLst>
+              <a:gd name="adj" fmla="val 50000"/>
+            </a:avLst>
+          </a:prstGeom>
+          <a:gradFill flip="none" rotWithShape="1">
+            <a:gsLst>
+              <a:gs pos="0">
+                <a:schemeClr val="accent1">
+                  <a:shade val="60000"/>
+                  <a:satMod val="125000"/>
+                </a:schemeClr>
+              </a:gs>
+              <a:gs pos="72000">
+                <a:schemeClr val="accent1">
+                  <a:tint val="90000"/>
+                  <a:satMod val="138000"/>
+                </a:schemeClr>
+              </a:gs>
+              <a:gs pos="100000">
+                <a:schemeClr val="accent1">
+                  <a:tint val="76000"/>
+                  <a:satMod val="136000"/>
+                </a:schemeClr>
+              </a:gs>
+            </a:gsLst>
+            <a:lin ang="16200000" scaled="0"/>
+          </a:gradFill>
+          <a:ln w="3175" cap="rnd" cmpd="sng" algn="ctr">
+            <a:solidFill>
+              <a:schemeClr val="accent1">
+                <a:shade val="50000"/>
+              </a:schemeClr>
+            </a:solidFill>
+            <a:prstDash val="solid"/>
+          </a:ln>
+          <a:effectLst>
+            <a:outerShdw blurRad="50800" dist="25400" dir="5400000">
+              <a:srgbClr val="000000">
+                <a:alpha val="46000"/>
+              </a:srgbClr>
+            </a:outerShdw>
+          </a:effectLst>
+        </p:spPr>
+        <p:style>
+          <a:lnRef idx="1">
+            <a:schemeClr val="accent1"/>
+          </a:lnRef>
+          <a:fillRef idx="3">
+            <a:schemeClr val="accent1"/>
+          </a:fillRef>
+          <a:effectRef idx="2">
+            <a:schemeClr val="accent1"/>
+          </a:effectRef>
+          <a:fontRef idx="minor">
+            <a:schemeClr val="lt1"/>
+          </a:fontRef>
+        </p:style>
+        <p:txBody>
+          <a:bodyPr anchor="ctr"/>
+          <a:lstStyle>
+            <a:extLst/>
+          </a:lstStyle>
+          <a:p>
+            <a:pPr algn="l" eaLnBrk="1" latinLnBrk="0" hangingPunct="1"/>
+            <a:endParaRPr kumimoji="0" lang="en-US"/>
+          </a:p>
+        </p:txBody>
+      </p:sp>
+      <p:sp>
+        <p:nvSpPr>
+          <p:cNvPr id="8" name="Chevron 7"/>
+          <p:cNvSpPr/>
+          <p:nvPr/>
+        </p:nvSpPr>
+        <p:spPr>
+          <a:xfrm>
+            <a:off x="3450264" y="3005472"/>
+            <a:ext cx="182880" cy="228600"/>
+          </a:xfrm>
+          <a:prstGeom prst="chevron">
+            <a:avLst>
+              <a:gd name="adj" fmla="val 50000"/>
+            </a:avLst>
+          </a:prstGeom>
+          <a:gradFill flip="none" rotWithShape="1">
+            <a:gsLst>
+              <a:gs pos="0">
+                <a:schemeClr val="accent1">
+                  <a:shade val="60000"/>
+                  <a:satMod val="125000"/>
+                </a:schemeClr>
+              </a:gs>
+              <a:gs pos="72000">
+                <a:schemeClr val="accent1">
+                  <a:tint val="90000"/>
+                  <a:satMod val="138000"/>
+                </a:schemeClr>
+              </a:gs>
+              <a:gs pos="100000">
+                <a:schemeClr val="accent1">
+                  <a:tint val="76000"/>
+                  <a:satMod val="136000"/>
+                </a:schemeClr>
+              </a:gs>
+            </a:gsLst>
+            <a:lin ang="16200000" scaled="0"/>
+          </a:gradFill>
+          <a:ln w="3175" cap="rnd" cmpd="sng" algn="ctr">
+            <a:solidFill>
+              <a:schemeClr val="accent1">
+                <a:shade val="50000"/>
+              </a:schemeClr>
+            </a:solidFill>
+            <a:prstDash val="solid"/>
+          </a:ln>
+          <a:effectLst>
+            <a:outerShdw blurRad="50800" dist="25400" dir="5400000">
+              <a:srgbClr val="000000">
+                <a:alpha val="46000"/>
+              </a:srgbClr>
+            </a:outerShdw>
+          </a:effectLst>
+        </p:spPr>
+        <p:style>
+          <a:lnRef idx="1">
+            <a:schemeClr val="accent1"/>
+          </a:lnRef>
+          <a:fillRef idx="3">
+            <a:schemeClr val="accent1"/>
+          </a:fillRef>
+          <a:effectRef idx="2">
+            <a:schemeClr val="accent1"/>
+          </a:effectRef>
+          <a:fontRef idx="minor">
+            <a:schemeClr val="lt1"/>
+          </a:fontRef>
+        </p:style>
+        <p:txBody>
+          <a:bodyPr anchor="ctr"/>
+          <a:lstStyle>
+            <a:extLst/>
+          </a:lstStyle>
+          <a:p>
+            <a:pPr algn="l" eaLnBrk="1" latinLnBrk="0" hangingPunct="1"/>
             <a:endParaRPr kumimoji="0" lang="en-US"/>
           </a:p>
         </p:txBody>
@@ -1108,7 +2291,12 @@
 
 <file path=ppt/slideLayouts/slideLayout4.xml><?xml version="1.0" encoding="utf-8"?>
 <p:sldLayout xmlns:a="http://schemas.openxmlformats.org/drawingml/2006/main" xmlns:r="http://schemas.openxmlformats.org/officeDocument/2006/relationships" xmlns:p="http://schemas.openxmlformats.org/presentationml/2006/main" type="twoObj" preserve="1">
-  <p:cSld name="Dos objetos">
+  <p:cSld name="Two Content">
+    <p:bg>
+      <p:bgRef idx="1002">
+        <a:schemeClr val="bg1"/>
+      </p:bgRef>
+    </p:bg>
     <p:spTree>
       <p:nvGrpSpPr>
         <p:cNvPr id="1" name=""/>
@@ -1125,53 +2313,25 @@
       </p:grpSpPr>
       <p:sp>
         <p:nvSpPr>
-          <p:cNvPr id="2" name="1 Título"/>
-          <p:cNvSpPr>
-            <a:spLocks noGrp="1"/>
-          </p:cNvSpPr>
-          <p:nvPr>
-            <p:ph type="title"/>
+          <p:cNvPr id="3" name="Content Placeholder 2"/>
+          <p:cNvSpPr>
+            <a:spLocks noGrp="1"/>
+          </p:cNvSpPr>
+          <p:nvPr>
+            <p:ph sz="half" idx="1"/>
           </p:nvPr>
         </p:nvSpPr>
         <p:spPr>
           <a:xfrm>
-            <a:off x="457200" y="704088"/>
-            <a:ext cx="8229600" cy="1143000"/>
-          </a:xfrm>
-        </p:spPr>
-        <p:txBody>
-          <a:bodyPr/>
-          <a:lstStyle/>
-          <a:p>
-            <a:r>
-              <a:rPr kumimoji="0" lang="es-ES" smtClean="0"/>
-              <a:t>Haga clic para modificar el estilo de título del patrón</a:t>
-            </a:r>
-            <a:endParaRPr kumimoji="0" lang="en-US"/>
-          </a:p>
-        </p:txBody>
-      </p:sp>
-      <p:sp>
-        <p:nvSpPr>
-          <p:cNvPr id="3" name="2 Marcador de contenido"/>
-          <p:cNvSpPr>
-            <a:spLocks noGrp="1"/>
-          </p:cNvSpPr>
-          <p:nvPr>
-            <p:ph sz="half" idx="1"/>
-          </p:nvPr>
-        </p:nvSpPr>
-        <p:spPr>
-          <a:xfrm>
-            <a:off x="457200" y="1920085"/>
-            <a:ext cx="4038600" cy="4434840"/>
+            <a:off x="457200" y="1481328"/>
+            <a:ext cx="4038600" cy="4525963"/>
           </a:xfrm>
         </p:spPr>
         <p:txBody>
           <a:bodyPr/>
           <a:lstStyle>
             <a:lvl1pPr>
-              <a:defRPr sz="2600"/>
+              <a:defRPr sz="2800"/>
             </a:lvl1pPr>
             <a:lvl2pPr>
               <a:defRPr sz="2400"/>
@@ -1185,40 +2345,41 @@
             <a:lvl5pPr>
               <a:defRPr sz="1800"/>
             </a:lvl5pPr>
+            <a:extLst/>
           </a:lstStyle>
           <a:p>
             <a:pPr lvl="0" eaLnBrk="1" latinLnBrk="0" hangingPunct="1"/>
             <a:r>
-              <a:rPr lang="es-ES" smtClean="0"/>
-              <a:t>Haga clic para modificar el estilo de texto del patrón</a:t>
+              <a:rPr lang="en-US" smtClean="0"/>
+              <a:t>Click to edit Master text styles</a:t>
             </a:r>
           </a:p>
           <a:p>
             <a:pPr lvl="1" eaLnBrk="1" latinLnBrk="0" hangingPunct="1"/>
             <a:r>
-              <a:rPr lang="es-ES" smtClean="0"/>
-              <a:t>Segundo nivel</a:t>
+              <a:rPr lang="en-US" smtClean="0"/>
+              <a:t>Second level</a:t>
             </a:r>
           </a:p>
           <a:p>
             <a:pPr lvl="2" eaLnBrk="1" latinLnBrk="0" hangingPunct="1"/>
             <a:r>
-              <a:rPr lang="es-ES" smtClean="0"/>
-              <a:t>Tercer nivel</a:t>
+              <a:rPr lang="en-US" smtClean="0"/>
+              <a:t>Third level</a:t>
             </a:r>
           </a:p>
           <a:p>
             <a:pPr lvl="3" eaLnBrk="1" latinLnBrk="0" hangingPunct="1"/>
             <a:r>
-              <a:rPr lang="es-ES" smtClean="0"/>
-              <a:t>Cuarto nivel</a:t>
+              <a:rPr lang="en-US" smtClean="0"/>
+              <a:t>Fourth level</a:t>
             </a:r>
           </a:p>
           <a:p>
             <a:pPr lvl="4" eaLnBrk="1" latinLnBrk="0" hangingPunct="1"/>
             <a:r>
-              <a:rPr lang="es-ES" smtClean="0"/>
-              <a:t>Quinto nivel</a:t>
+              <a:rPr lang="en-US" smtClean="0"/>
+              <a:t>Fifth level</a:t>
             </a:r>
             <a:endParaRPr kumimoji="0" lang="en-US"/>
           </a:p>
@@ -1226,7 +2387,7 @@
       </p:sp>
       <p:sp>
         <p:nvSpPr>
-          <p:cNvPr id="4" name="3 Marcador de contenido"/>
+          <p:cNvPr id="4" name="Content Placeholder 3"/>
           <p:cNvSpPr>
             <a:spLocks noGrp="1"/>
           </p:cNvSpPr>
@@ -1236,15 +2397,15 @@
         </p:nvSpPr>
         <p:spPr>
           <a:xfrm>
-            <a:off x="4648200" y="1920085"/>
-            <a:ext cx="4038600" cy="4434840"/>
+            <a:off x="4648200" y="1481328"/>
+            <a:ext cx="4038600" cy="4525963"/>
           </a:xfrm>
         </p:spPr>
         <p:txBody>
           <a:bodyPr/>
           <a:lstStyle>
             <a:lvl1pPr>
-              <a:defRPr sz="2600"/>
+              <a:defRPr sz="2800"/>
             </a:lvl1pPr>
             <a:lvl2pPr>
               <a:defRPr sz="2400"/>
@@ -1258,40 +2419,41 @@
             <a:lvl5pPr>
               <a:defRPr sz="1800"/>
             </a:lvl5pPr>
+            <a:extLst/>
           </a:lstStyle>
           <a:p>
             <a:pPr lvl="0" eaLnBrk="1" latinLnBrk="0" hangingPunct="1"/>
             <a:r>
-              <a:rPr lang="es-ES" smtClean="0"/>
-              <a:t>Haga clic para modificar el estilo de texto del patrón</a:t>
+              <a:rPr lang="en-US" smtClean="0"/>
+              <a:t>Click to edit Master text styles</a:t>
             </a:r>
           </a:p>
           <a:p>
             <a:pPr lvl="1" eaLnBrk="1" latinLnBrk="0" hangingPunct="1"/>
             <a:r>
-              <a:rPr lang="es-ES" smtClean="0"/>
-              <a:t>Segundo nivel</a:t>
+              <a:rPr lang="en-US" smtClean="0"/>
+              <a:t>Second level</a:t>
             </a:r>
           </a:p>
           <a:p>
             <a:pPr lvl="2" eaLnBrk="1" latinLnBrk="0" hangingPunct="1"/>
             <a:r>
-              <a:rPr lang="es-ES" smtClean="0"/>
-              <a:t>Tercer nivel</a:t>
+              <a:rPr lang="en-US" smtClean="0"/>
+              <a:t>Third level</a:t>
             </a:r>
           </a:p>
           <a:p>
             <a:pPr lvl="3" eaLnBrk="1" latinLnBrk="0" hangingPunct="1"/>
             <a:r>
-              <a:rPr lang="es-ES" smtClean="0"/>
-              <a:t>Cuarto nivel</a:t>
+              <a:rPr lang="en-US" smtClean="0"/>
+              <a:t>Fourth level</a:t>
             </a:r>
           </a:p>
           <a:p>
             <a:pPr lvl="4" eaLnBrk="1" latinLnBrk="0" hangingPunct="1"/>
             <a:r>
-              <a:rPr lang="es-ES" smtClean="0"/>
-              <a:t>Quinto nivel</a:t>
+              <a:rPr lang="en-US" smtClean="0"/>
+              <a:t>Fifth level</a:t>
             </a:r>
             <a:endParaRPr kumimoji="0" lang="en-US"/>
           </a:p>
@@ -1299,7 +2461,7 @@
       </p:sp>
       <p:sp>
         <p:nvSpPr>
-          <p:cNvPr id="5" name="4 Marcador de fecha"/>
+          <p:cNvPr id="5" name="Date Placeholder 4"/>
           <p:cNvSpPr>
             <a:spLocks noGrp="1"/>
           </p:cNvSpPr>
@@ -1310,20 +2472,28 @@
         <p:spPr/>
         <p:txBody>
           <a:bodyPr/>
-          <a:lstStyle/>
+          <a:lstStyle>
+            <a:extLst/>
+          </a:lstStyle>
           <a:p>
             <a:fld id="{47C9B81F-C347-4BEF-BFDF-29C42F48304A}" type="datetimeFigureOut">
               <a:rPr lang="en-US" smtClean="0"/>
               <a:pPr/>
               <a:t>12/5/2010</a:t>
             </a:fld>
-            <a:endParaRPr lang="en-US"/>
-          </a:p>
-        </p:txBody>
-      </p:sp>
-      <p:sp>
-        <p:nvSpPr>
-          <p:cNvPr id="6" name="5 Marcador de pie de página"/>
+            <a:endParaRPr lang="en-US" dirty="0">
+              <a:solidFill>
+                <a:schemeClr val="tx2">
+                  <a:shade val="90000"/>
+                </a:schemeClr>
+              </a:solidFill>
+            </a:endParaRPr>
+          </a:p>
+        </p:txBody>
+      </p:sp>
+      <p:sp>
+        <p:nvSpPr>
+          <p:cNvPr id="6" name="Footer Placeholder 5"/>
           <p:cNvSpPr>
             <a:spLocks noGrp="1"/>
           </p:cNvSpPr>
@@ -1334,15 +2504,24 @@
         <p:spPr/>
         <p:txBody>
           <a:bodyPr/>
-          <a:lstStyle/>
-          <a:p>
-            <a:endParaRPr kumimoji="0" lang="en-US"/>
-          </a:p>
-        </p:txBody>
-      </p:sp>
-      <p:sp>
-        <p:nvSpPr>
-          <p:cNvPr id="7" name="6 Marcador de número de diapositiva"/>
+          <a:lstStyle>
+            <a:extLst/>
+          </a:lstStyle>
+          <a:p>
+            <a:pPr algn="l" eaLnBrk="1" latinLnBrk="0" hangingPunct="1"/>
+            <a:endParaRPr kumimoji="0" lang="en-US" dirty="0">
+              <a:solidFill>
+                <a:schemeClr val="tx2">
+                  <a:shade val="90000"/>
+                </a:schemeClr>
+              </a:solidFill>
+            </a:endParaRPr>
+          </a:p>
+        </p:txBody>
+      </p:sp>
+      <p:sp>
+        <p:nvSpPr>
+          <p:cNvPr id="7" name="Slide Number Placeholder 6"/>
           <p:cNvSpPr>
             <a:spLocks noGrp="1"/>
           </p:cNvSpPr>
@@ -1353,13 +2532,46 @@
         <p:spPr/>
         <p:txBody>
           <a:bodyPr/>
-          <a:lstStyle/>
+          <a:lstStyle>
+            <a:extLst/>
+          </a:lstStyle>
           <a:p>
             <a:fld id="{042AED99-7FB4-404E-8A97-64753DCE42EC}" type="slidenum">
               <a:rPr kumimoji="0" lang="en-US" smtClean="0"/>
               <a:pPr/>
-              <a:t>‹Nº›</a:t>
+              <a:t>‹#›</a:t>
             </a:fld>
+            <a:endParaRPr kumimoji="0" lang="en-US" dirty="0">
+              <a:solidFill>
+                <a:schemeClr val="tx2">
+                  <a:shade val="90000"/>
+                </a:schemeClr>
+              </a:solidFill>
+            </a:endParaRPr>
+          </a:p>
+        </p:txBody>
+      </p:sp>
+      <p:sp>
+        <p:nvSpPr>
+          <p:cNvPr id="8" name="Title 7"/>
+          <p:cNvSpPr>
+            <a:spLocks noGrp="1"/>
+          </p:cNvSpPr>
+          <p:nvPr>
+            <p:ph type="title"/>
+          </p:nvPr>
+        </p:nvSpPr>
+        <p:spPr/>
+        <p:txBody>
+          <a:bodyPr rtlCol="0"/>
+          <a:lstStyle>
+            <a:extLst/>
+          </a:lstStyle>
+          <a:p>
+            <a:r>
+              <a:rPr kumimoji="0" lang="en-US" smtClean="0"/>
+              <a:t>Click to edit Master title style</a:t>
+            </a:r>
             <a:endParaRPr kumimoji="0" lang="en-US"/>
           </a:p>
         </p:txBody>
@@ -1367,14 +2579,19 @@
     </p:spTree>
   </p:cSld>
   <p:clrMapOvr>
-    <a:masterClrMapping/>
+    <a:overrideClrMapping bg1="dk1" tx1="lt1" bg2="dk2" tx2="lt2" accent1="accent1" accent2="accent2" accent3="accent3" accent4="accent4" accent5="accent5" accent6="accent6" hlink="hlink" folHlink="folHlink"/>
   </p:clrMapOvr>
 </p:sldLayout>
 </file>
 
 <file path=ppt/slideLayouts/slideLayout5.xml><?xml version="1.0" encoding="utf-8"?>
-<p:sldLayout xmlns:a="http://schemas.openxmlformats.org/drawingml/2006/main" xmlns:r="http://schemas.openxmlformats.org/officeDocument/2006/relationships" xmlns:p="http://schemas.openxmlformats.org/presentationml/2006/main" type="twoTxTwoObj" preserve="1">
-  <p:cSld name="Comparación">
+<p:sldLayout xmlns:a="http://schemas.openxmlformats.org/drawingml/2006/main" xmlns:r="http://schemas.openxmlformats.org/officeDocument/2006/relationships" xmlns:p="http://schemas.openxmlformats.org/presentationml/2006/main" showMasterSp="0" type="twoTxTwoObj" preserve="1">
+  <p:cSld name="Comparison">
+    <p:bg>
+      <p:bgRef idx="1003">
+        <a:schemeClr val="bg1"/>
+      </p:bgRef>
+    </p:bg>
     <p:spTree>
       <p:nvGrpSpPr>
         <p:cNvPr id="1" name=""/>
@@ -1391,7 +2608,7 @@
       </p:grpSpPr>
       <p:sp>
         <p:nvSpPr>
-          <p:cNvPr id="2" name="1 Título"/>
+          <p:cNvPr id="2" name="Title 1"/>
           <p:cNvSpPr>
             <a:spLocks noGrp="1"/>
           </p:cNvSpPr>
@@ -1401,21 +2618,22 @@
         </p:nvSpPr>
         <p:spPr>
           <a:xfrm>
-            <a:off x="457200" y="704088"/>
+            <a:off x="457200" y="273050"/>
             <a:ext cx="8229600" cy="1143000"/>
           </a:xfrm>
         </p:spPr>
         <p:txBody>
-          <a:bodyPr tIns="45720" anchor="b"/>
+          <a:bodyPr anchor="ctr"/>
           <a:lstStyle>
             <a:lvl1pPr>
               <a:defRPr/>
             </a:lvl1pPr>
+            <a:extLst/>
           </a:lstStyle>
           <a:p>
             <a:r>
-              <a:rPr kumimoji="0" lang="es-ES" smtClean="0"/>
-              <a:t>Haga clic para modificar el estilo de título del patrón</a:t>
+              <a:rPr kumimoji="0" lang="en-US" smtClean="0"/>
+              <a:t>Click to edit Master title style</a:t>
             </a:r>
             <a:endParaRPr kumimoji="0" lang="en-US"/>
           </a:p>
@@ -1423,7 +2641,7 @@
       </p:sp>
       <p:sp>
         <p:nvSpPr>
-          <p:cNvPr id="3" name="2 Marcador de texto"/>
+          <p:cNvPr id="3" name="Text Placeholder 2"/>
           <p:cNvSpPr>
             <a:spLocks noGrp="1"/>
           </p:cNvSpPr>
@@ -1433,22 +2651,28 @@
         </p:nvSpPr>
         <p:spPr>
           <a:xfrm>
-            <a:off x="457200" y="1855248"/>
-            <a:ext cx="4040188" cy="659352"/>
+            <a:off x="457200" y="5410200"/>
+            <a:ext cx="4040188" cy="762000"/>
           </a:xfrm>
+          <a:solidFill>
+            <a:schemeClr val="accent1"/>
+          </a:solidFill>
+          <a:ln w="9652">
+            <a:solidFill>
+              <a:schemeClr val="accent1"/>
+            </a:solidFill>
+            <a:miter lim="800000"/>
+          </a:ln>
         </p:spPr>
         <p:txBody>
-          <a:bodyPr lIns="45720" tIns="0" rIns="45720" bIns="0" anchor="ctr">
-            <a:noAutofit/>
-          </a:bodyPr>
+          <a:bodyPr lIns="182880" anchor="ctr"/>
           <a:lstStyle>
             <a:lvl1pPr marL="0" indent="0">
               <a:buNone/>
-              <a:defRPr sz="2400" b="1" cap="none" baseline="0">
+              <a:defRPr sz="2400" b="0">
                 <a:solidFill>
-                  <a:schemeClr val="tx2"/>
+                  <a:schemeClr val="bg1"/>
                 </a:solidFill>
-                <a:effectLst/>
               </a:defRPr>
             </a:lvl1pPr>
             <a:lvl2pPr>
@@ -1467,19 +2691,20 @@
               <a:buNone/>
               <a:defRPr sz="1600" b="1"/>
             </a:lvl5pPr>
+            <a:extLst/>
           </a:lstStyle>
           <a:p>
             <a:pPr lvl="0" eaLnBrk="1" latinLnBrk="0" hangingPunct="1"/>
             <a:r>
-              <a:rPr kumimoji="0" lang="es-ES" smtClean="0"/>
-              <a:t>Haga clic para modificar el estilo de texto del patrón</a:t>
-            </a:r>
-          </a:p>
-        </p:txBody>
-      </p:sp>
-      <p:sp>
-        <p:nvSpPr>
-          <p:cNvPr id="4" name="3 Marcador de texto"/>
+              <a:rPr kumimoji="0" lang="en-US" smtClean="0"/>
+              <a:t>Click to edit Master text styles</a:t>
+            </a:r>
+          </a:p>
+        </p:txBody>
+      </p:sp>
+      <p:sp>
+        <p:nvSpPr>
+          <p:cNvPr id="4" name="Text Placeholder 3"/>
           <p:cNvSpPr>
             <a:spLocks noGrp="1"/>
           </p:cNvSpPr>
@@ -1489,20 +2714,28 @@
         </p:nvSpPr>
         <p:spPr>
           <a:xfrm>
-            <a:off x="4645025" y="1859757"/>
-            <a:ext cx="4041775" cy="654843"/>
+            <a:off x="4645026" y="5410200"/>
+            <a:ext cx="4041775" cy="762000"/>
           </a:xfrm>
+          <a:solidFill>
+            <a:schemeClr val="accent1"/>
+          </a:solidFill>
+          <a:ln w="9652">
+            <a:solidFill>
+              <a:schemeClr val="accent1"/>
+            </a:solidFill>
+            <a:miter lim="800000"/>
+          </a:ln>
         </p:spPr>
         <p:txBody>
-          <a:bodyPr lIns="45720" tIns="0" rIns="45720" bIns="0" anchor="ctr"/>
+          <a:bodyPr lIns="182880" anchor="ctr"/>
           <a:lstStyle>
             <a:lvl1pPr marL="0" indent="0">
               <a:buNone/>
-              <a:defRPr sz="2400" b="1" cap="none" baseline="0">
+              <a:defRPr sz="2400" b="0">
                 <a:solidFill>
-                  <a:schemeClr val="tx2"/>
+                  <a:schemeClr val="bg1"/>
                 </a:solidFill>
-                <a:effectLst/>
               </a:defRPr>
             </a:lvl1pPr>
             <a:lvl2pPr>
@@ -1521,19 +2754,20 @@
               <a:buNone/>
               <a:defRPr sz="1600" b="1"/>
             </a:lvl5pPr>
+            <a:extLst/>
           </a:lstStyle>
           <a:p>
             <a:pPr lvl="0" eaLnBrk="1" latinLnBrk="0" hangingPunct="1"/>
             <a:r>
-              <a:rPr kumimoji="0" lang="es-ES" smtClean="0"/>
-              <a:t>Haga clic para modificar el estilo de texto del patrón</a:t>
-            </a:r>
-          </a:p>
-        </p:txBody>
-      </p:sp>
-      <p:sp>
-        <p:nvSpPr>
-          <p:cNvPr id="5" name="4 Marcador de contenido"/>
+              <a:rPr kumimoji="0" lang="en-US" smtClean="0"/>
+              <a:t>Click to edit Master text styles</a:t>
+            </a:r>
+          </a:p>
+        </p:txBody>
+      </p:sp>
+      <p:sp>
+        <p:nvSpPr>
+          <p:cNvPr id="5" name="Content Placeholder 4"/>
           <p:cNvSpPr>
             <a:spLocks noGrp="1"/>
           </p:cNvSpPr>
@@ -1543,15 +2777,20 @@
         </p:nvSpPr>
         <p:spPr>
           <a:xfrm>
-            <a:off x="457200" y="2514600"/>
-            <a:ext cx="4040188" cy="3845720"/>
+            <a:off x="457200" y="1444294"/>
+            <a:ext cx="4040188" cy="3941763"/>
           </a:xfrm>
+          <a:ln>
+            <a:noFill/>
+            <a:prstDash val="sysDash"/>
+            <a:miter lim="800000"/>
+          </a:ln>
         </p:spPr>
         <p:txBody>
-          <a:bodyPr tIns="0"/>
+          <a:bodyPr/>
           <a:lstStyle>
             <a:lvl1pPr>
-              <a:defRPr sz="2200"/>
+              <a:defRPr sz="2400"/>
             </a:lvl1pPr>
             <a:lvl2pPr>
               <a:defRPr sz="2000"/>
@@ -1565,40 +2804,41 @@
             <a:lvl5pPr>
               <a:defRPr sz="1600"/>
             </a:lvl5pPr>
+            <a:extLst/>
           </a:lstStyle>
           <a:p>
             <a:pPr lvl="0" eaLnBrk="1" latinLnBrk="0" hangingPunct="1"/>
             <a:r>
-              <a:rPr lang="es-ES" smtClean="0"/>
-              <a:t>Haga clic para modificar el estilo de texto del patrón</a:t>
+              <a:rPr lang="en-US" smtClean="0"/>
+              <a:t>Click to edit Master text styles</a:t>
             </a:r>
           </a:p>
           <a:p>
             <a:pPr lvl="1" eaLnBrk="1" latinLnBrk="0" hangingPunct="1"/>
             <a:r>
-              <a:rPr lang="es-ES" smtClean="0"/>
-              <a:t>Segundo nivel</a:t>
+              <a:rPr lang="en-US" smtClean="0"/>
+              <a:t>Second level</a:t>
             </a:r>
           </a:p>
           <a:p>
             <a:pPr lvl="2" eaLnBrk="1" latinLnBrk="0" hangingPunct="1"/>
             <a:r>
-              <a:rPr lang="es-ES" smtClean="0"/>
-              <a:t>Tercer nivel</a:t>
+              <a:rPr lang="en-US" smtClean="0"/>
+              <a:t>Third level</a:t>
             </a:r>
           </a:p>
           <a:p>
             <a:pPr lvl="3" eaLnBrk="1" latinLnBrk="0" hangingPunct="1"/>
             <a:r>
-              <a:rPr lang="es-ES" smtClean="0"/>
-              <a:t>Cuarto nivel</a:t>
+              <a:rPr lang="en-US" smtClean="0"/>
+              <a:t>Fourth level</a:t>
             </a:r>
           </a:p>
           <a:p>
             <a:pPr lvl="4" eaLnBrk="1" latinLnBrk="0" hangingPunct="1"/>
             <a:r>
-              <a:rPr lang="es-ES" smtClean="0"/>
-              <a:t>Quinto nivel</a:t>
+              <a:rPr lang="en-US" smtClean="0"/>
+              <a:t>Fifth level</a:t>
             </a:r>
             <a:endParaRPr kumimoji="0" lang="en-US"/>
           </a:p>
@@ -1606,7 +2846,7 @@
       </p:sp>
       <p:sp>
         <p:nvSpPr>
-          <p:cNvPr id="6" name="5 Marcador de contenido"/>
+          <p:cNvPr id="6" name="Content Placeholder 5"/>
           <p:cNvSpPr>
             <a:spLocks noGrp="1"/>
           </p:cNvSpPr>
@@ -1616,15 +2856,23 @@
         </p:nvSpPr>
         <p:spPr>
           <a:xfrm>
-            <a:off x="4645025" y="2514600"/>
-            <a:ext cx="4041775" cy="3845720"/>
+            <a:off x="4645025" y="1444294"/>
+            <a:ext cx="4041775" cy="3941763"/>
           </a:xfrm>
+          <a:ln>
+            <a:noFill/>
+            <a:prstDash val="sysDash"/>
+            <a:miter lim="800000"/>
+          </a:ln>
         </p:spPr>
         <p:txBody>
-          <a:bodyPr tIns="0"/>
+          <a:bodyPr/>
           <a:lstStyle>
             <a:lvl1pPr>
-              <a:defRPr sz="2200"/>
+              <a:spcBef>
+                <a:spcPts val="0"/>
+              </a:spcBef>
+              <a:defRPr sz="2400"/>
             </a:lvl1pPr>
             <a:lvl2pPr>
               <a:defRPr sz="2000"/>
@@ -1638,40 +2886,41 @@
             <a:lvl5pPr>
               <a:defRPr sz="1600"/>
             </a:lvl5pPr>
+            <a:extLst/>
           </a:lstStyle>
           <a:p>
             <a:pPr lvl="0" eaLnBrk="1" latinLnBrk="0" hangingPunct="1"/>
             <a:r>
-              <a:rPr lang="es-ES" smtClean="0"/>
-              <a:t>Haga clic para modificar el estilo de texto del patrón</a:t>
+              <a:rPr lang="en-US" smtClean="0"/>
+              <a:t>Click to edit Master text styles</a:t>
             </a:r>
           </a:p>
           <a:p>
             <a:pPr lvl="1" eaLnBrk="1" latinLnBrk="0" hangingPunct="1"/>
             <a:r>
-              <a:rPr lang="es-ES" smtClean="0"/>
-              <a:t>Segundo nivel</a:t>
+              <a:rPr lang="en-US" smtClean="0"/>
+              <a:t>Second level</a:t>
             </a:r>
           </a:p>
           <a:p>
             <a:pPr lvl="2" eaLnBrk="1" latinLnBrk="0" hangingPunct="1"/>
             <a:r>
-              <a:rPr lang="es-ES" smtClean="0"/>
-              <a:t>Tercer nivel</a:t>
+              <a:rPr lang="en-US" smtClean="0"/>
+              <a:t>Third level</a:t>
             </a:r>
           </a:p>
           <a:p>
             <a:pPr lvl="3" eaLnBrk="1" latinLnBrk="0" hangingPunct="1"/>
             <a:r>
-              <a:rPr lang="es-ES" smtClean="0"/>
-              <a:t>Cuarto nivel</a:t>
+              <a:rPr lang="en-US" smtClean="0"/>
+              <a:t>Fourth level</a:t>
             </a:r>
           </a:p>
           <a:p>
             <a:pPr lvl="4" eaLnBrk="1" latinLnBrk="0" hangingPunct="1"/>
             <a:r>
-              <a:rPr lang="es-ES" smtClean="0"/>
-              <a:t>Quinto nivel</a:t>
+              <a:rPr lang="en-US" smtClean="0"/>
+              <a:t>Fifth level</a:t>
             </a:r>
             <a:endParaRPr kumimoji="0" lang="en-US"/>
           </a:p>
@@ -1679,7 +2928,7 @@
       </p:sp>
       <p:sp>
         <p:nvSpPr>
-          <p:cNvPr id="7" name="6 Marcador de fecha"/>
+          <p:cNvPr id="7" name="Date Placeholder 6"/>
           <p:cNvSpPr>
             <a:spLocks noGrp="1"/>
           </p:cNvSpPr>
@@ -1690,20 +2939,28 @@
         <p:spPr/>
         <p:txBody>
           <a:bodyPr/>
-          <a:lstStyle/>
+          <a:lstStyle>
+            <a:extLst/>
+          </a:lstStyle>
           <a:p>
             <a:fld id="{47C9B81F-C347-4BEF-BFDF-29C42F48304A}" type="datetimeFigureOut">
               <a:rPr lang="en-US" smtClean="0"/>
               <a:pPr/>
               <a:t>12/5/2010</a:t>
             </a:fld>
-            <a:endParaRPr lang="en-US"/>
-          </a:p>
-        </p:txBody>
-      </p:sp>
-      <p:sp>
-        <p:nvSpPr>
-          <p:cNvPr id="8" name="7 Marcador de pie de página"/>
+            <a:endParaRPr lang="en-US" dirty="0">
+              <a:solidFill>
+                <a:schemeClr val="tx2">
+                  <a:shade val="90000"/>
+                </a:schemeClr>
+              </a:solidFill>
+            </a:endParaRPr>
+          </a:p>
+        </p:txBody>
+      </p:sp>
+      <p:sp>
+        <p:nvSpPr>
+          <p:cNvPr id="8" name="Footer Placeholder 7"/>
           <p:cNvSpPr>
             <a:spLocks noGrp="1"/>
           </p:cNvSpPr>
@@ -1714,15 +2971,24 @@
         <p:spPr/>
         <p:txBody>
           <a:bodyPr/>
-          <a:lstStyle/>
-          <a:p>
-            <a:endParaRPr kumimoji="0" lang="en-US" dirty="0"/>
-          </a:p>
-        </p:txBody>
-      </p:sp>
-      <p:sp>
-        <p:nvSpPr>
-          <p:cNvPr id="9" name="8 Marcador de número de diapositiva"/>
+          <a:lstStyle>
+            <a:extLst/>
+          </a:lstStyle>
+          <a:p>
+            <a:pPr algn="l" eaLnBrk="1" latinLnBrk="0" hangingPunct="1"/>
+            <a:endParaRPr kumimoji="0" lang="en-US" dirty="0">
+              <a:solidFill>
+                <a:schemeClr val="tx2">
+                  <a:shade val="90000"/>
+                </a:schemeClr>
+              </a:solidFill>
+            </a:endParaRPr>
+          </a:p>
+        </p:txBody>
+      </p:sp>
+      <p:sp>
+        <p:nvSpPr>
+          <p:cNvPr id="9" name="Slide Number Placeholder 8"/>
           <p:cNvSpPr>
             <a:spLocks noGrp="1"/>
           </p:cNvSpPr>
@@ -1733,28 +2999,41 @@
         <p:spPr/>
         <p:txBody>
           <a:bodyPr/>
-          <a:lstStyle/>
+          <a:lstStyle>
+            <a:extLst/>
+          </a:lstStyle>
           <a:p>
             <a:fld id="{042AED99-7FB4-404E-8A97-64753DCE42EC}" type="slidenum">
               <a:rPr kumimoji="0" lang="en-US" smtClean="0"/>
               <a:pPr/>
-              <a:t>‹Nº›</a:t>
+              <a:t>‹#›</a:t>
             </a:fld>
-            <a:endParaRPr kumimoji="0" lang="en-US"/>
+            <a:endParaRPr kumimoji="0" lang="en-US" dirty="0">
+              <a:solidFill>
+                <a:schemeClr val="tx2">
+                  <a:shade val="90000"/>
+                </a:schemeClr>
+              </a:solidFill>
+            </a:endParaRPr>
           </a:p>
         </p:txBody>
       </p:sp>
     </p:spTree>
   </p:cSld>
   <p:clrMapOvr>
-    <a:masterClrMapping/>
+    <a:overrideClrMapping bg1="lt1" tx1="dk1" bg2="lt2" tx2="dk2" accent1="accent1" accent2="accent2" accent3="accent3" accent4="accent4" accent5="accent5" accent6="accent6" hlink="hlink" folHlink="folHlink"/>
   </p:clrMapOvr>
 </p:sldLayout>
 </file>
 
 <file path=ppt/slideLayouts/slideLayout6.xml><?xml version="1.0" encoding="utf-8"?>
 <p:sldLayout xmlns:a="http://schemas.openxmlformats.org/drawingml/2006/main" xmlns:r="http://schemas.openxmlformats.org/officeDocument/2006/relationships" xmlns:p="http://schemas.openxmlformats.org/presentationml/2006/main" type="titleOnly" preserve="1">
-  <p:cSld name="Sólo el título">
+  <p:cSld name="Title Only">
+    <p:bg>
+      <p:bgRef idx="1002">
+        <a:schemeClr val="bg1"/>
+      </p:bgRef>
+    </p:bg>
     <p:spTree>
       <p:nvGrpSpPr>
         <p:cNvPr id="1" name=""/>
@@ -1771,91 +3050,39 @@
       </p:grpSpPr>
       <p:sp>
         <p:nvSpPr>
-          <p:cNvPr id="2" name="1 Título"/>
-          <p:cNvSpPr>
-            <a:spLocks noGrp="1"/>
-          </p:cNvSpPr>
-          <p:nvPr>
-            <p:ph type="title"/>
-          </p:nvPr>
-        </p:nvSpPr>
-        <p:spPr>
-          <a:xfrm>
-            <a:off x="457200" y="704088"/>
-            <a:ext cx="8305800" cy="1143000"/>
-          </a:xfrm>
-        </p:spPr>
-        <p:txBody>
-          <a:bodyPr vert="horz" tIns="45720" bIns="0" anchor="b">
-            <a:normAutofit/>
-            <a:scene3d>
-              <a:camera prst="orthographicFront"/>
-              <a:lightRig rig="freezing" dir="t">
-                <a:rot lat="0" lon="0" rev="5640000"/>
-              </a:lightRig>
-            </a:scene3d>
-            <a:sp3d prstMaterial="flat">
-              <a:contourClr>
-                <a:schemeClr val="tx2"/>
-              </a:contourClr>
-            </a:sp3d>
-          </a:bodyPr>
+          <p:cNvPr id="3" name="Date Placeholder 2"/>
+          <p:cNvSpPr>
+            <a:spLocks noGrp="1"/>
+          </p:cNvSpPr>
+          <p:nvPr>
+            <p:ph type="dt" sz="half" idx="10"/>
+          </p:nvPr>
+        </p:nvSpPr>
+        <p:spPr/>
+        <p:txBody>
+          <a:bodyPr/>
           <a:lstStyle>
-            <a:lvl1pPr algn="l" rtl="0">
-              <a:spcBef>
-                <a:spcPct val="0"/>
-              </a:spcBef>
-              <a:buNone/>
-              <a:defRPr sz="5000" b="0">
-                <a:ln>
-                  <a:noFill/>
-                </a:ln>
-                <a:solidFill>
-                  <a:schemeClr val="tx2"/>
-                </a:solidFill>
-                <a:effectLst/>
-                <a:latin typeface="+mj-lt"/>
-                <a:ea typeface="+mj-ea"/>
-                <a:cs typeface="+mj-cs"/>
-              </a:defRPr>
-            </a:lvl1pPr>
+            <a:extLst/>
           </a:lstStyle>
-          <a:p>
-            <a:r>
-              <a:rPr kumimoji="0" lang="es-ES" smtClean="0"/>
-              <a:t>Haga clic para modificar el estilo de título del patrón</a:t>
-            </a:r>
-            <a:endParaRPr kumimoji="0" lang="en-US"/>
-          </a:p>
-        </p:txBody>
-      </p:sp>
-      <p:sp>
-        <p:nvSpPr>
-          <p:cNvPr id="3" name="2 Marcador de fecha"/>
-          <p:cNvSpPr>
-            <a:spLocks noGrp="1"/>
-          </p:cNvSpPr>
-          <p:nvPr>
-            <p:ph type="dt" sz="half" idx="10"/>
-          </p:nvPr>
-        </p:nvSpPr>
-        <p:spPr/>
-        <p:txBody>
-          <a:bodyPr/>
-          <a:lstStyle/>
           <a:p>
             <a:fld id="{47C9B81F-C347-4BEF-BFDF-29C42F48304A}" type="datetimeFigureOut">
               <a:rPr lang="en-US" smtClean="0"/>
               <a:pPr/>
               <a:t>12/5/2010</a:t>
             </a:fld>
-            <a:endParaRPr lang="en-US"/>
-          </a:p>
-        </p:txBody>
-      </p:sp>
-      <p:sp>
-        <p:nvSpPr>
-          <p:cNvPr id="4" name="3 Marcador de pie de página"/>
+            <a:endParaRPr lang="en-US" dirty="0">
+              <a:solidFill>
+                <a:schemeClr val="tx2">
+                  <a:shade val="90000"/>
+                </a:schemeClr>
+              </a:solidFill>
+            </a:endParaRPr>
+          </a:p>
+        </p:txBody>
+      </p:sp>
+      <p:sp>
+        <p:nvSpPr>
+          <p:cNvPr id="4" name="Footer Placeholder 3"/>
           <p:cNvSpPr>
             <a:spLocks noGrp="1"/>
           </p:cNvSpPr>
@@ -1866,15 +3093,24 @@
         <p:spPr/>
         <p:txBody>
           <a:bodyPr/>
-          <a:lstStyle/>
-          <a:p>
-            <a:endParaRPr kumimoji="0" lang="en-US"/>
-          </a:p>
-        </p:txBody>
-      </p:sp>
-      <p:sp>
-        <p:nvSpPr>
-          <p:cNvPr id="5" name="4 Marcador de número de diapositiva"/>
+          <a:lstStyle>
+            <a:extLst/>
+          </a:lstStyle>
+          <a:p>
+            <a:pPr algn="l" eaLnBrk="1" latinLnBrk="0" hangingPunct="1"/>
+            <a:endParaRPr kumimoji="0" lang="en-US" dirty="0">
+              <a:solidFill>
+                <a:schemeClr val="tx2">
+                  <a:shade val="90000"/>
+                </a:schemeClr>
+              </a:solidFill>
+            </a:endParaRPr>
+          </a:p>
+        </p:txBody>
+      </p:sp>
+      <p:sp>
+        <p:nvSpPr>
+          <p:cNvPr id="5" name="Slide Number Placeholder 4"/>
           <p:cNvSpPr>
             <a:spLocks noGrp="1"/>
           </p:cNvSpPr>
@@ -1885,13 +3121,46 @@
         <p:spPr/>
         <p:txBody>
           <a:bodyPr/>
-          <a:lstStyle/>
+          <a:lstStyle>
+            <a:extLst/>
+          </a:lstStyle>
           <a:p>
             <a:fld id="{042AED99-7FB4-404E-8A97-64753DCE42EC}" type="slidenum">
               <a:rPr kumimoji="0" lang="en-US" smtClean="0"/>
               <a:pPr/>
-              <a:t>‹Nº›</a:t>
+              <a:t>‹#›</a:t>
             </a:fld>
+            <a:endParaRPr kumimoji="0" lang="en-US" dirty="0">
+              <a:solidFill>
+                <a:schemeClr val="tx2">
+                  <a:shade val="90000"/>
+                </a:schemeClr>
+              </a:solidFill>
+            </a:endParaRPr>
+          </a:p>
+        </p:txBody>
+      </p:sp>
+      <p:sp>
+        <p:nvSpPr>
+          <p:cNvPr id="6" name="Title 5"/>
+          <p:cNvSpPr>
+            <a:spLocks noGrp="1"/>
+          </p:cNvSpPr>
+          <p:nvPr>
+            <p:ph type="title"/>
+          </p:nvPr>
+        </p:nvSpPr>
+        <p:spPr/>
+        <p:txBody>
+          <a:bodyPr rtlCol="0"/>
+          <a:lstStyle>
+            <a:extLst/>
+          </a:lstStyle>
+          <a:p>
+            <a:r>
+              <a:rPr kumimoji="0" lang="en-US" smtClean="0"/>
+              <a:t>Click to edit Master title style</a:t>
+            </a:r>
             <a:endParaRPr kumimoji="0" lang="en-US"/>
           </a:p>
         </p:txBody>
@@ -1899,14 +3168,14 @@
     </p:spTree>
   </p:cSld>
   <p:clrMapOvr>
-    <a:masterClrMapping/>
+    <a:overrideClrMapping bg1="dk1" tx1="lt1" bg2="dk2" tx2="lt2" accent1="accent1" accent2="accent2" accent3="accent3" accent4="accent4" accent5="accent5" accent6="accent6" hlink="hlink" folHlink="folHlink"/>
   </p:clrMapOvr>
 </p:sldLayout>
 </file>
 
 <file path=ppt/slideLayouts/slideLayout7.xml><?xml version="1.0" encoding="utf-8"?>
 <p:sldLayout xmlns:a="http://schemas.openxmlformats.org/drawingml/2006/main" xmlns:r="http://schemas.openxmlformats.org/officeDocument/2006/relationships" xmlns:p="http://schemas.openxmlformats.org/presentationml/2006/main" type="blank" preserve="1">
-  <p:cSld name="En blanco">
+  <p:cSld name="Blank">
     <p:spTree>
       <p:nvGrpSpPr>
         <p:cNvPr id="1" name=""/>
@@ -1923,7 +3192,7 @@
       </p:grpSpPr>
       <p:sp>
         <p:nvSpPr>
-          <p:cNvPr id="2" name="1 Marcador de fecha"/>
+          <p:cNvPr id="2" name="Date Placeholder 1"/>
           <p:cNvSpPr>
             <a:spLocks noGrp="1"/>
           </p:cNvSpPr>
@@ -1934,20 +3203,28 @@
         <p:spPr/>
         <p:txBody>
           <a:bodyPr/>
-          <a:lstStyle/>
+          <a:lstStyle>
+            <a:extLst/>
+          </a:lstStyle>
           <a:p>
             <a:fld id="{47C9B81F-C347-4BEF-BFDF-29C42F48304A}" type="datetimeFigureOut">
               <a:rPr lang="en-US" smtClean="0"/>
               <a:pPr/>
               <a:t>12/5/2010</a:t>
             </a:fld>
-            <a:endParaRPr lang="en-US"/>
-          </a:p>
-        </p:txBody>
-      </p:sp>
-      <p:sp>
-        <p:nvSpPr>
-          <p:cNvPr id="3" name="2 Marcador de pie de página"/>
+            <a:endParaRPr lang="en-US" dirty="0">
+              <a:solidFill>
+                <a:schemeClr val="tx2">
+                  <a:shade val="90000"/>
+                </a:schemeClr>
+              </a:solidFill>
+            </a:endParaRPr>
+          </a:p>
+        </p:txBody>
+      </p:sp>
+      <p:sp>
+        <p:nvSpPr>
+          <p:cNvPr id="3" name="Footer Placeholder 2"/>
           <p:cNvSpPr>
             <a:spLocks noGrp="1"/>
           </p:cNvSpPr>
@@ -1958,15 +3235,24 @@
         <p:spPr/>
         <p:txBody>
           <a:bodyPr/>
-          <a:lstStyle/>
-          <a:p>
-            <a:endParaRPr kumimoji="0" lang="en-US"/>
-          </a:p>
-        </p:txBody>
-      </p:sp>
-      <p:sp>
-        <p:nvSpPr>
-          <p:cNvPr id="4" name="3 Marcador de número de diapositiva"/>
+          <a:lstStyle>
+            <a:extLst/>
+          </a:lstStyle>
+          <a:p>
+            <a:pPr algn="l" eaLnBrk="1" latinLnBrk="0" hangingPunct="1"/>
+            <a:endParaRPr kumimoji="0" lang="en-US" dirty="0">
+              <a:solidFill>
+                <a:schemeClr val="tx2">
+                  <a:shade val="90000"/>
+                </a:schemeClr>
+              </a:solidFill>
+            </a:endParaRPr>
+          </a:p>
+        </p:txBody>
+      </p:sp>
+      <p:sp>
+        <p:nvSpPr>
+          <p:cNvPr id="4" name="Slide Number Placeholder 3"/>
           <p:cNvSpPr>
             <a:spLocks noGrp="1"/>
           </p:cNvSpPr>
@@ -1977,14 +3263,22 @@
         <p:spPr/>
         <p:txBody>
           <a:bodyPr/>
-          <a:lstStyle/>
+          <a:lstStyle>
+            <a:extLst/>
+          </a:lstStyle>
           <a:p>
             <a:fld id="{042AED99-7FB4-404E-8A97-64753DCE42EC}" type="slidenum">
               <a:rPr kumimoji="0" lang="en-US" smtClean="0"/>
               <a:pPr/>
-              <a:t>‹Nº›</a:t>
+              <a:t>‹#›</a:t>
             </a:fld>
-            <a:endParaRPr kumimoji="0" lang="en-US"/>
+            <a:endParaRPr kumimoji="0" lang="en-US" dirty="0">
+              <a:solidFill>
+                <a:schemeClr val="tx2">
+                  <a:shade val="90000"/>
+                </a:schemeClr>
+              </a:solidFill>
+            </a:endParaRPr>
           </a:p>
         </p:txBody>
       </p:sp>
@@ -1997,8 +3291,13 @@
 </file>
 
 <file path=ppt/slideLayouts/slideLayout8.xml><?xml version="1.0" encoding="utf-8"?>
-<p:sldLayout xmlns:a="http://schemas.openxmlformats.org/drawingml/2006/main" xmlns:r="http://schemas.openxmlformats.org/officeDocument/2006/relationships" xmlns:p="http://schemas.openxmlformats.org/presentationml/2006/main" type="objTx" preserve="1">
-  <p:cSld name="Contenido con título">
+<p:sldLayout xmlns:a="http://schemas.openxmlformats.org/drawingml/2006/main" xmlns:r="http://schemas.openxmlformats.org/officeDocument/2006/relationships" xmlns:p="http://schemas.openxmlformats.org/presentationml/2006/main" showMasterSp="0" type="objTx" preserve="1">
+  <p:cSld name="Content with Caption">
+    <p:bg>
+      <p:bgRef idx="1003">
+        <a:schemeClr val="bg1"/>
+      </p:bgRef>
+    </p:bg>
     <p:spTree>
       <p:nvGrpSpPr>
         <p:cNvPr id="1" name=""/>
@@ -2015,7 +3314,7 @@
       </p:grpSpPr>
       <p:sp>
         <p:nvSpPr>
-          <p:cNvPr id="2" name="1 Título"/>
+          <p:cNvPr id="2" name="Title 1"/>
           <p:cNvSpPr>
             <a:spLocks noGrp="1"/>
           </p:cNvSpPr>
@@ -2025,38 +3324,33 @@
         </p:nvSpPr>
         <p:spPr>
           <a:xfrm>
-            <a:off x="685800" y="514352"/>
-            <a:ext cx="2743200" cy="1162050"/>
+            <a:off x="914400" y="4876800"/>
+            <a:ext cx="7481776" cy="457200"/>
           </a:xfrm>
         </p:spPr>
         <p:txBody>
-          <a:bodyPr lIns="0" anchor="b">
+          <a:bodyPr vert="horz" anchor="t">
             <a:noAutofit/>
+            <a:sp3d prstMaterial="softEdge">
+              <a:bevelT w="0" h="0"/>
+            </a:sp3d>
           </a:bodyPr>
           <a:lstStyle>
-            <a:lvl1pPr algn="l" rtl="0">
-              <a:spcBef>
-                <a:spcPct val="0"/>
-              </a:spcBef>
+            <a:lvl1pPr algn="r">
               <a:buNone/>
-              <a:defRPr sz="2600" b="0">
-                <a:ln>
-                  <a:noFill/>
-                </a:ln>
+              <a:defRPr sz="2500" b="0">
                 <a:solidFill>
-                  <a:schemeClr val="tx2"/>
+                  <a:schemeClr val="accent1"/>
                 </a:solidFill>
                 <a:effectLst/>
-                <a:latin typeface="+mj-lt"/>
-                <a:ea typeface="+mj-ea"/>
-                <a:cs typeface="+mj-cs"/>
               </a:defRPr>
             </a:lvl1pPr>
+            <a:extLst/>
           </a:lstStyle>
           <a:p>
             <a:r>
-              <a:rPr kumimoji="0" lang="es-ES" smtClean="0"/>
-              <a:t>Haga clic para modificar el estilo de título del patrón</a:t>
+              <a:rPr kumimoji="0" lang="en-US" smtClean="0"/>
+              <a:t>Click to edit Master title style</a:t>
             </a:r>
             <a:endParaRPr kumimoji="0" lang="en-US"/>
           </a:p>
@@ -2064,7 +3358,7 @@
       </p:sp>
       <p:sp>
         <p:nvSpPr>
-          <p:cNvPr id="3" name="2 Marcador de texto"/>
+          <p:cNvPr id="3" name="Text Placeholder 2"/>
           <p:cNvSpPr>
             <a:spLocks noGrp="1"/>
           </p:cNvSpPr>
@@ -2074,46 +3368,47 @@
         </p:nvSpPr>
         <p:spPr>
           <a:xfrm>
-            <a:off x="685800" y="1676400"/>
-            <a:ext cx="2743200" cy="4572000"/>
+            <a:off x="4419600" y="5355102"/>
+            <a:ext cx="3974592" cy="914400"/>
           </a:xfrm>
         </p:spPr>
         <p:txBody>
-          <a:bodyPr lIns="18288" rIns="18288"/>
+          <a:bodyPr/>
           <a:lstStyle>
-            <a:lvl1pPr marL="0" indent="0" algn="l">
+            <a:lvl1pPr marL="0" indent="0" algn="r">
               <a:buNone/>
-              <a:defRPr sz="1400"/>
+              <a:defRPr sz="1600"/>
             </a:lvl1pPr>
-            <a:lvl2pPr indent="0" algn="l">
+            <a:lvl2pPr>
               <a:buNone/>
               <a:defRPr sz="1200"/>
             </a:lvl2pPr>
-            <a:lvl3pPr indent="0" algn="l">
+            <a:lvl3pPr>
               <a:buNone/>
               <a:defRPr sz="1000"/>
             </a:lvl3pPr>
-            <a:lvl4pPr indent="0" algn="l">
+            <a:lvl4pPr>
               <a:buNone/>
               <a:defRPr sz="900"/>
             </a:lvl4pPr>
-            <a:lvl5pPr indent="0" algn="l">
+            <a:lvl5pPr>
               <a:buNone/>
               <a:defRPr sz="900"/>
             </a:lvl5pPr>
+            <a:extLst/>
           </a:lstStyle>
           <a:p>
             <a:pPr lvl="0" eaLnBrk="1" latinLnBrk="0" hangingPunct="1"/>
             <a:r>
-              <a:rPr kumimoji="0" lang="es-ES" smtClean="0"/>
-              <a:t>Haga clic para modificar el estilo de texto del patrón</a:t>
-            </a:r>
-          </a:p>
-        </p:txBody>
-      </p:sp>
-      <p:sp>
-        <p:nvSpPr>
-          <p:cNvPr id="4" name="3 Marcador de contenido"/>
+              <a:rPr kumimoji="0" lang="en-US" smtClean="0"/>
+              <a:t>Click to edit Master text styles</a:t>
+            </a:r>
+          </a:p>
+        </p:txBody>
+      </p:sp>
+      <p:sp>
+        <p:nvSpPr>
+          <p:cNvPr id="4" name="Content Placeholder 3"/>
           <p:cNvSpPr>
             <a:spLocks noGrp="1"/>
           </p:cNvSpPr>
@@ -2123,18 +3418,18 @@
         </p:nvSpPr>
         <p:spPr>
           <a:xfrm>
-            <a:off x="3575050" y="1676400"/>
-            <a:ext cx="5111750" cy="4572000"/>
+            <a:off x="914400" y="274320"/>
+            <a:ext cx="7479792" cy="4572000"/>
           </a:xfrm>
         </p:spPr>
         <p:txBody>
-          <a:bodyPr tIns="0"/>
+          <a:bodyPr/>
           <a:lstStyle>
             <a:lvl1pPr>
-              <a:defRPr sz="2800"/>
+              <a:defRPr sz="3200"/>
             </a:lvl1pPr>
             <a:lvl2pPr>
-              <a:defRPr sz="2600"/>
+              <a:defRPr sz="2800"/>
             </a:lvl2pPr>
             <a:lvl3pPr>
               <a:defRPr sz="2400"/>
@@ -2143,42 +3438,43 @@
               <a:defRPr sz="2000"/>
             </a:lvl4pPr>
             <a:lvl5pPr>
-              <a:defRPr sz="1800"/>
+              <a:defRPr sz="2000"/>
             </a:lvl5pPr>
+            <a:extLst/>
           </a:lstStyle>
           <a:p>
             <a:pPr lvl="0" eaLnBrk="1" latinLnBrk="0" hangingPunct="1"/>
             <a:r>
-              <a:rPr lang="es-ES" smtClean="0"/>
-              <a:t>Haga clic para modificar el estilo de texto del patrón</a:t>
+              <a:rPr lang="en-US" smtClean="0"/>
+              <a:t>Click to edit Master text styles</a:t>
             </a:r>
           </a:p>
           <a:p>
             <a:pPr lvl="1" eaLnBrk="1" latinLnBrk="0" hangingPunct="1"/>
             <a:r>
-              <a:rPr lang="es-ES" smtClean="0"/>
-              <a:t>Segundo nivel</a:t>
+              <a:rPr lang="en-US" smtClean="0"/>
+              <a:t>Second level</a:t>
             </a:r>
           </a:p>
           <a:p>
             <a:pPr lvl="2" eaLnBrk="1" latinLnBrk="0" hangingPunct="1"/>
             <a:r>
-              <a:rPr lang="es-ES" smtClean="0"/>
-              <a:t>Tercer nivel</a:t>
+              <a:rPr lang="en-US" smtClean="0"/>
+              <a:t>Third level</a:t>
             </a:r>
           </a:p>
           <a:p>
             <a:pPr lvl="3" eaLnBrk="1" latinLnBrk="0" hangingPunct="1"/>
             <a:r>
-              <a:rPr lang="es-ES" smtClean="0"/>
-              <a:t>Cuarto nivel</a:t>
+              <a:rPr lang="en-US" smtClean="0"/>
+              <a:t>Fourth level</a:t>
             </a:r>
           </a:p>
           <a:p>
             <a:pPr lvl="4" eaLnBrk="1" latinLnBrk="0" hangingPunct="1"/>
             <a:r>
-              <a:rPr lang="es-ES" smtClean="0"/>
-              <a:t>Quinto nivel</a:t>
+              <a:rPr lang="en-US" smtClean="0"/>
+              <a:t>Fifth level</a:t>
             </a:r>
             <a:endParaRPr kumimoji="0" lang="en-US"/>
           </a:p>
@@ -2186,7 +3482,7 @@
       </p:sp>
       <p:sp>
         <p:nvSpPr>
-          <p:cNvPr id="5" name="4 Marcador de fecha"/>
+          <p:cNvPr id="5" name="Date Placeholder 4"/>
           <p:cNvSpPr>
             <a:spLocks noGrp="1"/>
           </p:cNvSpPr>
@@ -2194,23 +3490,36 @@
             <p:ph type="dt" sz="half" idx="10"/>
           </p:nvPr>
         </p:nvSpPr>
-        <p:spPr/>
+        <p:spPr>
+          <a:xfrm>
+            <a:off x="6727032" y="6407944"/>
+            <a:ext cx="1920240" cy="365760"/>
+          </a:xfrm>
+        </p:spPr>
         <p:txBody>
           <a:bodyPr/>
-          <a:lstStyle/>
+          <a:lstStyle>
+            <a:extLst/>
+          </a:lstStyle>
           <a:p>
             <a:fld id="{47C9B81F-C347-4BEF-BFDF-29C42F48304A}" type="datetimeFigureOut">
               <a:rPr lang="en-US" smtClean="0"/>
               <a:pPr/>
               <a:t>12/5/2010</a:t>
             </a:fld>
-            <a:endParaRPr lang="en-US"/>
-          </a:p>
-        </p:txBody>
-      </p:sp>
-      <p:sp>
-        <p:nvSpPr>
-          <p:cNvPr id="6" name="5 Marcador de pie de página"/>
+            <a:endParaRPr lang="en-US" dirty="0">
+              <a:solidFill>
+                <a:schemeClr val="tx2">
+                  <a:shade val="90000"/>
+                </a:schemeClr>
+              </a:solidFill>
+            </a:endParaRPr>
+          </a:p>
+        </p:txBody>
+      </p:sp>
+      <p:sp>
+        <p:nvSpPr>
+          <p:cNvPr id="6" name="Footer Placeholder 5"/>
           <p:cNvSpPr>
             <a:spLocks noGrp="1"/>
           </p:cNvSpPr>
@@ -2221,15 +3530,24 @@
         <p:spPr/>
         <p:txBody>
           <a:bodyPr/>
-          <a:lstStyle/>
-          <a:p>
-            <a:endParaRPr kumimoji="0" lang="en-US"/>
-          </a:p>
-        </p:txBody>
-      </p:sp>
-      <p:sp>
-        <p:nvSpPr>
-          <p:cNvPr id="7" name="6 Marcador de número de diapositiva"/>
+          <a:lstStyle>
+            <a:extLst/>
+          </a:lstStyle>
+          <a:p>
+            <a:pPr algn="l" eaLnBrk="1" latinLnBrk="0" hangingPunct="1"/>
+            <a:endParaRPr kumimoji="0" lang="en-US" dirty="0">
+              <a:solidFill>
+                <a:schemeClr val="tx2">
+                  <a:shade val="90000"/>
+                </a:schemeClr>
+              </a:solidFill>
+            </a:endParaRPr>
+          </a:p>
+        </p:txBody>
+      </p:sp>
+      <p:sp>
+        <p:nvSpPr>
+          <p:cNvPr id="7" name="Slide Number Placeholder 6"/>
           <p:cNvSpPr>
             <a:spLocks noGrp="1"/>
           </p:cNvSpPr>
@@ -2240,28 +3558,41 @@
         <p:spPr/>
         <p:txBody>
           <a:bodyPr/>
-          <a:lstStyle/>
+          <a:lstStyle>
+            <a:extLst/>
+          </a:lstStyle>
           <a:p>
             <a:fld id="{042AED99-7FB4-404E-8A97-64753DCE42EC}" type="slidenum">
               <a:rPr kumimoji="0" lang="en-US" smtClean="0"/>
               <a:pPr/>
-              <a:t>‹Nº›</a:t>
+              <a:t>‹#›</a:t>
             </a:fld>
-            <a:endParaRPr kumimoji="0" lang="en-US"/>
+            <a:endParaRPr kumimoji="0" lang="en-US" dirty="0">
+              <a:solidFill>
+                <a:schemeClr val="tx2">
+                  <a:shade val="90000"/>
+                </a:schemeClr>
+              </a:solidFill>
+            </a:endParaRPr>
           </a:p>
         </p:txBody>
       </p:sp>
     </p:spTree>
   </p:cSld>
   <p:clrMapOvr>
-    <a:masterClrMapping/>
+    <a:overrideClrMapping bg1="lt1" tx1="dk1" bg2="lt2" tx2="dk2" accent1="accent1" accent2="accent2" accent3="accent3" accent4="accent4" accent5="accent5" accent6="accent6" hlink="hlink" folHlink="folHlink"/>
   </p:clrMapOvr>
 </p:sldLayout>
 </file>
 
 <file path=ppt/slideLayouts/slideLayout9.xml><?xml version="1.0" encoding="utf-8"?>
 <p:sldLayout xmlns:a="http://schemas.openxmlformats.org/drawingml/2006/main" xmlns:r="http://schemas.openxmlformats.org/officeDocument/2006/relationships" xmlns:p="http://schemas.openxmlformats.org/presentationml/2006/main" showMasterSp="0" type="picTx" preserve="1">
-  <p:cSld name="Imagen con título">
+  <p:cSld name="Picture with Caption">
+    <p:bg>
+      <p:bgRef idx="1002">
+        <a:schemeClr val="bg1"/>
+      </p:bgRef>
+    </p:bg>
     <p:spTree>
       <p:nvGrpSpPr>
         <p:cNvPr id="1" name=""/>
@@ -2278,179 +3609,27 @@
       </p:grpSpPr>
       <p:sp>
         <p:nvSpPr>
-          <p:cNvPr id="9" name="8 Recortar y redondear rectángulo de esquina sencilla"/>
-          <p:cNvSpPr/>
-          <p:nvPr/>
-        </p:nvSpPr>
-        <p:spPr>
-          <a:xfrm rot="420000" flipV="1">
-            <a:off x="3165753" y="1108077"/>
-            <a:ext cx="5257800" cy="4114800"/>
-          </a:xfrm>
-          <a:prstGeom prst="snipRoundRect">
-            <a:avLst>
-              <a:gd name="adj1" fmla="val 0"/>
-              <a:gd name="adj2" fmla="val 3646"/>
-            </a:avLst>
-          </a:prstGeom>
-          <a:solidFill>
-            <a:srgbClr val="FFFFFF"/>
-          </a:solidFill>
-          <a:ln w="3175" cap="rnd" cmpd="sng" algn="ctr">
-            <a:solidFill>
-              <a:srgbClr val="C0C0C0"/>
-            </a:solidFill>
-            <a:prstDash val="solid"/>
-          </a:ln>
-          <a:effectLst>
-            <a:outerShdw blurRad="63500" dist="38500" dir="7500000" sx="98500" sy="100080" kx="100000" algn="tl" rotWithShape="0">
-              <a:srgbClr val="000000">
-                <a:alpha val="25000"/>
-              </a:srgbClr>
-            </a:outerShdw>
-          </a:effectLst>
-        </p:spPr>
-        <p:style>
-          <a:lnRef idx="2">
-            <a:schemeClr val="accent1"/>
-          </a:lnRef>
-          <a:fillRef idx="1">
-            <a:schemeClr val="accent1"/>
-          </a:fillRef>
-          <a:effectRef idx="0">
-            <a:schemeClr val="accent1"/>
-          </a:effectRef>
-          <a:fontRef idx="minor">
-            <a:schemeClr val="lt1"/>
-          </a:fontRef>
-        </p:style>
-        <p:txBody>
-          <a:bodyPr rtlCol="0" anchor="ctr"/>
-          <a:lstStyle/>
-          <a:p>
-            <a:pPr algn="ctr" eaLnBrk="1" latinLnBrk="0" hangingPunct="1"/>
-            <a:endParaRPr kumimoji="0" lang="en-US"/>
-          </a:p>
-        </p:txBody>
-      </p:sp>
-      <p:sp>
-        <p:nvSpPr>
-          <p:cNvPr id="12" name="11 Triángulo rectángulo"/>
-          <p:cNvSpPr/>
-          <p:nvPr/>
-        </p:nvSpPr>
-        <p:spPr>
-          <a:xfrm rot="420000" flipV="1">
-            <a:off x="8004134" y="5359769"/>
-            <a:ext cx="155448" cy="155448"/>
-          </a:xfrm>
-          <a:prstGeom prst="rtTriangle">
-            <a:avLst/>
-          </a:prstGeom>
-          <a:solidFill>
-            <a:srgbClr val="FFFFFF"/>
-          </a:solidFill>
-          <a:ln w="12700" cap="flat" cmpd="sng" algn="ctr">
-            <a:solidFill>
-              <a:srgbClr val="FFFFFF"/>
-            </a:solidFill>
-            <a:prstDash val="solid"/>
-            <a:bevel/>
-          </a:ln>
-          <a:effectLst>
-            <a:outerShdw blurRad="19685" dist="6350" dir="12900000" algn="tl" rotWithShape="0">
-              <a:srgbClr val="000000">
-                <a:alpha val="47000"/>
-              </a:srgbClr>
-            </a:outerShdw>
-          </a:effectLst>
-        </p:spPr>
-        <p:style>
-          <a:lnRef idx="2">
-            <a:schemeClr val="accent1"/>
-          </a:lnRef>
-          <a:fillRef idx="1">
-            <a:schemeClr val="accent1"/>
-          </a:fillRef>
-          <a:effectRef idx="0">
-            <a:schemeClr val="accent1"/>
-          </a:effectRef>
-          <a:fontRef idx="minor">
-            <a:schemeClr val="lt1"/>
-          </a:fontRef>
-        </p:style>
-        <p:txBody>
-          <a:bodyPr rtlCol="0" anchor="ctr"/>
-          <a:lstStyle/>
-          <a:p>
-            <a:pPr algn="ctr" eaLnBrk="1" latinLnBrk="0" hangingPunct="1"/>
-            <a:endParaRPr kumimoji="0" lang="en-US"/>
-          </a:p>
-        </p:txBody>
-      </p:sp>
-      <p:sp>
-        <p:nvSpPr>
-          <p:cNvPr id="2" name="1 Título"/>
-          <p:cNvSpPr>
-            <a:spLocks noGrp="1"/>
-          </p:cNvSpPr>
-          <p:nvPr>
-            <p:ph type="title"/>
+          <p:cNvPr id="4" name="Text Placeholder 3"/>
+          <p:cNvSpPr>
+            <a:spLocks noGrp="1"/>
+          </p:cNvSpPr>
+          <p:nvPr>
+            <p:ph type="body" sz="half" idx="2"/>
           </p:nvPr>
         </p:nvSpPr>
         <p:spPr>
           <a:xfrm>
-            <a:off x="609600" y="1176996"/>
-            <a:ext cx="2212848" cy="1582621"/>
+            <a:off x="1141232" y="5443402"/>
+            <a:ext cx="7162800" cy="648232"/>
           </a:xfrm>
+          <a:noFill/>
         </p:spPr>
         <p:txBody>
-          <a:bodyPr vert="horz" lIns="45720" tIns="45720" rIns="45720" bIns="45720" anchor="b"/>
+          <a:bodyPr lIns="91440" tIns="0" rIns="91440" anchor="t"/>
           <a:lstStyle>
-            <a:lvl1pPr algn="l">
+            <a:lvl1pPr marL="0" marR="18288" indent="0" algn="r">
               <a:buNone/>
-              <a:defRPr sz="2000" b="1">
-                <a:solidFill>
-                  <a:schemeClr val="tx2"/>
-                </a:solidFill>
-              </a:defRPr>
-            </a:lvl1pPr>
-          </a:lstStyle>
-          <a:p>
-            <a:r>
-              <a:rPr kumimoji="0" lang="es-ES" smtClean="0"/>
-              <a:t>Haga clic para modificar el estilo de título del patrón</a:t>
-            </a:r>
-            <a:endParaRPr kumimoji="0" lang="en-US"/>
-          </a:p>
-        </p:txBody>
-      </p:sp>
-      <p:sp>
-        <p:nvSpPr>
-          <p:cNvPr id="4" name="3 Marcador de texto"/>
-          <p:cNvSpPr>
-            <a:spLocks noGrp="1"/>
-          </p:cNvSpPr>
-          <p:nvPr>
-            <p:ph type="body" sz="half" idx="2"/>
-          </p:nvPr>
-        </p:nvSpPr>
-        <p:spPr>
-          <a:xfrm>
-            <a:off x="609600" y="2828785"/>
-            <a:ext cx="2209800" cy="2179320"/>
-          </a:xfrm>
-        </p:spPr>
-        <p:txBody>
-          <a:bodyPr lIns="64008" rIns="45720" bIns="45720" anchor="t"/>
-          <a:lstStyle>
-            <a:lvl1pPr marL="0" indent="0" algn="l">
-              <a:spcBef>
-                <a:spcPts val="250"/>
-              </a:spcBef>
-              <a:buFontTx/>
-              <a:buNone/>
-              <a:defRPr sz="1300"/>
+              <a:defRPr sz="1400"/>
             </a:lvl1pPr>
             <a:lvl2pPr>
               <a:defRPr sz="1200"/>
@@ -2464,102 +3643,31 @@
             <a:lvl5pPr>
               <a:defRPr sz="900"/>
             </a:lvl5pPr>
+            <a:extLst/>
           </a:lstStyle>
           <a:p>
             <a:pPr lvl="0" eaLnBrk="1" latinLnBrk="0" hangingPunct="1"/>
             <a:r>
-              <a:rPr kumimoji="0" lang="es-ES" smtClean="0"/>
-              <a:t>Haga clic para modificar el estilo de texto del patrón</a:t>
-            </a:r>
-          </a:p>
-        </p:txBody>
-      </p:sp>
-      <p:sp>
-        <p:nvSpPr>
-          <p:cNvPr id="5" name="4 Marcador de fecha"/>
-          <p:cNvSpPr>
-            <a:spLocks noGrp="1"/>
-          </p:cNvSpPr>
-          <p:nvPr>
-            <p:ph type="dt" sz="half" idx="10"/>
-          </p:nvPr>
-        </p:nvSpPr>
-        <p:spPr/>
-        <p:txBody>
-          <a:bodyPr/>
-          <a:lstStyle/>
-          <a:p>
-            <a:fld id="{47C9B81F-C347-4BEF-BFDF-29C42F48304A}" type="datetimeFigureOut">
-              <a:rPr lang="en-US" smtClean="0"/>
-              <a:pPr/>
-              <a:t>12/5/2010</a:t>
-            </a:fld>
-            <a:endParaRPr lang="en-US"/>
-          </a:p>
-        </p:txBody>
-      </p:sp>
-      <p:sp>
-        <p:nvSpPr>
-          <p:cNvPr id="6" name="5 Marcador de pie de página"/>
-          <p:cNvSpPr>
-            <a:spLocks noGrp="1"/>
-          </p:cNvSpPr>
-          <p:nvPr>
-            <p:ph type="ftr" sz="quarter" idx="11"/>
-          </p:nvPr>
-        </p:nvSpPr>
-        <p:spPr/>
-        <p:txBody>
-          <a:bodyPr/>
-          <a:lstStyle/>
-          <a:p>
-            <a:endParaRPr kumimoji="0" lang="en-US"/>
-          </a:p>
-        </p:txBody>
-      </p:sp>
-      <p:sp>
-        <p:nvSpPr>
-          <p:cNvPr id="7" name="6 Marcador de número de diapositiva"/>
-          <p:cNvSpPr>
-            <a:spLocks noGrp="1"/>
-          </p:cNvSpPr>
-          <p:nvPr>
-            <p:ph type="sldNum" sz="quarter" idx="12"/>
+              <a:rPr kumimoji="0" lang="en-US" smtClean="0"/>
+              <a:t>Click to edit Master text styles</a:t>
+            </a:r>
+          </a:p>
+        </p:txBody>
+      </p:sp>
+      <p:sp>
+        <p:nvSpPr>
+          <p:cNvPr id="3" name="Picture Placeholder 2"/>
+          <p:cNvSpPr>
+            <a:spLocks noGrp="1"/>
+          </p:cNvSpPr>
+          <p:nvPr>
+            <p:ph type="pic" idx="1"/>
           </p:nvPr>
         </p:nvSpPr>
         <p:spPr>
           <a:xfrm>
-            <a:off x="8077200" y="6356350"/>
-            <a:ext cx="609600" cy="365125"/>
-          </a:xfrm>
-        </p:spPr>
-        <p:txBody>
-          <a:bodyPr/>
-          <a:lstStyle/>
-          <a:p>
-            <a:fld id="{042AED99-7FB4-404E-8A97-64753DCE42EC}" type="slidenum">
-              <a:rPr kumimoji="0" lang="en-US" smtClean="0"/>
-              <a:pPr/>
-              <a:t>‹Nº›</a:t>
-            </a:fld>
-            <a:endParaRPr kumimoji="0" lang="en-US"/>
-          </a:p>
-        </p:txBody>
-      </p:sp>
-      <p:sp>
-        <p:nvSpPr>
-          <p:cNvPr id="3" name="2 Marcador de posición de imagen"/>
-          <p:cNvSpPr>
-            <a:spLocks noGrp="1"/>
-          </p:cNvSpPr>
-          <p:nvPr>
-            <p:ph type="pic" idx="1"/>
-          </p:nvPr>
-        </p:nvSpPr>
-        <p:spPr>
-          <a:xfrm rot="420000">
-            <a:off x="3485793" y="1199517"/>
-            <a:ext cx="4617720" cy="3931920"/>
+            <a:off x="228600" y="189968"/>
+            <a:ext cx="8686800" cy="4389120"/>
           </a:xfrm>
           <a:prstGeom prst="rect">
             <a:avLst/>
@@ -2567,13 +3675,16 @@
           <a:solidFill>
             <a:schemeClr val="bg2"/>
           </a:solidFill>
-          <a:ln w="3000" cap="rnd">
+          <a:ln>
             <a:solidFill>
-              <a:srgbClr val="C0C0C0"/>
+              <a:schemeClr val="bg1"/>
             </a:solidFill>
-            <a:round/>
           </a:ln>
-          <a:effectLst/>
+          <a:effectLst>
+            <a:innerShdw blurRad="95250">
+              <a:srgbClr val="000000"/>
+            </a:innerShdw>
+          </a:effectLst>
         </p:spPr>
         <p:txBody>
           <a:bodyPr/>
@@ -2582,11 +3693,12 @@
               <a:buNone/>
               <a:defRPr sz="3200"/>
             </a:lvl1pPr>
+            <a:extLst/>
           </a:lstStyle>
           <a:p>
             <a:r>
-              <a:rPr kumimoji="0" lang="es-ES" smtClean="0"/>
-              <a:t>Haga clic en el icono para agregar una imagen</a:t>
+              <a:rPr kumimoji="0" lang="en-US" smtClean="0"/>
+              <a:t>Click icon to add picture</a:t>
             </a:r>
             <a:endParaRPr kumimoji="0" lang="en-US" dirty="0"/>
           </a:p>
@@ -2594,159 +3706,182 @@
       </p:sp>
       <p:sp>
         <p:nvSpPr>
-          <p:cNvPr id="10" name="9 Forma libre"/>
+          <p:cNvPr id="5" name="Date Placeholder 4"/>
+          <p:cNvSpPr>
+            <a:spLocks noGrp="1"/>
+          </p:cNvSpPr>
+          <p:nvPr>
+            <p:ph type="dt" sz="half" idx="10"/>
+          </p:nvPr>
+        </p:nvSpPr>
+        <p:spPr/>
+        <p:txBody>
+          <a:bodyPr/>
+          <a:lstStyle>
+            <a:lvl1pPr>
+              <a:defRPr>
+                <a:solidFill>
+                  <a:schemeClr val="tx1"/>
+                </a:solidFill>
+              </a:defRPr>
+            </a:lvl1pPr>
+            <a:extLst/>
+          </a:lstStyle>
+          <a:p>
+            <a:fld id="{47C9B81F-C347-4BEF-BFDF-29C42F48304A}" type="datetimeFigureOut">
+              <a:rPr lang="en-US" smtClean="0"/>
+              <a:pPr/>
+              <a:t>12/5/2010</a:t>
+            </a:fld>
+            <a:endParaRPr lang="en-US" dirty="0">
+              <a:solidFill>
+                <a:schemeClr val="tx2">
+                  <a:shade val="90000"/>
+                </a:schemeClr>
+              </a:solidFill>
+            </a:endParaRPr>
+          </a:p>
+        </p:txBody>
+      </p:sp>
+      <p:sp>
+        <p:nvSpPr>
+          <p:cNvPr id="6" name="Footer Placeholder 5"/>
+          <p:cNvSpPr>
+            <a:spLocks noGrp="1"/>
+          </p:cNvSpPr>
+          <p:nvPr>
+            <p:ph type="ftr" sz="quarter" idx="11"/>
+          </p:nvPr>
+        </p:nvSpPr>
+        <p:spPr>
+          <a:xfrm>
+            <a:off x="4380072" y="6407944"/>
+            <a:ext cx="2350681" cy="365125"/>
+          </a:xfrm>
+        </p:spPr>
+        <p:txBody>
+          <a:bodyPr/>
+          <a:lstStyle>
+            <a:lvl1pPr>
+              <a:defRPr>
+                <a:solidFill>
+                  <a:schemeClr val="tx1"/>
+                </a:solidFill>
+              </a:defRPr>
+            </a:lvl1pPr>
+            <a:extLst/>
+          </a:lstStyle>
+          <a:p>
+            <a:pPr algn="l" eaLnBrk="1" latinLnBrk="0" hangingPunct="1"/>
+            <a:endParaRPr kumimoji="0" lang="en-US" dirty="0">
+              <a:solidFill>
+                <a:schemeClr val="tx2">
+                  <a:shade val="90000"/>
+                </a:schemeClr>
+              </a:solidFill>
+            </a:endParaRPr>
+          </a:p>
+        </p:txBody>
+      </p:sp>
+      <p:sp>
+        <p:nvSpPr>
+          <p:cNvPr id="7" name="Slide Number Placeholder 6"/>
+          <p:cNvSpPr>
+            <a:spLocks noGrp="1"/>
+          </p:cNvSpPr>
+          <p:nvPr>
+            <p:ph type="sldNum" sz="quarter" idx="12"/>
+          </p:nvPr>
+        </p:nvSpPr>
+        <p:spPr/>
+        <p:txBody>
+          <a:bodyPr/>
+          <a:lstStyle>
+            <a:lvl1pPr>
+              <a:defRPr>
+                <a:solidFill>
+                  <a:schemeClr val="tx1"/>
+                </a:solidFill>
+              </a:defRPr>
+            </a:lvl1pPr>
+            <a:extLst/>
+          </a:lstStyle>
+          <a:p>
+            <a:fld id="{042AED99-7FB4-404E-8A97-64753DCE42EC}" type="slidenum">
+              <a:rPr kumimoji="0" lang="en-US" smtClean="0"/>
+              <a:pPr/>
+              <a:t>‹#›</a:t>
+            </a:fld>
+            <a:endParaRPr kumimoji="0" lang="en-US" dirty="0">
+              <a:solidFill>
+                <a:schemeClr val="tx2">
+                  <a:shade val="90000"/>
+                </a:schemeClr>
+              </a:solidFill>
+            </a:endParaRPr>
+          </a:p>
+        </p:txBody>
+      </p:sp>
+      <p:sp>
+        <p:nvSpPr>
+          <p:cNvPr id="2" name="Title 1"/>
+          <p:cNvSpPr>
+            <a:spLocks noGrp="1"/>
+          </p:cNvSpPr>
+          <p:nvPr>
+            <p:ph type="title"/>
+          </p:nvPr>
+        </p:nvSpPr>
+        <p:spPr>
+          <a:xfrm>
+            <a:off x="228600" y="4865122"/>
+            <a:ext cx="8075432" cy="562672"/>
+          </a:xfrm>
+          <a:noFill/>
+        </p:spPr>
+        <p:txBody>
+          <a:bodyPr anchor="t">
+            <a:sp3d prstMaterial="softEdge"/>
+          </a:bodyPr>
+          <a:lstStyle>
+            <a:lvl1pPr marR="0" algn="r">
+              <a:buNone/>
+              <a:defRPr sz="3000" b="0">
+                <a:solidFill>
+                  <a:schemeClr val="accent1"/>
+                </a:solidFill>
+                <a:effectLst>
+                  <a:outerShdw blurRad="50800" dist="25000" dir="5400000" algn="t" rotWithShape="0">
+                    <a:prstClr val="black">
+                      <a:alpha val="45000"/>
+                    </a:prstClr>
+                  </a:outerShdw>
+                </a:effectLst>
+              </a:defRPr>
+            </a:lvl1pPr>
+            <a:extLst/>
+          </a:lstStyle>
+          <a:p>
+            <a:r>
+              <a:rPr kumimoji="0" lang="en-US" smtClean="0"/>
+              <a:t>Click to edit Master title style</a:t>
+            </a:r>
+            <a:endParaRPr kumimoji="0" lang="en-US"/>
+          </a:p>
+        </p:txBody>
+      </p:sp>
+      <p:sp>
+        <p:nvSpPr>
+          <p:cNvPr id="8" name="Freeform 7"/>
           <p:cNvSpPr>
             <a:spLocks/>
           </p:cNvSpPr>
           <p:nvPr/>
         </p:nvSpPr>
         <p:spPr bwMode="auto">
-          <a:xfrm flipV="1">
-            <a:off x="-9525" y="5816600"/>
-            <a:ext cx="9163050" cy="1041400"/>
-          </a:xfrm>
-          <a:custGeom>
-            <a:avLst>
-              <a:gd name="A1" fmla="val 0"/>
-              <a:gd name="A2" fmla="val 0"/>
-              <a:gd name="A3" fmla="val 0"/>
-              <a:gd name="A4" fmla="val 0"/>
-              <a:gd name="A5" fmla="val 0"/>
-              <a:gd name="A6" fmla="val 0"/>
-              <a:gd name="A7" fmla="val 0"/>
-              <a:gd name="A8" fmla="val 0"/>
-            </a:avLst>
-            <a:gdLst/>
-            <a:ahLst/>
-            <a:cxnLst>
-              <a:cxn ang="0">
-                <a:pos x="6" y="2"/>
-              </a:cxn>
-              <a:cxn ang="0">
-                <a:pos x="2542" y="0"/>
-              </a:cxn>
-              <a:cxn ang="0">
-                <a:pos x="4374" y="367"/>
-              </a:cxn>
-              <a:cxn ang="0">
-                <a:pos x="5766" y="55"/>
-              </a:cxn>
-              <a:cxn ang="0">
-                <a:pos x="5772" y="213"/>
-              </a:cxn>
-              <a:cxn ang="0">
-                <a:pos x="4302" y="439"/>
-              </a:cxn>
-              <a:cxn ang="0">
-                <a:pos x="1488" y="201"/>
-              </a:cxn>
-              <a:cxn ang="0">
-                <a:pos x="0" y="656"/>
-              </a:cxn>
-              <a:cxn ang="0">
-                <a:pos x="6" y="2"/>
-              </a:cxn>
-            </a:cxnLst>
-            <a:rect l="0" t="0" r="0" b="0"/>
-            <a:pathLst>
-              <a:path w="5772" h="656">
-                <a:moveTo>
-                  <a:pt x="6" y="2"/>
-                </a:moveTo>
-                <a:lnTo>
-                  <a:pt x="2542" y="0"/>
-                </a:lnTo>
-                <a:cubicBezTo>
-                  <a:pt x="2746" y="101"/>
-                  <a:pt x="3828" y="367"/>
-                  <a:pt x="4374" y="367"/>
-                </a:cubicBezTo>
-                <a:cubicBezTo>
-                  <a:pt x="4920" y="367"/>
-                  <a:pt x="5526" y="152"/>
-                  <a:pt x="5766" y="55"/>
-                </a:cubicBezTo>
-                <a:lnTo>
-                  <a:pt x="5772" y="213"/>
-                </a:lnTo>
-                <a:cubicBezTo>
-                  <a:pt x="5670" y="257"/>
-                  <a:pt x="5016" y="441"/>
-                  <a:pt x="4302" y="439"/>
-                </a:cubicBezTo>
-                <a:cubicBezTo>
-                  <a:pt x="3588" y="437"/>
-                  <a:pt x="2205" y="165"/>
-                  <a:pt x="1488" y="201"/>
-                </a:cubicBezTo>
-                <a:cubicBezTo>
-                  <a:pt x="750" y="209"/>
-                  <a:pt x="270" y="482"/>
-                  <a:pt x="0" y="656"/>
-                </a:cubicBezTo>
-                <a:lnTo>
-                  <a:pt x="6" y="2"/>
-                </a:lnTo>
-                <a:close/>
-              </a:path>
-            </a:pathLst>
-          </a:custGeom>
-          <a:gradFill>
-            <a:gsLst>
-              <a:gs pos="0">
-                <a:schemeClr val="accent2">
-                  <a:shade val="50000"/>
-                  <a:alpha val="45000"/>
-                  <a:satMod val="120000"/>
-                </a:schemeClr>
-              </a:gs>
-              <a:gs pos="100000">
-                <a:schemeClr val="accent3">
-                  <a:shade val="80000"/>
-                  <a:alpha val="55000"/>
-                  <a:satMod val="155000"/>
-                </a:schemeClr>
-              </a:gs>
-            </a:gsLst>
-            <a:lin ang="5400000" scaled="1"/>
-          </a:gradFill>
-          <a:ln w="9525" cap="flat" cmpd="sng" algn="ctr">
-            <a:noFill/>
-            <a:prstDash val="solid"/>
-            <a:round/>
-            <a:headEnd type="none" w="med" len="med"/>
-            <a:tailEnd type="none" w="med" len="med"/>
-          </a:ln>
-          <a:effectLst/>
-        </p:spPr>
-        <p:txBody>
-          <a:bodyPr vert="horz" wrap="square" lIns="91440" tIns="45720" rIns="91440" bIns="45720" anchor="t" compatLnSpc="1"/>
-          <a:lstStyle/>
-          <a:p>
-            <a:pPr marL="0" algn="l" rtl="0" eaLnBrk="1" latinLnBrk="0" hangingPunct="1"/>
-            <a:endParaRPr kumimoji="0" lang="en-US">
-              <a:solidFill>
-                <a:schemeClr val="tx1"/>
-              </a:solidFill>
-              <a:latin typeface="+mn-lt"/>
-              <a:ea typeface="+mn-ea"/>
-              <a:cs typeface="+mn-cs"/>
-            </a:endParaRPr>
-          </a:p>
-        </p:txBody>
-      </p:sp>
-      <p:sp>
-        <p:nvSpPr>
-          <p:cNvPr id="11" name="10 Forma libre"/>
-          <p:cNvSpPr>
-            <a:spLocks/>
-          </p:cNvSpPr>
-          <p:nvPr/>
-        </p:nvSpPr>
-        <p:spPr bwMode="auto">
-          <a:xfrm flipV="1">
-            <a:off x="4381500" y="6219825"/>
-            <a:ext cx="4762500" cy="638175"/>
+          <a:xfrm>
+            <a:off x="716436" y="5001993"/>
+            <a:ext cx="3802003" cy="1443111"/>
           </a:xfrm>
           <a:custGeom>
             <a:avLst>
@@ -2766,63 +3901,40 @@
                 <a:pos x="0" y="0"/>
               </a:cxn>
               <a:cxn ang="0">
-                <a:pos x="1668" y="564"/>
+                <a:pos x="5760" y="0"/>
               </a:cxn>
               <a:cxn ang="0">
-                <a:pos x="3000" y="186"/>
+                <a:pos x="5760" y="528"/>
               </a:cxn>
               <a:cxn ang="0">
-                <a:pos x="3000" y="6"/>
-              </a:cxn>
-              <a:cxn ang="0">
-                <a:pos x="0" y="0"/>
+                <a:pos x="48" y="0"/>
               </a:cxn>
             </a:cxnLst>
             <a:rect l="0" t="0" r="0" b="0"/>
             <a:pathLst>
-              <a:path w="3000" h="595">
+              <a:path w="5760" h="528">
                 <a:moveTo>
-                  <a:pt x="0" y="0"/>
+                  <a:pt x="-329" y="347"/>
                 </a:moveTo>
-                <a:cubicBezTo>
-                  <a:pt x="174" y="102"/>
-                  <a:pt x="1168" y="533"/>
-                  <a:pt x="1668" y="564"/>
-                </a:cubicBezTo>
-                <a:cubicBezTo>
-                  <a:pt x="2168" y="595"/>
-                  <a:pt x="2778" y="279"/>
-                  <a:pt x="3000" y="186"/>
-                </a:cubicBezTo>
                 <a:lnTo>
-                  <a:pt x="3000" y="6"/>
+                  <a:pt x="7156" y="682"/>
                 </a:lnTo>
                 <a:lnTo>
-                  <a:pt x="0" y="0"/>
+                  <a:pt x="5229" y="682"/>
                 </a:lnTo>
-                <a:close/>
+                <a:lnTo>
+                  <a:pt x="-328" y="345"/>
+                </a:lnTo>
               </a:path>
             </a:pathLst>
           </a:custGeom>
-          <a:gradFill>
-            <a:gsLst>
-              <a:gs pos="0">
-                <a:schemeClr val="accent3">
-                  <a:shade val="50000"/>
-                  <a:alpha val="30000"/>
-                  <a:satMod val="130000"/>
-                </a:schemeClr>
-              </a:gs>
-              <a:gs pos="80000">
-                <a:schemeClr val="accent2">
-                  <a:shade val="75000"/>
-                  <a:alpha val="45000"/>
-                  <a:satMod val="140000"/>
-                </a:schemeClr>
-              </a:gs>
-            </a:gsLst>
-            <a:lin ang="5400000" scaled="1"/>
-          </a:gradFill>
+          <a:solidFill>
+            <a:schemeClr val="accent1">
+              <a:tint val="65000"/>
+              <a:satMod val="115000"/>
+              <a:alpha val="40000"/>
+            </a:schemeClr>
+          </a:solidFill>
           <a:ln w="9525" cap="flat" cmpd="sng" algn="ctr">
             <a:noFill/>
             <a:prstDash val="solid"/>
@@ -2834,53 +3946,17 @@
         </p:spPr>
         <p:txBody>
           <a:bodyPr vert="horz" wrap="square" lIns="91440" tIns="45720" rIns="91440" bIns="45720" anchor="t" compatLnSpc="1"/>
-          <a:lstStyle/>
-          <a:p>
-            <a:pPr marL="0" algn="l" rtl="0" eaLnBrk="1" latinLnBrk="0" hangingPunct="1"/>
-            <a:endParaRPr kumimoji="0" lang="en-US">
-              <a:solidFill>
-                <a:schemeClr val="tx1"/>
-              </a:solidFill>
-              <a:latin typeface="+mn-lt"/>
-              <a:ea typeface="+mn-ea"/>
-              <a:cs typeface="+mn-cs"/>
-            </a:endParaRPr>
-          </a:p>
-        </p:txBody>
-      </p:sp>
-    </p:spTree>
-  </p:cSld>
-  <p:clrMapOvr>
-    <a:masterClrMapping/>
-  </p:clrMapOvr>
-</p:sldLayout>
-</file>
-
-<file path=ppt/slideMasters/slideMaster1.xml><?xml version="1.0" encoding="utf-8"?>
-<p:sldMaster xmlns:a="http://schemas.openxmlformats.org/drawingml/2006/main" xmlns:r="http://schemas.openxmlformats.org/officeDocument/2006/relationships" xmlns:p="http://schemas.openxmlformats.org/presentationml/2006/main">
-  <p:cSld>
-    <p:bg>
-      <p:bgRef idx="1003">
-        <a:schemeClr val="bg1"/>
-      </p:bgRef>
-    </p:bg>
-    <p:spTree>
-      <p:nvGrpSpPr>
-        <p:cNvPr id="1" name=""/>
-        <p:cNvGrpSpPr/>
-        <p:nvPr/>
-      </p:nvGrpSpPr>
-      <p:grpSpPr>
-        <a:xfrm>
-          <a:off x="0" y="0"/>
-          <a:ext cx="0" cy="0"/>
-          <a:chOff x="0" y="0"/>
-          <a:chExt cx="0" cy="0"/>
-        </a:xfrm>
-      </p:grpSpPr>
-      <p:sp>
-        <p:nvSpPr>
-          <p:cNvPr id="7" name="6 Forma libre"/>
+          <a:lstStyle>
+            <a:extLst/>
+          </a:lstStyle>
+          <a:p>
+            <a:endParaRPr kumimoji="0" lang="en-US"/>
+          </a:p>
+        </p:txBody>
+      </p:sp>
+      <p:sp>
+        <p:nvSpPr>
+          <p:cNvPr id="9" name="Freeform 8"/>
           <p:cNvSpPr>
             <a:spLocks/>
           </p:cNvSpPr>
@@ -2888,151 +3964,8 @@
         </p:nvSpPr>
         <p:spPr bwMode="auto">
           <a:xfrm>
-            <a:off x="-9525" y="-7144"/>
-            <a:ext cx="9163050" cy="1041400"/>
-          </a:xfrm>
-          <a:custGeom>
-            <a:avLst>
-              <a:gd name="A1" fmla="val 0"/>
-              <a:gd name="A2" fmla="val 0"/>
-              <a:gd name="A3" fmla="val 0"/>
-              <a:gd name="A4" fmla="val 0"/>
-              <a:gd name="A5" fmla="val 0"/>
-              <a:gd name="A6" fmla="val 0"/>
-              <a:gd name="A7" fmla="val 0"/>
-              <a:gd name="A8" fmla="val 0"/>
-            </a:avLst>
-            <a:gdLst/>
-            <a:ahLst/>
-            <a:cxnLst>
-              <a:cxn ang="0">
-                <a:pos x="6" y="2"/>
-              </a:cxn>
-              <a:cxn ang="0">
-                <a:pos x="2542" y="0"/>
-              </a:cxn>
-              <a:cxn ang="0">
-                <a:pos x="4374" y="367"/>
-              </a:cxn>
-              <a:cxn ang="0">
-                <a:pos x="5766" y="55"/>
-              </a:cxn>
-              <a:cxn ang="0">
-                <a:pos x="5772" y="213"/>
-              </a:cxn>
-              <a:cxn ang="0">
-                <a:pos x="4302" y="439"/>
-              </a:cxn>
-              <a:cxn ang="0">
-                <a:pos x="1488" y="201"/>
-              </a:cxn>
-              <a:cxn ang="0">
-                <a:pos x="0" y="656"/>
-              </a:cxn>
-              <a:cxn ang="0">
-                <a:pos x="6" y="2"/>
-              </a:cxn>
-            </a:cxnLst>
-            <a:rect l="0" t="0" r="0" b="0"/>
-            <a:pathLst>
-              <a:path w="5772" h="656">
-                <a:moveTo>
-                  <a:pt x="6" y="2"/>
-                </a:moveTo>
-                <a:lnTo>
-                  <a:pt x="2542" y="0"/>
-                </a:lnTo>
-                <a:cubicBezTo>
-                  <a:pt x="2746" y="101"/>
-                  <a:pt x="3828" y="367"/>
-                  <a:pt x="4374" y="367"/>
-                </a:cubicBezTo>
-                <a:cubicBezTo>
-                  <a:pt x="4920" y="367"/>
-                  <a:pt x="5526" y="152"/>
-                  <a:pt x="5766" y="55"/>
-                </a:cubicBezTo>
-                <a:lnTo>
-                  <a:pt x="5772" y="213"/>
-                </a:lnTo>
-                <a:cubicBezTo>
-                  <a:pt x="5670" y="257"/>
-                  <a:pt x="5016" y="441"/>
-                  <a:pt x="4302" y="439"/>
-                </a:cubicBezTo>
-                <a:cubicBezTo>
-                  <a:pt x="3588" y="437"/>
-                  <a:pt x="2205" y="165"/>
-                  <a:pt x="1488" y="201"/>
-                </a:cubicBezTo>
-                <a:cubicBezTo>
-                  <a:pt x="750" y="209"/>
-                  <a:pt x="270" y="482"/>
-                  <a:pt x="0" y="656"/>
-                </a:cubicBezTo>
-                <a:lnTo>
-                  <a:pt x="6" y="2"/>
-                </a:lnTo>
-                <a:close/>
-              </a:path>
-            </a:pathLst>
-          </a:custGeom>
-          <a:gradFill>
-            <a:gsLst>
-              <a:gs pos="0">
-                <a:schemeClr val="accent2">
-                  <a:shade val="50000"/>
-                  <a:alpha val="45000"/>
-                  <a:satMod val="120000"/>
-                </a:schemeClr>
-              </a:gs>
-              <a:gs pos="100000">
-                <a:schemeClr val="accent3">
-                  <a:shade val="80000"/>
-                  <a:alpha val="55000"/>
-                  <a:satMod val="155000"/>
-                </a:schemeClr>
-              </a:gs>
-            </a:gsLst>
-            <a:lin ang="5400000" scaled="1"/>
-          </a:gradFill>
-          <a:ln w="9525" cap="flat" cmpd="sng" algn="ctr">
-            <a:noFill/>
-            <a:prstDash val="solid"/>
-            <a:round/>
-            <a:headEnd type="none" w="med" len="med"/>
-            <a:tailEnd type="none" w="med" len="med"/>
-          </a:ln>
-          <a:effectLst/>
-        </p:spPr>
-        <p:txBody>
-          <a:bodyPr vert="horz" wrap="square" lIns="91440" tIns="45720" rIns="91440" bIns="45720" anchor="t" compatLnSpc="1"/>
-          <a:lstStyle/>
-          <a:p>
-            <a:pPr marL="0" algn="l" rtl="0" eaLnBrk="1" latinLnBrk="0" hangingPunct="1"/>
-            <a:endParaRPr kumimoji="0" lang="en-US">
-              <a:solidFill>
-                <a:schemeClr val="tx1"/>
-              </a:solidFill>
-              <a:latin typeface="+mn-lt"/>
-              <a:ea typeface="+mn-ea"/>
-              <a:cs typeface="+mn-cs"/>
-            </a:endParaRPr>
-          </a:p>
-        </p:txBody>
-      </p:sp>
-      <p:sp>
-        <p:nvSpPr>
-          <p:cNvPr id="8" name="7 Forma libre"/>
-          <p:cNvSpPr>
-            <a:spLocks/>
-          </p:cNvSpPr>
-          <p:nvPr/>
-        </p:nvSpPr>
-        <p:spPr bwMode="auto">
-          <a:xfrm>
-            <a:off x="4381500" y="-7144"/>
-            <a:ext cx="4762500" cy="638175"/>
+            <a:off x="-53561" y="5785023"/>
+            <a:ext cx="3802003" cy="838200"/>
           </a:xfrm>
           <a:custGeom>
             <a:avLst>
@@ -3052,63 +3985,38 @@
                 <a:pos x="0" y="0"/>
               </a:cxn>
               <a:cxn ang="0">
-                <a:pos x="1668" y="564"/>
+                <a:pos x="5760" y="0"/>
               </a:cxn>
               <a:cxn ang="0">
-                <a:pos x="3000" y="186"/>
+                <a:pos x="5760" y="528"/>
               </a:cxn>
               <a:cxn ang="0">
-                <a:pos x="3000" y="6"/>
-              </a:cxn>
-              <a:cxn ang="0">
-                <a:pos x="0" y="0"/>
+                <a:pos x="48" y="0"/>
               </a:cxn>
             </a:cxnLst>
             <a:rect l="0" t="0" r="0" b="0"/>
             <a:pathLst>
-              <a:path w="3000" h="595">
+              <a:path w="5760" h="528">
                 <a:moveTo>
-                  <a:pt x="0" y="0"/>
+                  <a:pt x="817" y="97"/>
                 </a:moveTo>
-                <a:cubicBezTo>
-                  <a:pt x="174" y="102"/>
-                  <a:pt x="1168" y="533"/>
-                  <a:pt x="1668" y="564"/>
-                </a:cubicBezTo>
-                <a:cubicBezTo>
-                  <a:pt x="2168" y="595"/>
-                  <a:pt x="2778" y="279"/>
-                  <a:pt x="3000" y="186"/>
-                </a:cubicBezTo>
                 <a:lnTo>
-                  <a:pt x="3000" y="6"/>
+                  <a:pt x="6408" y="682"/>
                 </a:lnTo>
                 <a:lnTo>
-                  <a:pt x="0" y="0"/>
+                  <a:pt x="5232" y="685"/>
                 </a:lnTo>
-                <a:close/>
+                <a:lnTo>
+                  <a:pt x="829" y="101"/>
+                </a:lnTo>
               </a:path>
             </a:pathLst>
           </a:custGeom>
-          <a:gradFill>
-            <a:gsLst>
-              <a:gs pos="0">
-                <a:schemeClr val="accent3">
-                  <a:shade val="50000"/>
-                  <a:alpha val="30000"/>
-                  <a:satMod val="130000"/>
-                </a:schemeClr>
-              </a:gs>
-              <a:gs pos="80000">
-                <a:schemeClr val="accent2">
-                  <a:shade val="75000"/>
-                  <a:alpha val="45000"/>
-                  <a:satMod val="140000"/>
-                </a:schemeClr>
-              </a:gs>
-            </a:gsLst>
-            <a:lin ang="5400000" scaled="1"/>
-          </a:gradFill>
+          <a:solidFill>
+            <a:srgbClr val="000000">
+              <a:alpha val="100000"/>
+            </a:srgbClr>
+          </a:solidFill>
           <a:ln w="9525" cap="flat" cmpd="sng" algn="ctr">
             <a:noFill/>
             <a:prstDash val="solid"/>
@@ -3120,33 +4028,711 @@
         </p:spPr>
         <p:txBody>
           <a:bodyPr vert="horz" wrap="square" lIns="91440" tIns="45720" rIns="91440" bIns="45720" anchor="t" compatLnSpc="1"/>
-          <a:lstStyle/>
-          <a:p>
-            <a:pPr marL="0" algn="l" rtl="0" eaLnBrk="1" latinLnBrk="0" hangingPunct="1"/>
-            <a:endParaRPr kumimoji="0" lang="en-US">
-              <a:solidFill>
-                <a:schemeClr val="tx1"/>
-              </a:solidFill>
-              <a:latin typeface="+mn-lt"/>
-              <a:ea typeface="+mn-ea"/>
-              <a:cs typeface="+mn-cs"/>
-            </a:endParaRPr>
-          </a:p>
-        </p:txBody>
-      </p:sp>
-      <p:sp>
-        <p:nvSpPr>
-          <p:cNvPr id="9" name="8 Marcador de título"/>
-          <p:cNvSpPr>
-            <a:spLocks noGrp="1"/>
-          </p:cNvSpPr>
-          <p:nvPr>
-            <p:ph type="title"/>
-          </p:nvPr>
-        </p:nvSpPr>
+          <a:lstStyle>
+            <a:extLst/>
+          </a:lstStyle>
+          <a:p>
+            <a:endParaRPr kumimoji="0" lang="en-US"/>
+          </a:p>
+        </p:txBody>
+      </p:sp>
+      <p:sp>
+        <p:nvSpPr>
+          <p:cNvPr id="10" name="Right Triangle 9"/>
+          <p:cNvSpPr>
+            <a:spLocks/>
+          </p:cNvSpPr>
+          <p:nvPr/>
+        </p:nvSpPr>
+        <p:spPr bwMode="auto">
+          <a:xfrm>
+            <a:off x="-6042" y="5791253"/>
+            <a:ext cx="3402314" cy="1080868"/>
+          </a:xfrm>
+          <a:prstGeom prst="rtTriangle">
+            <a:avLst/>
+          </a:prstGeom>
+          <a:blipFill>
+            <a:blip r:embed="rId2">
+              <a:alphaModFix amt="50000"/>
+            </a:blip>
+            <a:tile tx="0" ty="0" sx="50000" sy="50000" flip="none" algn="t"/>
+          </a:blipFill>
+          <a:ln w="12700" cap="rnd" cmpd="thickThin" algn="ctr">
+            <a:noFill/>
+            <a:prstDash val="solid"/>
+          </a:ln>
+          <a:effectLst>
+            <a:fillOverlay blend="mult">
+              <a:gradFill flip="none" rotWithShape="1">
+                <a:gsLst>
+                  <a:gs pos="0">
+                    <a:schemeClr val="accent1">
+                      <a:shade val="20000"/>
+                      <a:satMod val="176000"/>
+                      <a:alpha val="100000"/>
+                    </a:schemeClr>
+                  </a:gs>
+                  <a:gs pos="18000">
+                    <a:schemeClr val="accent1">
+                      <a:shade val="48000"/>
+                      <a:satMod val="153000"/>
+                      <a:alpha val="100000"/>
+                    </a:schemeClr>
+                  </a:gs>
+                  <a:gs pos="43000">
+                    <a:schemeClr val="accent1">
+                      <a:tint val="86000"/>
+                      <a:satMod val="149000"/>
+                      <a:alpha val="100000"/>
+                    </a:schemeClr>
+                  </a:gs>
+                  <a:gs pos="45000">
+                    <a:schemeClr val="accent1">
+                      <a:tint val="85000"/>
+                      <a:satMod val="150000"/>
+                      <a:alpha val="100000"/>
+                    </a:schemeClr>
+                  </a:gs>
+                  <a:gs pos="50000">
+                    <a:schemeClr val="accent1">
+                      <a:tint val="86000"/>
+                      <a:satMod val="149000"/>
+                      <a:alpha val="100000"/>
+                    </a:schemeClr>
+                  </a:gs>
+                  <a:gs pos="79000">
+                    <a:schemeClr val="accent1">
+                      <a:shade val="53000"/>
+                      <a:satMod val="150000"/>
+                      <a:alpha val="100000"/>
+                    </a:schemeClr>
+                  </a:gs>
+                  <a:gs pos="100000">
+                    <a:schemeClr val="accent1">
+                      <a:shade val="25000"/>
+                      <a:satMod val="170000"/>
+                      <a:alpha val="100000"/>
+                    </a:schemeClr>
+                  </a:gs>
+                </a:gsLst>
+                <a:lin ang="450000" scaled="1"/>
+                <a:tileRect/>
+              </a:gradFill>
+            </a:fillOverlay>
+          </a:effectLst>
+        </p:spPr>
+        <p:style>
+          <a:lnRef idx="3">
+            <a:schemeClr val="lt1"/>
+          </a:lnRef>
+          <a:fillRef idx="1">
+            <a:schemeClr val="accent1"/>
+          </a:fillRef>
+          <a:effectRef idx="1">
+            <a:schemeClr val="accent1"/>
+          </a:effectRef>
+          <a:fontRef idx="minor">
+            <a:schemeClr val="lt1"/>
+          </a:fontRef>
+        </p:style>
+        <p:txBody>
+          <a:bodyPr vert="horz" wrap="square" lIns="91440" tIns="45720" rIns="91440" bIns="45720" anchor="ctr" compatLnSpc="1"/>
+          <a:lstStyle>
+            <a:extLst/>
+          </a:lstStyle>
+          <a:p>
+            <a:pPr algn="ctr" eaLnBrk="1" latinLnBrk="0" hangingPunct="1"/>
+            <a:endParaRPr kumimoji="0" lang="en-US"/>
+          </a:p>
+        </p:txBody>
+      </p:sp>
+      <p:cxnSp>
+        <p:nvCxnSpPr>
+          <p:cNvPr id="11" name="Straight Connector 10"/>
+          <p:cNvCxnSpPr/>
+          <p:nvPr/>
+        </p:nvCxnSpPr>
         <p:spPr>
           <a:xfrm>
-            <a:off x="457200" y="704088"/>
+            <a:off x="-9237" y="5787738"/>
+            <a:ext cx="3405509" cy="1084383"/>
+          </a:xfrm>
+          <a:prstGeom prst="line">
+            <a:avLst/>
+          </a:prstGeom>
+          <a:noFill/>
+          <a:ln w="12065" cap="flat" cmpd="sng" algn="ctr">
+            <a:gradFill>
+              <a:gsLst>
+                <a:gs pos="45000">
+                  <a:schemeClr val="accent1">
+                    <a:tint val="70000"/>
+                    <a:satMod val="110000"/>
+                  </a:schemeClr>
+                </a:gs>
+                <a:gs pos="15000">
+                  <a:schemeClr val="accent1">
+                    <a:shade val="40000"/>
+                    <a:satMod val="110000"/>
+                  </a:schemeClr>
+                </a:gs>
+              </a:gsLst>
+              <a:lin ang="5400000" scaled="1"/>
+            </a:gradFill>
+            <a:prstDash val="solid"/>
+            <a:miter lim="800000"/>
+          </a:ln>
+          <a:effectLst/>
+        </p:spPr>
+        <p:style>
+          <a:lnRef idx="2">
+            <a:schemeClr val="accent1"/>
+          </a:lnRef>
+          <a:fillRef idx="0">
+            <a:schemeClr val="accent1"/>
+          </a:fillRef>
+          <a:effectRef idx="1">
+            <a:schemeClr val="accent1"/>
+          </a:effectRef>
+          <a:fontRef idx="minor">
+            <a:schemeClr val="tx1"/>
+          </a:fontRef>
+        </p:style>
+      </p:cxnSp>
+      <p:sp>
+        <p:nvSpPr>
+          <p:cNvPr id="12" name="Chevron 11"/>
+          <p:cNvSpPr/>
+          <p:nvPr/>
+        </p:nvSpPr>
+        <p:spPr>
+          <a:xfrm>
+            <a:off x="8664112" y="4988440"/>
+            <a:ext cx="182880" cy="228600"/>
+          </a:xfrm>
+          <a:prstGeom prst="chevron">
+            <a:avLst>
+              <a:gd name="adj" fmla="val 50000"/>
+            </a:avLst>
+          </a:prstGeom>
+          <a:gradFill flip="none" rotWithShape="1">
+            <a:gsLst>
+              <a:gs pos="0">
+                <a:schemeClr val="accent1">
+                  <a:shade val="60000"/>
+                  <a:satMod val="125000"/>
+                </a:schemeClr>
+              </a:gs>
+              <a:gs pos="72000">
+                <a:schemeClr val="accent1">
+                  <a:tint val="90000"/>
+                  <a:satMod val="138000"/>
+                </a:schemeClr>
+              </a:gs>
+              <a:gs pos="100000">
+                <a:schemeClr val="accent1">
+                  <a:tint val="76000"/>
+                  <a:satMod val="136000"/>
+                </a:schemeClr>
+              </a:gs>
+            </a:gsLst>
+            <a:lin ang="16200000" scaled="0"/>
+          </a:gradFill>
+          <a:ln w="3175" cap="rnd" cmpd="sng" algn="ctr">
+            <a:solidFill>
+              <a:schemeClr val="accent1">
+                <a:shade val="50000"/>
+              </a:schemeClr>
+            </a:solidFill>
+            <a:prstDash val="solid"/>
+          </a:ln>
+          <a:effectLst>
+            <a:outerShdw blurRad="50800" dist="25400" dir="5400000">
+              <a:srgbClr val="000000">
+                <a:alpha val="46000"/>
+              </a:srgbClr>
+            </a:outerShdw>
+          </a:effectLst>
+        </p:spPr>
+        <p:style>
+          <a:lnRef idx="1">
+            <a:schemeClr val="accent1"/>
+          </a:lnRef>
+          <a:fillRef idx="3">
+            <a:schemeClr val="accent1"/>
+          </a:fillRef>
+          <a:effectRef idx="2">
+            <a:schemeClr val="accent1"/>
+          </a:effectRef>
+          <a:fontRef idx="minor">
+            <a:schemeClr val="lt1"/>
+          </a:fontRef>
+        </p:style>
+        <p:txBody>
+          <a:bodyPr anchor="ctr"/>
+          <a:lstStyle>
+            <a:extLst/>
+          </a:lstStyle>
+          <a:p>
+            <a:pPr algn="l" eaLnBrk="1" latinLnBrk="0" hangingPunct="1"/>
+            <a:endParaRPr kumimoji="0" lang="en-US"/>
+          </a:p>
+        </p:txBody>
+      </p:sp>
+      <p:sp>
+        <p:nvSpPr>
+          <p:cNvPr id="13" name="Chevron 12"/>
+          <p:cNvSpPr/>
+          <p:nvPr/>
+        </p:nvSpPr>
+        <p:spPr>
+          <a:xfrm>
+            <a:off x="8477696" y="4988440"/>
+            <a:ext cx="182880" cy="228600"/>
+          </a:xfrm>
+          <a:prstGeom prst="chevron">
+            <a:avLst>
+              <a:gd name="adj" fmla="val 50000"/>
+            </a:avLst>
+          </a:prstGeom>
+          <a:gradFill flip="none" rotWithShape="1">
+            <a:gsLst>
+              <a:gs pos="0">
+                <a:schemeClr val="accent1">
+                  <a:shade val="60000"/>
+                  <a:satMod val="125000"/>
+                </a:schemeClr>
+              </a:gs>
+              <a:gs pos="72000">
+                <a:schemeClr val="accent1">
+                  <a:tint val="90000"/>
+                  <a:satMod val="138000"/>
+                </a:schemeClr>
+              </a:gs>
+              <a:gs pos="100000">
+                <a:schemeClr val="accent1">
+                  <a:tint val="76000"/>
+                  <a:satMod val="136000"/>
+                </a:schemeClr>
+              </a:gs>
+            </a:gsLst>
+            <a:lin ang="16200000" scaled="0"/>
+          </a:gradFill>
+          <a:ln w="3175" cap="rnd" cmpd="sng" algn="ctr">
+            <a:solidFill>
+              <a:schemeClr val="accent1">
+                <a:shade val="50000"/>
+              </a:schemeClr>
+            </a:solidFill>
+            <a:prstDash val="solid"/>
+          </a:ln>
+          <a:effectLst>
+            <a:outerShdw blurRad="50800" dist="25400" dir="5400000">
+              <a:srgbClr val="000000">
+                <a:alpha val="46000"/>
+              </a:srgbClr>
+            </a:outerShdw>
+          </a:effectLst>
+        </p:spPr>
+        <p:style>
+          <a:lnRef idx="1">
+            <a:schemeClr val="accent1"/>
+          </a:lnRef>
+          <a:fillRef idx="3">
+            <a:schemeClr val="accent1"/>
+          </a:fillRef>
+          <a:effectRef idx="2">
+            <a:schemeClr val="accent1"/>
+          </a:effectRef>
+          <a:fontRef idx="minor">
+            <a:schemeClr val="lt1"/>
+          </a:fontRef>
+        </p:style>
+        <p:txBody>
+          <a:bodyPr anchor="ctr"/>
+          <a:lstStyle>
+            <a:extLst/>
+          </a:lstStyle>
+          <a:p>
+            <a:pPr algn="l" eaLnBrk="1" latinLnBrk="0" hangingPunct="1"/>
+            <a:endParaRPr kumimoji="0" lang="en-US"/>
+          </a:p>
+        </p:txBody>
+      </p:sp>
+    </p:spTree>
+  </p:cSld>
+  <p:clrMapOvr>
+    <a:overrideClrMapping bg1="dk1" tx1="lt1" bg2="dk2" tx2="lt2" accent1="accent1" accent2="accent2" accent3="accent3" accent4="accent4" accent5="accent5" accent6="accent6" hlink="hlink" folHlink="folHlink"/>
+  </p:clrMapOvr>
+</p:sldLayout>
+</file>
+
+<file path=ppt/slideMasters/slideMaster1.xml><?xml version="1.0" encoding="utf-8"?>
+<p:sldMaster xmlns:a="http://schemas.openxmlformats.org/drawingml/2006/main" xmlns:r="http://schemas.openxmlformats.org/officeDocument/2006/relationships" xmlns:p="http://schemas.openxmlformats.org/presentationml/2006/main">
+  <p:cSld>
+    <p:bg>
+      <p:bgRef idx="1001">
+        <a:schemeClr val="bg1"/>
+      </p:bgRef>
+    </p:bg>
+    <p:spTree>
+      <p:nvGrpSpPr>
+        <p:cNvPr id="1" name=""/>
+        <p:cNvGrpSpPr/>
+        <p:nvPr/>
+      </p:nvGrpSpPr>
+      <p:grpSpPr>
+        <a:xfrm>
+          <a:off x="0" y="0"/>
+          <a:ext cx="0" cy="0"/>
+          <a:chOff x="0" y="0"/>
+          <a:chExt cx="0" cy="0"/>
+        </a:xfrm>
+      </p:grpSpPr>
+      <p:sp>
+        <p:nvSpPr>
+          <p:cNvPr id="13" name="Freeform 12"/>
+          <p:cNvSpPr>
+            <a:spLocks/>
+          </p:cNvSpPr>
+          <p:nvPr/>
+        </p:nvSpPr>
+        <p:spPr bwMode="auto">
+          <a:xfrm>
+            <a:off x="716436" y="5001993"/>
+            <a:ext cx="3802003" cy="1443111"/>
+          </a:xfrm>
+          <a:custGeom>
+            <a:avLst>
+              <a:gd name="A1" fmla="val 0"/>
+              <a:gd name="A2" fmla="val 0"/>
+              <a:gd name="A3" fmla="val 0"/>
+              <a:gd name="A4" fmla="val 0"/>
+              <a:gd name="A5" fmla="val 0"/>
+              <a:gd name="A6" fmla="val 0"/>
+              <a:gd name="A7" fmla="val 0"/>
+              <a:gd name="A8" fmla="val 0"/>
+            </a:avLst>
+            <a:gdLst/>
+            <a:ahLst/>
+            <a:cxnLst>
+              <a:cxn ang="0">
+                <a:pos x="0" y="0"/>
+              </a:cxn>
+              <a:cxn ang="0">
+                <a:pos x="5760" y="0"/>
+              </a:cxn>
+              <a:cxn ang="0">
+                <a:pos x="5760" y="528"/>
+              </a:cxn>
+              <a:cxn ang="0">
+                <a:pos x="48" y="0"/>
+              </a:cxn>
+            </a:cxnLst>
+            <a:rect l="0" t="0" r="0" b="0"/>
+            <a:pathLst>
+              <a:path w="5760" h="528">
+                <a:moveTo>
+                  <a:pt x="-329" y="347"/>
+                </a:moveTo>
+                <a:lnTo>
+                  <a:pt x="7156" y="682"/>
+                </a:lnTo>
+                <a:lnTo>
+                  <a:pt x="5229" y="682"/>
+                </a:lnTo>
+                <a:lnTo>
+                  <a:pt x="-328" y="345"/>
+                </a:lnTo>
+              </a:path>
+            </a:pathLst>
+          </a:custGeom>
+          <a:solidFill>
+            <a:schemeClr val="accent1">
+              <a:tint val="65000"/>
+              <a:satMod val="115000"/>
+              <a:alpha val="40000"/>
+            </a:schemeClr>
+          </a:solidFill>
+          <a:ln w="9525" cap="flat" cmpd="sng" algn="ctr">
+            <a:noFill/>
+            <a:prstDash val="solid"/>
+            <a:round/>
+            <a:headEnd type="none" w="med" len="med"/>
+            <a:tailEnd type="none" w="med" len="med"/>
+          </a:ln>
+          <a:effectLst/>
+        </p:spPr>
+        <p:txBody>
+          <a:bodyPr vert="horz" wrap="square" lIns="91440" tIns="45720" rIns="91440" bIns="45720" anchor="t" compatLnSpc="1"/>
+          <a:lstStyle>
+            <a:extLst/>
+          </a:lstStyle>
+          <a:p>
+            <a:endParaRPr kumimoji="0" lang="en-US"/>
+          </a:p>
+        </p:txBody>
+      </p:sp>
+      <p:sp>
+        <p:nvSpPr>
+          <p:cNvPr id="12" name="Freeform 11"/>
+          <p:cNvSpPr>
+            <a:spLocks/>
+          </p:cNvSpPr>
+          <p:nvPr/>
+        </p:nvSpPr>
+        <p:spPr bwMode="auto">
+          <a:xfrm>
+            <a:off x="-53561" y="5785023"/>
+            <a:ext cx="3802003" cy="838200"/>
+          </a:xfrm>
+          <a:custGeom>
+            <a:avLst>
+              <a:gd name="A1" fmla="val 0"/>
+              <a:gd name="A2" fmla="val 0"/>
+              <a:gd name="A3" fmla="val 0"/>
+              <a:gd name="A4" fmla="val 0"/>
+              <a:gd name="A5" fmla="val 0"/>
+              <a:gd name="A6" fmla="val 0"/>
+              <a:gd name="A7" fmla="val 0"/>
+              <a:gd name="A8" fmla="val 0"/>
+            </a:avLst>
+            <a:gdLst/>
+            <a:ahLst/>
+            <a:cxnLst>
+              <a:cxn ang="0">
+                <a:pos x="0" y="0"/>
+              </a:cxn>
+              <a:cxn ang="0">
+                <a:pos x="5760" y="0"/>
+              </a:cxn>
+              <a:cxn ang="0">
+                <a:pos x="5760" y="528"/>
+              </a:cxn>
+              <a:cxn ang="0">
+                <a:pos x="48" y="0"/>
+              </a:cxn>
+            </a:cxnLst>
+            <a:rect l="0" t="0" r="0" b="0"/>
+            <a:pathLst>
+              <a:path w="5760" h="528">
+                <a:moveTo>
+                  <a:pt x="817" y="97"/>
+                </a:moveTo>
+                <a:lnTo>
+                  <a:pt x="6408" y="682"/>
+                </a:lnTo>
+                <a:lnTo>
+                  <a:pt x="5232" y="685"/>
+                </a:lnTo>
+                <a:lnTo>
+                  <a:pt x="829" y="101"/>
+                </a:lnTo>
+              </a:path>
+            </a:pathLst>
+          </a:custGeom>
+          <a:solidFill>
+            <a:srgbClr val="000000">
+              <a:alpha val="100000"/>
+            </a:srgbClr>
+          </a:solidFill>
+          <a:ln w="9525" cap="flat" cmpd="sng" algn="ctr">
+            <a:noFill/>
+            <a:prstDash val="solid"/>
+            <a:round/>
+            <a:headEnd type="none" w="med" len="med"/>
+            <a:tailEnd type="none" w="med" len="med"/>
+          </a:ln>
+          <a:effectLst/>
+        </p:spPr>
+        <p:txBody>
+          <a:bodyPr vert="horz" wrap="square" lIns="91440" tIns="45720" rIns="91440" bIns="45720" anchor="t" compatLnSpc="1"/>
+          <a:lstStyle>
+            <a:extLst/>
+          </a:lstStyle>
+          <a:p>
+            <a:endParaRPr kumimoji="0" lang="en-US"/>
+          </a:p>
+        </p:txBody>
+      </p:sp>
+      <p:sp>
+        <p:nvSpPr>
+          <p:cNvPr id="14" name="Right Triangle 13"/>
+          <p:cNvSpPr>
+            <a:spLocks/>
+          </p:cNvSpPr>
+          <p:nvPr/>
+        </p:nvSpPr>
+        <p:spPr bwMode="auto">
+          <a:xfrm>
+            <a:off x="-6042" y="5791253"/>
+            <a:ext cx="3402314" cy="1080868"/>
+          </a:xfrm>
+          <a:prstGeom prst="rtTriangle">
+            <a:avLst/>
+          </a:prstGeom>
+          <a:blipFill>
+            <a:blip r:embed="rId13">
+              <a:alphaModFix amt="50000"/>
+            </a:blip>
+            <a:tile tx="0" ty="0" sx="50000" sy="50000" flip="none" algn="t"/>
+          </a:blipFill>
+          <a:ln w="12700" cap="rnd" cmpd="thickThin" algn="ctr">
+            <a:noFill/>
+            <a:prstDash val="solid"/>
+          </a:ln>
+          <a:effectLst>
+            <a:fillOverlay blend="mult">
+              <a:gradFill flip="none" rotWithShape="1">
+                <a:gsLst>
+                  <a:gs pos="0">
+                    <a:schemeClr val="accent1">
+                      <a:shade val="20000"/>
+                      <a:satMod val="176000"/>
+                      <a:alpha val="100000"/>
+                    </a:schemeClr>
+                  </a:gs>
+                  <a:gs pos="18000">
+                    <a:schemeClr val="accent1">
+                      <a:shade val="48000"/>
+                      <a:satMod val="153000"/>
+                      <a:alpha val="100000"/>
+                    </a:schemeClr>
+                  </a:gs>
+                  <a:gs pos="43000">
+                    <a:schemeClr val="accent1">
+                      <a:tint val="86000"/>
+                      <a:satMod val="149000"/>
+                      <a:alpha val="100000"/>
+                    </a:schemeClr>
+                  </a:gs>
+                  <a:gs pos="45000">
+                    <a:schemeClr val="accent1">
+                      <a:tint val="85000"/>
+                      <a:satMod val="150000"/>
+                      <a:alpha val="100000"/>
+                    </a:schemeClr>
+                  </a:gs>
+                  <a:gs pos="50000">
+                    <a:schemeClr val="accent1">
+                      <a:tint val="86000"/>
+                      <a:satMod val="149000"/>
+                      <a:alpha val="100000"/>
+                    </a:schemeClr>
+                  </a:gs>
+                  <a:gs pos="79000">
+                    <a:schemeClr val="accent1">
+                      <a:shade val="53000"/>
+                      <a:satMod val="150000"/>
+                      <a:alpha val="100000"/>
+                    </a:schemeClr>
+                  </a:gs>
+                  <a:gs pos="100000">
+                    <a:schemeClr val="accent1">
+                      <a:shade val="25000"/>
+                      <a:satMod val="170000"/>
+                      <a:alpha val="100000"/>
+                    </a:schemeClr>
+                  </a:gs>
+                </a:gsLst>
+                <a:lin ang="450000" scaled="1"/>
+                <a:tileRect/>
+              </a:gradFill>
+            </a:fillOverlay>
+          </a:effectLst>
+        </p:spPr>
+        <p:style>
+          <a:lnRef idx="3">
+            <a:schemeClr val="lt1"/>
+          </a:lnRef>
+          <a:fillRef idx="1">
+            <a:schemeClr val="accent1"/>
+          </a:fillRef>
+          <a:effectRef idx="1">
+            <a:schemeClr val="accent1"/>
+          </a:effectRef>
+          <a:fontRef idx="minor">
+            <a:schemeClr val="lt1"/>
+          </a:fontRef>
+        </p:style>
+        <p:txBody>
+          <a:bodyPr vert="horz" wrap="square" lIns="91440" tIns="45720" rIns="91440" bIns="45720" anchor="ctr" compatLnSpc="1"/>
+          <a:lstStyle>
+            <a:extLst/>
+          </a:lstStyle>
+          <a:p>
+            <a:pPr algn="ctr" eaLnBrk="1" latinLnBrk="0" hangingPunct="1"/>
+            <a:endParaRPr kumimoji="0" lang="en-US"/>
+          </a:p>
+        </p:txBody>
+      </p:sp>
+      <p:cxnSp>
+        <p:nvCxnSpPr>
+          <p:cNvPr id="15" name="Straight Connector 14"/>
+          <p:cNvCxnSpPr/>
+          <p:nvPr/>
+        </p:nvCxnSpPr>
+        <p:spPr>
+          <a:xfrm>
+            <a:off x="-9237" y="5787738"/>
+            <a:ext cx="3405509" cy="1084383"/>
+          </a:xfrm>
+          <a:prstGeom prst="line">
+            <a:avLst/>
+          </a:prstGeom>
+          <a:noFill/>
+          <a:ln w="12065" cap="flat" cmpd="sng" algn="ctr">
+            <a:gradFill>
+              <a:gsLst>
+                <a:gs pos="45000">
+                  <a:schemeClr val="accent1">
+                    <a:tint val="70000"/>
+                    <a:satMod val="110000"/>
+                  </a:schemeClr>
+                </a:gs>
+                <a:gs pos="15000">
+                  <a:schemeClr val="accent1">
+                    <a:shade val="40000"/>
+                    <a:satMod val="110000"/>
+                  </a:schemeClr>
+                </a:gs>
+              </a:gsLst>
+              <a:lin ang="5400000" scaled="1"/>
+            </a:gradFill>
+            <a:prstDash val="solid"/>
+            <a:miter lim="800000"/>
+          </a:ln>
+          <a:effectLst/>
+        </p:spPr>
+        <p:style>
+          <a:lnRef idx="2">
+            <a:schemeClr val="accent1"/>
+          </a:lnRef>
+          <a:fillRef idx="0">
+            <a:schemeClr val="accent1"/>
+          </a:fillRef>
+          <a:effectRef idx="1">
+            <a:schemeClr val="accent1"/>
+          </a:effectRef>
+          <a:fontRef idx="minor">
+            <a:schemeClr val="tx1"/>
+          </a:fontRef>
+        </p:style>
+      </p:cxnSp>
+      <p:sp>
+        <p:nvSpPr>
+          <p:cNvPr id="9" name="Title Placeholder 8"/>
+          <p:cNvSpPr>
+            <a:spLocks noGrp="1"/>
+          </p:cNvSpPr>
+          <p:nvPr>
+            <p:ph type="title"/>
+          </p:nvPr>
+        </p:nvSpPr>
+        <p:spPr>
+          <a:xfrm>
+            <a:off x="457200" y="274638"/>
             <a:ext cx="8229600" cy="1143000"/>
           </a:xfrm>
           <a:prstGeom prst="rect">
@@ -3154,14 +4740,23 @@
           </a:prstGeom>
         </p:spPr>
         <p:txBody>
-          <a:bodyPr vert="horz" lIns="0" rIns="0" bIns="0" anchor="b">
+          <a:bodyPr vert="horz" anchor="ctr">
             <a:normAutofit/>
+            <a:scene3d>
+              <a:camera prst="orthographicFront"/>
+              <a:lightRig rig="soft" dir="t"/>
+            </a:scene3d>
+            <a:sp3d prstMaterial="softEdge">
+              <a:bevelT w="25400" h="25400"/>
+            </a:sp3d>
           </a:bodyPr>
-          <a:lstStyle/>
-          <a:p>
-            <a:r>
-              <a:rPr kumimoji="0" lang="es-ES" smtClean="0"/>
-              <a:t>Haga clic para modificar el estilo de título del patrón</a:t>
+          <a:lstStyle>
+            <a:extLst/>
+          </a:lstStyle>
+          <a:p>
+            <a:r>
+              <a:rPr kumimoji="0" lang="en-US" smtClean="0"/>
+              <a:t>Click to edit Master title style</a:t>
             </a:r>
             <a:endParaRPr kumimoji="0" lang="en-US"/>
           </a:p>
@@ -3169,7 +4764,7 @@
       </p:sp>
       <p:sp>
         <p:nvSpPr>
-          <p:cNvPr id="30" name="29 Marcador de texto"/>
+          <p:cNvPr id="30" name="Text Placeholder 29"/>
           <p:cNvSpPr>
             <a:spLocks noGrp="1"/>
           </p:cNvSpPr>
@@ -3179,8 +4774,8 @@
         </p:nvSpPr>
         <p:spPr>
           <a:xfrm>
-            <a:off x="457200" y="1935480"/>
-            <a:ext cx="8229600" cy="4389120"/>
+            <a:off x="457200" y="1481328"/>
+            <a:ext cx="8229600" cy="4525963"/>
           </a:xfrm>
           <a:prstGeom prst="rect">
             <a:avLst/>
@@ -3190,40 +4785,42 @@
           <a:bodyPr vert="horz">
             <a:normAutofit/>
           </a:bodyPr>
-          <a:lstStyle/>
+          <a:lstStyle>
+            <a:extLst/>
+          </a:lstStyle>
           <a:p>
             <a:pPr lvl="0" eaLnBrk="1" latinLnBrk="0" hangingPunct="1"/>
             <a:r>
-              <a:rPr kumimoji="0" lang="es-ES" smtClean="0"/>
-              <a:t>Haga clic para modificar el estilo de texto del patrón</a:t>
+              <a:rPr kumimoji="0" lang="en-US" smtClean="0"/>
+              <a:t>Click to edit Master text styles</a:t>
             </a:r>
           </a:p>
           <a:p>
             <a:pPr lvl="1" eaLnBrk="1" latinLnBrk="0" hangingPunct="1"/>
             <a:r>
-              <a:rPr kumimoji="0" lang="es-ES" smtClean="0"/>
-              <a:t>Segundo nivel</a:t>
+              <a:rPr kumimoji="0" lang="en-US" smtClean="0"/>
+              <a:t>Second level</a:t>
             </a:r>
           </a:p>
           <a:p>
             <a:pPr lvl="2" eaLnBrk="1" latinLnBrk="0" hangingPunct="1"/>
             <a:r>
-              <a:rPr kumimoji="0" lang="es-ES" smtClean="0"/>
-              <a:t>Tercer nivel</a:t>
+              <a:rPr kumimoji="0" lang="en-US" smtClean="0"/>
+              <a:t>Third level</a:t>
             </a:r>
           </a:p>
           <a:p>
             <a:pPr lvl="3" eaLnBrk="1" latinLnBrk="0" hangingPunct="1"/>
             <a:r>
-              <a:rPr kumimoji="0" lang="es-ES" smtClean="0"/>
-              <a:t>Cuarto nivel</a:t>
+              <a:rPr kumimoji="0" lang="en-US" smtClean="0"/>
+              <a:t>Fourth level</a:t>
             </a:r>
           </a:p>
           <a:p>
             <a:pPr lvl="4" eaLnBrk="1" latinLnBrk="0" hangingPunct="1"/>
             <a:r>
-              <a:rPr kumimoji="0" lang="es-ES" smtClean="0"/>
-              <a:t>Quinto nivel</a:t>
+              <a:rPr kumimoji="0" lang="en-US" smtClean="0"/>
+              <a:t>Fifth level</a:t>
             </a:r>
             <a:endParaRPr kumimoji="0" lang="en-US"/>
           </a:p>
@@ -3231,7 +4828,7 @@
       </p:sp>
       <p:sp>
         <p:nvSpPr>
-          <p:cNvPr id="10" name="9 Marcador de fecha"/>
+          <p:cNvPr id="10" name="Date Placeholder 9"/>
           <p:cNvSpPr>
             <a:spLocks noGrp="1"/>
           </p:cNvSpPr>
@@ -3241,25 +4838,24 @@
         </p:nvSpPr>
         <p:spPr>
           <a:xfrm>
-            <a:off x="457200" y="6356350"/>
-            <a:ext cx="2133600" cy="365125"/>
+            <a:off x="6727032" y="6407944"/>
+            <a:ext cx="1920240" cy="365760"/>
           </a:xfrm>
           <a:prstGeom prst="rect">
             <a:avLst/>
           </a:prstGeom>
         </p:spPr>
         <p:txBody>
-          <a:bodyPr vert="horz" lIns="0" tIns="0" rIns="0" bIns="0" anchor="b"/>
+          <a:bodyPr vert="horz" anchor="b"/>
           <a:lstStyle>
             <a:lvl1pPr algn="l" eaLnBrk="1" latinLnBrk="0" hangingPunct="1">
-              <a:defRPr kumimoji="0" sz="1200">
+              <a:defRPr kumimoji="0" sz="1000">
                 <a:solidFill>
-                  <a:schemeClr val="tx2">
-                    <a:shade val="90000"/>
-                  </a:schemeClr>
+                  <a:schemeClr val="tx1"/>
                 </a:solidFill>
               </a:defRPr>
             </a:lvl1pPr>
+            <a:extLst/>
           </a:lstStyle>
           <a:p>
             <a:fld id="{47C9B81F-C347-4BEF-BFDF-29C42F48304A}" type="datetimeFigureOut">
@@ -3279,7 +4875,7 @@
       </p:sp>
       <p:sp>
         <p:nvSpPr>
-          <p:cNvPr id="22" name="21 Marcador de pie de página"/>
+          <p:cNvPr id="22" name="Footer Placeholder 21"/>
           <p:cNvSpPr>
             <a:spLocks noGrp="1"/>
           </p:cNvSpPr>
@@ -3289,25 +4885,24 @@
         </p:nvSpPr>
         <p:spPr>
           <a:xfrm>
-            <a:off x="2667000" y="6356350"/>
-            <a:ext cx="3352800" cy="365125"/>
+            <a:off x="4380072" y="6407944"/>
+            <a:ext cx="2350681" cy="365125"/>
           </a:xfrm>
           <a:prstGeom prst="rect">
             <a:avLst/>
           </a:prstGeom>
         </p:spPr>
         <p:txBody>
-          <a:bodyPr vert="horz" lIns="0" tIns="0" rIns="0" bIns="0" anchor="b"/>
+          <a:bodyPr vert="horz" anchor="b"/>
           <a:lstStyle>
-            <a:lvl1pPr algn="l" eaLnBrk="1" latinLnBrk="0" hangingPunct="1">
-              <a:defRPr kumimoji="0" sz="1200">
+            <a:lvl1pPr algn="r" eaLnBrk="1" latinLnBrk="0" hangingPunct="1">
+              <a:defRPr kumimoji="0" sz="1000">
                 <a:solidFill>
-                  <a:schemeClr val="tx2">
-                    <a:shade val="90000"/>
-                  </a:schemeClr>
+                  <a:schemeClr val="tx1"/>
                 </a:solidFill>
               </a:defRPr>
             </a:lvl1pPr>
+            <a:extLst/>
           </a:lstStyle>
           <a:p>
             <a:pPr algn="l" eaLnBrk="1" latinLnBrk="0" hangingPunct="1"/>
@@ -3323,7 +4918,7 @@
       </p:sp>
       <p:sp>
         <p:nvSpPr>
-          <p:cNvPr id="18" name="17 Marcador de número de diapositiva"/>
+          <p:cNvPr id="18" name="Slide Number Placeholder 17"/>
           <p:cNvSpPr>
             <a:spLocks noGrp="1"/>
           </p:cNvSpPr>
@@ -3333,31 +4928,30 @@
         </p:nvSpPr>
         <p:spPr>
           <a:xfrm>
-            <a:off x="7924800" y="6356350"/>
-            <a:ext cx="762000" cy="365125"/>
+            <a:off x="8647272" y="6407944"/>
+            <a:ext cx="365760" cy="365125"/>
           </a:xfrm>
           <a:prstGeom prst="rect">
             <a:avLst/>
           </a:prstGeom>
         </p:spPr>
         <p:txBody>
-          <a:bodyPr vert="horz" lIns="0" tIns="0" rIns="0" bIns="0" anchor="b"/>
+          <a:bodyPr vert="horz" anchor="b"/>
           <a:lstStyle>
             <a:lvl1pPr algn="r" eaLnBrk="1" latinLnBrk="0" hangingPunct="1">
-              <a:defRPr kumimoji="0" sz="1200">
+              <a:defRPr kumimoji="0" sz="1000" b="0">
                 <a:solidFill>
-                  <a:schemeClr val="tx2">
-                    <a:shade val="90000"/>
-                  </a:schemeClr>
+                  <a:schemeClr val="tx1"/>
                 </a:solidFill>
               </a:defRPr>
             </a:lvl1pPr>
+            <a:extLst/>
           </a:lstStyle>
           <a:p>
             <a:fld id="{042AED99-7FB4-404E-8A97-64753DCE42EC}" type="slidenum">
               <a:rPr kumimoji="0" lang="en-US" smtClean="0"/>
               <a:pPr/>
-              <a:t>‹Nº›</a:t>
+              <a:t>‹#›</a:t>
             </a:fld>
             <a:endParaRPr kumimoji="0" lang="en-US" dirty="0">
               <a:solidFill>
@@ -3369,235 +4963,21 @@
           </a:p>
         </p:txBody>
       </p:sp>
-      <p:grpSp>
-        <p:nvGrpSpPr>
-          <p:cNvPr id="2" name="1 Grupo"/>
-          <p:cNvGrpSpPr/>
-          <p:nvPr/>
-        </p:nvGrpSpPr>
-        <p:grpSpPr>
-          <a:xfrm>
-            <a:off x="-19017" y="202408"/>
-            <a:ext cx="9180548" cy="649224"/>
-            <a:chOff x="-19045" y="216550"/>
-            <a:chExt cx="9180548" cy="649224"/>
-          </a:xfrm>
-        </p:grpSpPr>
-        <p:sp>
-          <p:nvSpPr>
-            <p:cNvPr id="12" name="11 Forma libre"/>
-            <p:cNvSpPr>
-              <a:spLocks/>
-            </p:cNvSpPr>
-            <p:nvPr/>
-          </p:nvSpPr>
-          <p:spPr bwMode="auto">
-            <a:xfrm rot="21435692">
-              <a:off x="-19045" y="216550"/>
-              <a:ext cx="9163050" cy="649224"/>
-            </a:xfrm>
-            <a:custGeom>
-              <a:avLst>
-                <a:gd name="A1" fmla="val 0"/>
-                <a:gd name="A2" fmla="val 0"/>
-                <a:gd name="A3" fmla="val 0"/>
-                <a:gd name="A4" fmla="val 0"/>
-                <a:gd name="A5" fmla="val 0"/>
-                <a:gd name="A6" fmla="val 0"/>
-                <a:gd name="A7" fmla="val 0"/>
-                <a:gd name="A8" fmla="val 0"/>
-              </a:avLst>
-              <a:gdLst/>
-              <a:ahLst/>
-              <a:cxnLst>
-                <a:cxn ang="0">
-                  <a:pos x="0" y="966"/>
-                </a:cxn>
-                <a:cxn ang="0">
-                  <a:pos x="1608" y="282"/>
-                </a:cxn>
-                <a:cxn ang="0">
-                  <a:pos x="4110" y="1008"/>
-                </a:cxn>
-                <a:cxn ang="0">
-                  <a:pos x="5772" y="0"/>
-                </a:cxn>
-              </a:cxnLst>
-              <a:rect l="0" t="0" r="0" b="0"/>
-              <a:pathLst>
-                <a:path w="5772" h="1055">
-                  <a:moveTo>
-                    <a:pt x="0" y="966"/>
-                  </a:moveTo>
-                  <a:cubicBezTo>
-                    <a:pt x="282" y="738"/>
-                    <a:pt x="923" y="275"/>
-                    <a:pt x="1608" y="282"/>
-                  </a:cubicBezTo>
-                  <a:cubicBezTo>
-                    <a:pt x="2293" y="289"/>
-                    <a:pt x="3416" y="1055"/>
-                    <a:pt x="4110" y="1008"/>
-                  </a:cubicBezTo>
-                  <a:cubicBezTo>
-                    <a:pt x="4804" y="961"/>
-                    <a:pt x="5426" y="210"/>
-                    <a:pt x="5772" y="0"/>
-                  </a:cubicBezTo>
-                </a:path>
-              </a:pathLst>
-            </a:custGeom>
-            <a:noFill/>
-            <a:ln w="10795" cap="flat" cmpd="sng" algn="ctr">
-              <a:gradFill>
-                <a:gsLst>
-                  <a:gs pos="74000">
-                    <a:schemeClr val="accent3">
-                      <a:shade val="75000"/>
-                    </a:schemeClr>
-                  </a:gs>
-                  <a:gs pos="86000">
-                    <a:schemeClr val="tx1">
-                      <a:alpha val="29000"/>
-                    </a:schemeClr>
-                  </a:gs>
-                  <a:gs pos="16000">
-                    <a:schemeClr val="accent2">
-                      <a:shade val="75000"/>
-                      <a:alpha val="56000"/>
-                    </a:schemeClr>
-                  </a:gs>
-                </a:gsLst>
-                <a:lin ang="5400000" scaled="1"/>
-              </a:gradFill>
-              <a:prstDash val="solid"/>
-              <a:round/>
-              <a:headEnd type="none" w="med" len="med"/>
-              <a:tailEnd type="none" w="med" len="med"/>
-            </a:ln>
-            <a:effectLst/>
-          </p:spPr>
-          <p:txBody>
-            <a:bodyPr vert="horz" wrap="square" lIns="91440" tIns="45720" rIns="91440" bIns="45720" anchor="t" compatLnSpc="1"/>
-            <a:lstStyle/>
-            <a:p>
-              <a:endParaRPr kumimoji="0" lang="en-US"/>
-            </a:p>
-          </p:txBody>
-        </p:sp>
-        <p:sp>
-          <p:nvSpPr>
-            <p:cNvPr id="13" name="12 Forma libre"/>
-            <p:cNvSpPr>
-              <a:spLocks/>
-            </p:cNvSpPr>
-            <p:nvPr/>
-          </p:nvSpPr>
-          <p:spPr bwMode="auto">
-            <a:xfrm rot="21435692">
-              <a:off x="-14309" y="290003"/>
-              <a:ext cx="9175812" cy="530352"/>
-            </a:xfrm>
-            <a:custGeom>
-              <a:avLst>
-                <a:gd name="A1" fmla="val 0"/>
-                <a:gd name="A2" fmla="val 0"/>
-                <a:gd name="A3" fmla="val 0"/>
-                <a:gd name="A4" fmla="val 0"/>
-                <a:gd name="A5" fmla="val 0"/>
-                <a:gd name="A6" fmla="val 0"/>
-                <a:gd name="A7" fmla="val 0"/>
-                <a:gd name="A8" fmla="val 0"/>
-              </a:avLst>
-              <a:gdLst/>
-              <a:ahLst/>
-              <a:cxnLst>
-                <a:cxn ang="0">
-                  <a:pos x="0" y="732"/>
-                </a:cxn>
-                <a:cxn ang="0">
-                  <a:pos x="1638" y="228"/>
-                </a:cxn>
-                <a:cxn ang="0">
-                  <a:pos x="4122" y="816"/>
-                </a:cxn>
-                <a:cxn ang="0">
-                  <a:pos x="5766" y="0"/>
-                </a:cxn>
-              </a:cxnLst>
-              <a:rect l="0" t="0" r="0" b="0"/>
-              <a:pathLst>
-                <a:path w="5766" h="854">
-                  <a:moveTo>
-                    <a:pt x="0" y="732"/>
-                  </a:moveTo>
-                  <a:cubicBezTo>
-                    <a:pt x="273" y="647"/>
-                    <a:pt x="951" y="214"/>
-                    <a:pt x="1638" y="228"/>
-                  </a:cubicBezTo>
-                  <a:cubicBezTo>
-                    <a:pt x="2325" y="242"/>
-                    <a:pt x="3434" y="854"/>
-                    <a:pt x="4122" y="816"/>
-                  </a:cubicBezTo>
-                  <a:cubicBezTo>
-                    <a:pt x="4810" y="778"/>
-                    <a:pt x="5424" y="170"/>
-                    <a:pt x="5766" y="0"/>
-                  </a:cubicBezTo>
-                </a:path>
-              </a:pathLst>
-            </a:custGeom>
-            <a:noFill/>
-            <a:ln w="9525" cap="flat" cmpd="sng" algn="ctr">
-              <a:gradFill>
-                <a:gsLst>
-                  <a:gs pos="74000">
-                    <a:schemeClr val="accent4"/>
-                  </a:gs>
-                  <a:gs pos="44000">
-                    <a:schemeClr val="accent1"/>
-                  </a:gs>
-                  <a:gs pos="33000">
-                    <a:schemeClr val="accent2">
-                      <a:alpha val="56000"/>
-                    </a:schemeClr>
-                  </a:gs>
-                </a:gsLst>
-                <a:lin ang="5400000" scaled="1"/>
-              </a:gradFill>
-              <a:prstDash val="solid"/>
-              <a:round/>
-              <a:headEnd type="none" w="med" len="med"/>
-              <a:tailEnd type="none" w="med" len="med"/>
-            </a:ln>
-            <a:effectLst/>
-          </p:spPr>
-          <p:txBody>
-            <a:bodyPr vert="horz" wrap="square" lIns="91440" tIns="45720" rIns="91440" bIns="45720" anchor="t" compatLnSpc="1"/>
-            <a:lstStyle/>
-            <a:p>
-              <a:endParaRPr kumimoji="0" lang="en-US"/>
-            </a:p>
-          </p:txBody>
-        </p:sp>
-      </p:grpSp>
     </p:spTree>
   </p:cSld>
   <p:clrMap bg1="lt1" tx1="dk1" bg2="lt2" tx2="dk2" accent1="accent1" accent2="accent2" accent3="accent3" accent4="accent4" accent5="accent5" accent6="accent6" hlink="hlink" folHlink="folHlink"/>
   <p:sldLayoutIdLst>
-    <p:sldLayoutId id="2147483661" r:id="rId1"/>
-    <p:sldLayoutId id="2147483662" r:id="rId2"/>
-    <p:sldLayoutId id="2147483663" r:id="rId3"/>
-    <p:sldLayoutId id="2147483664" r:id="rId4"/>
-    <p:sldLayoutId id="2147483665" r:id="rId5"/>
-    <p:sldLayoutId id="2147483666" r:id="rId6"/>
-    <p:sldLayoutId id="2147483667" r:id="rId7"/>
-    <p:sldLayoutId id="2147483668" r:id="rId8"/>
-    <p:sldLayoutId id="2147483669" r:id="rId9"/>
-    <p:sldLayoutId id="2147483670" r:id="rId10"/>
-    <p:sldLayoutId id="2147483671" r:id="rId11"/>
+    <p:sldLayoutId id="2147483673" r:id="rId1"/>
+    <p:sldLayoutId id="2147483674" r:id="rId2"/>
+    <p:sldLayoutId id="2147483675" r:id="rId3"/>
+    <p:sldLayoutId id="2147483676" r:id="rId4"/>
+    <p:sldLayoutId id="2147483677" r:id="rId5"/>
+    <p:sldLayoutId id="2147483678" r:id="rId6"/>
+    <p:sldLayoutId id="2147483679" r:id="rId7"/>
+    <p:sldLayoutId id="2147483680" r:id="rId8"/>
+    <p:sldLayoutId id="2147483681" r:id="rId9"/>
+    <p:sldLayoutId id="2147483682" r:id="rId10"/>
+    <p:sldLayoutId id="2147483683" r:id="rId11"/>
   </p:sldLayoutIdLst>
   <p:txStyles>
     <p:titleStyle>
@@ -3606,32 +4986,39 @@
           <a:spcPct val="0"/>
         </a:spcBef>
         <a:buNone/>
-        <a:defRPr kumimoji="0" sz="5000" b="0" kern="1200">
-          <a:ln>
-            <a:noFill/>
-          </a:ln>
+        <a:defRPr kumimoji="0" sz="4100" b="1" kern="1200">
           <a:solidFill>
             <a:schemeClr val="tx2"/>
           </a:solidFill>
-          <a:effectLst/>
+          <a:effectLst>
+            <a:outerShdw blurRad="31750" dist="25400" dir="5400000" algn="tl" rotWithShape="0">
+              <a:srgbClr val="000000">
+                <a:alpha val="25000"/>
+              </a:srgbClr>
+            </a:outerShdw>
+          </a:effectLst>
           <a:latin typeface="+mj-lt"/>
           <a:ea typeface="+mj-ea"/>
           <a:cs typeface="+mj-cs"/>
         </a:defRPr>
       </a:lvl1pPr>
+      <a:extLst/>
     </p:titleStyle>
     <p:bodyStyle>
-      <a:lvl1pPr marL="274320" indent="-274320" algn="l" rtl="0" eaLnBrk="1" latinLnBrk="0" hangingPunct="1">
+      <a:lvl1pPr marL="365760" indent="-256032" algn="l" rtl="0" eaLnBrk="1" latinLnBrk="0" hangingPunct="1">
         <a:spcBef>
-          <a:spcPct val="20000"/>
+          <a:spcPts val="400"/>
         </a:spcBef>
+        <a:spcAft>
+          <a:spcPts val="0"/>
+        </a:spcAft>
         <a:buClr>
-          <a:schemeClr val="accent3"/>
+          <a:schemeClr val="accent1"/>
         </a:buClr>
-        <a:buSzPct val="95000"/>
-        <a:buFont typeface="Wingdings 2"/>
-        <a:buChar char=""/>
-        <a:defRPr kumimoji="0" sz="2600" kern="1200">
+        <a:buSzPct val="68000"/>
+        <a:buFont typeface="Wingdings 3"/>
+        <a:buChar char=""/>
+        <a:defRPr kumimoji="0" sz="2700" kern="1200">
           <a:solidFill>
             <a:schemeClr val="tx1"/>
           </a:solidFill>
@@ -3640,17 +5027,16 @@
           <a:cs typeface="+mn-cs"/>
         </a:defRPr>
       </a:lvl1pPr>
-      <a:lvl2pPr marL="640080" indent="-246888" algn="l" rtl="0" eaLnBrk="1" latinLnBrk="0" hangingPunct="1">
+      <a:lvl2pPr marL="621792" indent="-228600" algn="l" rtl="0" eaLnBrk="1" latinLnBrk="0" hangingPunct="1">
         <a:spcBef>
-          <a:spcPct val="20000"/>
+          <a:spcPts val="324"/>
         </a:spcBef>
         <a:buClr>
           <a:schemeClr val="accent1"/>
         </a:buClr>
-        <a:buSzPct val="85000"/>
-        <a:buFont typeface="Wingdings 2"/>
-        <a:buChar char=""/>
-        <a:defRPr kumimoji="0" sz="2400" kern="1200">
+        <a:buFont typeface="Verdana"/>
+        <a:buChar char="◦"/>
+        <a:defRPr kumimoji="0" sz="2300" kern="1200">
           <a:solidFill>
             <a:schemeClr val="tx1"/>
           </a:solidFill>
@@ -3659,16 +5045,16 @@
           <a:cs typeface="+mn-cs"/>
         </a:defRPr>
       </a:lvl2pPr>
-      <a:lvl3pPr marL="914400" indent="-246888" algn="l" rtl="0" eaLnBrk="1" latinLnBrk="0" hangingPunct="1">
+      <a:lvl3pPr marL="859536" indent="-228600" algn="l" rtl="0" eaLnBrk="1" latinLnBrk="0" hangingPunct="1">
         <a:spcBef>
-          <a:spcPct val="20000"/>
+          <a:spcPts val="350"/>
         </a:spcBef>
         <a:buClr>
           <a:schemeClr val="accent2"/>
         </a:buClr>
-        <a:buSzPct val="70000"/>
+        <a:buSzPct val="100000"/>
         <a:buFont typeface="Wingdings 2"/>
-        <a:buChar char=""/>
+        <a:buChar char=""/>
         <a:defRPr kumimoji="0" sz="2100" kern="1200">
           <a:solidFill>
             <a:schemeClr val="tx1"/>
@@ -3678,17 +5064,16 @@
           <a:cs typeface="+mn-cs"/>
         </a:defRPr>
       </a:lvl3pPr>
-      <a:lvl4pPr marL="1188720" indent="-210312" algn="l" rtl="0" eaLnBrk="1" latinLnBrk="0" hangingPunct="1">
+      <a:lvl4pPr marL="1143000" indent="-228600" algn="l" rtl="0" eaLnBrk="1" latinLnBrk="0" hangingPunct="1">
         <a:spcBef>
-          <a:spcPct val="20000"/>
+          <a:spcPts val="350"/>
         </a:spcBef>
         <a:buClr>
-          <a:schemeClr val="accent3"/>
+          <a:schemeClr val="accent2"/>
         </a:buClr>
-        <a:buSzPct val="65000"/>
         <a:buFont typeface="Wingdings 2"/>
-        <a:buChar char=""/>
-        <a:defRPr kumimoji="0" sz="2000" kern="1200">
+        <a:buChar char=""/>
+        <a:defRPr kumimoji="0" sz="1900" kern="1200">
           <a:solidFill>
             <a:schemeClr val="tx1"/>
           </a:solidFill>
@@ -3697,17 +5082,16 @@
           <a:cs typeface="+mn-cs"/>
         </a:defRPr>
       </a:lvl4pPr>
-      <a:lvl5pPr marL="1463040" indent="-210312" algn="l" rtl="0" eaLnBrk="1" latinLnBrk="0" hangingPunct="1">
+      <a:lvl5pPr marL="1371600" indent="-228600" algn="l" rtl="0" eaLnBrk="1" latinLnBrk="0" hangingPunct="1">
         <a:spcBef>
-          <a:spcPct val="20000"/>
+          <a:spcPts val="350"/>
         </a:spcBef>
         <a:buClr>
-          <a:schemeClr val="accent4"/>
+          <a:schemeClr val="accent2"/>
         </a:buClr>
-        <a:buSzPct val="65000"/>
         <a:buFont typeface="Wingdings 2"/>
-        <a:buChar char=""/>
-        <a:defRPr kumimoji="0" sz="2000" kern="1200">
+        <a:buChar char=""/>
+        <a:defRPr kumimoji="0" sz="1800" kern="1200">
           <a:solidFill>
             <a:schemeClr val="tx1"/>
           </a:solidFill>
@@ -3716,16 +5100,15 @@
           <a:cs typeface="+mn-cs"/>
         </a:defRPr>
       </a:lvl5pPr>
-      <a:lvl6pPr marL="1737360" indent="-210312" algn="l" rtl="0" eaLnBrk="1" latinLnBrk="0" hangingPunct="1">
+      <a:lvl6pPr marL="1600200" indent="-228600" algn="l" rtl="0" eaLnBrk="1" latinLnBrk="0" hangingPunct="1">
         <a:spcBef>
-          <a:spcPct val="20000"/>
+          <a:spcPts val="350"/>
         </a:spcBef>
         <a:buClr>
-          <a:schemeClr val="accent5"/>
+          <a:schemeClr val="accent3"/>
         </a:buClr>
-        <a:buSzPct val="80000"/>
         <a:buFont typeface="Wingdings 2"/>
-        <a:buChar char=""/>
+        <a:buChar char=""/>
         <a:defRPr kumimoji="0" sz="1800" kern="1200">
           <a:solidFill>
             <a:schemeClr val="tx1"/>
@@ -3735,17 +5118,16 @@
           <a:cs typeface="+mn-cs"/>
         </a:defRPr>
       </a:lvl6pPr>
-      <a:lvl7pPr marL="1920240" indent="-182880" algn="l" rtl="0" eaLnBrk="1" latinLnBrk="0" hangingPunct="1">
+      <a:lvl7pPr marL="1828800" indent="-228600" algn="l" rtl="0" eaLnBrk="1" latinLnBrk="0" hangingPunct="1">
         <a:spcBef>
-          <a:spcPct val="20000"/>
+          <a:spcPts val="350"/>
         </a:spcBef>
         <a:buClr>
-          <a:schemeClr val="accent6"/>
+          <a:schemeClr val="accent3"/>
         </a:buClr>
-        <a:buSzPct val="80000"/>
         <a:buFont typeface="Wingdings 2"/>
-        <a:buChar char=""/>
-        <a:defRPr kumimoji="0" sz="1600" kern="1200" baseline="0">
+        <a:buChar char=""/>
+        <a:defRPr kumimoji="0" sz="1600" kern="1200">
           <a:solidFill>
             <a:schemeClr val="tx1"/>
           </a:solidFill>
@@ -3754,14 +5136,15 @@
           <a:cs typeface="+mn-cs"/>
         </a:defRPr>
       </a:lvl7pPr>
-      <a:lvl8pPr marL="2194560" indent="-182880" algn="l" rtl="0" eaLnBrk="1" latinLnBrk="0" hangingPunct="1">
+      <a:lvl8pPr marL="2057400" indent="-228600" algn="l" rtl="0" eaLnBrk="1" latinLnBrk="0" hangingPunct="1">
         <a:spcBef>
-          <a:spcPct val="20000"/>
+          <a:spcPts val="350"/>
         </a:spcBef>
         <a:buClr>
-          <a:schemeClr val="tx2"/>
+          <a:schemeClr val="accent3"/>
         </a:buClr>
-        <a:buChar char="•"/>
+        <a:buFont typeface="Wingdings 2"/>
+        <a:buChar char=""/>
         <a:defRPr kumimoji="0" sz="1600" kern="1200">
           <a:solidFill>
             <a:schemeClr val="tx1"/>
@@ -3771,16 +5154,16 @@
           <a:cs typeface="+mn-cs"/>
         </a:defRPr>
       </a:lvl8pPr>
-      <a:lvl9pPr marL="2468880" indent="-182880" algn="l" rtl="0" eaLnBrk="1" latinLnBrk="0" hangingPunct="1">
+      <a:lvl9pPr marL="2286000" indent="-228600" algn="l" rtl="0" eaLnBrk="1" latinLnBrk="0" hangingPunct="1">
         <a:spcBef>
-          <a:spcPct val="20000"/>
+          <a:spcPts val="350"/>
         </a:spcBef>
         <a:buClr>
-          <a:schemeClr val="tx2"/>
+          <a:schemeClr val="accent3"/>
         </a:buClr>
-        <a:buFontTx/>
-        <a:buChar char="•"/>
-        <a:defRPr kumimoji="0" sz="1400" kern="1200" baseline="0">
+        <a:buFont typeface="Wingdings 2"/>
+        <a:buChar char=""/>
+        <a:defRPr kumimoji="0" sz="1600" kern="1200" baseline="0">
           <a:solidFill>
             <a:schemeClr val="tx1"/>
           </a:solidFill>
@@ -3789,6 +5172,7 @@
           <a:cs typeface="+mn-cs"/>
         </a:defRPr>
       </a:lvl9pPr>
+      <a:extLst/>
     </p:bodyStyle>
     <p:otherStyle>
       <a:lvl1pPr marL="0" algn="l" rtl="0" eaLnBrk="1" latinLnBrk="0" hangingPunct="1">
@@ -3881,6 +5265,7 @@
           <a:cs typeface="+mn-cs"/>
         </a:defRPr>
       </a:lvl9pPr>
+      <a:extLst/>
     </p:otherStyle>
   </p:txStyles>
 </p:sldMaster>
@@ -3913,10 +5298,15 @@
             <p:ph type="ctrTitle"/>
           </p:nvPr>
         </p:nvSpPr>
-        <p:spPr/>
+        <p:spPr>
+          <a:xfrm>
+            <a:off x="1174073" y="1741382"/>
+            <a:ext cx="7772400" cy="1829761"/>
+          </a:xfrm>
+        </p:spPr>
         <p:txBody>
           <a:bodyPr>
-            <a:normAutofit/>
+            <a:normAutofit fontScale="90000"/>
           </a:bodyPr>
           <a:lstStyle/>
           <a:p>
@@ -3944,7 +5334,7 @@
         </p:nvSpPr>
         <p:spPr>
           <a:xfrm>
-            <a:off x="642910" y="4143380"/>
+            <a:off x="1142976" y="3643314"/>
             <a:ext cx="7854696" cy="1752600"/>
           </a:xfrm>
         </p:spPr>
@@ -3979,20 +5369,36 @@
           <a:p>
             <a:r>
               <a:rPr lang="es-ES" dirty="0" smtClean="0"/>
-              <a:t>Facultad de </a:t>
-            </a:r>
-            <a:r>
-              <a:rPr lang="es-ES" dirty="0" smtClean="0"/>
-              <a:t>Ingeniería </a:t>
-            </a:r>
-            <a:r>
-              <a:rPr lang="es-ES" dirty="0" smtClean="0"/>
-              <a:t>- UBA</a:t>
+              <a:t>Facultad de Ingeniería - UBA</a:t>
             </a:r>
             <a:endParaRPr lang="es-ES" dirty="0"/>
           </a:p>
         </p:txBody>
       </p:sp>
+      <p:pic>
+        <p:nvPicPr>
+          <p:cNvPr id="4" name="Picture 3" descr="share.png"/>
+          <p:cNvPicPr>
+            <a:picLocks noChangeAspect="1"/>
+          </p:cNvPicPr>
+          <p:nvPr/>
+        </p:nvPicPr>
+        <p:blipFill>
+          <a:blip r:embed="rId2"/>
+          <a:stretch>
+            <a:fillRect/>
+          </a:stretch>
+        </p:blipFill>
+        <p:spPr>
+          <a:xfrm>
+            <a:off x="214282" y="2201107"/>
+            <a:ext cx="1157350" cy="1157350"/>
+          </a:xfrm>
+          <a:prstGeom prst="rect">
+            <a:avLst/>
+          </a:prstGeom>
+        </p:spPr>
+      </p:pic>
     </p:spTree>
   </p:cSld>
   <p:clrMapOvr>
@@ -4027,12 +5433,12 @@
       </p:grpSpPr>
       <p:sp>
         <p:nvSpPr>
-          <p:cNvPr id="2" name="1 Título"/>
-          <p:cNvSpPr>
-            <a:spLocks noGrp="1"/>
-          </p:cNvSpPr>
-          <p:nvPr>
-            <p:ph type="title"/>
+          <p:cNvPr id="3" name="2 Marcador de contenido"/>
+          <p:cNvSpPr>
+            <a:spLocks noGrp="1"/>
+          </p:cNvSpPr>
+          <p:nvPr>
+            <p:ph idx="1"/>
           </p:nvPr>
         </p:nvSpPr>
         <p:spPr/>
@@ -4042,11 +5448,51 @@
           <a:p>
             <a:r>
               <a:rPr lang="es-ES" dirty="0" smtClean="0"/>
-              <a:t>Protocolo de </a:t>
+              <a:t>Explicación de los módulos que la componen</a:t>
+            </a:r>
+          </a:p>
+          <a:p>
+            <a:r>
+              <a:rPr lang="es-ES" dirty="0" smtClean="0"/>
+              <a:t>Mostrar  caso  cliente servidor  peer 2peer </a:t>
+            </a:r>
+          </a:p>
+          <a:p>
+            <a:r>
+              <a:rPr lang="es-ES" dirty="0" smtClean="0"/>
+              <a:t>Diagramas de ambos y pequeña explicación sobre cada uno de los módulos (</a:t>
             </a:r>
             <a:r>
               <a:rPr lang="es-ES" dirty="0" err="1" smtClean="0"/>
-              <a:t>msgs</a:t>
+              <a:t>kernel</a:t>
+            </a:r>
+            <a:r>
+              <a:rPr lang="es-ES" dirty="0" smtClean="0"/>
+              <a:t>, </a:t>
+            </a:r>
+            <a:r>
+              <a:rPr lang="es-ES" dirty="0" err="1" smtClean="0"/>
+              <a:t>client</a:t>
+            </a:r>
+            <a:r>
+              <a:rPr lang="es-ES" dirty="0" smtClean="0"/>
+              <a:t>, </a:t>
+            </a:r>
+            <a:r>
+              <a:rPr lang="es-ES" dirty="0" err="1" smtClean="0"/>
+              <a:t>common</a:t>
+            </a:r>
+            <a:r>
+              <a:rPr lang="es-ES" dirty="0" smtClean="0"/>
+              <a:t>, </a:t>
+            </a:r>
+            <a:r>
+              <a:rPr lang="es-ES" dirty="0" err="1" smtClean="0"/>
+              <a:t>etc</a:t>
+            </a:r>
+            <a:r>
+              <a:rPr lang="es-ES" dirty="0" smtClean="0"/>
+              <a:t>)</a:t>
             </a:r>
             <a:endParaRPr lang="es-ES" dirty="0"/>
           </a:p>
@@ -4054,12 +5500,12 @@
       </p:sp>
       <p:sp>
         <p:nvSpPr>
-          <p:cNvPr id="3" name="2 Marcador de contenido"/>
-          <p:cNvSpPr>
-            <a:spLocks noGrp="1"/>
-          </p:cNvSpPr>
-          <p:nvPr>
-            <p:ph idx="1"/>
+          <p:cNvPr id="2" name="1 Título"/>
+          <p:cNvSpPr>
+            <a:spLocks noGrp="1"/>
+          </p:cNvSpPr>
+          <p:nvPr>
+            <p:ph type="title"/>
           </p:nvPr>
         </p:nvSpPr>
         <p:spPr/>
@@ -4069,20 +5515,7 @@
           <a:p>
             <a:r>
               <a:rPr lang="es-ES" dirty="0" smtClean="0"/>
-              <a:t>Hablar sobre los tipos de mensajes</a:t>
-            </a:r>
-          </a:p>
-          <a:p>
-            <a:r>
-              <a:rPr lang="es-ES" dirty="0" err="1" smtClean="0"/>
-              <a:t>Serializacion</a:t>
-            </a:r>
-            <a:endParaRPr lang="es-ES" dirty="0" smtClean="0"/>
-          </a:p>
-          <a:p>
-            <a:r>
-              <a:rPr lang="es-ES" dirty="0" smtClean="0"/>
-              <a:t>Ejemplos?</a:t>
+              <a:t>Arquitectura de la solución</a:t>
             </a:r>
             <a:endParaRPr lang="es-ES" dirty="0"/>
           </a:p>
@@ -4115,12 +5548,12 @@
       </p:grpSpPr>
       <p:sp>
         <p:nvSpPr>
-          <p:cNvPr id="2" name="1 Título"/>
-          <p:cNvSpPr>
-            <a:spLocks noGrp="1"/>
-          </p:cNvSpPr>
-          <p:nvPr>
-            <p:ph type="title"/>
+          <p:cNvPr id="3" name="2 Marcador de contenido"/>
+          <p:cNvSpPr>
+            <a:spLocks noGrp="1"/>
+          </p:cNvSpPr>
+          <p:nvPr>
+            <p:ph idx="1"/>
           </p:nvPr>
         </p:nvSpPr>
         <p:spPr/>
@@ -4130,7 +5563,13 @@
           <a:p>
             <a:r>
               <a:rPr lang="es-ES" dirty="0" smtClean="0"/>
-              <a:t>Metodología de desarrollo</a:t>
+              <a:t>Hablar  algo sobre que la comunicación entre los módulos es asincrónica y se utilizan actores para esto.</a:t>
+            </a:r>
+          </a:p>
+          <a:p>
+            <a:r>
+              <a:rPr lang="es-ES" dirty="0" smtClean="0"/>
+              <a:t>Ventajas de utilizar actores, como simplifica las cosas.</a:t>
             </a:r>
             <a:endParaRPr lang="es-ES" dirty="0"/>
           </a:p>
@@ -4138,12 +5577,12 @@
       </p:sp>
       <p:sp>
         <p:nvSpPr>
-          <p:cNvPr id="3" name="2 Marcador de contenido"/>
-          <p:cNvSpPr>
-            <a:spLocks noGrp="1"/>
-          </p:cNvSpPr>
-          <p:nvPr>
-            <p:ph idx="1"/>
+          <p:cNvPr id="2" name="1 Título"/>
+          <p:cNvSpPr>
+            <a:spLocks noGrp="1"/>
+          </p:cNvSpPr>
+          <p:nvPr>
+            <p:ph type="title"/>
           </p:nvPr>
         </p:nvSpPr>
         <p:spPr/>
@@ -4153,49 +5592,7 @@
           <a:p>
             <a:r>
               <a:rPr lang="es-ES" dirty="0" smtClean="0"/>
-              <a:t>Hablar dos boludeces de </a:t>
-            </a:r>
-            <a:r>
-              <a:rPr lang="es-ES" dirty="0" err="1" smtClean="0"/>
-              <a:t>scrum</a:t>
-            </a:r>
-            <a:r>
-              <a:rPr lang="es-ES" dirty="0" smtClean="0"/>
-              <a:t>.</a:t>
-            </a:r>
-          </a:p>
-          <a:p>
-            <a:r>
-              <a:rPr lang="es-ES" dirty="0" smtClean="0"/>
-              <a:t>Tabla de </a:t>
-            </a:r>
-            <a:r>
-              <a:rPr lang="es-ES" dirty="0" err="1" smtClean="0"/>
-              <a:t>Sprints</a:t>
-            </a:r>
-            <a:r>
-              <a:rPr lang="es-ES" dirty="0" smtClean="0"/>
-              <a:t> que se hicieron con descripción de objetivos.</a:t>
-            </a:r>
-          </a:p>
-          <a:p>
-            <a:r>
-              <a:rPr lang="es-ES" dirty="0" smtClean="0"/>
-              <a:t>Mostrar dos grafiquitos  de los </a:t>
-            </a:r>
-            <a:r>
-              <a:rPr lang="es-ES" dirty="0" err="1" smtClean="0"/>
-              <a:t>sprints</a:t>
-            </a:r>
-            <a:r>
-              <a:rPr lang="es-ES" dirty="0" smtClean="0"/>
-              <a:t>.</a:t>
-            </a:r>
-          </a:p>
-          <a:p>
-            <a:r>
-              <a:rPr lang="es-ES" dirty="0" smtClean="0"/>
-              <a:t>Decir como resulto.</a:t>
+              <a:t>Actores</a:t>
             </a:r>
             <a:endParaRPr lang="es-ES" dirty="0"/>
           </a:p>
@@ -4228,12 +5625,12 @@
       </p:grpSpPr>
       <p:sp>
         <p:nvSpPr>
-          <p:cNvPr id="2" name="1 Título"/>
-          <p:cNvSpPr>
-            <a:spLocks noGrp="1"/>
-          </p:cNvSpPr>
-          <p:nvPr>
-            <p:ph type="title"/>
+          <p:cNvPr id="3" name="2 Marcador de contenido"/>
+          <p:cNvSpPr>
+            <a:spLocks noGrp="1"/>
+          </p:cNvSpPr>
+          <p:nvPr>
+            <p:ph idx="1"/>
           </p:nvPr>
         </p:nvSpPr>
         <p:spPr/>
@@ -4243,20 +5640,56 @@
           <a:p>
             <a:r>
               <a:rPr lang="es-ES" dirty="0" smtClean="0"/>
-              <a:t>Demostración</a:t>
-            </a:r>
-            <a:endParaRPr lang="es-ES" dirty="0"/>
-          </a:p>
-        </p:txBody>
-      </p:sp>
-      <p:sp>
-        <p:nvSpPr>
-          <p:cNvPr id="3" name="2 Marcador de contenido"/>
-          <p:cNvSpPr>
-            <a:spLocks noGrp="1"/>
-          </p:cNvSpPr>
-          <p:nvPr>
-            <p:ph idx="1"/>
+              <a:t>Hablar sobre los tipos de mensajes</a:t>
+            </a:r>
+          </a:p>
+          <a:p>
+            <a:r>
+              <a:rPr lang="es-ES" dirty="0" err="1" smtClean="0"/>
+              <a:t>Serializacion</a:t>
+            </a:r>
+            <a:endParaRPr lang="es-ES" dirty="0" smtClean="0"/>
+          </a:p>
+          <a:p>
+            <a:r>
+              <a:rPr lang="es-ES" dirty="0" smtClean="0"/>
+              <a:t>Ejemplos</a:t>
+            </a:r>
+            <a:r>
+              <a:rPr lang="es-ES" dirty="0" smtClean="0"/>
+              <a:t>?</a:t>
+            </a:r>
+          </a:p>
+          <a:p>
+            <a:endParaRPr lang="es-ES" dirty="0" smtClean="0"/>
+          </a:p>
+          <a:p>
+            <a:r>
+              <a:rPr lang="es-ES" dirty="0" smtClean="0"/>
+              <a:t>No se si pondría esta </a:t>
+            </a:r>
+            <a:r>
+              <a:rPr lang="es-ES" dirty="0" err="1" smtClean="0"/>
+              <a:t>diapo</a:t>
+            </a:r>
+            <a:endParaRPr lang="es-ES" dirty="0" smtClean="0"/>
+          </a:p>
+          <a:p>
+            <a:pPr>
+              <a:buNone/>
+            </a:pPr>
+            <a:endParaRPr lang="es-ES" dirty="0" smtClean="0"/>
+          </a:p>
+        </p:txBody>
+      </p:sp>
+      <p:sp>
+        <p:nvSpPr>
+          <p:cNvPr id="2" name="1 Título"/>
+          <p:cNvSpPr>
+            <a:spLocks noGrp="1"/>
+          </p:cNvSpPr>
+          <p:nvPr>
+            <p:ph type="title"/>
           </p:nvPr>
         </p:nvSpPr>
         <p:spPr/>
@@ -4266,15 +5699,11 @@
           <a:p>
             <a:r>
               <a:rPr lang="es-ES" dirty="0" smtClean="0"/>
-              <a:t>Poner  acá </a:t>
+              <a:t>Protocolo de </a:t>
             </a:r>
             <a:r>
               <a:rPr lang="es-ES" dirty="0" err="1" smtClean="0"/>
-              <a:t>screenshot</a:t>
-            </a:r>
-            <a:r>
-              <a:rPr lang="es-ES" dirty="0" smtClean="0"/>
-              <a:t> del eclipse con PE</a:t>
+              <a:t>msgs</a:t>
             </a:r>
             <a:endParaRPr lang="es-ES" dirty="0"/>
           </a:p>
@@ -4307,12 +5736,12 @@
       </p:grpSpPr>
       <p:sp>
         <p:nvSpPr>
-          <p:cNvPr id="2" name="1 Título"/>
-          <p:cNvSpPr>
-            <a:spLocks noGrp="1"/>
-          </p:cNvSpPr>
-          <p:nvPr>
-            <p:ph type="title"/>
+          <p:cNvPr id="3" name="2 Marcador de contenido"/>
+          <p:cNvSpPr>
+            <a:spLocks noGrp="1"/>
+          </p:cNvSpPr>
+          <p:nvPr>
+            <p:ph idx="1"/>
           </p:nvPr>
         </p:nvSpPr>
         <p:spPr/>
@@ -4322,7 +5751,65 @@
           <a:p>
             <a:r>
               <a:rPr lang="es-ES" dirty="0" smtClean="0"/>
-              <a:t>Posibles mejoras a implementar</a:t>
+              <a:t>Hablar dos boludeces de </a:t>
+            </a:r>
+            <a:r>
+              <a:rPr lang="es-ES" dirty="0" err="1" smtClean="0"/>
+              <a:t>scrum</a:t>
+            </a:r>
+            <a:r>
+              <a:rPr lang="es-ES" dirty="0" smtClean="0"/>
+              <a:t>.</a:t>
+            </a:r>
+          </a:p>
+          <a:p>
+            <a:r>
+              <a:rPr lang="es-ES" dirty="0" smtClean="0"/>
+              <a:t>Tabla de </a:t>
+            </a:r>
+            <a:r>
+              <a:rPr lang="es-ES" dirty="0" err="1" smtClean="0"/>
+              <a:t>Sprints</a:t>
+            </a:r>
+            <a:r>
+              <a:rPr lang="es-ES" dirty="0" smtClean="0"/>
+              <a:t> que se hicieron con descripción de objetivos.</a:t>
+            </a:r>
+          </a:p>
+          <a:p>
+            <a:r>
+              <a:rPr lang="es-ES" dirty="0" smtClean="0"/>
+              <a:t>Mostrar dos grafiquitos  de los </a:t>
+            </a:r>
+            <a:r>
+              <a:rPr lang="es-ES" dirty="0" err="1" smtClean="0"/>
+              <a:t>sprints</a:t>
+            </a:r>
+            <a:r>
+              <a:rPr lang="es-ES" dirty="0" smtClean="0"/>
+              <a:t>.</a:t>
+            </a:r>
+          </a:p>
+          <a:p>
+            <a:r>
+              <a:rPr lang="es-ES" dirty="0" smtClean="0"/>
+              <a:t>Decir como resulto</a:t>
+            </a:r>
+            <a:r>
+              <a:rPr lang="es-ES" dirty="0" smtClean="0"/>
+              <a:t>.</a:t>
+            </a:r>
+          </a:p>
+          <a:p>
+            <a:endParaRPr lang="es-ES" dirty="0" smtClean="0"/>
+          </a:p>
+          <a:p>
+            <a:endParaRPr lang="es-ES" dirty="0" smtClean="0"/>
+          </a:p>
+          <a:p>
+            <a:r>
+              <a:rPr lang="es-ES" dirty="0" smtClean="0"/>
+              <a:t>Aporta esto?</a:t>
             </a:r>
             <a:endParaRPr lang="es-ES" dirty="0"/>
           </a:p>
@@ -4330,12 +5817,12 @@
       </p:sp>
       <p:sp>
         <p:nvSpPr>
-          <p:cNvPr id="3" name="2 Marcador de contenido"/>
-          <p:cNvSpPr>
-            <a:spLocks noGrp="1"/>
-          </p:cNvSpPr>
-          <p:nvPr>
-            <p:ph idx="1"/>
+          <p:cNvPr id="2" name="1 Título"/>
+          <p:cNvSpPr>
+            <a:spLocks noGrp="1"/>
+          </p:cNvSpPr>
+          <p:nvPr>
+            <p:ph type="title"/>
           </p:nvPr>
         </p:nvSpPr>
         <p:spPr/>
@@ -4345,65 +5832,9 @@
           <a:p>
             <a:r>
               <a:rPr lang="es-ES" dirty="0" smtClean="0"/>
-              <a:t>Esquema de autenticación</a:t>
-            </a:r>
-            <a:r>
-              <a:rPr lang="es-ES" dirty="0" smtClean="0"/>
-              <a:t>.</a:t>
-            </a:r>
-          </a:p>
-          <a:p>
-            <a:r>
-              <a:rPr lang="es-ES" dirty="0" smtClean="0"/>
-              <a:t>Esquema de autorización.</a:t>
-            </a:r>
-            <a:endParaRPr lang="es-ES" dirty="0" smtClean="0"/>
-          </a:p>
-          <a:p>
-            <a:r>
-              <a:rPr lang="es-ES" dirty="0" smtClean="0"/>
-              <a:t>Optimización del uso de red.</a:t>
-            </a:r>
-          </a:p>
-          <a:p>
-            <a:r>
-              <a:rPr lang="es-ES" dirty="0" smtClean="0"/>
-              <a:t>Integración con otros </a:t>
-            </a:r>
-            <a:r>
-              <a:rPr lang="es-ES" dirty="0" err="1" smtClean="0"/>
-              <a:t>IDEs</a:t>
-            </a:r>
-            <a:r>
-              <a:rPr lang="es-ES" dirty="0" smtClean="0"/>
-              <a:t> .</a:t>
-            </a:r>
-          </a:p>
-          <a:p>
-            <a:r>
-              <a:rPr lang="es-ES" dirty="0" smtClean="0"/>
-              <a:t>Extensión de la solución a otros modelos.</a:t>
-            </a:r>
-          </a:p>
-          <a:p>
-            <a:r>
-              <a:rPr lang="es-ES" dirty="0" smtClean="0"/>
-              <a:t>Cifrado de mensajes.</a:t>
-            </a:r>
-          </a:p>
-          <a:p>
-            <a:r>
-              <a:rPr lang="es-ES" dirty="0" smtClean="0"/>
-              <a:t>Mecanismo de deshacer  cambios (</a:t>
-            </a:r>
-            <a:r>
-              <a:rPr lang="es-ES" dirty="0" err="1" smtClean="0"/>
-              <a:t>undo</a:t>
-            </a:r>
-            <a:r>
-              <a:rPr lang="es-ES" dirty="0" smtClean="0"/>
-              <a:t>).</a:t>
-            </a:r>
+              <a:t>Metodología de desarrollo</a:t>
+            </a:r>
+            <a:endParaRPr lang="es-ES" dirty="0"/>
           </a:p>
         </p:txBody>
       </p:sp>
@@ -4434,12 +5865,12 @@
       </p:grpSpPr>
       <p:sp>
         <p:nvSpPr>
-          <p:cNvPr id="2" name="1 Título"/>
-          <p:cNvSpPr>
-            <a:spLocks noGrp="1"/>
-          </p:cNvSpPr>
-          <p:nvPr>
-            <p:ph type="title"/>
+          <p:cNvPr id="3" name="2 Marcador de contenido"/>
+          <p:cNvSpPr>
+            <a:spLocks noGrp="1"/>
+          </p:cNvSpPr>
+          <p:nvPr>
+            <p:ph idx="1"/>
           </p:nvPr>
         </p:nvSpPr>
         <p:spPr/>
@@ -4449,7 +5880,28 @@
           <a:p>
             <a:r>
               <a:rPr lang="es-ES" dirty="0" smtClean="0"/>
-              <a:t>Conclusiones</a:t>
+              <a:t>Poner  acá </a:t>
+            </a:r>
+            <a:r>
+              <a:rPr lang="es-ES" dirty="0" err="1" smtClean="0"/>
+              <a:t>screenshot</a:t>
+            </a:r>
+            <a:r>
+              <a:rPr lang="es-ES" dirty="0" smtClean="0"/>
+              <a:t> del eclipse con </a:t>
+            </a:r>
+            <a:r>
+              <a:rPr lang="es-ES" dirty="0" smtClean="0"/>
+              <a:t>PE</a:t>
+            </a:r>
+          </a:p>
+          <a:p>
+            <a:endParaRPr lang="es-ES" dirty="0" smtClean="0"/>
+          </a:p>
+          <a:p>
+            <a:r>
+              <a:rPr lang="es-ES" dirty="0" smtClean="0"/>
+              <a:t>Demo en vivo!</a:t>
             </a:r>
             <a:endParaRPr lang="es-ES" dirty="0"/>
           </a:p>
@@ -4457,6 +5909,54 @@
       </p:sp>
       <p:sp>
         <p:nvSpPr>
+          <p:cNvPr id="2" name="1 Título"/>
+          <p:cNvSpPr>
+            <a:spLocks noGrp="1"/>
+          </p:cNvSpPr>
+          <p:nvPr>
+            <p:ph type="title"/>
+          </p:nvPr>
+        </p:nvSpPr>
+        <p:spPr/>
+        <p:txBody>
+          <a:bodyPr/>
+          <a:lstStyle/>
+          <a:p>
+            <a:r>
+              <a:rPr lang="es-ES" dirty="0" smtClean="0"/>
+              <a:t>Demostración</a:t>
+            </a:r>
+            <a:endParaRPr lang="es-ES" dirty="0"/>
+          </a:p>
+        </p:txBody>
+      </p:sp>
+    </p:spTree>
+  </p:cSld>
+  <p:clrMapOvr>
+    <a:masterClrMapping/>
+  </p:clrMapOvr>
+</p:sld>
+</file>
+
+<file path=ppt/slides/slide15.xml><?xml version="1.0" encoding="utf-8"?>
+<p:sld xmlns:a="http://schemas.openxmlformats.org/drawingml/2006/main" xmlns:r="http://schemas.openxmlformats.org/officeDocument/2006/relationships" xmlns:p="http://schemas.openxmlformats.org/presentationml/2006/main">
+  <p:cSld>
+    <p:spTree>
+      <p:nvGrpSpPr>
+        <p:cNvPr id="1" name=""/>
+        <p:cNvGrpSpPr/>
+        <p:nvPr/>
+      </p:nvGrpSpPr>
+      <p:grpSpPr>
+        <a:xfrm>
+          <a:off x="0" y="0"/>
+          <a:ext cx="0" cy="0"/>
+          <a:chOff x="0" y="0"/>
+          <a:chExt cx="0" cy="0"/>
+        </a:xfrm>
+      </p:grpSpPr>
+      <p:sp>
+        <p:nvSpPr>
           <p:cNvPr id="3" name="2 Marcador de contenido"/>
           <p:cNvSpPr>
             <a:spLocks noGrp="1"/>
@@ -4467,13 +5967,139 @@
         </p:nvSpPr>
         <p:spPr/>
         <p:txBody>
+          <a:bodyPr/>
+          <a:lstStyle/>
+          <a:p>
+            <a:r>
+              <a:rPr lang="es-ES" dirty="0" smtClean="0"/>
+              <a:t>Esquema de </a:t>
+            </a:r>
+            <a:r>
+              <a:rPr lang="es-ES" dirty="0" smtClean="0"/>
+              <a:t>autenticación y autorización</a:t>
+            </a:r>
+            <a:r>
+              <a:rPr lang="es-ES" dirty="0" smtClean="0"/>
+              <a:t>.</a:t>
+            </a:r>
+          </a:p>
+          <a:p>
+            <a:r>
+              <a:rPr lang="es-ES" dirty="0" smtClean="0"/>
+              <a:t>Optimización del uso de red.</a:t>
+            </a:r>
+          </a:p>
+          <a:p>
+            <a:r>
+              <a:rPr lang="es-ES" dirty="0" smtClean="0"/>
+              <a:t>Integración con otros </a:t>
+            </a:r>
+            <a:r>
+              <a:rPr lang="es-ES" dirty="0" err="1" smtClean="0"/>
+              <a:t>IDEs</a:t>
+            </a:r>
+            <a:r>
+              <a:rPr lang="es-ES" dirty="0" smtClean="0"/>
+              <a:t> .</a:t>
+            </a:r>
+          </a:p>
+          <a:p>
+            <a:r>
+              <a:rPr lang="es-ES" dirty="0" smtClean="0"/>
+              <a:t>Extensión de la solución a otros modelos.</a:t>
+            </a:r>
+          </a:p>
+          <a:p>
+            <a:r>
+              <a:rPr lang="es-ES" dirty="0" smtClean="0"/>
+              <a:t>Cifrado de mensajes.</a:t>
+            </a:r>
+          </a:p>
+          <a:p>
+            <a:r>
+              <a:rPr lang="es-ES" dirty="0" smtClean="0"/>
+              <a:t>Mecanismo de deshacer  cambios (</a:t>
+            </a:r>
+            <a:r>
+              <a:rPr lang="es-ES" dirty="0" err="1" smtClean="0"/>
+              <a:t>undo</a:t>
+            </a:r>
+            <a:r>
+              <a:rPr lang="es-ES" dirty="0" smtClean="0"/>
+              <a:t>).</a:t>
+            </a:r>
+          </a:p>
+        </p:txBody>
+      </p:sp>
+      <p:sp>
+        <p:nvSpPr>
+          <p:cNvPr id="2" name="1 Título"/>
+          <p:cNvSpPr>
+            <a:spLocks noGrp="1"/>
+          </p:cNvSpPr>
+          <p:nvPr>
+            <p:ph type="title"/>
+          </p:nvPr>
+        </p:nvSpPr>
+        <p:spPr/>
+        <p:txBody>
           <a:bodyPr>
-            <a:normAutofit fontScale="92500" lnSpcReduction="10000"/>
+            <a:normAutofit fontScale="90000"/>
           </a:bodyPr>
           <a:lstStyle/>
           <a:p>
             <a:r>
               <a:rPr lang="es-ES" dirty="0" smtClean="0"/>
+              <a:t>Posibles mejoras a implementar</a:t>
+            </a:r>
+            <a:endParaRPr lang="es-ES" dirty="0"/>
+          </a:p>
+        </p:txBody>
+      </p:sp>
+    </p:spTree>
+  </p:cSld>
+  <p:clrMapOvr>
+    <a:masterClrMapping/>
+  </p:clrMapOvr>
+</p:sld>
+</file>
+
+<file path=ppt/slides/slide16.xml><?xml version="1.0" encoding="utf-8"?>
+<p:sld xmlns:a="http://schemas.openxmlformats.org/drawingml/2006/main" xmlns:r="http://schemas.openxmlformats.org/officeDocument/2006/relationships" xmlns:p="http://schemas.openxmlformats.org/presentationml/2006/main">
+  <p:cSld>
+    <p:spTree>
+      <p:nvGrpSpPr>
+        <p:cNvPr id="1" name=""/>
+        <p:cNvGrpSpPr/>
+        <p:nvPr/>
+      </p:nvGrpSpPr>
+      <p:grpSpPr>
+        <a:xfrm>
+          <a:off x="0" y="0"/>
+          <a:ext cx="0" cy="0"/>
+          <a:chOff x="0" y="0"/>
+          <a:chExt cx="0" cy="0"/>
+        </a:xfrm>
+      </p:grpSpPr>
+      <p:sp>
+        <p:nvSpPr>
+          <p:cNvPr id="3" name="2 Marcador de contenido"/>
+          <p:cNvSpPr>
+            <a:spLocks noGrp="1"/>
+          </p:cNvSpPr>
+          <p:nvPr>
+            <p:ph idx="1"/>
+          </p:nvPr>
+        </p:nvSpPr>
+        <p:spPr/>
+        <p:txBody>
+          <a:bodyPr>
+            <a:normAutofit fontScale="77500" lnSpcReduction="20000"/>
+          </a:bodyPr>
+          <a:lstStyle/>
+          <a:p>
+            <a:r>
+              <a:rPr lang="es-ES" dirty="0" smtClean="0"/>
               <a:t>Aplicaciones de naturaleza concurrente y distribuida precisan modelos que abstraigan al programador de la complejidad subyacente.</a:t>
             </a:r>
           </a:p>
@@ -4492,7 +6118,47 @@
           <a:p>
             <a:r>
               <a:rPr lang="es-ES" dirty="0" smtClean="0"/>
-              <a:t>La colaboración en tiempo real permite  interactuar  a un grupo de trabajo  de forma simple y coordinada  acelerando, enriqueciendo y haciendo mas productivo su trabajo.</a:t>
+              <a:t>La colaboración en tiempo real permite  interactuar  a un grupo de trabajo  de forma simple y coordinada  acelerando, enriqueciendo y haciendo mas productivo su trabajo</a:t>
+            </a:r>
+            <a:r>
+              <a:rPr lang="es-ES" dirty="0" smtClean="0"/>
+              <a:t>.</a:t>
+            </a:r>
+          </a:p>
+          <a:p>
+            <a:endParaRPr lang="es-ES" dirty="0" smtClean="0"/>
+          </a:p>
+          <a:p>
+            <a:r>
+              <a:rPr lang="es-ES" dirty="0" smtClean="0"/>
+              <a:t>Mucho texto </a:t>
+            </a:r>
+            <a:r>
+              <a:rPr lang="es-ES" smtClean="0"/>
+              <a:t>me parece</a:t>
+            </a:r>
+            <a:endParaRPr lang="es-ES" dirty="0"/>
+          </a:p>
+        </p:txBody>
+      </p:sp>
+      <p:sp>
+        <p:nvSpPr>
+          <p:cNvPr id="2" name="1 Título"/>
+          <p:cNvSpPr>
+            <a:spLocks noGrp="1"/>
+          </p:cNvSpPr>
+          <p:nvPr>
+            <p:ph type="title"/>
+          </p:nvPr>
+        </p:nvSpPr>
+        <p:spPr/>
+        <p:txBody>
+          <a:bodyPr/>
+          <a:lstStyle/>
+          <a:p>
+            <a:r>
+              <a:rPr lang="es-ES" dirty="0" smtClean="0"/>
+              <a:t>Conclusiones</a:t>
             </a:r>
             <a:endParaRPr lang="es-ES" dirty="0"/>
           </a:p>
@@ -4525,12 +6191,12 @@
       </p:grpSpPr>
       <p:sp>
         <p:nvSpPr>
-          <p:cNvPr id="2" name="1 Título"/>
-          <p:cNvSpPr>
-            <a:spLocks noGrp="1"/>
-          </p:cNvSpPr>
-          <p:nvPr>
-            <p:ph type="title"/>
+          <p:cNvPr id="2" name="Content Placeholder 1"/>
+          <p:cNvSpPr>
+            <a:spLocks noGrp="1"/>
+          </p:cNvSpPr>
+          <p:nvPr>
+            <p:ph idx="1"/>
           </p:nvPr>
         </p:nvSpPr>
         <p:spPr/>
@@ -4539,21 +6205,37 @@
           <a:lstStyle/>
           <a:p>
             <a:r>
-              <a:rPr lang="es-ES" dirty="0" smtClean="0"/>
-              <a:t>Motivación</a:t>
-            </a:r>
-            <a:endParaRPr lang="es-ES" dirty="0"/>
-          </a:p>
-        </p:txBody>
-      </p:sp>
-      <p:sp>
-        <p:nvSpPr>
-          <p:cNvPr id="3" name="2 Marcador de contenido"/>
-          <p:cNvSpPr>
-            <a:spLocks noGrp="1"/>
-          </p:cNvSpPr>
-          <p:nvPr>
-            <p:ph idx="1"/>
+              <a:rPr lang="en-US" dirty="0" err="1" smtClean="0"/>
+              <a:t>Primero</a:t>
+            </a:r>
+            <a:endParaRPr lang="en-US" dirty="0" smtClean="0"/>
+          </a:p>
+          <a:p>
+            <a:r>
+              <a:rPr lang="en-US" dirty="0" smtClean="0"/>
+              <a:t>Segundo</a:t>
+            </a:r>
+          </a:p>
+          <a:p>
+            <a:r>
+              <a:rPr lang="en-US" dirty="0" err="1" smtClean="0"/>
+              <a:t>Tercero</a:t>
+            </a:r>
+            <a:endParaRPr lang="en-US" dirty="0" smtClean="0"/>
+          </a:p>
+          <a:p>
+            <a:endParaRPr lang="en-US" dirty="0" smtClean="0"/>
+          </a:p>
+        </p:txBody>
+      </p:sp>
+      <p:sp>
+        <p:nvSpPr>
+          <p:cNvPr id="3" name="Title 2"/>
+          <p:cNvSpPr>
+            <a:spLocks noGrp="1"/>
+          </p:cNvSpPr>
+          <p:nvPr>
+            <p:ph type="title"/>
           </p:nvPr>
         </p:nvSpPr>
         <p:spPr/>
@@ -4561,15 +6243,59 @@
           <a:bodyPr/>
           <a:lstStyle/>
           <a:p>
-            <a:endParaRPr lang="es-ES" dirty="0"/>
-          </a:p>
-        </p:txBody>
-      </p:sp>
+            <a:r>
+              <a:rPr lang="en-US" dirty="0" smtClean="0"/>
+              <a:t>Agenda</a:t>
+            </a:r>
+            <a:endParaRPr lang="es-AR" dirty="0"/>
+          </a:p>
+        </p:txBody>
+      </p:sp>
+      <p:pic>
+        <p:nvPicPr>
+          <p:cNvPr id="4" name="Picture 3"/>
+          <p:cNvPicPr>
+            <a:picLocks noChangeAspect="1" noChangeArrowheads="1"/>
+          </p:cNvPicPr>
+          <p:nvPr/>
+        </p:nvPicPr>
+        <p:blipFill>
+          <a:blip r:embed="rId2"/>
+          <a:srcRect/>
+          <a:stretch>
+            <a:fillRect/>
+          </a:stretch>
+        </p:blipFill>
+        <p:spPr bwMode="auto">
+          <a:xfrm>
+            <a:off x="7935943" y="142852"/>
+            <a:ext cx="993775" cy="1096962"/>
+          </a:xfrm>
+          <a:prstGeom prst="rect">
+            <a:avLst/>
+          </a:prstGeom>
+          <a:noFill/>
+          <a:ln w="9525">
+            <a:noFill/>
+            <a:round/>
+            <a:headEnd/>
+            <a:tailEnd/>
+          </a:ln>
+          <a:effectLst/>
+        </p:spPr>
+      </p:pic>
     </p:spTree>
   </p:cSld>
   <p:clrMapOvr>
     <a:masterClrMapping/>
   </p:clrMapOvr>
+  <p:timing>
+    <p:tnLst>
+      <p:par>
+        <p:cTn id="1" dur="indefinite" restart="never" nodeType="tmRoot"/>
+      </p:par>
+    </p:tnLst>
+  </p:timing>
 </p:sld>
 </file>
 
@@ -4592,12 +6318,12 @@
       </p:grpSpPr>
       <p:sp>
         <p:nvSpPr>
-          <p:cNvPr id="2" name="1 Título"/>
-          <p:cNvSpPr>
-            <a:spLocks noGrp="1"/>
-          </p:cNvSpPr>
-          <p:nvPr>
-            <p:ph type="title"/>
+          <p:cNvPr id="3" name="2 Marcador de contenido"/>
+          <p:cNvSpPr>
+            <a:spLocks noGrp="1"/>
+          </p:cNvSpPr>
+          <p:nvPr>
+            <p:ph idx="1"/>
           </p:nvPr>
         </p:nvSpPr>
         <p:spPr/>
@@ -4607,7 +6333,36 @@
           <a:p>
             <a:r>
               <a:rPr lang="es-ES" dirty="0" smtClean="0"/>
-              <a:t>Problema a Resolver</a:t>
+              <a:t>Cómo nace la idea del presente trabajo?</a:t>
+            </a:r>
+          </a:p>
+          <a:p>
+            <a:endParaRPr lang="es-ES" dirty="0" smtClean="0"/>
+          </a:p>
+          <a:p>
+            <a:r>
+              <a:rPr lang="es-ES" dirty="0" smtClean="0"/>
+              <a:t>Necesidad de obtener </a:t>
+            </a:r>
+            <a:r>
+              <a:rPr lang="es-ES" dirty="0" err="1" smtClean="0"/>
+              <a:t>feedback</a:t>
+            </a:r>
+            <a:r>
+              <a:rPr lang="es-ES" dirty="0" smtClean="0"/>
+              <a:t> instantáneo sobre tareas de desarrollo complejas.</a:t>
+            </a:r>
+          </a:p>
+          <a:p>
+            <a:r>
+              <a:rPr lang="es-ES" dirty="0" smtClean="0"/>
+              <a:t>Dos desarrolladores trabajando sobre lo mismo pero en diferentes lugares físicos.</a:t>
+            </a:r>
+          </a:p>
+          <a:p>
+            <a:r>
+              <a:rPr lang="es-ES" dirty="0" smtClean="0"/>
+              <a:t>Herramientas existentes no satisfactorias.</a:t>
             </a:r>
             <a:endParaRPr lang="es-ES" dirty="0"/>
           </a:p>
@@ -4615,12 +6370,12 @@
       </p:sp>
       <p:sp>
         <p:nvSpPr>
-          <p:cNvPr id="3" name="2 Marcador de contenido"/>
-          <p:cNvSpPr>
-            <a:spLocks noGrp="1"/>
-          </p:cNvSpPr>
-          <p:nvPr>
-            <p:ph idx="1"/>
+          <p:cNvPr id="2" name="1 Título"/>
+          <p:cNvSpPr>
+            <a:spLocks noGrp="1"/>
+          </p:cNvSpPr>
+          <p:nvPr>
+            <p:ph type="title"/>
           </p:nvPr>
         </p:nvSpPr>
         <p:spPr/>
@@ -4630,17 +6385,48 @@
           <a:p>
             <a:r>
               <a:rPr lang="es-ES" dirty="0" smtClean="0"/>
-              <a:t>Explicación básica de la dinámica y cual es el problema que se plantea para tías, abuelas, etc.</a:t>
+              <a:t>Motivación</a:t>
             </a:r>
             <a:endParaRPr lang="es-ES" dirty="0"/>
           </a:p>
         </p:txBody>
       </p:sp>
+      <p:pic>
+        <p:nvPicPr>
+          <p:cNvPr id="4" name="Picture 3" descr="light.png"/>
+          <p:cNvPicPr>
+            <a:picLocks noChangeAspect="1"/>
+          </p:cNvPicPr>
+          <p:nvPr/>
+        </p:nvPicPr>
+        <p:blipFill>
+          <a:blip r:embed="rId3"/>
+          <a:stretch>
+            <a:fillRect/>
+          </a:stretch>
+        </p:blipFill>
+        <p:spPr>
+          <a:xfrm>
+            <a:off x="7572396" y="214290"/>
+            <a:ext cx="1071570" cy="1071570"/>
+          </a:xfrm>
+          <a:prstGeom prst="rect">
+            <a:avLst/>
+          </a:prstGeom>
+        </p:spPr>
+      </p:pic>
     </p:spTree>
   </p:cSld>
   <p:clrMapOvr>
     <a:masterClrMapping/>
   </p:clrMapOvr>
+  <p:timing>
+    <p:tnLst>
+      <p:par>
+        <p:cTn id="1" dur="indefinite" restart="never" nodeType="tmRoot"/>
+      </p:par>
+    </p:tnLst>
+  </p:timing>
 </p:sld>
 </file>
 
@@ -4678,40 +6464,701 @@
           <a:p>
             <a:r>
               <a:rPr lang="es-ES" dirty="0" smtClean="0"/>
-              <a:t>Otras soluciones similares</a:t>
+              <a:t>Escenario</a:t>
             </a:r>
             <a:endParaRPr lang="es-ES" dirty="0"/>
           </a:p>
         </p:txBody>
       </p:sp>
-      <p:sp>
-        <p:nvSpPr>
-          <p:cNvPr id="3" name="2 Marcador de contenido"/>
-          <p:cNvSpPr>
-            <a:spLocks noGrp="1"/>
-          </p:cNvSpPr>
-          <p:nvPr>
-            <p:ph idx="1"/>
-          </p:nvPr>
-        </p:nvSpPr>
-        <p:spPr/>
-        <p:txBody>
-          <a:bodyPr/>
+      <p:grpSp>
+        <p:nvGrpSpPr>
+          <p:cNvPr id="26" name="Group 25"/>
+          <p:cNvGrpSpPr/>
+          <p:nvPr/>
+        </p:nvGrpSpPr>
+        <p:grpSpPr>
+          <a:xfrm>
+            <a:off x="428596" y="2071678"/>
+            <a:ext cx="2096788" cy="858661"/>
+            <a:chOff x="642910" y="4813492"/>
+            <a:chExt cx="2096788" cy="858661"/>
+          </a:xfrm>
+        </p:grpSpPr>
+        <p:pic>
+          <p:nvPicPr>
+            <p:cNvPr id="4" name="Picture 3" descr="user_icon.png"/>
+            <p:cNvPicPr>
+              <a:picLocks noChangeAspect="1"/>
+            </p:cNvPicPr>
+            <p:nvPr/>
+          </p:nvPicPr>
+          <p:blipFill>
+            <a:blip r:embed="rId2" cstate="print"/>
+            <a:stretch>
+              <a:fillRect/>
+            </a:stretch>
+          </p:blipFill>
+          <p:spPr>
+            <a:xfrm>
+              <a:off x="642910" y="4857760"/>
+              <a:ext cx="857256" cy="814393"/>
+            </a:xfrm>
+            <a:prstGeom prst="rect">
+              <a:avLst/>
+            </a:prstGeom>
+          </p:spPr>
+        </p:pic>
+        <p:pic>
+          <p:nvPicPr>
+            <p:cNvPr id="7" name="Picture 6" descr="laptop.png"/>
+            <p:cNvPicPr>
+              <a:picLocks noChangeAspect="1"/>
+            </p:cNvPicPr>
+            <p:nvPr/>
+          </p:nvPicPr>
+          <p:blipFill>
+            <a:blip r:embed="rId3"/>
+            <a:srcRect t="12062" b="15563"/>
+            <a:stretch>
+              <a:fillRect/>
+            </a:stretch>
+          </p:blipFill>
+          <p:spPr>
+            <a:xfrm>
+              <a:off x="1555232" y="4813492"/>
+              <a:ext cx="1184466" cy="857256"/>
+            </a:xfrm>
+            <a:prstGeom prst="rect">
+              <a:avLst/>
+            </a:prstGeom>
+          </p:spPr>
+        </p:pic>
+      </p:grpSp>
+      <p:sp>
+        <p:nvSpPr>
+          <p:cNvPr id="14" name="Cloud 13"/>
+          <p:cNvSpPr/>
+          <p:nvPr/>
+        </p:nvSpPr>
+        <p:spPr>
+          <a:xfrm>
+            <a:off x="3214678" y="857232"/>
+            <a:ext cx="2857520" cy="1214446"/>
+          </a:xfrm>
+          <a:prstGeom prst="cloud">
+            <a:avLst/>
+          </a:prstGeom>
+          <a:noFill/>
+        </p:spPr>
+        <p:style>
+          <a:lnRef idx="2">
+            <a:schemeClr val="accent1">
+              <a:shade val="50000"/>
+            </a:schemeClr>
+          </a:lnRef>
+          <a:fillRef idx="1">
+            <a:schemeClr val="accent1"/>
+          </a:fillRef>
+          <a:effectRef idx="0">
+            <a:schemeClr val="accent1"/>
+          </a:effectRef>
+          <a:fontRef idx="minor">
+            <a:schemeClr val="lt1"/>
+          </a:fontRef>
+        </p:style>
+        <p:txBody>
+          <a:bodyPr rtlCol="0" anchor="ctr"/>
           <a:lstStyle/>
           <a:p>
-            <a:r>
-              <a:rPr lang="es-ES" dirty="0" smtClean="0"/>
-              <a:t>Poner  acá el cuadrito comparativo</a:t>
-            </a:r>
-            <a:endParaRPr lang="es-ES" dirty="0"/>
-          </a:p>
-        </p:txBody>
-      </p:sp>
+            <a:pPr algn="ctr"/>
+            <a:r>
+              <a:rPr lang="en-US" dirty="0" smtClean="0">
+                <a:solidFill>
+                  <a:schemeClr val="tx1"/>
+                </a:solidFill>
+              </a:rPr>
+              <a:t>Internet</a:t>
+            </a:r>
+            <a:endParaRPr lang="es-AR" dirty="0">
+              <a:solidFill>
+                <a:schemeClr val="tx1"/>
+              </a:solidFill>
+            </a:endParaRPr>
+          </a:p>
+        </p:txBody>
+      </p:sp>
+      <p:cxnSp>
+        <p:nvCxnSpPr>
+          <p:cNvPr id="22" name="Straight Arrow Connector 21"/>
+          <p:cNvCxnSpPr>
+            <a:stCxn id="7" idx="0"/>
+            <a:endCxn id="14" idx="2"/>
+          </p:cNvCxnSpPr>
+          <p:nvPr/>
+        </p:nvCxnSpPr>
+        <p:spPr>
+          <a:xfrm rot="5400000" flipH="1" flipV="1">
+            <a:off x="2274735" y="1122872"/>
+            <a:ext cx="607223" cy="1290391"/>
+          </a:xfrm>
+          <a:prstGeom prst="straightConnector1">
+            <a:avLst/>
+          </a:prstGeom>
+          <a:ln>
+            <a:headEnd type="arrow"/>
+            <a:tailEnd type="arrow"/>
+          </a:ln>
+        </p:spPr>
+        <p:style>
+          <a:lnRef idx="1">
+            <a:schemeClr val="accent1"/>
+          </a:lnRef>
+          <a:fillRef idx="0">
+            <a:schemeClr val="accent1"/>
+          </a:fillRef>
+          <a:effectRef idx="0">
+            <a:schemeClr val="accent1"/>
+          </a:effectRef>
+          <a:fontRef idx="minor">
+            <a:schemeClr val="tx1"/>
+          </a:fontRef>
+        </p:style>
+      </p:cxnSp>
+      <p:grpSp>
+        <p:nvGrpSpPr>
+          <p:cNvPr id="28" name="Group 27"/>
+          <p:cNvGrpSpPr/>
+          <p:nvPr/>
+        </p:nvGrpSpPr>
+        <p:grpSpPr>
+          <a:xfrm>
+            <a:off x="6357950" y="2071678"/>
+            <a:ext cx="2096788" cy="858661"/>
+            <a:chOff x="642910" y="4813492"/>
+            <a:chExt cx="2096788" cy="858661"/>
+          </a:xfrm>
+        </p:grpSpPr>
+        <p:pic>
+          <p:nvPicPr>
+            <p:cNvPr id="29" name="Picture 28" descr="user_icon.png"/>
+            <p:cNvPicPr>
+              <a:picLocks noChangeAspect="1"/>
+            </p:cNvPicPr>
+            <p:nvPr/>
+          </p:nvPicPr>
+          <p:blipFill>
+            <a:blip r:embed="rId2" cstate="print"/>
+            <a:stretch>
+              <a:fillRect/>
+            </a:stretch>
+          </p:blipFill>
+          <p:spPr>
+            <a:xfrm>
+              <a:off x="642910" y="4857760"/>
+              <a:ext cx="857256" cy="814393"/>
+            </a:xfrm>
+            <a:prstGeom prst="rect">
+              <a:avLst/>
+            </a:prstGeom>
+          </p:spPr>
+        </p:pic>
+        <p:pic>
+          <p:nvPicPr>
+            <p:cNvPr id="30" name="Picture 29" descr="laptop.png"/>
+            <p:cNvPicPr>
+              <a:picLocks noChangeAspect="1"/>
+            </p:cNvPicPr>
+            <p:nvPr/>
+          </p:nvPicPr>
+          <p:blipFill>
+            <a:blip r:embed="rId3"/>
+            <a:srcRect t="12062" b="15563"/>
+            <a:stretch>
+              <a:fillRect/>
+            </a:stretch>
+          </p:blipFill>
+          <p:spPr>
+            <a:xfrm>
+              <a:off x="1555232" y="4813492"/>
+              <a:ext cx="1184466" cy="857256"/>
+            </a:xfrm>
+            <a:prstGeom prst="rect">
+              <a:avLst/>
+            </a:prstGeom>
+          </p:spPr>
+        </p:pic>
+      </p:grpSp>
+      <p:cxnSp>
+        <p:nvCxnSpPr>
+          <p:cNvPr id="32" name="Straight Arrow Connector 31"/>
+          <p:cNvCxnSpPr>
+            <a:stCxn id="30" idx="0"/>
+            <a:endCxn id="14" idx="0"/>
+          </p:cNvCxnSpPr>
+          <p:nvPr/>
+        </p:nvCxnSpPr>
+        <p:spPr>
+          <a:xfrm rot="16200000" flipV="1">
+            <a:off x="6662550" y="871723"/>
+            <a:ext cx="607223" cy="1792688"/>
+          </a:xfrm>
+          <a:prstGeom prst="straightConnector1">
+            <a:avLst/>
+          </a:prstGeom>
+          <a:ln>
+            <a:headEnd type="arrow"/>
+            <a:tailEnd type="arrow"/>
+          </a:ln>
+        </p:spPr>
+        <p:style>
+          <a:lnRef idx="1">
+            <a:schemeClr val="accent1"/>
+          </a:lnRef>
+          <a:fillRef idx="0">
+            <a:schemeClr val="accent1"/>
+          </a:fillRef>
+          <a:effectRef idx="0">
+            <a:schemeClr val="accent1"/>
+          </a:effectRef>
+          <a:fontRef idx="minor">
+            <a:schemeClr val="tx1"/>
+          </a:fontRef>
+        </p:style>
+      </p:cxnSp>
+      <p:grpSp>
+        <p:nvGrpSpPr>
+          <p:cNvPr id="51" name="Group 50"/>
+          <p:cNvGrpSpPr/>
+          <p:nvPr/>
+        </p:nvGrpSpPr>
+        <p:grpSpPr>
+          <a:xfrm>
+            <a:off x="428596" y="3531730"/>
+            <a:ext cx="2428892" cy="2286016"/>
+            <a:chOff x="428596" y="3531730"/>
+            <a:chExt cx="2428892" cy="2286016"/>
+          </a:xfrm>
+        </p:grpSpPr>
+        <p:pic>
+          <p:nvPicPr>
+            <p:cNvPr id="44" name="Picture 43" descr="file.png"/>
+            <p:cNvPicPr>
+              <a:picLocks noChangeAspect="1"/>
+            </p:cNvPicPr>
+            <p:nvPr/>
+          </p:nvPicPr>
+          <p:blipFill>
+            <a:blip r:embed="rId4"/>
+            <a:stretch>
+              <a:fillRect/>
+            </a:stretch>
+          </p:blipFill>
+          <p:spPr>
+            <a:xfrm>
+              <a:off x="428596" y="3531730"/>
+              <a:ext cx="2428892" cy="2286016"/>
+            </a:xfrm>
+            <a:prstGeom prst="rect">
+              <a:avLst/>
+            </a:prstGeom>
+          </p:spPr>
+        </p:pic>
+        <p:sp>
+          <p:nvSpPr>
+            <p:cNvPr id="47" name="TextBox 46"/>
+            <p:cNvSpPr txBox="1"/>
+            <p:nvPr/>
+          </p:nvSpPr>
+          <p:spPr>
+            <a:xfrm>
+              <a:off x="756758" y="4088720"/>
+              <a:ext cx="1886416" cy="954107"/>
+            </a:xfrm>
+            <a:prstGeom prst="rect">
+              <a:avLst/>
+            </a:prstGeom>
+            <a:noFill/>
+          </p:spPr>
+          <p:txBody>
+            <a:bodyPr wrap="square" rtlCol="0">
+              <a:spAutoFit/>
+            </a:bodyPr>
+            <a:lstStyle/>
+            <a:p>
+              <a:r>
+                <a:rPr lang="en-US" sz="1400" dirty="0" smtClean="0">
+                  <a:latin typeface="Courier New" pitchFamily="49" charset="0"/>
+                  <a:cs typeface="Courier New" pitchFamily="49" charset="0"/>
+                </a:rPr>
+                <a:t>class </a:t>
+              </a:r>
+              <a:r>
+                <a:rPr lang="en-US" sz="1400" dirty="0" err="1" smtClean="0">
+                  <a:latin typeface="Courier New" pitchFamily="49" charset="0"/>
+                  <a:cs typeface="Courier New" pitchFamily="49" charset="0"/>
+                </a:rPr>
+                <a:t>MyClass</a:t>
+              </a:r>
+              <a:r>
+                <a:rPr lang="en-US" sz="1400" dirty="0" smtClean="0">
+                  <a:latin typeface="Courier New" pitchFamily="49" charset="0"/>
+                  <a:cs typeface="Courier New" pitchFamily="49" charset="0"/>
+                </a:rPr>
+                <a:t> {</a:t>
+              </a:r>
+              <a:br>
+                <a:rPr lang="en-US" sz="1400" dirty="0" smtClean="0">
+                  <a:latin typeface="Courier New" pitchFamily="49" charset="0"/>
+                  <a:cs typeface="Courier New" pitchFamily="49" charset="0"/>
+                </a:rPr>
+              </a:br>
+              <a:r>
+                <a:rPr lang="en-US" sz="1400" dirty="0" smtClean="0">
+                  <a:latin typeface="Courier New" pitchFamily="49" charset="0"/>
+                  <a:cs typeface="Courier New" pitchFamily="49" charset="0"/>
+                </a:rPr>
+                <a:t>  </a:t>
+              </a:r>
+              <a:r>
+                <a:rPr lang="en-US" sz="1400" dirty="0" err="1" smtClean="0">
+                  <a:latin typeface="Courier New" pitchFamily="49" charset="0"/>
+                  <a:cs typeface="Courier New" pitchFamily="49" charset="0"/>
+                </a:rPr>
+                <a:t>int</a:t>
+              </a:r>
+              <a:r>
+                <a:rPr lang="en-US" sz="1400" dirty="0" smtClean="0">
+                  <a:latin typeface="Courier New" pitchFamily="49" charset="0"/>
+                  <a:cs typeface="Courier New" pitchFamily="49" charset="0"/>
+                </a:rPr>
+                <a:t> value = 0;</a:t>
+              </a:r>
+            </a:p>
+            <a:p>
+              <a:r>
+                <a:rPr lang="en-US" sz="1400" dirty="0" smtClean="0">
+                  <a:latin typeface="Courier New" pitchFamily="49" charset="0"/>
+                  <a:cs typeface="Courier New" pitchFamily="49" charset="0"/>
+                </a:rPr>
+                <a:t> </a:t>
+              </a:r>
+              <a:r>
+                <a:rPr lang="en-US" sz="1400" dirty="0" smtClean="0">
+                  <a:latin typeface="Courier New" pitchFamily="49" charset="0"/>
+                  <a:cs typeface="Courier New" pitchFamily="49" charset="0"/>
+                </a:rPr>
+                <a:t> // </a:t>
+              </a:r>
+              <a:r>
+                <a:rPr lang="en-US" sz="1400" dirty="0" err="1" smtClean="0">
+                  <a:latin typeface="Courier New" pitchFamily="49" charset="0"/>
+                  <a:cs typeface="Courier New" pitchFamily="49" charset="0"/>
+                </a:rPr>
+                <a:t>es</a:t>
+              </a:r>
+              <a:r>
+                <a:rPr lang="en-US" sz="1400" dirty="0" smtClean="0">
+                  <a:latin typeface="Courier New" pitchFamily="49" charset="0"/>
+                  <a:cs typeface="Courier New" pitchFamily="49" charset="0"/>
+                </a:rPr>
+                <a:t> </a:t>
+              </a:r>
+              <a:r>
+                <a:rPr lang="en-US" sz="1400" dirty="0" err="1" smtClean="0">
+                  <a:latin typeface="Courier New" pitchFamily="49" charset="0"/>
+                  <a:cs typeface="Courier New" pitchFamily="49" charset="0"/>
+                </a:rPr>
+                <a:t>difícil</a:t>
+              </a:r>
+              <a:r>
+                <a:rPr lang="en-US" sz="1400" dirty="0" smtClean="0">
+                  <a:latin typeface="Courier New" pitchFamily="49" charset="0"/>
+                  <a:cs typeface="Courier New" pitchFamily="49" charset="0"/>
+                </a:rPr>
+                <a:t>!</a:t>
+              </a:r>
+              <a:br>
+                <a:rPr lang="en-US" sz="1400" dirty="0" smtClean="0">
+                  <a:latin typeface="Courier New" pitchFamily="49" charset="0"/>
+                  <a:cs typeface="Courier New" pitchFamily="49" charset="0"/>
+                </a:rPr>
+              </a:br>
+              <a:r>
+                <a:rPr lang="en-US" sz="1400" dirty="0" smtClean="0">
+                  <a:latin typeface="Courier New" pitchFamily="49" charset="0"/>
+                  <a:cs typeface="Courier New" pitchFamily="49" charset="0"/>
+                </a:rPr>
+                <a:t>}</a:t>
+              </a:r>
+              <a:endParaRPr lang="es-AR" sz="1400" dirty="0">
+                <a:latin typeface="Courier New" pitchFamily="49" charset="0"/>
+                <a:cs typeface="Courier New" pitchFamily="49" charset="0"/>
+              </a:endParaRPr>
+            </a:p>
+          </p:txBody>
+        </p:sp>
+      </p:grpSp>
+      <p:sp>
+        <p:nvSpPr>
+          <p:cNvPr id="49" name="TextBox 48"/>
+          <p:cNvSpPr txBox="1"/>
+          <p:nvPr/>
+        </p:nvSpPr>
+        <p:spPr>
+          <a:xfrm>
+            <a:off x="857224" y="3000372"/>
+            <a:ext cx="1476686" cy="369332"/>
+          </a:xfrm>
+          <a:prstGeom prst="rect">
+            <a:avLst/>
+          </a:prstGeom>
+          <a:noFill/>
+        </p:spPr>
+        <p:txBody>
+          <a:bodyPr wrap="none" rtlCol="0">
+            <a:spAutoFit/>
+          </a:bodyPr>
+          <a:lstStyle/>
+          <a:p>
+            <a:r>
+              <a:rPr lang="en-US" b="1" dirty="0" err="1" smtClean="0"/>
+              <a:t>u</a:t>
+            </a:r>
+            <a:r>
+              <a:rPr lang="en-US" b="1" dirty="0" err="1" smtClean="0"/>
+              <a:t>bicación</a:t>
+            </a:r>
+            <a:r>
+              <a:rPr lang="en-US" b="1" dirty="0" smtClean="0"/>
+              <a:t> 1</a:t>
+            </a:r>
+            <a:endParaRPr lang="es-AR" b="1" dirty="0"/>
+          </a:p>
+        </p:txBody>
+      </p:sp>
+      <p:sp>
+        <p:nvSpPr>
+          <p:cNvPr id="50" name="TextBox 49"/>
+          <p:cNvSpPr txBox="1"/>
+          <p:nvPr/>
+        </p:nvSpPr>
+        <p:spPr>
+          <a:xfrm>
+            <a:off x="6786578" y="3000372"/>
+            <a:ext cx="1478290" cy="369332"/>
+          </a:xfrm>
+          <a:prstGeom prst="rect">
+            <a:avLst/>
+          </a:prstGeom>
+          <a:noFill/>
+        </p:spPr>
+        <p:txBody>
+          <a:bodyPr wrap="none" rtlCol="0">
+            <a:spAutoFit/>
+          </a:bodyPr>
+          <a:lstStyle/>
+          <a:p>
+            <a:r>
+              <a:rPr lang="en-US" b="1" dirty="0" err="1" smtClean="0"/>
+              <a:t>u</a:t>
+            </a:r>
+            <a:r>
+              <a:rPr lang="en-US" b="1" dirty="0" err="1" smtClean="0"/>
+              <a:t>bicación</a:t>
+            </a:r>
+            <a:r>
+              <a:rPr lang="en-US" b="1" dirty="0" smtClean="0"/>
+              <a:t> 2</a:t>
+            </a:r>
+            <a:endParaRPr lang="es-AR" b="1" dirty="0"/>
+          </a:p>
+        </p:txBody>
+      </p:sp>
+      <p:grpSp>
+        <p:nvGrpSpPr>
+          <p:cNvPr id="52" name="Group 51"/>
+          <p:cNvGrpSpPr/>
+          <p:nvPr/>
+        </p:nvGrpSpPr>
+        <p:grpSpPr>
+          <a:xfrm>
+            <a:off x="6429388" y="3429000"/>
+            <a:ext cx="2428892" cy="2286016"/>
+            <a:chOff x="428596" y="3531730"/>
+            <a:chExt cx="2428892" cy="2286016"/>
+          </a:xfrm>
+        </p:grpSpPr>
+        <p:pic>
+          <p:nvPicPr>
+            <p:cNvPr id="53" name="Picture 52" descr="file.png"/>
+            <p:cNvPicPr>
+              <a:picLocks noChangeAspect="1"/>
+            </p:cNvPicPr>
+            <p:nvPr/>
+          </p:nvPicPr>
+          <p:blipFill>
+            <a:blip r:embed="rId4"/>
+            <a:stretch>
+              <a:fillRect/>
+            </a:stretch>
+          </p:blipFill>
+          <p:spPr>
+            <a:xfrm>
+              <a:off x="428596" y="3531730"/>
+              <a:ext cx="2428892" cy="2286016"/>
+            </a:xfrm>
+            <a:prstGeom prst="rect">
+              <a:avLst/>
+            </a:prstGeom>
+          </p:spPr>
+        </p:pic>
+        <p:sp>
+          <p:nvSpPr>
+            <p:cNvPr id="54" name="TextBox 53"/>
+            <p:cNvSpPr txBox="1"/>
+            <p:nvPr/>
+          </p:nvSpPr>
+          <p:spPr>
+            <a:xfrm>
+              <a:off x="756758" y="4088720"/>
+              <a:ext cx="1886416" cy="954107"/>
+            </a:xfrm>
+            <a:prstGeom prst="rect">
+              <a:avLst/>
+            </a:prstGeom>
+            <a:noFill/>
+          </p:spPr>
+          <p:txBody>
+            <a:bodyPr wrap="square" rtlCol="0">
+              <a:spAutoFit/>
+            </a:bodyPr>
+            <a:lstStyle/>
+            <a:p>
+              <a:r>
+                <a:rPr lang="en-US" sz="1400" dirty="0" smtClean="0">
+                  <a:latin typeface="Courier New" pitchFamily="49" charset="0"/>
+                  <a:cs typeface="Courier New" pitchFamily="49" charset="0"/>
+                </a:rPr>
+                <a:t>class </a:t>
+              </a:r>
+              <a:r>
+                <a:rPr lang="en-US" sz="1400" dirty="0" err="1" smtClean="0">
+                  <a:latin typeface="Courier New" pitchFamily="49" charset="0"/>
+                  <a:cs typeface="Courier New" pitchFamily="49" charset="0"/>
+                </a:rPr>
+                <a:t>MyClass</a:t>
+              </a:r>
+              <a:r>
+                <a:rPr lang="en-US" sz="1400" dirty="0" smtClean="0">
+                  <a:latin typeface="Courier New" pitchFamily="49" charset="0"/>
+                  <a:cs typeface="Courier New" pitchFamily="49" charset="0"/>
+                </a:rPr>
+                <a:t> {</a:t>
+              </a:r>
+              <a:br>
+                <a:rPr lang="en-US" sz="1400" dirty="0" smtClean="0">
+                  <a:latin typeface="Courier New" pitchFamily="49" charset="0"/>
+                  <a:cs typeface="Courier New" pitchFamily="49" charset="0"/>
+                </a:rPr>
+              </a:br>
+              <a:r>
+                <a:rPr lang="en-US" sz="1400" dirty="0" smtClean="0">
+                  <a:latin typeface="Courier New" pitchFamily="49" charset="0"/>
+                  <a:cs typeface="Courier New" pitchFamily="49" charset="0"/>
+                </a:rPr>
+                <a:t>  </a:t>
+              </a:r>
+              <a:r>
+                <a:rPr lang="en-US" sz="1400" dirty="0" err="1" smtClean="0">
+                  <a:latin typeface="Courier New" pitchFamily="49" charset="0"/>
+                  <a:cs typeface="Courier New" pitchFamily="49" charset="0"/>
+                </a:rPr>
+                <a:t>int</a:t>
+              </a:r>
+              <a:r>
+                <a:rPr lang="en-US" sz="1400" dirty="0" smtClean="0">
+                  <a:latin typeface="Courier New" pitchFamily="49" charset="0"/>
+                  <a:cs typeface="Courier New" pitchFamily="49" charset="0"/>
+                </a:rPr>
+                <a:t> value = 0;</a:t>
+              </a:r>
+            </a:p>
+            <a:p>
+              <a:r>
+                <a:rPr lang="en-US" sz="1400" dirty="0" smtClean="0">
+                  <a:latin typeface="Courier New" pitchFamily="49" charset="0"/>
+                  <a:cs typeface="Courier New" pitchFamily="49" charset="0"/>
+                </a:rPr>
+                <a:t> </a:t>
+              </a:r>
+              <a:r>
+                <a:rPr lang="en-US" sz="1400" dirty="0" smtClean="0">
+                  <a:latin typeface="Courier New" pitchFamily="49" charset="0"/>
+                  <a:cs typeface="Courier New" pitchFamily="49" charset="0"/>
+                </a:rPr>
+                <a:t> // </a:t>
+              </a:r>
+              <a:r>
+                <a:rPr lang="en-US" sz="1400" dirty="0" err="1" smtClean="0">
+                  <a:latin typeface="Courier New" pitchFamily="49" charset="0"/>
+                  <a:cs typeface="Courier New" pitchFamily="49" charset="0"/>
+                </a:rPr>
+                <a:t>es</a:t>
+              </a:r>
+              <a:r>
+                <a:rPr lang="en-US" sz="1400" dirty="0" smtClean="0">
+                  <a:latin typeface="Courier New" pitchFamily="49" charset="0"/>
+                  <a:cs typeface="Courier New" pitchFamily="49" charset="0"/>
+                </a:rPr>
+                <a:t> </a:t>
+              </a:r>
+              <a:r>
+                <a:rPr lang="en-US" sz="1400" dirty="0" err="1" smtClean="0">
+                  <a:latin typeface="Courier New" pitchFamily="49" charset="0"/>
+                  <a:cs typeface="Courier New" pitchFamily="49" charset="0"/>
+                </a:rPr>
+                <a:t>difícil</a:t>
+              </a:r>
+              <a:r>
+                <a:rPr lang="en-US" sz="1400" dirty="0" smtClean="0">
+                  <a:latin typeface="Courier New" pitchFamily="49" charset="0"/>
+                  <a:cs typeface="Courier New" pitchFamily="49" charset="0"/>
+                </a:rPr>
+                <a:t>!</a:t>
+              </a:r>
+              <a:br>
+                <a:rPr lang="en-US" sz="1400" dirty="0" smtClean="0">
+                  <a:latin typeface="Courier New" pitchFamily="49" charset="0"/>
+                  <a:cs typeface="Courier New" pitchFamily="49" charset="0"/>
+                </a:rPr>
+              </a:br>
+              <a:r>
+                <a:rPr lang="en-US" sz="1400" dirty="0" smtClean="0">
+                  <a:latin typeface="Courier New" pitchFamily="49" charset="0"/>
+                  <a:cs typeface="Courier New" pitchFamily="49" charset="0"/>
+                </a:rPr>
+                <a:t>}</a:t>
+              </a:r>
+              <a:endParaRPr lang="es-AR" sz="1400" dirty="0">
+                <a:latin typeface="Courier New" pitchFamily="49" charset="0"/>
+                <a:cs typeface="Courier New" pitchFamily="49" charset="0"/>
+              </a:endParaRPr>
+            </a:p>
+          </p:txBody>
+        </p:sp>
+      </p:grpSp>
     </p:spTree>
   </p:cSld>
   <p:clrMapOvr>
     <a:masterClrMapping/>
   </p:clrMapOvr>
+  <p:timing>
+    <p:tnLst>
+      <p:par>
+        <p:cTn id="1" dur="indefinite" restart="never" nodeType="tmRoot"/>
+      </p:par>
+    </p:tnLst>
+  </p:timing>
 </p:sld>
 </file>
 
@@ -4734,12 +7181,12 @@
       </p:grpSpPr>
       <p:sp>
         <p:nvSpPr>
-          <p:cNvPr id="2" name="1 Título"/>
-          <p:cNvSpPr>
-            <a:spLocks noGrp="1"/>
-          </p:cNvSpPr>
-          <p:nvPr>
-            <p:ph type="title"/>
+          <p:cNvPr id="3" name="2 Marcador de contenido"/>
+          <p:cNvSpPr>
+            <a:spLocks noGrp="1"/>
+          </p:cNvSpPr>
+          <p:nvPr>
+            <p:ph idx="1"/>
           </p:nvPr>
         </p:nvSpPr>
         <p:spPr/>
@@ -4749,7 +7196,33 @@
           <a:p>
             <a:r>
               <a:rPr lang="es-ES" dirty="0" smtClean="0"/>
-              <a:t>Búsqueda de la solución</a:t>
+              <a:t>Mantener sincronizado el mismo documento en todas las ubicaciones.</a:t>
+            </a:r>
+          </a:p>
+          <a:p>
+            <a:r>
+              <a:rPr lang="es-ES" dirty="0" smtClean="0"/>
+              <a:t>Ofrecer un </a:t>
+            </a:r>
+            <a:r>
+              <a:rPr lang="es-ES" dirty="0" err="1" smtClean="0"/>
+              <a:t>feedback</a:t>
+            </a:r>
+            <a:r>
+              <a:rPr lang="es-ES" dirty="0" smtClean="0"/>
+              <a:t> instantáneo al usuario.</a:t>
+            </a:r>
+          </a:p>
+          <a:p>
+            <a:r>
+              <a:rPr lang="es-ES" dirty="0" smtClean="0"/>
+              <a:t>No inventar otra herramienta, integrarse con las herramientas existentes.</a:t>
+            </a:r>
+          </a:p>
+          <a:p>
+            <a:r>
+              <a:rPr lang="es-ES" dirty="0" smtClean="0"/>
+              <a:t>Simplicidad de uso y despliegue, sin necesidad de un servidor central.</a:t>
             </a:r>
             <a:endParaRPr lang="es-ES" dirty="0"/>
           </a:p>
@@ -4757,12 +7230,12 @@
       </p:sp>
       <p:sp>
         <p:nvSpPr>
-          <p:cNvPr id="3" name="2 Marcador de contenido"/>
-          <p:cNvSpPr>
-            <a:spLocks noGrp="1"/>
-          </p:cNvSpPr>
-          <p:nvPr>
-            <p:ph idx="1"/>
+          <p:cNvPr id="2" name="1 Título"/>
+          <p:cNvSpPr>
+            <a:spLocks noGrp="1"/>
+          </p:cNvSpPr>
+          <p:nvPr>
+            <p:ph type="title"/>
           </p:nvPr>
         </p:nvSpPr>
         <p:spPr/>
@@ -4770,15 +7243,54 @@
           <a:bodyPr/>
           <a:lstStyle/>
           <a:p>
-            <a:endParaRPr lang="es-ES"/>
-          </a:p>
-        </p:txBody>
-      </p:sp>
+            <a:r>
+              <a:rPr lang="es-ES" dirty="0" smtClean="0"/>
+              <a:t>Problemas </a:t>
+            </a:r>
+            <a:r>
+              <a:rPr lang="es-ES" dirty="0" smtClean="0"/>
+              <a:t>a Resolver</a:t>
+            </a:r>
+            <a:endParaRPr lang="es-ES" dirty="0"/>
+          </a:p>
+        </p:txBody>
+      </p:sp>
+      <p:pic>
+        <p:nvPicPr>
+          <p:cNvPr id="4" name="Picture 3" descr="exclamation.png"/>
+          <p:cNvPicPr>
+            <a:picLocks noChangeAspect="1"/>
+          </p:cNvPicPr>
+          <p:nvPr/>
+        </p:nvPicPr>
+        <p:blipFill>
+          <a:blip r:embed="rId2"/>
+          <a:stretch>
+            <a:fillRect/>
+          </a:stretch>
+        </p:blipFill>
+        <p:spPr>
+          <a:xfrm>
+            <a:off x="7858148" y="214290"/>
+            <a:ext cx="1076932" cy="1076932"/>
+          </a:xfrm>
+          <a:prstGeom prst="rect">
+            <a:avLst/>
+          </a:prstGeom>
+        </p:spPr>
+      </p:pic>
     </p:spTree>
   </p:cSld>
   <p:clrMapOvr>
     <a:masterClrMapping/>
   </p:clrMapOvr>
+  <p:timing>
+    <p:tnLst>
+      <p:par>
+        <p:cTn id="1" dur="indefinite" restart="never" nodeType="tmRoot"/>
+      </p:par>
+    </p:tnLst>
+  </p:timing>
 </p:sld>
 </file>
 
@@ -4801,31 +7313,6 @@
       </p:grpSpPr>
       <p:sp>
         <p:nvSpPr>
-          <p:cNvPr id="2" name="1 Título"/>
-          <p:cNvSpPr>
-            <a:spLocks noGrp="1"/>
-          </p:cNvSpPr>
-          <p:nvPr>
-            <p:ph type="title"/>
-          </p:nvPr>
-        </p:nvSpPr>
-        <p:spPr/>
-        <p:txBody>
-          <a:bodyPr>
-            <a:normAutofit fontScale="90000"/>
-          </a:bodyPr>
-          <a:lstStyle/>
-          <a:p>
-            <a:r>
-              <a:rPr lang="es-ES" dirty="0" smtClean="0"/>
-              <a:t>Problemas enfrentados durante el desarrollo</a:t>
-            </a:r>
-            <a:endParaRPr lang="es-ES" dirty="0"/>
-          </a:p>
-        </p:txBody>
-      </p:sp>
-      <p:sp>
-        <p:nvSpPr>
           <p:cNvPr id="3" name="2 Marcador de contenido"/>
           <p:cNvSpPr>
             <a:spLocks noGrp="1"/>
@@ -4839,6 +7326,33 @@
           <a:bodyPr/>
           <a:lstStyle/>
           <a:p>
+            <a:r>
+              <a:rPr lang="es-ES" dirty="0" smtClean="0"/>
+              <a:t>Poner  acá el cuadrito comparativo</a:t>
+            </a:r>
+            <a:endParaRPr lang="es-ES" dirty="0"/>
+          </a:p>
+        </p:txBody>
+      </p:sp>
+      <p:sp>
+        <p:nvSpPr>
+          <p:cNvPr id="2" name="1 Título"/>
+          <p:cNvSpPr>
+            <a:spLocks noGrp="1"/>
+          </p:cNvSpPr>
+          <p:nvPr>
+            <p:ph type="title"/>
+          </p:nvPr>
+        </p:nvSpPr>
+        <p:spPr/>
+        <p:txBody>
+          <a:bodyPr/>
+          <a:lstStyle/>
+          <a:p>
+            <a:r>
+              <a:rPr lang="es-ES" dirty="0" smtClean="0"/>
+              <a:t>Otras soluciones similares</a:t>
+            </a:r>
             <a:endParaRPr lang="es-ES" dirty="0"/>
           </a:p>
         </p:txBody>
@@ -4870,12 +7384,12 @@
       </p:grpSpPr>
       <p:sp>
         <p:nvSpPr>
-          <p:cNvPr id="2" name="1 Título"/>
-          <p:cNvSpPr>
-            <a:spLocks noGrp="1"/>
-          </p:cNvSpPr>
-          <p:nvPr>
-            <p:ph type="title"/>
+          <p:cNvPr id="3" name="2 Marcador de contenido"/>
+          <p:cNvSpPr>
+            <a:spLocks noGrp="1"/>
+          </p:cNvSpPr>
+          <p:nvPr>
+            <p:ph idx="1"/>
           </p:nvPr>
         </p:nvSpPr>
         <p:spPr/>
@@ -4883,22 +7397,18 @@
           <a:bodyPr/>
           <a:lstStyle/>
           <a:p>
-            <a:r>
-              <a:rPr lang="es-ES" dirty="0" smtClean="0"/>
-              <a:t>Tecnologías utilizadas</a:t>
-            </a:r>
-            <a:endParaRPr lang="es-ES" dirty="0"/>
-          </a:p>
-        </p:txBody>
-      </p:sp>
-      <p:sp>
-        <p:nvSpPr>
-          <p:cNvPr id="3" name="2 Marcador de contenido"/>
-          <p:cNvSpPr>
-            <a:spLocks noGrp="1"/>
-          </p:cNvSpPr>
-          <p:nvPr>
-            <p:ph idx="1"/>
+            <a:endParaRPr lang="es-ES"/>
+          </a:p>
+        </p:txBody>
+      </p:sp>
+      <p:sp>
+        <p:nvSpPr>
+          <p:cNvPr id="2" name="1 Título"/>
+          <p:cNvSpPr>
+            <a:spLocks noGrp="1"/>
+          </p:cNvSpPr>
+          <p:nvPr>
+            <p:ph type="title"/>
           </p:nvPr>
         </p:nvSpPr>
         <p:spPr/>
@@ -4908,23 +7418,7 @@
           <a:p>
             <a:r>
               <a:rPr lang="es-ES" dirty="0" smtClean="0"/>
-              <a:t>Mostrar  el listado  de las </a:t>
-            </a:r>
-            <a:r>
-              <a:rPr lang="es-ES" dirty="0" err="1" smtClean="0"/>
-              <a:t>tecnologias</a:t>
-            </a:r>
-            <a:r>
-              <a:rPr lang="es-ES" dirty="0" smtClean="0"/>
-              <a:t> y una breve </a:t>
-            </a:r>
-            <a:r>
-              <a:rPr lang="es-ES" dirty="0" err="1" smtClean="0"/>
-              <a:t>explicacion</a:t>
-            </a:r>
-            <a:r>
-              <a:rPr lang="es-ES" dirty="0" smtClean="0"/>
-              <a:t> de porque se usaron</a:t>
+              <a:t>Búsqueda de la solución</a:t>
             </a:r>
             <a:endParaRPr lang="es-ES" dirty="0"/>
           </a:p>
@@ -4957,12 +7451,12 @@
       </p:grpSpPr>
       <p:sp>
         <p:nvSpPr>
-          <p:cNvPr id="2" name="1 Título"/>
-          <p:cNvSpPr>
-            <a:spLocks noGrp="1"/>
-          </p:cNvSpPr>
-          <p:nvPr>
-            <p:ph type="title"/>
+          <p:cNvPr id="3" name="2 Marcador de contenido"/>
+          <p:cNvSpPr>
+            <a:spLocks noGrp="1"/>
+          </p:cNvSpPr>
+          <p:nvPr>
+            <p:ph idx="1"/>
           </p:nvPr>
         </p:nvSpPr>
         <p:spPr/>
@@ -4970,76 +7464,30 @@
           <a:bodyPr/>
           <a:lstStyle/>
           <a:p>
+            <a:endParaRPr lang="es-ES" dirty="0"/>
+          </a:p>
+        </p:txBody>
+      </p:sp>
+      <p:sp>
+        <p:nvSpPr>
+          <p:cNvPr id="2" name="1 Título"/>
+          <p:cNvSpPr>
+            <a:spLocks noGrp="1"/>
+          </p:cNvSpPr>
+          <p:nvPr>
+            <p:ph type="title"/>
+          </p:nvPr>
+        </p:nvSpPr>
+        <p:spPr/>
+        <p:txBody>
+          <a:bodyPr>
+            <a:normAutofit fontScale="90000"/>
+          </a:bodyPr>
+          <a:lstStyle/>
+          <a:p>
             <a:r>
               <a:rPr lang="es-ES" dirty="0" smtClean="0"/>
-              <a:t>Arquitectura de la solución</a:t>
-            </a:r>
-            <a:endParaRPr lang="es-ES" dirty="0"/>
-          </a:p>
-        </p:txBody>
-      </p:sp>
-      <p:sp>
-        <p:nvSpPr>
-          <p:cNvPr id="3" name="2 Marcador de contenido"/>
-          <p:cNvSpPr>
-            <a:spLocks noGrp="1"/>
-          </p:cNvSpPr>
-          <p:nvPr>
-            <p:ph idx="1"/>
-          </p:nvPr>
-        </p:nvSpPr>
-        <p:spPr/>
-        <p:txBody>
-          <a:bodyPr/>
-          <a:lstStyle/>
-          <a:p>
-            <a:r>
-              <a:rPr lang="es-ES" dirty="0" smtClean="0"/>
-              <a:t>Explicación de los módulos que la componen</a:t>
-            </a:r>
-          </a:p>
-          <a:p>
-            <a:r>
-              <a:rPr lang="es-ES" dirty="0" smtClean="0"/>
-              <a:t>Mostrar  caso  cliente servidor  peer 2peer </a:t>
-            </a:r>
-          </a:p>
-          <a:p>
-            <a:r>
-              <a:rPr lang="es-ES" dirty="0" smtClean="0"/>
-              <a:t>Diagramas de ambos y pequeña explicación sobre cada uno de los módulos (</a:t>
-            </a:r>
-            <a:r>
-              <a:rPr lang="es-ES" dirty="0" err="1" smtClean="0"/>
-              <a:t>kernel</a:t>
-            </a:r>
-            <a:r>
-              <a:rPr lang="es-ES" dirty="0" smtClean="0"/>
-              <a:t>, </a:t>
-            </a:r>
-            <a:r>
-              <a:rPr lang="es-ES" dirty="0" err="1" smtClean="0"/>
-              <a:t>client</a:t>
-            </a:r>
-            <a:r>
-              <a:rPr lang="es-ES" dirty="0" smtClean="0"/>
-              <a:t>, </a:t>
-            </a:r>
-            <a:r>
-              <a:rPr lang="es-ES" dirty="0" err="1" smtClean="0"/>
-              <a:t>common</a:t>
-            </a:r>
-            <a:r>
-              <a:rPr lang="es-ES" dirty="0" smtClean="0"/>
-              <a:t>, </a:t>
-            </a:r>
-            <a:r>
-              <a:rPr lang="es-ES" dirty="0" err="1" smtClean="0"/>
-              <a:t>etc</a:t>
-            </a:r>
-            <a:r>
-              <a:rPr lang="es-ES" dirty="0" smtClean="0"/>
-              <a:t>)</a:t>
+              <a:t>Problemas enfrentados durante el desarrollo</a:t>
             </a:r>
             <a:endParaRPr lang="es-ES" dirty="0"/>
           </a:p>
@@ -5072,12 +7520,12 @@
       </p:grpSpPr>
       <p:sp>
         <p:nvSpPr>
-          <p:cNvPr id="2" name="1 Título"/>
-          <p:cNvSpPr>
-            <a:spLocks noGrp="1"/>
-          </p:cNvSpPr>
-          <p:nvPr>
-            <p:ph type="title"/>
+          <p:cNvPr id="3" name="2 Marcador de contenido"/>
+          <p:cNvSpPr>
+            <a:spLocks noGrp="1"/>
+          </p:cNvSpPr>
+          <p:nvPr>
+            <p:ph idx="1"/>
           </p:nvPr>
         </p:nvSpPr>
         <p:spPr/>
@@ -5087,7 +7535,23 @@
           <a:p>
             <a:r>
               <a:rPr lang="es-ES" dirty="0" smtClean="0"/>
-              <a:t>Actores</a:t>
+              <a:t>Mostrar  el listado  de las </a:t>
+            </a:r>
+            <a:r>
+              <a:rPr lang="es-ES" dirty="0" err="1" smtClean="0"/>
+              <a:t>tecnologias</a:t>
+            </a:r>
+            <a:r>
+              <a:rPr lang="es-ES" dirty="0" smtClean="0"/>
+              <a:t> y una breve </a:t>
+            </a:r>
+            <a:r>
+              <a:rPr lang="es-ES" dirty="0" err="1" smtClean="0"/>
+              <a:t>explicacion</a:t>
+            </a:r>
+            <a:r>
+              <a:rPr lang="es-ES" dirty="0" smtClean="0"/>
+              <a:t> de porque se usaron</a:t>
             </a:r>
             <a:endParaRPr lang="es-ES" dirty="0"/>
           </a:p>
@@ -5095,12 +7559,12 @@
       </p:sp>
       <p:sp>
         <p:nvSpPr>
-          <p:cNvPr id="3" name="2 Marcador de contenido"/>
-          <p:cNvSpPr>
-            <a:spLocks noGrp="1"/>
-          </p:cNvSpPr>
-          <p:nvPr>
-            <p:ph idx="1"/>
+          <p:cNvPr id="2" name="1 Título"/>
+          <p:cNvSpPr>
+            <a:spLocks noGrp="1"/>
+          </p:cNvSpPr>
+          <p:nvPr>
+            <p:ph type="title"/>
           </p:nvPr>
         </p:nvSpPr>
         <p:spPr/>
@@ -5110,13 +7574,7 @@
           <a:p>
             <a:r>
               <a:rPr lang="es-ES" dirty="0" smtClean="0"/>
-              <a:t>Hablar  algo sobre que la comunicación entre los módulos es asincrónica y se utilizan actores para esto.</a:t>
-            </a:r>
-          </a:p>
-          <a:p>
-            <a:r>
-              <a:rPr lang="es-ES" dirty="0" smtClean="0"/>
-              <a:t>Ventajas de utilizar actores, como simplifica las cosas.</a:t>
+              <a:t>Tecnologías utilizadas</a:t>
             </a:r>
             <a:endParaRPr lang="es-ES" dirty="0"/>
           </a:p>
@@ -5131,9 +7589,9 @@
 </file>
 
 <file path=ppt/theme/theme1.xml><?xml version="1.0" encoding="utf-8"?>
-<a:theme xmlns:a="http://schemas.openxmlformats.org/drawingml/2006/main" name="Flow">
+<a:theme xmlns:a="http://schemas.openxmlformats.org/drawingml/2006/main" name="Concourse">
   <a:themeElements>
-    <a:clrScheme name="Flow">
+    <a:clrScheme name="Concourse">
       <a:dk1>
         <a:sysClr val="windowText" lastClr="000000"/>
       </a:dk1>
@@ -5141,46 +7599,365 @@
         <a:sysClr val="window" lastClr="FFFFFF"/>
       </a:lt1>
       <a:dk2>
-        <a:srgbClr val="04617B"/>
+        <a:srgbClr val="464646"/>
       </a:dk2>
       <a:lt2>
-        <a:srgbClr val="DBF5F9"/>
+        <a:srgbClr val="DEF5FA"/>
       </a:lt2>
       <a:accent1>
-        <a:srgbClr val="0F6FC6"/>
+        <a:srgbClr val="2DA2BF"/>
       </a:accent1>
       <a:accent2>
-        <a:srgbClr val="009DD9"/>
+        <a:srgbClr val="DA1F28"/>
       </a:accent2>
       <a:accent3>
-        <a:srgbClr val="0BD0D9"/>
+        <a:srgbClr val="EB641B"/>
       </a:accent3>
       <a:accent4>
-        <a:srgbClr val="10CF9B"/>
+        <a:srgbClr val="39639D"/>
       </a:accent4>
       <a:accent5>
-        <a:srgbClr val="7CCA62"/>
+        <a:srgbClr val="474B78"/>
       </a:accent5>
       <a:accent6>
-        <a:srgbClr val="A5C249"/>
+        <a:srgbClr val="7D3C4A"/>
       </a:accent6>
       <a:hlink>
-        <a:srgbClr val="E2D700"/>
+        <a:srgbClr val="FF8119"/>
       </a:hlink>
       <a:folHlink>
-        <a:srgbClr val="85DFD0"/>
+        <a:srgbClr val="44B9E8"/>
       </a:folHlink>
     </a:clrScheme>
-    <a:fontScheme name="Flow">
+    <a:fontScheme name="Concourse">
+      <a:majorFont>
+        <a:latin typeface="Lucida Sans Unicode"/>
+        <a:ea typeface=""/>
+        <a:cs typeface=""/>
+        <a:font script="Jpan" typeface="ＭＳ Ｐゴシック"/>
+        <a:font script="Hang" typeface="맑은 고딕"/>
+        <a:font script="Hans" typeface="黑体"/>
+        <a:font script="Hant" typeface="微軟正黑體"/>
+        <a:font script="Arab" typeface="Arial"/>
+        <a:font script="Hebr" typeface="Arial"/>
+        <a:font script="Thai" typeface="Cordia New"/>
+        <a:font script="Ethi" typeface="Nyala"/>
+        <a:font script="Beng" typeface="Vrinda"/>
+        <a:font script="Gujr" typeface="Shruti"/>
+        <a:font script="Khmr" typeface="DaunPenh"/>
+        <a:font script="Knda" typeface="Tunga"/>
+        <a:font script="Guru" typeface="Raavi"/>
+        <a:font script="Cans" typeface="Euphemia"/>
+        <a:font script="Cher" typeface="Plantagenet Cherokee"/>
+        <a:font script="Yiii" typeface="Microsoft Yi Baiti"/>
+        <a:font script="Tibt" typeface="Microsoft Himalaya"/>
+        <a:font script="Thaa" typeface="MV Boli"/>
+        <a:font script="Deva" typeface="Mangal"/>
+        <a:font script="Telu" typeface="Gautami"/>
+        <a:font script="Taml" typeface="Latha"/>
+        <a:font script="Syrc" typeface="Estrangelo Edessa"/>
+        <a:font script="Orya" typeface="Kalinga"/>
+        <a:font script="Mlym" typeface="Kartika"/>
+        <a:font script="Laoo" typeface="DokChampa"/>
+        <a:font script="Sinh" typeface="Iskoola Pota"/>
+        <a:font script="Mong" typeface="Mongolian Baiti"/>
+        <a:font script="Uigh" typeface="Microsoft Uighur"/>
+      </a:majorFont>
+      <a:minorFont>
+        <a:latin typeface="Lucida Sans Unicode"/>
+        <a:ea typeface=""/>
+        <a:cs typeface=""/>
+        <a:font script="Jpan" typeface="ＭＳ Ｐゴシック"/>
+        <a:font script="Hang" typeface="맑은 고딕"/>
+        <a:font script="Hans" typeface="黑体"/>
+        <a:font script="Hant" typeface="微軟正黑體"/>
+        <a:font script="Arab" typeface="Arial"/>
+        <a:font script="Hebr" typeface="Arial"/>
+        <a:font script="Thai" typeface="Cordia New"/>
+        <a:font script="Ethi" typeface="Nyala"/>
+        <a:font script="Beng" typeface="Vrinda"/>
+        <a:font script="Gujr" typeface="Shruti"/>
+        <a:font script="Khmr" typeface="DaunPenh"/>
+        <a:font script="Knda" typeface="Tunga"/>
+        <a:font script="Guru" typeface="Raavi"/>
+        <a:font script="Cans" typeface="Euphemia"/>
+        <a:font script="Cher" typeface="Plantagenet Cherokee"/>
+        <a:font script="Yiii" typeface="Microsoft Yi Baiti"/>
+        <a:font script="Tibt" typeface="Microsoft Himalaya"/>
+        <a:font script="Thaa" typeface="MV Boli"/>
+        <a:font script="Deva" typeface="Mangal"/>
+        <a:font script="Telu" typeface="Gautami"/>
+        <a:font script="Taml" typeface="Latha"/>
+        <a:font script="Syrc" typeface="Estrangelo Edessa"/>
+        <a:font script="Orya" typeface="Kalinga"/>
+        <a:font script="Mlym" typeface="Kartika"/>
+        <a:font script="Laoo" typeface="DokChampa"/>
+        <a:font script="Sinh" typeface="Iskoola Pota"/>
+        <a:font script="Mong" typeface="Mongolian Baiti"/>
+        <a:font script="Uigh" typeface="Microsoft Uighur"/>
+      </a:minorFont>
+    </a:fontScheme>
+    <a:fmtScheme name="Concourse">
+      <a:fillStyleLst>
+        <a:solidFill>
+          <a:schemeClr val="phClr"/>
+        </a:solidFill>
+        <a:gradFill rotWithShape="1">
+          <a:gsLst>
+            <a:gs pos="0">
+              <a:schemeClr val="phClr">
+                <a:tint val="62000"/>
+                <a:satMod val="180000"/>
+              </a:schemeClr>
+            </a:gs>
+            <a:gs pos="65000">
+              <a:schemeClr val="phClr">
+                <a:tint val="32000"/>
+                <a:satMod val="250000"/>
+              </a:schemeClr>
+            </a:gs>
+            <a:gs pos="100000">
+              <a:schemeClr val="phClr">
+                <a:tint val="23000"/>
+                <a:satMod val="300000"/>
+              </a:schemeClr>
+            </a:gs>
+          </a:gsLst>
+          <a:lin ang="16200000" scaled="0"/>
+        </a:gradFill>
+        <a:gradFill rotWithShape="1">
+          <a:gsLst>
+            <a:gs pos="0">
+              <a:schemeClr val="phClr">
+                <a:shade val="15000"/>
+                <a:satMod val="180000"/>
+              </a:schemeClr>
+            </a:gs>
+            <a:gs pos="50000">
+              <a:schemeClr val="phClr">
+                <a:shade val="45000"/>
+                <a:satMod val="170000"/>
+              </a:schemeClr>
+            </a:gs>
+            <a:gs pos="70000">
+              <a:schemeClr val="phClr">
+                <a:tint val="99000"/>
+                <a:shade val="65000"/>
+                <a:satMod val="155000"/>
+              </a:schemeClr>
+            </a:gs>
+            <a:gs pos="100000">
+              <a:schemeClr val="phClr">
+                <a:tint val="95500"/>
+                <a:shade val="100000"/>
+                <a:satMod val="155000"/>
+              </a:schemeClr>
+            </a:gs>
+          </a:gsLst>
+          <a:lin ang="16200000" scaled="0"/>
+        </a:gradFill>
+      </a:fillStyleLst>
+      <a:lnStyleLst>
+        <a:ln w="9525" cap="flat" cmpd="sng" algn="ctr">
+          <a:solidFill>
+            <a:schemeClr val="phClr"/>
+          </a:solidFill>
+          <a:prstDash val="solid"/>
+        </a:ln>
+        <a:ln w="55000" cap="flat" cmpd="thickThin" algn="ctr">
+          <a:solidFill>
+            <a:schemeClr val="phClr"/>
+          </a:solidFill>
+          <a:prstDash val="solid"/>
+        </a:ln>
+        <a:ln w="63500" cap="flat" cmpd="thickThin" algn="ctr">
+          <a:solidFill>
+            <a:schemeClr val="phClr"/>
+          </a:solidFill>
+          <a:prstDash val="solid"/>
+        </a:ln>
+      </a:lnStyleLst>
+      <a:effectStyleLst>
+        <a:effectStyle>
+          <a:effectLst>
+            <a:outerShdw blurRad="50800" dist="38100" dir="5400000" rotWithShape="0">
+              <a:srgbClr val="000000">
+                <a:alpha val="35000"/>
+              </a:srgbClr>
+            </a:outerShdw>
+          </a:effectLst>
+        </a:effectStyle>
+        <a:effectStyle>
+          <a:effectLst>
+            <a:outerShdw blurRad="50800" dist="38100" dir="5400000" rotWithShape="0">
+              <a:srgbClr val="000000">
+                <a:alpha val="35000"/>
+              </a:srgbClr>
+            </a:outerShdw>
+          </a:effectLst>
+        </a:effectStyle>
+        <a:effectStyle>
+          <a:effectLst>
+            <a:outerShdw blurRad="63500" dist="38100" dir="5400000" rotWithShape="0">
+              <a:srgbClr val="000000">
+                <a:alpha val="45000"/>
+              </a:srgbClr>
+            </a:outerShdw>
+          </a:effectLst>
+          <a:scene3d>
+            <a:camera prst="orthographicFront" fov="0">
+              <a:rot lat="0" lon="0" rev="0"/>
+            </a:camera>
+            <a:lightRig rig="glow" dir="t">
+              <a:rot lat="0" lon="0" rev="6360000"/>
+            </a:lightRig>
+          </a:scene3d>
+          <a:sp3d contourW="1000" prstMaterial="flat">
+            <a:bevelT w="95250" h="101600"/>
+            <a:contourClr>
+              <a:schemeClr val="phClr">
+                <a:satMod val="300000"/>
+              </a:schemeClr>
+            </a:contourClr>
+          </a:sp3d>
+        </a:effectStyle>
+      </a:effectStyleLst>
+      <a:bgFillStyleLst>
+        <a:solidFill>
+          <a:schemeClr val="phClr"/>
+        </a:solidFill>
+        <a:gradFill rotWithShape="1">
+          <a:gsLst>
+            <a:gs pos="0">
+              <a:schemeClr val="phClr">
+                <a:tint val="55000"/>
+                <a:satMod val="300000"/>
+              </a:schemeClr>
+            </a:gs>
+            <a:gs pos="40000">
+              <a:schemeClr val="phClr">
+                <a:tint val="65000"/>
+                <a:satMod val="300000"/>
+              </a:schemeClr>
+            </a:gs>
+            <a:gs pos="100000">
+              <a:schemeClr val="phClr">
+                <a:shade val="65000"/>
+                <a:satMod val="300000"/>
+              </a:schemeClr>
+            </a:gs>
+          </a:gsLst>
+          <a:path path="circle">
+            <a:fillToRect l="95000" t="-106500" r="5000" b="206500"/>
+          </a:path>
+        </a:gradFill>
+        <a:blipFill>
+          <a:blip xmlns:r="http://schemas.openxmlformats.org/officeDocument/2006/relationships" r:embed="rId1">
+            <a:duotone>
+              <a:schemeClr val="phClr">
+                <a:shade val="60000"/>
+                <a:satMod val="110000"/>
+              </a:schemeClr>
+              <a:schemeClr val="phClr">
+                <a:tint val="95000"/>
+              </a:schemeClr>
+            </a:duotone>
+          </a:blip>
+          <a:tile tx="0" ty="0" sx="50000" sy="50000" flip="none" algn="tl"/>
+        </a:blipFill>
+      </a:bgFillStyleLst>
+    </a:fmtScheme>
+  </a:themeElements>
+  <a:objectDefaults/>
+  <a:extraClrSchemeLst/>
+</a:theme>
+</file>
+
+<file path=ppt/theme/theme2.xml><?xml version="1.0" encoding="utf-8"?>
+<a:theme xmlns:a="http://schemas.openxmlformats.org/drawingml/2006/main" name="Office Theme">
+  <a:themeElements>
+    <a:clrScheme name="Office">
+      <a:dk1>
+        <a:sysClr val="windowText" lastClr="000000"/>
+      </a:dk1>
+      <a:lt1>
+        <a:sysClr val="window" lastClr="FFFFFF"/>
+      </a:lt1>
+      <a:dk2>
+        <a:srgbClr val="1F497D"/>
+      </a:dk2>
+      <a:lt2>
+        <a:srgbClr val="EEECE1"/>
+      </a:lt2>
+      <a:accent1>
+        <a:srgbClr val="4F81BD"/>
+      </a:accent1>
+      <a:accent2>
+        <a:srgbClr val="C0504D"/>
+      </a:accent2>
+      <a:accent3>
+        <a:srgbClr val="9BBB59"/>
+      </a:accent3>
+      <a:accent4>
+        <a:srgbClr val="8064A2"/>
+      </a:accent4>
+      <a:accent5>
+        <a:srgbClr val="4BACC6"/>
+      </a:accent5>
+      <a:accent6>
+        <a:srgbClr val="F79646"/>
+      </a:accent6>
+      <a:hlink>
+        <a:srgbClr val="0000FF"/>
+      </a:hlink>
+      <a:folHlink>
+        <a:srgbClr val="800080"/>
+      </a:folHlink>
+    </a:clrScheme>
+    <a:fontScheme name="Office">
       <a:majorFont>
         <a:latin typeface="Calibri"/>
         <a:ea typeface=""/>
         <a:cs typeface=""/>
         <a:font script="Jpan" typeface="ＭＳ Ｐゴシック"/>
-        <a:font script="Hang" typeface="HY중고딕"/>
-        <a:font script="Hans" typeface="隶书"/>
-        <a:font script="Hant" typeface="微軟正黑體"/>
-        <a:font script="Arab" typeface="Traditional Arabic"/>
+        <a:font script="Hang" typeface="맑은 고딕"/>
+        <a:font script="Hans" typeface="宋体"/>
+        <a:font script="Hant" typeface="新細明體"/>
+        <a:font script="Arab" typeface="Times New Roman"/>
+        <a:font script="Hebr" typeface="Times New Roman"/>
+        <a:font script="Thai" typeface="Angsana New"/>
+        <a:font script="Ethi" typeface="Nyala"/>
+        <a:font script="Beng" typeface="Vrinda"/>
+        <a:font script="Gujr" typeface="Shruti"/>
+        <a:font script="Khmr" typeface="MoolBoran"/>
+        <a:font script="Knda" typeface="Tunga"/>
+        <a:font script="Guru" typeface="Raavi"/>
+        <a:font script="Cans" typeface="Euphemia"/>
+        <a:font script="Cher" typeface="Plantagenet Cherokee"/>
+        <a:font script="Yiii" typeface="Microsoft Yi Baiti"/>
+        <a:font script="Tibt" typeface="Microsoft Himalaya"/>
+        <a:font script="Thaa" typeface="MV Boli"/>
+        <a:font script="Deva" typeface="Mangal"/>
+        <a:font script="Telu" typeface="Gautami"/>
+        <a:font script="Taml" typeface="Latha"/>
+        <a:font script="Syrc" typeface="Estrangelo Edessa"/>
+        <a:font script="Orya" typeface="Kalinga"/>
+        <a:font script="Mlym" typeface="Kartika"/>
+        <a:font script="Laoo" typeface="DokChampa"/>
+        <a:font script="Sinh" typeface="Iskoola Pota"/>
+        <a:font script="Mong" typeface="Mongolian Baiti"/>
+        <a:font script="Viet" typeface="Times New Roman"/>
+        <a:font script="Uigh" typeface="Microsoft Uighur"/>
+      </a:majorFont>
+      <a:minorFont>
+        <a:latin typeface="Calibri"/>
+        <a:ea typeface=""/>
+        <a:cs typeface=""/>
+        <a:font script="Jpan" typeface="ＭＳ Ｐゴシック"/>
+        <a:font script="Hang" typeface="맑은 고딕"/>
+        <a:font script="Hans" typeface="宋体"/>
+        <a:font script="Hant" typeface="新細明體"/>
+        <a:font script="Arab" typeface="Arial"/>
         <a:font script="Hebr" typeface="Arial"/>
         <a:font script="Thai" typeface="Cordia New"/>
         <a:font script="Ethi" typeface="Nyala"/>
@@ -5205,43 +7982,9 @@
         <a:font script="Mong" typeface="Mongolian Baiti"/>
         <a:font script="Viet" typeface="Arial"/>
         <a:font script="Uigh" typeface="Microsoft Uighur"/>
-      </a:majorFont>
-      <a:minorFont>
-        <a:latin typeface="Constantia"/>
-        <a:ea typeface=""/>
-        <a:cs typeface=""/>
-        <a:font script="Jpan" typeface="HGP明朝E"/>
-        <a:font script="Hang" typeface="HY신명조"/>
-        <a:font script="Hans" typeface="宋体"/>
-        <a:font script="Hant" typeface="新細明體"/>
-        <a:font script="Arab" typeface="Majalla UI"/>
-        <a:font script="Hebr" typeface="David"/>
-        <a:font script="Thai" typeface="Browallia New"/>
-        <a:font script="Ethi" typeface="Nyala"/>
-        <a:font script="Beng" typeface="Vrinda"/>
-        <a:font script="Gujr" typeface="Shruti"/>
-        <a:font script="Khmr" typeface="MoolBoran"/>
-        <a:font script="Knda" typeface="Tunga"/>
-        <a:font script="Guru" typeface="Raavi"/>
-        <a:font script="Cans" typeface="Euphemia"/>
-        <a:font script="Cher" typeface="Plantagenet Cherokee"/>
-        <a:font script="Yiii" typeface="Microsoft Yi Baiti"/>
-        <a:font script="Tibt" typeface="Microsoft Himalaya"/>
-        <a:font script="Thaa" typeface="MV Boli"/>
-        <a:font script="Deva" typeface="Mangal"/>
-        <a:font script="Telu" typeface="Gautami"/>
-        <a:font script="Taml" typeface="Latha"/>
-        <a:font script="Syrc" typeface="Estrangelo Edessa"/>
-        <a:font script="Orya" typeface="Kalinga"/>
-        <a:font script="Mlym" typeface="Kartika"/>
-        <a:font script="Laoo" typeface="DokChampa"/>
-        <a:font script="Sinh" typeface="Iskoola Pota"/>
-        <a:font script="Mong" typeface="Mongolian Baiti"/>
-        <a:font script="Viet" typeface="Times New Roman"/>
-        <a:font script="Uigh" typeface="Microsoft Uighur"/>
       </a:minorFont>
     </a:fontScheme>
-    <a:fmtScheme name="Flow">
+    <a:fmtScheme name="Office">
       <a:fillStyleLst>
         <a:solidFill>
           <a:schemeClr val="phClr"/>
@@ -5250,66 +7993,55 @@
           <a:gsLst>
             <a:gs pos="0">
               <a:schemeClr val="phClr">
-                <a:tint val="70000"/>
-                <a:satMod val="130000"/>
+                <a:tint val="50000"/>
+                <a:satMod val="300000"/>
               </a:schemeClr>
             </a:gs>
-            <a:gs pos="43000">
+            <a:gs pos="35000">
               <a:schemeClr val="phClr">
-                <a:tint val="44000"/>
-                <a:satMod val="165000"/>
-              </a:schemeClr>
-            </a:gs>
-            <a:gs pos="93000">
-              <a:schemeClr val="phClr">
-                <a:tint val="15000"/>
-                <a:satMod val="165000"/>
+                <a:tint val="37000"/>
+                <a:satMod val="300000"/>
               </a:schemeClr>
             </a:gs>
             <a:gs pos="100000">
               <a:schemeClr val="phClr">
-                <a:tint val="5000"/>
-                <a:satMod val="250000"/>
+                <a:tint val="15000"/>
+                <a:satMod val="350000"/>
               </a:schemeClr>
             </a:gs>
           </a:gsLst>
-          <a:path path="circle">
-            <a:fillToRect l="50000" t="130000" r="50000" b="-30000"/>
-          </a:path>
+          <a:lin ang="16200000" scaled="1"/>
         </a:gradFill>
         <a:gradFill rotWithShape="1">
           <a:gsLst>
             <a:gs pos="0">
               <a:schemeClr val="phClr">
-                <a:tint val="98000"/>
-                <a:shade val="25000"/>
-                <a:satMod val="250000"/>
+                <a:shade val="51000"/>
+                <a:satMod val="130000"/>
               </a:schemeClr>
             </a:gs>
-            <a:gs pos="68000">
+            <a:gs pos="80000">
               <a:schemeClr val="phClr">
-                <a:tint val="86000"/>
-                <a:satMod val="115000"/>
+                <a:shade val="93000"/>
+                <a:satMod val="130000"/>
               </a:schemeClr>
             </a:gs>
             <a:gs pos="100000">
               <a:schemeClr val="phClr">
-                <a:tint val="50000"/>
-                <a:satMod val="150000"/>
+                <a:shade val="94000"/>
+                <a:satMod val="135000"/>
               </a:schemeClr>
             </a:gs>
           </a:gsLst>
-          <a:path path="circle">
-            <a:fillToRect l="50000" t="130000" r="50000" b="-30000"/>
-          </a:path>
+          <a:lin ang="16200000" scaled="0"/>
         </a:gradFill>
       </a:fillStyleLst>
       <a:lnStyleLst>
         <a:ln w="9525" cap="flat" cmpd="sng" algn="ctr">
           <a:solidFill>
             <a:schemeClr val="phClr">
-              <a:shade val="50000"/>
-              <a:satMod val="103000"/>
+              <a:shade val="95000"/>
+              <a:satMod val="105000"/>
             </a:schemeClr>
           </a:solidFill>
           <a:prstDash val="solid"/>
@@ -5330,46 +8062,40 @@
       <a:effectStyleLst>
         <a:effectStyle>
           <a:effectLst>
-            <a:outerShdw blurRad="57150" dist="38100" dir="5400000" algn="ctr" rotWithShape="0">
-              <a:schemeClr val="phClr">
-                <a:shade val="9000"/>
-                <a:satMod val="105000"/>
-                <a:alpha val="48000"/>
-              </a:schemeClr>
+            <a:outerShdw blurRad="40000" dist="20000" dir="5400000" rotWithShape="0">
+              <a:srgbClr val="000000">
+                <a:alpha val="38000"/>
+              </a:srgbClr>
             </a:outerShdw>
           </a:effectLst>
         </a:effectStyle>
         <a:effectStyle>
           <a:effectLst>
-            <a:outerShdw blurRad="57150" dist="38100" dir="5400000" algn="ctr" rotWithShape="0">
-              <a:schemeClr val="phClr">
-                <a:shade val="9000"/>
-                <a:satMod val="105000"/>
-                <a:alpha val="48000"/>
-              </a:schemeClr>
+            <a:outerShdw blurRad="40000" dist="23000" dir="5400000" rotWithShape="0">
+              <a:srgbClr val="000000">
+                <a:alpha val="35000"/>
+              </a:srgbClr>
             </a:outerShdw>
           </a:effectLst>
         </a:effectStyle>
         <a:effectStyle>
           <a:effectLst>
-            <a:outerShdw blurRad="57150" dist="38100" dir="5400000" algn="ctr" rotWithShape="0">
-              <a:schemeClr val="phClr">
-                <a:shade val="9000"/>
-                <a:satMod val="105000"/>
-                <a:alpha val="48000"/>
-              </a:schemeClr>
+            <a:outerShdw blurRad="40000" dist="23000" dir="5400000" rotWithShape="0">
+              <a:srgbClr val="000000">
+                <a:alpha val="35000"/>
+              </a:srgbClr>
             </a:outerShdw>
           </a:effectLst>
           <a:scene3d>
-            <a:camera prst="orthographicFront" fov="0">
+            <a:camera prst="orthographicFront">
               <a:rot lat="0" lon="0" rev="0"/>
             </a:camera>
-            <a:lightRig rig="glow" dir="tl">
-              <a:rot lat="0" lon="0" rev="900000"/>
+            <a:lightRig rig="threePt" dir="t">
+              <a:rot lat="0" lon="0" rev="1200000"/>
             </a:lightRig>
           </a:scene3d>
-          <a:sp3d prstMaterial="powder">
-            <a:bevelT w="25400" h="38100"/>
+          <a:sp3d>
+            <a:bevelT w="63500" h="25400"/>
           </a:sp3d>
         </a:effectStyle>
       </a:effectStyleLst>
@@ -5381,42 +8107,47 @@
           <a:gsLst>
             <a:gs pos="0">
               <a:schemeClr val="phClr">
-                <a:tint val="80000"/>
-                <a:satMod val="400000"/>
+                <a:tint val="40000"/>
+                <a:satMod val="350000"/>
               </a:schemeClr>
             </a:gs>
-            <a:gs pos="25000">
+            <a:gs pos="40000">
               <a:schemeClr val="phClr">
-                <a:tint val="83000"/>
-                <a:satMod val="320000"/>
+                <a:tint val="45000"/>
+                <a:shade val="99000"/>
+                <a:satMod val="350000"/>
               </a:schemeClr>
             </a:gs>
             <a:gs pos="100000">
               <a:schemeClr val="phClr">
-                <a:shade val="15000"/>
-                <a:satMod val="320000"/>
+                <a:shade val="20000"/>
+                <a:satMod val="255000"/>
               </a:schemeClr>
             </a:gs>
           </a:gsLst>
           <a:path path="circle">
-            <a:fillToRect l="10000" t="110000" r="10000" b="100000"/>
+            <a:fillToRect l="50000" t="-80000" r="50000" b="180000"/>
           </a:path>
         </a:gradFill>
-        <a:blipFill>
-          <a:blip xmlns:r="http://schemas.openxmlformats.org/officeDocument/2006/relationships" r:embed="rId1">
-            <a:duotone>
+        <a:gradFill rotWithShape="1">
+          <a:gsLst>
+            <a:gs pos="0">
               <a:schemeClr val="phClr">
-                <a:shade val="90000"/>
-                <a:satMod val="150000"/>
+                <a:tint val="80000"/>
+                <a:satMod val="300000"/>
               </a:schemeClr>
+            </a:gs>
+            <a:gs pos="100000">
               <a:schemeClr val="phClr">
-                <a:tint val="88000"/>
-                <a:satMod val="150000"/>
+                <a:shade val="30000"/>
+                <a:satMod val="200000"/>
               </a:schemeClr>
-            </a:duotone>
-          </a:blip>
-          <a:tile tx="0" ty="0" sx="65000" sy="65000" flip="none" algn="tl"/>
-        </a:blipFill>
+            </a:gs>
+          </a:gsLst>
+          <a:path path="circle">
+            <a:fillToRect l="50000" t="50000" r="50000" b="50000"/>
+          </a:path>
+        </a:gradFill>
       </a:bgFillStyleLst>
     </a:fmtScheme>
   </a:themeElements>

--- a/doc/presentacion/presentacion.pptx
+++ b/doc/presentacion/presentacion.pptx
@@ -207,7 +207,8 @@
           <a:p>
             <a:fld id="{53A9BA33-61B4-4CB5-A056-C0C55B1A2ED8}" type="datetimeFigureOut">
               <a:rPr lang="es-AR" smtClean="0"/>
-              <a:t>05/12/2010</a:t>
+              <a:pPr/>
+              <a:t>06/12/2010</a:t>
             </a:fld>
             <a:endParaRPr lang="es-AR"/>
           </a:p>
@@ -368,7 +369,8 @@
           <a:p>
             <a:fld id="{3BCBAC67-084D-419D-A89D-D7FC2C09E238}" type="slidenum">
               <a:rPr lang="es-AR" smtClean="0"/>
-              <a:t>‹#›</a:t>
+              <a:pPr/>
+              <a:t>‹Nº›</a:t>
             </a:fld>
             <a:endParaRPr lang="es-AR"/>
           </a:p>
@@ -539,6 +541,7 @@
           <a:p>
             <a:fld id="{3BCBAC67-084D-419D-A89D-D7FC2C09E238}" type="slidenum">
               <a:rPr lang="es-AR" smtClean="0"/>
+              <a:pPr/>
               <a:t>3</a:t>
             </a:fld>
             <a:endParaRPr lang="es-AR"/>
@@ -1179,7 +1182,7 @@
             <a:fld id="{47C9B81F-C347-4BEF-BFDF-29C42F48304A}" type="datetimeFigureOut">
               <a:rPr lang="en-US" smtClean="0"/>
               <a:pPr/>
-              <a:t>12/5/2010</a:t>
+              <a:t>12/6/2010</a:t>
             </a:fld>
             <a:endParaRPr lang="en-US" dirty="0">
               <a:solidFill>
@@ -1255,7 +1258,7 @@
             <a:fld id="{042AED99-7FB4-404E-8A97-64753DCE42EC}" type="slidenum">
               <a:rPr kumimoji="0" lang="en-US" smtClean="0"/>
               <a:pPr/>
-              <a:t>‹#›</a:t>
+              <a:t>‹Nº›</a:t>
             </a:fld>
             <a:endParaRPr kumimoji="0" lang="en-US" dirty="0">
               <a:solidFill>
@@ -1396,7 +1399,7 @@
             <a:fld id="{47C9B81F-C347-4BEF-BFDF-29C42F48304A}" type="datetimeFigureOut">
               <a:rPr lang="en-US" smtClean="0"/>
               <a:pPr/>
-              <a:t>12/5/2010</a:t>
+              <a:t>12/6/2010</a:t>
             </a:fld>
             <a:endParaRPr lang="en-US" dirty="0">
               <a:solidFill>
@@ -1456,7 +1459,7 @@
             <a:fld id="{042AED99-7FB4-404E-8A97-64753DCE42EC}" type="slidenum">
               <a:rPr kumimoji="0" lang="en-US" smtClean="0"/>
               <a:pPr/>
-              <a:t>‹#›</a:t>
+              <a:t>‹Nº›</a:t>
             </a:fld>
             <a:endParaRPr kumimoji="0" lang="en-US" dirty="0">
               <a:solidFill>
@@ -1602,7 +1605,7 @@
             <a:fld id="{47C9B81F-C347-4BEF-BFDF-29C42F48304A}" type="datetimeFigureOut">
               <a:rPr lang="en-US" smtClean="0"/>
               <a:pPr/>
-              <a:t>12/5/2010</a:t>
+              <a:t>12/6/2010</a:t>
             </a:fld>
             <a:endParaRPr lang="en-US" dirty="0">
               <a:solidFill>
@@ -1662,7 +1665,7 @@
             <a:fld id="{042AED99-7FB4-404E-8A97-64753DCE42EC}" type="slidenum">
               <a:rPr kumimoji="0" lang="en-US" smtClean="0"/>
               <a:pPr/>
-              <a:t>‹#›</a:t>
+              <a:t>‹Nº›</a:t>
             </a:fld>
             <a:endParaRPr kumimoji="0" lang="en-US" dirty="0">
               <a:solidFill>
@@ -1773,7 +1776,7 @@
             <a:fld id="{47C9B81F-C347-4BEF-BFDF-29C42F48304A}" type="datetimeFigureOut">
               <a:rPr lang="en-US" smtClean="0"/>
               <a:pPr/>
-              <a:t>12/5/2010</a:t>
+              <a:t>12/6/2010</a:t>
             </a:fld>
             <a:endParaRPr lang="en-US" dirty="0">
               <a:solidFill>
@@ -1833,7 +1836,7 @@
             <a:fld id="{042AED99-7FB4-404E-8A97-64753DCE42EC}" type="slidenum">
               <a:rPr kumimoji="0" lang="en-US" smtClean="0"/>
               <a:pPr/>
-              <a:t>‹#›</a:t>
+              <a:t>‹Nº›</a:t>
             </a:fld>
             <a:endParaRPr kumimoji="0" lang="en-US" dirty="0">
               <a:solidFill>
@@ -2049,7 +2052,7 @@
             <a:fld id="{47C9B81F-C347-4BEF-BFDF-29C42F48304A}" type="datetimeFigureOut">
               <a:rPr lang="en-US" smtClean="0"/>
               <a:pPr/>
-              <a:t>12/5/2010</a:t>
+              <a:t>12/6/2010</a:t>
             </a:fld>
             <a:endParaRPr lang="en-US" dirty="0">
               <a:solidFill>
@@ -2109,7 +2112,7 @@
             <a:fld id="{042AED99-7FB4-404E-8A97-64753DCE42EC}" type="slidenum">
               <a:rPr kumimoji="0" lang="en-US" smtClean="0"/>
               <a:pPr/>
-              <a:t>‹#›</a:t>
+              <a:t>‹Nº›</a:t>
             </a:fld>
             <a:endParaRPr kumimoji="0" lang="en-US" dirty="0">
               <a:solidFill>
@@ -2479,7 +2482,7 @@
             <a:fld id="{47C9B81F-C347-4BEF-BFDF-29C42F48304A}" type="datetimeFigureOut">
               <a:rPr lang="en-US" smtClean="0"/>
               <a:pPr/>
-              <a:t>12/5/2010</a:t>
+              <a:t>12/6/2010</a:t>
             </a:fld>
             <a:endParaRPr lang="en-US" dirty="0">
               <a:solidFill>
@@ -2539,7 +2542,7 @@
             <a:fld id="{042AED99-7FB4-404E-8A97-64753DCE42EC}" type="slidenum">
               <a:rPr kumimoji="0" lang="en-US" smtClean="0"/>
               <a:pPr/>
-              <a:t>‹#›</a:t>
+              <a:t>‹Nº›</a:t>
             </a:fld>
             <a:endParaRPr kumimoji="0" lang="en-US" dirty="0">
               <a:solidFill>
@@ -2946,7 +2949,7 @@
             <a:fld id="{47C9B81F-C347-4BEF-BFDF-29C42F48304A}" type="datetimeFigureOut">
               <a:rPr lang="en-US" smtClean="0"/>
               <a:pPr/>
-              <a:t>12/5/2010</a:t>
+              <a:t>12/6/2010</a:t>
             </a:fld>
             <a:endParaRPr lang="en-US" dirty="0">
               <a:solidFill>
@@ -3006,7 +3009,7 @@
             <a:fld id="{042AED99-7FB4-404E-8A97-64753DCE42EC}" type="slidenum">
               <a:rPr kumimoji="0" lang="en-US" smtClean="0"/>
               <a:pPr/>
-              <a:t>‹#›</a:t>
+              <a:t>‹Nº›</a:t>
             </a:fld>
             <a:endParaRPr kumimoji="0" lang="en-US" dirty="0">
               <a:solidFill>
@@ -3068,7 +3071,7 @@
             <a:fld id="{47C9B81F-C347-4BEF-BFDF-29C42F48304A}" type="datetimeFigureOut">
               <a:rPr lang="en-US" smtClean="0"/>
               <a:pPr/>
-              <a:t>12/5/2010</a:t>
+              <a:t>12/6/2010</a:t>
             </a:fld>
             <a:endParaRPr lang="en-US" dirty="0">
               <a:solidFill>
@@ -3128,7 +3131,7 @@
             <a:fld id="{042AED99-7FB4-404E-8A97-64753DCE42EC}" type="slidenum">
               <a:rPr kumimoji="0" lang="en-US" smtClean="0"/>
               <a:pPr/>
-              <a:t>‹#›</a:t>
+              <a:t>‹Nº›</a:t>
             </a:fld>
             <a:endParaRPr kumimoji="0" lang="en-US" dirty="0">
               <a:solidFill>
@@ -3210,7 +3213,7 @@
             <a:fld id="{47C9B81F-C347-4BEF-BFDF-29C42F48304A}" type="datetimeFigureOut">
               <a:rPr lang="en-US" smtClean="0"/>
               <a:pPr/>
-              <a:t>12/5/2010</a:t>
+              <a:t>12/6/2010</a:t>
             </a:fld>
             <a:endParaRPr lang="en-US" dirty="0">
               <a:solidFill>
@@ -3270,7 +3273,7 @@
             <a:fld id="{042AED99-7FB4-404E-8A97-64753DCE42EC}" type="slidenum">
               <a:rPr kumimoji="0" lang="en-US" smtClean="0"/>
               <a:pPr/>
-              <a:t>‹#›</a:t>
+              <a:t>‹Nº›</a:t>
             </a:fld>
             <a:endParaRPr kumimoji="0" lang="en-US" dirty="0">
               <a:solidFill>
@@ -3505,7 +3508,7 @@
             <a:fld id="{47C9B81F-C347-4BEF-BFDF-29C42F48304A}" type="datetimeFigureOut">
               <a:rPr lang="en-US" smtClean="0"/>
               <a:pPr/>
-              <a:t>12/5/2010</a:t>
+              <a:t>12/6/2010</a:t>
             </a:fld>
             <a:endParaRPr lang="en-US" dirty="0">
               <a:solidFill>
@@ -3565,7 +3568,7 @@
             <a:fld id="{042AED99-7FB4-404E-8A97-64753DCE42EC}" type="slidenum">
               <a:rPr kumimoji="0" lang="en-US" smtClean="0"/>
               <a:pPr/>
-              <a:t>‹#›</a:t>
+              <a:t>‹Nº›</a:t>
             </a:fld>
             <a:endParaRPr kumimoji="0" lang="en-US" dirty="0">
               <a:solidFill>
@@ -3731,7 +3734,7 @@
             <a:fld id="{47C9B81F-C347-4BEF-BFDF-29C42F48304A}" type="datetimeFigureOut">
               <a:rPr lang="en-US" smtClean="0"/>
               <a:pPr/>
-              <a:t>12/5/2010</a:t>
+              <a:t>12/6/2010</a:t>
             </a:fld>
             <a:endParaRPr lang="en-US" dirty="0">
               <a:solidFill>
@@ -3810,7 +3813,7 @@
             <a:fld id="{042AED99-7FB4-404E-8A97-64753DCE42EC}" type="slidenum">
               <a:rPr kumimoji="0" lang="en-US" smtClean="0"/>
               <a:pPr/>
-              <a:t>‹#›</a:t>
+              <a:t>‹Nº›</a:t>
             </a:fld>
             <a:endParaRPr kumimoji="0" lang="en-US" dirty="0">
               <a:solidFill>
@@ -4861,7 +4864,7 @@
             <a:fld id="{47C9B81F-C347-4BEF-BFDF-29C42F48304A}" type="datetimeFigureOut">
               <a:rPr lang="en-US" smtClean="0"/>
               <a:pPr/>
-              <a:t>12/5/2010</a:t>
+              <a:t>12/6/2010</a:t>
             </a:fld>
             <a:endParaRPr lang="en-US" dirty="0">
               <a:solidFill>
@@ -4951,7 +4954,7 @@
             <a:fld id="{042AED99-7FB4-404E-8A97-64753DCE42EC}" type="slidenum">
               <a:rPr kumimoji="0" lang="en-US" smtClean="0"/>
               <a:pPr/>
-              <a:t>‹#›</a:t>
+              <a:t>‹Nº›</a:t>
             </a:fld>
             <a:endParaRPr kumimoji="0" lang="en-US" dirty="0">
               <a:solidFill>
@@ -5526,6 +5529,13 @@
   <p:clrMapOvr>
     <a:masterClrMapping/>
   </p:clrMapOvr>
+  <p:timing>
+    <p:tnLst>
+      <p:par>
+        <p:cTn id="1" dur="indefinite" restart="never" nodeType="tmRoot"/>
+      </p:par>
+    </p:tnLst>
+  </p:timing>
 </p:sld>
 </file>
 
@@ -5603,6 +5613,13 @@
   <p:clrMapOvr>
     <a:masterClrMapping/>
   </p:clrMapOvr>
+  <p:timing>
+    <p:tnLst>
+      <p:par>
+        <p:cTn id="1" dur="indefinite" restart="never" nodeType="tmRoot"/>
+      </p:par>
+    </p:tnLst>
+  </p:timing>
 </p:sld>
 </file>
 
@@ -5653,11 +5670,7 @@
           <a:p>
             <a:r>
               <a:rPr lang="es-ES" dirty="0" smtClean="0"/>
-              <a:t>Ejemplos</a:t>
-            </a:r>
-            <a:r>
-              <a:rPr lang="es-ES" dirty="0" smtClean="0"/>
-              <a:t>?</a:t>
+              <a:t>Ejemplos?</a:t>
             </a:r>
           </a:p>
           <a:p>
@@ -5714,6 +5727,13 @@
   <p:clrMapOvr>
     <a:masterClrMapping/>
   </p:clrMapOvr>
+  <p:timing>
+    <p:tnLst>
+      <p:par>
+        <p:cTn id="1" dur="indefinite" restart="never" nodeType="tmRoot"/>
+      </p:par>
+    </p:tnLst>
+  </p:timing>
 </p:sld>
 </file>
 
@@ -5793,11 +5813,7 @@
           <a:p>
             <a:r>
               <a:rPr lang="es-ES" dirty="0" smtClean="0"/>
-              <a:t>Decir como resulto</a:t>
-            </a:r>
-            <a:r>
-              <a:rPr lang="es-ES" dirty="0" smtClean="0"/>
-              <a:t>.</a:t>
+              <a:t>Decir como resulto.</a:t>
             </a:r>
           </a:p>
           <a:p>
@@ -5843,6 +5859,13 @@
   <p:clrMapOvr>
     <a:masterClrMapping/>
   </p:clrMapOvr>
+  <p:timing>
+    <p:tnLst>
+      <p:par>
+        <p:cTn id="1" dur="indefinite" restart="never" nodeType="tmRoot"/>
+      </p:par>
+    </p:tnLst>
+  </p:timing>
 </p:sld>
 </file>
 
@@ -5888,11 +5911,7 @@
             </a:r>
             <a:r>
               <a:rPr lang="es-ES" dirty="0" smtClean="0"/>
-              <a:t> del eclipse con </a:t>
-            </a:r>
-            <a:r>
-              <a:rPr lang="es-ES" dirty="0" smtClean="0"/>
-              <a:t>PE</a:t>
+              <a:t> del eclipse con PE</a:t>
             </a:r>
           </a:p>
           <a:p>
@@ -5935,6 +5954,13 @@
   <p:clrMapOvr>
     <a:masterClrMapping/>
   </p:clrMapOvr>
+  <p:timing>
+    <p:tnLst>
+      <p:par>
+        <p:cTn id="1" dur="indefinite" restart="never" nodeType="tmRoot"/>
+      </p:par>
+    </p:tnLst>
+  </p:timing>
 </p:sld>
 </file>
 
@@ -5972,15 +5998,7 @@
           <a:p>
             <a:r>
               <a:rPr lang="es-ES" dirty="0" smtClean="0"/>
-              <a:t>Esquema de </a:t>
-            </a:r>
-            <a:r>
-              <a:rPr lang="es-ES" dirty="0" smtClean="0"/>
-              <a:t>autenticación y autorización</a:t>
-            </a:r>
-            <a:r>
-              <a:rPr lang="es-ES" dirty="0" smtClean="0"/>
-              <a:t>.</a:t>
+              <a:t>Esquema de autenticación y autorización.</a:t>
             </a:r>
           </a:p>
           <a:p>
@@ -6061,6 +6079,13 @@
   <p:clrMapOvr>
     <a:masterClrMapping/>
   </p:clrMapOvr>
+  <p:timing>
+    <p:tnLst>
+      <p:par>
+        <p:cTn id="1" dur="indefinite" restart="never" nodeType="tmRoot"/>
+      </p:par>
+    </p:tnLst>
+  </p:timing>
 </p:sld>
 </file>
 
@@ -6118,11 +6143,7 @@
           <a:p>
             <a:r>
               <a:rPr lang="es-ES" dirty="0" smtClean="0"/>
-              <a:t>La colaboración en tiempo real permite  interactuar  a un grupo de trabajo  de forma simple y coordinada  acelerando, enriqueciendo y haciendo mas productivo su trabajo</a:t>
-            </a:r>
-            <a:r>
-              <a:rPr lang="es-ES" dirty="0" smtClean="0"/>
-              <a:t>.</a:t>
+              <a:t>La colaboración en tiempo real permite  interactuar  a un grupo de trabajo  de forma simple y coordinada  acelerando, enriqueciendo y haciendo mas productivo su trabajo.</a:t>
             </a:r>
           </a:p>
           <a:p>
@@ -6169,6 +6190,13 @@
   <p:clrMapOvr>
     <a:masterClrMapping/>
   </p:clrMapOvr>
+  <p:timing>
+    <p:tnLst>
+      <p:par>
+        <p:cTn id="1" dur="indefinite" restart="never" nodeType="tmRoot"/>
+      </p:par>
+    </p:tnLst>
+  </p:timing>
 </p:sld>
 </file>
 
@@ -6199,27 +6227,164 @@
             <p:ph idx="1"/>
           </p:nvPr>
         </p:nvSpPr>
-        <p:spPr/>
-        <p:txBody>
-          <a:bodyPr/>
+        <p:spPr>
+          <a:xfrm>
+            <a:off x="1214414" y="1357298"/>
+            <a:ext cx="7000924" cy="5090944"/>
+          </a:xfrm>
+        </p:spPr>
+        <p:txBody>
+          <a:bodyPr>
+            <a:normAutofit lnSpcReduction="10000"/>
+          </a:bodyPr>
           <a:lstStyle/>
           <a:p>
             <a:r>
               <a:rPr lang="en-US" dirty="0" err="1" smtClean="0"/>
-              <a:t>Primero</a:t>
+              <a:t>Introduccion</a:t>
             </a:r>
             <a:endParaRPr lang="en-US" dirty="0" smtClean="0"/>
           </a:p>
           <a:p>
+            <a:pPr lvl="1"/>
+            <a:r>
+              <a:rPr lang="en-US" dirty="0" err="1" smtClean="0"/>
+              <a:t>Motivación</a:t>
+            </a:r>
+            <a:endParaRPr lang="en-US" dirty="0" smtClean="0"/>
+          </a:p>
+          <a:p>
+            <a:pPr lvl="1"/>
+            <a:r>
+              <a:rPr lang="en-US" dirty="0" err="1" smtClean="0"/>
+              <a:t>Escenario</a:t>
+            </a:r>
+            <a:endParaRPr lang="en-US" dirty="0" smtClean="0"/>
+          </a:p>
+          <a:p>
+            <a:pPr lvl="1"/>
+            <a:r>
+              <a:rPr lang="en-US" dirty="0" err="1" smtClean="0"/>
+              <a:t>Problema</a:t>
+            </a:r>
             <a:r>
               <a:rPr lang="en-US" dirty="0" smtClean="0"/>
-              <a:t>Segundo</a:t>
-            </a:r>
-          </a:p>
-          <a:p>
+              <a:t> a resolver</a:t>
+            </a:r>
+          </a:p>
+          <a:p>
+            <a:pPr lvl="1"/>
             <a:r>
               <a:rPr lang="en-US" dirty="0" err="1" smtClean="0"/>
-              <a:t>Tercero</a:t>
+              <a:t>Soluciones</a:t>
+            </a:r>
+            <a:r>
+              <a:rPr lang="en-US" dirty="0" smtClean="0"/>
+              <a:t> </a:t>
+            </a:r>
+            <a:r>
+              <a:rPr lang="en-US" dirty="0" err="1" smtClean="0"/>
+              <a:t>existentes</a:t>
+            </a:r>
+            <a:endParaRPr lang="en-US" dirty="0" smtClean="0"/>
+          </a:p>
+          <a:p>
+            <a:r>
+              <a:rPr lang="en-US" dirty="0" err="1" smtClean="0"/>
+              <a:t>Solución</a:t>
+            </a:r>
+            <a:r>
+              <a:rPr lang="en-US" dirty="0" smtClean="0"/>
+              <a:t> </a:t>
+            </a:r>
+            <a:r>
+              <a:rPr lang="en-US" dirty="0" err="1" smtClean="0"/>
+              <a:t>propuesta</a:t>
+            </a:r>
+            <a:endParaRPr lang="en-US" dirty="0" smtClean="0"/>
+          </a:p>
+          <a:p>
+            <a:pPr lvl="1"/>
+            <a:r>
+              <a:rPr lang="en-US" dirty="0" err="1" smtClean="0"/>
+              <a:t>Búsqueda</a:t>
+            </a:r>
+            <a:r>
+              <a:rPr lang="en-US" dirty="0" smtClean="0"/>
+              <a:t> de la </a:t>
+            </a:r>
+            <a:r>
+              <a:rPr lang="en-US" dirty="0" err="1" smtClean="0"/>
+              <a:t>solución</a:t>
+            </a:r>
+            <a:endParaRPr lang="en-US" dirty="0" smtClean="0"/>
+          </a:p>
+          <a:p>
+            <a:pPr lvl="1"/>
+            <a:r>
+              <a:rPr lang="en-US" dirty="0" err="1" smtClean="0"/>
+              <a:t>Tecnologìas</a:t>
+            </a:r>
+            <a:r>
+              <a:rPr lang="en-US" dirty="0" smtClean="0"/>
+              <a:t> </a:t>
+            </a:r>
+            <a:r>
+              <a:rPr lang="en-US" dirty="0" err="1" smtClean="0"/>
+              <a:t>utilizadas</a:t>
+            </a:r>
+            <a:endParaRPr lang="en-US" dirty="0" smtClean="0"/>
+          </a:p>
+          <a:p>
+            <a:pPr lvl="1"/>
+            <a:r>
+              <a:rPr lang="en-US" dirty="0" err="1" smtClean="0"/>
+              <a:t>Arquitectura</a:t>
+            </a:r>
+            <a:r>
+              <a:rPr lang="en-US" dirty="0" smtClean="0"/>
+              <a:t> de la </a:t>
+            </a:r>
+            <a:r>
+              <a:rPr lang="en-US" dirty="0" err="1" smtClean="0"/>
+              <a:t>solución</a:t>
+            </a:r>
+            <a:endParaRPr lang="en-US" dirty="0" smtClean="0"/>
+          </a:p>
+          <a:p>
+            <a:r>
+              <a:rPr lang="en-US" dirty="0" smtClean="0"/>
+              <a:t>Demo en vivo</a:t>
+            </a:r>
+          </a:p>
+          <a:p>
+            <a:r>
+              <a:rPr lang="en-US" dirty="0" err="1" smtClean="0"/>
+              <a:t>Cierre</a:t>
+            </a:r>
+            <a:endParaRPr lang="en-US" dirty="0" smtClean="0"/>
+          </a:p>
+          <a:p>
+            <a:pPr lvl="1"/>
+            <a:r>
+              <a:rPr lang="en-US" dirty="0" err="1" smtClean="0"/>
+              <a:t>Posibles</a:t>
+            </a:r>
+            <a:r>
+              <a:rPr lang="en-US" dirty="0" smtClean="0"/>
+              <a:t> </a:t>
+            </a:r>
+            <a:r>
+              <a:rPr lang="en-US" dirty="0" err="1" smtClean="0"/>
+              <a:t>mejoras</a:t>
+            </a:r>
+            <a:endParaRPr lang="en-US" dirty="0" smtClean="0"/>
+          </a:p>
+          <a:p>
+            <a:pPr lvl="1"/>
+            <a:r>
+              <a:rPr lang="en-US" dirty="0" err="1" smtClean="0"/>
+              <a:t>Conclusiones</a:t>
             </a:r>
             <a:endParaRPr lang="en-US" dirty="0" smtClean="0"/>
           </a:p>
@@ -6268,8 +6433,8 @@
         </p:blipFill>
         <p:spPr bwMode="auto">
           <a:xfrm>
-            <a:off x="7935943" y="142852"/>
-            <a:ext cx="993775" cy="1096962"/>
+            <a:off x="5786446" y="1571612"/>
+            <a:ext cx="2500330" cy="2759948"/>
           </a:xfrm>
           <a:prstGeom prst="rect">
             <a:avLst/>
@@ -6840,14 +7005,7 @@
                   <a:latin typeface="Courier New" pitchFamily="49" charset="0"/>
                   <a:cs typeface="Courier New" pitchFamily="49" charset="0"/>
                 </a:rPr>
-                <a:t> </a:t>
-              </a:r>
-              <a:r>
-                <a:rPr lang="en-US" sz="1400" dirty="0" smtClean="0">
-                  <a:latin typeface="Courier New" pitchFamily="49" charset="0"/>
-                  <a:cs typeface="Courier New" pitchFamily="49" charset="0"/>
-                </a:rPr>
-                <a:t> // </a:t>
+                <a:t>  // </a:t>
               </a:r>
               <a:r>
                 <a:rPr lang="en-US" sz="1400" dirty="0" err="1" smtClean="0">
@@ -6922,11 +7080,7 @@
           <a:p>
             <a:r>
               <a:rPr lang="en-US" b="1" dirty="0" err="1" smtClean="0"/>
-              <a:t>u</a:t>
-            </a:r>
-            <a:r>
-              <a:rPr lang="en-US" b="1" dirty="0" err="1" smtClean="0"/>
-              <a:t>bicación</a:t>
+              <a:t>ubicación</a:t>
             </a:r>
             <a:r>
               <a:rPr lang="en-US" b="1" dirty="0" smtClean="0"/>
@@ -6960,11 +7114,7 @@
           <a:p>
             <a:r>
               <a:rPr lang="en-US" b="1" dirty="0" err="1" smtClean="0"/>
-              <a:t>u</a:t>
-            </a:r>
-            <a:r>
-              <a:rPr lang="en-US" b="1" dirty="0" err="1" smtClean="0"/>
-              <a:t>bicación</a:t>
+              <a:t>ubicación</a:t>
             </a:r>
             <a:r>
               <a:rPr lang="en-US" b="1" dirty="0" smtClean="0"/>
@@ -7089,14 +7239,7 @@
                   <a:latin typeface="Courier New" pitchFamily="49" charset="0"/>
                   <a:cs typeface="Courier New" pitchFamily="49" charset="0"/>
                 </a:rPr>
-                <a:t> </a:t>
-              </a:r>
-              <a:r>
-                <a:rPr lang="en-US" sz="1400" dirty="0" smtClean="0">
-                  <a:latin typeface="Courier New" pitchFamily="49" charset="0"/>
-                  <a:cs typeface="Courier New" pitchFamily="49" charset="0"/>
-                </a:rPr>
-                <a:t> // </a:t>
+                <a:t>  // </a:t>
               </a:r>
               <a:r>
                 <a:rPr lang="en-US" sz="1400" dirty="0" err="1" smtClean="0">
@@ -7245,11 +7388,7 @@
           <a:p>
             <a:r>
               <a:rPr lang="es-ES" dirty="0" smtClean="0"/>
-              <a:t>Problemas </a:t>
-            </a:r>
-            <a:r>
-              <a:rPr lang="es-ES" dirty="0" smtClean="0"/>
-              <a:t>a Resolver</a:t>
+              <a:t>Problemas a Resolver</a:t>
             </a:r>
             <a:endParaRPr lang="es-ES" dirty="0"/>
           </a:p>
@@ -7311,14 +7450,343 @@
           <a:chExt cx="0" cy="0"/>
         </a:xfrm>
       </p:grpSpPr>
-      <p:sp>
-        <p:nvSpPr>
-          <p:cNvPr id="3" name="2 Marcador de contenido"/>
-          <p:cNvSpPr>
-            <a:spLocks noGrp="1"/>
-          </p:cNvSpPr>
+      <p:graphicFrame>
+        <p:nvGraphicFramePr>
+          <p:cNvPr id="4" name="3 Marcador de contenido"/>
+          <p:cNvGraphicFramePr>
+            <a:graphicFrameLocks noGrp="1"/>
+          </p:cNvGraphicFramePr>
           <p:nvPr>
             <p:ph idx="1"/>
+          </p:nvPr>
+        </p:nvGraphicFramePr>
+        <p:xfrm>
+          <a:off x="457200" y="1214422"/>
+          <a:ext cx="8229600" cy="4851400"/>
+        </p:xfrm>
+        <a:graphic>
+          <a:graphicData uri="http://schemas.openxmlformats.org/drawingml/2006/table">
+            <a:tbl>
+              <a:tblPr firstRow="1" bandRow="1">
+                <a:tableStyleId>{5C22544A-7EE6-4342-B048-85BDC9FD1C3A}</a:tableStyleId>
+              </a:tblPr>
+              <a:tblGrid>
+                <a:gridCol w="2743200"/>
+                <a:gridCol w="2743200"/>
+                <a:gridCol w="2743200"/>
+              </a:tblGrid>
+              <a:tr h="370840">
+                <a:tc>
+                  <a:txBody>
+                    <a:bodyPr/>
+                    <a:lstStyle/>
+                    <a:p>
+                      <a:r>
+                        <a:rPr lang="es-ES" dirty="0" smtClean="0"/>
+                        <a:t>Solución</a:t>
+                      </a:r>
+                      <a:endParaRPr lang="es-ES" dirty="0"/>
+                    </a:p>
+                  </a:txBody>
+                  <a:tcPr/>
+                </a:tc>
+                <a:tc>
+                  <a:txBody>
+                    <a:bodyPr/>
+                    <a:lstStyle/>
+                    <a:p>
+                      <a:r>
+                        <a:rPr lang="es-ES" dirty="0" smtClean="0"/>
+                        <a:t>Características</a:t>
+                      </a:r>
+                      <a:endParaRPr lang="es-ES" dirty="0"/>
+                    </a:p>
+                  </a:txBody>
+                  <a:tcPr/>
+                </a:tc>
+                <a:tc>
+                  <a:txBody>
+                    <a:bodyPr/>
+                    <a:lstStyle/>
+                    <a:p>
+                      <a:r>
+                        <a:rPr lang="es-ES" dirty="0" smtClean="0"/>
+                        <a:t>Comparativa</a:t>
+                      </a:r>
+                      <a:endParaRPr lang="es-ES" dirty="0"/>
+                    </a:p>
+                  </a:txBody>
+                  <a:tcPr/>
+                </a:tc>
+              </a:tr>
+              <a:tr h="370840">
+                <a:tc>
+                  <a:txBody>
+                    <a:bodyPr/>
+                    <a:lstStyle/>
+                    <a:p>
+                      <a:r>
+                        <a:rPr lang="es-ES" dirty="0" smtClean="0"/>
+                        <a:t>Google </a:t>
+                      </a:r>
+                      <a:r>
+                        <a:rPr lang="es-ES" dirty="0" err="1" smtClean="0"/>
+                        <a:t>Docs</a:t>
+                      </a:r>
+                      <a:endParaRPr lang="es-ES" dirty="0"/>
+                    </a:p>
+                  </a:txBody>
+                  <a:tcPr/>
+                </a:tc>
+                <a:tc>
+                  <a:txBody>
+                    <a:bodyPr/>
+                    <a:lstStyle/>
+                    <a:p>
+                      <a:r>
+                        <a:rPr lang="es-ES" dirty="0" smtClean="0"/>
+                        <a:t>Edición</a:t>
+                      </a:r>
+                      <a:r>
+                        <a:rPr lang="es-ES" baseline="0" dirty="0" smtClean="0"/>
+                        <a:t> de </a:t>
+                      </a:r>
+                      <a:r>
+                        <a:rPr lang="es-ES" baseline="0" dirty="0" err="1" smtClean="0"/>
+                        <a:t>docs</a:t>
+                      </a:r>
+                      <a:r>
+                        <a:rPr lang="es-ES" baseline="0" dirty="0" smtClean="0"/>
+                        <a:t> en tiempo real desde un navegador.</a:t>
+                      </a:r>
+                      <a:endParaRPr lang="es-ES" dirty="0"/>
+                    </a:p>
+                  </a:txBody>
+                  <a:tcPr/>
+                </a:tc>
+                <a:tc>
+                  <a:txBody>
+                    <a:bodyPr/>
+                    <a:lstStyle/>
+                    <a:p>
+                      <a:r>
+                        <a:rPr lang="es-ES" dirty="0" smtClean="0"/>
+                        <a:t>Solo utilizable a través</a:t>
+                      </a:r>
+                      <a:r>
+                        <a:rPr lang="es-ES" baseline="0" dirty="0" smtClean="0"/>
+                        <a:t> de un browser. Código fuente cerrado.</a:t>
+                      </a:r>
+                      <a:endParaRPr lang="es-ES" dirty="0"/>
+                    </a:p>
+                  </a:txBody>
+                  <a:tcPr/>
+                </a:tc>
+              </a:tr>
+              <a:tr h="370840">
+                <a:tc>
+                  <a:txBody>
+                    <a:bodyPr/>
+                    <a:lstStyle/>
+                    <a:p>
+                      <a:r>
+                        <a:rPr lang="es-ES" dirty="0" smtClean="0"/>
+                        <a:t>Google Wave</a:t>
+                      </a:r>
+                      <a:endParaRPr lang="es-ES" dirty="0"/>
+                    </a:p>
+                  </a:txBody>
+                  <a:tcPr/>
+                </a:tc>
+                <a:tc>
+                  <a:txBody>
+                    <a:bodyPr/>
+                    <a:lstStyle/>
+                    <a:p>
+                      <a:r>
+                        <a:rPr lang="es-ES" dirty="0" smtClean="0"/>
+                        <a:t>Comunicación</a:t>
+                      </a:r>
+                      <a:r>
+                        <a:rPr lang="es-ES" baseline="0" dirty="0" smtClean="0"/>
+                        <a:t> y colaboración en tiempo real.</a:t>
+                      </a:r>
+                      <a:endParaRPr lang="es-ES" dirty="0"/>
+                    </a:p>
+                  </a:txBody>
+                  <a:tcPr/>
+                </a:tc>
+                <a:tc>
+                  <a:txBody>
+                    <a:bodyPr/>
+                    <a:lstStyle/>
+                    <a:p>
+                      <a:r>
+                        <a:rPr lang="es-ES" dirty="0" smtClean="0"/>
+                        <a:t>Ídem</a:t>
+                      </a:r>
+                      <a:r>
+                        <a:rPr lang="es-ES" baseline="0" dirty="0" smtClean="0"/>
+                        <a:t> Google </a:t>
+                      </a:r>
+                      <a:r>
+                        <a:rPr lang="es-ES" baseline="0" dirty="0" err="1" smtClean="0"/>
+                        <a:t>Docs</a:t>
+                      </a:r>
+                      <a:r>
+                        <a:rPr lang="es-ES" baseline="0" dirty="0" smtClean="0"/>
+                        <a:t>. El proyecto ha sido abandonado.</a:t>
+                      </a:r>
+                      <a:endParaRPr lang="es-ES" dirty="0"/>
+                    </a:p>
+                  </a:txBody>
+                  <a:tcPr/>
+                </a:tc>
+              </a:tr>
+              <a:tr h="370840">
+                <a:tc>
+                  <a:txBody>
+                    <a:bodyPr/>
+                    <a:lstStyle/>
+                    <a:p>
+                      <a:r>
+                        <a:rPr lang="es-ES" dirty="0" smtClean="0"/>
+                        <a:t>COLA (ECF)</a:t>
+                      </a:r>
+                      <a:endParaRPr lang="es-ES" dirty="0"/>
+                    </a:p>
+                  </a:txBody>
+                  <a:tcPr/>
+                </a:tc>
+                <a:tc>
+                  <a:txBody>
+                    <a:bodyPr/>
+                    <a:lstStyle/>
+                    <a:p>
+                      <a:r>
+                        <a:rPr lang="es-ES" dirty="0" smtClean="0"/>
+                        <a:t>Integración</a:t>
+                      </a:r>
+                      <a:r>
+                        <a:rPr lang="es-ES" baseline="0" dirty="0" smtClean="0"/>
+                        <a:t> con Eclipse para colaboración en tiempo real de código fuente.</a:t>
+                      </a:r>
+                      <a:endParaRPr lang="es-ES" dirty="0"/>
+                    </a:p>
+                  </a:txBody>
+                  <a:tcPr/>
+                </a:tc>
+                <a:tc>
+                  <a:txBody>
+                    <a:bodyPr/>
+                    <a:lstStyle/>
+                    <a:p>
+                      <a:r>
+                        <a:rPr lang="es-ES" dirty="0" smtClean="0"/>
+                        <a:t>Máximo</a:t>
+                      </a:r>
+                      <a:r>
+                        <a:rPr lang="es-ES" baseline="0" dirty="0" smtClean="0"/>
+                        <a:t> dos  usuarios en una sesión de edición. Depende del proyecto ECF.</a:t>
+                      </a:r>
+                      <a:endParaRPr lang="es-ES" dirty="0"/>
+                    </a:p>
+                  </a:txBody>
+                  <a:tcPr/>
+                </a:tc>
+              </a:tr>
+              <a:tr h="370840">
+                <a:tc>
+                  <a:txBody>
+                    <a:bodyPr/>
+                    <a:lstStyle/>
+                    <a:p>
+                      <a:r>
+                        <a:rPr lang="es-ES" dirty="0" err="1" smtClean="0"/>
+                        <a:t>BeWeeVee</a:t>
+                      </a:r>
+                      <a:endParaRPr lang="es-ES" dirty="0"/>
+                    </a:p>
+                  </a:txBody>
+                  <a:tcPr/>
+                </a:tc>
+                <a:tc>
+                  <a:txBody>
+                    <a:bodyPr/>
+                    <a:lstStyle/>
+                    <a:p>
+                      <a:r>
+                        <a:rPr lang="es-ES" dirty="0" err="1" smtClean="0"/>
+                        <a:t>Framwork</a:t>
+                      </a:r>
+                      <a:r>
+                        <a:rPr lang="es-ES" baseline="0" dirty="0" smtClean="0"/>
+                        <a:t> para integración de funcionalidad de </a:t>
+                      </a:r>
+                      <a:r>
+                        <a:rPr lang="es-ES" baseline="0" dirty="0" err="1" smtClean="0"/>
+                        <a:t>colaboracion</a:t>
+                      </a:r>
+                      <a:r>
+                        <a:rPr lang="es-ES" baseline="0" dirty="0" smtClean="0"/>
+                        <a:t> en tiempo real para </a:t>
+                      </a:r>
+                      <a:r>
+                        <a:rPr lang="es-ES" baseline="0" dirty="0" err="1" smtClean="0"/>
+                        <a:t>.Net</a:t>
+                      </a:r>
+                      <a:r>
+                        <a:rPr lang="es-ES" baseline="0" dirty="0" smtClean="0"/>
+                        <a:t>.</a:t>
+                      </a:r>
+                      <a:endParaRPr lang="es-ES" dirty="0"/>
+                    </a:p>
+                  </a:txBody>
+                  <a:tcPr/>
+                </a:tc>
+                <a:tc>
+                  <a:txBody>
+                    <a:bodyPr/>
+                    <a:lstStyle/>
+                    <a:p>
+                      <a:r>
+                        <a:rPr lang="es-ES" dirty="0" smtClean="0"/>
+                        <a:t>Código</a:t>
+                      </a:r>
+                      <a:r>
+                        <a:rPr lang="es-ES" baseline="0" dirty="0" smtClean="0"/>
+                        <a:t> fuente </a:t>
+                      </a:r>
+                      <a:r>
+                        <a:rPr lang="es-ES" baseline="0" dirty="0" err="1" smtClean="0"/>
+                        <a:t>cerrrado</a:t>
+                      </a:r>
+                      <a:r>
+                        <a:rPr lang="es-ES" baseline="0" dirty="0" smtClean="0"/>
+                        <a:t>. Está desarrollado sólo para la plataforma </a:t>
+                      </a:r>
+                      <a:r>
+                        <a:rPr lang="es-ES" baseline="0" dirty="0" err="1" smtClean="0"/>
+                        <a:t>.Net</a:t>
+                      </a:r>
+                      <a:endParaRPr lang="es-ES" dirty="0"/>
+                    </a:p>
+                  </a:txBody>
+                  <a:tcPr/>
+                </a:tc>
+              </a:tr>
+            </a:tbl>
+          </a:graphicData>
+        </a:graphic>
+      </p:graphicFrame>
+      <p:sp>
+        <p:nvSpPr>
+          <p:cNvPr id="2" name="1 Título"/>
+          <p:cNvSpPr>
+            <a:spLocks noGrp="1"/>
+          </p:cNvSpPr>
+          <p:nvPr>
+            <p:ph type="title"/>
           </p:nvPr>
         </p:nvSpPr>
         <p:spPr/>
@@ -7328,40 +7796,96 @@
           <a:p>
             <a:r>
               <a:rPr lang="es-ES" dirty="0" smtClean="0"/>
-              <a:t>Poner  acá el cuadrito comparativo</a:t>
+              <a:t>Otras soluciones similares</a:t>
             </a:r>
             <a:endParaRPr lang="es-ES" dirty="0"/>
           </a:p>
         </p:txBody>
       </p:sp>
-      <p:sp>
-        <p:nvSpPr>
-          <p:cNvPr id="2" name="1 Título"/>
-          <p:cNvSpPr>
-            <a:spLocks noGrp="1"/>
-          </p:cNvSpPr>
-          <p:nvPr>
-            <p:ph type="title"/>
-          </p:nvPr>
-        </p:nvSpPr>
-        <p:spPr/>
-        <p:txBody>
-          <a:bodyPr/>
-          <a:lstStyle/>
-          <a:p>
-            <a:r>
-              <a:rPr lang="es-ES" dirty="0" smtClean="0"/>
-              <a:t>Otras soluciones similares</a:t>
-            </a:r>
-            <a:endParaRPr lang="es-ES" dirty="0"/>
-          </a:p>
-        </p:txBody>
-      </p:sp>
+      <p:pic>
+        <p:nvPicPr>
+          <p:cNvPr id="5" name="4 Imagen" descr="googledocs.bmp"/>
+          <p:cNvPicPr>
+            <a:picLocks noChangeAspect="1"/>
+          </p:cNvPicPr>
+          <p:nvPr/>
+        </p:nvPicPr>
+        <p:blipFill>
+          <a:blip r:embed="rId2"/>
+          <a:stretch>
+            <a:fillRect/>
+          </a:stretch>
+        </p:blipFill>
+        <p:spPr>
+          <a:xfrm>
+            <a:off x="2143108" y="1643050"/>
+            <a:ext cx="942975" cy="895350"/>
+          </a:xfrm>
+          <a:prstGeom prst="rect">
+            <a:avLst/>
+          </a:prstGeom>
+        </p:spPr>
+      </p:pic>
+      <p:pic>
+        <p:nvPicPr>
+          <p:cNvPr id="6" name="5 Imagen" descr="googlewave.bmp"/>
+          <p:cNvPicPr>
+            <a:picLocks noChangeAspect="1"/>
+          </p:cNvPicPr>
+          <p:nvPr/>
+        </p:nvPicPr>
+        <p:blipFill>
+          <a:blip r:embed="rId3"/>
+          <a:stretch>
+            <a:fillRect/>
+          </a:stretch>
+        </p:blipFill>
+        <p:spPr>
+          <a:xfrm>
+            <a:off x="2143108" y="2500306"/>
+            <a:ext cx="914400" cy="895350"/>
+          </a:xfrm>
+          <a:prstGeom prst="rect">
+            <a:avLst/>
+          </a:prstGeom>
+        </p:spPr>
+      </p:pic>
+      <p:pic>
+        <p:nvPicPr>
+          <p:cNvPr id="7" name="6 Imagen" descr="beweevee.jpg"/>
+          <p:cNvPicPr>
+            <a:picLocks noChangeAspect="1"/>
+          </p:cNvPicPr>
+          <p:nvPr/>
+        </p:nvPicPr>
+        <p:blipFill>
+          <a:blip r:embed="rId4"/>
+          <a:stretch>
+            <a:fillRect/>
+          </a:stretch>
+        </p:blipFill>
+        <p:spPr>
+          <a:xfrm>
+            <a:off x="785786" y="5072074"/>
+            <a:ext cx="1428760" cy="727859"/>
+          </a:xfrm>
+          <a:prstGeom prst="rect">
+            <a:avLst/>
+          </a:prstGeom>
+        </p:spPr>
+      </p:pic>
     </p:spTree>
   </p:cSld>
   <p:clrMapOvr>
     <a:masterClrMapping/>
   </p:clrMapOvr>
+  <p:timing>
+    <p:tnLst>
+      <p:par>
+        <p:cTn id="1" dur="indefinite" restart="never" nodeType="tmRoot"/>
+      </p:par>
+    </p:tnLst>
+  </p:timing>
 </p:sld>
 </file>
 
@@ -7397,7 +7921,7 @@
           <a:bodyPr/>
           <a:lstStyle/>
           <a:p>
-            <a:endParaRPr lang="es-ES"/>
+            <a:endParaRPr lang="es-ES" dirty="0"/>
           </a:p>
         </p:txBody>
       </p:sp>
@@ -7429,6 +7953,13 @@
   <p:clrMapOvr>
     <a:masterClrMapping/>
   </p:clrMapOvr>
+  <p:timing>
+    <p:tnLst>
+      <p:par>
+        <p:cTn id="1" dur="indefinite" restart="never" nodeType="tmRoot"/>
+      </p:par>
+    </p:tnLst>
+  </p:timing>
 </p:sld>
 </file>
 
@@ -7498,6 +8029,13 @@
   <p:clrMapOvr>
     <a:masterClrMapping/>
   </p:clrMapOvr>
+  <p:timing>
+    <p:tnLst>
+      <p:par>
+        <p:cTn id="1" dur="indefinite" restart="never" nodeType="tmRoot"/>
+      </p:par>
+    </p:tnLst>
+  </p:timing>
 </p:sld>
 </file>
 
@@ -7585,6 +8123,13 @@
   <p:clrMapOvr>
     <a:masterClrMapping/>
   </p:clrMapOvr>
+  <p:timing>
+    <p:tnLst>
+      <p:par>
+        <p:cTn id="1" dur="indefinite" restart="never" nodeType="tmRoot"/>
+      </p:par>
+    </p:tnLst>
+  </p:timing>
 </p:sld>
 </file>
 

--- a/doc/presentacion/presentacion.pptx
+++ b/doc/presentacion/presentacion.pptx
@@ -5,7 +5,7 @@
     <p:sldMasterId id="2147483672" r:id="rId1"/>
   </p:sldMasterIdLst>
   <p:notesMasterIdLst>
-    <p:notesMasterId r:id="rId18"/>
+    <p:notesMasterId r:id="rId19"/>
   </p:notesMasterIdLst>
   <p:sldIdLst>
     <p:sldId id="256" r:id="rId2"/>
@@ -15,15 +15,16 @@
     <p:sldId id="271" r:id="rId6"/>
     <p:sldId id="258" r:id="rId7"/>
     <p:sldId id="260" r:id="rId8"/>
-    <p:sldId id="261" r:id="rId9"/>
-    <p:sldId id="262" r:id="rId10"/>
-    <p:sldId id="263" r:id="rId11"/>
-    <p:sldId id="265" r:id="rId12"/>
-    <p:sldId id="264" r:id="rId13"/>
-    <p:sldId id="266" r:id="rId14"/>
-    <p:sldId id="269" r:id="rId15"/>
-    <p:sldId id="267" r:id="rId16"/>
-    <p:sldId id="268" r:id="rId17"/>
+    <p:sldId id="272" r:id="rId9"/>
+    <p:sldId id="261" r:id="rId10"/>
+    <p:sldId id="262" r:id="rId11"/>
+    <p:sldId id="263" r:id="rId12"/>
+    <p:sldId id="265" r:id="rId13"/>
+    <p:sldId id="264" r:id="rId14"/>
+    <p:sldId id="266" r:id="rId15"/>
+    <p:sldId id="269" r:id="rId16"/>
+    <p:sldId id="267" r:id="rId17"/>
+    <p:sldId id="268" r:id="rId18"/>
   </p:sldIdLst>
   <p:sldSz cx="9144000" cy="6858000" type="screen4x3"/>
   <p:notesSz cx="6858000" cy="9144000"/>
@@ -493,7 +494,7 @@
       </p:grpSpPr>
       <p:sp>
         <p:nvSpPr>
-          <p:cNvPr id="2" name="Slide Image Placeholder 1"/>
+          <p:cNvPr id="2" name="1 Marcador de imagen de diapositiva"/>
           <p:cNvSpPr>
             <a:spLocks noGrp="1" noRot="1" noChangeAspect="1"/>
           </p:cNvSpPr>
@@ -505,7 +506,7 @@
       </p:sp>
       <p:sp>
         <p:nvSpPr>
-          <p:cNvPr id="3" name="Notes Placeholder 2"/>
+          <p:cNvPr id="3" name="2 Marcador de notas"/>
           <p:cNvSpPr>
             <a:spLocks noGrp="1"/>
           </p:cNvSpPr>
@@ -520,7 +521,89 @@
           </a:bodyPr>
           <a:lstStyle/>
           <a:p>
-            <a:endParaRPr lang="es-AR" dirty="0"/>
+            <a:endParaRPr lang="es-ES"/>
+          </a:p>
+        </p:txBody>
+      </p:sp>
+      <p:sp>
+        <p:nvSpPr>
+          <p:cNvPr id="4" name="3 Marcador de número de diapositiva"/>
+          <p:cNvSpPr>
+            <a:spLocks noGrp="1"/>
+          </p:cNvSpPr>
+          <p:nvPr>
+            <p:ph type="sldNum" sz="quarter" idx="10"/>
+          </p:nvPr>
+        </p:nvSpPr>
+        <p:spPr/>
+        <p:txBody>
+          <a:bodyPr/>
+          <a:lstStyle/>
+          <a:p>
+            <a:fld id="{3BCBAC67-084D-419D-A89D-D7FC2C09E238}" type="slidenum">
+              <a:rPr lang="es-AR" smtClean="0"/>
+              <a:pPr/>
+              <a:t>1</a:t>
+            </a:fld>
+            <a:endParaRPr lang="es-AR"/>
+          </a:p>
+        </p:txBody>
+      </p:sp>
+    </p:spTree>
+  </p:cSld>
+  <p:clrMapOvr>
+    <a:masterClrMapping/>
+  </p:clrMapOvr>
+</p:notes>
+</file>
+
+<file path=ppt/notesSlides/notesSlide2.xml><?xml version="1.0" encoding="utf-8"?>
+<p:notes xmlns:a="http://schemas.openxmlformats.org/drawingml/2006/main" xmlns:r="http://schemas.openxmlformats.org/officeDocument/2006/relationships" xmlns:p="http://schemas.openxmlformats.org/presentationml/2006/main">
+  <p:cSld>
+    <p:spTree>
+      <p:nvGrpSpPr>
+        <p:cNvPr id="1" name=""/>
+        <p:cNvGrpSpPr/>
+        <p:nvPr/>
+      </p:nvGrpSpPr>
+      <p:grpSpPr>
+        <a:xfrm>
+          <a:off x="0" y="0"/>
+          <a:ext cx="0" cy="0"/>
+          <a:chOff x="0" y="0"/>
+          <a:chExt cx="0" cy="0"/>
+        </a:xfrm>
+      </p:grpSpPr>
+      <p:sp>
+        <p:nvSpPr>
+          <p:cNvPr id="2" name="Slide Image Placeholder 1"/>
+          <p:cNvSpPr>
+            <a:spLocks noGrp="1" noRot="1" noChangeAspect="1"/>
+          </p:cNvSpPr>
+          <p:nvPr>
+            <p:ph type="sldImg"/>
+          </p:nvPr>
+        </p:nvSpPr>
+        <p:spPr/>
+      </p:sp>
+      <p:sp>
+        <p:nvSpPr>
+          <p:cNvPr id="3" name="Notes Placeholder 2"/>
+          <p:cNvSpPr>
+            <a:spLocks noGrp="1"/>
+          </p:cNvSpPr>
+          <p:nvPr>
+            <p:ph type="body" idx="1"/>
+          </p:nvPr>
+        </p:nvSpPr>
+        <p:spPr/>
+        <p:txBody>
+          <a:bodyPr>
+            <a:normAutofit/>
+          </a:bodyPr>
+          <a:lstStyle/>
+          <a:p>
+            <a:endParaRPr lang="es-AR"/>
           </a:p>
         </p:txBody>
       </p:sp>
@@ -1184,7 +1267,7 @@
               <a:pPr/>
               <a:t>12/6/2010</a:t>
             </a:fld>
-            <a:endParaRPr lang="en-US" dirty="0">
+            <a:endParaRPr lang="en-US">
               <a:solidFill>
                 <a:schemeClr val="tx2">
                   <a:shade val="90000"/>
@@ -1221,7 +1304,7 @@
           </a:lstStyle>
           <a:p>
             <a:pPr algn="l" eaLnBrk="1" latinLnBrk="0" hangingPunct="1"/>
-            <a:endParaRPr kumimoji="0" lang="en-US" dirty="0">
+            <a:endParaRPr kumimoji="0" lang="en-US">
               <a:solidFill>
                 <a:schemeClr val="tx2">
                   <a:shade val="90000"/>
@@ -1260,7 +1343,7 @@
               <a:pPr/>
               <a:t>‹Nº›</a:t>
             </a:fld>
-            <a:endParaRPr kumimoji="0" lang="en-US" dirty="0">
+            <a:endParaRPr kumimoji="0" lang="en-US">
               <a:solidFill>
                 <a:schemeClr val="tx2">
                   <a:shade val="90000"/>
@@ -1401,7 +1484,7 @@
               <a:pPr/>
               <a:t>12/6/2010</a:t>
             </a:fld>
-            <a:endParaRPr lang="en-US" dirty="0">
+            <a:endParaRPr lang="en-US">
               <a:solidFill>
                 <a:schemeClr val="tx2">
                   <a:shade val="90000"/>
@@ -1429,7 +1512,7 @@
           </a:lstStyle>
           <a:p>
             <a:pPr algn="l" eaLnBrk="1" latinLnBrk="0" hangingPunct="1"/>
-            <a:endParaRPr kumimoji="0" lang="en-US" dirty="0">
+            <a:endParaRPr kumimoji="0" lang="en-US">
               <a:solidFill>
                 <a:schemeClr val="tx2">
                   <a:shade val="90000"/>
@@ -1461,7 +1544,7 @@
               <a:pPr/>
               <a:t>‹Nº›</a:t>
             </a:fld>
-            <a:endParaRPr kumimoji="0" lang="en-US" dirty="0">
+            <a:endParaRPr kumimoji="0" lang="en-US">
               <a:solidFill>
                 <a:schemeClr val="tx2">
                   <a:shade val="90000"/>
@@ -1607,7 +1690,7 @@
               <a:pPr/>
               <a:t>12/6/2010</a:t>
             </a:fld>
-            <a:endParaRPr lang="en-US" dirty="0">
+            <a:endParaRPr lang="en-US">
               <a:solidFill>
                 <a:schemeClr val="tx2">
                   <a:shade val="90000"/>
@@ -1635,7 +1718,7 @@
           </a:lstStyle>
           <a:p>
             <a:pPr algn="l" eaLnBrk="1" latinLnBrk="0" hangingPunct="1"/>
-            <a:endParaRPr kumimoji="0" lang="en-US" dirty="0">
+            <a:endParaRPr kumimoji="0" lang="en-US">
               <a:solidFill>
                 <a:schemeClr val="tx2">
                   <a:shade val="90000"/>
@@ -1667,7 +1750,7 @@
               <a:pPr/>
               <a:t>‹Nº›</a:t>
             </a:fld>
-            <a:endParaRPr kumimoji="0" lang="en-US" dirty="0">
+            <a:endParaRPr kumimoji="0" lang="en-US">
               <a:solidFill>
                 <a:schemeClr val="tx2">
                   <a:shade val="90000"/>
@@ -1778,7 +1861,7 @@
               <a:pPr/>
               <a:t>12/6/2010</a:t>
             </a:fld>
-            <a:endParaRPr lang="en-US" dirty="0">
+            <a:endParaRPr lang="en-US">
               <a:solidFill>
                 <a:schemeClr val="tx2">
                   <a:shade val="90000"/>
@@ -1806,7 +1889,7 @@
           </a:lstStyle>
           <a:p>
             <a:pPr algn="l" eaLnBrk="1" latinLnBrk="0" hangingPunct="1"/>
-            <a:endParaRPr kumimoji="0" lang="en-US" dirty="0">
+            <a:endParaRPr kumimoji="0" lang="en-US">
               <a:solidFill>
                 <a:schemeClr val="tx2">
                   <a:shade val="90000"/>
@@ -1838,7 +1921,7 @@
               <a:pPr/>
               <a:t>‹Nº›</a:t>
             </a:fld>
-            <a:endParaRPr kumimoji="0" lang="en-US" dirty="0">
+            <a:endParaRPr kumimoji="0" lang="en-US">
               <a:solidFill>
                 <a:schemeClr val="tx2">
                   <a:shade val="90000"/>
@@ -2054,7 +2137,7 @@
               <a:pPr/>
               <a:t>12/6/2010</a:t>
             </a:fld>
-            <a:endParaRPr lang="en-US" dirty="0">
+            <a:endParaRPr lang="en-US">
               <a:solidFill>
                 <a:schemeClr val="tx2">
                   <a:shade val="90000"/>
@@ -2082,7 +2165,7 @@
           </a:lstStyle>
           <a:p>
             <a:pPr algn="l" eaLnBrk="1" latinLnBrk="0" hangingPunct="1"/>
-            <a:endParaRPr kumimoji="0" lang="en-US" dirty="0">
+            <a:endParaRPr kumimoji="0" lang="en-US">
               <a:solidFill>
                 <a:schemeClr val="tx2">
                   <a:shade val="90000"/>
@@ -2114,7 +2197,7 @@
               <a:pPr/>
               <a:t>‹Nº›</a:t>
             </a:fld>
-            <a:endParaRPr kumimoji="0" lang="en-US" dirty="0">
+            <a:endParaRPr kumimoji="0" lang="en-US">
               <a:solidFill>
                 <a:schemeClr val="tx2">
                   <a:shade val="90000"/>
@@ -2484,7 +2567,7 @@
               <a:pPr/>
               <a:t>12/6/2010</a:t>
             </a:fld>
-            <a:endParaRPr lang="en-US" dirty="0">
+            <a:endParaRPr lang="en-US">
               <a:solidFill>
                 <a:schemeClr val="tx2">
                   <a:shade val="90000"/>
@@ -2512,7 +2595,7 @@
           </a:lstStyle>
           <a:p>
             <a:pPr algn="l" eaLnBrk="1" latinLnBrk="0" hangingPunct="1"/>
-            <a:endParaRPr kumimoji="0" lang="en-US" dirty="0">
+            <a:endParaRPr kumimoji="0" lang="en-US">
               <a:solidFill>
                 <a:schemeClr val="tx2">
                   <a:shade val="90000"/>
@@ -2544,7 +2627,7 @@
               <a:pPr/>
               <a:t>‹Nº›</a:t>
             </a:fld>
-            <a:endParaRPr kumimoji="0" lang="en-US" dirty="0">
+            <a:endParaRPr kumimoji="0" lang="en-US">
               <a:solidFill>
                 <a:schemeClr val="tx2">
                   <a:shade val="90000"/>
@@ -2951,7 +3034,7 @@
               <a:pPr/>
               <a:t>12/6/2010</a:t>
             </a:fld>
-            <a:endParaRPr lang="en-US" dirty="0">
+            <a:endParaRPr lang="en-US">
               <a:solidFill>
                 <a:schemeClr val="tx2">
                   <a:shade val="90000"/>
@@ -2979,7 +3062,7 @@
           </a:lstStyle>
           <a:p>
             <a:pPr algn="l" eaLnBrk="1" latinLnBrk="0" hangingPunct="1"/>
-            <a:endParaRPr kumimoji="0" lang="en-US" dirty="0">
+            <a:endParaRPr kumimoji="0" lang="en-US">
               <a:solidFill>
                 <a:schemeClr val="tx2">
                   <a:shade val="90000"/>
@@ -3011,7 +3094,7 @@
               <a:pPr/>
               <a:t>‹Nº›</a:t>
             </a:fld>
-            <a:endParaRPr kumimoji="0" lang="en-US" dirty="0">
+            <a:endParaRPr kumimoji="0" lang="en-US">
               <a:solidFill>
                 <a:schemeClr val="tx2">
                   <a:shade val="90000"/>
@@ -3073,7 +3156,7 @@
               <a:pPr/>
               <a:t>12/6/2010</a:t>
             </a:fld>
-            <a:endParaRPr lang="en-US" dirty="0">
+            <a:endParaRPr lang="en-US">
               <a:solidFill>
                 <a:schemeClr val="tx2">
                   <a:shade val="90000"/>
@@ -3101,7 +3184,7 @@
           </a:lstStyle>
           <a:p>
             <a:pPr algn="l" eaLnBrk="1" latinLnBrk="0" hangingPunct="1"/>
-            <a:endParaRPr kumimoji="0" lang="en-US" dirty="0">
+            <a:endParaRPr kumimoji="0" lang="en-US">
               <a:solidFill>
                 <a:schemeClr val="tx2">
                   <a:shade val="90000"/>
@@ -3133,7 +3216,7 @@
               <a:pPr/>
               <a:t>‹Nº›</a:t>
             </a:fld>
-            <a:endParaRPr kumimoji="0" lang="en-US" dirty="0">
+            <a:endParaRPr kumimoji="0" lang="en-US">
               <a:solidFill>
                 <a:schemeClr val="tx2">
                   <a:shade val="90000"/>
@@ -3215,7 +3298,7 @@
               <a:pPr/>
               <a:t>12/6/2010</a:t>
             </a:fld>
-            <a:endParaRPr lang="en-US" dirty="0">
+            <a:endParaRPr lang="en-US">
               <a:solidFill>
                 <a:schemeClr val="tx2">
                   <a:shade val="90000"/>
@@ -3243,7 +3326,7 @@
           </a:lstStyle>
           <a:p>
             <a:pPr algn="l" eaLnBrk="1" latinLnBrk="0" hangingPunct="1"/>
-            <a:endParaRPr kumimoji="0" lang="en-US" dirty="0">
+            <a:endParaRPr kumimoji="0" lang="en-US">
               <a:solidFill>
                 <a:schemeClr val="tx2">
                   <a:shade val="90000"/>
@@ -3275,7 +3358,7 @@
               <a:pPr/>
               <a:t>‹Nº›</a:t>
             </a:fld>
-            <a:endParaRPr kumimoji="0" lang="en-US" dirty="0">
+            <a:endParaRPr kumimoji="0" lang="en-US">
               <a:solidFill>
                 <a:schemeClr val="tx2">
                   <a:shade val="90000"/>
@@ -3510,7 +3593,7 @@
               <a:pPr/>
               <a:t>12/6/2010</a:t>
             </a:fld>
-            <a:endParaRPr lang="en-US" dirty="0">
+            <a:endParaRPr lang="en-US">
               <a:solidFill>
                 <a:schemeClr val="tx2">
                   <a:shade val="90000"/>
@@ -3538,7 +3621,7 @@
           </a:lstStyle>
           <a:p>
             <a:pPr algn="l" eaLnBrk="1" latinLnBrk="0" hangingPunct="1"/>
-            <a:endParaRPr kumimoji="0" lang="en-US" dirty="0">
+            <a:endParaRPr kumimoji="0" lang="en-US">
               <a:solidFill>
                 <a:schemeClr val="tx2">
                   <a:shade val="90000"/>
@@ -3570,7 +3653,7 @@
               <a:pPr/>
               <a:t>‹Nº›</a:t>
             </a:fld>
-            <a:endParaRPr kumimoji="0" lang="en-US" dirty="0">
+            <a:endParaRPr kumimoji="0" lang="en-US">
               <a:solidFill>
                 <a:schemeClr val="tx2">
                   <a:shade val="90000"/>
@@ -3703,7 +3786,7 @@
               <a:rPr kumimoji="0" lang="en-US" smtClean="0"/>
               <a:t>Click icon to add picture</a:t>
             </a:r>
-            <a:endParaRPr kumimoji="0" lang="en-US" dirty="0"/>
+            <a:endParaRPr kumimoji="0" lang="en-US"/>
           </a:p>
         </p:txBody>
       </p:sp>
@@ -3736,7 +3819,7 @@
               <a:pPr/>
               <a:t>12/6/2010</a:t>
             </a:fld>
-            <a:endParaRPr lang="en-US" dirty="0">
+            <a:endParaRPr lang="en-US">
               <a:solidFill>
                 <a:schemeClr val="tx2">
                   <a:shade val="90000"/>
@@ -3776,7 +3859,7 @@
           </a:lstStyle>
           <a:p>
             <a:pPr algn="l" eaLnBrk="1" latinLnBrk="0" hangingPunct="1"/>
-            <a:endParaRPr kumimoji="0" lang="en-US" dirty="0">
+            <a:endParaRPr kumimoji="0" lang="en-US">
               <a:solidFill>
                 <a:schemeClr val="tx2">
                   <a:shade val="90000"/>
@@ -3815,7 +3898,7 @@
               <a:pPr/>
               <a:t>‹Nº›</a:t>
             </a:fld>
-            <a:endParaRPr kumimoji="0" lang="en-US" dirty="0">
+            <a:endParaRPr kumimoji="0" lang="en-US">
               <a:solidFill>
                 <a:schemeClr val="tx2">
                   <a:shade val="90000"/>
@@ -4866,7 +4949,7 @@
               <a:pPr/>
               <a:t>12/6/2010</a:t>
             </a:fld>
-            <a:endParaRPr lang="en-US" dirty="0">
+            <a:endParaRPr lang="en-US">
               <a:solidFill>
                 <a:schemeClr val="tx2">
                   <a:shade val="90000"/>
@@ -4909,7 +4992,7 @@
           </a:lstStyle>
           <a:p>
             <a:pPr algn="l" eaLnBrk="1" latinLnBrk="0" hangingPunct="1"/>
-            <a:endParaRPr kumimoji="0" lang="en-US" dirty="0">
+            <a:endParaRPr kumimoji="0" lang="en-US">
               <a:solidFill>
                 <a:schemeClr val="tx2">
                   <a:shade val="90000"/>
@@ -4956,7 +5039,7 @@
               <a:pPr/>
               <a:t>‹Nº›</a:t>
             </a:fld>
-            <a:endParaRPr kumimoji="0" lang="en-US" dirty="0">
+            <a:endParaRPr kumimoji="0" lang="en-US">
               <a:solidFill>
                 <a:schemeClr val="tx2">
                   <a:shade val="90000"/>
@@ -5318,10 +5401,10 @@
               <a:t>Parallel</a:t>
             </a:r>
             <a:r>
-              <a:rPr lang="es-ES" sz="9600" dirty="0" smtClean="0"/>
+              <a:rPr lang="es-ES" sz="9600" smtClean="0"/>
               <a:t> Editor</a:t>
             </a:r>
-            <a:endParaRPr lang="es-ES" sz="9600" dirty="0"/>
+            <a:endParaRPr lang="es-ES" sz="9600"/>
           </a:p>
         </p:txBody>
       </p:sp>
@@ -5346,35 +5429,35 @@
           <a:lstStyle/>
           <a:p>
             <a:r>
-              <a:rPr lang="es-ES" dirty="0" smtClean="0"/>
+              <a:rPr lang="es-ES" smtClean="0"/>
               <a:t>Trabajo Profesional</a:t>
             </a:r>
           </a:p>
           <a:p>
             <a:r>
-              <a:rPr lang="es-ES" dirty="0" smtClean="0"/>
+              <a:rPr lang="es-ES" smtClean="0"/>
               <a:t>Mauro </a:t>
             </a:r>
             <a:r>
-              <a:rPr lang="es-ES" dirty="0" err="1" smtClean="0"/>
+              <a:rPr lang="es-ES" err="1" smtClean="0"/>
               <a:t>Ciancio</a:t>
             </a:r>
             <a:r>
-              <a:rPr lang="es-ES" dirty="0" smtClean="0"/>
+              <a:rPr lang="es-ES" smtClean="0"/>
               <a:t>, Leandro </a:t>
             </a:r>
             <a:r>
-              <a:rPr lang="es-ES" dirty="0" err="1" smtClean="0"/>
+              <a:rPr lang="es-ES" err="1" smtClean="0"/>
               <a:t>Gilioli</a:t>
             </a:r>
-            <a:endParaRPr lang="es-ES" dirty="0" smtClean="0"/>
-          </a:p>
-          <a:p>
-            <a:r>
-              <a:rPr lang="es-ES" dirty="0" smtClean="0"/>
+            <a:endParaRPr lang="es-ES" smtClean="0"/>
+          </a:p>
+          <a:p>
+            <a:r>
+              <a:rPr lang="es-ES" smtClean="0"/>
               <a:t>Facultad de Ingeniería - UBA</a:t>
             </a:r>
-            <a:endParaRPr lang="es-ES" dirty="0"/>
+            <a:endParaRPr lang="es-ES"/>
           </a:p>
         </p:txBody>
       </p:sp>
@@ -5387,7 +5470,7 @@
           <p:nvPr/>
         </p:nvPicPr>
         <p:blipFill>
-          <a:blip r:embed="rId2"/>
+          <a:blip r:embed="rId3"/>
           <a:stretch>
             <a:fillRect/>
           </a:stretch>
@@ -5450,54 +5533,26 @@
           <a:lstStyle/>
           <a:p>
             <a:r>
-              <a:rPr lang="es-ES" dirty="0" smtClean="0"/>
-              <a:t>Explicación de los módulos que la componen</a:t>
-            </a:r>
-          </a:p>
-          <a:p>
-            <a:r>
-              <a:rPr lang="es-ES" dirty="0" smtClean="0"/>
-              <a:t>Mostrar  caso  cliente servidor  peer 2peer </a:t>
-            </a:r>
-          </a:p>
-          <a:p>
-            <a:r>
-              <a:rPr lang="es-ES" dirty="0" smtClean="0"/>
-              <a:t>Diagramas de ambos y pequeña explicación sobre cada uno de los módulos (</a:t>
-            </a:r>
-            <a:r>
-              <a:rPr lang="es-ES" dirty="0" err="1" smtClean="0"/>
-              <a:t>kernel</a:t>
-            </a:r>
-            <a:r>
-              <a:rPr lang="es-ES" dirty="0" smtClean="0"/>
-              <a:t>, </a:t>
-            </a:r>
-            <a:r>
-              <a:rPr lang="es-ES" dirty="0" err="1" smtClean="0"/>
-              <a:t>client</a:t>
-            </a:r>
-            <a:r>
-              <a:rPr lang="es-ES" dirty="0" smtClean="0"/>
-              <a:t>, </a:t>
-            </a:r>
-            <a:r>
-              <a:rPr lang="es-ES" dirty="0" err="1" smtClean="0"/>
-              <a:t>common</a:t>
-            </a:r>
-            <a:r>
-              <a:rPr lang="es-ES" dirty="0" smtClean="0"/>
-              <a:t>, </a:t>
-            </a:r>
-            <a:r>
-              <a:rPr lang="es-ES" dirty="0" err="1" smtClean="0"/>
-              <a:t>etc</a:t>
-            </a:r>
-            <a:r>
-              <a:rPr lang="es-ES" dirty="0" smtClean="0"/>
-              <a:t>)</a:t>
-            </a:r>
-            <a:endParaRPr lang="es-ES" dirty="0"/>
+              <a:rPr lang="es-ES" smtClean="0"/>
+              <a:t>Mostrar  el listado  de las </a:t>
+            </a:r>
+            <a:r>
+              <a:rPr lang="es-ES" err="1" smtClean="0"/>
+              <a:t>tecnologias</a:t>
+            </a:r>
+            <a:r>
+              <a:rPr lang="es-ES" smtClean="0"/>
+              <a:t> y una breve </a:t>
+            </a:r>
+            <a:r>
+              <a:rPr lang="es-ES" err="1" smtClean="0"/>
+              <a:t>explicacion</a:t>
+            </a:r>
+            <a:r>
+              <a:rPr lang="es-ES" smtClean="0"/>
+              <a:t> de porque se usaron</a:t>
+            </a:r>
+            <a:endParaRPr lang="es-ES"/>
           </a:p>
         </p:txBody>
       </p:sp>
@@ -5517,10 +5572,10 @@
           <a:lstStyle/>
           <a:p>
             <a:r>
-              <a:rPr lang="es-ES" dirty="0" smtClean="0"/>
-              <a:t>Arquitectura de la solución</a:t>
-            </a:r>
-            <a:endParaRPr lang="es-ES" dirty="0"/>
+              <a:rPr lang="es-ES" smtClean="0"/>
+              <a:t>Tecnologías utilizadas</a:t>
+            </a:r>
+            <a:endParaRPr lang="es-ES"/>
           </a:p>
         </p:txBody>
       </p:sp>
@@ -5572,16 +5627,54 @@
           <a:lstStyle/>
           <a:p>
             <a:r>
-              <a:rPr lang="es-ES" dirty="0" smtClean="0"/>
-              <a:t>Hablar  algo sobre que la comunicación entre los módulos es asincrónica y se utilizan actores para esto.</a:t>
-            </a:r>
-          </a:p>
-          <a:p>
-            <a:r>
-              <a:rPr lang="es-ES" dirty="0" smtClean="0"/>
-              <a:t>Ventajas de utilizar actores, como simplifica las cosas.</a:t>
-            </a:r>
-            <a:endParaRPr lang="es-ES" dirty="0"/>
+              <a:rPr lang="es-ES" smtClean="0"/>
+              <a:t>Explicación de los módulos que la componen</a:t>
+            </a:r>
+          </a:p>
+          <a:p>
+            <a:r>
+              <a:rPr lang="es-ES" smtClean="0"/>
+              <a:t>Mostrar  caso  cliente servidor  peer 2peer </a:t>
+            </a:r>
+          </a:p>
+          <a:p>
+            <a:r>
+              <a:rPr lang="es-ES" smtClean="0"/>
+              <a:t>Diagramas de ambos y pequeña explicación sobre cada uno de los módulos (</a:t>
+            </a:r>
+            <a:r>
+              <a:rPr lang="es-ES" err="1" smtClean="0"/>
+              <a:t>kernel</a:t>
+            </a:r>
+            <a:r>
+              <a:rPr lang="es-ES" smtClean="0"/>
+              <a:t>, </a:t>
+            </a:r>
+            <a:r>
+              <a:rPr lang="es-ES" err="1" smtClean="0"/>
+              <a:t>client</a:t>
+            </a:r>
+            <a:r>
+              <a:rPr lang="es-ES" smtClean="0"/>
+              <a:t>, </a:t>
+            </a:r>
+            <a:r>
+              <a:rPr lang="es-ES" err="1" smtClean="0"/>
+              <a:t>common</a:t>
+            </a:r>
+            <a:r>
+              <a:rPr lang="es-ES" smtClean="0"/>
+              <a:t>, </a:t>
+            </a:r>
+            <a:r>
+              <a:rPr lang="es-ES" err="1" smtClean="0"/>
+              <a:t>etc</a:t>
+            </a:r>
+            <a:r>
+              <a:rPr lang="es-ES" smtClean="0"/>
+              <a:t>)</a:t>
+            </a:r>
+            <a:endParaRPr lang="es-ES"/>
           </a:p>
         </p:txBody>
       </p:sp>
@@ -5601,10 +5694,10 @@
           <a:lstStyle/>
           <a:p>
             <a:r>
-              <a:rPr lang="es-ES" dirty="0" smtClean="0"/>
-              <a:t>Actores</a:t>
-            </a:r>
-            <a:endParaRPr lang="es-ES" dirty="0"/>
+              <a:rPr lang="es-ES" smtClean="0"/>
+              <a:t>Arquitectura de la solución</a:t>
+            </a:r>
+            <a:endParaRPr lang="es-ES"/>
           </a:p>
         </p:txBody>
       </p:sp>
@@ -5656,42 +5749,16 @@
           <a:lstStyle/>
           <a:p>
             <a:r>
-              <a:rPr lang="es-ES" dirty="0" smtClean="0"/>
-              <a:t>Hablar sobre los tipos de mensajes</a:t>
-            </a:r>
-          </a:p>
-          <a:p>
-            <a:r>
-              <a:rPr lang="es-ES" dirty="0" err="1" smtClean="0"/>
-              <a:t>Serializacion</a:t>
-            </a:r>
-            <a:endParaRPr lang="es-ES" dirty="0" smtClean="0"/>
-          </a:p>
-          <a:p>
-            <a:r>
-              <a:rPr lang="es-ES" dirty="0" smtClean="0"/>
-              <a:t>Ejemplos?</a:t>
-            </a:r>
-          </a:p>
-          <a:p>
-            <a:endParaRPr lang="es-ES" dirty="0" smtClean="0"/>
-          </a:p>
-          <a:p>
-            <a:r>
-              <a:rPr lang="es-ES" dirty="0" smtClean="0"/>
-              <a:t>No se si pondría esta </a:t>
-            </a:r>
-            <a:r>
-              <a:rPr lang="es-ES" dirty="0" err="1" smtClean="0"/>
-              <a:t>diapo</a:t>
-            </a:r>
-            <a:endParaRPr lang="es-ES" dirty="0" smtClean="0"/>
-          </a:p>
-          <a:p>
-            <a:pPr>
-              <a:buNone/>
-            </a:pPr>
-            <a:endParaRPr lang="es-ES" dirty="0" smtClean="0"/>
+              <a:rPr lang="es-ES" smtClean="0"/>
+              <a:t>Hablar  algo sobre que la comunicación entre los módulos es asincrónica y se utilizan actores para esto.</a:t>
+            </a:r>
+          </a:p>
+          <a:p>
+            <a:r>
+              <a:rPr lang="es-ES" smtClean="0"/>
+              <a:t>Ventajas de utilizar actores, como simplifica las cosas.</a:t>
+            </a:r>
+            <a:endParaRPr lang="es-ES"/>
           </a:p>
         </p:txBody>
       </p:sp>
@@ -5711,14 +5778,10 @@
           <a:lstStyle/>
           <a:p>
             <a:r>
-              <a:rPr lang="es-ES" dirty="0" smtClean="0"/>
-              <a:t>Protocolo de </a:t>
-            </a:r>
-            <a:r>
-              <a:rPr lang="es-ES" dirty="0" err="1" smtClean="0"/>
-              <a:t>msgs</a:t>
-            </a:r>
-            <a:endParaRPr lang="es-ES" dirty="0"/>
+              <a:rPr lang="es-ES" smtClean="0"/>
+              <a:t>Actores</a:t>
+            </a:r>
+            <a:endParaRPr lang="es-ES"/>
           </a:p>
         </p:txBody>
       </p:sp>
@@ -5770,64 +5833,42 @@
           <a:lstStyle/>
           <a:p>
             <a:r>
-              <a:rPr lang="es-ES" dirty="0" smtClean="0"/>
-              <a:t>Hablar dos boludeces de </a:t>
-            </a:r>
-            <a:r>
-              <a:rPr lang="es-ES" dirty="0" err="1" smtClean="0"/>
-              <a:t>scrum</a:t>
-            </a:r>
-            <a:r>
-              <a:rPr lang="es-ES" dirty="0" smtClean="0"/>
-              <a:t>.</a:t>
-            </a:r>
-          </a:p>
-          <a:p>
-            <a:r>
-              <a:rPr lang="es-ES" dirty="0" smtClean="0"/>
-              <a:t>Tabla de </a:t>
-            </a:r>
-            <a:r>
-              <a:rPr lang="es-ES" dirty="0" err="1" smtClean="0"/>
-              <a:t>Sprints</a:t>
-            </a:r>
-            <a:r>
-              <a:rPr lang="es-ES" dirty="0" smtClean="0"/>
-              <a:t> que se hicieron con descripción de objetivos.</a:t>
-            </a:r>
-          </a:p>
-          <a:p>
-            <a:r>
-              <a:rPr lang="es-ES" dirty="0" smtClean="0"/>
-              <a:t>Mostrar dos grafiquitos  de los </a:t>
-            </a:r>
-            <a:r>
-              <a:rPr lang="es-ES" dirty="0" err="1" smtClean="0"/>
-              <a:t>sprints</a:t>
-            </a:r>
-            <a:r>
-              <a:rPr lang="es-ES" dirty="0" smtClean="0"/>
-              <a:t>.</a:t>
-            </a:r>
-          </a:p>
-          <a:p>
-            <a:r>
-              <a:rPr lang="es-ES" dirty="0" smtClean="0"/>
-              <a:t>Decir como resulto.</a:t>
-            </a:r>
-          </a:p>
-          <a:p>
-            <a:endParaRPr lang="es-ES" dirty="0" smtClean="0"/>
-          </a:p>
-          <a:p>
-            <a:endParaRPr lang="es-ES" dirty="0" smtClean="0"/>
-          </a:p>
-          <a:p>
-            <a:r>
-              <a:rPr lang="es-ES" dirty="0" smtClean="0"/>
-              <a:t>Aporta esto?</a:t>
-            </a:r>
-            <a:endParaRPr lang="es-ES" dirty="0"/>
+              <a:rPr lang="es-ES" smtClean="0"/>
+              <a:t>Hablar sobre los tipos de mensajes</a:t>
+            </a:r>
+          </a:p>
+          <a:p>
+            <a:r>
+              <a:rPr lang="es-ES" err="1" smtClean="0"/>
+              <a:t>Serializacion</a:t>
+            </a:r>
+            <a:endParaRPr lang="es-ES" smtClean="0"/>
+          </a:p>
+          <a:p>
+            <a:r>
+              <a:rPr lang="es-ES" smtClean="0"/>
+              <a:t>Ejemplos?</a:t>
+            </a:r>
+          </a:p>
+          <a:p>
+            <a:endParaRPr lang="es-ES" smtClean="0"/>
+          </a:p>
+          <a:p>
+            <a:r>
+              <a:rPr lang="es-ES" smtClean="0"/>
+              <a:t>No se si pondría esta </a:t>
+            </a:r>
+            <a:r>
+              <a:rPr lang="es-ES" err="1" smtClean="0"/>
+              <a:t>diapo</a:t>
+            </a:r>
+            <a:endParaRPr lang="es-ES" smtClean="0"/>
+          </a:p>
+          <a:p>
+            <a:pPr>
+              <a:buNone/>
+            </a:pPr>
+            <a:endParaRPr lang="es-ES" smtClean="0"/>
           </a:p>
         </p:txBody>
       </p:sp>
@@ -5847,10 +5888,14 @@
           <a:lstStyle/>
           <a:p>
             <a:r>
-              <a:rPr lang="es-ES" dirty="0" smtClean="0"/>
-              <a:t>Metodología de desarrollo</a:t>
-            </a:r>
-            <a:endParaRPr lang="es-ES" dirty="0"/>
+              <a:rPr lang="es-ES" smtClean="0"/>
+              <a:t>Protocolo de </a:t>
+            </a:r>
+            <a:r>
+              <a:rPr lang="es-ES" err="1" smtClean="0"/>
+              <a:t>msgs</a:t>
+            </a:r>
+            <a:endParaRPr lang="es-ES"/>
           </a:p>
         </p:txBody>
       </p:sp>
@@ -5902,27 +5947,64 @@
           <a:lstStyle/>
           <a:p>
             <a:r>
-              <a:rPr lang="es-ES" dirty="0" smtClean="0"/>
-              <a:t>Poner  acá </a:t>
-            </a:r>
-            <a:r>
-              <a:rPr lang="es-ES" dirty="0" err="1" smtClean="0"/>
-              <a:t>screenshot</a:t>
-            </a:r>
-            <a:r>
-              <a:rPr lang="es-ES" dirty="0" smtClean="0"/>
-              <a:t> del eclipse con PE</a:t>
-            </a:r>
-          </a:p>
-          <a:p>
-            <a:endParaRPr lang="es-ES" dirty="0" smtClean="0"/>
-          </a:p>
-          <a:p>
-            <a:r>
-              <a:rPr lang="es-ES" dirty="0" smtClean="0"/>
-              <a:t>Demo en vivo!</a:t>
-            </a:r>
-            <a:endParaRPr lang="es-ES" dirty="0"/>
+              <a:rPr lang="es-ES" smtClean="0"/>
+              <a:t>Hablar dos boludeces de </a:t>
+            </a:r>
+            <a:r>
+              <a:rPr lang="es-ES" err="1" smtClean="0"/>
+              <a:t>scrum</a:t>
+            </a:r>
+            <a:r>
+              <a:rPr lang="es-ES" smtClean="0"/>
+              <a:t>.</a:t>
+            </a:r>
+          </a:p>
+          <a:p>
+            <a:r>
+              <a:rPr lang="es-ES" smtClean="0"/>
+              <a:t>Tabla de </a:t>
+            </a:r>
+            <a:r>
+              <a:rPr lang="es-ES" err="1" smtClean="0"/>
+              <a:t>Sprints</a:t>
+            </a:r>
+            <a:r>
+              <a:rPr lang="es-ES" smtClean="0"/>
+              <a:t> que se hicieron con descripción de objetivos.</a:t>
+            </a:r>
+          </a:p>
+          <a:p>
+            <a:r>
+              <a:rPr lang="es-ES" smtClean="0"/>
+              <a:t>Mostrar dos grafiquitos  de los </a:t>
+            </a:r>
+            <a:r>
+              <a:rPr lang="es-ES" err="1" smtClean="0"/>
+              <a:t>sprints</a:t>
+            </a:r>
+            <a:r>
+              <a:rPr lang="es-ES" smtClean="0"/>
+              <a:t>.</a:t>
+            </a:r>
+          </a:p>
+          <a:p>
+            <a:r>
+              <a:rPr lang="es-ES" smtClean="0"/>
+              <a:t>Decir como resulto.</a:t>
+            </a:r>
+          </a:p>
+          <a:p>
+            <a:endParaRPr lang="es-ES" smtClean="0"/>
+          </a:p>
+          <a:p>
+            <a:endParaRPr lang="es-ES" smtClean="0"/>
+          </a:p>
+          <a:p>
+            <a:r>
+              <a:rPr lang="es-ES" smtClean="0"/>
+              <a:t>Aporta esto?</a:t>
+            </a:r>
+            <a:endParaRPr lang="es-ES"/>
           </a:p>
         </p:txBody>
       </p:sp>
@@ -5942,10 +6024,10 @@
           <a:lstStyle/>
           <a:p>
             <a:r>
-              <a:rPr lang="es-ES" dirty="0" smtClean="0"/>
-              <a:t>Demostración</a:t>
-            </a:r>
-            <a:endParaRPr lang="es-ES" dirty="0"/>
+              <a:rPr lang="es-ES" smtClean="0"/>
+              <a:t>Metodología de desarrollo</a:t>
+            </a:r>
+            <a:endParaRPr lang="es-ES"/>
           </a:p>
         </p:txBody>
       </p:sp>
@@ -5997,55 +6079,27 @@
           <a:lstStyle/>
           <a:p>
             <a:r>
-              <a:rPr lang="es-ES" dirty="0" smtClean="0"/>
-              <a:t>Esquema de autenticación y autorización.</a:t>
-            </a:r>
-          </a:p>
-          <a:p>
-            <a:r>
-              <a:rPr lang="es-ES" dirty="0" smtClean="0"/>
-              <a:t>Optimización del uso de red.</a:t>
-            </a:r>
-          </a:p>
-          <a:p>
-            <a:r>
-              <a:rPr lang="es-ES" dirty="0" smtClean="0"/>
-              <a:t>Integración con otros </a:t>
-            </a:r>
-            <a:r>
-              <a:rPr lang="es-ES" dirty="0" err="1" smtClean="0"/>
-              <a:t>IDEs</a:t>
-            </a:r>
-            <a:r>
-              <a:rPr lang="es-ES" dirty="0" smtClean="0"/>
-              <a:t> .</a:t>
-            </a:r>
-          </a:p>
-          <a:p>
-            <a:r>
-              <a:rPr lang="es-ES" dirty="0" smtClean="0"/>
-              <a:t>Extensión de la solución a otros modelos.</a:t>
-            </a:r>
-          </a:p>
-          <a:p>
-            <a:r>
-              <a:rPr lang="es-ES" dirty="0" smtClean="0"/>
-              <a:t>Cifrado de mensajes.</a:t>
-            </a:r>
-          </a:p>
-          <a:p>
-            <a:r>
-              <a:rPr lang="es-ES" dirty="0" smtClean="0"/>
-              <a:t>Mecanismo de deshacer  cambios (</a:t>
-            </a:r>
-            <a:r>
-              <a:rPr lang="es-ES" dirty="0" err="1" smtClean="0"/>
-              <a:t>undo</a:t>
-            </a:r>
-            <a:r>
-              <a:rPr lang="es-ES" dirty="0" smtClean="0"/>
-              <a:t>).</a:t>
-            </a:r>
+              <a:rPr lang="es-ES" smtClean="0"/>
+              <a:t>Poner  acá </a:t>
+            </a:r>
+            <a:r>
+              <a:rPr lang="es-ES" err="1" smtClean="0"/>
+              <a:t>screenshot</a:t>
+            </a:r>
+            <a:r>
+              <a:rPr lang="es-ES" smtClean="0"/>
+              <a:t> del eclipse con PE</a:t>
+            </a:r>
+          </a:p>
+          <a:p>
+            <a:endParaRPr lang="es-ES" smtClean="0"/>
+          </a:p>
+          <a:p>
+            <a:r>
+              <a:rPr lang="es-ES" smtClean="0"/>
+              <a:t>Demo en vivo!</a:t>
+            </a:r>
+            <a:endParaRPr lang="es-ES"/>
           </a:p>
         </p:txBody>
       </p:sp>
@@ -6061,16 +6115,14 @@
         </p:nvSpPr>
         <p:spPr/>
         <p:txBody>
-          <a:bodyPr>
-            <a:normAutofit fontScale="90000"/>
-          </a:bodyPr>
+          <a:bodyPr/>
           <a:lstStyle/>
           <a:p>
             <a:r>
-              <a:rPr lang="es-ES" dirty="0" smtClean="0"/>
-              <a:t>Posibles mejoras a implementar</a:t>
-            </a:r>
-            <a:endParaRPr lang="es-ES" dirty="0"/>
+              <a:rPr lang="es-ES" smtClean="0"/>
+              <a:t>Demostración</a:t>
+            </a:r>
+            <a:endParaRPr lang="es-ES"/>
           </a:p>
         </p:txBody>
       </p:sp>
@@ -6118,47 +6170,168 @@
         </p:nvSpPr>
         <p:spPr/>
         <p:txBody>
+          <a:bodyPr/>
+          <a:lstStyle/>
+          <a:p>
+            <a:r>
+              <a:rPr lang="es-ES" smtClean="0"/>
+              <a:t>Esquema de autenticación y autorización.</a:t>
+            </a:r>
+          </a:p>
+          <a:p>
+            <a:r>
+              <a:rPr lang="es-ES" smtClean="0"/>
+              <a:t>Optimización del uso de red.</a:t>
+            </a:r>
+          </a:p>
+          <a:p>
+            <a:r>
+              <a:rPr lang="es-ES" smtClean="0"/>
+              <a:t>Integración con otros </a:t>
+            </a:r>
+            <a:r>
+              <a:rPr lang="es-ES" err="1" smtClean="0"/>
+              <a:t>IDEs</a:t>
+            </a:r>
+            <a:r>
+              <a:rPr lang="es-ES" smtClean="0"/>
+              <a:t> .</a:t>
+            </a:r>
+          </a:p>
+          <a:p>
+            <a:r>
+              <a:rPr lang="es-ES" smtClean="0"/>
+              <a:t>Extensión de la solución a otros modelos.</a:t>
+            </a:r>
+          </a:p>
+          <a:p>
+            <a:r>
+              <a:rPr lang="es-ES" smtClean="0"/>
+              <a:t>Cifrado de mensajes.</a:t>
+            </a:r>
+          </a:p>
+          <a:p>
+            <a:r>
+              <a:rPr lang="es-ES" smtClean="0"/>
+              <a:t>Mecanismo de deshacer  cambios (</a:t>
+            </a:r>
+            <a:r>
+              <a:rPr lang="es-ES" err="1" smtClean="0"/>
+              <a:t>undo</a:t>
+            </a:r>
+            <a:r>
+              <a:rPr lang="es-ES" smtClean="0"/>
+              <a:t>).</a:t>
+            </a:r>
+          </a:p>
+        </p:txBody>
+      </p:sp>
+      <p:sp>
+        <p:nvSpPr>
+          <p:cNvPr id="2" name="1 Título"/>
+          <p:cNvSpPr>
+            <a:spLocks noGrp="1"/>
+          </p:cNvSpPr>
+          <p:nvPr>
+            <p:ph type="title"/>
+          </p:nvPr>
+        </p:nvSpPr>
+        <p:spPr/>
+        <p:txBody>
+          <a:bodyPr>
+            <a:normAutofit fontScale="90000"/>
+          </a:bodyPr>
+          <a:lstStyle/>
+          <a:p>
+            <a:r>
+              <a:rPr lang="es-ES" smtClean="0"/>
+              <a:t>Posibles mejoras a implementar</a:t>
+            </a:r>
+            <a:endParaRPr lang="es-ES"/>
+          </a:p>
+        </p:txBody>
+      </p:sp>
+    </p:spTree>
+  </p:cSld>
+  <p:clrMapOvr>
+    <a:masterClrMapping/>
+  </p:clrMapOvr>
+  <p:timing>
+    <p:tnLst>
+      <p:par>
+        <p:cTn id="1" dur="indefinite" restart="never" nodeType="tmRoot"/>
+      </p:par>
+    </p:tnLst>
+  </p:timing>
+</p:sld>
+</file>
+
+<file path=ppt/slides/slide17.xml><?xml version="1.0" encoding="utf-8"?>
+<p:sld xmlns:a="http://schemas.openxmlformats.org/drawingml/2006/main" xmlns:r="http://schemas.openxmlformats.org/officeDocument/2006/relationships" xmlns:p="http://schemas.openxmlformats.org/presentationml/2006/main">
+  <p:cSld>
+    <p:spTree>
+      <p:nvGrpSpPr>
+        <p:cNvPr id="1" name=""/>
+        <p:cNvGrpSpPr/>
+        <p:nvPr/>
+      </p:nvGrpSpPr>
+      <p:grpSpPr>
+        <a:xfrm>
+          <a:off x="0" y="0"/>
+          <a:ext cx="0" cy="0"/>
+          <a:chOff x="0" y="0"/>
+          <a:chExt cx="0" cy="0"/>
+        </a:xfrm>
+      </p:grpSpPr>
+      <p:sp>
+        <p:nvSpPr>
+          <p:cNvPr id="3" name="2 Marcador de contenido"/>
+          <p:cNvSpPr>
+            <a:spLocks noGrp="1"/>
+          </p:cNvSpPr>
+          <p:nvPr>
+            <p:ph idx="1"/>
+          </p:nvPr>
+        </p:nvSpPr>
+        <p:spPr/>
+        <p:txBody>
           <a:bodyPr>
             <a:normAutofit fontScale="77500" lnSpcReduction="20000"/>
           </a:bodyPr>
           <a:lstStyle/>
           <a:p>
             <a:r>
-              <a:rPr lang="es-ES" dirty="0" smtClean="0"/>
+              <a:rPr lang="es-ES" smtClean="0"/>
               <a:t>Aplicaciones de naturaleza concurrente y distribuida precisan modelos que abstraigan al programador de la complejidad subyacente.</a:t>
             </a:r>
           </a:p>
           <a:p>
             <a:r>
-              <a:rPr lang="es-ES" dirty="0" smtClean="0"/>
+              <a:rPr lang="es-ES" smtClean="0"/>
               <a:t>Lenguajes nuevos sobre la JVM incorporan construcciones y paradigmas que simplifican el desarrollo.</a:t>
             </a:r>
           </a:p>
           <a:p>
             <a:r>
-              <a:rPr lang="es-ES" dirty="0" smtClean="0"/>
+              <a:rPr lang="es-ES" smtClean="0"/>
               <a:t>Los modelos para la implementación de sistemas  colaborativos en tiempo real están en constante desarrollo y evolución.</a:t>
             </a:r>
           </a:p>
           <a:p>
             <a:r>
-              <a:rPr lang="es-ES" dirty="0" smtClean="0"/>
+              <a:rPr lang="es-ES" smtClean="0"/>
               <a:t>La colaboración en tiempo real permite  interactuar  a un grupo de trabajo  de forma simple y coordinada  acelerando, enriqueciendo y haciendo mas productivo su trabajo.</a:t>
             </a:r>
           </a:p>
           <a:p>
-            <a:endParaRPr lang="es-ES" dirty="0" smtClean="0"/>
-          </a:p>
-          <a:p>
-            <a:r>
-              <a:rPr lang="es-ES" dirty="0" smtClean="0"/>
-              <a:t>Mucho texto </a:t>
-            </a:r>
+            <a:endParaRPr lang="es-ES" smtClean="0"/>
+          </a:p>
+          <a:p>
             <a:r>
               <a:rPr lang="es-ES" smtClean="0"/>
-              <a:t>me parece</a:t>
-            </a:r>
-            <a:endParaRPr lang="es-ES" dirty="0"/>
+              <a:t>Mucho texto me parece</a:t>
+            </a:r>
+            <a:endParaRPr lang="es-ES"/>
           </a:p>
         </p:txBody>
       </p:sp>
@@ -6178,10 +6351,10 @@
           <a:lstStyle/>
           <a:p>
             <a:r>
-              <a:rPr lang="es-ES" dirty="0" smtClean="0"/>
+              <a:rPr lang="es-ES" smtClean="0"/>
               <a:t>Conclusiones</a:t>
             </a:r>
-            <a:endParaRPr lang="es-ES" dirty="0"/>
+            <a:endParaRPr lang="es-ES"/>
           </a:p>
         </p:txBody>
       </p:sp>
@@ -6241,7 +6414,7 @@
           <a:p>
             <a:r>
               <a:rPr lang="en-US" dirty="0" err="1" smtClean="0"/>
-              <a:t>Introduccion</a:t>
+              <a:t>Introducción</a:t>
             </a:r>
             <a:endParaRPr lang="en-US" dirty="0" smtClean="0"/>
           </a:p>
@@ -6409,10 +6582,10 @@
           <a:lstStyle/>
           <a:p>
             <a:r>
-              <a:rPr lang="en-US" dirty="0" smtClean="0"/>
+              <a:rPr lang="en-US" smtClean="0"/>
               <a:t>Agenda</a:t>
             </a:r>
-            <a:endParaRPr lang="es-AR" dirty="0"/>
+            <a:endParaRPr lang="es-AR"/>
           </a:p>
         </p:txBody>
       </p:sp>
@@ -6497,39 +6670,39 @@
           <a:lstStyle/>
           <a:p>
             <a:r>
-              <a:rPr lang="es-ES" dirty="0" smtClean="0"/>
+              <a:rPr lang="es-ES" smtClean="0"/>
               <a:t>Cómo nace la idea del presente trabajo?</a:t>
             </a:r>
           </a:p>
           <a:p>
-            <a:endParaRPr lang="es-ES" dirty="0" smtClean="0"/>
-          </a:p>
-          <a:p>
-            <a:r>
-              <a:rPr lang="es-ES" dirty="0" smtClean="0"/>
+            <a:endParaRPr lang="es-ES" smtClean="0"/>
+          </a:p>
+          <a:p>
+            <a:r>
+              <a:rPr lang="es-ES" smtClean="0"/>
               <a:t>Necesidad de obtener </a:t>
             </a:r>
             <a:r>
-              <a:rPr lang="es-ES" dirty="0" err="1" smtClean="0"/>
+              <a:rPr lang="es-ES" err="1" smtClean="0"/>
               <a:t>feedback</a:t>
             </a:r>
             <a:r>
-              <a:rPr lang="es-ES" dirty="0" smtClean="0"/>
+              <a:rPr lang="es-ES" smtClean="0"/>
               <a:t> instantáneo sobre tareas de desarrollo complejas.</a:t>
             </a:r>
           </a:p>
           <a:p>
             <a:r>
-              <a:rPr lang="es-ES" dirty="0" smtClean="0"/>
+              <a:rPr lang="es-ES" smtClean="0"/>
               <a:t>Dos desarrolladores trabajando sobre lo mismo pero en diferentes lugares físicos.</a:t>
             </a:r>
           </a:p>
           <a:p>
             <a:r>
-              <a:rPr lang="es-ES" dirty="0" smtClean="0"/>
+              <a:rPr lang="es-ES" smtClean="0"/>
               <a:t>Herramientas existentes no satisfactorias.</a:t>
             </a:r>
-            <a:endParaRPr lang="es-ES" dirty="0"/>
+            <a:endParaRPr lang="es-ES"/>
           </a:p>
         </p:txBody>
       </p:sp>
@@ -6549,10 +6722,10 @@
           <a:lstStyle/>
           <a:p>
             <a:r>
-              <a:rPr lang="es-ES" dirty="0" smtClean="0"/>
+              <a:rPr lang="es-ES" smtClean="0"/>
               <a:t>Motivación</a:t>
             </a:r>
-            <a:endParaRPr lang="es-ES" dirty="0"/>
+            <a:endParaRPr lang="es-ES"/>
           </a:p>
         </p:txBody>
       </p:sp>
@@ -6628,10 +6801,10 @@
           <a:lstStyle/>
           <a:p>
             <a:r>
-              <a:rPr lang="es-ES" dirty="0" smtClean="0"/>
+              <a:rPr lang="es-ES" smtClean="0"/>
               <a:t>Escenario</a:t>
             </a:r>
-            <a:endParaRPr lang="es-ES" dirty="0"/>
+            <a:endParaRPr lang="es-ES"/>
           </a:p>
         </p:txBody>
       </p:sp>
@@ -6737,14 +6910,14 @@
           <a:p>
             <a:pPr algn="ctr"/>
             <a:r>
-              <a:rPr lang="en-US" dirty="0" smtClean="0">
+              <a:rPr lang="en-US" smtClean="0">
                 <a:solidFill>
                   <a:schemeClr val="tx1"/>
                 </a:solidFill>
               </a:rPr>
               <a:t>Internet</a:t>
             </a:r>
-            <a:endParaRPr lang="es-AR" dirty="0">
+            <a:endParaRPr lang="es-AR">
               <a:solidFill>
                 <a:schemeClr val="tx1"/>
               </a:solidFill>
@@ -6951,48 +7124,48 @@
             <a:lstStyle/>
             <a:p>
               <a:r>
-                <a:rPr lang="en-US" sz="1400" dirty="0" smtClean="0">
+                <a:rPr lang="en-US" sz="1400" smtClean="0">
                   <a:latin typeface="Courier New" pitchFamily="49" charset="0"/>
                   <a:cs typeface="Courier New" pitchFamily="49" charset="0"/>
                 </a:rPr>
                 <a:t>class </a:t>
               </a:r>
               <a:r>
-                <a:rPr lang="en-US" sz="1400" dirty="0" err="1" smtClean="0">
+                <a:rPr lang="en-US" sz="1400" err="1" smtClean="0">
                   <a:latin typeface="Courier New" pitchFamily="49" charset="0"/>
                   <a:cs typeface="Courier New" pitchFamily="49" charset="0"/>
                 </a:rPr>
                 <a:t>MyClass</a:t>
               </a:r>
               <a:r>
-                <a:rPr lang="en-US" sz="1400" dirty="0" smtClean="0">
+                <a:rPr lang="en-US" sz="1400" smtClean="0">
                   <a:latin typeface="Courier New" pitchFamily="49" charset="0"/>
                   <a:cs typeface="Courier New" pitchFamily="49" charset="0"/>
                 </a:rPr>
                 <a:t> {</a:t>
               </a:r>
               <a:br>
-                <a:rPr lang="en-US" sz="1400" dirty="0" smtClean="0">
+                <a:rPr lang="en-US" sz="1400" smtClean="0">
                   <a:latin typeface="Courier New" pitchFamily="49" charset="0"/>
                   <a:cs typeface="Courier New" pitchFamily="49" charset="0"/>
                 </a:rPr>
               </a:br>
               <a:r>
-                <a:rPr lang="en-US" sz="1400" dirty="0" smtClean="0">
+                <a:rPr lang="en-US" sz="1400" smtClean="0">
                   <a:latin typeface="Courier New" pitchFamily="49" charset="0"/>
                   <a:cs typeface="Courier New" pitchFamily="49" charset="0"/>
                 </a:rPr>
                 <a:t>  </a:t>
               </a:r>
               <a:r>
-                <a:rPr lang="en-US" sz="1400" dirty="0" err="1" smtClean="0">
+                <a:rPr lang="en-US" sz="1400" err="1" smtClean="0">
                   <a:latin typeface="Courier New" pitchFamily="49" charset="0"/>
                   <a:cs typeface="Courier New" pitchFamily="49" charset="0"/>
                 </a:rPr>
                 <a:t>int</a:t>
               </a:r>
               <a:r>
-                <a:rPr lang="en-US" sz="1400" dirty="0" smtClean="0">
+                <a:rPr lang="en-US" sz="1400" smtClean="0">
                   <a:latin typeface="Courier New" pitchFamily="49" charset="0"/>
                   <a:cs typeface="Courier New" pitchFamily="49" charset="0"/>
                 </a:rPr>
@@ -7001,54 +7174,54 @@
             </a:p>
             <a:p>
               <a:r>
-                <a:rPr lang="en-US" sz="1400" dirty="0" smtClean="0">
+                <a:rPr lang="en-US" sz="1400" smtClean="0">
                   <a:latin typeface="Courier New" pitchFamily="49" charset="0"/>
                   <a:cs typeface="Courier New" pitchFamily="49" charset="0"/>
                 </a:rPr>
                 <a:t>  // </a:t>
               </a:r>
               <a:r>
-                <a:rPr lang="en-US" sz="1400" dirty="0" err="1" smtClean="0">
+                <a:rPr lang="en-US" sz="1400" err="1" smtClean="0">
                   <a:latin typeface="Courier New" pitchFamily="49" charset="0"/>
                   <a:cs typeface="Courier New" pitchFamily="49" charset="0"/>
                 </a:rPr>
                 <a:t>es</a:t>
               </a:r>
               <a:r>
-                <a:rPr lang="en-US" sz="1400" dirty="0" smtClean="0">
+                <a:rPr lang="en-US" sz="1400" smtClean="0">
                   <a:latin typeface="Courier New" pitchFamily="49" charset="0"/>
                   <a:cs typeface="Courier New" pitchFamily="49" charset="0"/>
                 </a:rPr>
                 <a:t> </a:t>
               </a:r>
               <a:r>
-                <a:rPr lang="en-US" sz="1400" dirty="0" err="1" smtClean="0">
+                <a:rPr lang="en-US" sz="1400" err="1" smtClean="0">
                   <a:latin typeface="Courier New" pitchFamily="49" charset="0"/>
                   <a:cs typeface="Courier New" pitchFamily="49" charset="0"/>
                 </a:rPr>
                 <a:t>difícil</a:t>
               </a:r>
               <a:r>
-                <a:rPr lang="en-US" sz="1400" dirty="0" smtClean="0">
+                <a:rPr lang="en-US" sz="1400" smtClean="0">
                   <a:latin typeface="Courier New" pitchFamily="49" charset="0"/>
                   <a:cs typeface="Courier New" pitchFamily="49" charset="0"/>
                 </a:rPr>
                 <a:t>!</a:t>
               </a:r>
               <a:br>
-                <a:rPr lang="en-US" sz="1400" dirty="0" smtClean="0">
+                <a:rPr lang="en-US" sz="1400" smtClean="0">
                   <a:latin typeface="Courier New" pitchFamily="49" charset="0"/>
                   <a:cs typeface="Courier New" pitchFamily="49" charset="0"/>
                 </a:rPr>
               </a:br>
               <a:r>
-                <a:rPr lang="en-US" sz="1400" dirty="0" smtClean="0">
+                <a:rPr lang="en-US" sz="1400" smtClean="0">
                   <a:latin typeface="Courier New" pitchFamily="49" charset="0"/>
                   <a:cs typeface="Courier New" pitchFamily="49" charset="0"/>
                 </a:rPr>
                 <a:t>}</a:t>
               </a:r>
-              <a:endParaRPr lang="es-AR" sz="1400" dirty="0">
+              <a:endParaRPr lang="es-AR" sz="1400">
                 <a:latin typeface="Courier New" pitchFamily="49" charset="0"/>
                 <a:cs typeface="Courier New" pitchFamily="49" charset="0"/>
               </a:endParaRPr>
@@ -7079,14 +7252,14 @@
           <a:lstStyle/>
           <a:p>
             <a:r>
-              <a:rPr lang="en-US" b="1" dirty="0" err="1" smtClean="0"/>
+              <a:rPr lang="en-US" b="1" err="1" smtClean="0"/>
               <a:t>ubicación</a:t>
             </a:r>
             <a:r>
-              <a:rPr lang="en-US" b="1" dirty="0" smtClean="0"/>
+              <a:rPr lang="en-US" b="1" smtClean="0"/>
               <a:t> 1</a:t>
             </a:r>
-            <a:endParaRPr lang="es-AR" b="1" dirty="0"/>
+            <a:endParaRPr lang="es-AR" b="1"/>
           </a:p>
         </p:txBody>
       </p:sp>
@@ -7113,14 +7286,14 @@
           <a:lstStyle/>
           <a:p>
             <a:r>
-              <a:rPr lang="en-US" b="1" dirty="0" err="1" smtClean="0"/>
+              <a:rPr lang="en-US" b="1" err="1" smtClean="0"/>
               <a:t>ubicación</a:t>
             </a:r>
             <a:r>
-              <a:rPr lang="en-US" b="1" dirty="0" smtClean="0"/>
+              <a:rPr lang="en-US" b="1" smtClean="0"/>
               <a:t> 2</a:t>
             </a:r>
-            <a:endParaRPr lang="es-AR" b="1" dirty="0"/>
+            <a:endParaRPr lang="es-AR" b="1"/>
           </a:p>
         </p:txBody>
       </p:sp>
@@ -7185,48 +7358,48 @@
             <a:lstStyle/>
             <a:p>
               <a:r>
-                <a:rPr lang="en-US" sz="1400" dirty="0" smtClean="0">
+                <a:rPr lang="en-US" sz="1400" smtClean="0">
                   <a:latin typeface="Courier New" pitchFamily="49" charset="0"/>
                   <a:cs typeface="Courier New" pitchFamily="49" charset="0"/>
                 </a:rPr>
                 <a:t>class </a:t>
               </a:r>
               <a:r>
-                <a:rPr lang="en-US" sz="1400" dirty="0" err="1" smtClean="0">
+                <a:rPr lang="en-US" sz="1400" err="1" smtClean="0">
                   <a:latin typeface="Courier New" pitchFamily="49" charset="0"/>
                   <a:cs typeface="Courier New" pitchFamily="49" charset="0"/>
                 </a:rPr>
                 <a:t>MyClass</a:t>
               </a:r>
               <a:r>
-                <a:rPr lang="en-US" sz="1400" dirty="0" smtClean="0">
+                <a:rPr lang="en-US" sz="1400" smtClean="0">
                   <a:latin typeface="Courier New" pitchFamily="49" charset="0"/>
                   <a:cs typeface="Courier New" pitchFamily="49" charset="0"/>
                 </a:rPr>
                 <a:t> {</a:t>
               </a:r>
               <a:br>
-                <a:rPr lang="en-US" sz="1400" dirty="0" smtClean="0">
+                <a:rPr lang="en-US" sz="1400" smtClean="0">
                   <a:latin typeface="Courier New" pitchFamily="49" charset="0"/>
                   <a:cs typeface="Courier New" pitchFamily="49" charset="0"/>
                 </a:rPr>
               </a:br>
               <a:r>
-                <a:rPr lang="en-US" sz="1400" dirty="0" smtClean="0">
+                <a:rPr lang="en-US" sz="1400" smtClean="0">
                   <a:latin typeface="Courier New" pitchFamily="49" charset="0"/>
                   <a:cs typeface="Courier New" pitchFamily="49" charset="0"/>
                 </a:rPr>
                 <a:t>  </a:t>
               </a:r>
               <a:r>
-                <a:rPr lang="en-US" sz="1400" dirty="0" err="1" smtClean="0">
+                <a:rPr lang="en-US" sz="1400" err="1" smtClean="0">
                   <a:latin typeface="Courier New" pitchFamily="49" charset="0"/>
                   <a:cs typeface="Courier New" pitchFamily="49" charset="0"/>
                 </a:rPr>
                 <a:t>int</a:t>
               </a:r>
               <a:r>
-                <a:rPr lang="en-US" sz="1400" dirty="0" smtClean="0">
+                <a:rPr lang="en-US" sz="1400" smtClean="0">
                   <a:latin typeface="Courier New" pitchFamily="49" charset="0"/>
                   <a:cs typeface="Courier New" pitchFamily="49" charset="0"/>
                 </a:rPr>
@@ -7235,54 +7408,54 @@
             </a:p>
             <a:p>
               <a:r>
-                <a:rPr lang="en-US" sz="1400" dirty="0" smtClean="0">
+                <a:rPr lang="en-US" sz="1400" smtClean="0">
                   <a:latin typeface="Courier New" pitchFamily="49" charset="0"/>
                   <a:cs typeface="Courier New" pitchFamily="49" charset="0"/>
                 </a:rPr>
                 <a:t>  // </a:t>
               </a:r>
               <a:r>
-                <a:rPr lang="en-US" sz="1400" dirty="0" err="1" smtClean="0">
+                <a:rPr lang="en-US" sz="1400" err="1" smtClean="0">
                   <a:latin typeface="Courier New" pitchFamily="49" charset="0"/>
                   <a:cs typeface="Courier New" pitchFamily="49" charset="0"/>
                 </a:rPr>
                 <a:t>es</a:t>
               </a:r>
               <a:r>
-                <a:rPr lang="en-US" sz="1400" dirty="0" smtClean="0">
+                <a:rPr lang="en-US" sz="1400" smtClean="0">
                   <a:latin typeface="Courier New" pitchFamily="49" charset="0"/>
                   <a:cs typeface="Courier New" pitchFamily="49" charset="0"/>
                 </a:rPr>
                 <a:t> </a:t>
               </a:r>
               <a:r>
-                <a:rPr lang="en-US" sz="1400" dirty="0" err="1" smtClean="0">
+                <a:rPr lang="en-US" sz="1400" err="1" smtClean="0">
                   <a:latin typeface="Courier New" pitchFamily="49" charset="0"/>
                   <a:cs typeface="Courier New" pitchFamily="49" charset="0"/>
                 </a:rPr>
                 <a:t>difícil</a:t>
               </a:r>
               <a:r>
-                <a:rPr lang="en-US" sz="1400" dirty="0" smtClean="0">
+                <a:rPr lang="en-US" sz="1400" smtClean="0">
                   <a:latin typeface="Courier New" pitchFamily="49" charset="0"/>
                   <a:cs typeface="Courier New" pitchFamily="49" charset="0"/>
                 </a:rPr>
                 <a:t>!</a:t>
               </a:r>
               <a:br>
-                <a:rPr lang="en-US" sz="1400" dirty="0" smtClean="0">
+                <a:rPr lang="en-US" sz="1400" smtClean="0">
                   <a:latin typeface="Courier New" pitchFamily="49" charset="0"/>
                   <a:cs typeface="Courier New" pitchFamily="49" charset="0"/>
                 </a:rPr>
               </a:br>
               <a:r>
-                <a:rPr lang="en-US" sz="1400" dirty="0" smtClean="0">
+                <a:rPr lang="en-US" sz="1400" smtClean="0">
                   <a:latin typeface="Courier New" pitchFamily="49" charset="0"/>
                   <a:cs typeface="Courier New" pitchFamily="49" charset="0"/>
                 </a:rPr>
                 <a:t>}</a:t>
               </a:r>
-              <a:endParaRPr lang="es-AR" sz="1400" dirty="0">
+              <a:endParaRPr lang="es-AR" sz="1400">
                 <a:latin typeface="Courier New" pitchFamily="49" charset="0"/>
                 <a:cs typeface="Courier New" pitchFamily="49" charset="0"/>
               </a:endParaRPr>
@@ -7338,36 +7511,36 @@
           <a:lstStyle/>
           <a:p>
             <a:r>
-              <a:rPr lang="es-ES" dirty="0" smtClean="0"/>
+              <a:rPr lang="es-ES" smtClean="0"/>
               <a:t>Mantener sincronizado el mismo documento en todas las ubicaciones.</a:t>
             </a:r>
           </a:p>
           <a:p>
             <a:r>
-              <a:rPr lang="es-ES" dirty="0" smtClean="0"/>
+              <a:rPr lang="es-ES" smtClean="0"/>
               <a:t>Ofrecer un </a:t>
             </a:r>
             <a:r>
-              <a:rPr lang="es-ES" dirty="0" err="1" smtClean="0"/>
+              <a:rPr lang="es-ES" err="1" smtClean="0"/>
               <a:t>feedback</a:t>
             </a:r>
             <a:r>
-              <a:rPr lang="es-ES" dirty="0" smtClean="0"/>
+              <a:rPr lang="es-ES" smtClean="0"/>
               <a:t> instantáneo al usuario.</a:t>
             </a:r>
           </a:p>
           <a:p>
             <a:r>
-              <a:rPr lang="es-ES" dirty="0" smtClean="0"/>
+              <a:rPr lang="es-ES" smtClean="0"/>
               <a:t>No inventar otra herramienta, integrarse con las herramientas existentes.</a:t>
             </a:r>
           </a:p>
           <a:p>
             <a:r>
-              <a:rPr lang="es-ES" dirty="0" smtClean="0"/>
+              <a:rPr lang="es-ES" smtClean="0"/>
               <a:t>Simplicidad de uso y despliegue, sin necesidad de un servidor central.</a:t>
             </a:r>
-            <a:endParaRPr lang="es-ES" dirty="0"/>
+            <a:endParaRPr lang="es-ES"/>
           </a:p>
         </p:txBody>
       </p:sp>
@@ -7387,10 +7560,10 @@
           <a:lstStyle/>
           <a:p>
             <a:r>
-              <a:rPr lang="es-ES" dirty="0" smtClean="0"/>
+              <a:rPr lang="es-ES" smtClean="0"/>
               <a:t>Problemas a Resolver</a:t>
             </a:r>
-            <a:endParaRPr lang="es-ES" dirty="0"/>
+            <a:endParaRPr lang="es-ES"/>
           </a:p>
         </p:txBody>
       </p:sp>
@@ -7482,10 +7655,10 @@
                     <a:lstStyle/>
                     <a:p>
                       <a:r>
-                        <a:rPr lang="es-ES" dirty="0" smtClean="0"/>
+                        <a:rPr lang="es-ES" smtClean="0"/>
                         <a:t>Solución</a:t>
                       </a:r>
-                      <a:endParaRPr lang="es-ES" dirty="0"/>
+                      <a:endParaRPr lang="es-ES"/>
                     </a:p>
                   </a:txBody>
                   <a:tcPr/>
@@ -7496,10 +7669,10 @@
                     <a:lstStyle/>
                     <a:p>
                       <a:r>
-                        <a:rPr lang="es-ES" dirty="0" smtClean="0"/>
+                        <a:rPr lang="es-ES" smtClean="0"/>
                         <a:t>Características</a:t>
                       </a:r>
-                      <a:endParaRPr lang="es-ES" dirty="0"/>
+                      <a:endParaRPr lang="es-ES"/>
                     </a:p>
                   </a:txBody>
                   <a:tcPr/>
@@ -7510,10 +7683,10 @@
                     <a:lstStyle/>
                     <a:p>
                       <a:r>
-                        <a:rPr lang="es-ES" dirty="0" smtClean="0"/>
+                        <a:rPr lang="es-ES" smtClean="0"/>
                         <a:t>Comparativa</a:t>
                       </a:r>
-                      <a:endParaRPr lang="es-ES" dirty="0"/>
+                      <a:endParaRPr lang="es-ES"/>
                     </a:p>
                   </a:txBody>
                   <a:tcPr/>
@@ -7526,14 +7699,14 @@
                     <a:lstStyle/>
                     <a:p>
                       <a:r>
-                        <a:rPr lang="es-ES" dirty="0" smtClean="0"/>
+                        <a:rPr lang="es-ES" smtClean="0"/>
                         <a:t>Google </a:t>
                       </a:r>
                       <a:r>
-                        <a:rPr lang="es-ES" dirty="0" err="1" smtClean="0"/>
+                        <a:rPr lang="es-ES" err="1" smtClean="0"/>
                         <a:t>Docs</a:t>
                       </a:r>
-                      <a:endParaRPr lang="es-ES" dirty="0"/>
+                      <a:endParaRPr lang="es-ES"/>
                     </a:p>
                   </a:txBody>
                   <a:tcPr/>
@@ -7544,22 +7717,22 @@
                     <a:lstStyle/>
                     <a:p>
                       <a:r>
-                        <a:rPr lang="es-ES" dirty="0" smtClean="0"/>
+                        <a:rPr lang="es-ES" smtClean="0"/>
                         <a:t>Edición</a:t>
                       </a:r>
                       <a:r>
-                        <a:rPr lang="es-ES" baseline="0" dirty="0" smtClean="0"/>
+                        <a:rPr lang="es-ES" baseline="0" smtClean="0"/>
                         <a:t> de </a:t>
                       </a:r>
                       <a:r>
-                        <a:rPr lang="es-ES" baseline="0" dirty="0" err="1" smtClean="0"/>
+                        <a:rPr lang="es-ES" baseline="0" err="1" smtClean="0"/>
                         <a:t>docs</a:t>
                       </a:r>
                       <a:r>
-                        <a:rPr lang="es-ES" baseline="0" dirty="0" smtClean="0"/>
+                        <a:rPr lang="es-ES" baseline="0" smtClean="0"/>
                         <a:t> en tiempo real desde un navegador.</a:t>
                       </a:r>
-                      <a:endParaRPr lang="es-ES" dirty="0"/>
+                      <a:endParaRPr lang="es-ES"/>
                     </a:p>
                   </a:txBody>
                   <a:tcPr/>
@@ -7570,14 +7743,14 @@
                     <a:lstStyle/>
                     <a:p>
                       <a:r>
-                        <a:rPr lang="es-ES" dirty="0" smtClean="0"/>
+                        <a:rPr lang="es-ES" smtClean="0"/>
                         <a:t>Solo utilizable a través</a:t>
                       </a:r>
                       <a:r>
-                        <a:rPr lang="es-ES" baseline="0" dirty="0" smtClean="0"/>
+                        <a:rPr lang="es-ES" baseline="0" smtClean="0"/>
                         <a:t> de un browser. Código fuente cerrado.</a:t>
                       </a:r>
-                      <a:endParaRPr lang="es-ES" dirty="0"/>
+                      <a:endParaRPr lang="es-ES"/>
                     </a:p>
                   </a:txBody>
                   <a:tcPr/>
@@ -7590,10 +7763,10 @@
                     <a:lstStyle/>
                     <a:p>
                       <a:r>
-                        <a:rPr lang="es-ES" dirty="0" smtClean="0"/>
+                        <a:rPr lang="es-ES" smtClean="0"/>
                         <a:t>Google Wave</a:t>
                       </a:r>
-                      <a:endParaRPr lang="es-ES" dirty="0"/>
+                      <a:endParaRPr lang="es-ES"/>
                     </a:p>
                   </a:txBody>
                   <a:tcPr/>
@@ -7604,14 +7777,14 @@
                     <a:lstStyle/>
                     <a:p>
                       <a:r>
-                        <a:rPr lang="es-ES" dirty="0" smtClean="0"/>
+                        <a:rPr lang="es-ES" smtClean="0"/>
                         <a:t>Comunicación</a:t>
                       </a:r>
                       <a:r>
-                        <a:rPr lang="es-ES" baseline="0" dirty="0" smtClean="0"/>
+                        <a:rPr lang="es-ES" baseline="0" smtClean="0"/>
                         <a:t> y colaboración en tiempo real.</a:t>
                       </a:r>
-                      <a:endParaRPr lang="es-ES" dirty="0"/>
+                      <a:endParaRPr lang="es-ES"/>
                     </a:p>
                   </a:txBody>
                   <a:tcPr/>
@@ -7622,22 +7795,22 @@
                     <a:lstStyle/>
                     <a:p>
                       <a:r>
-                        <a:rPr lang="es-ES" dirty="0" smtClean="0"/>
+                        <a:rPr lang="es-ES" smtClean="0"/>
                         <a:t>Ídem</a:t>
                       </a:r>
                       <a:r>
-                        <a:rPr lang="es-ES" baseline="0" dirty="0" smtClean="0"/>
+                        <a:rPr lang="es-ES" baseline="0" smtClean="0"/>
                         <a:t> Google </a:t>
                       </a:r>
                       <a:r>
-                        <a:rPr lang="es-ES" baseline="0" dirty="0" err="1" smtClean="0"/>
+                        <a:rPr lang="es-ES" baseline="0" err="1" smtClean="0"/>
                         <a:t>Docs</a:t>
                       </a:r>
                       <a:r>
-                        <a:rPr lang="es-ES" baseline="0" dirty="0" smtClean="0"/>
+                        <a:rPr lang="es-ES" baseline="0" smtClean="0"/>
                         <a:t>. El proyecto ha sido abandonado.</a:t>
                       </a:r>
-                      <a:endParaRPr lang="es-ES" dirty="0"/>
+                      <a:endParaRPr lang="es-ES"/>
                     </a:p>
                   </a:txBody>
                   <a:tcPr/>
@@ -7650,10 +7823,10 @@
                     <a:lstStyle/>
                     <a:p>
                       <a:r>
-                        <a:rPr lang="es-ES" dirty="0" smtClean="0"/>
+                        <a:rPr lang="es-ES" smtClean="0"/>
                         <a:t>COLA (ECF)</a:t>
                       </a:r>
-                      <a:endParaRPr lang="es-ES" dirty="0"/>
+                      <a:endParaRPr lang="es-ES"/>
                     </a:p>
                   </a:txBody>
                   <a:tcPr/>
@@ -7664,14 +7837,14 @@
                     <a:lstStyle/>
                     <a:p>
                       <a:r>
-                        <a:rPr lang="es-ES" dirty="0" smtClean="0"/>
+                        <a:rPr lang="es-ES" smtClean="0"/>
                         <a:t>Integración</a:t>
                       </a:r>
                       <a:r>
-                        <a:rPr lang="es-ES" baseline="0" dirty="0" smtClean="0"/>
+                        <a:rPr lang="es-ES" baseline="0" smtClean="0"/>
                         <a:t> con Eclipse para colaboración en tiempo real de código fuente.</a:t>
                       </a:r>
-                      <a:endParaRPr lang="es-ES" dirty="0"/>
+                      <a:endParaRPr lang="es-ES"/>
                     </a:p>
                   </a:txBody>
                   <a:tcPr/>
@@ -7682,14 +7855,14 @@
                     <a:lstStyle/>
                     <a:p>
                       <a:r>
-                        <a:rPr lang="es-ES" dirty="0" smtClean="0"/>
+                        <a:rPr lang="es-ES" smtClean="0"/>
                         <a:t>Máximo</a:t>
                       </a:r>
                       <a:r>
-                        <a:rPr lang="es-ES" baseline="0" dirty="0" smtClean="0"/>
+                        <a:rPr lang="es-ES" baseline="0" smtClean="0"/>
                         <a:t> dos  usuarios en una sesión de edición. Depende del proyecto ECF.</a:t>
                       </a:r>
-                      <a:endParaRPr lang="es-ES" dirty="0"/>
+                      <a:endParaRPr lang="es-ES"/>
                     </a:p>
                   </a:txBody>
                   <a:tcPr/>
@@ -7702,10 +7875,10 @@
                     <a:lstStyle/>
                     <a:p>
                       <a:r>
-                        <a:rPr lang="es-ES" dirty="0" err="1" smtClean="0"/>
+                        <a:rPr lang="es-ES" err="1" smtClean="0"/>
                         <a:t>BeWeeVee</a:t>
                       </a:r>
-                      <a:endParaRPr lang="es-ES" dirty="0"/>
+                      <a:endParaRPr lang="es-ES"/>
                     </a:p>
                   </a:txBody>
                   <a:tcPr/>
@@ -7716,30 +7889,30 @@
                     <a:lstStyle/>
                     <a:p>
                       <a:r>
-                        <a:rPr lang="es-ES" dirty="0" err="1" smtClean="0"/>
+                        <a:rPr lang="es-ES" err="1" smtClean="0"/>
                         <a:t>Framwork</a:t>
                       </a:r>
                       <a:r>
-                        <a:rPr lang="es-ES" baseline="0" dirty="0" smtClean="0"/>
+                        <a:rPr lang="es-ES" baseline="0" smtClean="0"/>
                         <a:t> para integración de funcionalidad de </a:t>
                       </a:r>
                       <a:r>
-                        <a:rPr lang="es-ES" baseline="0" dirty="0" err="1" smtClean="0"/>
+                        <a:rPr lang="es-ES" baseline="0" err="1" smtClean="0"/>
                         <a:t>colaboracion</a:t>
                       </a:r>
                       <a:r>
-                        <a:rPr lang="es-ES" baseline="0" dirty="0" smtClean="0"/>
+                        <a:rPr lang="es-ES" baseline="0" smtClean="0"/>
                         <a:t> en tiempo real para </a:t>
                       </a:r>
                       <a:r>
-                        <a:rPr lang="es-ES" baseline="0" dirty="0" err="1" smtClean="0"/>
+                        <a:rPr lang="es-ES" baseline="0" err="1" smtClean="0"/>
                         <a:t>.Net</a:t>
                       </a:r>
                       <a:r>
-                        <a:rPr lang="es-ES" baseline="0" dirty="0" smtClean="0"/>
+                        <a:rPr lang="es-ES" baseline="0" smtClean="0"/>
                         <a:t>.</a:t>
                       </a:r>
-                      <a:endParaRPr lang="es-ES" dirty="0"/>
+                      <a:endParaRPr lang="es-ES"/>
                     </a:p>
                   </a:txBody>
                   <a:tcPr/>
@@ -7750,26 +7923,26 @@
                     <a:lstStyle/>
                     <a:p>
                       <a:r>
-                        <a:rPr lang="es-ES" dirty="0" smtClean="0"/>
+                        <a:rPr lang="es-ES" smtClean="0"/>
                         <a:t>Código</a:t>
                       </a:r>
                       <a:r>
-                        <a:rPr lang="es-ES" baseline="0" dirty="0" smtClean="0"/>
+                        <a:rPr lang="es-ES" baseline="0" smtClean="0"/>
                         <a:t> fuente </a:t>
                       </a:r>
                       <a:r>
-                        <a:rPr lang="es-ES" baseline="0" dirty="0" err="1" smtClean="0"/>
+                        <a:rPr lang="es-ES" baseline="0" err="1" smtClean="0"/>
                         <a:t>cerrrado</a:t>
                       </a:r>
                       <a:r>
-                        <a:rPr lang="es-ES" baseline="0" dirty="0" smtClean="0"/>
+                        <a:rPr lang="es-ES" baseline="0" smtClean="0"/>
                         <a:t>. Está desarrollado sólo para la plataforma </a:t>
                       </a:r>
                       <a:r>
-                        <a:rPr lang="es-ES" baseline="0" dirty="0" err="1" smtClean="0"/>
+                        <a:rPr lang="es-ES" baseline="0" err="1" smtClean="0"/>
                         <a:t>.Net</a:t>
                       </a:r>
-                      <a:endParaRPr lang="es-ES" dirty="0"/>
+                      <a:endParaRPr lang="es-ES"/>
                     </a:p>
                   </a:txBody>
                   <a:tcPr/>
@@ -7795,10 +7968,10 @@
           <a:lstStyle/>
           <a:p>
             <a:r>
-              <a:rPr lang="es-ES" dirty="0" smtClean="0"/>
+              <a:rPr lang="es-ES" smtClean="0"/>
               <a:t>Otras soluciones similares</a:t>
             </a:r>
-            <a:endParaRPr lang="es-ES" dirty="0"/>
+            <a:endParaRPr lang="es-ES"/>
           </a:p>
         </p:txBody>
       </p:sp>
@@ -7918,31 +8091,90 @@
         </p:nvSpPr>
         <p:spPr/>
         <p:txBody>
+          <a:bodyPr>
+            <a:normAutofit/>
+          </a:bodyPr>
+          <a:lstStyle/>
+          <a:p>
+            <a:r>
+              <a:rPr lang="es-ES" dirty="0" smtClean="0"/>
+              <a:t>Para </a:t>
+            </a:r>
+            <a:r>
+              <a:rPr lang="es-ES" dirty="0" smtClean="0"/>
+              <a:t>sincronizar el documento entre cada ubicación se hace uso del algoritmo “Júpiter”</a:t>
+            </a:r>
+            <a:endParaRPr lang="es-ES" dirty="0" smtClean="0"/>
+          </a:p>
+          <a:p>
+            <a:endParaRPr lang="es-ES" dirty="0" smtClean="0"/>
+          </a:p>
+        </p:txBody>
+      </p:sp>
+      <p:sp>
+        <p:nvSpPr>
+          <p:cNvPr id="2" name="1 Título"/>
+          <p:cNvSpPr>
+            <a:spLocks noGrp="1"/>
+          </p:cNvSpPr>
+          <p:nvPr>
+            <p:ph type="title"/>
+          </p:nvPr>
+        </p:nvSpPr>
+        <p:spPr/>
+        <p:txBody>
           <a:bodyPr/>
           <a:lstStyle/>
           <a:p>
+            <a:r>
+              <a:rPr lang="es-ES" dirty="0" smtClean="0"/>
+              <a:t>Búsqueda de la </a:t>
+            </a:r>
+            <a:r>
+              <a:rPr lang="es-ES" dirty="0" smtClean="0"/>
+              <a:t>solución (I)</a:t>
+            </a:r>
             <a:endParaRPr lang="es-ES" dirty="0"/>
           </a:p>
         </p:txBody>
       </p:sp>
       <p:sp>
         <p:nvSpPr>
-          <p:cNvPr id="2" name="1 Título"/>
-          <p:cNvSpPr>
-            <a:spLocks noGrp="1"/>
-          </p:cNvSpPr>
-          <p:nvPr>
-            <p:ph type="title"/>
-          </p:nvPr>
-        </p:nvSpPr>
-        <p:spPr/>
-        <p:txBody>
-          <a:bodyPr/>
+          <p:cNvPr id="5" name="4 CuadroTexto"/>
+          <p:cNvSpPr txBox="1"/>
+          <p:nvPr/>
+        </p:nvSpPr>
+        <p:spPr>
+          <a:xfrm>
+            <a:off x="1000100" y="2643182"/>
+            <a:ext cx="7215238" cy="646331"/>
+          </a:xfrm>
+          <a:prstGeom prst="rect">
+            <a:avLst/>
+          </a:prstGeom>
+          <a:noFill/>
+        </p:spPr>
+        <p:txBody>
+          <a:bodyPr wrap="square" rtlCol="0">
+            <a:spAutoFit/>
+          </a:bodyPr>
           <a:lstStyle/>
           <a:p>
             <a:r>
+              <a:rPr lang="es-ES" dirty="0" err="1" smtClean="0"/>
+              <a:t>Aca</a:t>
+            </a:r>
+            <a:r>
               <a:rPr lang="es-ES" dirty="0" smtClean="0"/>
-              <a:t>Búsqueda de la solución</a:t>
+              <a:t> poner algoritmo de </a:t>
+            </a:r>
+            <a:r>
+              <a:rPr lang="es-ES" dirty="0" err="1" smtClean="0"/>
+              <a:t>jupiter</a:t>
+            </a:r>
+            <a:r>
+              <a:rPr lang="es-ES" dirty="0" smtClean="0"/>
+              <a:t> simple, con una animación de cómo se aplicaría</a:t>
             </a:r>
             <a:endParaRPr lang="es-ES" dirty="0"/>
           </a:p>
@@ -7990,35 +8222,126 @@
             <p:ph idx="1"/>
           </p:nvPr>
         </p:nvSpPr>
-        <p:spPr/>
+        <p:spPr>
+          <a:xfrm>
+            <a:off x="457200" y="1481329"/>
+            <a:ext cx="8229600" cy="2304862"/>
+          </a:xfrm>
+        </p:spPr>
         <p:txBody>
           <a:bodyPr/>
           <a:lstStyle/>
           <a:p>
+            <a:r>
+              <a:rPr lang="es-ES" dirty="0" smtClean="0"/>
+              <a:t>Originalmente se </a:t>
+            </a:r>
+            <a:r>
+              <a:rPr lang="es-ES" dirty="0" err="1" smtClean="0"/>
+              <a:t>implentaron</a:t>
+            </a:r>
+            <a:r>
+              <a:rPr lang="es-ES" dirty="0" smtClean="0"/>
+              <a:t> operaciones Borrar e Insertar de más de un carácter.</a:t>
+            </a:r>
+          </a:p>
+          <a:p>
+            <a:r>
+              <a:rPr lang="es-ES" dirty="0" smtClean="0"/>
+              <a:t>Finalmente, se utilizó la solución propuesta en el </a:t>
+            </a:r>
+            <a:r>
+              <a:rPr lang="es-ES" dirty="0" err="1" smtClean="0"/>
+              <a:t>paper</a:t>
+            </a:r>
+            <a:r>
+              <a:rPr lang="es-ES" dirty="0" smtClean="0"/>
+              <a:t> </a:t>
+            </a:r>
+            <a:r>
+              <a:rPr lang="es-ES" dirty="0" err="1" smtClean="0"/>
+              <a:t>xxx</a:t>
+            </a:r>
+            <a:r>
+              <a:rPr lang="es-ES" dirty="0" smtClean="0"/>
+              <a:t> haciendo uso de operaciones Borrar e Insertar de 1 carácter de longitud</a:t>
+            </a:r>
+            <a:r>
+              <a:rPr lang="es-ES" dirty="0" smtClean="0"/>
+              <a:t>.</a:t>
+            </a:r>
+            <a:endParaRPr lang="es-ES" dirty="0" smtClean="0"/>
+          </a:p>
+        </p:txBody>
+      </p:sp>
+      <p:sp>
+        <p:nvSpPr>
+          <p:cNvPr id="2" name="1 Título"/>
+          <p:cNvSpPr>
+            <a:spLocks noGrp="1"/>
+          </p:cNvSpPr>
+          <p:nvPr>
+            <p:ph type="title"/>
+          </p:nvPr>
+        </p:nvSpPr>
+        <p:spPr/>
+        <p:txBody>
+          <a:bodyPr/>
+          <a:lstStyle/>
+          <a:p>
+            <a:r>
+              <a:rPr lang="es-ES" dirty="0" smtClean="0"/>
+              <a:t>Búsqueda de la </a:t>
+            </a:r>
+            <a:r>
+              <a:rPr lang="es-ES" dirty="0" smtClean="0"/>
+              <a:t>solución (II)</a:t>
+            </a:r>
             <a:endParaRPr lang="es-ES" dirty="0"/>
           </a:p>
         </p:txBody>
       </p:sp>
       <p:sp>
         <p:nvSpPr>
-          <p:cNvPr id="2" name="1 Título"/>
-          <p:cNvSpPr>
-            <a:spLocks noGrp="1"/>
-          </p:cNvSpPr>
-          <p:nvPr>
-            <p:ph type="title"/>
-          </p:nvPr>
-        </p:nvSpPr>
-        <p:spPr/>
-        <p:txBody>
-          <a:bodyPr>
-            <a:normAutofit fontScale="90000"/>
+          <p:cNvPr id="5" name="4 CuadroTexto"/>
+          <p:cNvSpPr txBox="1"/>
+          <p:nvPr/>
+        </p:nvSpPr>
+        <p:spPr>
+          <a:xfrm>
+            <a:off x="1428728" y="4643446"/>
+            <a:ext cx="6929486" cy="646331"/>
+          </a:xfrm>
+          <a:prstGeom prst="rect">
+            <a:avLst/>
+          </a:prstGeom>
+          <a:noFill/>
+        </p:spPr>
+        <p:txBody>
+          <a:bodyPr wrap="square" rtlCol="0">
+            <a:spAutoFit/>
           </a:bodyPr>
           <a:lstStyle/>
           <a:p>
             <a:r>
               <a:rPr lang="es-ES" dirty="0" smtClean="0"/>
-              <a:t>Problemas enfrentados durante el desarrollo</a:t>
+              <a:t>Poner </a:t>
+            </a:r>
+            <a:r>
+              <a:rPr lang="es-ES" dirty="0" err="1" smtClean="0"/>
+              <a:t>ej</a:t>
+            </a:r>
+            <a:r>
+              <a:rPr lang="es-ES" dirty="0" smtClean="0"/>
+              <a:t> de </a:t>
+            </a:r>
+            <a:r>
+              <a:rPr lang="es-ES" dirty="0" err="1" smtClean="0"/>
+              <a:t>funcion</a:t>
+            </a:r>
+            <a:r>
+              <a:rPr lang="es-ES" dirty="0" smtClean="0"/>
+              <a:t> de transformación,  para dar una idea de lo que hace</a:t>
             </a:r>
             <a:endParaRPr lang="es-ES" dirty="0"/>
           </a:p>
@@ -8071,26 +8394,6 @@
           <a:bodyPr/>
           <a:lstStyle/>
           <a:p>
-            <a:r>
-              <a:rPr lang="es-ES" dirty="0" smtClean="0"/>
-              <a:t>Mostrar  el listado  de las </a:t>
-            </a:r>
-            <a:r>
-              <a:rPr lang="es-ES" dirty="0" err="1" smtClean="0"/>
-              <a:t>tecnologias</a:t>
-            </a:r>
-            <a:r>
-              <a:rPr lang="es-ES" dirty="0" smtClean="0"/>
-              <a:t> y una breve </a:t>
-            </a:r>
-            <a:r>
-              <a:rPr lang="es-ES" dirty="0" err="1" smtClean="0"/>
-              <a:t>explicacion</a:t>
-            </a:r>
-            <a:r>
-              <a:rPr lang="es-ES" dirty="0" smtClean="0"/>
-              <a:t> de porque se usaron</a:t>
-            </a:r>
             <a:endParaRPr lang="es-ES" dirty="0"/>
           </a:p>
         </p:txBody>
@@ -8107,14 +8410,16 @@
         </p:nvSpPr>
         <p:spPr/>
         <p:txBody>
-          <a:bodyPr/>
+          <a:bodyPr>
+            <a:normAutofit fontScale="90000"/>
+          </a:bodyPr>
           <a:lstStyle/>
           <a:p>
             <a:r>
-              <a:rPr lang="es-ES" dirty="0" smtClean="0"/>
-              <a:t>Tecnologías utilizadas</a:t>
-            </a:r>
-            <a:endParaRPr lang="es-ES" dirty="0"/>
+              <a:rPr lang="es-ES" smtClean="0"/>
+              <a:t>Problemas enfrentados durante el desarrollo</a:t>
+            </a:r>
+            <a:endParaRPr lang="es-ES"/>
           </a:p>
         </p:txBody>
       </p:sp>

--- a/doc/presentacion/presentacion.pptx
+++ b/doc/presentacion/presentacion.pptx
@@ -17,7 +17,7 @@
     <p:sldId id="260" r:id="rId8"/>
     <p:sldId id="272" r:id="rId9"/>
     <p:sldId id="261" r:id="rId10"/>
-    <p:sldId id="262" r:id="rId11"/>
+    <p:sldId id="273" r:id="rId11"/>
     <p:sldId id="263" r:id="rId12"/>
     <p:sldId id="265" r:id="rId13"/>
     <p:sldId id="264" r:id="rId14"/>
@@ -209,7 +209,7 @@
             <a:fld id="{53A9BA33-61B4-4CB5-A056-C0C55B1A2ED8}" type="datetimeFigureOut">
               <a:rPr lang="es-AR" smtClean="0"/>
               <a:pPr/>
-              <a:t>06/12/2010</a:t>
+              <a:t>07/12/2010</a:t>
             </a:fld>
             <a:endParaRPr lang="es-AR"/>
           </a:p>
@@ -371,7 +371,7 @@
             <a:fld id="{3BCBAC67-084D-419D-A89D-D7FC2C09E238}" type="slidenum">
               <a:rPr lang="es-AR" smtClean="0"/>
               <a:pPr/>
-              <a:t>‹Nº›</a:t>
+              <a:t>‹#›</a:t>
             </a:fld>
             <a:endParaRPr lang="es-AR"/>
           </a:p>
@@ -1265,7 +1265,7 @@
             <a:fld id="{47C9B81F-C347-4BEF-BFDF-29C42F48304A}" type="datetimeFigureOut">
               <a:rPr lang="en-US" smtClean="0"/>
               <a:pPr/>
-              <a:t>12/6/2010</a:t>
+              <a:t>12/7/2010</a:t>
             </a:fld>
             <a:endParaRPr lang="en-US">
               <a:solidFill>
@@ -1341,7 +1341,7 @@
             <a:fld id="{042AED99-7FB4-404E-8A97-64753DCE42EC}" type="slidenum">
               <a:rPr kumimoji="0" lang="en-US" smtClean="0"/>
               <a:pPr/>
-              <a:t>‹Nº›</a:t>
+              <a:t>‹#›</a:t>
             </a:fld>
             <a:endParaRPr kumimoji="0" lang="en-US">
               <a:solidFill>
@@ -1482,7 +1482,7 @@
             <a:fld id="{47C9B81F-C347-4BEF-BFDF-29C42F48304A}" type="datetimeFigureOut">
               <a:rPr lang="en-US" smtClean="0"/>
               <a:pPr/>
-              <a:t>12/6/2010</a:t>
+              <a:t>12/7/2010</a:t>
             </a:fld>
             <a:endParaRPr lang="en-US">
               <a:solidFill>
@@ -1542,7 +1542,7 @@
             <a:fld id="{042AED99-7FB4-404E-8A97-64753DCE42EC}" type="slidenum">
               <a:rPr kumimoji="0" lang="en-US" smtClean="0"/>
               <a:pPr/>
-              <a:t>‹Nº›</a:t>
+              <a:t>‹#›</a:t>
             </a:fld>
             <a:endParaRPr kumimoji="0" lang="en-US">
               <a:solidFill>
@@ -1688,7 +1688,7 @@
             <a:fld id="{47C9B81F-C347-4BEF-BFDF-29C42F48304A}" type="datetimeFigureOut">
               <a:rPr lang="en-US" smtClean="0"/>
               <a:pPr/>
-              <a:t>12/6/2010</a:t>
+              <a:t>12/7/2010</a:t>
             </a:fld>
             <a:endParaRPr lang="en-US">
               <a:solidFill>
@@ -1748,7 +1748,7 @@
             <a:fld id="{042AED99-7FB4-404E-8A97-64753DCE42EC}" type="slidenum">
               <a:rPr kumimoji="0" lang="en-US" smtClean="0"/>
               <a:pPr/>
-              <a:t>‹Nº›</a:t>
+              <a:t>‹#›</a:t>
             </a:fld>
             <a:endParaRPr kumimoji="0" lang="en-US">
               <a:solidFill>
@@ -1859,7 +1859,7 @@
             <a:fld id="{47C9B81F-C347-4BEF-BFDF-29C42F48304A}" type="datetimeFigureOut">
               <a:rPr lang="en-US" smtClean="0"/>
               <a:pPr/>
-              <a:t>12/6/2010</a:t>
+              <a:t>12/7/2010</a:t>
             </a:fld>
             <a:endParaRPr lang="en-US">
               <a:solidFill>
@@ -1919,7 +1919,7 @@
             <a:fld id="{042AED99-7FB4-404E-8A97-64753DCE42EC}" type="slidenum">
               <a:rPr kumimoji="0" lang="en-US" smtClean="0"/>
               <a:pPr/>
-              <a:t>‹Nº›</a:t>
+              <a:t>‹#›</a:t>
             </a:fld>
             <a:endParaRPr kumimoji="0" lang="en-US">
               <a:solidFill>
@@ -2135,7 +2135,7 @@
             <a:fld id="{47C9B81F-C347-4BEF-BFDF-29C42F48304A}" type="datetimeFigureOut">
               <a:rPr lang="en-US" smtClean="0"/>
               <a:pPr/>
-              <a:t>12/6/2010</a:t>
+              <a:t>12/7/2010</a:t>
             </a:fld>
             <a:endParaRPr lang="en-US">
               <a:solidFill>
@@ -2195,7 +2195,7 @@
             <a:fld id="{042AED99-7FB4-404E-8A97-64753DCE42EC}" type="slidenum">
               <a:rPr kumimoji="0" lang="en-US" smtClean="0"/>
               <a:pPr/>
-              <a:t>‹Nº›</a:t>
+              <a:t>‹#›</a:t>
             </a:fld>
             <a:endParaRPr kumimoji="0" lang="en-US">
               <a:solidFill>
@@ -2565,7 +2565,7 @@
             <a:fld id="{47C9B81F-C347-4BEF-BFDF-29C42F48304A}" type="datetimeFigureOut">
               <a:rPr lang="en-US" smtClean="0"/>
               <a:pPr/>
-              <a:t>12/6/2010</a:t>
+              <a:t>12/7/2010</a:t>
             </a:fld>
             <a:endParaRPr lang="en-US">
               <a:solidFill>
@@ -2625,7 +2625,7 @@
             <a:fld id="{042AED99-7FB4-404E-8A97-64753DCE42EC}" type="slidenum">
               <a:rPr kumimoji="0" lang="en-US" smtClean="0"/>
               <a:pPr/>
-              <a:t>‹Nº›</a:t>
+              <a:t>‹#›</a:t>
             </a:fld>
             <a:endParaRPr kumimoji="0" lang="en-US">
               <a:solidFill>
@@ -3032,7 +3032,7 @@
             <a:fld id="{47C9B81F-C347-4BEF-BFDF-29C42F48304A}" type="datetimeFigureOut">
               <a:rPr lang="en-US" smtClean="0"/>
               <a:pPr/>
-              <a:t>12/6/2010</a:t>
+              <a:t>12/7/2010</a:t>
             </a:fld>
             <a:endParaRPr lang="en-US">
               <a:solidFill>
@@ -3092,7 +3092,7 @@
             <a:fld id="{042AED99-7FB4-404E-8A97-64753DCE42EC}" type="slidenum">
               <a:rPr kumimoji="0" lang="en-US" smtClean="0"/>
               <a:pPr/>
-              <a:t>‹Nº›</a:t>
+              <a:t>‹#›</a:t>
             </a:fld>
             <a:endParaRPr kumimoji="0" lang="en-US">
               <a:solidFill>
@@ -3154,7 +3154,7 @@
             <a:fld id="{47C9B81F-C347-4BEF-BFDF-29C42F48304A}" type="datetimeFigureOut">
               <a:rPr lang="en-US" smtClean="0"/>
               <a:pPr/>
-              <a:t>12/6/2010</a:t>
+              <a:t>12/7/2010</a:t>
             </a:fld>
             <a:endParaRPr lang="en-US">
               <a:solidFill>
@@ -3214,7 +3214,7 @@
             <a:fld id="{042AED99-7FB4-404E-8A97-64753DCE42EC}" type="slidenum">
               <a:rPr kumimoji="0" lang="en-US" smtClean="0"/>
               <a:pPr/>
-              <a:t>‹Nº›</a:t>
+              <a:t>‹#›</a:t>
             </a:fld>
             <a:endParaRPr kumimoji="0" lang="en-US">
               <a:solidFill>
@@ -3296,7 +3296,7 @@
             <a:fld id="{47C9B81F-C347-4BEF-BFDF-29C42F48304A}" type="datetimeFigureOut">
               <a:rPr lang="en-US" smtClean="0"/>
               <a:pPr/>
-              <a:t>12/6/2010</a:t>
+              <a:t>12/7/2010</a:t>
             </a:fld>
             <a:endParaRPr lang="en-US">
               <a:solidFill>
@@ -3356,7 +3356,7 @@
             <a:fld id="{042AED99-7FB4-404E-8A97-64753DCE42EC}" type="slidenum">
               <a:rPr kumimoji="0" lang="en-US" smtClean="0"/>
               <a:pPr/>
-              <a:t>‹Nº›</a:t>
+              <a:t>‹#›</a:t>
             </a:fld>
             <a:endParaRPr kumimoji="0" lang="en-US">
               <a:solidFill>
@@ -3591,7 +3591,7 @@
             <a:fld id="{47C9B81F-C347-4BEF-BFDF-29C42F48304A}" type="datetimeFigureOut">
               <a:rPr lang="en-US" smtClean="0"/>
               <a:pPr/>
-              <a:t>12/6/2010</a:t>
+              <a:t>12/7/2010</a:t>
             </a:fld>
             <a:endParaRPr lang="en-US">
               <a:solidFill>
@@ -3651,7 +3651,7 @@
             <a:fld id="{042AED99-7FB4-404E-8A97-64753DCE42EC}" type="slidenum">
               <a:rPr kumimoji="0" lang="en-US" smtClean="0"/>
               <a:pPr/>
-              <a:t>‹Nº›</a:t>
+              <a:t>‹#›</a:t>
             </a:fld>
             <a:endParaRPr kumimoji="0" lang="en-US">
               <a:solidFill>
@@ -3817,7 +3817,7 @@
             <a:fld id="{47C9B81F-C347-4BEF-BFDF-29C42F48304A}" type="datetimeFigureOut">
               <a:rPr lang="en-US" smtClean="0"/>
               <a:pPr/>
-              <a:t>12/6/2010</a:t>
+              <a:t>12/7/2010</a:t>
             </a:fld>
             <a:endParaRPr lang="en-US">
               <a:solidFill>
@@ -3896,7 +3896,7 @@
             <a:fld id="{042AED99-7FB4-404E-8A97-64753DCE42EC}" type="slidenum">
               <a:rPr kumimoji="0" lang="en-US" smtClean="0"/>
               <a:pPr/>
-              <a:t>‹Nº›</a:t>
+              <a:t>‹#›</a:t>
             </a:fld>
             <a:endParaRPr kumimoji="0" lang="en-US">
               <a:solidFill>
@@ -4947,7 +4947,7 @@
             <a:fld id="{47C9B81F-C347-4BEF-BFDF-29C42F48304A}" type="datetimeFigureOut">
               <a:rPr lang="en-US" smtClean="0"/>
               <a:pPr/>
-              <a:t>12/6/2010</a:t>
+              <a:t>12/7/2010</a:t>
             </a:fld>
             <a:endParaRPr lang="en-US">
               <a:solidFill>
@@ -5037,7 +5037,7 @@
             <a:fld id="{042AED99-7FB4-404E-8A97-64753DCE42EC}" type="slidenum">
               <a:rPr kumimoji="0" lang="en-US" smtClean="0"/>
               <a:pPr/>
-              <a:t>‹Nº›</a:t>
+              <a:t>‹#›</a:t>
             </a:fld>
             <a:endParaRPr kumimoji="0" lang="en-US">
               <a:solidFill>
@@ -5519,7 +5519,7 @@
       </p:grpSpPr>
       <p:sp>
         <p:nvSpPr>
-          <p:cNvPr id="3" name="2 Marcador de contenido"/>
+          <p:cNvPr id="5" name="Content Placeholder 4"/>
           <p:cNvSpPr>
             <a:spLocks noGrp="1"/>
           </p:cNvSpPr>
@@ -5533,29 +5533,84 @@
           <a:lstStyle/>
           <a:p>
             <a:r>
-              <a:rPr lang="es-ES" smtClean="0"/>
-              <a:t>Mostrar  el listado  de las </a:t>
-            </a:r>
-            <a:r>
-              <a:rPr lang="es-ES" err="1" smtClean="0"/>
-              <a:t>tecnologias</a:t>
-            </a:r>
-            <a:r>
-              <a:rPr lang="es-ES" smtClean="0"/>
-              <a:t> y una breve </a:t>
-            </a:r>
-            <a:r>
-              <a:rPr lang="es-ES" err="1" smtClean="0"/>
-              <a:t>explicacion</a:t>
-            </a:r>
-            <a:r>
-              <a:rPr lang="es-ES" smtClean="0"/>
-              <a:t> de porque se usaron</a:t>
-            </a:r>
-            <a:endParaRPr lang="es-ES"/>
-          </a:p>
-        </p:txBody>
-      </p:sp>
+              <a:rPr lang="en-US" dirty="0" err="1" smtClean="0"/>
+              <a:t>Lenguajes</a:t>
+            </a:r>
+            <a:r>
+              <a:rPr lang="en-US" dirty="0" smtClean="0"/>
+              <a:t> de </a:t>
+            </a:r>
+            <a:r>
+              <a:rPr lang="en-US" dirty="0" err="1" smtClean="0"/>
+              <a:t>programación</a:t>
+            </a:r>
+            <a:r>
+              <a:rPr lang="en-US" dirty="0" smtClean="0"/>
+              <a:t>: </a:t>
+            </a:r>
+            <a:br>
+              <a:rPr lang="en-US" dirty="0" smtClean="0"/>
+            </a:br>
+            <a:r>
+              <a:rPr lang="en-US" dirty="0" err="1" smtClean="0"/>
+              <a:t>Scala</a:t>
+            </a:r>
+            <a:r>
+              <a:rPr lang="en-US" dirty="0" smtClean="0"/>
+              <a:t> + Java</a:t>
+            </a:r>
+          </a:p>
+          <a:p>
+            <a:r>
+              <a:rPr lang="en-US" dirty="0" smtClean="0"/>
+              <a:t>Maven</a:t>
+            </a:r>
+          </a:p>
+          <a:p>
+            <a:r>
+              <a:rPr lang="en-US" dirty="0" smtClean="0"/>
+              <a:t>Spring</a:t>
+            </a:r>
+          </a:p>
+          <a:p>
+            <a:r>
+              <a:rPr lang="en-US" dirty="0" smtClean="0"/>
+              <a:t>GIT</a:t>
+            </a:r>
+          </a:p>
+          <a:p>
+            <a:r>
+              <a:rPr lang="en-US" dirty="0" smtClean="0"/>
+              <a:t>Eclipse IDE</a:t>
+            </a:r>
+            <a:endParaRPr lang="es-AR" dirty="0"/>
+          </a:p>
+        </p:txBody>
+      </p:sp>
+      <p:pic>
+        <p:nvPicPr>
+          <p:cNvPr id="8" name="Picture 7" descr="maven.png"/>
+          <p:cNvPicPr>
+            <a:picLocks noChangeAspect="1"/>
+          </p:cNvPicPr>
+          <p:nvPr/>
+        </p:nvPicPr>
+        <p:blipFill>
+          <a:blip r:embed="rId2"/>
+          <a:stretch>
+            <a:fillRect/>
+          </a:stretch>
+        </p:blipFill>
+        <p:spPr>
+          <a:xfrm>
+            <a:off x="5786446" y="5429264"/>
+            <a:ext cx="1214446" cy="1214446"/>
+          </a:xfrm>
+          <a:prstGeom prst="rect">
+            <a:avLst/>
+          </a:prstGeom>
+        </p:spPr>
+      </p:pic>
       <p:sp>
         <p:nvSpPr>
           <p:cNvPr id="2" name="1 Título"/>
@@ -5568,17 +5623,140 @@
         </p:nvSpPr>
         <p:spPr/>
         <p:txBody>
-          <a:bodyPr/>
+          <a:bodyPr>
+            <a:normAutofit fontScale="90000"/>
+          </a:bodyPr>
           <a:lstStyle/>
           <a:p>
             <a:r>
-              <a:rPr lang="es-ES" smtClean="0"/>
-              <a:t>Tecnologías utilizadas</a:t>
-            </a:r>
-            <a:endParaRPr lang="es-ES"/>
-          </a:p>
-        </p:txBody>
-      </p:sp>
+              <a:rPr lang="es-ES" dirty="0" smtClean="0"/>
+              <a:t>Tecnologías y herramientas utilizadas</a:t>
+            </a:r>
+            <a:endParaRPr lang="es-ES" dirty="0"/>
+          </a:p>
+        </p:txBody>
+      </p:sp>
+      <p:pic>
+        <p:nvPicPr>
+          <p:cNvPr id="6" name="Picture 5" descr="scala.png"/>
+          <p:cNvPicPr>
+            <a:picLocks noChangeAspect="1"/>
+          </p:cNvPicPr>
+          <p:nvPr/>
+        </p:nvPicPr>
+        <p:blipFill>
+          <a:blip r:embed="rId3"/>
+          <a:stretch>
+            <a:fillRect/>
+          </a:stretch>
+        </p:blipFill>
+        <p:spPr>
+          <a:xfrm>
+            <a:off x="7072330" y="1285860"/>
+            <a:ext cx="1190624" cy="1190624"/>
+          </a:xfrm>
+          <a:prstGeom prst="rect">
+            <a:avLst/>
+          </a:prstGeom>
+        </p:spPr>
+      </p:pic>
+      <p:pic>
+        <p:nvPicPr>
+          <p:cNvPr id="7" name="Picture 6" descr="java.jpg"/>
+          <p:cNvPicPr>
+            <a:picLocks noChangeAspect="1"/>
+          </p:cNvPicPr>
+          <p:nvPr/>
+        </p:nvPicPr>
+        <p:blipFill>
+          <a:blip r:embed="rId4"/>
+          <a:srcRect b="28921"/>
+          <a:stretch>
+            <a:fillRect/>
+          </a:stretch>
+        </p:blipFill>
+        <p:spPr>
+          <a:xfrm>
+            <a:off x="5715008" y="2714620"/>
+            <a:ext cx="1143008" cy="1515890"/>
+          </a:xfrm>
+          <a:prstGeom prst="rect">
+            <a:avLst/>
+          </a:prstGeom>
+        </p:spPr>
+      </p:pic>
+      <p:pic>
+        <p:nvPicPr>
+          <p:cNvPr id="9" name="Picture 8" descr="spring.jpg"/>
+          <p:cNvPicPr>
+            <a:picLocks noChangeAspect="1"/>
+          </p:cNvPicPr>
+          <p:nvPr/>
+        </p:nvPicPr>
+        <p:blipFill>
+          <a:blip r:embed="rId5"/>
+          <a:stretch>
+            <a:fillRect/>
+          </a:stretch>
+        </p:blipFill>
+        <p:spPr>
+          <a:xfrm>
+            <a:off x="4786314" y="4643446"/>
+            <a:ext cx="760019" cy="760019"/>
+          </a:xfrm>
+          <a:prstGeom prst="rect">
+            <a:avLst/>
+          </a:prstGeom>
+        </p:spPr>
+      </p:pic>
+      <p:pic>
+        <p:nvPicPr>
+          <p:cNvPr id="10" name="Picture 9" descr="git.jpg"/>
+          <p:cNvPicPr>
+            <a:picLocks noChangeAspect="1"/>
+          </p:cNvPicPr>
+          <p:nvPr/>
+        </p:nvPicPr>
+        <p:blipFill>
+          <a:blip r:embed="rId6"/>
+          <a:stretch>
+            <a:fillRect/>
+          </a:stretch>
+        </p:blipFill>
+        <p:spPr>
+          <a:xfrm>
+            <a:off x="7500958" y="4000504"/>
+            <a:ext cx="787472" cy="1639890"/>
+          </a:xfrm>
+          <a:prstGeom prst="rect">
+            <a:avLst/>
+          </a:prstGeom>
+        </p:spPr>
+      </p:pic>
+      <p:pic>
+        <p:nvPicPr>
+          <p:cNvPr id="11" name="Picture 10" descr="eclipse.jpg"/>
+          <p:cNvPicPr>
+            <a:picLocks noChangeAspect="1"/>
+          </p:cNvPicPr>
+          <p:nvPr/>
+        </p:nvPicPr>
+        <p:blipFill>
+          <a:blip r:embed="rId7"/>
+          <a:stretch>
+            <a:fillRect/>
+          </a:stretch>
+        </p:blipFill>
+        <p:spPr>
+          <a:xfrm>
+            <a:off x="2857488" y="4500570"/>
+            <a:ext cx="1214446" cy="1214446"/>
+          </a:xfrm>
+          <a:prstGeom prst="rect">
+            <a:avLst/>
+          </a:prstGeom>
+        </p:spPr>
+      </p:pic>
     </p:spTree>
   </p:cSld>
   <p:clrMapOvr>
@@ -8098,13 +8276,8 @@
           <a:p>
             <a:r>
               <a:rPr lang="es-ES" dirty="0" smtClean="0"/>
-              <a:t>Para </a:t>
-            </a:r>
-            <a:r>
-              <a:rPr lang="es-ES" dirty="0" smtClean="0"/>
-              <a:t>sincronizar el documento entre cada ubicación se hace uso del algoritmo “Júpiter”</a:t>
-            </a:r>
-            <a:endParaRPr lang="es-ES" dirty="0" smtClean="0"/>
+              <a:t>Para sincronizar el documento entre cada ubicación se hace uso del algoritmo “Júpiter”</a:t>
+            </a:r>
           </a:p>
           <a:p>
             <a:endParaRPr lang="es-ES" dirty="0" smtClean="0"/>
@@ -8128,11 +8301,7 @@
           <a:p>
             <a:r>
               <a:rPr lang="es-ES" dirty="0" smtClean="0"/>
-              <a:t>Búsqueda de la </a:t>
-            </a:r>
-            <a:r>
-              <a:rPr lang="es-ES" dirty="0" smtClean="0"/>
-              <a:t>solución (I)</a:t>
+              <a:t>Búsqueda de la solución (I)</a:t>
             </a:r>
             <a:endParaRPr lang="es-ES" dirty="0"/>
           </a:p>
@@ -8264,13 +8433,8 @@
             </a:r>
             <a:r>
               <a:rPr lang="es-ES" dirty="0" smtClean="0"/>
-              <a:t> haciendo uso de operaciones Borrar e Insertar de 1 carácter de longitud</a:t>
-            </a:r>
-            <a:r>
-              <a:rPr lang="es-ES" dirty="0" smtClean="0"/>
-              <a:t>.</a:t>
-            </a:r>
-            <a:endParaRPr lang="es-ES" dirty="0" smtClean="0"/>
+              <a:t> haciendo uso de operaciones Borrar e Insertar de 1 carácter de longitud.</a:t>
+            </a:r>
           </a:p>
         </p:txBody>
       </p:sp>
@@ -8291,11 +8455,7 @@
           <a:p>
             <a:r>
               <a:rPr lang="es-ES" dirty="0" smtClean="0"/>
-              <a:t>Búsqueda de la </a:t>
-            </a:r>
-            <a:r>
-              <a:rPr lang="es-ES" dirty="0" smtClean="0"/>
-              <a:t>solución (II)</a:t>
+              <a:t>Búsqueda de la solución (II)</a:t>
             </a:r>
             <a:endParaRPr lang="es-ES" dirty="0"/>
           </a:p>

--- a/doc/presentacion/presentacion.pptx
+++ b/doc/presentacion/presentacion.pptx
@@ -6591,18 +6591,16 @@
           <a:lstStyle/>
           <a:p>
             <a:r>
-              <a:rPr lang="en-US" dirty="0" err="1" smtClean="0"/>
+              <a:rPr lang="es-AR" dirty="0" smtClean="0"/>
               <a:t>Introducción</a:t>
             </a:r>
-            <a:endParaRPr lang="en-US" dirty="0" smtClean="0"/>
           </a:p>
           <a:p>
             <a:pPr lvl="1"/>
             <a:r>
-              <a:rPr lang="en-US" dirty="0" err="1" smtClean="0"/>
+              <a:rPr lang="es-AR" dirty="0" smtClean="0"/>
               <a:t>Motivación</a:t>
             </a:r>
-            <a:endParaRPr lang="en-US" dirty="0" smtClean="0"/>
           </a:p>
           <a:p>
             <a:pPr lvl="1"/>
@@ -6626,7 +6624,7 @@
           <a:p>
             <a:pPr lvl="1"/>
             <a:r>
-              <a:rPr lang="en-US" dirty="0" err="1" smtClean="0"/>
+              <a:rPr lang="es-AR" dirty="0" smtClean="0"/>
               <a:t>Soluciones</a:t>
             </a:r>
             <a:r>
@@ -7833,10 +7831,10 @@
                     <a:lstStyle/>
                     <a:p>
                       <a:r>
-                        <a:rPr lang="es-ES" smtClean="0"/>
+                        <a:rPr lang="es-ES" dirty="0" smtClean="0"/>
                         <a:t>Solución</a:t>
                       </a:r>
-                      <a:endParaRPr lang="es-ES"/>
+                      <a:endParaRPr lang="es-ES" dirty="0"/>
                     </a:p>
                   </a:txBody>
                   <a:tcPr/>
@@ -8067,30 +8065,30 @@
                     <a:lstStyle/>
                     <a:p>
                       <a:r>
-                        <a:rPr lang="es-ES" err="1" smtClean="0"/>
-                        <a:t>Framwork</a:t>
+                        <a:rPr lang="es-ES" dirty="0" smtClean="0"/>
+                        <a:t>Framework</a:t>
                       </a:r>
                       <a:r>
-                        <a:rPr lang="es-ES" baseline="0" smtClean="0"/>
-                        <a:t> para integración de funcionalidad de </a:t>
+                        <a:rPr lang="es-ES" baseline="0" dirty="0" smtClean="0"/>
+                        <a:t> </a:t>
                       </a:r>
                       <a:r>
-                        <a:rPr lang="es-ES" baseline="0" err="1" smtClean="0"/>
-                        <a:t>colaboracion</a:t>
+                        <a:rPr lang="es-ES" baseline="0" dirty="0" smtClean="0"/>
+                        <a:t>para integración de funcionalidad de </a:t>
                       </a:r>
                       <a:r>
-                        <a:rPr lang="es-ES" baseline="0" smtClean="0"/>
-                        <a:t> en tiempo real para </a:t>
+                        <a:rPr lang="es-ES" baseline="0" dirty="0" smtClean="0"/>
+                        <a:t>colaboración </a:t>
                       </a:r>
                       <a:r>
-                        <a:rPr lang="es-ES" baseline="0" err="1" smtClean="0"/>
-                        <a:t>.Net</a:t>
+                        <a:rPr lang="es-ES" baseline="0" dirty="0" smtClean="0"/>
+                        <a:t>en tiempo real para .</a:t>
                       </a:r>
                       <a:r>
-                        <a:rPr lang="es-ES" baseline="0" smtClean="0"/>
-                        <a:t>.</a:t>
+                        <a:rPr lang="es-ES" baseline="0" dirty="0" smtClean="0"/>
+                        <a:t>NET.</a:t>
                       </a:r>
-                      <a:endParaRPr lang="es-ES"/>
+                      <a:endParaRPr lang="es-ES" dirty="0"/>
                     </a:p>
                   </a:txBody>
                   <a:tcPr/>
@@ -8101,26 +8099,26 @@
                     <a:lstStyle/>
                     <a:p>
                       <a:r>
-                        <a:rPr lang="es-ES" smtClean="0"/>
+                        <a:rPr lang="es-ES" dirty="0" smtClean="0"/>
                         <a:t>Código</a:t>
                       </a:r>
                       <a:r>
-                        <a:rPr lang="es-ES" baseline="0" smtClean="0"/>
+                        <a:rPr lang="es-ES" baseline="0" dirty="0" smtClean="0"/>
                         <a:t> fuente </a:t>
                       </a:r>
                       <a:r>
-                        <a:rPr lang="es-ES" baseline="0" err="1" smtClean="0"/>
-                        <a:t>cerrrado</a:t>
+                        <a:rPr lang="es-ES" baseline="0" dirty="0" smtClean="0"/>
+                        <a:t>cerrado. </a:t>
                       </a:r>
                       <a:r>
-                        <a:rPr lang="es-ES" baseline="0" smtClean="0"/>
-                        <a:t>. Está desarrollado sólo para la plataforma </a:t>
+                        <a:rPr lang="es-ES" baseline="0" dirty="0" smtClean="0"/>
+                        <a:t>Está desarrollado sólo para la plataforma .</a:t>
                       </a:r>
                       <a:r>
-                        <a:rPr lang="es-ES" baseline="0" err="1" smtClean="0"/>
-                        <a:t>.Net</a:t>
+                        <a:rPr lang="es-ES" baseline="0" dirty="0" smtClean="0"/>
+                        <a:t>NET.</a:t>
                       </a:r>
-                      <a:endParaRPr lang="es-ES"/>
+                      <a:endParaRPr lang="es-ES" dirty="0"/>
                     </a:p>
                   </a:txBody>
                   <a:tcPr/>
@@ -8406,12 +8404,20 @@
               <a:t>Originalmente se </a:t>
             </a:r>
             <a:r>
+              <a:rPr lang="es-ES" dirty="0" smtClean="0"/>
+              <a:t>implementaron </a:t>
+            </a:r>
+            <a:r>
+              <a:rPr lang="es-ES" dirty="0" smtClean="0"/>
+              <a:t>operaciones Borrar e Insertar de más de un </a:t>
+            </a:r>
+            <a:r>
               <a:rPr lang="es-ES" dirty="0" err="1" smtClean="0"/>
-              <a:t>implentaron</a:t>
+              <a:t>caracter</a:t>
             </a:r>
             <a:r>
               <a:rPr lang="es-ES" dirty="0" smtClean="0"/>
-              <a:t> operaciones Borrar e Insertar de más de un carácter.</a:t>
+              <a:t>.</a:t>
             </a:r>
           </a:p>
           <a:p>
@@ -8433,7 +8439,19 @@
             </a:r>
             <a:r>
               <a:rPr lang="es-ES" dirty="0" smtClean="0"/>
-              <a:t> haciendo uso de operaciones Borrar e Insertar de 1 carácter de longitud.</a:t>
+              <a:t> haciendo uso de operaciones Borrar e Insertar de 1 </a:t>
+            </a:r>
+            <a:r>
+              <a:rPr lang="es-ES" dirty="0" err="1" smtClean="0"/>
+              <a:t>caracter</a:t>
+            </a:r>
+            <a:r>
+              <a:rPr lang="es-ES" dirty="0" smtClean="0"/>
+              <a:t> </a:t>
+            </a:r>
+            <a:r>
+              <a:rPr lang="es-ES" dirty="0" smtClean="0"/>
+              <a:t>de longitud.</a:t>
             </a:r>
           </a:p>
         </p:txBody>

--- a/doc/presentacion/presentacion.pptx
+++ b/doc/presentacion/presentacion.pptx
@@ -5,7 +5,7 @@
     <p:sldMasterId id="2147483672" r:id="rId1"/>
   </p:sldMasterIdLst>
   <p:notesMasterIdLst>
-    <p:notesMasterId r:id="rId19"/>
+    <p:notesMasterId r:id="rId20"/>
   </p:notesMasterIdLst>
   <p:sldIdLst>
     <p:sldId id="256" r:id="rId2"/>
@@ -13,18 +13,19 @@
     <p:sldId id="257" r:id="rId4"/>
     <p:sldId id="259" r:id="rId5"/>
     <p:sldId id="271" r:id="rId6"/>
-    <p:sldId id="258" r:id="rId7"/>
-    <p:sldId id="260" r:id="rId8"/>
-    <p:sldId id="272" r:id="rId9"/>
-    <p:sldId id="261" r:id="rId10"/>
-    <p:sldId id="273" r:id="rId11"/>
-    <p:sldId id="263" r:id="rId12"/>
-    <p:sldId id="265" r:id="rId13"/>
-    <p:sldId id="264" r:id="rId14"/>
-    <p:sldId id="266" r:id="rId15"/>
-    <p:sldId id="269" r:id="rId16"/>
-    <p:sldId id="267" r:id="rId17"/>
-    <p:sldId id="268" r:id="rId18"/>
+    <p:sldId id="274" r:id="rId7"/>
+    <p:sldId id="258" r:id="rId8"/>
+    <p:sldId id="260" r:id="rId9"/>
+    <p:sldId id="272" r:id="rId10"/>
+    <p:sldId id="261" r:id="rId11"/>
+    <p:sldId id="273" r:id="rId12"/>
+    <p:sldId id="263" r:id="rId13"/>
+    <p:sldId id="265" r:id="rId14"/>
+    <p:sldId id="264" r:id="rId15"/>
+    <p:sldId id="266" r:id="rId16"/>
+    <p:sldId id="269" r:id="rId17"/>
+    <p:sldId id="267" r:id="rId18"/>
+    <p:sldId id="268" r:id="rId19"/>
   </p:sldIdLst>
   <p:sldSz cx="9144000" cy="6858000" type="screen4x3"/>
   <p:notesSz cx="6858000" cy="9144000"/>
@@ -5519,6 +5520,82 @@
       </p:grpSpPr>
       <p:sp>
         <p:nvSpPr>
+          <p:cNvPr id="3" name="2 Marcador de contenido"/>
+          <p:cNvSpPr>
+            <a:spLocks noGrp="1"/>
+          </p:cNvSpPr>
+          <p:nvPr>
+            <p:ph idx="1"/>
+          </p:nvPr>
+        </p:nvSpPr>
+        <p:spPr/>
+        <p:txBody>
+          <a:bodyPr/>
+          <a:lstStyle/>
+          <a:p>
+            <a:endParaRPr lang="es-ES" dirty="0"/>
+          </a:p>
+        </p:txBody>
+      </p:sp>
+      <p:sp>
+        <p:nvSpPr>
+          <p:cNvPr id="2" name="1 Título"/>
+          <p:cNvSpPr>
+            <a:spLocks noGrp="1"/>
+          </p:cNvSpPr>
+          <p:nvPr>
+            <p:ph type="title"/>
+          </p:nvPr>
+        </p:nvSpPr>
+        <p:spPr/>
+        <p:txBody>
+          <a:bodyPr>
+            <a:normAutofit fontScale="90000"/>
+          </a:bodyPr>
+          <a:lstStyle/>
+          <a:p>
+            <a:r>
+              <a:rPr lang="es-ES" smtClean="0"/>
+              <a:t>Problemas enfrentados durante el desarrollo</a:t>
+            </a:r>
+            <a:endParaRPr lang="es-ES"/>
+          </a:p>
+        </p:txBody>
+      </p:sp>
+    </p:spTree>
+  </p:cSld>
+  <p:clrMapOvr>
+    <a:masterClrMapping/>
+  </p:clrMapOvr>
+  <p:timing>
+    <p:tnLst>
+      <p:par>
+        <p:cTn id="1" dur="indefinite" restart="never" nodeType="tmRoot"/>
+      </p:par>
+    </p:tnLst>
+  </p:timing>
+</p:sld>
+</file>
+
+<file path=ppt/slides/slide11.xml><?xml version="1.0" encoding="utf-8"?>
+<p:sld xmlns:a="http://schemas.openxmlformats.org/drawingml/2006/main" xmlns:r="http://schemas.openxmlformats.org/officeDocument/2006/relationships" xmlns:p="http://schemas.openxmlformats.org/presentationml/2006/main">
+  <p:cSld>
+    <p:spTree>
+      <p:nvGrpSpPr>
+        <p:cNvPr id="1" name=""/>
+        <p:cNvGrpSpPr/>
+        <p:nvPr/>
+      </p:nvGrpSpPr>
+      <p:grpSpPr>
+        <a:xfrm>
+          <a:off x="0" y="0"/>
+          <a:ext cx="0" cy="0"/>
+          <a:chOff x="0" y="0"/>
+          <a:chExt cx="0" cy="0"/>
+        </a:xfrm>
+      </p:grpSpPr>
+      <p:sp>
+        <p:nvSpPr>
           <p:cNvPr id="5" name="Content Placeholder 4"/>
           <p:cNvSpPr>
             <a:spLocks noGrp="1"/>
@@ -5772,128 +5849,6 @@
 </p:sld>
 </file>
 
-<file path=ppt/slides/slide11.xml><?xml version="1.0" encoding="utf-8"?>
-<p:sld xmlns:a="http://schemas.openxmlformats.org/drawingml/2006/main" xmlns:r="http://schemas.openxmlformats.org/officeDocument/2006/relationships" xmlns:p="http://schemas.openxmlformats.org/presentationml/2006/main">
-  <p:cSld>
-    <p:spTree>
-      <p:nvGrpSpPr>
-        <p:cNvPr id="1" name=""/>
-        <p:cNvGrpSpPr/>
-        <p:nvPr/>
-      </p:nvGrpSpPr>
-      <p:grpSpPr>
-        <a:xfrm>
-          <a:off x="0" y="0"/>
-          <a:ext cx="0" cy="0"/>
-          <a:chOff x="0" y="0"/>
-          <a:chExt cx="0" cy="0"/>
-        </a:xfrm>
-      </p:grpSpPr>
-      <p:sp>
-        <p:nvSpPr>
-          <p:cNvPr id="3" name="2 Marcador de contenido"/>
-          <p:cNvSpPr>
-            <a:spLocks noGrp="1"/>
-          </p:cNvSpPr>
-          <p:nvPr>
-            <p:ph idx="1"/>
-          </p:nvPr>
-        </p:nvSpPr>
-        <p:spPr/>
-        <p:txBody>
-          <a:bodyPr/>
-          <a:lstStyle/>
-          <a:p>
-            <a:r>
-              <a:rPr lang="es-ES" smtClean="0"/>
-              <a:t>Explicación de los módulos que la componen</a:t>
-            </a:r>
-          </a:p>
-          <a:p>
-            <a:r>
-              <a:rPr lang="es-ES" smtClean="0"/>
-              <a:t>Mostrar  caso  cliente servidor  peer 2peer </a:t>
-            </a:r>
-          </a:p>
-          <a:p>
-            <a:r>
-              <a:rPr lang="es-ES" smtClean="0"/>
-              <a:t>Diagramas de ambos y pequeña explicación sobre cada uno de los módulos (</a:t>
-            </a:r>
-            <a:r>
-              <a:rPr lang="es-ES" err="1" smtClean="0"/>
-              <a:t>kernel</a:t>
-            </a:r>
-            <a:r>
-              <a:rPr lang="es-ES" smtClean="0"/>
-              <a:t>, </a:t>
-            </a:r>
-            <a:r>
-              <a:rPr lang="es-ES" err="1" smtClean="0"/>
-              <a:t>client</a:t>
-            </a:r>
-            <a:r>
-              <a:rPr lang="es-ES" smtClean="0"/>
-              <a:t>, </a:t>
-            </a:r>
-            <a:r>
-              <a:rPr lang="es-ES" err="1" smtClean="0"/>
-              <a:t>common</a:t>
-            </a:r>
-            <a:r>
-              <a:rPr lang="es-ES" smtClean="0"/>
-              <a:t>, </a:t>
-            </a:r>
-            <a:r>
-              <a:rPr lang="es-ES" err="1" smtClean="0"/>
-              <a:t>etc</a:t>
-            </a:r>
-            <a:r>
-              <a:rPr lang="es-ES" smtClean="0"/>
-              <a:t>)</a:t>
-            </a:r>
-            <a:endParaRPr lang="es-ES"/>
-          </a:p>
-        </p:txBody>
-      </p:sp>
-      <p:sp>
-        <p:nvSpPr>
-          <p:cNvPr id="2" name="1 Título"/>
-          <p:cNvSpPr>
-            <a:spLocks noGrp="1"/>
-          </p:cNvSpPr>
-          <p:nvPr>
-            <p:ph type="title"/>
-          </p:nvPr>
-        </p:nvSpPr>
-        <p:spPr/>
-        <p:txBody>
-          <a:bodyPr/>
-          <a:lstStyle/>
-          <a:p>
-            <a:r>
-              <a:rPr lang="es-ES" smtClean="0"/>
-              <a:t>Arquitectura de la solución</a:t>
-            </a:r>
-            <a:endParaRPr lang="es-ES"/>
-          </a:p>
-        </p:txBody>
-      </p:sp>
-    </p:spTree>
-  </p:cSld>
-  <p:clrMapOvr>
-    <a:masterClrMapping/>
-  </p:clrMapOvr>
-  <p:timing>
-    <p:tnLst>
-      <p:par>
-        <p:cTn id="1" dur="indefinite" restart="never" nodeType="tmRoot"/>
-      </p:par>
-    </p:tnLst>
-  </p:timing>
-</p:sld>
-</file>
-
 <file path=ppt/slides/slide12.xml><?xml version="1.0" encoding="utf-8"?>
 <p:sld xmlns:a="http://schemas.openxmlformats.org/drawingml/2006/main" xmlns:r="http://schemas.openxmlformats.org/officeDocument/2006/relationships" xmlns:p="http://schemas.openxmlformats.org/presentationml/2006/main">
   <p:cSld>
@@ -5928,13 +5883,51 @@
           <a:p>
             <a:r>
               <a:rPr lang="es-ES" smtClean="0"/>
-              <a:t>Hablar  algo sobre que la comunicación entre los módulos es asincrónica y se utilizan actores para esto.</a:t>
+              <a:t>Explicación de los módulos que la componen</a:t>
             </a:r>
           </a:p>
           <a:p>
             <a:r>
               <a:rPr lang="es-ES" smtClean="0"/>
-              <a:t>Ventajas de utilizar actores, como simplifica las cosas.</a:t>
+              <a:t>Mostrar  caso  cliente servidor  peer 2peer </a:t>
+            </a:r>
+          </a:p>
+          <a:p>
+            <a:r>
+              <a:rPr lang="es-ES" smtClean="0"/>
+              <a:t>Diagramas de ambos y pequeña explicación sobre cada uno de los módulos (</a:t>
+            </a:r>
+            <a:r>
+              <a:rPr lang="es-ES" err="1" smtClean="0"/>
+              <a:t>kernel</a:t>
+            </a:r>
+            <a:r>
+              <a:rPr lang="es-ES" smtClean="0"/>
+              <a:t>, </a:t>
+            </a:r>
+            <a:r>
+              <a:rPr lang="es-ES" err="1" smtClean="0"/>
+              <a:t>client</a:t>
+            </a:r>
+            <a:r>
+              <a:rPr lang="es-ES" smtClean="0"/>
+              <a:t>, </a:t>
+            </a:r>
+            <a:r>
+              <a:rPr lang="es-ES" err="1" smtClean="0"/>
+              <a:t>common</a:t>
+            </a:r>
+            <a:r>
+              <a:rPr lang="es-ES" smtClean="0"/>
+              <a:t>, </a:t>
+            </a:r>
+            <a:r>
+              <a:rPr lang="es-ES" err="1" smtClean="0"/>
+              <a:t>etc</a:t>
+            </a:r>
+            <a:r>
+              <a:rPr lang="es-ES" smtClean="0"/>
+              <a:t>)</a:t>
             </a:r>
             <a:endParaRPr lang="es-ES"/>
           </a:p>
@@ -5957,7 +5950,7 @@
           <a:p>
             <a:r>
               <a:rPr lang="es-ES" smtClean="0"/>
-              <a:t>Actores</a:t>
+              <a:t>Arquitectura de la solución</a:t>
             </a:r>
             <a:endParaRPr lang="es-ES"/>
           </a:p>
@@ -6012,41 +6005,15 @@
           <a:p>
             <a:r>
               <a:rPr lang="es-ES" smtClean="0"/>
-              <a:t>Hablar sobre los tipos de mensajes</a:t>
-            </a:r>
-          </a:p>
-          <a:p>
-            <a:r>
-              <a:rPr lang="es-ES" err="1" smtClean="0"/>
-              <a:t>Serializacion</a:t>
-            </a:r>
-            <a:endParaRPr lang="es-ES" smtClean="0"/>
+              <a:t>Hablar  algo sobre que la comunicación entre los módulos es asincrónica y se utilizan actores para esto.</a:t>
+            </a:r>
           </a:p>
           <a:p>
             <a:r>
               <a:rPr lang="es-ES" smtClean="0"/>
-              <a:t>Ejemplos?</a:t>
-            </a:r>
-          </a:p>
-          <a:p>
-            <a:endParaRPr lang="es-ES" smtClean="0"/>
-          </a:p>
-          <a:p>
-            <a:r>
-              <a:rPr lang="es-ES" smtClean="0"/>
-              <a:t>No se si pondría esta </a:t>
-            </a:r>
-            <a:r>
-              <a:rPr lang="es-ES" err="1" smtClean="0"/>
-              <a:t>diapo</a:t>
-            </a:r>
-            <a:endParaRPr lang="es-ES" smtClean="0"/>
-          </a:p>
-          <a:p>
-            <a:pPr>
-              <a:buNone/>
-            </a:pPr>
-            <a:endParaRPr lang="es-ES" smtClean="0"/>
+              <a:t>Ventajas de utilizar actores, como simplifica las cosas.</a:t>
+            </a:r>
+            <a:endParaRPr lang="es-ES"/>
           </a:p>
         </p:txBody>
       </p:sp>
@@ -6067,11 +6034,7 @@
           <a:p>
             <a:r>
               <a:rPr lang="es-ES" smtClean="0"/>
-              <a:t>Protocolo de </a:t>
-            </a:r>
-            <a:r>
-              <a:rPr lang="es-ES" err="1" smtClean="0"/>
-              <a:t>msgs</a:t>
+              <a:t>Actores</a:t>
             </a:r>
             <a:endParaRPr lang="es-ES"/>
           </a:p>
@@ -6126,63 +6089,41 @@
           <a:p>
             <a:r>
               <a:rPr lang="es-ES" smtClean="0"/>
-              <a:t>Hablar dos boludeces de </a:t>
-            </a:r>
+              <a:t>Hablar sobre los tipos de mensajes</a:t>
+            </a:r>
+          </a:p>
+          <a:p>
             <a:r>
               <a:rPr lang="es-ES" err="1" smtClean="0"/>
-              <a:t>scrum</a:t>
-            </a:r>
+              <a:t>Serializacion</a:t>
+            </a:r>
+            <a:endParaRPr lang="es-ES" smtClean="0"/>
+          </a:p>
+          <a:p>
             <a:r>
               <a:rPr lang="es-ES" smtClean="0"/>
-              <a:t>.</a:t>
-            </a:r>
+              <a:t>Ejemplos?</a:t>
+            </a:r>
+          </a:p>
+          <a:p>
+            <a:endParaRPr lang="es-ES" smtClean="0"/>
           </a:p>
           <a:p>
             <a:r>
               <a:rPr lang="es-ES" smtClean="0"/>
-              <a:t>Tabla de </a:t>
+              <a:t>No se si pondría esta </a:t>
             </a:r>
             <a:r>
               <a:rPr lang="es-ES" err="1" smtClean="0"/>
-              <a:t>Sprints</a:t>
-            </a:r>
-            <a:r>
-              <a:rPr lang="es-ES" smtClean="0"/>
-              <a:t> que se hicieron con descripción de objetivos.</a:t>
-            </a:r>
-          </a:p>
-          <a:p>
-            <a:r>
-              <a:rPr lang="es-ES" smtClean="0"/>
-              <a:t>Mostrar dos grafiquitos  de los </a:t>
-            </a:r>
-            <a:r>
-              <a:rPr lang="es-ES" err="1" smtClean="0"/>
-              <a:t>sprints</a:t>
-            </a:r>
-            <a:r>
-              <a:rPr lang="es-ES" smtClean="0"/>
-              <a:t>.</a:t>
-            </a:r>
-          </a:p>
-          <a:p>
-            <a:r>
-              <a:rPr lang="es-ES" smtClean="0"/>
-              <a:t>Decir como resulto.</a:t>
-            </a:r>
-          </a:p>
-          <a:p>
+              <a:t>diapo</a:t>
+            </a:r>
             <a:endParaRPr lang="es-ES" smtClean="0"/>
           </a:p>
           <a:p>
+            <a:pPr>
+              <a:buNone/>
+            </a:pPr>
             <a:endParaRPr lang="es-ES" smtClean="0"/>
-          </a:p>
-          <a:p>
-            <a:r>
-              <a:rPr lang="es-ES" smtClean="0"/>
-              <a:t>Aporta esto?</a:t>
-            </a:r>
-            <a:endParaRPr lang="es-ES"/>
           </a:p>
         </p:txBody>
       </p:sp>
@@ -6203,7 +6144,11 @@
           <a:p>
             <a:r>
               <a:rPr lang="es-ES" smtClean="0"/>
-              <a:t>Metodología de desarrollo</a:t>
+              <a:t>Protocolo de </a:t>
+            </a:r>
+            <a:r>
+              <a:rPr lang="es-ES" err="1" smtClean="0"/>
+              <a:t>msgs</a:t>
             </a:r>
             <a:endParaRPr lang="es-ES"/>
           </a:p>
@@ -6258,24 +6203,61 @@
           <a:p>
             <a:r>
               <a:rPr lang="es-ES" smtClean="0"/>
-              <a:t>Poner  acá </a:t>
+              <a:t>Hablar dos boludeces de </a:t>
             </a:r>
             <a:r>
               <a:rPr lang="es-ES" err="1" smtClean="0"/>
-              <a:t>screenshot</a:t>
+              <a:t>scrum</a:t>
             </a:r>
             <a:r>
               <a:rPr lang="es-ES" smtClean="0"/>
-              <a:t> del eclipse con PE</a:t>
+              <a:t>.</a:t>
+            </a:r>
+          </a:p>
+          <a:p>
+            <a:r>
+              <a:rPr lang="es-ES" smtClean="0"/>
+              <a:t>Tabla de </a:t>
+            </a:r>
+            <a:r>
+              <a:rPr lang="es-ES" err="1" smtClean="0"/>
+              <a:t>Sprints</a:t>
+            </a:r>
+            <a:r>
+              <a:rPr lang="es-ES" smtClean="0"/>
+              <a:t> que se hicieron con descripción de objetivos.</a:t>
+            </a:r>
+          </a:p>
+          <a:p>
+            <a:r>
+              <a:rPr lang="es-ES" smtClean="0"/>
+              <a:t>Mostrar dos grafiquitos  de los </a:t>
+            </a:r>
+            <a:r>
+              <a:rPr lang="es-ES" err="1" smtClean="0"/>
+              <a:t>sprints</a:t>
+            </a:r>
+            <a:r>
+              <a:rPr lang="es-ES" smtClean="0"/>
+              <a:t>.</a:t>
+            </a:r>
+          </a:p>
+          <a:p>
+            <a:r>
+              <a:rPr lang="es-ES" smtClean="0"/>
+              <a:t>Decir como resulto.</a:t>
             </a:r>
           </a:p>
           <a:p>
             <a:endParaRPr lang="es-ES" smtClean="0"/>
           </a:p>
           <a:p>
+            <a:endParaRPr lang="es-ES" smtClean="0"/>
+          </a:p>
+          <a:p>
             <a:r>
               <a:rPr lang="es-ES" smtClean="0"/>
-              <a:t>Demo en vivo!</a:t>
+              <a:t>Aporta esto?</a:t>
             </a:r>
             <a:endParaRPr lang="es-ES"/>
           </a:p>
@@ -6298,7 +6280,7 @@
           <a:p>
             <a:r>
               <a:rPr lang="es-ES" smtClean="0"/>
-              <a:t>Demostración</a:t>
+              <a:t>Metodología de desarrollo</a:t>
             </a:r>
             <a:endParaRPr lang="es-ES"/>
           </a:p>
@@ -6353,54 +6335,26 @@
           <a:p>
             <a:r>
               <a:rPr lang="es-ES" smtClean="0"/>
-              <a:t>Esquema de autenticación y autorización.</a:t>
-            </a:r>
-          </a:p>
-          <a:p>
+              <a:t>Poner  acá </a:t>
+            </a:r>
+            <a:r>
+              <a:rPr lang="es-ES" err="1" smtClean="0"/>
+              <a:t>screenshot</a:t>
+            </a:r>
             <a:r>
               <a:rPr lang="es-ES" smtClean="0"/>
-              <a:t>Optimización del uso de red.</a:t>
-            </a:r>
+              <a:t> del eclipse con PE</a:t>
+            </a:r>
+          </a:p>
+          <a:p>
+            <a:endParaRPr lang="es-ES" smtClean="0"/>
           </a:p>
           <a:p>
             <a:r>
               <a:rPr lang="es-ES" smtClean="0"/>
-              <a:t>Integración con otros </a:t>
-            </a:r>
-            <a:r>
-              <a:rPr lang="es-ES" err="1" smtClean="0"/>
-              <a:t>IDEs</a:t>
-            </a:r>
-            <a:r>
-              <a:rPr lang="es-ES" smtClean="0"/>
-              <a:t> .</a:t>
-            </a:r>
-          </a:p>
-          <a:p>
-            <a:r>
-              <a:rPr lang="es-ES" smtClean="0"/>
-              <a:t>Extensión de la solución a otros modelos.</a:t>
-            </a:r>
-          </a:p>
-          <a:p>
-            <a:r>
-              <a:rPr lang="es-ES" smtClean="0"/>
-              <a:t>Cifrado de mensajes.</a:t>
-            </a:r>
-          </a:p>
-          <a:p>
-            <a:r>
-              <a:rPr lang="es-ES" smtClean="0"/>
-              <a:t>Mecanismo de deshacer  cambios (</a:t>
-            </a:r>
-            <a:r>
-              <a:rPr lang="es-ES" err="1" smtClean="0"/>
-              <a:t>undo</a:t>
-            </a:r>
-            <a:r>
-              <a:rPr lang="es-ES" smtClean="0"/>
-              <a:t>).</a:t>
-            </a:r>
+              <a:t>Demo en vivo!</a:t>
+            </a:r>
+            <a:endParaRPr lang="es-ES"/>
           </a:p>
         </p:txBody>
       </p:sp>
@@ -6416,14 +6370,12 @@
         </p:nvSpPr>
         <p:spPr/>
         <p:txBody>
-          <a:bodyPr>
-            <a:normAutofit fontScale="90000"/>
-          </a:bodyPr>
+          <a:bodyPr/>
           <a:lstStyle/>
           <a:p>
             <a:r>
               <a:rPr lang="es-ES" smtClean="0"/>
-              <a:t>Posibles mejoras a implementar</a:t>
+              <a:t>Demostración</a:t>
             </a:r>
             <a:endParaRPr lang="es-ES"/>
           </a:p>
@@ -6445,6 +6397,131 @@
 </file>
 
 <file path=ppt/slides/slide17.xml><?xml version="1.0" encoding="utf-8"?>
+<p:sld xmlns:a="http://schemas.openxmlformats.org/drawingml/2006/main" xmlns:r="http://schemas.openxmlformats.org/officeDocument/2006/relationships" xmlns:p="http://schemas.openxmlformats.org/presentationml/2006/main">
+  <p:cSld>
+    <p:spTree>
+      <p:nvGrpSpPr>
+        <p:cNvPr id="1" name=""/>
+        <p:cNvGrpSpPr/>
+        <p:nvPr/>
+      </p:nvGrpSpPr>
+      <p:grpSpPr>
+        <a:xfrm>
+          <a:off x="0" y="0"/>
+          <a:ext cx="0" cy="0"/>
+          <a:chOff x="0" y="0"/>
+          <a:chExt cx="0" cy="0"/>
+        </a:xfrm>
+      </p:grpSpPr>
+      <p:sp>
+        <p:nvSpPr>
+          <p:cNvPr id="3" name="2 Marcador de contenido"/>
+          <p:cNvSpPr>
+            <a:spLocks noGrp="1"/>
+          </p:cNvSpPr>
+          <p:nvPr>
+            <p:ph idx="1"/>
+          </p:nvPr>
+        </p:nvSpPr>
+        <p:spPr/>
+        <p:txBody>
+          <a:bodyPr/>
+          <a:lstStyle/>
+          <a:p>
+            <a:r>
+              <a:rPr lang="es-ES" smtClean="0"/>
+              <a:t>Esquema de autenticación y autorización.</a:t>
+            </a:r>
+          </a:p>
+          <a:p>
+            <a:r>
+              <a:rPr lang="es-ES" smtClean="0"/>
+              <a:t>Optimización del uso de red.</a:t>
+            </a:r>
+          </a:p>
+          <a:p>
+            <a:r>
+              <a:rPr lang="es-ES" smtClean="0"/>
+              <a:t>Integración con otros </a:t>
+            </a:r>
+            <a:r>
+              <a:rPr lang="es-ES" err="1" smtClean="0"/>
+              <a:t>IDEs</a:t>
+            </a:r>
+            <a:r>
+              <a:rPr lang="es-ES" smtClean="0"/>
+              <a:t> .</a:t>
+            </a:r>
+          </a:p>
+          <a:p>
+            <a:r>
+              <a:rPr lang="es-ES" smtClean="0"/>
+              <a:t>Extensión de la solución a otros modelos.</a:t>
+            </a:r>
+          </a:p>
+          <a:p>
+            <a:r>
+              <a:rPr lang="es-ES" smtClean="0"/>
+              <a:t>Cifrado de mensajes.</a:t>
+            </a:r>
+          </a:p>
+          <a:p>
+            <a:r>
+              <a:rPr lang="es-ES" smtClean="0"/>
+              <a:t>Mecanismo de deshacer  cambios (</a:t>
+            </a:r>
+            <a:r>
+              <a:rPr lang="es-ES" err="1" smtClean="0"/>
+              <a:t>undo</a:t>
+            </a:r>
+            <a:r>
+              <a:rPr lang="es-ES" smtClean="0"/>
+              <a:t>).</a:t>
+            </a:r>
+          </a:p>
+        </p:txBody>
+      </p:sp>
+      <p:sp>
+        <p:nvSpPr>
+          <p:cNvPr id="2" name="1 Título"/>
+          <p:cNvSpPr>
+            <a:spLocks noGrp="1"/>
+          </p:cNvSpPr>
+          <p:nvPr>
+            <p:ph type="title"/>
+          </p:nvPr>
+        </p:nvSpPr>
+        <p:spPr/>
+        <p:txBody>
+          <a:bodyPr>
+            <a:normAutofit fontScale="90000"/>
+          </a:bodyPr>
+          <a:lstStyle/>
+          <a:p>
+            <a:r>
+              <a:rPr lang="es-ES" smtClean="0"/>
+              <a:t>Posibles mejoras a implementar</a:t>
+            </a:r>
+            <a:endParaRPr lang="es-ES"/>
+          </a:p>
+        </p:txBody>
+      </p:sp>
+    </p:spTree>
+  </p:cSld>
+  <p:clrMapOvr>
+    <a:masterClrMapping/>
+  </p:clrMapOvr>
+  <p:timing>
+    <p:tnLst>
+      <p:par>
+        <p:cTn id="1" dur="indefinite" restart="never" nodeType="tmRoot"/>
+      </p:par>
+    </p:tnLst>
+  </p:timing>
+</p:sld>
+</file>
+
+<file path=ppt/slides/slide18.xml><?xml version="1.0" encoding="utf-8"?>
 <p:sld xmlns:a="http://schemas.openxmlformats.org/drawingml/2006/main" xmlns:r="http://schemas.openxmlformats.org/officeDocument/2006/relationships" xmlns:p="http://schemas.openxmlformats.org/presentationml/2006/main">
   <p:cSld>
     <p:spTree>
@@ -6846,39 +6923,45 @@
           <a:lstStyle/>
           <a:p>
             <a:r>
-              <a:rPr lang="es-ES" smtClean="0"/>
+              <a:rPr lang="es-ES" dirty="0" smtClean="0"/>
               <a:t>Cómo nace la idea del presente trabajo?</a:t>
             </a:r>
           </a:p>
           <a:p>
-            <a:endParaRPr lang="es-ES" smtClean="0"/>
-          </a:p>
-          <a:p>
-            <a:r>
-              <a:rPr lang="es-ES" smtClean="0"/>
+            <a:endParaRPr lang="es-ES" dirty="0" smtClean="0"/>
+          </a:p>
+          <a:p>
+            <a:r>
+              <a:rPr lang="es-ES" dirty="0" smtClean="0"/>
+              <a:t>Necesidad de trabajar sobre un mismo documento simultáneamente.</a:t>
+            </a:r>
+          </a:p>
+          <a:p>
+            <a:r>
+              <a:rPr lang="es-ES" dirty="0" smtClean="0"/>
               <a:t>Necesidad de obtener </a:t>
             </a:r>
             <a:r>
-              <a:rPr lang="es-ES" err="1" smtClean="0"/>
+              <a:rPr lang="es-ES" dirty="0" err="1" smtClean="0"/>
               <a:t>feedback</a:t>
             </a:r>
             <a:r>
-              <a:rPr lang="es-ES" smtClean="0"/>
+              <a:rPr lang="es-ES" dirty="0" smtClean="0"/>
               <a:t> instantáneo sobre tareas de desarrollo complejas.</a:t>
             </a:r>
           </a:p>
           <a:p>
             <a:r>
-              <a:rPr lang="es-ES" smtClean="0"/>
-              <a:t>Dos desarrolladores trabajando sobre lo mismo pero en diferentes lugares físicos.</a:t>
-            </a:r>
-          </a:p>
-          <a:p>
-            <a:r>
-              <a:rPr lang="es-ES" smtClean="0"/>
+              <a:rPr lang="es-ES" dirty="0" smtClean="0"/>
+              <a:t>Varios desarrolladores trabajando sobre lo mismo pero en diferentes lugares físicos.</a:t>
+            </a:r>
+          </a:p>
+          <a:p>
+            <a:r>
+              <a:rPr lang="es-ES" dirty="0" smtClean="0"/>
               <a:t>Herramientas existentes no satisfactorias.</a:t>
             </a:r>
-            <a:endParaRPr lang="es-ES"/>
+            <a:endParaRPr lang="es-ES" dirty="0"/>
           </a:p>
         </p:txBody>
       </p:sp>
@@ -7300,48 +7383,48 @@
             <a:lstStyle/>
             <a:p>
               <a:r>
-                <a:rPr lang="en-US" sz="1400" smtClean="0">
+                <a:rPr lang="en-US" sz="1400" dirty="0" smtClean="0">
                   <a:latin typeface="Courier New" pitchFamily="49" charset="0"/>
                   <a:cs typeface="Courier New" pitchFamily="49" charset="0"/>
                 </a:rPr>
                 <a:t>class </a:t>
               </a:r>
               <a:r>
-                <a:rPr lang="en-US" sz="1400" err="1" smtClean="0">
+                <a:rPr lang="en-US" sz="1400" dirty="0" err="1" smtClean="0">
                   <a:latin typeface="Courier New" pitchFamily="49" charset="0"/>
                   <a:cs typeface="Courier New" pitchFamily="49" charset="0"/>
                 </a:rPr>
                 <a:t>MyClass</a:t>
               </a:r>
               <a:r>
-                <a:rPr lang="en-US" sz="1400" smtClean="0">
+                <a:rPr lang="en-US" sz="1400" dirty="0" smtClean="0">
                   <a:latin typeface="Courier New" pitchFamily="49" charset="0"/>
                   <a:cs typeface="Courier New" pitchFamily="49" charset="0"/>
                 </a:rPr>
                 <a:t> {</a:t>
               </a:r>
               <a:br>
-                <a:rPr lang="en-US" sz="1400" smtClean="0">
+                <a:rPr lang="en-US" sz="1400" dirty="0" smtClean="0">
                   <a:latin typeface="Courier New" pitchFamily="49" charset="0"/>
                   <a:cs typeface="Courier New" pitchFamily="49" charset="0"/>
                 </a:rPr>
               </a:br>
               <a:r>
-                <a:rPr lang="en-US" sz="1400" smtClean="0">
+                <a:rPr lang="en-US" sz="1400" dirty="0" smtClean="0">
                   <a:latin typeface="Courier New" pitchFamily="49" charset="0"/>
                   <a:cs typeface="Courier New" pitchFamily="49" charset="0"/>
                 </a:rPr>
                 <a:t>  </a:t>
               </a:r>
               <a:r>
-                <a:rPr lang="en-US" sz="1400" err="1" smtClean="0">
+                <a:rPr lang="en-US" sz="1400" dirty="0" err="1" smtClean="0">
                   <a:latin typeface="Courier New" pitchFamily="49" charset="0"/>
                   <a:cs typeface="Courier New" pitchFamily="49" charset="0"/>
                 </a:rPr>
                 <a:t>int</a:t>
               </a:r>
               <a:r>
-                <a:rPr lang="en-US" sz="1400" smtClean="0">
+                <a:rPr lang="en-US" sz="1400" dirty="0" smtClean="0">
                   <a:latin typeface="Courier New" pitchFamily="49" charset="0"/>
                   <a:cs typeface="Courier New" pitchFamily="49" charset="0"/>
                 </a:rPr>
@@ -7350,54 +7433,54 @@
             </a:p>
             <a:p>
               <a:r>
-                <a:rPr lang="en-US" sz="1400" smtClean="0">
+                <a:rPr lang="en-US" sz="1400" dirty="0" smtClean="0">
                   <a:latin typeface="Courier New" pitchFamily="49" charset="0"/>
                   <a:cs typeface="Courier New" pitchFamily="49" charset="0"/>
                 </a:rPr>
                 <a:t>  // </a:t>
               </a:r>
               <a:r>
-                <a:rPr lang="en-US" sz="1400" err="1" smtClean="0">
+                <a:rPr lang="en-US" sz="1400" dirty="0" err="1" smtClean="0">
                   <a:latin typeface="Courier New" pitchFamily="49" charset="0"/>
                   <a:cs typeface="Courier New" pitchFamily="49" charset="0"/>
                 </a:rPr>
                 <a:t>es</a:t>
               </a:r>
               <a:r>
-                <a:rPr lang="en-US" sz="1400" smtClean="0">
+                <a:rPr lang="en-US" sz="1400" dirty="0" smtClean="0">
                   <a:latin typeface="Courier New" pitchFamily="49" charset="0"/>
                   <a:cs typeface="Courier New" pitchFamily="49" charset="0"/>
                 </a:rPr>
                 <a:t> </a:t>
               </a:r>
               <a:r>
-                <a:rPr lang="en-US" sz="1400" err="1" smtClean="0">
+                <a:rPr lang="en-US" sz="1400" dirty="0" err="1" smtClean="0">
                   <a:latin typeface="Courier New" pitchFamily="49" charset="0"/>
                   <a:cs typeface="Courier New" pitchFamily="49" charset="0"/>
                 </a:rPr>
                 <a:t>difícil</a:t>
               </a:r>
               <a:r>
-                <a:rPr lang="en-US" sz="1400" smtClean="0">
+                <a:rPr lang="en-US" sz="1400" dirty="0" smtClean="0">
                   <a:latin typeface="Courier New" pitchFamily="49" charset="0"/>
                   <a:cs typeface="Courier New" pitchFamily="49" charset="0"/>
                 </a:rPr>
                 <a:t>!</a:t>
               </a:r>
               <a:br>
-                <a:rPr lang="en-US" sz="1400" smtClean="0">
+                <a:rPr lang="en-US" sz="1400" dirty="0" smtClean="0">
                   <a:latin typeface="Courier New" pitchFamily="49" charset="0"/>
                   <a:cs typeface="Courier New" pitchFamily="49" charset="0"/>
                 </a:rPr>
               </a:br>
               <a:r>
-                <a:rPr lang="en-US" sz="1400" smtClean="0">
+                <a:rPr lang="en-US" sz="1400" dirty="0" smtClean="0">
                   <a:latin typeface="Courier New" pitchFamily="49" charset="0"/>
                   <a:cs typeface="Courier New" pitchFamily="49" charset="0"/>
                 </a:rPr>
                 <a:t>}</a:t>
               </a:r>
-              <a:endParaRPr lang="es-AR" sz="1400">
+              <a:endParaRPr lang="es-AR" sz="1400" dirty="0">
                 <a:latin typeface="Courier New" pitchFamily="49" charset="0"/>
                 <a:cs typeface="Courier New" pitchFamily="49" charset="0"/>
               </a:endParaRPr>
@@ -7687,36 +7770,36 @@
           <a:lstStyle/>
           <a:p>
             <a:r>
-              <a:rPr lang="es-ES" smtClean="0"/>
+              <a:rPr lang="es-ES" dirty="0" smtClean="0"/>
               <a:t>Mantener sincronizado el mismo documento en todas las ubicaciones.</a:t>
             </a:r>
           </a:p>
           <a:p>
             <a:r>
-              <a:rPr lang="es-ES" smtClean="0"/>
+              <a:rPr lang="es-ES" dirty="0" smtClean="0"/>
               <a:t>Ofrecer un </a:t>
             </a:r>
             <a:r>
-              <a:rPr lang="es-ES" err="1" smtClean="0"/>
+              <a:rPr lang="es-ES" dirty="0" err="1" smtClean="0"/>
               <a:t>feedback</a:t>
             </a:r>
             <a:r>
-              <a:rPr lang="es-ES" smtClean="0"/>
+              <a:rPr lang="es-ES" dirty="0" smtClean="0"/>
               <a:t> instantáneo al usuario.</a:t>
             </a:r>
           </a:p>
           <a:p>
             <a:r>
-              <a:rPr lang="es-ES" smtClean="0"/>
+              <a:rPr lang="es-ES" dirty="0" smtClean="0"/>
               <a:t>No inventar otra herramienta, integrarse con las herramientas existentes.</a:t>
             </a:r>
           </a:p>
           <a:p>
             <a:r>
-              <a:rPr lang="es-ES" smtClean="0"/>
+              <a:rPr lang="es-ES" dirty="0" smtClean="0"/>
               <a:t>Simplicidad de uso y despliegue, sin necesidad de un servidor central.</a:t>
             </a:r>
-            <a:endParaRPr lang="es-ES"/>
+            <a:endParaRPr lang="es-ES" dirty="0"/>
           </a:p>
         </p:txBody>
       </p:sp>
@@ -7783,6 +7866,1743 @@
 </file>
 
 <file path=ppt/slides/slide6.xml><?xml version="1.0" encoding="utf-8"?>
+<p:sld xmlns:a="http://schemas.openxmlformats.org/drawingml/2006/main" xmlns:r="http://schemas.openxmlformats.org/officeDocument/2006/relationships" xmlns:p="http://schemas.openxmlformats.org/presentationml/2006/main">
+  <p:cSld>
+    <p:spTree>
+      <p:nvGrpSpPr>
+        <p:cNvPr id="1" name=""/>
+        <p:cNvGrpSpPr/>
+        <p:nvPr/>
+      </p:nvGrpSpPr>
+      <p:grpSpPr>
+        <a:xfrm>
+          <a:off x="0" y="0"/>
+          <a:ext cx="0" cy="0"/>
+          <a:chOff x="0" y="0"/>
+          <a:chExt cx="0" cy="0"/>
+        </a:xfrm>
+      </p:grpSpPr>
+      <p:pic>
+        <p:nvPicPr>
+          <p:cNvPr id="53" name="Picture 52" descr="file.png"/>
+          <p:cNvPicPr>
+            <a:picLocks noChangeAspect="1"/>
+          </p:cNvPicPr>
+          <p:nvPr/>
+        </p:nvPicPr>
+        <p:blipFill>
+          <a:blip r:embed="rId2"/>
+          <a:stretch>
+            <a:fillRect/>
+          </a:stretch>
+        </p:blipFill>
+        <p:spPr>
+          <a:xfrm>
+            <a:off x="6429388" y="3429000"/>
+            <a:ext cx="2428892" cy="2286016"/>
+          </a:xfrm>
+          <a:prstGeom prst="rect">
+            <a:avLst/>
+          </a:prstGeom>
+        </p:spPr>
+      </p:pic>
+      <p:sp>
+        <p:nvSpPr>
+          <p:cNvPr id="54" name="TextBox 53"/>
+          <p:cNvSpPr txBox="1"/>
+          <p:nvPr/>
+        </p:nvSpPr>
+        <p:spPr>
+          <a:xfrm>
+            <a:off x="6757550" y="3985990"/>
+            <a:ext cx="1672102" cy="707886"/>
+          </a:xfrm>
+          <a:prstGeom prst="rect">
+            <a:avLst/>
+          </a:prstGeom>
+          <a:noFill/>
+        </p:spPr>
+        <p:txBody>
+          <a:bodyPr wrap="square" rtlCol="0">
+            <a:spAutoFit/>
+          </a:bodyPr>
+          <a:lstStyle/>
+          <a:p>
+            <a:pPr lvl="0" algn="ctr"/>
+            <a:r>
+              <a:rPr lang="en-US" sz="4000" dirty="0" smtClean="0">
+                <a:solidFill>
+                  <a:prstClr val="black"/>
+                </a:solidFill>
+                <a:latin typeface="Courier New" pitchFamily="49" charset="0"/>
+                <a:cs typeface="Courier New" pitchFamily="49" charset="0"/>
+              </a:rPr>
+              <a:t>HOLA</a:t>
+            </a:r>
+            <a:endParaRPr lang="es-AR" sz="4000" dirty="0">
+              <a:solidFill>
+                <a:prstClr val="black"/>
+              </a:solidFill>
+              <a:latin typeface="Courier New" pitchFamily="49" charset="0"/>
+              <a:cs typeface="Courier New" pitchFamily="49" charset="0"/>
+            </a:endParaRPr>
+          </a:p>
+        </p:txBody>
+      </p:sp>
+      <p:sp>
+        <p:nvSpPr>
+          <p:cNvPr id="23" name="TextBox 22"/>
+          <p:cNvSpPr txBox="1"/>
+          <p:nvPr/>
+        </p:nvSpPr>
+        <p:spPr>
+          <a:xfrm>
+            <a:off x="6606736" y="3981598"/>
+            <a:ext cx="1672102" cy="707886"/>
+          </a:xfrm>
+          <a:prstGeom prst="rect">
+            <a:avLst/>
+          </a:prstGeom>
+          <a:noFill/>
+        </p:spPr>
+        <p:txBody>
+          <a:bodyPr wrap="square" rtlCol="0">
+            <a:spAutoFit/>
+          </a:bodyPr>
+          <a:lstStyle/>
+          <a:p>
+            <a:pPr lvl="0" algn="ctr"/>
+            <a:r>
+              <a:rPr lang="en-US" sz="4000" dirty="0" smtClean="0">
+                <a:solidFill>
+                  <a:prstClr val="black"/>
+                </a:solidFill>
+                <a:latin typeface="Courier New" pitchFamily="49" charset="0"/>
+                <a:cs typeface="Courier New" pitchFamily="49" charset="0"/>
+              </a:rPr>
+              <a:t>HLA</a:t>
+            </a:r>
+            <a:endParaRPr lang="es-AR" sz="4000" dirty="0">
+              <a:solidFill>
+                <a:prstClr val="black"/>
+              </a:solidFill>
+              <a:latin typeface="Courier New" pitchFamily="49" charset="0"/>
+              <a:cs typeface="Courier New" pitchFamily="49" charset="0"/>
+            </a:endParaRPr>
+          </a:p>
+        </p:txBody>
+      </p:sp>
+      <p:sp>
+        <p:nvSpPr>
+          <p:cNvPr id="2" name="1 Título"/>
+          <p:cNvSpPr>
+            <a:spLocks noGrp="1"/>
+          </p:cNvSpPr>
+          <p:nvPr>
+            <p:ph type="title"/>
+          </p:nvPr>
+        </p:nvSpPr>
+        <p:spPr/>
+        <p:txBody>
+          <a:bodyPr/>
+          <a:lstStyle/>
+          <a:p>
+            <a:r>
+              <a:rPr lang="es-ES" dirty="0" smtClean="0"/>
+              <a:t>Ejemplo</a:t>
+            </a:r>
+            <a:endParaRPr lang="es-ES" dirty="0"/>
+          </a:p>
+        </p:txBody>
+      </p:sp>
+      <p:grpSp>
+        <p:nvGrpSpPr>
+          <p:cNvPr id="3" name="Group 25"/>
+          <p:cNvGrpSpPr/>
+          <p:nvPr/>
+        </p:nvGrpSpPr>
+        <p:grpSpPr>
+          <a:xfrm>
+            <a:off x="428596" y="2071678"/>
+            <a:ext cx="2096788" cy="858661"/>
+            <a:chOff x="642910" y="4813492"/>
+            <a:chExt cx="2096788" cy="858661"/>
+          </a:xfrm>
+        </p:grpSpPr>
+        <p:pic>
+          <p:nvPicPr>
+            <p:cNvPr id="4" name="Picture 3" descr="user_icon.png"/>
+            <p:cNvPicPr>
+              <a:picLocks noChangeAspect="1"/>
+            </p:cNvPicPr>
+            <p:nvPr/>
+          </p:nvPicPr>
+          <p:blipFill>
+            <a:blip r:embed="rId3" cstate="print"/>
+            <a:stretch>
+              <a:fillRect/>
+            </a:stretch>
+          </p:blipFill>
+          <p:spPr>
+            <a:xfrm>
+              <a:off x="642910" y="4857760"/>
+              <a:ext cx="857256" cy="814393"/>
+            </a:xfrm>
+            <a:prstGeom prst="rect">
+              <a:avLst/>
+            </a:prstGeom>
+          </p:spPr>
+        </p:pic>
+        <p:pic>
+          <p:nvPicPr>
+            <p:cNvPr id="7" name="Picture 6" descr="laptop.png"/>
+            <p:cNvPicPr>
+              <a:picLocks noChangeAspect="1"/>
+            </p:cNvPicPr>
+            <p:nvPr/>
+          </p:nvPicPr>
+          <p:blipFill>
+            <a:blip r:embed="rId4"/>
+            <a:srcRect t="12062" b="15563"/>
+            <a:stretch>
+              <a:fillRect/>
+            </a:stretch>
+          </p:blipFill>
+          <p:spPr>
+            <a:xfrm>
+              <a:off x="1555232" y="4813492"/>
+              <a:ext cx="1184466" cy="857256"/>
+            </a:xfrm>
+            <a:prstGeom prst="rect">
+              <a:avLst/>
+            </a:prstGeom>
+          </p:spPr>
+        </p:pic>
+      </p:grpSp>
+      <p:sp>
+        <p:nvSpPr>
+          <p:cNvPr id="14" name="Cloud 13"/>
+          <p:cNvSpPr/>
+          <p:nvPr/>
+        </p:nvSpPr>
+        <p:spPr>
+          <a:xfrm>
+            <a:off x="3214678" y="857232"/>
+            <a:ext cx="2857520" cy="1214446"/>
+          </a:xfrm>
+          <a:prstGeom prst="cloud">
+            <a:avLst/>
+          </a:prstGeom>
+          <a:noFill/>
+        </p:spPr>
+        <p:style>
+          <a:lnRef idx="2">
+            <a:schemeClr val="accent1">
+              <a:shade val="50000"/>
+            </a:schemeClr>
+          </a:lnRef>
+          <a:fillRef idx="1">
+            <a:schemeClr val="accent1"/>
+          </a:fillRef>
+          <a:effectRef idx="0">
+            <a:schemeClr val="accent1"/>
+          </a:effectRef>
+          <a:fontRef idx="minor">
+            <a:schemeClr val="lt1"/>
+          </a:fontRef>
+        </p:style>
+        <p:txBody>
+          <a:bodyPr rtlCol="0" anchor="ctr"/>
+          <a:lstStyle/>
+          <a:p>
+            <a:pPr algn="ctr"/>
+            <a:r>
+              <a:rPr lang="en-US" smtClean="0">
+                <a:solidFill>
+                  <a:schemeClr val="tx1"/>
+                </a:solidFill>
+              </a:rPr>
+              <a:t>Internet</a:t>
+            </a:r>
+            <a:endParaRPr lang="es-AR">
+              <a:solidFill>
+                <a:schemeClr val="tx1"/>
+              </a:solidFill>
+            </a:endParaRPr>
+          </a:p>
+        </p:txBody>
+      </p:sp>
+      <p:cxnSp>
+        <p:nvCxnSpPr>
+          <p:cNvPr id="22" name="Straight Arrow Connector 21"/>
+          <p:cNvCxnSpPr>
+            <a:stCxn id="7" idx="0"/>
+            <a:endCxn id="14" idx="2"/>
+          </p:cNvCxnSpPr>
+          <p:nvPr/>
+        </p:nvCxnSpPr>
+        <p:spPr>
+          <a:xfrm rot="5400000" flipH="1" flipV="1">
+            <a:off x="2274735" y="1122872"/>
+            <a:ext cx="607223" cy="1290391"/>
+          </a:xfrm>
+          <a:prstGeom prst="straightConnector1">
+            <a:avLst/>
+          </a:prstGeom>
+          <a:ln>
+            <a:headEnd type="arrow"/>
+            <a:tailEnd type="arrow"/>
+          </a:ln>
+        </p:spPr>
+        <p:style>
+          <a:lnRef idx="1">
+            <a:schemeClr val="accent1"/>
+          </a:lnRef>
+          <a:fillRef idx="0">
+            <a:schemeClr val="accent1"/>
+          </a:fillRef>
+          <a:effectRef idx="0">
+            <a:schemeClr val="accent1"/>
+          </a:effectRef>
+          <a:fontRef idx="minor">
+            <a:schemeClr val="tx1"/>
+          </a:fontRef>
+        </p:style>
+      </p:cxnSp>
+      <p:grpSp>
+        <p:nvGrpSpPr>
+          <p:cNvPr id="5" name="Group 27"/>
+          <p:cNvGrpSpPr/>
+          <p:nvPr/>
+        </p:nvGrpSpPr>
+        <p:grpSpPr>
+          <a:xfrm>
+            <a:off x="6357950" y="2071678"/>
+            <a:ext cx="2096788" cy="858661"/>
+            <a:chOff x="642910" y="4813492"/>
+            <a:chExt cx="2096788" cy="858661"/>
+          </a:xfrm>
+        </p:grpSpPr>
+        <p:pic>
+          <p:nvPicPr>
+            <p:cNvPr id="29" name="Picture 28" descr="user_icon.png"/>
+            <p:cNvPicPr>
+              <a:picLocks noChangeAspect="1"/>
+            </p:cNvPicPr>
+            <p:nvPr/>
+          </p:nvPicPr>
+          <p:blipFill>
+            <a:blip r:embed="rId3" cstate="print"/>
+            <a:stretch>
+              <a:fillRect/>
+            </a:stretch>
+          </p:blipFill>
+          <p:spPr>
+            <a:xfrm>
+              <a:off x="642910" y="4857760"/>
+              <a:ext cx="857256" cy="814393"/>
+            </a:xfrm>
+            <a:prstGeom prst="rect">
+              <a:avLst/>
+            </a:prstGeom>
+          </p:spPr>
+        </p:pic>
+        <p:pic>
+          <p:nvPicPr>
+            <p:cNvPr id="30" name="Picture 29" descr="laptop.png"/>
+            <p:cNvPicPr>
+              <a:picLocks noChangeAspect="1"/>
+            </p:cNvPicPr>
+            <p:nvPr/>
+          </p:nvPicPr>
+          <p:blipFill>
+            <a:blip r:embed="rId4"/>
+            <a:srcRect t="12062" b="15563"/>
+            <a:stretch>
+              <a:fillRect/>
+            </a:stretch>
+          </p:blipFill>
+          <p:spPr>
+            <a:xfrm>
+              <a:off x="1555232" y="4813492"/>
+              <a:ext cx="1184466" cy="857256"/>
+            </a:xfrm>
+            <a:prstGeom prst="rect">
+              <a:avLst/>
+            </a:prstGeom>
+          </p:spPr>
+        </p:pic>
+      </p:grpSp>
+      <p:cxnSp>
+        <p:nvCxnSpPr>
+          <p:cNvPr id="32" name="Straight Arrow Connector 31"/>
+          <p:cNvCxnSpPr>
+            <a:stCxn id="30" idx="0"/>
+            <a:endCxn id="14" idx="0"/>
+          </p:cNvCxnSpPr>
+          <p:nvPr/>
+        </p:nvCxnSpPr>
+        <p:spPr>
+          <a:xfrm rot="16200000" flipV="1">
+            <a:off x="6662550" y="871723"/>
+            <a:ext cx="607223" cy="1792688"/>
+          </a:xfrm>
+          <a:prstGeom prst="straightConnector1">
+            <a:avLst/>
+          </a:prstGeom>
+          <a:ln>
+            <a:headEnd type="arrow"/>
+            <a:tailEnd type="arrow"/>
+          </a:ln>
+        </p:spPr>
+        <p:style>
+          <a:lnRef idx="1">
+            <a:schemeClr val="accent1"/>
+          </a:lnRef>
+          <a:fillRef idx="0">
+            <a:schemeClr val="accent1"/>
+          </a:fillRef>
+          <a:effectRef idx="0">
+            <a:schemeClr val="accent1"/>
+          </a:effectRef>
+          <a:fontRef idx="minor">
+            <a:schemeClr val="tx1"/>
+          </a:fontRef>
+        </p:style>
+      </p:cxnSp>
+      <p:pic>
+        <p:nvPicPr>
+          <p:cNvPr id="44" name="Picture 43" descr="file.png"/>
+          <p:cNvPicPr>
+            <a:picLocks noChangeAspect="1"/>
+          </p:cNvPicPr>
+          <p:nvPr/>
+        </p:nvPicPr>
+        <p:blipFill>
+          <a:blip r:embed="rId2"/>
+          <a:stretch>
+            <a:fillRect/>
+          </a:stretch>
+        </p:blipFill>
+        <p:spPr>
+          <a:xfrm>
+            <a:off x="428596" y="3531730"/>
+            <a:ext cx="2428892" cy="2286016"/>
+          </a:xfrm>
+          <a:prstGeom prst="rect">
+            <a:avLst/>
+          </a:prstGeom>
+        </p:spPr>
+      </p:pic>
+      <p:sp>
+        <p:nvSpPr>
+          <p:cNvPr id="47" name="TextBox 46"/>
+          <p:cNvSpPr txBox="1"/>
+          <p:nvPr/>
+        </p:nvSpPr>
+        <p:spPr>
+          <a:xfrm>
+            <a:off x="891696" y="4088720"/>
+            <a:ext cx="1743540" cy="707886"/>
+          </a:xfrm>
+          <a:prstGeom prst="rect">
+            <a:avLst/>
+          </a:prstGeom>
+          <a:noFill/>
+        </p:spPr>
+        <p:txBody>
+          <a:bodyPr wrap="square" rtlCol="0">
+            <a:spAutoFit/>
+          </a:bodyPr>
+          <a:lstStyle/>
+          <a:p>
+            <a:pPr algn="ctr"/>
+            <a:r>
+              <a:rPr lang="en-US" sz="4000" dirty="0" smtClean="0">
+                <a:latin typeface="Courier New" pitchFamily="49" charset="0"/>
+                <a:cs typeface="Courier New" pitchFamily="49" charset="0"/>
+              </a:rPr>
+              <a:t>HOLA</a:t>
+            </a:r>
+            <a:endParaRPr lang="es-AR" sz="4000" dirty="0">
+              <a:latin typeface="Courier New" pitchFamily="49" charset="0"/>
+              <a:cs typeface="Courier New" pitchFamily="49" charset="0"/>
+            </a:endParaRPr>
+          </a:p>
+        </p:txBody>
+      </p:sp>
+      <p:sp>
+        <p:nvSpPr>
+          <p:cNvPr id="49" name="TextBox 48"/>
+          <p:cNvSpPr txBox="1"/>
+          <p:nvPr/>
+        </p:nvSpPr>
+        <p:spPr>
+          <a:xfrm>
+            <a:off x="857224" y="3000372"/>
+            <a:ext cx="1476686" cy="369332"/>
+          </a:xfrm>
+          <a:prstGeom prst="rect">
+            <a:avLst/>
+          </a:prstGeom>
+          <a:noFill/>
+        </p:spPr>
+        <p:txBody>
+          <a:bodyPr wrap="none" rtlCol="0">
+            <a:spAutoFit/>
+          </a:bodyPr>
+          <a:lstStyle/>
+          <a:p>
+            <a:r>
+              <a:rPr lang="en-US" b="1" err="1" smtClean="0"/>
+              <a:t>ubicación</a:t>
+            </a:r>
+            <a:r>
+              <a:rPr lang="en-US" b="1" smtClean="0"/>
+              <a:t> 1</a:t>
+            </a:r>
+            <a:endParaRPr lang="es-AR" b="1"/>
+          </a:p>
+        </p:txBody>
+      </p:sp>
+      <p:sp>
+        <p:nvSpPr>
+          <p:cNvPr id="50" name="TextBox 49"/>
+          <p:cNvSpPr txBox="1"/>
+          <p:nvPr/>
+        </p:nvSpPr>
+        <p:spPr>
+          <a:xfrm>
+            <a:off x="6786578" y="3000372"/>
+            <a:ext cx="1478290" cy="369332"/>
+          </a:xfrm>
+          <a:prstGeom prst="rect">
+            <a:avLst/>
+          </a:prstGeom>
+          <a:noFill/>
+        </p:spPr>
+        <p:txBody>
+          <a:bodyPr wrap="none" rtlCol="0">
+            <a:spAutoFit/>
+          </a:bodyPr>
+          <a:lstStyle/>
+          <a:p>
+            <a:r>
+              <a:rPr lang="en-US" b="1" err="1" smtClean="0"/>
+              <a:t>ubicación</a:t>
+            </a:r>
+            <a:r>
+              <a:rPr lang="en-US" b="1" smtClean="0"/>
+              <a:t> 2</a:t>
+            </a:r>
+            <a:endParaRPr lang="es-AR" b="1"/>
+          </a:p>
+        </p:txBody>
+      </p:sp>
+      <p:pic>
+        <p:nvPicPr>
+          <p:cNvPr id="20" name="Picture 19" descr="mail.png"/>
+          <p:cNvPicPr>
+            <a:picLocks noChangeAspect="1"/>
+          </p:cNvPicPr>
+          <p:nvPr/>
+        </p:nvPicPr>
+        <p:blipFill>
+          <a:blip r:embed="rId5" cstate="print"/>
+          <a:stretch>
+            <a:fillRect/>
+          </a:stretch>
+        </p:blipFill>
+        <p:spPr>
+          <a:xfrm>
+            <a:off x="1012800" y="1701788"/>
+            <a:ext cx="428628" cy="428628"/>
+          </a:xfrm>
+          <a:prstGeom prst="rect">
+            <a:avLst/>
+          </a:prstGeom>
+        </p:spPr>
+      </p:pic>
+      <p:sp>
+        <p:nvSpPr>
+          <p:cNvPr id="21" name="TextBox 20"/>
+          <p:cNvSpPr txBox="1"/>
+          <p:nvPr/>
+        </p:nvSpPr>
+        <p:spPr>
+          <a:xfrm>
+            <a:off x="731358" y="4087818"/>
+            <a:ext cx="1743540" cy="707886"/>
+          </a:xfrm>
+          <a:prstGeom prst="rect">
+            <a:avLst/>
+          </a:prstGeom>
+          <a:noFill/>
+        </p:spPr>
+        <p:txBody>
+          <a:bodyPr wrap="square" rtlCol="0">
+            <a:spAutoFit/>
+          </a:bodyPr>
+          <a:lstStyle/>
+          <a:p>
+            <a:r>
+              <a:rPr lang="en-US" sz="4000" dirty="0" smtClean="0">
+                <a:solidFill>
+                  <a:srgbClr val="0032D0"/>
+                </a:solidFill>
+                <a:latin typeface="Courier New" pitchFamily="49" charset="0"/>
+                <a:cs typeface="Courier New" pitchFamily="49" charset="0"/>
+              </a:rPr>
+              <a:t>C</a:t>
+            </a:r>
+            <a:endParaRPr lang="es-AR" sz="4000" dirty="0">
+              <a:solidFill>
+                <a:srgbClr val="0032D0"/>
+              </a:solidFill>
+              <a:latin typeface="Courier New" pitchFamily="49" charset="0"/>
+              <a:cs typeface="Courier New" pitchFamily="49" charset="0"/>
+            </a:endParaRPr>
+          </a:p>
+        </p:txBody>
+      </p:sp>
+      <p:pic>
+        <p:nvPicPr>
+          <p:cNvPr id="24" name="Picture 23" descr="mail.png"/>
+          <p:cNvPicPr>
+            <a:picLocks noChangeAspect="1"/>
+          </p:cNvPicPr>
+          <p:nvPr/>
+        </p:nvPicPr>
+        <p:blipFill>
+          <a:blip r:embed="rId6" cstate="print">
+            <a:duotone>
+              <a:prstClr val="black"/>
+              <a:schemeClr val="accent4">
+                <a:tint val="45000"/>
+                <a:satMod val="400000"/>
+              </a:schemeClr>
+            </a:duotone>
+          </a:blip>
+          <a:stretch>
+            <a:fillRect/>
+          </a:stretch>
+        </p:blipFill>
+        <p:spPr>
+          <a:xfrm>
+            <a:off x="8001024" y="1714488"/>
+            <a:ext cx="433382" cy="433382"/>
+          </a:xfrm>
+          <a:prstGeom prst="rect">
+            <a:avLst/>
+          </a:prstGeom>
+        </p:spPr>
+      </p:pic>
+      <p:sp>
+        <p:nvSpPr>
+          <p:cNvPr id="25" name="TextBox 24"/>
+          <p:cNvSpPr txBox="1"/>
+          <p:nvPr/>
+        </p:nvSpPr>
+        <p:spPr>
+          <a:xfrm>
+            <a:off x="6753240" y="3975104"/>
+            <a:ext cx="1672102" cy="707886"/>
+          </a:xfrm>
+          <a:prstGeom prst="rect">
+            <a:avLst/>
+          </a:prstGeom>
+          <a:noFill/>
+        </p:spPr>
+        <p:txBody>
+          <a:bodyPr wrap="square" rtlCol="0">
+            <a:spAutoFit/>
+          </a:bodyPr>
+          <a:lstStyle/>
+          <a:p>
+            <a:pPr lvl="0" algn="ctr"/>
+            <a:r>
+              <a:rPr lang="en-US" sz="4000" dirty="0" smtClean="0">
+                <a:solidFill>
+                  <a:prstClr val="black"/>
+                </a:solidFill>
+                <a:latin typeface="Courier New" pitchFamily="49" charset="0"/>
+                <a:cs typeface="Courier New" pitchFamily="49" charset="0"/>
+              </a:rPr>
+              <a:t>CHLA</a:t>
+            </a:r>
+            <a:endParaRPr lang="es-AR" sz="4000" dirty="0">
+              <a:solidFill>
+                <a:prstClr val="black"/>
+              </a:solidFill>
+              <a:latin typeface="Courier New" pitchFamily="49" charset="0"/>
+              <a:cs typeface="Courier New" pitchFamily="49" charset="0"/>
+            </a:endParaRPr>
+          </a:p>
+        </p:txBody>
+      </p:sp>
+      <p:sp>
+        <p:nvSpPr>
+          <p:cNvPr id="26" name="TextBox 25"/>
+          <p:cNvSpPr txBox="1"/>
+          <p:nvPr/>
+        </p:nvSpPr>
+        <p:spPr>
+          <a:xfrm>
+            <a:off x="566710" y="4097342"/>
+            <a:ext cx="1743540" cy="707886"/>
+          </a:xfrm>
+          <a:prstGeom prst="rect">
+            <a:avLst/>
+          </a:prstGeom>
+          <a:noFill/>
+        </p:spPr>
+        <p:txBody>
+          <a:bodyPr wrap="square" rtlCol="0">
+            <a:spAutoFit/>
+          </a:bodyPr>
+          <a:lstStyle/>
+          <a:p>
+            <a:pPr algn="ctr"/>
+            <a:r>
+              <a:rPr lang="en-US" sz="4000" dirty="0" smtClean="0">
+                <a:latin typeface="Courier New" pitchFamily="49" charset="0"/>
+                <a:cs typeface="Courier New" pitchFamily="49" charset="0"/>
+              </a:rPr>
+              <a:t>COLA</a:t>
+            </a:r>
+            <a:endParaRPr lang="es-AR" sz="4000" dirty="0">
+              <a:latin typeface="Courier New" pitchFamily="49" charset="0"/>
+              <a:cs typeface="Courier New" pitchFamily="49" charset="0"/>
+            </a:endParaRPr>
+          </a:p>
+        </p:txBody>
+      </p:sp>
+      <p:sp>
+        <p:nvSpPr>
+          <p:cNvPr id="27" name="TextBox 26"/>
+          <p:cNvSpPr txBox="1"/>
+          <p:nvPr/>
+        </p:nvSpPr>
+        <p:spPr>
+          <a:xfrm>
+            <a:off x="4306886" y="3883028"/>
+            <a:ext cx="714380" cy="1015663"/>
+          </a:xfrm>
+          <a:prstGeom prst="rect">
+            <a:avLst/>
+          </a:prstGeom>
+          <a:noFill/>
+        </p:spPr>
+        <p:txBody>
+          <a:bodyPr wrap="square" rtlCol="0">
+            <a:spAutoFit/>
+          </a:bodyPr>
+          <a:lstStyle/>
+          <a:p>
+            <a:r>
+              <a:rPr lang="en-US" sz="6000" b="1" dirty="0" smtClean="0">
+                <a:solidFill>
+                  <a:schemeClr val="accent2"/>
+                </a:solidFill>
+              </a:rPr>
+              <a:t>≠</a:t>
+            </a:r>
+            <a:endParaRPr lang="es-AR" sz="6000" b="1" dirty="0">
+              <a:solidFill>
+                <a:schemeClr val="accent2"/>
+              </a:solidFill>
+            </a:endParaRPr>
+          </a:p>
+        </p:txBody>
+      </p:sp>
+    </p:spTree>
+  </p:cSld>
+  <p:clrMapOvr>
+    <a:masterClrMapping/>
+  </p:clrMapOvr>
+  <p:timing>
+    <p:tnLst>
+      <p:par>
+        <p:cTn id="1" dur="indefinite" restart="never" nodeType="tmRoot">
+          <p:childTnLst>
+            <p:seq concurrent="1" nextAc="seek">
+              <p:cTn id="2" dur="indefinite" nodeType="mainSeq">
+                <p:childTnLst>
+                  <p:par>
+                    <p:cTn id="3" fill="hold">
+                      <p:stCondLst>
+                        <p:cond delay="indefinite"/>
+                      </p:stCondLst>
+                      <p:childTnLst>
+                        <p:par>
+                          <p:cTn id="4" fill="hold">
+                            <p:stCondLst>
+                              <p:cond delay="0"/>
+                            </p:stCondLst>
+                            <p:childTnLst>
+                              <p:par>
+                                <p:cTn id="5" presetID="10" presetClass="entr" presetSubtype="0" fill="hold" grpId="1" nodeType="clickEffect">
+                                  <p:stCondLst>
+                                    <p:cond delay="0"/>
+                                  </p:stCondLst>
+                                  <p:iterate type="lt">
+                                    <p:tmPct val="0"/>
+                                  </p:iterate>
+                                  <p:childTnLst>
+                                    <p:set>
+                                      <p:cBhvr>
+                                        <p:cTn id="6" dur="1" fill="hold">
+                                          <p:stCondLst>
+                                            <p:cond delay="0"/>
+                                          </p:stCondLst>
+                                        </p:cTn>
+                                        <p:tgtEl>
+                                          <p:spTgt spid="21"/>
+                                        </p:tgtEl>
+                                        <p:attrNameLst>
+                                          <p:attrName>style.visibility</p:attrName>
+                                        </p:attrNameLst>
+                                      </p:cBhvr>
+                                      <p:to>
+                                        <p:strVal val="visible"/>
+                                      </p:to>
+                                    </p:set>
+                                    <p:animEffect transition="in" filter="fade">
+                                      <p:cBhvr>
+                                        <p:cTn id="7" dur="2000"/>
+                                        <p:tgtEl>
+                                          <p:spTgt spid="21"/>
+                                        </p:tgtEl>
+                                      </p:cBhvr>
+                                    </p:animEffect>
+                                  </p:childTnLst>
+                                </p:cTn>
+                              </p:par>
+                            </p:childTnLst>
+                          </p:cTn>
+                        </p:par>
+                      </p:childTnLst>
+                    </p:cTn>
+                  </p:par>
+                  <p:par>
+                    <p:cTn id="8" fill="hold">
+                      <p:stCondLst>
+                        <p:cond delay="indefinite"/>
+                      </p:stCondLst>
+                      <p:childTnLst>
+                        <p:par>
+                          <p:cTn id="9" fill="hold">
+                            <p:stCondLst>
+                              <p:cond delay="0"/>
+                            </p:stCondLst>
+                            <p:childTnLst>
+                              <p:par>
+                                <p:cTn id="10" presetID="10" presetClass="entr" presetSubtype="0" fill="hold" nodeType="clickEffect">
+                                  <p:stCondLst>
+                                    <p:cond delay="0"/>
+                                  </p:stCondLst>
+                                  <p:childTnLst>
+                                    <p:set>
+                                      <p:cBhvr>
+                                        <p:cTn id="11" dur="1" fill="hold">
+                                          <p:stCondLst>
+                                            <p:cond delay="0"/>
+                                          </p:stCondLst>
+                                        </p:cTn>
+                                        <p:tgtEl>
+                                          <p:spTgt spid="20"/>
+                                        </p:tgtEl>
+                                        <p:attrNameLst>
+                                          <p:attrName>style.visibility</p:attrName>
+                                        </p:attrNameLst>
+                                      </p:cBhvr>
+                                      <p:to>
+                                        <p:strVal val="visible"/>
+                                      </p:to>
+                                    </p:set>
+                                    <p:animEffect transition="in" filter="fade">
+                                      <p:cBhvr>
+                                        <p:cTn id="12" dur="2000"/>
+                                        <p:tgtEl>
+                                          <p:spTgt spid="20"/>
+                                        </p:tgtEl>
+                                      </p:cBhvr>
+                                    </p:animEffect>
+                                  </p:childTnLst>
+                                </p:cTn>
+                              </p:par>
+                            </p:childTnLst>
+                          </p:cTn>
+                        </p:par>
+                      </p:childTnLst>
+                    </p:cTn>
+                  </p:par>
+                  <p:par>
+                    <p:cTn id="13" fill="hold">
+                      <p:stCondLst>
+                        <p:cond delay="indefinite"/>
+                      </p:stCondLst>
+                      <p:childTnLst>
+                        <p:par>
+                          <p:cTn id="14" fill="hold">
+                            <p:stCondLst>
+                              <p:cond delay="0"/>
+                            </p:stCondLst>
+                            <p:childTnLst>
+                              <p:par>
+                                <p:cTn id="15" presetID="0" presetClass="path" presetSubtype="0" accel="50000" decel="50000" fill="hold" nodeType="clickEffect">
+                                  <p:stCondLst>
+                                    <p:cond delay="0"/>
+                                  </p:stCondLst>
+                                  <p:childTnLst>
+                                    <p:animMotion origin="layout" path="M -2.77778E-7 4.07407E-6 C 0.05452 -0.00625 0.1092 -0.01227 0.15 -0.03704 C 0.1908 -0.06181 0.2099 -0.13403 0.24445 -0.14815 C 0.279 -0.16227 0.33681 -0.13149 0.35695 -0.12223 " pathEditMode="relative" ptsTypes="aaaA">
+                                      <p:cBhvr>
+                                        <p:cTn id="16" dur="2000" fill="hold"/>
+                                        <p:tgtEl>
+                                          <p:spTgt spid="20"/>
+                                        </p:tgtEl>
+                                        <p:attrNameLst>
+                                          <p:attrName>ppt_x</p:attrName>
+                                          <p:attrName>ppt_y</p:attrName>
+                                        </p:attrNameLst>
+                                      </p:cBhvr>
+                                    </p:animMotion>
+                                  </p:childTnLst>
+                                </p:cTn>
+                              </p:par>
+                            </p:childTnLst>
+                          </p:cTn>
+                        </p:par>
+                      </p:childTnLst>
+                    </p:cTn>
+                  </p:par>
+                  <p:par>
+                    <p:cTn id="17" fill="hold">
+                      <p:stCondLst>
+                        <p:cond delay="indefinite"/>
+                      </p:stCondLst>
+                      <p:childTnLst>
+                        <p:par>
+                          <p:cTn id="18" fill="hold">
+                            <p:stCondLst>
+                              <p:cond delay="0"/>
+                            </p:stCondLst>
+                            <p:childTnLst>
+                              <p:par>
+                                <p:cTn id="19" presetID="10" presetClass="exit" presetSubtype="0" fill="hold" grpId="0" nodeType="clickEffect">
+                                  <p:stCondLst>
+                                    <p:cond delay="0"/>
+                                  </p:stCondLst>
+                                  <p:childTnLst>
+                                    <p:animEffect transition="out" filter="fade">
+                                      <p:cBhvr>
+                                        <p:cTn id="20" dur="500"/>
+                                        <p:tgtEl>
+                                          <p:spTgt spid="54"/>
+                                        </p:tgtEl>
+                                      </p:cBhvr>
+                                    </p:animEffect>
+                                    <p:set>
+                                      <p:cBhvr>
+                                        <p:cTn id="21" dur="1" fill="hold">
+                                          <p:stCondLst>
+                                            <p:cond delay="499"/>
+                                          </p:stCondLst>
+                                        </p:cTn>
+                                        <p:tgtEl>
+                                          <p:spTgt spid="54"/>
+                                        </p:tgtEl>
+                                        <p:attrNameLst>
+                                          <p:attrName>style.visibility</p:attrName>
+                                        </p:attrNameLst>
+                                      </p:cBhvr>
+                                      <p:to>
+                                        <p:strVal val="hidden"/>
+                                      </p:to>
+                                    </p:set>
+                                  </p:childTnLst>
+                                </p:cTn>
+                              </p:par>
+                              <p:par>
+                                <p:cTn id="22" presetID="10" presetClass="entr" presetSubtype="0" fill="hold" grpId="0" nodeType="withEffect">
+                                  <p:stCondLst>
+                                    <p:cond delay="0"/>
+                                  </p:stCondLst>
+                                  <p:childTnLst>
+                                    <p:set>
+                                      <p:cBhvr>
+                                        <p:cTn id="23" dur="1" fill="hold">
+                                          <p:stCondLst>
+                                            <p:cond delay="0"/>
+                                          </p:stCondLst>
+                                        </p:cTn>
+                                        <p:tgtEl>
+                                          <p:spTgt spid="23"/>
+                                        </p:tgtEl>
+                                        <p:attrNameLst>
+                                          <p:attrName>style.visibility</p:attrName>
+                                        </p:attrNameLst>
+                                      </p:cBhvr>
+                                      <p:to>
+                                        <p:strVal val="visible"/>
+                                      </p:to>
+                                    </p:set>
+                                    <p:animEffect transition="in" filter="fade">
+                                      <p:cBhvr>
+                                        <p:cTn id="24" dur="500"/>
+                                        <p:tgtEl>
+                                          <p:spTgt spid="23"/>
+                                        </p:tgtEl>
+                                      </p:cBhvr>
+                                    </p:animEffect>
+                                  </p:childTnLst>
+                                </p:cTn>
+                              </p:par>
+                            </p:childTnLst>
+                          </p:cTn>
+                        </p:par>
+                      </p:childTnLst>
+                    </p:cTn>
+                  </p:par>
+                  <p:par>
+                    <p:cTn id="25" fill="hold">
+                      <p:stCondLst>
+                        <p:cond delay="indefinite"/>
+                      </p:stCondLst>
+                      <p:childTnLst>
+                        <p:par>
+                          <p:cTn id="26" fill="hold">
+                            <p:stCondLst>
+                              <p:cond delay="0"/>
+                            </p:stCondLst>
+                            <p:childTnLst>
+                              <p:par>
+                                <p:cTn id="27" presetID="10" presetClass="entr" presetSubtype="0" fill="hold" nodeType="clickEffect">
+                                  <p:stCondLst>
+                                    <p:cond delay="0"/>
+                                  </p:stCondLst>
+                                  <p:childTnLst>
+                                    <p:set>
+                                      <p:cBhvr>
+                                        <p:cTn id="28" dur="1" fill="hold">
+                                          <p:stCondLst>
+                                            <p:cond delay="0"/>
+                                          </p:stCondLst>
+                                        </p:cTn>
+                                        <p:tgtEl>
+                                          <p:spTgt spid="24"/>
+                                        </p:tgtEl>
+                                        <p:attrNameLst>
+                                          <p:attrName>style.visibility</p:attrName>
+                                        </p:attrNameLst>
+                                      </p:cBhvr>
+                                      <p:to>
+                                        <p:strVal val="visible"/>
+                                      </p:to>
+                                    </p:set>
+                                    <p:animEffect transition="in" filter="fade">
+                                      <p:cBhvr>
+                                        <p:cTn id="29" dur="2000"/>
+                                        <p:tgtEl>
+                                          <p:spTgt spid="24"/>
+                                        </p:tgtEl>
+                                      </p:cBhvr>
+                                    </p:animEffect>
+                                  </p:childTnLst>
+                                </p:cTn>
+                              </p:par>
+                            </p:childTnLst>
+                          </p:cTn>
+                        </p:par>
+                      </p:childTnLst>
+                    </p:cTn>
+                  </p:par>
+                  <p:par>
+                    <p:cTn id="30" fill="hold">
+                      <p:stCondLst>
+                        <p:cond delay="indefinite"/>
+                      </p:stCondLst>
+                      <p:childTnLst>
+                        <p:par>
+                          <p:cTn id="31" fill="hold">
+                            <p:stCondLst>
+                              <p:cond delay="0"/>
+                            </p:stCondLst>
+                            <p:childTnLst>
+                              <p:par>
+                                <p:cTn id="32" presetID="0" presetClass="path" presetSubtype="0" accel="50000" decel="50000" fill="hold" nodeType="clickEffect">
+                                  <p:stCondLst>
+                                    <p:cond delay="0"/>
+                                  </p:stCondLst>
+                                  <p:childTnLst>
+                                    <p:animMotion origin="layout" path="M -1.11111E-6 -1.48148E-6 C -0.06389 -0.00671 -0.12778 -0.01296 -0.19687 -0.04467 C -0.26597 -0.07662 -0.37517 -0.17268 -0.41441 -0.19097 " pathEditMode="relative" rAng="0" ptsTypes="aaA">
+                                      <p:cBhvr>
+                                        <p:cTn id="33" dur="2000" fill="hold"/>
+                                        <p:tgtEl>
+                                          <p:spTgt spid="24"/>
+                                        </p:tgtEl>
+                                        <p:attrNameLst>
+                                          <p:attrName>ppt_x</p:attrName>
+                                          <p:attrName>ppt_y</p:attrName>
+                                        </p:attrNameLst>
+                                      </p:cBhvr>
+                                      <p:rCtr x="-207" y="-96"/>
+                                    </p:animMotion>
+                                  </p:childTnLst>
+                                </p:cTn>
+                              </p:par>
+                            </p:childTnLst>
+                          </p:cTn>
+                        </p:par>
+                      </p:childTnLst>
+                    </p:cTn>
+                  </p:par>
+                  <p:par>
+                    <p:cTn id="34" fill="hold">
+                      <p:stCondLst>
+                        <p:cond delay="indefinite"/>
+                      </p:stCondLst>
+                      <p:childTnLst>
+                        <p:par>
+                          <p:cTn id="35" fill="hold">
+                            <p:stCondLst>
+                              <p:cond delay="0"/>
+                            </p:stCondLst>
+                            <p:childTnLst>
+                              <p:par>
+                                <p:cTn id="36" presetID="0" presetClass="path" presetSubtype="0" accel="50000" decel="50000" fill="hold" nodeType="clickEffect">
+                                  <p:stCondLst>
+                                    <p:cond delay="0"/>
+                                  </p:stCondLst>
+                                  <p:childTnLst>
+                                    <p:animMotion origin="layout" path="M 0.35695 -0.12222 C 0.42744 -0.10463 0.49792 -0.08704 0.56528 -0.06667 C 0.63264 -0.0463 0.68959 -0.03148 0.76112 -1.85185E-6 " pathEditMode="relative" ptsTypes="aaA">
+                                      <p:cBhvr>
+                                        <p:cTn id="37" dur="2000" fill="hold"/>
+                                        <p:tgtEl>
+                                          <p:spTgt spid="20"/>
+                                        </p:tgtEl>
+                                        <p:attrNameLst>
+                                          <p:attrName>ppt_x</p:attrName>
+                                          <p:attrName>ppt_y</p:attrName>
+                                        </p:attrNameLst>
+                                      </p:cBhvr>
+                                    </p:animMotion>
+                                  </p:childTnLst>
+                                </p:cTn>
+                              </p:par>
+                            </p:childTnLst>
+                          </p:cTn>
+                        </p:par>
+                      </p:childTnLst>
+                    </p:cTn>
+                  </p:par>
+                  <p:par>
+                    <p:cTn id="38" fill="hold">
+                      <p:stCondLst>
+                        <p:cond delay="indefinite"/>
+                      </p:stCondLst>
+                      <p:childTnLst>
+                        <p:par>
+                          <p:cTn id="39" fill="hold">
+                            <p:stCondLst>
+                              <p:cond delay="0"/>
+                            </p:stCondLst>
+                            <p:childTnLst>
+                              <p:par>
+                                <p:cTn id="40" presetID="10" presetClass="exit" presetSubtype="0" fill="hold" grpId="1" nodeType="clickEffect">
+                                  <p:stCondLst>
+                                    <p:cond delay="0"/>
+                                  </p:stCondLst>
+                                  <p:childTnLst>
+                                    <p:animEffect transition="out" filter="fade">
+                                      <p:cBhvr>
+                                        <p:cTn id="41" dur="500"/>
+                                        <p:tgtEl>
+                                          <p:spTgt spid="23"/>
+                                        </p:tgtEl>
+                                      </p:cBhvr>
+                                    </p:animEffect>
+                                    <p:set>
+                                      <p:cBhvr>
+                                        <p:cTn id="42" dur="1" fill="hold">
+                                          <p:stCondLst>
+                                            <p:cond delay="499"/>
+                                          </p:stCondLst>
+                                        </p:cTn>
+                                        <p:tgtEl>
+                                          <p:spTgt spid="23"/>
+                                        </p:tgtEl>
+                                        <p:attrNameLst>
+                                          <p:attrName>style.visibility</p:attrName>
+                                        </p:attrNameLst>
+                                      </p:cBhvr>
+                                      <p:to>
+                                        <p:strVal val="hidden"/>
+                                      </p:to>
+                                    </p:set>
+                                  </p:childTnLst>
+                                </p:cTn>
+                              </p:par>
+                              <p:par>
+                                <p:cTn id="43" presetID="10" presetClass="entr" presetSubtype="0" fill="hold" grpId="1" nodeType="withEffect">
+                                  <p:stCondLst>
+                                    <p:cond delay="0"/>
+                                  </p:stCondLst>
+                                  <p:childTnLst>
+                                    <p:set>
+                                      <p:cBhvr>
+                                        <p:cTn id="44" dur="1" fill="hold">
+                                          <p:stCondLst>
+                                            <p:cond delay="0"/>
+                                          </p:stCondLst>
+                                        </p:cTn>
+                                        <p:tgtEl>
+                                          <p:spTgt spid="25"/>
+                                        </p:tgtEl>
+                                        <p:attrNameLst>
+                                          <p:attrName>style.visibility</p:attrName>
+                                        </p:attrNameLst>
+                                      </p:cBhvr>
+                                      <p:to>
+                                        <p:strVal val="visible"/>
+                                      </p:to>
+                                    </p:set>
+                                    <p:animEffect transition="in" filter="fade">
+                                      <p:cBhvr>
+                                        <p:cTn id="45" dur="500"/>
+                                        <p:tgtEl>
+                                          <p:spTgt spid="25"/>
+                                        </p:tgtEl>
+                                      </p:cBhvr>
+                                    </p:animEffect>
+                                  </p:childTnLst>
+                                </p:cTn>
+                              </p:par>
+                            </p:childTnLst>
+                          </p:cTn>
+                        </p:par>
+                      </p:childTnLst>
+                    </p:cTn>
+                  </p:par>
+                  <p:par>
+                    <p:cTn id="46" fill="hold">
+                      <p:stCondLst>
+                        <p:cond delay="indefinite"/>
+                      </p:stCondLst>
+                      <p:childTnLst>
+                        <p:par>
+                          <p:cTn id="47" fill="hold">
+                            <p:stCondLst>
+                              <p:cond delay="0"/>
+                            </p:stCondLst>
+                            <p:childTnLst>
+                              <p:par>
+                                <p:cTn id="48" presetID="0" presetClass="path" presetSubtype="0" accel="50000" decel="50000" fill="hold" nodeType="clickEffect">
+                                  <p:stCondLst>
+                                    <p:cond delay="0"/>
+                                  </p:stCondLst>
+                                  <p:childTnLst>
+                                    <p:animMotion origin="layout" path="M -0.41441 -0.19097 C -0.48489 -0.14375 -0.55521 -0.09653 -0.61441 -0.06505 C -0.67361 -0.03357 -0.74583 -0.00417 -0.76996 -0.00208 " pathEditMode="relative" ptsTypes="aaA">
+                                      <p:cBhvr>
+                                        <p:cTn id="49" dur="2000" fill="hold"/>
+                                        <p:tgtEl>
+                                          <p:spTgt spid="24"/>
+                                        </p:tgtEl>
+                                        <p:attrNameLst>
+                                          <p:attrName>ppt_x</p:attrName>
+                                          <p:attrName>ppt_y</p:attrName>
+                                        </p:attrNameLst>
+                                      </p:cBhvr>
+                                    </p:animMotion>
+                                  </p:childTnLst>
+                                </p:cTn>
+                              </p:par>
+                            </p:childTnLst>
+                          </p:cTn>
+                        </p:par>
+                      </p:childTnLst>
+                    </p:cTn>
+                  </p:par>
+                  <p:par>
+                    <p:cTn id="50" fill="hold">
+                      <p:stCondLst>
+                        <p:cond delay="indefinite"/>
+                      </p:stCondLst>
+                      <p:childTnLst>
+                        <p:par>
+                          <p:cTn id="51" fill="hold">
+                            <p:stCondLst>
+                              <p:cond delay="0"/>
+                            </p:stCondLst>
+                            <p:childTnLst>
+                              <p:par>
+                                <p:cTn id="52" presetID="10" presetClass="exit" presetSubtype="0" fill="hold" grpId="0" nodeType="clickEffect">
+                                  <p:stCondLst>
+                                    <p:cond delay="0"/>
+                                  </p:stCondLst>
+                                  <p:childTnLst>
+                                    <p:animEffect transition="out" filter="fade">
+                                      <p:cBhvr>
+                                        <p:cTn id="53" dur="500"/>
+                                        <p:tgtEl>
+                                          <p:spTgt spid="47"/>
+                                        </p:tgtEl>
+                                      </p:cBhvr>
+                                    </p:animEffect>
+                                    <p:set>
+                                      <p:cBhvr>
+                                        <p:cTn id="54" dur="1" fill="hold">
+                                          <p:stCondLst>
+                                            <p:cond delay="499"/>
+                                          </p:stCondLst>
+                                        </p:cTn>
+                                        <p:tgtEl>
+                                          <p:spTgt spid="47"/>
+                                        </p:tgtEl>
+                                        <p:attrNameLst>
+                                          <p:attrName>style.visibility</p:attrName>
+                                        </p:attrNameLst>
+                                      </p:cBhvr>
+                                      <p:to>
+                                        <p:strVal val="hidden"/>
+                                      </p:to>
+                                    </p:set>
+                                  </p:childTnLst>
+                                </p:cTn>
+                              </p:par>
+                              <p:par>
+                                <p:cTn id="55" presetID="10" presetClass="exit" presetSubtype="0" fill="hold" grpId="2" nodeType="withEffect">
+                                  <p:stCondLst>
+                                    <p:cond delay="0"/>
+                                  </p:stCondLst>
+                                  <p:iterate type="lt">
+                                    <p:tmPct val="0"/>
+                                  </p:iterate>
+                                  <p:childTnLst>
+                                    <p:animEffect transition="out" filter="fade">
+                                      <p:cBhvr>
+                                        <p:cTn id="56" dur="500"/>
+                                        <p:tgtEl>
+                                          <p:spTgt spid="21"/>
+                                        </p:tgtEl>
+                                      </p:cBhvr>
+                                    </p:animEffect>
+                                    <p:set>
+                                      <p:cBhvr>
+                                        <p:cTn id="57" dur="1" fill="hold">
+                                          <p:stCondLst>
+                                            <p:cond delay="499"/>
+                                          </p:stCondLst>
+                                        </p:cTn>
+                                        <p:tgtEl>
+                                          <p:spTgt spid="21"/>
+                                        </p:tgtEl>
+                                        <p:attrNameLst>
+                                          <p:attrName>style.visibility</p:attrName>
+                                        </p:attrNameLst>
+                                      </p:cBhvr>
+                                      <p:to>
+                                        <p:strVal val="hidden"/>
+                                      </p:to>
+                                    </p:set>
+                                  </p:childTnLst>
+                                </p:cTn>
+                              </p:par>
+                              <p:par>
+                                <p:cTn id="58" presetID="10" presetClass="entr" presetSubtype="0" fill="hold" grpId="0" nodeType="withEffect">
+                                  <p:stCondLst>
+                                    <p:cond delay="0"/>
+                                  </p:stCondLst>
+                                  <p:childTnLst>
+                                    <p:set>
+                                      <p:cBhvr>
+                                        <p:cTn id="59" dur="1" fill="hold">
+                                          <p:stCondLst>
+                                            <p:cond delay="0"/>
+                                          </p:stCondLst>
+                                        </p:cTn>
+                                        <p:tgtEl>
+                                          <p:spTgt spid="26"/>
+                                        </p:tgtEl>
+                                        <p:attrNameLst>
+                                          <p:attrName>style.visibility</p:attrName>
+                                        </p:attrNameLst>
+                                      </p:cBhvr>
+                                      <p:to>
+                                        <p:strVal val="visible"/>
+                                      </p:to>
+                                    </p:set>
+                                    <p:animEffect transition="in" filter="fade">
+                                      <p:cBhvr>
+                                        <p:cTn id="60" dur="500"/>
+                                        <p:tgtEl>
+                                          <p:spTgt spid="26"/>
+                                        </p:tgtEl>
+                                      </p:cBhvr>
+                                    </p:animEffect>
+                                  </p:childTnLst>
+                                </p:cTn>
+                              </p:par>
+                            </p:childTnLst>
+                          </p:cTn>
+                        </p:par>
+                      </p:childTnLst>
+                    </p:cTn>
+                  </p:par>
+                  <p:par>
+                    <p:cTn id="61" fill="hold">
+                      <p:stCondLst>
+                        <p:cond delay="indefinite"/>
+                      </p:stCondLst>
+                      <p:childTnLst>
+                        <p:par>
+                          <p:cTn id="62" fill="hold">
+                            <p:stCondLst>
+                              <p:cond delay="0"/>
+                            </p:stCondLst>
+                            <p:childTnLst>
+                              <p:par>
+                                <p:cTn id="63" presetID="0" presetClass="path" presetSubtype="0" accel="50000" decel="50000" fill="hold" nodeType="clickEffect">
+                                  <p:stCondLst>
+                                    <p:cond delay="0"/>
+                                  </p:stCondLst>
+                                  <p:childTnLst>
+                                    <p:animMotion origin="layout" path="M 0 0 C 0.05729 0.0007 0.11476 0.00162 0.15 0 " pathEditMode="relative" ptsTypes="aA">
+                                      <p:cBhvr>
+                                        <p:cTn id="64" dur="2000" fill="hold"/>
+                                        <p:tgtEl>
+                                          <p:spTgt spid="44"/>
+                                        </p:tgtEl>
+                                        <p:attrNameLst>
+                                          <p:attrName>ppt_x</p:attrName>
+                                          <p:attrName>ppt_y</p:attrName>
+                                        </p:attrNameLst>
+                                      </p:cBhvr>
+                                    </p:animMotion>
+                                  </p:childTnLst>
+                                </p:cTn>
+                              </p:par>
+                              <p:par>
+                                <p:cTn id="65" presetID="0" presetClass="path" presetSubtype="0" accel="50000" decel="50000" fill="hold" grpId="1" nodeType="withEffect">
+                                  <p:stCondLst>
+                                    <p:cond delay="0"/>
+                                  </p:stCondLst>
+                                  <p:childTnLst>
+                                    <p:animMotion origin="layout" path="M 0 0 C 0.05729 0.0007 0.11476 0.00162 0.15 0 " pathEditMode="relative" ptsTypes="aA">
+                                      <p:cBhvr>
+                                        <p:cTn id="66" dur="2000" fill="hold"/>
+                                        <p:tgtEl>
+                                          <p:spTgt spid="47"/>
+                                        </p:tgtEl>
+                                        <p:attrNameLst>
+                                          <p:attrName>ppt_x</p:attrName>
+                                          <p:attrName>ppt_y</p:attrName>
+                                        </p:attrNameLst>
+                                      </p:cBhvr>
+                                    </p:animMotion>
+                                  </p:childTnLst>
+                                </p:cTn>
+                              </p:par>
+                              <p:par>
+                                <p:cTn id="67" presetID="0" presetClass="path" presetSubtype="0" accel="50000" decel="50000" fill="hold" grpId="3" nodeType="withEffect">
+                                  <p:stCondLst>
+                                    <p:cond delay="0"/>
+                                  </p:stCondLst>
+                                  <p:iterate type="lt">
+                                    <p:tmPct val="0"/>
+                                  </p:iterate>
+                                  <p:childTnLst>
+                                    <p:animMotion origin="layout" path="M 0 0 C 0.05729 0.0007 0.11476 0.00162 0.15 0 " pathEditMode="relative" ptsTypes="aA">
+                                      <p:cBhvr>
+                                        <p:cTn id="68" dur="2000" fill="hold"/>
+                                        <p:tgtEl>
+                                          <p:spTgt spid="21"/>
+                                        </p:tgtEl>
+                                        <p:attrNameLst>
+                                          <p:attrName>ppt_x</p:attrName>
+                                          <p:attrName>ppt_y</p:attrName>
+                                        </p:attrNameLst>
+                                      </p:cBhvr>
+                                    </p:animMotion>
+                                  </p:childTnLst>
+                                </p:cTn>
+                              </p:par>
+                              <p:par>
+                                <p:cTn id="69" presetID="0" presetClass="path" presetSubtype="0" accel="50000" decel="50000" fill="hold" grpId="1" nodeType="withEffect">
+                                  <p:stCondLst>
+                                    <p:cond delay="0"/>
+                                  </p:stCondLst>
+                                  <p:childTnLst>
+                                    <p:animMotion origin="layout" path="M 0 0 C 0.05729 0.0007 0.11476 0.00162 0.15 0 " pathEditMode="relative" ptsTypes="aA">
+                                      <p:cBhvr>
+                                        <p:cTn id="70" dur="2000" fill="hold"/>
+                                        <p:tgtEl>
+                                          <p:spTgt spid="26"/>
+                                        </p:tgtEl>
+                                        <p:attrNameLst>
+                                          <p:attrName>ppt_x</p:attrName>
+                                          <p:attrName>ppt_y</p:attrName>
+                                        </p:attrNameLst>
+                                      </p:cBhvr>
+                                    </p:animMotion>
+                                  </p:childTnLst>
+                                </p:cTn>
+                              </p:par>
+                              <p:par>
+                                <p:cTn id="71" presetID="0" presetClass="path" presetSubtype="0" accel="50000" decel="50000" fill="hold" nodeType="withEffect">
+                                  <p:stCondLst>
+                                    <p:cond delay="0"/>
+                                  </p:stCondLst>
+                                  <p:childTnLst>
+                                    <p:animMotion origin="layout" path="M 0 0 C 0 0 -0.07222 -0.00185 -0.14444 -0.00371 " pathEditMode="relative" ptsTypes="aA">
+                                      <p:cBhvr>
+                                        <p:cTn id="72" dur="2000" fill="hold"/>
+                                        <p:tgtEl>
+                                          <p:spTgt spid="53"/>
+                                        </p:tgtEl>
+                                        <p:attrNameLst>
+                                          <p:attrName>ppt_x</p:attrName>
+                                          <p:attrName>ppt_y</p:attrName>
+                                        </p:attrNameLst>
+                                      </p:cBhvr>
+                                    </p:animMotion>
+                                  </p:childTnLst>
+                                </p:cTn>
+                              </p:par>
+                              <p:par>
+                                <p:cTn id="73" presetID="0" presetClass="path" presetSubtype="0" accel="50000" decel="50000" fill="hold" grpId="1" nodeType="withEffect">
+                                  <p:stCondLst>
+                                    <p:cond delay="0"/>
+                                  </p:stCondLst>
+                                  <p:childTnLst>
+                                    <p:animMotion origin="layout" path="M 0 0 C 0 0 -0.07222 -0.00185 -0.14444 -0.00371 " pathEditMode="relative" ptsTypes="aA">
+                                      <p:cBhvr>
+                                        <p:cTn id="74" dur="2000" fill="hold"/>
+                                        <p:tgtEl>
+                                          <p:spTgt spid="54"/>
+                                        </p:tgtEl>
+                                        <p:attrNameLst>
+                                          <p:attrName>ppt_x</p:attrName>
+                                          <p:attrName>ppt_y</p:attrName>
+                                        </p:attrNameLst>
+                                      </p:cBhvr>
+                                    </p:animMotion>
+                                  </p:childTnLst>
+                                </p:cTn>
+                              </p:par>
+                              <p:par>
+                                <p:cTn id="75" presetID="0" presetClass="path" presetSubtype="0" accel="50000" decel="50000" fill="hold" grpId="2" nodeType="withEffect">
+                                  <p:stCondLst>
+                                    <p:cond delay="0"/>
+                                  </p:stCondLst>
+                                  <p:childTnLst>
+                                    <p:animMotion origin="layout" path="M 0 0 C 0 0 -0.07222 -0.00185 -0.14444 -0.00371 " pathEditMode="relative" ptsTypes="aA">
+                                      <p:cBhvr>
+                                        <p:cTn id="76" dur="2000" fill="hold"/>
+                                        <p:tgtEl>
+                                          <p:spTgt spid="23"/>
+                                        </p:tgtEl>
+                                        <p:attrNameLst>
+                                          <p:attrName>ppt_x</p:attrName>
+                                          <p:attrName>ppt_y</p:attrName>
+                                        </p:attrNameLst>
+                                      </p:cBhvr>
+                                    </p:animMotion>
+                                  </p:childTnLst>
+                                </p:cTn>
+                              </p:par>
+                              <p:par>
+                                <p:cTn id="77" presetID="0" presetClass="path" presetSubtype="0" accel="50000" decel="50000" fill="hold" grpId="2" nodeType="withEffect">
+                                  <p:stCondLst>
+                                    <p:cond delay="0"/>
+                                  </p:stCondLst>
+                                  <p:childTnLst>
+                                    <p:animMotion origin="layout" path="M 0 0 C 0 0 -0.07222 -0.00185 -0.14444 -0.00371 " pathEditMode="relative" ptsTypes="aA">
+                                      <p:cBhvr>
+                                        <p:cTn id="78" dur="2000" fill="hold"/>
+                                        <p:tgtEl>
+                                          <p:spTgt spid="25"/>
+                                        </p:tgtEl>
+                                        <p:attrNameLst>
+                                          <p:attrName>ppt_x</p:attrName>
+                                          <p:attrName>ppt_y</p:attrName>
+                                        </p:attrNameLst>
+                                      </p:cBhvr>
+                                    </p:animMotion>
+                                  </p:childTnLst>
+                                </p:cTn>
+                              </p:par>
+                            </p:childTnLst>
+                          </p:cTn>
+                        </p:par>
+                      </p:childTnLst>
+                    </p:cTn>
+                  </p:par>
+                  <p:par>
+                    <p:cTn id="79" fill="hold">
+                      <p:stCondLst>
+                        <p:cond delay="indefinite"/>
+                      </p:stCondLst>
+                      <p:childTnLst>
+                        <p:par>
+                          <p:cTn id="80" fill="hold">
+                            <p:stCondLst>
+                              <p:cond delay="0"/>
+                            </p:stCondLst>
+                            <p:childTnLst>
+                              <p:par>
+                                <p:cTn id="81" presetID="49" presetClass="entr" presetSubtype="0" decel="100000" fill="hold" grpId="0" nodeType="clickEffect">
+                                  <p:stCondLst>
+                                    <p:cond delay="0"/>
+                                  </p:stCondLst>
+                                  <p:childTnLst>
+                                    <p:set>
+                                      <p:cBhvr>
+                                        <p:cTn id="82" dur="1" fill="hold">
+                                          <p:stCondLst>
+                                            <p:cond delay="0"/>
+                                          </p:stCondLst>
+                                        </p:cTn>
+                                        <p:tgtEl>
+                                          <p:spTgt spid="27"/>
+                                        </p:tgtEl>
+                                        <p:attrNameLst>
+                                          <p:attrName>style.visibility</p:attrName>
+                                        </p:attrNameLst>
+                                      </p:cBhvr>
+                                      <p:to>
+                                        <p:strVal val="visible"/>
+                                      </p:to>
+                                    </p:set>
+                                    <p:anim calcmode="lin" valueType="num">
+                                      <p:cBhvr>
+                                        <p:cTn id="83" dur="500" fill="hold"/>
+                                        <p:tgtEl>
+                                          <p:spTgt spid="27"/>
+                                        </p:tgtEl>
+                                        <p:attrNameLst>
+                                          <p:attrName>ppt_w</p:attrName>
+                                        </p:attrNameLst>
+                                      </p:cBhvr>
+                                      <p:tavLst>
+                                        <p:tav tm="0">
+                                          <p:val>
+                                            <p:fltVal val="0"/>
+                                          </p:val>
+                                        </p:tav>
+                                        <p:tav tm="100000">
+                                          <p:val>
+                                            <p:strVal val="#ppt_w"/>
+                                          </p:val>
+                                        </p:tav>
+                                      </p:tavLst>
+                                    </p:anim>
+                                    <p:anim calcmode="lin" valueType="num">
+                                      <p:cBhvr>
+                                        <p:cTn id="84" dur="500" fill="hold"/>
+                                        <p:tgtEl>
+                                          <p:spTgt spid="27"/>
+                                        </p:tgtEl>
+                                        <p:attrNameLst>
+                                          <p:attrName>ppt_h</p:attrName>
+                                        </p:attrNameLst>
+                                      </p:cBhvr>
+                                      <p:tavLst>
+                                        <p:tav tm="0">
+                                          <p:val>
+                                            <p:fltVal val="0"/>
+                                          </p:val>
+                                        </p:tav>
+                                        <p:tav tm="100000">
+                                          <p:val>
+                                            <p:strVal val="#ppt_h"/>
+                                          </p:val>
+                                        </p:tav>
+                                      </p:tavLst>
+                                    </p:anim>
+                                    <p:anim calcmode="lin" valueType="num">
+                                      <p:cBhvr>
+                                        <p:cTn id="85" dur="500" fill="hold"/>
+                                        <p:tgtEl>
+                                          <p:spTgt spid="27"/>
+                                        </p:tgtEl>
+                                        <p:attrNameLst>
+                                          <p:attrName>style.rotation</p:attrName>
+                                        </p:attrNameLst>
+                                      </p:cBhvr>
+                                      <p:tavLst>
+                                        <p:tav tm="0">
+                                          <p:val>
+                                            <p:fltVal val="360"/>
+                                          </p:val>
+                                        </p:tav>
+                                        <p:tav tm="100000">
+                                          <p:val>
+                                            <p:fltVal val="0"/>
+                                          </p:val>
+                                        </p:tav>
+                                      </p:tavLst>
+                                    </p:anim>
+                                    <p:animEffect transition="in" filter="fade">
+                                      <p:cBhvr>
+                                        <p:cTn id="86" dur="500"/>
+                                        <p:tgtEl>
+                                          <p:spTgt spid="27"/>
+                                        </p:tgtEl>
+                                      </p:cBhvr>
+                                    </p:animEffect>
+                                  </p:childTnLst>
+                                </p:cTn>
+                              </p:par>
+                            </p:childTnLst>
+                          </p:cTn>
+                        </p:par>
+                      </p:childTnLst>
+                    </p:cTn>
+                  </p:par>
+                </p:childTnLst>
+              </p:cTn>
+              <p:prevCondLst>
+                <p:cond evt="onPrev" delay="0">
+                  <p:tgtEl>
+                    <p:sldTgt/>
+                  </p:tgtEl>
+                </p:cond>
+              </p:prevCondLst>
+              <p:nextCondLst>
+                <p:cond evt="onNext" delay="0">
+                  <p:tgtEl>
+                    <p:sldTgt/>
+                  </p:tgtEl>
+                </p:cond>
+              </p:nextCondLst>
+            </p:seq>
+          </p:childTnLst>
+        </p:cTn>
+      </p:par>
+    </p:tnLst>
+    <p:bldLst>
+      <p:bldP spid="54" grpId="0"/>
+      <p:bldP spid="54" grpId="1"/>
+      <p:bldP spid="23" grpId="0"/>
+      <p:bldP spid="23" grpId="1"/>
+      <p:bldP spid="23" grpId="2"/>
+      <p:bldP spid="47" grpId="0"/>
+      <p:bldP spid="47" grpId="1"/>
+      <p:bldP spid="21" grpId="1"/>
+      <p:bldP spid="21" grpId="2"/>
+      <p:bldP spid="21" grpId="3"/>
+      <p:bldP spid="25" grpId="1"/>
+      <p:bldP spid="25" grpId="2"/>
+      <p:bldP spid="26" grpId="0"/>
+      <p:bldP spid="26" grpId="1"/>
+      <p:bldP spid="27" grpId="0"/>
+    </p:bldLst>
+  </p:timing>
+</p:sld>
+</file>
+
+<file path=ppt/slides/slide7.xml><?xml version="1.0" encoding="utf-8"?>
 <p:sld xmlns:a="http://schemas.openxmlformats.org/drawingml/2006/main" xmlns:r="http://schemas.openxmlformats.org/officeDocument/2006/relationships" xmlns:p="http://schemas.openxmlformats.org/presentationml/2006/main">
   <p:cSld>
     <p:spTree>
@@ -8070,23 +9890,7 @@
                       </a:r>
                       <a:r>
                         <a:rPr lang="es-ES" baseline="0" dirty="0" smtClean="0"/>
-                        <a:t> </a:t>
-                      </a:r>
-                      <a:r>
-                        <a:rPr lang="es-ES" baseline="0" dirty="0" smtClean="0"/>
-                        <a:t>para integración de funcionalidad de </a:t>
-                      </a:r>
-                      <a:r>
-                        <a:rPr lang="es-ES" baseline="0" dirty="0" smtClean="0"/>
-                        <a:t>colaboración </a:t>
-                      </a:r>
-                      <a:r>
-                        <a:rPr lang="es-ES" baseline="0" dirty="0" smtClean="0"/>
-                        <a:t>en tiempo real para .</a:t>
-                      </a:r>
-                      <a:r>
-                        <a:rPr lang="es-ES" baseline="0" dirty="0" smtClean="0"/>
-                        <a:t>NET.</a:t>
+                        <a:t> para integración de funcionalidad de colaboración en tiempo real para .NET.</a:t>
                       </a:r>
                       <a:endParaRPr lang="es-ES" dirty="0"/>
                     </a:p>
@@ -8104,19 +9908,7 @@
                       </a:r>
                       <a:r>
                         <a:rPr lang="es-ES" baseline="0" dirty="0" smtClean="0"/>
-                        <a:t> fuente </a:t>
-                      </a:r>
-                      <a:r>
-                        <a:rPr lang="es-ES" baseline="0" dirty="0" smtClean="0"/>
-                        <a:t>cerrado. </a:t>
-                      </a:r>
-                      <a:r>
-                        <a:rPr lang="es-ES" baseline="0" dirty="0" smtClean="0"/>
-                        <a:t>Está desarrollado sólo para la plataforma .</a:t>
-                      </a:r>
-                      <a:r>
-                        <a:rPr lang="es-ES" baseline="0" dirty="0" smtClean="0"/>
-                        <a:t>NET.</a:t>
+                        <a:t> fuente cerrado. Está desarrollado sólo para la plataforma .NET.</a:t>
                       </a:r>
                       <a:endParaRPr lang="es-ES" dirty="0"/>
                     </a:p>
@@ -8173,6 +9965,9 @@
           <a:prstGeom prst="rect">
             <a:avLst/>
           </a:prstGeom>
+          <a:ln>
+            <a:noFill/>
+          </a:ln>
         </p:spPr>
       </p:pic>
       <p:pic>
@@ -8238,130 +10033,6 @@
 </p:sld>
 </file>
 
-<file path=ppt/slides/slide7.xml><?xml version="1.0" encoding="utf-8"?>
-<p:sld xmlns:a="http://schemas.openxmlformats.org/drawingml/2006/main" xmlns:r="http://schemas.openxmlformats.org/officeDocument/2006/relationships" xmlns:p="http://schemas.openxmlformats.org/presentationml/2006/main">
-  <p:cSld>
-    <p:spTree>
-      <p:nvGrpSpPr>
-        <p:cNvPr id="1" name=""/>
-        <p:cNvGrpSpPr/>
-        <p:nvPr/>
-      </p:nvGrpSpPr>
-      <p:grpSpPr>
-        <a:xfrm>
-          <a:off x="0" y="0"/>
-          <a:ext cx="0" cy="0"/>
-          <a:chOff x="0" y="0"/>
-          <a:chExt cx="0" cy="0"/>
-        </a:xfrm>
-      </p:grpSpPr>
-      <p:sp>
-        <p:nvSpPr>
-          <p:cNvPr id="3" name="2 Marcador de contenido"/>
-          <p:cNvSpPr>
-            <a:spLocks noGrp="1"/>
-          </p:cNvSpPr>
-          <p:nvPr>
-            <p:ph idx="1"/>
-          </p:nvPr>
-        </p:nvSpPr>
-        <p:spPr/>
-        <p:txBody>
-          <a:bodyPr>
-            <a:normAutofit/>
-          </a:bodyPr>
-          <a:lstStyle/>
-          <a:p>
-            <a:r>
-              <a:rPr lang="es-ES" dirty="0" smtClean="0"/>
-              <a:t>Para sincronizar el documento entre cada ubicación se hace uso del algoritmo “Júpiter”</a:t>
-            </a:r>
-          </a:p>
-          <a:p>
-            <a:endParaRPr lang="es-ES" dirty="0" smtClean="0"/>
-          </a:p>
-        </p:txBody>
-      </p:sp>
-      <p:sp>
-        <p:nvSpPr>
-          <p:cNvPr id="2" name="1 Título"/>
-          <p:cNvSpPr>
-            <a:spLocks noGrp="1"/>
-          </p:cNvSpPr>
-          <p:nvPr>
-            <p:ph type="title"/>
-          </p:nvPr>
-        </p:nvSpPr>
-        <p:spPr/>
-        <p:txBody>
-          <a:bodyPr/>
-          <a:lstStyle/>
-          <a:p>
-            <a:r>
-              <a:rPr lang="es-ES" dirty="0" smtClean="0"/>
-              <a:t>Búsqueda de la solución (I)</a:t>
-            </a:r>
-            <a:endParaRPr lang="es-ES" dirty="0"/>
-          </a:p>
-        </p:txBody>
-      </p:sp>
-      <p:sp>
-        <p:nvSpPr>
-          <p:cNvPr id="5" name="4 CuadroTexto"/>
-          <p:cNvSpPr txBox="1"/>
-          <p:nvPr/>
-        </p:nvSpPr>
-        <p:spPr>
-          <a:xfrm>
-            <a:off x="1000100" y="2643182"/>
-            <a:ext cx="7215238" cy="646331"/>
-          </a:xfrm>
-          <a:prstGeom prst="rect">
-            <a:avLst/>
-          </a:prstGeom>
-          <a:noFill/>
-        </p:spPr>
-        <p:txBody>
-          <a:bodyPr wrap="square" rtlCol="0">
-            <a:spAutoFit/>
-          </a:bodyPr>
-          <a:lstStyle/>
-          <a:p>
-            <a:r>
-              <a:rPr lang="es-ES" dirty="0" err="1" smtClean="0"/>
-              <a:t>Aca</a:t>
-            </a:r>
-            <a:r>
-              <a:rPr lang="es-ES" dirty="0" smtClean="0"/>
-              <a:t> poner algoritmo de </a:t>
-            </a:r>
-            <a:r>
-              <a:rPr lang="es-ES" dirty="0" err="1" smtClean="0"/>
-              <a:t>jupiter</a:t>
-            </a:r>
-            <a:r>
-              <a:rPr lang="es-ES" dirty="0" smtClean="0"/>
-              <a:t> simple, con una animación de cómo se aplicaría</a:t>
-            </a:r>
-            <a:endParaRPr lang="es-ES" dirty="0"/>
-          </a:p>
-        </p:txBody>
-      </p:sp>
-    </p:spTree>
-  </p:cSld>
-  <p:clrMapOvr>
-    <a:masterClrMapping/>
-  </p:clrMapOvr>
-  <p:timing>
-    <p:tnLst>
-      <p:par>
-        <p:cTn id="1" dur="indefinite" restart="never" nodeType="tmRoot"/>
-      </p:par>
-    </p:tnLst>
-  </p:timing>
-</p:sld>
-</file>
-
 <file path=ppt/slides/slide8.xml><?xml version="1.0" encoding="utf-8"?>
 <p:sld xmlns:a="http://schemas.openxmlformats.org/drawingml/2006/main" xmlns:r="http://schemas.openxmlformats.org/officeDocument/2006/relationships" xmlns:p="http://schemas.openxmlformats.org/presentationml/2006/main">
   <p:cSld>
@@ -8389,69 +10060,48 @@
             <p:ph idx="1"/>
           </p:nvPr>
         </p:nvSpPr>
-        <p:spPr>
-          <a:xfrm>
-            <a:off x="457200" y="1481329"/>
-            <a:ext cx="8229600" cy="2304862"/>
-          </a:xfrm>
-        </p:spPr>
-        <p:txBody>
-          <a:bodyPr/>
+        <p:spPr/>
+        <p:txBody>
+          <a:bodyPr>
+            <a:normAutofit/>
+          </a:bodyPr>
           <a:lstStyle/>
           <a:p>
             <a:r>
               <a:rPr lang="es-ES" dirty="0" smtClean="0"/>
-              <a:t>Originalmente se </a:t>
-            </a:r>
+              <a:t>Para sincronizar el documento entre cada ubicación se hace uso del algoritmo “Júpiter”.</a:t>
+            </a:r>
+          </a:p>
+          <a:p>
             <a:r>
               <a:rPr lang="es-ES" dirty="0" smtClean="0"/>
-              <a:t>implementaron </a:t>
-            </a:r>
+              <a:t>El algoritmo utiliza mensajes y operaciones:</a:t>
+            </a:r>
+          </a:p>
+          <a:p>
+            <a:pPr lvl="1"/>
             <a:r>
               <a:rPr lang="es-ES" dirty="0" smtClean="0"/>
-              <a:t>operaciones Borrar e Insertar de más de un </a:t>
-            </a:r>
-            <a:r>
-              <a:rPr lang="es-ES" dirty="0" err="1" smtClean="0"/>
-              <a:t>caracter</a:t>
-            </a:r>
+              <a:t>Una operación modifica el estado de un documento.</a:t>
+            </a:r>
+          </a:p>
+          <a:p>
+            <a:pPr lvl="1"/>
             <a:r>
               <a:rPr lang="es-ES" dirty="0" smtClean="0"/>
-              <a:t>.</a:t>
+              <a:t>Un mensaje contiene una operación e información de sincronismo.</a:t>
             </a:r>
           </a:p>
           <a:p>
             <a:r>
               <a:rPr lang="es-ES" dirty="0" smtClean="0"/>
-              <a:t>Finalmente, se utilizó la solución propuesta en el </a:t>
-            </a:r>
-            <a:r>
-              <a:rPr lang="es-ES" dirty="0" err="1" smtClean="0"/>
-              <a:t>paper</a:t>
-            </a:r>
+              <a:t>Al modificar un documento localmente se envían mensajes a las demás ubicaciones.</a:t>
+            </a:r>
+          </a:p>
+          <a:p>
             <a:r>
               <a:rPr lang="es-ES" dirty="0" smtClean="0"/>
-              <a:t> </a:t>
-            </a:r>
-            <a:r>
-              <a:rPr lang="es-ES" dirty="0" err="1" smtClean="0"/>
-              <a:t>xxx</a:t>
-            </a:r>
-            <a:r>
-              <a:rPr lang="es-ES" dirty="0" smtClean="0"/>
-              <a:t> haciendo uso de operaciones Borrar e Insertar de 1 </a:t>
-            </a:r>
-            <a:r>
-              <a:rPr lang="es-ES" dirty="0" err="1" smtClean="0"/>
-              <a:t>caracter</a:t>
-            </a:r>
-            <a:r>
-              <a:rPr lang="es-ES" dirty="0" smtClean="0"/>
-              <a:t> </a:t>
-            </a:r>
-            <a:r>
-              <a:rPr lang="es-ES" dirty="0" smtClean="0"/>
-              <a:t>de longitud.</a:t>
+              <a:t>Al recibir un mensaje remoto se transforma la operación y se la aplica localmente.</a:t>
             </a:r>
           </a:p>
         </p:txBody>
@@ -8473,53 +10123,7 @@
           <a:p>
             <a:r>
               <a:rPr lang="es-ES" dirty="0" smtClean="0"/>
-              <a:t>Búsqueda de la solución (II)</a:t>
-            </a:r>
-            <a:endParaRPr lang="es-ES" dirty="0"/>
-          </a:p>
-        </p:txBody>
-      </p:sp>
-      <p:sp>
-        <p:nvSpPr>
-          <p:cNvPr id="5" name="4 CuadroTexto"/>
-          <p:cNvSpPr txBox="1"/>
-          <p:nvPr/>
-        </p:nvSpPr>
-        <p:spPr>
-          <a:xfrm>
-            <a:off x="1428728" y="4643446"/>
-            <a:ext cx="6929486" cy="646331"/>
-          </a:xfrm>
-          <a:prstGeom prst="rect">
-            <a:avLst/>
-          </a:prstGeom>
-          <a:noFill/>
-        </p:spPr>
-        <p:txBody>
-          <a:bodyPr wrap="square" rtlCol="0">
-            <a:spAutoFit/>
-          </a:bodyPr>
-          <a:lstStyle/>
-          <a:p>
-            <a:r>
-              <a:rPr lang="es-ES" dirty="0" smtClean="0"/>
-              <a:t>Poner </a:t>
-            </a:r>
-            <a:r>
-              <a:rPr lang="es-ES" dirty="0" err="1" smtClean="0"/>
-              <a:t>ej</a:t>
-            </a:r>
-            <a:r>
-              <a:rPr lang="es-ES" dirty="0" smtClean="0"/>
-              <a:t> de </a:t>
-            </a:r>
-            <a:r>
-              <a:rPr lang="es-ES" dirty="0" err="1" smtClean="0"/>
-              <a:t>funcion</a:t>
-            </a:r>
-            <a:r>
-              <a:rPr lang="es-ES" dirty="0" smtClean="0"/>
-              <a:t> de transformación,  para dar una idea de lo que hace</a:t>
+              <a:t>Búsqueda de la solución (I)</a:t>
             </a:r>
             <a:endParaRPr lang="es-ES" dirty="0"/>
           </a:p>
@@ -8567,12 +10171,58 @@
             <p:ph idx="1"/>
           </p:nvPr>
         </p:nvSpPr>
-        <p:spPr/>
+        <p:spPr>
+          <a:xfrm>
+            <a:off x="457200" y="1481329"/>
+            <a:ext cx="8229600" cy="2304862"/>
+          </a:xfrm>
+        </p:spPr>
         <p:txBody>
           <a:bodyPr/>
           <a:lstStyle/>
           <a:p>
-            <a:endParaRPr lang="es-ES" dirty="0"/>
+            <a:r>
+              <a:rPr lang="es-ES" dirty="0" smtClean="0"/>
+              <a:t>Originalmente se implementaron operaciones Borrar e Insertar de más de un </a:t>
+            </a:r>
+            <a:r>
+              <a:rPr lang="es-ES" dirty="0" err="1" smtClean="0"/>
+              <a:t>caracter</a:t>
+            </a:r>
+            <a:r>
+              <a:rPr lang="es-ES" dirty="0" smtClean="0"/>
+              <a:t>.</a:t>
+            </a:r>
+          </a:p>
+          <a:p>
+            <a:r>
+              <a:rPr lang="es-ES" dirty="0" smtClean="0"/>
+              <a:t>Finalmente, se utilizó la solución propuesta en el </a:t>
+            </a:r>
+            <a:r>
+              <a:rPr lang="es-ES" dirty="0" err="1" smtClean="0"/>
+              <a:t>paper</a:t>
+            </a:r>
+            <a:r>
+              <a:rPr lang="es-ES" dirty="0" smtClean="0"/>
+              <a:t> </a:t>
+            </a:r>
+            <a:r>
+              <a:rPr lang="es-ES" dirty="0" err="1" smtClean="0"/>
+              <a:t>xxx</a:t>
+            </a:r>
+            <a:r>
+              <a:rPr lang="es-ES" dirty="0" smtClean="0"/>
+              <a:t> haciendo uso de operaciones Borrar e Insertar de 1 </a:t>
+            </a:r>
+            <a:r>
+              <a:rPr lang="es-ES" dirty="0" err="1" smtClean="0"/>
+              <a:t>caracter</a:t>
+            </a:r>
+            <a:r>
+              <a:rPr lang="es-ES" dirty="0" smtClean="0"/>
+              <a:t> de longitud.</a:t>
+            </a:r>
           </a:p>
         </p:txBody>
       </p:sp>
@@ -8588,16 +10238,60 @@
         </p:nvSpPr>
         <p:spPr/>
         <p:txBody>
-          <a:bodyPr>
-            <a:normAutofit fontScale="90000"/>
+          <a:bodyPr/>
+          <a:lstStyle/>
+          <a:p>
+            <a:r>
+              <a:rPr lang="es-ES" dirty="0" smtClean="0"/>
+              <a:t>Búsqueda de la solución (II)</a:t>
+            </a:r>
+            <a:endParaRPr lang="es-ES" dirty="0"/>
+          </a:p>
+        </p:txBody>
+      </p:sp>
+      <p:sp>
+        <p:nvSpPr>
+          <p:cNvPr id="5" name="4 CuadroTexto"/>
+          <p:cNvSpPr txBox="1"/>
+          <p:nvPr/>
+        </p:nvSpPr>
+        <p:spPr>
+          <a:xfrm>
+            <a:off x="1428728" y="4643446"/>
+            <a:ext cx="6929486" cy="646331"/>
+          </a:xfrm>
+          <a:prstGeom prst="rect">
+            <a:avLst/>
+          </a:prstGeom>
+          <a:noFill/>
+        </p:spPr>
+        <p:txBody>
+          <a:bodyPr wrap="square" rtlCol="0">
+            <a:spAutoFit/>
           </a:bodyPr>
           <a:lstStyle/>
           <a:p>
             <a:r>
-              <a:rPr lang="es-ES" smtClean="0"/>
-              <a:t>Problemas enfrentados durante el desarrollo</a:t>
-            </a:r>
-            <a:endParaRPr lang="es-ES"/>
+              <a:rPr lang="es-ES" dirty="0" smtClean="0"/>
+              <a:t>Poner </a:t>
+            </a:r>
+            <a:r>
+              <a:rPr lang="es-ES" dirty="0" err="1" smtClean="0"/>
+              <a:t>ej</a:t>
+            </a:r>
+            <a:r>
+              <a:rPr lang="es-ES" dirty="0" smtClean="0"/>
+              <a:t> de </a:t>
+            </a:r>
+            <a:r>
+              <a:rPr lang="es-ES" dirty="0" err="1" smtClean="0"/>
+              <a:t>funcion</a:t>
+            </a:r>
+            <a:r>
+              <a:rPr lang="es-ES" dirty="0" smtClean="0"/>
+              <a:t> de transformación,  para dar una idea de lo que hace</a:t>
+            </a:r>
+            <a:endParaRPr lang="es-ES" dirty="0"/>
           </a:p>
         </p:txBody>
       </p:sp>

--- a/doc/presentacion/presentacion.pptx
+++ b/doc/presentacion/presentacion.pptx
@@ -5,7 +5,7 @@
     <p:sldMasterId id="2147483672" r:id="rId1"/>
   </p:sldMasterIdLst>
   <p:notesMasterIdLst>
-    <p:notesMasterId r:id="rId20"/>
+    <p:notesMasterId r:id="rId21"/>
   </p:notesMasterIdLst>
   <p:sldIdLst>
     <p:sldId id="256" r:id="rId2"/>
@@ -17,15 +17,16 @@
     <p:sldId id="258" r:id="rId8"/>
     <p:sldId id="260" r:id="rId9"/>
     <p:sldId id="272" r:id="rId10"/>
-    <p:sldId id="261" r:id="rId11"/>
-    <p:sldId id="273" r:id="rId12"/>
-    <p:sldId id="263" r:id="rId13"/>
+    <p:sldId id="275" r:id="rId11"/>
+    <p:sldId id="263" r:id="rId12"/>
+    <p:sldId id="273" r:id="rId13"/>
     <p:sldId id="265" r:id="rId14"/>
-    <p:sldId id="264" r:id="rId15"/>
-    <p:sldId id="266" r:id="rId16"/>
-    <p:sldId id="269" r:id="rId17"/>
-    <p:sldId id="267" r:id="rId18"/>
-    <p:sldId id="268" r:id="rId19"/>
+    <p:sldId id="266" r:id="rId15"/>
+    <p:sldId id="269" r:id="rId16"/>
+    <p:sldId id="267" r:id="rId17"/>
+    <p:sldId id="268" r:id="rId18"/>
+    <p:sldId id="276" r:id="rId19"/>
+    <p:sldId id="277" r:id="rId20"/>
   </p:sldIdLst>
   <p:sldSz cx="9144000" cy="6858000" type="screen4x3"/>
   <p:notesSz cx="6858000" cy="9144000"/>
@@ -627,6 +628,120 @@
               <a:rPr lang="es-AR" smtClean="0"/>
               <a:pPr/>
               <a:t>3</a:t>
+            </a:fld>
+            <a:endParaRPr lang="es-AR"/>
+          </a:p>
+        </p:txBody>
+      </p:sp>
+    </p:spTree>
+  </p:cSld>
+  <p:clrMapOvr>
+    <a:masterClrMapping/>
+  </p:clrMapOvr>
+</p:notes>
+</file>
+
+<file path=ppt/notesSlides/notesSlide3.xml><?xml version="1.0" encoding="utf-8"?>
+<p:notes xmlns:a="http://schemas.openxmlformats.org/drawingml/2006/main" xmlns:r="http://schemas.openxmlformats.org/officeDocument/2006/relationships" xmlns:p="http://schemas.openxmlformats.org/presentationml/2006/main">
+  <p:cSld>
+    <p:spTree>
+      <p:nvGrpSpPr>
+        <p:cNvPr id="1" name=""/>
+        <p:cNvGrpSpPr/>
+        <p:nvPr/>
+      </p:nvGrpSpPr>
+      <p:grpSpPr>
+        <a:xfrm>
+          <a:off x="0" y="0"/>
+          <a:ext cx="0" cy="0"/>
+          <a:chOff x="0" y="0"/>
+          <a:chExt cx="0" cy="0"/>
+        </a:xfrm>
+      </p:grpSpPr>
+      <p:sp>
+        <p:nvSpPr>
+          <p:cNvPr id="2" name="Slide Image Placeholder 1"/>
+          <p:cNvSpPr>
+            <a:spLocks noGrp="1" noRot="1" noChangeAspect="1"/>
+          </p:cNvSpPr>
+          <p:nvPr>
+            <p:ph type="sldImg"/>
+          </p:nvPr>
+        </p:nvSpPr>
+        <p:spPr/>
+      </p:sp>
+      <p:sp>
+        <p:nvSpPr>
+          <p:cNvPr id="3" name="Notes Placeholder 2"/>
+          <p:cNvSpPr>
+            <a:spLocks noGrp="1"/>
+          </p:cNvSpPr>
+          <p:nvPr>
+            <p:ph type="body" idx="1"/>
+          </p:nvPr>
+        </p:nvSpPr>
+        <p:spPr/>
+        <p:txBody>
+          <a:bodyPr>
+            <a:normAutofit/>
+          </a:bodyPr>
+          <a:lstStyle/>
+          <a:p>
+            <a:r>
+              <a:rPr lang="en-US" dirty="0" smtClean="0"/>
+              <a:t>Peer</a:t>
+            </a:r>
+            <a:r>
+              <a:rPr lang="en-US" baseline="0" dirty="0" smtClean="0"/>
+              <a:t> to Peer </a:t>
+            </a:r>
+            <a:r>
+              <a:rPr lang="en-US" baseline="0" dirty="0" err="1" smtClean="0"/>
+              <a:t>es</a:t>
+            </a:r>
+            <a:r>
+              <a:rPr lang="en-US" baseline="0" dirty="0" smtClean="0"/>
+              <a:t> </a:t>
+            </a:r>
+            <a:r>
+              <a:rPr lang="en-US" baseline="0" dirty="0" err="1" smtClean="0"/>
+              <a:t>más</a:t>
+            </a:r>
+            <a:r>
+              <a:rPr lang="en-US" baseline="0" dirty="0" smtClean="0"/>
+              <a:t> </a:t>
+            </a:r>
+            <a:r>
+              <a:rPr lang="en-US" baseline="0" dirty="0" err="1" smtClean="0"/>
+              <a:t>facilmente</a:t>
+            </a:r>
+            <a:r>
+              <a:rPr lang="en-US" baseline="0" dirty="0" smtClean="0"/>
+              <a:t> configurable.</a:t>
+            </a:r>
+            <a:endParaRPr lang="es-AR" dirty="0"/>
+          </a:p>
+        </p:txBody>
+      </p:sp>
+      <p:sp>
+        <p:nvSpPr>
+          <p:cNvPr id="4" name="Slide Number Placeholder 3"/>
+          <p:cNvSpPr>
+            <a:spLocks noGrp="1"/>
+          </p:cNvSpPr>
+          <p:nvPr>
+            <p:ph type="sldNum" sz="quarter" idx="10"/>
+          </p:nvPr>
+        </p:nvSpPr>
+        <p:spPr/>
+        <p:txBody>
+          <a:bodyPr/>
+          <a:lstStyle/>
+          <a:p>
+            <a:fld id="{3BCBAC67-084D-419D-A89D-D7FC2C09E238}" type="slidenum">
+              <a:rPr lang="es-AR" smtClean="0"/>
+              <a:pPr/>
+              <a:t>11</a:t>
             </a:fld>
             <a:endParaRPr lang="es-AR"/>
           </a:p>
@@ -5382,30 +5497,26 @@
             <a:spLocks noGrp="1"/>
           </p:cNvSpPr>
           <p:nvPr>
-            <p:ph type="ctrTitle"/>
+            <p:ph type="title"/>
           </p:nvPr>
         </p:nvSpPr>
         <p:spPr>
           <a:xfrm>
-            <a:off x="1174073" y="1741382"/>
-            <a:ext cx="7772400" cy="1829761"/>
+            <a:off x="1122338" y="708008"/>
+            <a:ext cx="7772400" cy="1828800"/>
           </a:xfrm>
         </p:spPr>
         <p:txBody>
           <a:bodyPr>
-            <a:normAutofit fontScale="90000"/>
+            <a:normAutofit/>
           </a:bodyPr>
           <a:lstStyle/>
           <a:p>
             <a:r>
-              <a:rPr lang="es-ES" sz="9600" dirty="0" err="1" smtClean="0"/>
-              <a:t>Parallel</a:t>
-            </a:r>
-            <a:r>
-              <a:rPr lang="es-ES" sz="9600" smtClean="0"/>
-              <a:t> Editor</a:t>
-            </a:r>
-            <a:endParaRPr lang="es-ES" sz="9600"/>
+              <a:rPr lang="es-ES" sz="8400" dirty="0" smtClean="0"/>
+              <a:t>Editor Paralelo</a:t>
+            </a:r>
+            <a:endParaRPr lang="es-ES" sz="8400" dirty="0"/>
           </a:p>
         </p:txBody>
       </p:sp>
@@ -5416,49 +5527,48 @@
             <a:spLocks noGrp="1"/>
           </p:cNvSpPr>
           <p:nvPr>
-            <p:ph type="subTitle" idx="1"/>
+            <p:ph type="body" idx="1"/>
           </p:nvPr>
         </p:nvSpPr>
-        <p:spPr>
-          <a:xfrm>
-            <a:off x="1142976" y="3643314"/>
-            <a:ext cx="7854696" cy="1752600"/>
-          </a:xfrm>
-        </p:spPr>
+        <p:spPr/>
         <p:txBody>
           <a:bodyPr/>
           <a:lstStyle/>
           <a:p>
             <a:r>
-              <a:rPr lang="es-ES" smtClean="0"/>
-              <a:t>Trabajo Profesional</a:t>
-            </a:r>
-          </a:p>
-          <a:p>
-            <a:r>
-              <a:rPr lang="es-ES" smtClean="0"/>
+              <a:rPr lang="es-ES" dirty="0" smtClean="0"/>
+              <a:t>Trabajo </a:t>
+            </a:r>
+            <a:r>
+              <a:rPr lang="es-ES" dirty="0" smtClean="0"/>
+              <a:t>Profesional</a:t>
+            </a:r>
+          </a:p>
+          <a:p>
+            <a:r>
+              <a:rPr lang="es-ES" dirty="0" smtClean="0"/>
               <a:t>Mauro </a:t>
             </a:r>
             <a:r>
-              <a:rPr lang="es-ES" err="1" smtClean="0"/>
+              <a:rPr lang="es-ES" dirty="0" err="1" smtClean="0"/>
               <a:t>Ciancio</a:t>
             </a:r>
             <a:r>
-              <a:rPr lang="es-ES" smtClean="0"/>
+              <a:rPr lang="es-ES" dirty="0" smtClean="0"/>
               <a:t>, Leandro </a:t>
             </a:r>
             <a:r>
-              <a:rPr lang="es-ES" err="1" smtClean="0"/>
+              <a:rPr lang="es-ES" dirty="0" err="1" smtClean="0"/>
               <a:t>Gilioli</a:t>
             </a:r>
-            <a:endParaRPr lang="es-ES" smtClean="0"/>
-          </a:p>
-          <a:p>
-            <a:r>
-              <a:rPr lang="es-ES" smtClean="0"/>
+            <a:endParaRPr lang="es-ES" dirty="0" smtClean="0"/>
+          </a:p>
+          <a:p>
+            <a:r>
+              <a:rPr lang="es-ES" dirty="0" smtClean="0"/>
               <a:t>Facultad de Ingeniería - UBA</a:t>
             </a:r>
-            <a:endParaRPr lang="es-ES"/>
+            <a:endParaRPr lang="es-ES" dirty="0"/>
           </a:p>
         </p:txBody>
       </p:sp>
@@ -5478,14 +5588,45 @@
         </p:blipFill>
         <p:spPr>
           <a:xfrm>
-            <a:off x="214282" y="2201107"/>
-            <a:ext cx="1157350" cy="1157350"/>
+            <a:off x="353982" y="1255702"/>
+            <a:ext cx="906466" cy="906466"/>
           </a:xfrm>
           <a:prstGeom prst="rect">
             <a:avLst/>
           </a:prstGeom>
         </p:spPr>
       </p:pic>
+      <p:sp>
+        <p:nvSpPr>
+          <p:cNvPr id="5" name="TextBox 4"/>
+          <p:cNvSpPr txBox="1"/>
+          <p:nvPr/>
+        </p:nvSpPr>
+        <p:spPr>
+          <a:xfrm>
+            <a:off x="3714744" y="2254244"/>
+            <a:ext cx="5000660" cy="369332"/>
+          </a:xfrm>
+          <a:prstGeom prst="rect">
+            <a:avLst/>
+          </a:prstGeom>
+          <a:noFill/>
+        </p:spPr>
+        <p:txBody>
+          <a:bodyPr wrap="square" rtlCol="0">
+            <a:spAutoFit/>
+          </a:bodyPr>
+          <a:lstStyle/>
+          <a:p>
+            <a:pPr algn="r"/>
+            <a:r>
+              <a:rPr lang="en-US" dirty="0" smtClean="0"/>
+              <a:t>(Parallel Editor)</a:t>
+            </a:r>
+            <a:endParaRPr lang="es-AR" dirty="0"/>
+          </a:p>
+        </p:txBody>
+      </p:sp>
     </p:spTree>
   </p:cSld>
   <p:clrMapOvr>
@@ -5518,22 +5659,113 @@
           <a:chExt cx="0" cy="0"/>
         </a:xfrm>
       </p:grpSpPr>
-      <p:sp>
-        <p:nvSpPr>
-          <p:cNvPr id="3" name="2 Marcador de contenido"/>
-          <p:cNvSpPr>
-            <a:spLocks noGrp="1"/>
-          </p:cNvSpPr>
-          <p:nvPr>
-            <p:ph idx="1"/>
-          </p:nvPr>
-        </p:nvSpPr>
-        <p:spPr/>
-        <p:txBody>
-          <a:bodyPr/>
+      <p:pic>
+        <p:nvPicPr>
+          <p:cNvPr id="53" name="Picture 52" descr="file.png"/>
+          <p:cNvPicPr>
+            <a:picLocks noChangeAspect="1"/>
+          </p:cNvPicPr>
+          <p:nvPr/>
+        </p:nvPicPr>
+        <p:blipFill>
+          <a:blip r:embed="rId2"/>
+          <a:stretch>
+            <a:fillRect/>
+          </a:stretch>
+        </p:blipFill>
+        <p:spPr>
+          <a:xfrm>
+            <a:off x="6429388" y="3429000"/>
+            <a:ext cx="2428892" cy="2286016"/>
+          </a:xfrm>
+          <a:prstGeom prst="rect">
+            <a:avLst/>
+          </a:prstGeom>
+        </p:spPr>
+      </p:pic>
+      <p:sp>
+        <p:nvSpPr>
+          <p:cNvPr id="54" name="TextBox 53"/>
+          <p:cNvSpPr txBox="1"/>
+          <p:nvPr/>
+        </p:nvSpPr>
+        <p:spPr>
+          <a:xfrm>
+            <a:off x="6757550" y="3985990"/>
+            <a:ext cx="1672102" cy="707886"/>
+          </a:xfrm>
+          <a:prstGeom prst="rect">
+            <a:avLst/>
+          </a:prstGeom>
+          <a:noFill/>
+        </p:spPr>
+        <p:txBody>
+          <a:bodyPr wrap="square" rtlCol="0">
+            <a:spAutoFit/>
+          </a:bodyPr>
           <a:lstStyle/>
           <a:p>
-            <a:endParaRPr lang="es-ES" dirty="0"/>
+            <a:pPr lvl="0" algn="ctr"/>
+            <a:r>
+              <a:rPr lang="en-US" sz="4000" dirty="0" smtClean="0">
+                <a:solidFill>
+                  <a:prstClr val="black"/>
+                </a:solidFill>
+                <a:latin typeface="Courier New" pitchFamily="49" charset="0"/>
+                <a:cs typeface="Courier New" pitchFamily="49" charset="0"/>
+              </a:rPr>
+              <a:t>HOLA</a:t>
+            </a:r>
+            <a:endParaRPr lang="es-AR" sz="4000" dirty="0">
+              <a:solidFill>
+                <a:prstClr val="black"/>
+              </a:solidFill>
+              <a:latin typeface="Courier New" pitchFamily="49" charset="0"/>
+              <a:cs typeface="Courier New" pitchFamily="49" charset="0"/>
+            </a:endParaRPr>
+          </a:p>
+        </p:txBody>
+      </p:sp>
+      <p:sp>
+        <p:nvSpPr>
+          <p:cNvPr id="23" name="TextBox 22"/>
+          <p:cNvSpPr txBox="1"/>
+          <p:nvPr/>
+        </p:nvSpPr>
+        <p:spPr>
+          <a:xfrm>
+            <a:off x="6606736" y="3981598"/>
+            <a:ext cx="1672102" cy="707886"/>
+          </a:xfrm>
+          <a:prstGeom prst="rect">
+            <a:avLst/>
+          </a:prstGeom>
+          <a:noFill/>
+        </p:spPr>
+        <p:txBody>
+          <a:bodyPr wrap="square" rtlCol="0">
+            <a:spAutoFit/>
+          </a:bodyPr>
+          <a:lstStyle/>
+          <a:p>
+            <a:pPr lvl="0" algn="ctr"/>
+            <a:r>
+              <a:rPr lang="en-US" sz="4000" dirty="0" smtClean="0">
+                <a:solidFill>
+                  <a:prstClr val="black"/>
+                </a:solidFill>
+                <a:latin typeface="Courier New" pitchFamily="49" charset="0"/>
+                <a:cs typeface="Courier New" pitchFamily="49" charset="0"/>
+              </a:rPr>
+              <a:t>HLA</a:t>
+            </a:r>
+            <a:endParaRPr lang="es-AR" sz="4000" dirty="0">
+              <a:solidFill>
+                <a:prstClr val="black"/>
+              </a:solidFill>
+              <a:latin typeface="Courier New" pitchFamily="49" charset="0"/>
+              <a:cs typeface="Courier New" pitchFamily="49" charset="0"/>
+            </a:endParaRPr>
           </a:p>
         </p:txBody>
       </p:sp>
@@ -5549,16 +5781,614 @@
         </p:nvSpPr>
         <p:spPr/>
         <p:txBody>
-          <a:bodyPr>
-            <a:normAutofit fontScale="90000"/>
+          <a:bodyPr/>
+          <a:lstStyle/>
+          <a:p>
+            <a:r>
+              <a:rPr lang="es-ES" dirty="0" smtClean="0"/>
+              <a:t>Ejemplo</a:t>
+            </a:r>
+            <a:endParaRPr lang="es-ES" dirty="0"/>
+          </a:p>
+        </p:txBody>
+      </p:sp>
+      <p:grpSp>
+        <p:nvGrpSpPr>
+          <p:cNvPr id="3" name="Group 25"/>
+          <p:cNvGrpSpPr/>
+          <p:nvPr/>
+        </p:nvGrpSpPr>
+        <p:grpSpPr>
+          <a:xfrm>
+            <a:off x="428596" y="2071678"/>
+            <a:ext cx="2096788" cy="858661"/>
+            <a:chOff x="642910" y="4813492"/>
+            <a:chExt cx="2096788" cy="858661"/>
+          </a:xfrm>
+        </p:grpSpPr>
+        <p:pic>
+          <p:nvPicPr>
+            <p:cNvPr id="4" name="Picture 3" descr="user_icon.png"/>
+            <p:cNvPicPr>
+              <a:picLocks noChangeAspect="1"/>
+            </p:cNvPicPr>
+            <p:nvPr/>
+          </p:nvPicPr>
+          <p:blipFill>
+            <a:blip r:embed="rId3" cstate="print"/>
+            <a:stretch>
+              <a:fillRect/>
+            </a:stretch>
+          </p:blipFill>
+          <p:spPr>
+            <a:xfrm>
+              <a:off x="642910" y="4857760"/>
+              <a:ext cx="857256" cy="814393"/>
+            </a:xfrm>
+            <a:prstGeom prst="rect">
+              <a:avLst/>
+            </a:prstGeom>
+          </p:spPr>
+        </p:pic>
+        <p:pic>
+          <p:nvPicPr>
+            <p:cNvPr id="7" name="Picture 6" descr="laptop.png"/>
+            <p:cNvPicPr>
+              <a:picLocks noChangeAspect="1"/>
+            </p:cNvPicPr>
+            <p:nvPr/>
+          </p:nvPicPr>
+          <p:blipFill>
+            <a:blip r:embed="rId4"/>
+            <a:srcRect t="12062" b="15563"/>
+            <a:stretch>
+              <a:fillRect/>
+            </a:stretch>
+          </p:blipFill>
+          <p:spPr>
+            <a:xfrm>
+              <a:off x="1555232" y="4813492"/>
+              <a:ext cx="1184466" cy="857256"/>
+            </a:xfrm>
+            <a:prstGeom prst="rect">
+              <a:avLst/>
+            </a:prstGeom>
+          </p:spPr>
+        </p:pic>
+      </p:grpSp>
+      <p:sp>
+        <p:nvSpPr>
+          <p:cNvPr id="14" name="Cloud 13"/>
+          <p:cNvSpPr/>
+          <p:nvPr/>
+        </p:nvSpPr>
+        <p:spPr>
+          <a:xfrm>
+            <a:off x="3214678" y="857232"/>
+            <a:ext cx="2857520" cy="1214446"/>
+          </a:xfrm>
+          <a:prstGeom prst="cloud">
+            <a:avLst/>
+          </a:prstGeom>
+          <a:noFill/>
+        </p:spPr>
+        <p:style>
+          <a:lnRef idx="2">
+            <a:schemeClr val="accent1">
+              <a:shade val="50000"/>
+            </a:schemeClr>
+          </a:lnRef>
+          <a:fillRef idx="1">
+            <a:schemeClr val="accent1"/>
+          </a:fillRef>
+          <a:effectRef idx="0">
+            <a:schemeClr val="accent1"/>
+          </a:effectRef>
+          <a:fontRef idx="minor">
+            <a:schemeClr val="lt1"/>
+          </a:fontRef>
+        </p:style>
+        <p:txBody>
+          <a:bodyPr rtlCol="0" anchor="ctr"/>
+          <a:lstStyle/>
+          <a:p>
+            <a:pPr algn="ctr"/>
+            <a:r>
+              <a:rPr lang="en-US" smtClean="0">
+                <a:solidFill>
+                  <a:schemeClr val="tx1"/>
+                </a:solidFill>
+              </a:rPr>
+              <a:t>Internet</a:t>
+            </a:r>
+            <a:endParaRPr lang="es-AR">
+              <a:solidFill>
+                <a:schemeClr val="tx1"/>
+              </a:solidFill>
+            </a:endParaRPr>
+          </a:p>
+        </p:txBody>
+      </p:sp>
+      <p:cxnSp>
+        <p:nvCxnSpPr>
+          <p:cNvPr id="22" name="Straight Arrow Connector 21"/>
+          <p:cNvCxnSpPr>
+            <a:stCxn id="7" idx="0"/>
+            <a:endCxn id="14" idx="2"/>
+          </p:cNvCxnSpPr>
+          <p:nvPr/>
+        </p:nvCxnSpPr>
+        <p:spPr>
+          <a:xfrm rot="5400000" flipH="1" flipV="1">
+            <a:off x="2274735" y="1122872"/>
+            <a:ext cx="607223" cy="1290391"/>
+          </a:xfrm>
+          <a:prstGeom prst="straightConnector1">
+            <a:avLst/>
+          </a:prstGeom>
+          <a:ln>
+            <a:headEnd type="arrow"/>
+            <a:tailEnd type="arrow"/>
+          </a:ln>
+        </p:spPr>
+        <p:style>
+          <a:lnRef idx="1">
+            <a:schemeClr val="accent1"/>
+          </a:lnRef>
+          <a:fillRef idx="0">
+            <a:schemeClr val="accent1"/>
+          </a:fillRef>
+          <a:effectRef idx="0">
+            <a:schemeClr val="accent1"/>
+          </a:effectRef>
+          <a:fontRef idx="minor">
+            <a:schemeClr val="tx1"/>
+          </a:fontRef>
+        </p:style>
+      </p:cxnSp>
+      <p:grpSp>
+        <p:nvGrpSpPr>
+          <p:cNvPr id="5" name="Group 27"/>
+          <p:cNvGrpSpPr/>
+          <p:nvPr/>
+        </p:nvGrpSpPr>
+        <p:grpSpPr>
+          <a:xfrm>
+            <a:off x="6357950" y="2071678"/>
+            <a:ext cx="2096788" cy="858661"/>
+            <a:chOff x="642910" y="4813492"/>
+            <a:chExt cx="2096788" cy="858661"/>
+          </a:xfrm>
+        </p:grpSpPr>
+        <p:pic>
+          <p:nvPicPr>
+            <p:cNvPr id="29" name="Picture 28" descr="user_icon.png"/>
+            <p:cNvPicPr>
+              <a:picLocks noChangeAspect="1"/>
+            </p:cNvPicPr>
+            <p:nvPr/>
+          </p:nvPicPr>
+          <p:blipFill>
+            <a:blip r:embed="rId3" cstate="print"/>
+            <a:stretch>
+              <a:fillRect/>
+            </a:stretch>
+          </p:blipFill>
+          <p:spPr>
+            <a:xfrm>
+              <a:off x="642910" y="4857760"/>
+              <a:ext cx="857256" cy="814393"/>
+            </a:xfrm>
+            <a:prstGeom prst="rect">
+              <a:avLst/>
+            </a:prstGeom>
+          </p:spPr>
+        </p:pic>
+        <p:pic>
+          <p:nvPicPr>
+            <p:cNvPr id="30" name="Picture 29" descr="laptop.png"/>
+            <p:cNvPicPr>
+              <a:picLocks noChangeAspect="1"/>
+            </p:cNvPicPr>
+            <p:nvPr/>
+          </p:nvPicPr>
+          <p:blipFill>
+            <a:blip r:embed="rId4"/>
+            <a:srcRect t="12062" b="15563"/>
+            <a:stretch>
+              <a:fillRect/>
+            </a:stretch>
+          </p:blipFill>
+          <p:spPr>
+            <a:xfrm>
+              <a:off x="1555232" y="4813492"/>
+              <a:ext cx="1184466" cy="857256"/>
+            </a:xfrm>
+            <a:prstGeom prst="rect">
+              <a:avLst/>
+            </a:prstGeom>
+          </p:spPr>
+        </p:pic>
+      </p:grpSp>
+      <p:cxnSp>
+        <p:nvCxnSpPr>
+          <p:cNvPr id="32" name="Straight Arrow Connector 31"/>
+          <p:cNvCxnSpPr>
+            <a:stCxn id="30" idx="0"/>
+            <a:endCxn id="14" idx="0"/>
+          </p:cNvCxnSpPr>
+          <p:nvPr/>
+        </p:nvCxnSpPr>
+        <p:spPr>
+          <a:xfrm rot="16200000" flipV="1">
+            <a:off x="6662550" y="871723"/>
+            <a:ext cx="607223" cy="1792688"/>
+          </a:xfrm>
+          <a:prstGeom prst="straightConnector1">
+            <a:avLst/>
+          </a:prstGeom>
+          <a:ln>
+            <a:headEnd type="arrow"/>
+            <a:tailEnd type="arrow"/>
+          </a:ln>
+        </p:spPr>
+        <p:style>
+          <a:lnRef idx="1">
+            <a:schemeClr val="accent1"/>
+          </a:lnRef>
+          <a:fillRef idx="0">
+            <a:schemeClr val="accent1"/>
+          </a:fillRef>
+          <a:effectRef idx="0">
+            <a:schemeClr val="accent1"/>
+          </a:effectRef>
+          <a:fontRef idx="minor">
+            <a:schemeClr val="tx1"/>
+          </a:fontRef>
+        </p:style>
+      </p:cxnSp>
+      <p:pic>
+        <p:nvPicPr>
+          <p:cNvPr id="44" name="Picture 43" descr="file.png"/>
+          <p:cNvPicPr>
+            <a:picLocks noChangeAspect="1"/>
+          </p:cNvPicPr>
+          <p:nvPr/>
+        </p:nvPicPr>
+        <p:blipFill>
+          <a:blip r:embed="rId2"/>
+          <a:stretch>
+            <a:fillRect/>
+          </a:stretch>
+        </p:blipFill>
+        <p:spPr>
+          <a:xfrm>
+            <a:off x="428596" y="3531730"/>
+            <a:ext cx="2428892" cy="2286016"/>
+          </a:xfrm>
+          <a:prstGeom prst="rect">
+            <a:avLst/>
+          </a:prstGeom>
+        </p:spPr>
+      </p:pic>
+      <p:sp>
+        <p:nvSpPr>
+          <p:cNvPr id="47" name="TextBox 46"/>
+          <p:cNvSpPr txBox="1"/>
+          <p:nvPr/>
+        </p:nvSpPr>
+        <p:spPr>
+          <a:xfrm>
+            <a:off x="891696" y="4088720"/>
+            <a:ext cx="1743540" cy="707886"/>
+          </a:xfrm>
+          <a:prstGeom prst="rect">
+            <a:avLst/>
+          </a:prstGeom>
+          <a:noFill/>
+        </p:spPr>
+        <p:txBody>
+          <a:bodyPr wrap="square" rtlCol="0">
+            <a:spAutoFit/>
           </a:bodyPr>
           <a:lstStyle/>
           <a:p>
-            <a:r>
-              <a:rPr lang="es-ES" smtClean="0"/>
-              <a:t>Problemas enfrentados durante el desarrollo</a:t>
-            </a:r>
-            <a:endParaRPr lang="es-ES"/>
+            <a:pPr algn="ctr"/>
+            <a:r>
+              <a:rPr lang="en-US" sz="4000" dirty="0" smtClean="0">
+                <a:latin typeface="Courier New" pitchFamily="49" charset="0"/>
+                <a:cs typeface="Courier New" pitchFamily="49" charset="0"/>
+              </a:rPr>
+              <a:t>HOLA</a:t>
+            </a:r>
+            <a:endParaRPr lang="es-AR" sz="4000" dirty="0">
+              <a:latin typeface="Courier New" pitchFamily="49" charset="0"/>
+              <a:cs typeface="Courier New" pitchFamily="49" charset="0"/>
+            </a:endParaRPr>
+          </a:p>
+        </p:txBody>
+      </p:sp>
+      <p:sp>
+        <p:nvSpPr>
+          <p:cNvPr id="49" name="TextBox 48"/>
+          <p:cNvSpPr txBox="1"/>
+          <p:nvPr/>
+        </p:nvSpPr>
+        <p:spPr>
+          <a:xfrm>
+            <a:off x="857224" y="3000372"/>
+            <a:ext cx="1476686" cy="369332"/>
+          </a:xfrm>
+          <a:prstGeom prst="rect">
+            <a:avLst/>
+          </a:prstGeom>
+          <a:noFill/>
+        </p:spPr>
+        <p:txBody>
+          <a:bodyPr wrap="none" rtlCol="0">
+            <a:spAutoFit/>
+          </a:bodyPr>
+          <a:lstStyle/>
+          <a:p>
+            <a:r>
+              <a:rPr lang="en-US" b="1" err="1" smtClean="0"/>
+              <a:t>ubicación</a:t>
+            </a:r>
+            <a:r>
+              <a:rPr lang="en-US" b="1" smtClean="0"/>
+              <a:t> 1</a:t>
+            </a:r>
+            <a:endParaRPr lang="es-AR" b="1"/>
+          </a:p>
+        </p:txBody>
+      </p:sp>
+      <p:sp>
+        <p:nvSpPr>
+          <p:cNvPr id="50" name="TextBox 49"/>
+          <p:cNvSpPr txBox="1"/>
+          <p:nvPr/>
+        </p:nvSpPr>
+        <p:spPr>
+          <a:xfrm>
+            <a:off x="6786578" y="3000372"/>
+            <a:ext cx="1478290" cy="369332"/>
+          </a:xfrm>
+          <a:prstGeom prst="rect">
+            <a:avLst/>
+          </a:prstGeom>
+          <a:noFill/>
+        </p:spPr>
+        <p:txBody>
+          <a:bodyPr wrap="none" rtlCol="0">
+            <a:spAutoFit/>
+          </a:bodyPr>
+          <a:lstStyle/>
+          <a:p>
+            <a:r>
+              <a:rPr lang="en-US" b="1" err="1" smtClean="0"/>
+              <a:t>ubicación</a:t>
+            </a:r>
+            <a:r>
+              <a:rPr lang="en-US" b="1" smtClean="0"/>
+              <a:t> 2</a:t>
+            </a:r>
+            <a:endParaRPr lang="es-AR" b="1"/>
+          </a:p>
+        </p:txBody>
+      </p:sp>
+      <p:pic>
+        <p:nvPicPr>
+          <p:cNvPr id="20" name="Picture 19" descr="mail.png"/>
+          <p:cNvPicPr>
+            <a:picLocks noChangeAspect="1"/>
+          </p:cNvPicPr>
+          <p:nvPr/>
+        </p:nvPicPr>
+        <p:blipFill>
+          <a:blip r:embed="rId5" cstate="print"/>
+          <a:stretch>
+            <a:fillRect/>
+          </a:stretch>
+        </p:blipFill>
+        <p:spPr>
+          <a:xfrm>
+            <a:off x="1012800" y="1701788"/>
+            <a:ext cx="428628" cy="428628"/>
+          </a:xfrm>
+          <a:prstGeom prst="rect">
+            <a:avLst/>
+          </a:prstGeom>
+        </p:spPr>
+      </p:pic>
+      <p:sp>
+        <p:nvSpPr>
+          <p:cNvPr id="21" name="TextBox 20"/>
+          <p:cNvSpPr txBox="1"/>
+          <p:nvPr/>
+        </p:nvSpPr>
+        <p:spPr>
+          <a:xfrm>
+            <a:off x="731358" y="4087818"/>
+            <a:ext cx="1743540" cy="707886"/>
+          </a:xfrm>
+          <a:prstGeom prst="rect">
+            <a:avLst/>
+          </a:prstGeom>
+          <a:noFill/>
+        </p:spPr>
+        <p:txBody>
+          <a:bodyPr wrap="square" rtlCol="0">
+            <a:spAutoFit/>
+          </a:bodyPr>
+          <a:lstStyle/>
+          <a:p>
+            <a:r>
+              <a:rPr lang="en-US" sz="4000" dirty="0" smtClean="0">
+                <a:solidFill>
+                  <a:srgbClr val="0032D0"/>
+                </a:solidFill>
+                <a:latin typeface="Courier New" pitchFamily="49" charset="0"/>
+                <a:cs typeface="Courier New" pitchFamily="49" charset="0"/>
+              </a:rPr>
+              <a:t>C</a:t>
+            </a:r>
+            <a:endParaRPr lang="es-AR" sz="4000" dirty="0">
+              <a:solidFill>
+                <a:srgbClr val="0032D0"/>
+              </a:solidFill>
+              <a:latin typeface="Courier New" pitchFamily="49" charset="0"/>
+              <a:cs typeface="Courier New" pitchFamily="49" charset="0"/>
+            </a:endParaRPr>
+          </a:p>
+        </p:txBody>
+      </p:sp>
+      <p:pic>
+        <p:nvPicPr>
+          <p:cNvPr id="24" name="Picture 23" descr="mail.png"/>
+          <p:cNvPicPr>
+            <a:picLocks noChangeAspect="1"/>
+          </p:cNvPicPr>
+          <p:nvPr/>
+        </p:nvPicPr>
+        <p:blipFill>
+          <a:blip r:embed="rId6" cstate="print">
+            <a:duotone>
+              <a:prstClr val="black"/>
+              <a:schemeClr val="accent4">
+                <a:tint val="45000"/>
+                <a:satMod val="400000"/>
+              </a:schemeClr>
+            </a:duotone>
+          </a:blip>
+          <a:stretch>
+            <a:fillRect/>
+          </a:stretch>
+        </p:blipFill>
+        <p:spPr>
+          <a:xfrm>
+            <a:off x="8001024" y="1714488"/>
+            <a:ext cx="433382" cy="433382"/>
+          </a:xfrm>
+          <a:prstGeom prst="rect">
+            <a:avLst/>
+          </a:prstGeom>
+        </p:spPr>
+      </p:pic>
+      <p:sp>
+        <p:nvSpPr>
+          <p:cNvPr id="25" name="TextBox 24"/>
+          <p:cNvSpPr txBox="1"/>
+          <p:nvPr/>
+        </p:nvSpPr>
+        <p:spPr>
+          <a:xfrm>
+            <a:off x="6753240" y="3975104"/>
+            <a:ext cx="1672102" cy="707886"/>
+          </a:xfrm>
+          <a:prstGeom prst="rect">
+            <a:avLst/>
+          </a:prstGeom>
+          <a:noFill/>
+        </p:spPr>
+        <p:txBody>
+          <a:bodyPr wrap="square" rtlCol="0">
+            <a:spAutoFit/>
+          </a:bodyPr>
+          <a:lstStyle/>
+          <a:p>
+            <a:pPr lvl="0" algn="ctr"/>
+            <a:r>
+              <a:rPr lang="en-US" sz="4000" dirty="0" smtClean="0">
+                <a:solidFill>
+                  <a:prstClr val="black"/>
+                </a:solidFill>
+                <a:latin typeface="Courier New" pitchFamily="49" charset="0"/>
+                <a:cs typeface="Courier New" pitchFamily="49" charset="0"/>
+              </a:rPr>
+              <a:t>CHLA</a:t>
+            </a:r>
+            <a:endParaRPr lang="es-AR" sz="4000" dirty="0">
+              <a:solidFill>
+                <a:prstClr val="black"/>
+              </a:solidFill>
+              <a:latin typeface="Courier New" pitchFamily="49" charset="0"/>
+              <a:cs typeface="Courier New" pitchFamily="49" charset="0"/>
+            </a:endParaRPr>
+          </a:p>
+        </p:txBody>
+      </p:sp>
+      <p:sp>
+        <p:nvSpPr>
+          <p:cNvPr id="26" name="TextBox 25"/>
+          <p:cNvSpPr txBox="1"/>
+          <p:nvPr/>
+        </p:nvSpPr>
+        <p:spPr>
+          <a:xfrm>
+            <a:off x="566710" y="4097342"/>
+            <a:ext cx="1743540" cy="707886"/>
+          </a:xfrm>
+          <a:prstGeom prst="rect">
+            <a:avLst/>
+          </a:prstGeom>
+          <a:noFill/>
+        </p:spPr>
+        <p:txBody>
+          <a:bodyPr wrap="square" rtlCol="0">
+            <a:spAutoFit/>
+          </a:bodyPr>
+          <a:lstStyle/>
+          <a:p>
+            <a:pPr algn="ctr"/>
+            <a:r>
+              <a:rPr lang="en-US" sz="4000" dirty="0" smtClean="0">
+                <a:latin typeface="Courier New" pitchFamily="49" charset="0"/>
+                <a:cs typeface="Courier New" pitchFamily="49" charset="0"/>
+              </a:rPr>
+              <a:t>COLA</a:t>
+            </a:r>
+            <a:endParaRPr lang="es-AR" sz="4000" dirty="0">
+              <a:latin typeface="Courier New" pitchFamily="49" charset="0"/>
+              <a:cs typeface="Courier New" pitchFamily="49" charset="0"/>
+            </a:endParaRPr>
+          </a:p>
+        </p:txBody>
+      </p:sp>
+      <p:sp>
+        <p:nvSpPr>
+          <p:cNvPr id="27" name="TextBox 26"/>
+          <p:cNvSpPr txBox="1"/>
+          <p:nvPr/>
+        </p:nvSpPr>
+        <p:spPr>
+          <a:xfrm>
+            <a:off x="4306886" y="3883028"/>
+            <a:ext cx="714380" cy="1015663"/>
+          </a:xfrm>
+          <a:prstGeom prst="rect">
+            <a:avLst/>
+          </a:prstGeom>
+          <a:noFill/>
+        </p:spPr>
+        <p:txBody>
+          <a:bodyPr wrap="square" rtlCol="0">
+            <a:spAutoFit/>
+          </a:bodyPr>
+          <a:lstStyle/>
+          <a:p>
+            <a:r>
+              <a:rPr lang="en-US" sz="6000" b="1" dirty="0" smtClean="0">
+                <a:solidFill>
+                  <a:schemeClr val="accent2"/>
+                </a:solidFill>
+              </a:rPr>
+              <a:t>≠</a:t>
+            </a:r>
+            <a:endParaRPr lang="es-AR" sz="6000" b="1" dirty="0">
+              <a:solidFill>
+                <a:schemeClr val="accent2"/>
+              </a:solidFill>
+            </a:endParaRPr>
           </a:p>
         </p:txBody>
       </p:sp>
@@ -5570,9 +6400,981 @@
   <p:timing>
     <p:tnLst>
       <p:par>
-        <p:cTn id="1" dur="indefinite" restart="never" nodeType="tmRoot"/>
+        <p:cTn id="1" dur="indefinite" restart="never" nodeType="tmRoot">
+          <p:childTnLst>
+            <p:seq concurrent="1" nextAc="seek">
+              <p:cTn id="2" dur="indefinite" nodeType="mainSeq">
+                <p:childTnLst>
+                  <p:par>
+                    <p:cTn id="3" fill="hold">
+                      <p:stCondLst>
+                        <p:cond delay="indefinite"/>
+                      </p:stCondLst>
+                      <p:childTnLst>
+                        <p:par>
+                          <p:cTn id="4" fill="hold">
+                            <p:stCondLst>
+                              <p:cond delay="0"/>
+                            </p:stCondLst>
+                            <p:childTnLst>
+                              <p:par>
+                                <p:cTn id="5" presetID="10" presetClass="entr" presetSubtype="0" fill="hold" grpId="0" nodeType="clickEffect">
+                                  <p:stCondLst>
+                                    <p:cond delay="0"/>
+                                  </p:stCondLst>
+                                  <p:iterate type="lt">
+                                    <p:tmPct val="0"/>
+                                  </p:iterate>
+                                  <p:childTnLst>
+                                    <p:set>
+                                      <p:cBhvr>
+                                        <p:cTn id="6" dur="1" fill="hold">
+                                          <p:stCondLst>
+                                            <p:cond delay="0"/>
+                                          </p:stCondLst>
+                                        </p:cTn>
+                                        <p:tgtEl>
+                                          <p:spTgt spid="21"/>
+                                        </p:tgtEl>
+                                        <p:attrNameLst>
+                                          <p:attrName>style.visibility</p:attrName>
+                                        </p:attrNameLst>
+                                      </p:cBhvr>
+                                      <p:to>
+                                        <p:strVal val="visible"/>
+                                      </p:to>
+                                    </p:set>
+                                    <p:animEffect transition="in" filter="fade">
+                                      <p:cBhvr>
+                                        <p:cTn id="7" dur="2000"/>
+                                        <p:tgtEl>
+                                          <p:spTgt spid="21"/>
+                                        </p:tgtEl>
+                                      </p:cBhvr>
+                                    </p:animEffect>
+                                  </p:childTnLst>
+                                </p:cTn>
+                              </p:par>
+                            </p:childTnLst>
+                          </p:cTn>
+                        </p:par>
+                      </p:childTnLst>
+                    </p:cTn>
+                  </p:par>
+                  <p:par>
+                    <p:cTn id="8" fill="hold">
+                      <p:stCondLst>
+                        <p:cond delay="indefinite"/>
+                      </p:stCondLst>
+                      <p:childTnLst>
+                        <p:par>
+                          <p:cTn id="9" fill="hold">
+                            <p:stCondLst>
+                              <p:cond delay="0"/>
+                            </p:stCondLst>
+                            <p:childTnLst>
+                              <p:par>
+                                <p:cTn id="10" presetID="10" presetClass="entr" presetSubtype="0" fill="hold" nodeType="clickEffect">
+                                  <p:stCondLst>
+                                    <p:cond delay="0"/>
+                                  </p:stCondLst>
+                                  <p:childTnLst>
+                                    <p:set>
+                                      <p:cBhvr>
+                                        <p:cTn id="11" dur="1" fill="hold">
+                                          <p:stCondLst>
+                                            <p:cond delay="0"/>
+                                          </p:stCondLst>
+                                        </p:cTn>
+                                        <p:tgtEl>
+                                          <p:spTgt spid="20"/>
+                                        </p:tgtEl>
+                                        <p:attrNameLst>
+                                          <p:attrName>style.visibility</p:attrName>
+                                        </p:attrNameLst>
+                                      </p:cBhvr>
+                                      <p:to>
+                                        <p:strVal val="visible"/>
+                                      </p:to>
+                                    </p:set>
+                                    <p:animEffect transition="in" filter="fade">
+                                      <p:cBhvr>
+                                        <p:cTn id="12" dur="2000"/>
+                                        <p:tgtEl>
+                                          <p:spTgt spid="20"/>
+                                        </p:tgtEl>
+                                      </p:cBhvr>
+                                    </p:animEffect>
+                                  </p:childTnLst>
+                                </p:cTn>
+                              </p:par>
+                            </p:childTnLst>
+                          </p:cTn>
+                        </p:par>
+                      </p:childTnLst>
+                    </p:cTn>
+                  </p:par>
+                  <p:par>
+                    <p:cTn id="13" fill="hold">
+                      <p:stCondLst>
+                        <p:cond delay="indefinite"/>
+                      </p:stCondLst>
+                      <p:childTnLst>
+                        <p:par>
+                          <p:cTn id="14" fill="hold">
+                            <p:stCondLst>
+                              <p:cond delay="0"/>
+                            </p:stCondLst>
+                            <p:childTnLst>
+                              <p:par>
+                                <p:cTn id="15" presetID="0" presetClass="path" presetSubtype="0" accel="50000" decel="50000" fill="hold" nodeType="clickEffect">
+                                  <p:stCondLst>
+                                    <p:cond delay="0"/>
+                                  </p:stCondLst>
+                                  <p:childTnLst>
+                                    <p:animMotion origin="layout" path="M -2.77778E-7 4.07407E-6 C 0.05452 -0.00625 0.1092 -0.01227 0.15 -0.03704 C 0.1908 -0.06181 0.2099 -0.13403 0.24445 -0.14815 C 0.279 -0.16227 0.33681 -0.13149 0.35695 -0.12223 " pathEditMode="relative" ptsTypes="aaaA">
+                                      <p:cBhvr>
+                                        <p:cTn id="16" dur="2000" fill="hold"/>
+                                        <p:tgtEl>
+                                          <p:spTgt spid="20"/>
+                                        </p:tgtEl>
+                                        <p:attrNameLst>
+                                          <p:attrName>ppt_x</p:attrName>
+                                          <p:attrName>ppt_y</p:attrName>
+                                        </p:attrNameLst>
+                                      </p:cBhvr>
+                                    </p:animMotion>
+                                  </p:childTnLst>
+                                </p:cTn>
+                              </p:par>
+                            </p:childTnLst>
+                          </p:cTn>
+                        </p:par>
+                      </p:childTnLst>
+                    </p:cTn>
+                  </p:par>
+                  <p:par>
+                    <p:cTn id="17" fill="hold">
+                      <p:stCondLst>
+                        <p:cond delay="indefinite"/>
+                      </p:stCondLst>
+                      <p:childTnLst>
+                        <p:par>
+                          <p:cTn id="18" fill="hold">
+                            <p:stCondLst>
+                              <p:cond delay="0"/>
+                            </p:stCondLst>
+                            <p:childTnLst>
+                              <p:par>
+                                <p:cTn id="19" presetID="10" presetClass="exit" presetSubtype="0" fill="hold" grpId="0" nodeType="clickEffect">
+                                  <p:stCondLst>
+                                    <p:cond delay="0"/>
+                                  </p:stCondLst>
+                                  <p:childTnLst>
+                                    <p:animEffect transition="out" filter="fade">
+                                      <p:cBhvr>
+                                        <p:cTn id="20" dur="500"/>
+                                        <p:tgtEl>
+                                          <p:spTgt spid="54"/>
+                                        </p:tgtEl>
+                                      </p:cBhvr>
+                                    </p:animEffect>
+                                    <p:set>
+                                      <p:cBhvr>
+                                        <p:cTn id="21" dur="1" fill="hold">
+                                          <p:stCondLst>
+                                            <p:cond delay="499"/>
+                                          </p:stCondLst>
+                                        </p:cTn>
+                                        <p:tgtEl>
+                                          <p:spTgt spid="54"/>
+                                        </p:tgtEl>
+                                        <p:attrNameLst>
+                                          <p:attrName>style.visibility</p:attrName>
+                                        </p:attrNameLst>
+                                      </p:cBhvr>
+                                      <p:to>
+                                        <p:strVal val="hidden"/>
+                                      </p:to>
+                                    </p:set>
+                                  </p:childTnLst>
+                                </p:cTn>
+                              </p:par>
+                              <p:par>
+                                <p:cTn id="22" presetID="10" presetClass="entr" presetSubtype="0" fill="hold" grpId="0" nodeType="withEffect">
+                                  <p:stCondLst>
+                                    <p:cond delay="0"/>
+                                  </p:stCondLst>
+                                  <p:childTnLst>
+                                    <p:set>
+                                      <p:cBhvr>
+                                        <p:cTn id="23" dur="1" fill="hold">
+                                          <p:stCondLst>
+                                            <p:cond delay="0"/>
+                                          </p:stCondLst>
+                                        </p:cTn>
+                                        <p:tgtEl>
+                                          <p:spTgt spid="23"/>
+                                        </p:tgtEl>
+                                        <p:attrNameLst>
+                                          <p:attrName>style.visibility</p:attrName>
+                                        </p:attrNameLst>
+                                      </p:cBhvr>
+                                      <p:to>
+                                        <p:strVal val="visible"/>
+                                      </p:to>
+                                    </p:set>
+                                    <p:animEffect transition="in" filter="fade">
+                                      <p:cBhvr>
+                                        <p:cTn id="24" dur="500"/>
+                                        <p:tgtEl>
+                                          <p:spTgt spid="23"/>
+                                        </p:tgtEl>
+                                      </p:cBhvr>
+                                    </p:animEffect>
+                                  </p:childTnLst>
+                                </p:cTn>
+                              </p:par>
+                            </p:childTnLst>
+                          </p:cTn>
+                        </p:par>
+                      </p:childTnLst>
+                    </p:cTn>
+                  </p:par>
+                  <p:par>
+                    <p:cTn id="25" fill="hold">
+                      <p:stCondLst>
+                        <p:cond delay="indefinite"/>
+                      </p:stCondLst>
+                      <p:childTnLst>
+                        <p:par>
+                          <p:cTn id="26" fill="hold">
+                            <p:stCondLst>
+                              <p:cond delay="0"/>
+                            </p:stCondLst>
+                            <p:childTnLst>
+                              <p:par>
+                                <p:cTn id="27" presetID="10" presetClass="entr" presetSubtype="0" fill="hold" nodeType="clickEffect">
+                                  <p:stCondLst>
+                                    <p:cond delay="0"/>
+                                  </p:stCondLst>
+                                  <p:childTnLst>
+                                    <p:set>
+                                      <p:cBhvr>
+                                        <p:cTn id="28" dur="1" fill="hold">
+                                          <p:stCondLst>
+                                            <p:cond delay="0"/>
+                                          </p:stCondLst>
+                                        </p:cTn>
+                                        <p:tgtEl>
+                                          <p:spTgt spid="24"/>
+                                        </p:tgtEl>
+                                        <p:attrNameLst>
+                                          <p:attrName>style.visibility</p:attrName>
+                                        </p:attrNameLst>
+                                      </p:cBhvr>
+                                      <p:to>
+                                        <p:strVal val="visible"/>
+                                      </p:to>
+                                    </p:set>
+                                    <p:animEffect transition="in" filter="fade">
+                                      <p:cBhvr>
+                                        <p:cTn id="29" dur="2000"/>
+                                        <p:tgtEl>
+                                          <p:spTgt spid="24"/>
+                                        </p:tgtEl>
+                                      </p:cBhvr>
+                                    </p:animEffect>
+                                  </p:childTnLst>
+                                </p:cTn>
+                              </p:par>
+                            </p:childTnLst>
+                          </p:cTn>
+                        </p:par>
+                      </p:childTnLst>
+                    </p:cTn>
+                  </p:par>
+                  <p:par>
+                    <p:cTn id="30" fill="hold">
+                      <p:stCondLst>
+                        <p:cond delay="indefinite"/>
+                      </p:stCondLst>
+                      <p:childTnLst>
+                        <p:par>
+                          <p:cTn id="31" fill="hold">
+                            <p:stCondLst>
+                              <p:cond delay="0"/>
+                            </p:stCondLst>
+                            <p:childTnLst>
+                              <p:par>
+                                <p:cTn id="32" presetID="0" presetClass="path" presetSubtype="0" accel="50000" decel="50000" fill="hold" nodeType="clickEffect">
+                                  <p:stCondLst>
+                                    <p:cond delay="0"/>
+                                  </p:stCondLst>
+                                  <p:childTnLst>
+                                    <p:animMotion origin="layout" path="M -1.11111E-6 -1.48148E-6 C -0.06389 -0.00671 -0.12778 -0.01296 -0.19687 -0.04467 C -0.26597 -0.07662 -0.37517 -0.17268 -0.41441 -0.19097 " pathEditMode="relative" rAng="0" ptsTypes="aaA">
+                                      <p:cBhvr>
+                                        <p:cTn id="33" dur="2000" fill="hold"/>
+                                        <p:tgtEl>
+                                          <p:spTgt spid="24"/>
+                                        </p:tgtEl>
+                                        <p:attrNameLst>
+                                          <p:attrName>ppt_x</p:attrName>
+                                          <p:attrName>ppt_y</p:attrName>
+                                        </p:attrNameLst>
+                                      </p:cBhvr>
+                                      <p:rCtr x="-207" y="-96"/>
+                                    </p:animMotion>
+                                  </p:childTnLst>
+                                </p:cTn>
+                              </p:par>
+                            </p:childTnLst>
+                          </p:cTn>
+                        </p:par>
+                      </p:childTnLst>
+                    </p:cTn>
+                  </p:par>
+                  <p:par>
+                    <p:cTn id="34" fill="hold">
+                      <p:stCondLst>
+                        <p:cond delay="indefinite"/>
+                      </p:stCondLst>
+                      <p:childTnLst>
+                        <p:par>
+                          <p:cTn id="35" fill="hold">
+                            <p:stCondLst>
+                              <p:cond delay="0"/>
+                            </p:stCondLst>
+                            <p:childTnLst>
+                              <p:par>
+                                <p:cTn id="36" presetID="0" presetClass="path" presetSubtype="0" accel="50000" decel="50000" fill="hold" nodeType="clickEffect">
+                                  <p:stCondLst>
+                                    <p:cond delay="0"/>
+                                  </p:stCondLst>
+                                  <p:childTnLst>
+                                    <p:animMotion origin="layout" path="M 0.35695 -0.12222 C 0.42744 -0.10463 0.49792 -0.08704 0.56528 -0.06667 C 0.63264 -0.0463 0.68959 -0.03148 0.76112 -1.85185E-6 " pathEditMode="relative" ptsTypes="aaA">
+                                      <p:cBhvr>
+                                        <p:cTn id="37" dur="2000" fill="hold"/>
+                                        <p:tgtEl>
+                                          <p:spTgt spid="20"/>
+                                        </p:tgtEl>
+                                        <p:attrNameLst>
+                                          <p:attrName>ppt_x</p:attrName>
+                                          <p:attrName>ppt_y</p:attrName>
+                                        </p:attrNameLst>
+                                      </p:cBhvr>
+                                    </p:animMotion>
+                                  </p:childTnLst>
+                                </p:cTn>
+                              </p:par>
+                            </p:childTnLst>
+                          </p:cTn>
+                        </p:par>
+                      </p:childTnLst>
+                    </p:cTn>
+                  </p:par>
+                  <p:par>
+                    <p:cTn id="38" fill="hold">
+                      <p:stCondLst>
+                        <p:cond delay="indefinite"/>
+                      </p:stCondLst>
+                      <p:childTnLst>
+                        <p:par>
+                          <p:cTn id="39" fill="hold">
+                            <p:stCondLst>
+                              <p:cond delay="0"/>
+                            </p:stCondLst>
+                            <p:childTnLst>
+                              <p:par>
+                                <p:cTn id="40" presetID="10" presetClass="exit" presetSubtype="0" fill="hold" grpId="1" nodeType="clickEffect">
+                                  <p:stCondLst>
+                                    <p:cond delay="0"/>
+                                  </p:stCondLst>
+                                  <p:childTnLst>
+                                    <p:animEffect transition="out" filter="fade">
+                                      <p:cBhvr>
+                                        <p:cTn id="41" dur="500"/>
+                                        <p:tgtEl>
+                                          <p:spTgt spid="23"/>
+                                        </p:tgtEl>
+                                      </p:cBhvr>
+                                    </p:animEffect>
+                                    <p:set>
+                                      <p:cBhvr>
+                                        <p:cTn id="42" dur="1" fill="hold">
+                                          <p:stCondLst>
+                                            <p:cond delay="499"/>
+                                          </p:stCondLst>
+                                        </p:cTn>
+                                        <p:tgtEl>
+                                          <p:spTgt spid="23"/>
+                                        </p:tgtEl>
+                                        <p:attrNameLst>
+                                          <p:attrName>style.visibility</p:attrName>
+                                        </p:attrNameLst>
+                                      </p:cBhvr>
+                                      <p:to>
+                                        <p:strVal val="hidden"/>
+                                      </p:to>
+                                    </p:set>
+                                  </p:childTnLst>
+                                </p:cTn>
+                              </p:par>
+                              <p:par>
+                                <p:cTn id="43" presetID="10" presetClass="entr" presetSubtype="0" fill="hold" grpId="0" nodeType="withEffect">
+                                  <p:stCondLst>
+                                    <p:cond delay="0"/>
+                                  </p:stCondLst>
+                                  <p:childTnLst>
+                                    <p:set>
+                                      <p:cBhvr>
+                                        <p:cTn id="44" dur="1" fill="hold">
+                                          <p:stCondLst>
+                                            <p:cond delay="0"/>
+                                          </p:stCondLst>
+                                        </p:cTn>
+                                        <p:tgtEl>
+                                          <p:spTgt spid="25"/>
+                                        </p:tgtEl>
+                                        <p:attrNameLst>
+                                          <p:attrName>style.visibility</p:attrName>
+                                        </p:attrNameLst>
+                                      </p:cBhvr>
+                                      <p:to>
+                                        <p:strVal val="visible"/>
+                                      </p:to>
+                                    </p:set>
+                                    <p:animEffect transition="in" filter="fade">
+                                      <p:cBhvr>
+                                        <p:cTn id="45" dur="500"/>
+                                        <p:tgtEl>
+                                          <p:spTgt spid="25"/>
+                                        </p:tgtEl>
+                                      </p:cBhvr>
+                                    </p:animEffect>
+                                  </p:childTnLst>
+                                </p:cTn>
+                              </p:par>
+                            </p:childTnLst>
+                          </p:cTn>
+                        </p:par>
+                      </p:childTnLst>
+                    </p:cTn>
+                  </p:par>
+                  <p:par>
+                    <p:cTn id="46" fill="hold">
+                      <p:stCondLst>
+                        <p:cond delay="indefinite"/>
+                      </p:stCondLst>
+                      <p:childTnLst>
+                        <p:par>
+                          <p:cTn id="47" fill="hold">
+                            <p:stCondLst>
+                              <p:cond delay="0"/>
+                            </p:stCondLst>
+                            <p:childTnLst>
+                              <p:par>
+                                <p:cTn id="48" presetID="0" presetClass="path" presetSubtype="0" accel="50000" decel="50000" fill="hold" nodeType="clickEffect">
+                                  <p:stCondLst>
+                                    <p:cond delay="0"/>
+                                  </p:stCondLst>
+                                  <p:childTnLst>
+                                    <p:animMotion origin="layout" path="M -0.41441 -0.19097 C -0.48489 -0.14375 -0.55521 -0.09653 -0.61441 -0.06505 C -0.67361 -0.03357 -0.74583 -0.00417 -0.76996 -0.00208 " pathEditMode="relative" ptsTypes="aaA">
+                                      <p:cBhvr>
+                                        <p:cTn id="49" dur="2000" fill="hold"/>
+                                        <p:tgtEl>
+                                          <p:spTgt spid="24"/>
+                                        </p:tgtEl>
+                                        <p:attrNameLst>
+                                          <p:attrName>ppt_x</p:attrName>
+                                          <p:attrName>ppt_y</p:attrName>
+                                        </p:attrNameLst>
+                                      </p:cBhvr>
+                                    </p:animMotion>
+                                  </p:childTnLst>
+                                </p:cTn>
+                              </p:par>
+                            </p:childTnLst>
+                          </p:cTn>
+                        </p:par>
+                      </p:childTnLst>
+                    </p:cTn>
+                  </p:par>
+                  <p:par>
+                    <p:cTn id="50" fill="hold">
+                      <p:stCondLst>
+                        <p:cond delay="indefinite"/>
+                      </p:stCondLst>
+                      <p:childTnLst>
+                        <p:par>
+                          <p:cTn id="51" fill="hold">
+                            <p:stCondLst>
+                              <p:cond delay="0"/>
+                            </p:stCondLst>
+                            <p:childTnLst>
+                              <p:par>
+                                <p:cTn id="52" presetID="10" presetClass="exit" presetSubtype="0" fill="hold" grpId="0" nodeType="clickEffect">
+                                  <p:stCondLst>
+                                    <p:cond delay="0"/>
+                                  </p:stCondLst>
+                                  <p:childTnLst>
+                                    <p:animEffect transition="out" filter="fade">
+                                      <p:cBhvr>
+                                        <p:cTn id="53" dur="500"/>
+                                        <p:tgtEl>
+                                          <p:spTgt spid="47"/>
+                                        </p:tgtEl>
+                                      </p:cBhvr>
+                                    </p:animEffect>
+                                    <p:set>
+                                      <p:cBhvr>
+                                        <p:cTn id="54" dur="1" fill="hold">
+                                          <p:stCondLst>
+                                            <p:cond delay="499"/>
+                                          </p:stCondLst>
+                                        </p:cTn>
+                                        <p:tgtEl>
+                                          <p:spTgt spid="47"/>
+                                        </p:tgtEl>
+                                        <p:attrNameLst>
+                                          <p:attrName>style.visibility</p:attrName>
+                                        </p:attrNameLst>
+                                      </p:cBhvr>
+                                      <p:to>
+                                        <p:strVal val="hidden"/>
+                                      </p:to>
+                                    </p:set>
+                                  </p:childTnLst>
+                                </p:cTn>
+                              </p:par>
+                              <p:par>
+                                <p:cTn id="55" presetID="10" presetClass="exit" presetSubtype="0" fill="hold" grpId="1" nodeType="withEffect">
+                                  <p:stCondLst>
+                                    <p:cond delay="0"/>
+                                  </p:stCondLst>
+                                  <p:iterate type="lt">
+                                    <p:tmPct val="0"/>
+                                  </p:iterate>
+                                  <p:childTnLst>
+                                    <p:animEffect transition="out" filter="fade">
+                                      <p:cBhvr>
+                                        <p:cTn id="56" dur="500"/>
+                                        <p:tgtEl>
+                                          <p:spTgt spid="21"/>
+                                        </p:tgtEl>
+                                      </p:cBhvr>
+                                    </p:animEffect>
+                                    <p:set>
+                                      <p:cBhvr>
+                                        <p:cTn id="57" dur="1" fill="hold">
+                                          <p:stCondLst>
+                                            <p:cond delay="499"/>
+                                          </p:stCondLst>
+                                        </p:cTn>
+                                        <p:tgtEl>
+                                          <p:spTgt spid="21"/>
+                                        </p:tgtEl>
+                                        <p:attrNameLst>
+                                          <p:attrName>style.visibility</p:attrName>
+                                        </p:attrNameLst>
+                                      </p:cBhvr>
+                                      <p:to>
+                                        <p:strVal val="hidden"/>
+                                      </p:to>
+                                    </p:set>
+                                  </p:childTnLst>
+                                </p:cTn>
+                              </p:par>
+                              <p:par>
+                                <p:cTn id="58" presetID="10" presetClass="entr" presetSubtype="0" fill="hold" grpId="0" nodeType="withEffect">
+                                  <p:stCondLst>
+                                    <p:cond delay="0"/>
+                                  </p:stCondLst>
+                                  <p:childTnLst>
+                                    <p:set>
+                                      <p:cBhvr>
+                                        <p:cTn id="59" dur="1" fill="hold">
+                                          <p:stCondLst>
+                                            <p:cond delay="0"/>
+                                          </p:stCondLst>
+                                        </p:cTn>
+                                        <p:tgtEl>
+                                          <p:spTgt spid="26"/>
+                                        </p:tgtEl>
+                                        <p:attrNameLst>
+                                          <p:attrName>style.visibility</p:attrName>
+                                        </p:attrNameLst>
+                                      </p:cBhvr>
+                                      <p:to>
+                                        <p:strVal val="visible"/>
+                                      </p:to>
+                                    </p:set>
+                                    <p:animEffect transition="in" filter="fade">
+                                      <p:cBhvr>
+                                        <p:cTn id="60" dur="500"/>
+                                        <p:tgtEl>
+                                          <p:spTgt spid="26"/>
+                                        </p:tgtEl>
+                                      </p:cBhvr>
+                                    </p:animEffect>
+                                  </p:childTnLst>
+                                </p:cTn>
+                              </p:par>
+                            </p:childTnLst>
+                          </p:cTn>
+                        </p:par>
+                      </p:childTnLst>
+                    </p:cTn>
+                  </p:par>
+                  <p:par>
+                    <p:cTn id="61" fill="hold">
+                      <p:stCondLst>
+                        <p:cond delay="indefinite"/>
+                      </p:stCondLst>
+                      <p:childTnLst>
+                        <p:par>
+                          <p:cTn id="62" fill="hold">
+                            <p:stCondLst>
+                              <p:cond delay="0"/>
+                            </p:stCondLst>
+                            <p:childTnLst>
+                              <p:par>
+                                <p:cTn id="63" presetID="0" presetClass="path" presetSubtype="0" accel="50000" decel="50000" fill="hold" nodeType="clickEffect">
+                                  <p:stCondLst>
+                                    <p:cond delay="0"/>
+                                  </p:stCondLst>
+                                  <p:childTnLst>
+                                    <p:animMotion origin="layout" path="M 0 0 C 0.05729 0.0007 0.11476 0.00162 0.15 0 " pathEditMode="relative" ptsTypes="aA">
+                                      <p:cBhvr>
+                                        <p:cTn id="64" dur="2000" fill="hold"/>
+                                        <p:tgtEl>
+                                          <p:spTgt spid="44"/>
+                                        </p:tgtEl>
+                                        <p:attrNameLst>
+                                          <p:attrName>ppt_x</p:attrName>
+                                          <p:attrName>ppt_y</p:attrName>
+                                        </p:attrNameLst>
+                                      </p:cBhvr>
+                                    </p:animMotion>
+                                  </p:childTnLst>
+                                </p:cTn>
+                              </p:par>
+                              <p:par>
+                                <p:cTn id="65" presetID="0" presetClass="path" presetSubtype="0" accel="50000" decel="50000" fill="hold" grpId="1" nodeType="withEffect">
+                                  <p:stCondLst>
+                                    <p:cond delay="0"/>
+                                  </p:stCondLst>
+                                  <p:childTnLst>
+                                    <p:animMotion origin="layout" path="M 0 0 C 0.05729 0.0007 0.11476 0.00162 0.15 0 " pathEditMode="relative" ptsTypes="aA">
+                                      <p:cBhvr>
+                                        <p:cTn id="66" dur="2000" fill="hold"/>
+                                        <p:tgtEl>
+                                          <p:spTgt spid="47"/>
+                                        </p:tgtEl>
+                                        <p:attrNameLst>
+                                          <p:attrName>ppt_x</p:attrName>
+                                          <p:attrName>ppt_y</p:attrName>
+                                        </p:attrNameLst>
+                                      </p:cBhvr>
+                                    </p:animMotion>
+                                  </p:childTnLst>
+                                </p:cTn>
+                              </p:par>
+                              <p:par>
+                                <p:cTn id="67" presetID="0" presetClass="path" presetSubtype="0" accel="50000" decel="50000" fill="hold" grpId="2" nodeType="withEffect">
+                                  <p:stCondLst>
+                                    <p:cond delay="0"/>
+                                  </p:stCondLst>
+                                  <p:iterate type="lt">
+                                    <p:tmPct val="0"/>
+                                  </p:iterate>
+                                  <p:childTnLst>
+                                    <p:animMotion origin="layout" path="M 0 0 C 0.05729 0.0007 0.11476 0.00162 0.15 0 " pathEditMode="relative" ptsTypes="aA">
+                                      <p:cBhvr>
+                                        <p:cTn id="68" dur="2000" fill="hold"/>
+                                        <p:tgtEl>
+                                          <p:spTgt spid="21"/>
+                                        </p:tgtEl>
+                                        <p:attrNameLst>
+                                          <p:attrName>ppt_x</p:attrName>
+                                          <p:attrName>ppt_y</p:attrName>
+                                        </p:attrNameLst>
+                                      </p:cBhvr>
+                                    </p:animMotion>
+                                  </p:childTnLst>
+                                </p:cTn>
+                              </p:par>
+                              <p:par>
+                                <p:cTn id="69" presetID="0" presetClass="path" presetSubtype="0" accel="50000" decel="50000" fill="hold" grpId="1" nodeType="withEffect">
+                                  <p:stCondLst>
+                                    <p:cond delay="0"/>
+                                  </p:stCondLst>
+                                  <p:childTnLst>
+                                    <p:animMotion origin="layout" path="M 0 0 C 0.05729 0.0007 0.11476 0.00162 0.15 0 " pathEditMode="relative" ptsTypes="aA">
+                                      <p:cBhvr>
+                                        <p:cTn id="70" dur="2000" fill="hold"/>
+                                        <p:tgtEl>
+                                          <p:spTgt spid="26"/>
+                                        </p:tgtEl>
+                                        <p:attrNameLst>
+                                          <p:attrName>ppt_x</p:attrName>
+                                          <p:attrName>ppt_y</p:attrName>
+                                        </p:attrNameLst>
+                                      </p:cBhvr>
+                                    </p:animMotion>
+                                  </p:childTnLst>
+                                </p:cTn>
+                              </p:par>
+                              <p:par>
+                                <p:cTn id="71" presetID="0" presetClass="path" presetSubtype="0" accel="50000" decel="50000" fill="hold" nodeType="withEffect">
+                                  <p:stCondLst>
+                                    <p:cond delay="0"/>
+                                  </p:stCondLst>
+                                  <p:childTnLst>
+                                    <p:animMotion origin="layout" path="M 0 0 C 0 0 -0.07222 -0.00185 -0.14444 -0.00371 " pathEditMode="relative" ptsTypes="aA">
+                                      <p:cBhvr>
+                                        <p:cTn id="72" dur="2000" fill="hold"/>
+                                        <p:tgtEl>
+                                          <p:spTgt spid="53"/>
+                                        </p:tgtEl>
+                                        <p:attrNameLst>
+                                          <p:attrName>ppt_x</p:attrName>
+                                          <p:attrName>ppt_y</p:attrName>
+                                        </p:attrNameLst>
+                                      </p:cBhvr>
+                                    </p:animMotion>
+                                  </p:childTnLst>
+                                </p:cTn>
+                              </p:par>
+                              <p:par>
+                                <p:cTn id="73" presetID="0" presetClass="path" presetSubtype="0" accel="50000" decel="50000" fill="hold" grpId="1" nodeType="withEffect">
+                                  <p:stCondLst>
+                                    <p:cond delay="0"/>
+                                  </p:stCondLst>
+                                  <p:childTnLst>
+                                    <p:animMotion origin="layout" path="M 0 0 C 0 0 -0.07222 -0.00185 -0.14444 -0.00371 " pathEditMode="relative" ptsTypes="aA">
+                                      <p:cBhvr>
+                                        <p:cTn id="74" dur="2000" fill="hold"/>
+                                        <p:tgtEl>
+                                          <p:spTgt spid="54"/>
+                                        </p:tgtEl>
+                                        <p:attrNameLst>
+                                          <p:attrName>ppt_x</p:attrName>
+                                          <p:attrName>ppt_y</p:attrName>
+                                        </p:attrNameLst>
+                                      </p:cBhvr>
+                                    </p:animMotion>
+                                  </p:childTnLst>
+                                </p:cTn>
+                              </p:par>
+                              <p:par>
+                                <p:cTn id="75" presetID="0" presetClass="path" presetSubtype="0" accel="50000" decel="50000" fill="hold" grpId="2" nodeType="withEffect">
+                                  <p:stCondLst>
+                                    <p:cond delay="0"/>
+                                  </p:stCondLst>
+                                  <p:childTnLst>
+                                    <p:animMotion origin="layout" path="M 0 0 C 0 0 -0.07222 -0.00185 -0.14444 -0.00371 " pathEditMode="relative" ptsTypes="aA">
+                                      <p:cBhvr>
+                                        <p:cTn id="76" dur="2000" fill="hold"/>
+                                        <p:tgtEl>
+                                          <p:spTgt spid="23"/>
+                                        </p:tgtEl>
+                                        <p:attrNameLst>
+                                          <p:attrName>ppt_x</p:attrName>
+                                          <p:attrName>ppt_y</p:attrName>
+                                        </p:attrNameLst>
+                                      </p:cBhvr>
+                                    </p:animMotion>
+                                  </p:childTnLst>
+                                </p:cTn>
+                              </p:par>
+                              <p:par>
+                                <p:cTn id="77" presetID="0" presetClass="path" presetSubtype="0" accel="50000" decel="50000" fill="hold" grpId="1" nodeType="withEffect">
+                                  <p:stCondLst>
+                                    <p:cond delay="0"/>
+                                  </p:stCondLst>
+                                  <p:childTnLst>
+                                    <p:animMotion origin="layout" path="M 0 0 C 0 0 -0.07222 -0.00185 -0.14444 -0.00371 " pathEditMode="relative" ptsTypes="aA">
+                                      <p:cBhvr>
+                                        <p:cTn id="78" dur="2000" fill="hold"/>
+                                        <p:tgtEl>
+                                          <p:spTgt spid="25"/>
+                                        </p:tgtEl>
+                                        <p:attrNameLst>
+                                          <p:attrName>ppt_x</p:attrName>
+                                          <p:attrName>ppt_y</p:attrName>
+                                        </p:attrNameLst>
+                                      </p:cBhvr>
+                                    </p:animMotion>
+                                  </p:childTnLst>
+                                </p:cTn>
+                              </p:par>
+                            </p:childTnLst>
+                          </p:cTn>
+                        </p:par>
+                      </p:childTnLst>
+                    </p:cTn>
+                  </p:par>
+                  <p:par>
+                    <p:cTn id="79" fill="hold">
+                      <p:stCondLst>
+                        <p:cond delay="indefinite"/>
+                      </p:stCondLst>
+                      <p:childTnLst>
+                        <p:par>
+                          <p:cTn id="80" fill="hold">
+                            <p:stCondLst>
+                              <p:cond delay="0"/>
+                            </p:stCondLst>
+                            <p:childTnLst>
+                              <p:par>
+                                <p:cTn id="81" presetID="49" presetClass="entr" presetSubtype="0" decel="100000" fill="hold" grpId="0" nodeType="clickEffect">
+                                  <p:stCondLst>
+                                    <p:cond delay="0"/>
+                                  </p:stCondLst>
+                                  <p:childTnLst>
+                                    <p:set>
+                                      <p:cBhvr>
+                                        <p:cTn id="82" dur="1" fill="hold">
+                                          <p:stCondLst>
+                                            <p:cond delay="0"/>
+                                          </p:stCondLst>
+                                        </p:cTn>
+                                        <p:tgtEl>
+                                          <p:spTgt spid="27"/>
+                                        </p:tgtEl>
+                                        <p:attrNameLst>
+                                          <p:attrName>style.visibility</p:attrName>
+                                        </p:attrNameLst>
+                                      </p:cBhvr>
+                                      <p:to>
+                                        <p:strVal val="visible"/>
+                                      </p:to>
+                                    </p:set>
+                                    <p:anim calcmode="lin" valueType="num">
+                                      <p:cBhvr>
+                                        <p:cTn id="83" dur="500" fill="hold"/>
+                                        <p:tgtEl>
+                                          <p:spTgt spid="27"/>
+                                        </p:tgtEl>
+                                        <p:attrNameLst>
+                                          <p:attrName>ppt_w</p:attrName>
+                                        </p:attrNameLst>
+                                      </p:cBhvr>
+                                      <p:tavLst>
+                                        <p:tav tm="0">
+                                          <p:val>
+                                            <p:fltVal val="0"/>
+                                          </p:val>
+                                        </p:tav>
+                                        <p:tav tm="100000">
+                                          <p:val>
+                                            <p:strVal val="#ppt_w"/>
+                                          </p:val>
+                                        </p:tav>
+                                      </p:tavLst>
+                                    </p:anim>
+                                    <p:anim calcmode="lin" valueType="num">
+                                      <p:cBhvr>
+                                        <p:cTn id="84" dur="500" fill="hold"/>
+                                        <p:tgtEl>
+                                          <p:spTgt spid="27"/>
+                                        </p:tgtEl>
+                                        <p:attrNameLst>
+                                          <p:attrName>ppt_h</p:attrName>
+                                        </p:attrNameLst>
+                                      </p:cBhvr>
+                                      <p:tavLst>
+                                        <p:tav tm="0">
+                                          <p:val>
+                                            <p:fltVal val="0"/>
+                                          </p:val>
+                                        </p:tav>
+                                        <p:tav tm="100000">
+                                          <p:val>
+                                            <p:strVal val="#ppt_h"/>
+                                          </p:val>
+                                        </p:tav>
+                                      </p:tavLst>
+                                    </p:anim>
+                                    <p:anim calcmode="lin" valueType="num">
+                                      <p:cBhvr>
+                                        <p:cTn id="85" dur="500" fill="hold"/>
+                                        <p:tgtEl>
+                                          <p:spTgt spid="27"/>
+                                        </p:tgtEl>
+                                        <p:attrNameLst>
+                                          <p:attrName>style.rotation</p:attrName>
+                                        </p:attrNameLst>
+                                      </p:cBhvr>
+                                      <p:tavLst>
+                                        <p:tav tm="0">
+                                          <p:val>
+                                            <p:fltVal val="360"/>
+                                          </p:val>
+                                        </p:tav>
+                                        <p:tav tm="100000">
+                                          <p:val>
+                                            <p:fltVal val="0"/>
+                                          </p:val>
+                                        </p:tav>
+                                      </p:tavLst>
+                                    </p:anim>
+                                    <p:animEffect transition="in" filter="fade">
+                                      <p:cBhvr>
+                                        <p:cTn id="86" dur="500"/>
+                                        <p:tgtEl>
+                                          <p:spTgt spid="27"/>
+                                        </p:tgtEl>
+                                      </p:cBhvr>
+                                    </p:animEffect>
+                                  </p:childTnLst>
+                                </p:cTn>
+                              </p:par>
+                            </p:childTnLst>
+                          </p:cTn>
+                        </p:par>
+                      </p:childTnLst>
+                    </p:cTn>
+                  </p:par>
+                </p:childTnLst>
+              </p:cTn>
+              <p:prevCondLst>
+                <p:cond evt="onPrev" delay="0">
+                  <p:tgtEl>
+                    <p:sldTgt/>
+                  </p:tgtEl>
+                </p:cond>
+              </p:prevCondLst>
+              <p:nextCondLst>
+                <p:cond evt="onNext" delay="0">
+                  <p:tgtEl>
+                    <p:sldTgt/>
+                  </p:tgtEl>
+                </p:cond>
+              </p:nextCondLst>
+            </p:seq>
+          </p:childTnLst>
+        </p:cTn>
       </p:par>
     </p:tnLst>
+    <p:bldLst>
+      <p:bldP spid="54" grpId="0"/>
+      <p:bldP spid="54" grpId="1"/>
+      <p:bldP spid="23" grpId="0"/>
+      <p:bldP spid="23" grpId="1"/>
+      <p:bldP spid="23" grpId="2"/>
+      <p:bldP spid="47" grpId="0"/>
+      <p:bldP spid="47" grpId="1"/>
+      <p:bldP spid="21" grpId="0"/>
+      <p:bldP spid="21" grpId="1"/>
+      <p:bldP spid="21" grpId="2"/>
+      <p:bldP spid="25" grpId="0"/>
+      <p:bldP spid="25" grpId="1"/>
+      <p:bldP spid="26" grpId="0"/>
+      <p:bldP spid="26" grpId="1"/>
+      <p:bldP spid="27" grpId="0"/>
+    </p:bldLst>
   </p:timing>
 </p:sld>
 </file>
@@ -5596,6 +7398,506 @@
       </p:grpSpPr>
       <p:sp>
         <p:nvSpPr>
+          <p:cNvPr id="3" name="2 Marcador de contenido"/>
+          <p:cNvSpPr>
+            <a:spLocks noGrp="1"/>
+          </p:cNvSpPr>
+          <p:nvPr>
+            <p:ph idx="1"/>
+          </p:nvPr>
+        </p:nvSpPr>
+        <p:spPr/>
+        <p:txBody>
+          <a:bodyPr/>
+          <a:lstStyle/>
+          <a:p>
+            <a:r>
+              <a:rPr lang="es-ES" dirty="0" smtClean="0"/>
+              <a:t>Despliegue: Peer-</a:t>
+            </a:r>
+            <a:r>
+              <a:rPr lang="es-ES" dirty="0" err="1" smtClean="0"/>
+              <a:t>To</a:t>
+            </a:r>
+            <a:r>
+              <a:rPr lang="es-ES" dirty="0" smtClean="0"/>
+              <a:t>-Peer o Cliente-Servidor.</a:t>
+            </a:r>
+            <a:endParaRPr lang="es-ES" dirty="0"/>
+          </a:p>
+        </p:txBody>
+      </p:sp>
+      <p:sp>
+        <p:nvSpPr>
+          <p:cNvPr id="2" name="1 Título"/>
+          <p:cNvSpPr>
+            <a:spLocks noGrp="1"/>
+          </p:cNvSpPr>
+          <p:nvPr>
+            <p:ph type="title"/>
+          </p:nvPr>
+        </p:nvSpPr>
+        <p:spPr/>
+        <p:txBody>
+          <a:bodyPr/>
+          <a:lstStyle/>
+          <a:p>
+            <a:r>
+              <a:rPr lang="es-ES" smtClean="0"/>
+              <a:t>Arquitectura de la solución</a:t>
+            </a:r>
+            <a:endParaRPr lang="es-ES"/>
+          </a:p>
+        </p:txBody>
+      </p:sp>
+      <p:grpSp>
+        <p:nvGrpSpPr>
+          <p:cNvPr id="4" name="Group 25"/>
+          <p:cNvGrpSpPr/>
+          <p:nvPr/>
+        </p:nvGrpSpPr>
+        <p:grpSpPr>
+          <a:xfrm>
+            <a:off x="1357290" y="4786322"/>
+            <a:ext cx="1643074" cy="672859"/>
+            <a:chOff x="642910" y="4813492"/>
+            <a:chExt cx="2096788" cy="858661"/>
+          </a:xfrm>
+        </p:grpSpPr>
+        <p:pic>
+          <p:nvPicPr>
+            <p:cNvPr id="5" name="Picture 4" descr="user_icon.png"/>
+            <p:cNvPicPr>
+              <a:picLocks noChangeAspect="1"/>
+            </p:cNvPicPr>
+            <p:nvPr/>
+          </p:nvPicPr>
+          <p:blipFill>
+            <a:blip r:embed="rId3" cstate="print"/>
+            <a:stretch>
+              <a:fillRect/>
+            </a:stretch>
+          </p:blipFill>
+          <p:spPr>
+            <a:xfrm>
+              <a:off x="642910" y="4857760"/>
+              <a:ext cx="857256" cy="814393"/>
+            </a:xfrm>
+            <a:prstGeom prst="rect">
+              <a:avLst/>
+            </a:prstGeom>
+          </p:spPr>
+        </p:pic>
+        <p:pic>
+          <p:nvPicPr>
+            <p:cNvPr id="6" name="Picture 5" descr="laptop.png"/>
+            <p:cNvPicPr>
+              <a:picLocks noChangeAspect="1"/>
+            </p:cNvPicPr>
+            <p:nvPr/>
+          </p:nvPicPr>
+          <p:blipFill>
+            <a:blip r:embed="rId4"/>
+            <a:srcRect t="12062" b="15563"/>
+            <a:stretch>
+              <a:fillRect/>
+            </a:stretch>
+          </p:blipFill>
+          <p:spPr>
+            <a:xfrm>
+              <a:off x="1555232" y="4813492"/>
+              <a:ext cx="1184466" cy="857256"/>
+            </a:xfrm>
+            <a:prstGeom prst="rect">
+              <a:avLst/>
+            </a:prstGeom>
+          </p:spPr>
+        </p:pic>
+      </p:grpSp>
+      <p:grpSp>
+        <p:nvGrpSpPr>
+          <p:cNvPr id="16" name="Group 25"/>
+          <p:cNvGrpSpPr/>
+          <p:nvPr/>
+        </p:nvGrpSpPr>
+        <p:grpSpPr>
+          <a:xfrm>
+            <a:off x="1349352" y="2813048"/>
+            <a:ext cx="1643074" cy="672859"/>
+            <a:chOff x="642910" y="4813492"/>
+            <a:chExt cx="2096788" cy="858661"/>
+          </a:xfrm>
+        </p:grpSpPr>
+        <p:pic>
+          <p:nvPicPr>
+            <p:cNvPr id="17" name="Picture 16" descr="user_icon.png"/>
+            <p:cNvPicPr>
+              <a:picLocks noChangeAspect="1"/>
+            </p:cNvPicPr>
+            <p:nvPr/>
+          </p:nvPicPr>
+          <p:blipFill>
+            <a:blip r:embed="rId3" cstate="print"/>
+            <a:stretch>
+              <a:fillRect/>
+            </a:stretch>
+          </p:blipFill>
+          <p:spPr>
+            <a:xfrm>
+              <a:off x="642910" y="4857760"/>
+              <a:ext cx="857256" cy="814393"/>
+            </a:xfrm>
+            <a:prstGeom prst="rect">
+              <a:avLst/>
+            </a:prstGeom>
+          </p:spPr>
+        </p:pic>
+        <p:pic>
+          <p:nvPicPr>
+            <p:cNvPr id="18" name="Picture 17" descr="laptop.png"/>
+            <p:cNvPicPr>
+              <a:picLocks noChangeAspect="1"/>
+            </p:cNvPicPr>
+            <p:nvPr/>
+          </p:nvPicPr>
+          <p:blipFill>
+            <a:blip r:embed="rId4"/>
+            <a:srcRect t="12062" b="15563"/>
+            <a:stretch>
+              <a:fillRect/>
+            </a:stretch>
+          </p:blipFill>
+          <p:spPr>
+            <a:xfrm>
+              <a:off x="1555232" y="4813492"/>
+              <a:ext cx="1184466" cy="857256"/>
+            </a:xfrm>
+            <a:prstGeom prst="rect">
+              <a:avLst/>
+            </a:prstGeom>
+          </p:spPr>
+        </p:pic>
+      </p:grpSp>
+      <p:pic>
+        <p:nvPicPr>
+          <p:cNvPr id="19" name="Picture 18" descr="server.png"/>
+          <p:cNvPicPr>
+            <a:picLocks noChangeAspect="1"/>
+          </p:cNvPicPr>
+          <p:nvPr/>
+        </p:nvPicPr>
+        <p:blipFill>
+          <a:blip r:embed="rId5"/>
+          <a:stretch>
+            <a:fillRect/>
+          </a:stretch>
+        </p:blipFill>
+        <p:spPr>
+          <a:xfrm>
+            <a:off x="6072198" y="2505068"/>
+            <a:ext cx="1290638" cy="1290638"/>
+          </a:xfrm>
+          <a:prstGeom prst="rect">
+            <a:avLst/>
+          </a:prstGeom>
+        </p:spPr>
+      </p:pic>
+      <p:grpSp>
+        <p:nvGrpSpPr>
+          <p:cNvPr id="20" name="Group 25"/>
+          <p:cNvGrpSpPr/>
+          <p:nvPr/>
+        </p:nvGrpSpPr>
+        <p:grpSpPr>
+          <a:xfrm>
+            <a:off x="4808538" y="4786322"/>
+            <a:ext cx="1643074" cy="672859"/>
+            <a:chOff x="642910" y="4813492"/>
+            <a:chExt cx="2096788" cy="858661"/>
+          </a:xfrm>
+        </p:grpSpPr>
+        <p:pic>
+          <p:nvPicPr>
+            <p:cNvPr id="21" name="Picture 20" descr="user_icon.png"/>
+            <p:cNvPicPr>
+              <a:picLocks noChangeAspect="1"/>
+            </p:cNvPicPr>
+            <p:nvPr/>
+          </p:nvPicPr>
+          <p:blipFill>
+            <a:blip r:embed="rId3" cstate="print"/>
+            <a:stretch>
+              <a:fillRect/>
+            </a:stretch>
+          </p:blipFill>
+          <p:spPr>
+            <a:xfrm>
+              <a:off x="642910" y="4857760"/>
+              <a:ext cx="857256" cy="814393"/>
+            </a:xfrm>
+            <a:prstGeom prst="rect">
+              <a:avLst/>
+            </a:prstGeom>
+          </p:spPr>
+        </p:pic>
+        <p:pic>
+          <p:nvPicPr>
+            <p:cNvPr id="22" name="Picture 21" descr="laptop.png"/>
+            <p:cNvPicPr>
+              <a:picLocks noChangeAspect="1"/>
+            </p:cNvPicPr>
+            <p:nvPr/>
+          </p:nvPicPr>
+          <p:blipFill>
+            <a:blip r:embed="rId4"/>
+            <a:srcRect t="12062" b="15563"/>
+            <a:stretch>
+              <a:fillRect/>
+            </a:stretch>
+          </p:blipFill>
+          <p:spPr>
+            <a:xfrm>
+              <a:off x="1555232" y="4813492"/>
+              <a:ext cx="1184466" cy="857256"/>
+            </a:xfrm>
+            <a:prstGeom prst="rect">
+              <a:avLst/>
+            </a:prstGeom>
+          </p:spPr>
+        </p:pic>
+      </p:grpSp>
+      <p:grpSp>
+        <p:nvGrpSpPr>
+          <p:cNvPr id="23" name="Group 25"/>
+          <p:cNvGrpSpPr/>
+          <p:nvPr/>
+        </p:nvGrpSpPr>
+        <p:grpSpPr>
+          <a:xfrm>
+            <a:off x="6796102" y="4778384"/>
+            <a:ext cx="1643074" cy="672859"/>
+            <a:chOff x="642910" y="4813492"/>
+            <a:chExt cx="2096788" cy="858661"/>
+          </a:xfrm>
+        </p:grpSpPr>
+        <p:pic>
+          <p:nvPicPr>
+            <p:cNvPr id="24" name="Picture 23" descr="user_icon.png"/>
+            <p:cNvPicPr>
+              <a:picLocks noChangeAspect="1"/>
+            </p:cNvPicPr>
+            <p:nvPr/>
+          </p:nvPicPr>
+          <p:blipFill>
+            <a:blip r:embed="rId3" cstate="print"/>
+            <a:stretch>
+              <a:fillRect/>
+            </a:stretch>
+          </p:blipFill>
+          <p:spPr>
+            <a:xfrm>
+              <a:off x="642910" y="4857760"/>
+              <a:ext cx="857256" cy="814393"/>
+            </a:xfrm>
+            <a:prstGeom prst="rect">
+              <a:avLst/>
+            </a:prstGeom>
+          </p:spPr>
+        </p:pic>
+        <p:pic>
+          <p:nvPicPr>
+            <p:cNvPr id="25" name="Picture 24" descr="laptop.png"/>
+            <p:cNvPicPr>
+              <a:picLocks noChangeAspect="1"/>
+            </p:cNvPicPr>
+            <p:nvPr/>
+          </p:nvPicPr>
+          <p:blipFill>
+            <a:blip r:embed="rId4"/>
+            <a:srcRect t="12062" b="15563"/>
+            <a:stretch>
+              <a:fillRect/>
+            </a:stretch>
+          </p:blipFill>
+          <p:spPr>
+            <a:xfrm>
+              <a:off x="1555232" y="4813492"/>
+              <a:ext cx="1184466" cy="857256"/>
+            </a:xfrm>
+            <a:prstGeom prst="rect">
+              <a:avLst/>
+            </a:prstGeom>
+          </p:spPr>
+        </p:pic>
+      </p:grpSp>
+      <p:cxnSp>
+        <p:nvCxnSpPr>
+          <p:cNvPr id="27" name="Straight Arrow Connector 26"/>
+          <p:cNvCxnSpPr>
+            <a:stCxn id="6" idx="0"/>
+            <a:endCxn id="18" idx="2"/>
+          </p:cNvCxnSpPr>
+          <p:nvPr/>
+        </p:nvCxnSpPr>
+        <p:spPr>
+          <a:xfrm rot="16200000" flipV="1">
+            <a:off x="1881555" y="4131595"/>
+            <a:ext cx="1301516" cy="7938"/>
+          </a:xfrm>
+          <a:prstGeom prst="straightConnector1">
+            <a:avLst/>
+          </a:prstGeom>
+          <a:ln>
+            <a:headEnd type="arrow"/>
+            <a:tailEnd type="arrow"/>
+          </a:ln>
+        </p:spPr>
+        <p:style>
+          <a:lnRef idx="1">
+            <a:schemeClr val="accent1"/>
+          </a:lnRef>
+          <a:fillRef idx="0">
+            <a:schemeClr val="accent1"/>
+          </a:fillRef>
+          <a:effectRef idx="0">
+            <a:schemeClr val="accent1"/>
+          </a:effectRef>
+          <a:fontRef idx="minor">
+            <a:schemeClr val="tx1"/>
+          </a:fontRef>
+        </p:style>
+      </p:cxnSp>
+      <p:cxnSp>
+        <p:nvCxnSpPr>
+          <p:cNvPr id="33" name="Straight Arrow Connector 32"/>
+          <p:cNvCxnSpPr>
+            <a:endCxn id="19" idx="2"/>
+          </p:cNvCxnSpPr>
+          <p:nvPr/>
+        </p:nvCxnSpPr>
+        <p:spPr>
+          <a:xfrm rot="5400000" flipH="1" flipV="1">
+            <a:off x="5857215" y="3926021"/>
+            <a:ext cx="990616" cy="729987"/>
+          </a:xfrm>
+          <a:prstGeom prst="straightConnector1">
+            <a:avLst/>
+          </a:prstGeom>
+          <a:ln>
+            <a:headEnd type="arrow"/>
+            <a:tailEnd type="arrow"/>
+          </a:ln>
+        </p:spPr>
+        <p:style>
+          <a:lnRef idx="1">
+            <a:schemeClr val="accent1"/>
+          </a:lnRef>
+          <a:fillRef idx="0">
+            <a:schemeClr val="accent1"/>
+          </a:fillRef>
+          <a:effectRef idx="0">
+            <a:schemeClr val="accent1"/>
+          </a:effectRef>
+          <a:fontRef idx="minor">
+            <a:schemeClr val="tx1"/>
+          </a:fontRef>
+        </p:style>
+      </p:cxnSp>
+      <p:cxnSp>
+        <p:nvCxnSpPr>
+          <p:cNvPr id="35" name="Straight Arrow Connector 34"/>
+          <p:cNvCxnSpPr>
+            <a:endCxn id="19" idx="2"/>
+          </p:cNvCxnSpPr>
+          <p:nvPr/>
+        </p:nvCxnSpPr>
+        <p:spPr>
+          <a:xfrm rot="16200000" flipV="1">
+            <a:off x="6854967" y="3658256"/>
+            <a:ext cx="982678" cy="1257577"/>
+          </a:xfrm>
+          <a:prstGeom prst="straightConnector1">
+            <a:avLst/>
+          </a:prstGeom>
+          <a:ln>
+            <a:headEnd type="arrow"/>
+            <a:tailEnd type="arrow"/>
+          </a:ln>
+        </p:spPr>
+        <p:style>
+          <a:lnRef idx="1">
+            <a:schemeClr val="accent1"/>
+          </a:lnRef>
+          <a:fillRef idx="0">
+            <a:schemeClr val="accent1"/>
+          </a:fillRef>
+          <a:effectRef idx="0">
+            <a:schemeClr val="accent1"/>
+          </a:effectRef>
+          <a:fontRef idx="minor">
+            <a:schemeClr val="tx1"/>
+          </a:fontRef>
+        </p:style>
+      </p:cxnSp>
+      <p:pic>
+        <p:nvPicPr>
+          <p:cNvPr id="38" name="Picture 37" descr="arch.gif"/>
+          <p:cNvPicPr>
+            <a:picLocks noChangeAspect="1"/>
+          </p:cNvPicPr>
+          <p:nvPr/>
+        </p:nvPicPr>
+        <p:blipFill>
+          <a:blip r:embed="rId6"/>
+          <a:srcRect r="56640"/>
+          <a:stretch>
+            <a:fillRect/>
+          </a:stretch>
+        </p:blipFill>
+        <p:spPr>
+          <a:xfrm>
+            <a:off x="8234276" y="252390"/>
+            <a:ext cx="766880" cy="900115"/>
+          </a:xfrm>
+          <a:prstGeom prst="rect">
+            <a:avLst/>
+          </a:prstGeom>
+        </p:spPr>
+      </p:pic>
+    </p:spTree>
+  </p:cSld>
+  <p:clrMapOvr>
+    <a:masterClrMapping/>
+  </p:clrMapOvr>
+  <p:timing>
+    <p:tnLst>
+      <p:par>
+        <p:cTn id="1" dur="indefinite" restart="never" nodeType="tmRoot"/>
+      </p:par>
+    </p:tnLst>
+  </p:timing>
+</p:sld>
+</file>
+
+<file path=ppt/slides/slide12.xml><?xml version="1.0" encoding="utf-8"?>
+<p:sld xmlns:a="http://schemas.openxmlformats.org/drawingml/2006/main" xmlns:r="http://schemas.openxmlformats.org/officeDocument/2006/relationships" xmlns:p="http://schemas.openxmlformats.org/presentationml/2006/main">
+  <p:cSld>
+    <p:spTree>
+      <p:nvGrpSpPr>
+        <p:cNvPr id="1" name=""/>
+        <p:cNvGrpSpPr/>
+        <p:nvPr/>
+      </p:nvGrpSpPr>
+      <p:grpSpPr>
+        <a:xfrm>
+          <a:off x="0" y="0"/>
+          <a:ext cx="0" cy="0"/>
+          <a:chOff x="0" y="0"/>
+          <a:chExt cx="0" cy="0"/>
+        </a:xfrm>
+      </p:grpSpPr>
+      <p:sp>
+        <p:nvSpPr>
           <p:cNvPr id="5" name="Content Placeholder 4"/>
           <p:cNvSpPr>
             <a:spLocks noGrp="1"/>
@@ -5634,32 +7936,59 @@
             </a:r>
             <a:r>
               <a:rPr lang="en-US" dirty="0" smtClean="0"/>
-              <a:t> + Java</a:t>
-            </a:r>
-          </a:p>
-          <a:p>
+              <a:t> + </a:t>
+            </a:r>
             <a:r>
               <a:rPr lang="en-US" dirty="0" smtClean="0"/>
-              <a:t>Maven</a:t>
-            </a:r>
+              <a:t>Java.</a:t>
+            </a:r>
+          </a:p>
+          <a:p>
+            <a:r>
+              <a:rPr lang="en-US" dirty="0" smtClean="0"/>
+              <a:t>Eclipse IDE</a:t>
+            </a:r>
+            <a:r>
+              <a:rPr lang="en-US" dirty="0" smtClean="0"/>
+              <a:t>.</a:t>
+            </a:r>
+          </a:p>
+          <a:p>
+            <a:r>
+              <a:rPr lang="en-US" dirty="0" err="1" smtClean="0"/>
+              <a:t>IntelliJ</a:t>
+            </a:r>
+            <a:r>
+              <a:rPr lang="en-US" dirty="0" smtClean="0"/>
+              <a:t> IDEA.</a:t>
+            </a:r>
+            <a:endParaRPr lang="en-US" dirty="0" smtClean="0"/>
+          </a:p>
+          <a:p>
+            <a:r>
+              <a:rPr lang="en-US" dirty="0" smtClean="0"/>
+              <a:t>Maven.</a:t>
+            </a:r>
+            <a:endParaRPr lang="en-US" dirty="0" smtClean="0"/>
+          </a:p>
+          <a:p>
+            <a:r>
+              <a:rPr lang="en-US" dirty="0" smtClean="0"/>
+              <a:t>GIT.</a:t>
+            </a:r>
+            <a:endParaRPr lang="en-US" dirty="0" smtClean="0"/>
           </a:p>
           <a:p>
             <a:r>
               <a:rPr lang="en-US" dirty="0" smtClean="0"/>
               <a:t>Spring</a:t>
             </a:r>
-          </a:p>
-          <a:p>
             <a:r>
               <a:rPr lang="en-US" dirty="0" smtClean="0"/>
-              <a:t>GIT</a:t>
-            </a:r>
-          </a:p>
-          <a:p>
-            <a:r>
-              <a:rPr lang="en-US" dirty="0" smtClean="0"/>
-              <a:t>Eclipse IDE</a:t>
-            </a:r>
+              <a:t>.</a:t>
+            </a:r>
+          </a:p>
+          <a:p>
             <a:endParaRPr lang="es-AR" dirty="0"/>
           </a:p>
         </p:txBody>
@@ -5729,7 +8058,7 @@
         </p:blipFill>
         <p:spPr>
           <a:xfrm>
-            <a:off x="7072330" y="1285860"/>
+            <a:off x="7000892" y="1571612"/>
             <a:ext cx="1190624" cy="1190624"/>
           </a:xfrm>
           <a:prstGeom prst="rect">
@@ -5834,128 +8163,54 @@
           </a:prstGeom>
         </p:spPr>
       </p:pic>
-    </p:spTree>
-  </p:cSld>
-  <p:clrMapOvr>
-    <a:masterClrMapping/>
-  </p:clrMapOvr>
-  <p:timing>
-    <p:tnLst>
-      <p:par>
-        <p:cTn id="1" dur="indefinite" restart="never" nodeType="tmRoot"/>
-      </p:par>
-    </p:tnLst>
-  </p:timing>
-</p:sld>
-</file>
-
-<file path=ppt/slides/slide12.xml><?xml version="1.0" encoding="utf-8"?>
-<p:sld xmlns:a="http://schemas.openxmlformats.org/drawingml/2006/main" xmlns:r="http://schemas.openxmlformats.org/officeDocument/2006/relationships" xmlns:p="http://schemas.openxmlformats.org/presentationml/2006/main">
-  <p:cSld>
-    <p:spTree>
-      <p:nvGrpSpPr>
-        <p:cNvPr id="1" name=""/>
-        <p:cNvGrpSpPr/>
-        <p:nvPr/>
-      </p:nvGrpSpPr>
-      <p:grpSpPr>
-        <a:xfrm>
-          <a:off x="0" y="0"/>
-          <a:ext cx="0" cy="0"/>
-          <a:chOff x="0" y="0"/>
-          <a:chExt cx="0" cy="0"/>
-        </a:xfrm>
-      </p:grpSpPr>
-      <p:sp>
-        <p:nvSpPr>
-          <p:cNvPr id="3" name="2 Marcador de contenido"/>
-          <p:cNvSpPr>
-            <a:spLocks noGrp="1"/>
-          </p:cNvSpPr>
-          <p:nvPr>
-            <p:ph idx="1"/>
-          </p:nvPr>
-        </p:nvSpPr>
-        <p:spPr/>
-        <p:txBody>
-          <a:bodyPr/>
-          <a:lstStyle/>
-          <a:p>
-            <a:r>
-              <a:rPr lang="es-ES" smtClean="0"/>
-              <a:t>Explicación de los módulos que la componen</a:t>
-            </a:r>
-          </a:p>
-          <a:p>
-            <a:r>
-              <a:rPr lang="es-ES" smtClean="0"/>
-              <a:t>Mostrar  caso  cliente servidor  peer 2peer </a:t>
-            </a:r>
-          </a:p>
-          <a:p>
-            <a:r>
-              <a:rPr lang="es-ES" smtClean="0"/>
-              <a:t>Diagramas de ambos y pequeña explicación sobre cada uno de los módulos (</a:t>
-            </a:r>
-            <a:r>
-              <a:rPr lang="es-ES" err="1" smtClean="0"/>
-              <a:t>kernel</a:t>
-            </a:r>
-            <a:r>
-              <a:rPr lang="es-ES" smtClean="0"/>
-              <a:t>, </a:t>
-            </a:r>
-            <a:r>
-              <a:rPr lang="es-ES" err="1" smtClean="0"/>
-              <a:t>client</a:t>
-            </a:r>
-            <a:r>
-              <a:rPr lang="es-ES" smtClean="0"/>
-              <a:t>, </a:t>
-            </a:r>
-            <a:r>
-              <a:rPr lang="es-ES" err="1" smtClean="0"/>
-              <a:t>common</a:t>
-            </a:r>
-            <a:r>
-              <a:rPr lang="es-ES" smtClean="0"/>
-              <a:t>, </a:t>
-            </a:r>
-            <a:r>
-              <a:rPr lang="es-ES" err="1" smtClean="0"/>
-              <a:t>etc</a:t>
-            </a:r>
-            <a:r>
-              <a:rPr lang="es-ES" smtClean="0"/>
-              <a:t>)</a:t>
-            </a:r>
-            <a:endParaRPr lang="es-ES"/>
-          </a:p>
-        </p:txBody>
-      </p:sp>
-      <p:sp>
-        <p:nvSpPr>
-          <p:cNvPr id="2" name="1 Título"/>
-          <p:cNvSpPr>
-            <a:spLocks noGrp="1"/>
-          </p:cNvSpPr>
-          <p:nvPr>
-            <p:ph type="title"/>
-          </p:nvPr>
-        </p:nvSpPr>
-        <p:spPr/>
-        <p:txBody>
-          <a:bodyPr/>
-          <a:lstStyle/>
-          <a:p>
-            <a:r>
-              <a:rPr lang="es-ES" smtClean="0"/>
-              <a:t>Arquitectura de la solución</a:t>
-            </a:r>
-            <a:endParaRPr lang="es-ES"/>
-          </a:p>
-        </p:txBody>
-      </p:sp>
+      <p:pic>
+        <p:nvPicPr>
+          <p:cNvPr id="12" name="Picture 11" descr="idea.png"/>
+          <p:cNvPicPr>
+            <a:picLocks noChangeAspect="1"/>
+          </p:cNvPicPr>
+          <p:nvPr/>
+        </p:nvPicPr>
+        <p:blipFill>
+          <a:blip r:embed="rId8"/>
+          <a:stretch>
+            <a:fillRect/>
+          </a:stretch>
+        </p:blipFill>
+        <p:spPr>
+          <a:xfrm>
+            <a:off x="4286248" y="3071810"/>
+            <a:ext cx="762002" cy="762002"/>
+          </a:xfrm>
+          <a:prstGeom prst="rect">
+            <a:avLst/>
+          </a:prstGeom>
+        </p:spPr>
+      </p:pic>
+      <p:pic>
+        <p:nvPicPr>
+          <p:cNvPr id="13" name="Picture 12" descr="hammer.png"/>
+          <p:cNvPicPr>
+            <a:picLocks noChangeAspect="1"/>
+          </p:cNvPicPr>
+          <p:nvPr/>
+        </p:nvPicPr>
+        <p:blipFill>
+          <a:blip r:embed="rId9"/>
+          <a:stretch>
+            <a:fillRect/>
+          </a:stretch>
+        </p:blipFill>
+        <p:spPr>
+          <a:xfrm>
+            <a:off x="7891486" y="214290"/>
+            <a:ext cx="1000108" cy="1000108"/>
+          </a:xfrm>
+          <a:prstGeom prst="rect">
+            <a:avLst/>
+          </a:prstGeom>
+        </p:spPr>
+      </p:pic>
     </p:spTree>
   </p:cSld>
   <p:clrMapOvr>
@@ -6004,16 +8259,97 @@
           <a:lstStyle/>
           <a:p>
             <a:r>
-              <a:rPr lang="es-ES" smtClean="0"/>
-              <a:t>Hablar  algo sobre que la comunicación entre los módulos es asincrónica y se utilizan actores para esto.</a:t>
-            </a:r>
-          </a:p>
-          <a:p>
-            <a:r>
-              <a:rPr lang="es-ES" smtClean="0"/>
-              <a:t>Ventajas de utilizar actores, como simplifica las cosas.</a:t>
-            </a:r>
-            <a:endParaRPr lang="es-ES"/>
+              <a:rPr lang="es-ES" dirty="0" smtClean="0"/>
+              <a:t>Modelo </a:t>
+            </a:r>
+            <a:r>
+              <a:rPr lang="es-ES" dirty="0" smtClean="0"/>
+              <a:t>basado </a:t>
+            </a:r>
+            <a:r>
+              <a:rPr lang="es-ES" dirty="0" smtClean="0"/>
+              <a:t>Actores: reduce la complejidad en el desarrollo de aplicaciones concurrentes.</a:t>
+            </a:r>
+          </a:p>
+          <a:p>
+            <a:r>
+              <a:rPr lang="es-ES" dirty="0" smtClean="0"/>
+              <a:t>Interoperabilidad con Java: </a:t>
+            </a:r>
+            <a:r>
+              <a:rPr lang="es-ES" dirty="0" err="1" smtClean="0"/>
+              <a:t>Scala</a:t>
+            </a:r>
+            <a:r>
+              <a:rPr lang="es-ES" dirty="0" smtClean="0"/>
+              <a:t> puede hacer uso bibliotecas de Java y viceversa.</a:t>
+            </a:r>
+          </a:p>
+          <a:p>
+            <a:r>
+              <a:rPr lang="es-ES" dirty="0" smtClean="0"/>
+              <a:t>Construcciones útiles</a:t>
+            </a:r>
+            <a:r>
+              <a:rPr lang="es-ES" dirty="0" smtClean="0"/>
+              <a:t>:</a:t>
+            </a:r>
+          </a:p>
+          <a:p>
+            <a:pPr lvl="1"/>
+            <a:r>
+              <a:rPr lang="es-ES" dirty="0" err="1" smtClean="0"/>
+              <a:t>Pattern</a:t>
+            </a:r>
+            <a:r>
+              <a:rPr lang="es-ES" dirty="0" smtClean="0"/>
+              <a:t> </a:t>
+            </a:r>
+            <a:r>
+              <a:rPr lang="es-ES" dirty="0" err="1" smtClean="0"/>
+              <a:t>matching</a:t>
+            </a:r>
+            <a:r>
+              <a:rPr lang="es-ES" dirty="0" smtClean="0"/>
+              <a:t>.</a:t>
+            </a:r>
+          </a:p>
+          <a:p>
+            <a:pPr lvl="1"/>
+            <a:r>
+              <a:rPr lang="es-ES" dirty="0" smtClean="0"/>
+              <a:t>Colecciones inmutables.</a:t>
+            </a:r>
+          </a:p>
+          <a:p>
+            <a:pPr lvl="1"/>
+            <a:r>
+              <a:rPr lang="es-ES" dirty="0" smtClean="0"/>
+              <a:t>Funciones de orden superior (</a:t>
+            </a:r>
+            <a:r>
+              <a:rPr lang="es-ES" dirty="0" err="1" smtClean="0"/>
+              <a:t>high-order</a:t>
+            </a:r>
+            <a:r>
+              <a:rPr lang="es-ES" dirty="0" smtClean="0"/>
+              <a:t> </a:t>
+            </a:r>
+            <a:r>
+              <a:rPr lang="es-ES" dirty="0" err="1" smtClean="0"/>
+              <a:t>functions</a:t>
+            </a:r>
+            <a:r>
+              <a:rPr lang="es-ES" dirty="0" smtClean="0"/>
+              <a:t>).</a:t>
+            </a:r>
+          </a:p>
+          <a:p>
+            <a:pPr lvl="1"/>
+            <a:r>
+              <a:rPr lang="es-ES" dirty="0" smtClean="0"/>
+              <a:t>Elementos del paradigma funcional.</a:t>
+            </a:r>
           </a:p>
         </p:txBody>
       </p:sp>
@@ -6033,13 +8369,41 @@
           <a:lstStyle/>
           <a:p>
             <a:r>
-              <a:rPr lang="es-ES" smtClean="0"/>
-              <a:t>Actores</a:t>
-            </a:r>
-            <a:endParaRPr lang="es-ES"/>
-          </a:p>
-        </p:txBody>
-      </p:sp>
+              <a:rPr lang="es-ES" dirty="0" smtClean="0"/>
+              <a:t>Características de </a:t>
+            </a:r>
+            <a:r>
+              <a:rPr lang="es-ES" dirty="0" err="1" smtClean="0"/>
+              <a:t>Scala</a:t>
+            </a:r>
+            <a:endParaRPr lang="es-ES" dirty="0"/>
+          </a:p>
+        </p:txBody>
+      </p:sp>
+      <p:pic>
+        <p:nvPicPr>
+          <p:cNvPr id="5" name="Picture 4" descr="scala.png"/>
+          <p:cNvPicPr>
+            <a:picLocks noChangeAspect="1"/>
+          </p:cNvPicPr>
+          <p:nvPr/>
+        </p:nvPicPr>
+        <p:blipFill>
+          <a:blip r:embed="rId2" cstate="print"/>
+          <a:stretch>
+            <a:fillRect/>
+          </a:stretch>
+        </p:blipFill>
+        <p:spPr>
+          <a:xfrm>
+            <a:off x="7942286" y="298428"/>
+            <a:ext cx="857256" cy="857256"/>
+          </a:xfrm>
+          <a:prstGeom prst="rect">
+            <a:avLst/>
+          </a:prstGeom>
+        </p:spPr>
+      </p:pic>
     </p:spTree>
   </p:cSld>
   <p:clrMapOvr>
@@ -6084,46 +8448,46 @@
         </p:nvSpPr>
         <p:spPr/>
         <p:txBody>
-          <a:bodyPr/>
+          <a:bodyPr>
+            <a:normAutofit/>
+          </a:bodyPr>
           <a:lstStyle/>
           <a:p>
             <a:r>
-              <a:rPr lang="es-ES" smtClean="0"/>
-              <a:t>Hablar sobre los tipos de mensajes</a:t>
-            </a:r>
-          </a:p>
-          <a:p>
-            <a:r>
-              <a:rPr lang="es-ES" err="1" smtClean="0"/>
-              <a:t>Serializacion</a:t>
-            </a:r>
-            <a:endParaRPr lang="es-ES" smtClean="0"/>
-          </a:p>
-          <a:p>
-            <a:r>
-              <a:rPr lang="es-ES" smtClean="0"/>
-              <a:t>Ejemplos?</a:t>
-            </a:r>
-          </a:p>
-          <a:p>
-            <a:endParaRPr lang="es-ES" smtClean="0"/>
-          </a:p>
-          <a:p>
-            <a:r>
-              <a:rPr lang="es-ES" smtClean="0"/>
-              <a:t>No se si pondría esta </a:t>
-            </a:r>
-            <a:r>
-              <a:rPr lang="es-ES" err="1" smtClean="0"/>
-              <a:t>diapo</a:t>
-            </a:r>
-            <a:endParaRPr lang="es-ES" smtClean="0"/>
-          </a:p>
-          <a:p>
-            <a:pPr>
-              <a:buNone/>
-            </a:pPr>
-            <a:endParaRPr lang="es-ES" smtClean="0"/>
+              <a:rPr lang="es-ES" dirty="0" err="1" smtClean="0"/>
+              <a:t>Scrum</a:t>
+            </a:r>
+            <a:r>
+              <a:rPr lang="es-ES" dirty="0" smtClean="0"/>
+              <a:t> fue utilizado como metodología de desarrollo.</a:t>
+            </a:r>
+          </a:p>
+          <a:p>
+            <a:r>
+              <a:rPr lang="es-ES" dirty="0" smtClean="0"/>
+              <a:t>El proyecto se concluyó en tres </a:t>
+            </a:r>
+            <a:r>
+              <a:rPr lang="es-ES" dirty="0" err="1" smtClean="0"/>
+              <a:t>sprints</a:t>
+            </a:r>
+            <a:r>
+              <a:rPr lang="es-ES" dirty="0" smtClean="0"/>
+              <a:t>.</a:t>
+            </a:r>
+          </a:p>
+          <a:p>
+            <a:r>
+              <a:rPr lang="es-ES" dirty="0" smtClean="0"/>
+              <a:t>La duración de cada sprint fue de tres semanas.</a:t>
+            </a:r>
+          </a:p>
+          <a:p>
+            <a:r>
+              <a:rPr lang="es-ES" dirty="0" smtClean="0"/>
+              <a:t>Luego de los tres sprint se generó la documentación.</a:t>
+            </a:r>
+            <a:endParaRPr lang="es-ES" dirty="0" smtClean="0"/>
           </a:p>
         </p:txBody>
       </p:sp>
@@ -6144,16 +8508,36 @@
           <a:p>
             <a:r>
               <a:rPr lang="es-ES" smtClean="0"/>
-              <a:t>Protocolo de </a:t>
-            </a:r>
-            <a:r>
-              <a:rPr lang="es-ES" err="1" smtClean="0"/>
-              <a:t>msgs</a:t>
+              <a:t>Metodología de desarrollo</a:t>
             </a:r>
             <a:endParaRPr lang="es-ES"/>
           </a:p>
         </p:txBody>
       </p:sp>
+      <p:pic>
+        <p:nvPicPr>
+          <p:cNvPr id="4" name="Picture 3" descr="scrum.png"/>
+          <p:cNvPicPr>
+            <a:picLocks noChangeAspect="1"/>
+          </p:cNvPicPr>
+          <p:nvPr/>
+        </p:nvPicPr>
+        <p:blipFill>
+          <a:blip r:embed="rId2"/>
+          <a:stretch>
+            <a:fillRect/>
+          </a:stretch>
+        </p:blipFill>
+        <p:spPr>
+          <a:xfrm>
+            <a:off x="8143900" y="428604"/>
+            <a:ext cx="762000" cy="752475"/>
+          </a:xfrm>
+          <a:prstGeom prst="rect">
+            <a:avLst/>
+          </a:prstGeom>
+        </p:spPr>
+      </p:pic>
     </p:spTree>
   </p:cSld>
   <p:clrMapOvr>
@@ -6188,83 +8572,6 @@
       </p:grpSpPr>
       <p:sp>
         <p:nvSpPr>
-          <p:cNvPr id="3" name="2 Marcador de contenido"/>
-          <p:cNvSpPr>
-            <a:spLocks noGrp="1"/>
-          </p:cNvSpPr>
-          <p:nvPr>
-            <p:ph idx="1"/>
-          </p:nvPr>
-        </p:nvSpPr>
-        <p:spPr/>
-        <p:txBody>
-          <a:bodyPr/>
-          <a:lstStyle/>
-          <a:p>
-            <a:r>
-              <a:rPr lang="es-ES" smtClean="0"/>
-              <a:t>Hablar dos boludeces de </a:t>
-            </a:r>
-            <a:r>
-              <a:rPr lang="es-ES" err="1" smtClean="0"/>
-              <a:t>scrum</a:t>
-            </a:r>
-            <a:r>
-              <a:rPr lang="es-ES" smtClean="0"/>
-              <a:t>.</a:t>
-            </a:r>
-          </a:p>
-          <a:p>
-            <a:r>
-              <a:rPr lang="es-ES" smtClean="0"/>
-              <a:t>Tabla de </a:t>
-            </a:r>
-            <a:r>
-              <a:rPr lang="es-ES" err="1" smtClean="0"/>
-              <a:t>Sprints</a:t>
-            </a:r>
-            <a:r>
-              <a:rPr lang="es-ES" smtClean="0"/>
-              <a:t> que se hicieron con descripción de objetivos.</a:t>
-            </a:r>
-          </a:p>
-          <a:p>
-            <a:r>
-              <a:rPr lang="es-ES" smtClean="0"/>
-              <a:t>Mostrar dos grafiquitos  de los </a:t>
-            </a:r>
-            <a:r>
-              <a:rPr lang="es-ES" err="1" smtClean="0"/>
-              <a:t>sprints</a:t>
-            </a:r>
-            <a:r>
-              <a:rPr lang="es-ES" smtClean="0"/>
-              <a:t>.</a:t>
-            </a:r>
-          </a:p>
-          <a:p>
-            <a:r>
-              <a:rPr lang="es-ES" smtClean="0"/>
-              <a:t>Decir como resulto.</a:t>
-            </a:r>
-          </a:p>
-          <a:p>
-            <a:endParaRPr lang="es-ES" smtClean="0"/>
-          </a:p>
-          <a:p>
-            <a:endParaRPr lang="es-ES" smtClean="0"/>
-          </a:p>
-          <a:p>
-            <a:r>
-              <a:rPr lang="es-ES" smtClean="0"/>
-              <a:t>Aporta esto?</a:t>
-            </a:r>
-            <a:endParaRPr lang="es-ES"/>
-          </a:p>
-        </p:txBody>
-      </p:sp>
-      <p:sp>
-        <p:nvSpPr>
           <p:cNvPr id="2" name="1 Título"/>
           <p:cNvSpPr>
             <a:spLocks noGrp="1"/>
@@ -6279,13 +8586,61 @@
           <a:lstStyle/>
           <a:p>
             <a:r>
-              <a:rPr lang="es-ES" smtClean="0"/>
-              <a:t>Metodología de desarrollo</a:t>
-            </a:r>
-            <a:endParaRPr lang="es-ES"/>
-          </a:p>
-        </p:txBody>
-      </p:sp>
+              <a:rPr lang="es-ES" dirty="0" smtClean="0"/>
+              <a:t>¡Demostración en vivo!</a:t>
+            </a:r>
+            <a:endParaRPr lang="es-ES" dirty="0"/>
+          </a:p>
+        </p:txBody>
+      </p:sp>
+      <p:pic>
+        <p:nvPicPr>
+          <p:cNvPr id="4" name="Picture 3" descr="pe.png"/>
+          <p:cNvPicPr>
+            <a:picLocks noChangeAspect="1"/>
+          </p:cNvPicPr>
+          <p:nvPr/>
+        </p:nvPicPr>
+        <p:blipFill>
+          <a:blip r:embed="rId2"/>
+          <a:stretch>
+            <a:fillRect/>
+          </a:stretch>
+        </p:blipFill>
+        <p:spPr>
+          <a:xfrm>
+            <a:off x="571472" y="1349310"/>
+            <a:ext cx="8207400" cy="4975736"/>
+          </a:xfrm>
+          <a:prstGeom prst="rect">
+            <a:avLst/>
+          </a:prstGeom>
+        </p:spPr>
+      </p:pic>
+      <p:pic>
+        <p:nvPicPr>
+          <p:cNvPr id="5" name="Picture 4" descr="play.jpg"/>
+          <p:cNvPicPr>
+            <a:picLocks noChangeAspect="1"/>
+          </p:cNvPicPr>
+          <p:nvPr/>
+        </p:nvPicPr>
+        <p:blipFill>
+          <a:blip r:embed="rId3" cstate="print"/>
+          <a:stretch>
+            <a:fillRect/>
+          </a:stretch>
+        </p:blipFill>
+        <p:spPr>
+          <a:xfrm>
+            <a:off x="8001024" y="357166"/>
+            <a:ext cx="776972" cy="779454"/>
+          </a:xfrm>
+          <a:prstGeom prst="rect">
+            <a:avLst/>
+          </a:prstGeom>
+        </p:spPr>
+      </p:pic>
     </p:spTree>
   </p:cSld>
   <p:clrMapOvr>
@@ -6334,27 +8689,69 @@
           <a:lstStyle/>
           <a:p>
             <a:r>
-              <a:rPr lang="es-ES" smtClean="0"/>
-              <a:t>Poner  acá </a:t>
-            </a:r>
-            <a:r>
-              <a:rPr lang="es-ES" err="1" smtClean="0"/>
-              <a:t>screenshot</a:t>
-            </a:r>
-            <a:r>
-              <a:rPr lang="es-ES" smtClean="0"/>
-              <a:t> del eclipse con PE</a:t>
-            </a:r>
-          </a:p>
-          <a:p>
-            <a:endParaRPr lang="es-ES" smtClean="0"/>
-          </a:p>
-          <a:p>
-            <a:r>
-              <a:rPr lang="es-ES" smtClean="0"/>
-              <a:t>Demo en vivo!</a:t>
-            </a:r>
-            <a:endParaRPr lang="es-ES"/>
+              <a:rPr lang="es-ES" dirty="0" smtClean="0"/>
+              <a:t>Mecanismo </a:t>
+            </a:r>
+            <a:r>
+              <a:rPr lang="es-ES" dirty="0" smtClean="0"/>
+              <a:t>de deshacer cambios (</a:t>
+            </a:r>
+            <a:r>
+              <a:rPr lang="es-ES" dirty="0" err="1" smtClean="0"/>
+              <a:t>undo</a:t>
+            </a:r>
+            <a:r>
+              <a:rPr lang="es-ES" dirty="0" smtClean="0"/>
+              <a:t>).</a:t>
+            </a:r>
+            <a:endParaRPr lang="es-ES" dirty="0" smtClean="0"/>
+          </a:p>
+          <a:p>
+            <a:r>
+              <a:rPr lang="es-ES" dirty="0" smtClean="0"/>
+              <a:t>Esquema </a:t>
+            </a:r>
+            <a:r>
+              <a:rPr lang="es-ES" dirty="0" smtClean="0"/>
+              <a:t>de autenticación y autorización.</a:t>
+            </a:r>
+          </a:p>
+          <a:p>
+            <a:r>
+              <a:rPr lang="es-ES" dirty="0" smtClean="0"/>
+              <a:t>Optimización del uso de red.</a:t>
+            </a:r>
+          </a:p>
+          <a:p>
+            <a:r>
+              <a:rPr lang="es-ES" dirty="0" smtClean="0"/>
+              <a:t>Integración con otros </a:t>
+            </a:r>
+            <a:r>
+              <a:rPr lang="es-ES" dirty="0" err="1" smtClean="0"/>
+              <a:t>IDEs</a:t>
+            </a:r>
+            <a:r>
+              <a:rPr lang="es-ES" dirty="0" smtClean="0"/>
+              <a:t>.</a:t>
+            </a:r>
+            <a:endParaRPr lang="es-ES" dirty="0" smtClean="0"/>
+          </a:p>
+          <a:p>
+            <a:r>
+              <a:rPr lang="es-ES" dirty="0" smtClean="0"/>
+              <a:t>Extensión de la solución a otros modelos.</a:t>
+            </a:r>
+          </a:p>
+          <a:p>
+            <a:r>
+              <a:rPr lang="es-ES" dirty="0" smtClean="0"/>
+              <a:t>Cifrado de mensajes</a:t>
+            </a:r>
+            <a:r>
+              <a:rPr lang="es-ES" dirty="0" smtClean="0"/>
+              <a:t>.</a:t>
+            </a:r>
           </a:p>
         </p:txBody>
       </p:sp>
@@ -6370,17 +8767,43 @@
         </p:nvSpPr>
         <p:spPr/>
         <p:txBody>
-          <a:bodyPr/>
+          <a:bodyPr>
+            <a:normAutofit fontScale="90000"/>
+          </a:bodyPr>
           <a:lstStyle/>
           <a:p>
             <a:r>
               <a:rPr lang="es-ES" smtClean="0"/>
-              <a:t>Demostración</a:t>
+              <a:t>Posibles mejoras a implementar</a:t>
             </a:r>
             <a:endParaRPr lang="es-ES"/>
           </a:p>
         </p:txBody>
       </p:sp>
+      <p:pic>
+        <p:nvPicPr>
+          <p:cNvPr id="4" name="Picture 3" descr="enhace.png"/>
+          <p:cNvPicPr>
+            <a:picLocks noChangeAspect="1"/>
+          </p:cNvPicPr>
+          <p:nvPr/>
+        </p:nvPicPr>
+        <p:blipFill>
+          <a:blip r:embed="rId2"/>
+          <a:stretch>
+            <a:fillRect/>
+          </a:stretch>
+        </p:blipFill>
+        <p:spPr>
+          <a:xfrm>
+            <a:off x="8143900" y="285728"/>
+            <a:ext cx="707759" cy="941388"/>
+          </a:xfrm>
+          <a:prstGeom prst="rect">
+            <a:avLst/>
+          </a:prstGeom>
+        </p:spPr>
+      </p:pic>
     </p:spTree>
   </p:cSld>
   <p:clrMapOvr>
@@ -6425,59 +8848,66 @@
         </p:nvSpPr>
         <p:spPr/>
         <p:txBody>
-          <a:bodyPr/>
+          <a:bodyPr>
+            <a:normAutofit fontScale="92500" lnSpcReduction="20000"/>
+          </a:bodyPr>
           <a:lstStyle/>
           <a:p>
             <a:r>
-              <a:rPr lang="es-ES" smtClean="0"/>
-              <a:t>Esquema de autenticación y autorización.</a:t>
-            </a:r>
-          </a:p>
-          <a:p>
-            <a:r>
-              <a:rPr lang="es-ES" smtClean="0"/>
-              <a:t>Optimización del uso de red.</a:t>
-            </a:r>
-          </a:p>
-          <a:p>
-            <a:r>
-              <a:rPr lang="es-ES" smtClean="0"/>
-              <a:t>Integración con otros </a:t>
-            </a:r>
-            <a:r>
-              <a:rPr lang="es-ES" err="1" smtClean="0"/>
-              <a:t>IDEs</a:t>
-            </a:r>
-            <a:r>
-              <a:rPr lang="es-ES" smtClean="0"/>
-              <a:t> .</a:t>
-            </a:r>
-          </a:p>
-          <a:p>
-            <a:r>
-              <a:rPr lang="es-ES" smtClean="0"/>
-              <a:t>Extensión de la solución a otros modelos.</a:t>
-            </a:r>
-          </a:p>
-          <a:p>
-            <a:r>
-              <a:rPr lang="es-ES" smtClean="0"/>
-              <a:t>Cifrado de mensajes.</a:t>
-            </a:r>
-          </a:p>
-          <a:p>
-            <a:r>
-              <a:rPr lang="es-ES" smtClean="0"/>
-              <a:t>Mecanismo de deshacer  cambios (</a:t>
-            </a:r>
-            <a:r>
-              <a:rPr lang="es-ES" err="1" smtClean="0"/>
-              <a:t>undo</a:t>
-            </a:r>
-            <a:r>
-              <a:rPr lang="es-ES" smtClean="0"/>
-              <a:t>).</a:t>
-            </a:r>
+              <a:rPr lang="es-ES" dirty="0" smtClean="0"/>
+              <a:t>Aplicaciones de naturaleza concurrente y distribuida precisan modelos que abstraigan al programador de la complejidad subyacente.</a:t>
+            </a:r>
+          </a:p>
+          <a:p>
+            <a:r>
+              <a:rPr lang="es-ES" dirty="0" smtClean="0"/>
+              <a:t>Lenguajes nuevos sobre la JVM incorporan construcciones y paradigmas que simplifican el desarrollo.</a:t>
+            </a:r>
+          </a:p>
+          <a:p>
+            <a:r>
+              <a:rPr lang="es-ES" dirty="0" smtClean="0"/>
+              <a:t>Los modelos para la implementación de sistemas  colaborativos en tiempo real están en constante desarrollo y evolución.</a:t>
+            </a:r>
+          </a:p>
+          <a:p>
+            <a:r>
+              <a:rPr lang="es-ES" dirty="0" smtClean="0"/>
+              <a:t>La colaboración en tiempo real permite  </a:t>
+            </a:r>
+            <a:r>
+              <a:rPr lang="es-ES" dirty="0" smtClean="0"/>
+              <a:t>interactuar </a:t>
+            </a:r>
+            <a:r>
+              <a:rPr lang="es-ES" dirty="0" smtClean="0"/>
+              <a:t>a un grupo de </a:t>
+            </a:r>
+            <a:r>
+              <a:rPr lang="es-ES" dirty="0" smtClean="0"/>
+              <a:t>trabajo </a:t>
+            </a:r>
+            <a:r>
+              <a:rPr lang="es-ES" dirty="0" smtClean="0"/>
+              <a:t>de forma simple y coordinada </a:t>
+            </a:r>
+            <a:r>
+              <a:rPr lang="es-ES" dirty="0" smtClean="0"/>
+              <a:t>a</a:t>
+            </a:r>
+            <a:r>
+              <a:rPr lang="es-ES" dirty="0" smtClean="0"/>
+              <a:t>celerando</a:t>
+            </a:r>
+            <a:r>
+              <a:rPr lang="es-ES" dirty="0" smtClean="0"/>
+              <a:t>, enriqueciendo y haciendo mas productivo su trabajo</a:t>
+            </a:r>
+            <a:r>
+              <a:rPr lang="es-ES" dirty="0" smtClean="0"/>
+              <a:t>.</a:t>
+            </a:r>
+            <a:endParaRPr lang="es-ES" dirty="0" smtClean="0"/>
           </a:p>
         </p:txBody>
       </p:sp>
@@ -6493,19 +8923,41 @@
         </p:nvSpPr>
         <p:spPr/>
         <p:txBody>
-          <a:bodyPr>
-            <a:normAutofit fontScale="90000"/>
-          </a:bodyPr>
+          <a:bodyPr/>
           <a:lstStyle/>
           <a:p>
             <a:r>
               <a:rPr lang="es-ES" smtClean="0"/>
-              <a:t>Posibles mejoras a implementar</a:t>
+              <a:t>Conclusiones</a:t>
             </a:r>
             <a:endParaRPr lang="es-ES"/>
           </a:p>
         </p:txBody>
       </p:sp>
+      <p:pic>
+        <p:nvPicPr>
+          <p:cNvPr id="4" name="Picture 3" descr="thinking.jpg"/>
+          <p:cNvPicPr>
+            <a:picLocks noChangeAspect="1"/>
+          </p:cNvPicPr>
+          <p:nvPr/>
+        </p:nvPicPr>
+        <p:blipFill>
+          <a:blip r:embed="rId2"/>
+          <a:stretch>
+            <a:fillRect/>
+          </a:stretch>
+        </p:blipFill>
+        <p:spPr>
+          <a:xfrm>
+            <a:off x="7715272" y="357166"/>
+            <a:ext cx="966790" cy="998211"/>
+          </a:xfrm>
+          <a:prstGeom prst="rect">
+            <a:avLst/>
+          </a:prstGeom>
+        </p:spPr>
+      </p:pic>
     </p:spTree>
   </p:cSld>
   <p:clrMapOvr>
@@ -6540,59 +8992,7 @@
       </p:grpSpPr>
       <p:sp>
         <p:nvSpPr>
-          <p:cNvPr id="3" name="2 Marcador de contenido"/>
-          <p:cNvSpPr>
-            <a:spLocks noGrp="1"/>
-          </p:cNvSpPr>
-          <p:nvPr>
-            <p:ph idx="1"/>
-          </p:nvPr>
-        </p:nvSpPr>
-        <p:spPr/>
-        <p:txBody>
-          <a:bodyPr>
-            <a:normAutofit fontScale="77500" lnSpcReduction="20000"/>
-          </a:bodyPr>
-          <a:lstStyle/>
-          <a:p>
-            <a:r>
-              <a:rPr lang="es-ES" smtClean="0"/>
-              <a:t>Aplicaciones de naturaleza concurrente y distribuida precisan modelos que abstraigan al programador de la complejidad subyacente.</a:t>
-            </a:r>
-          </a:p>
-          <a:p>
-            <a:r>
-              <a:rPr lang="es-ES" smtClean="0"/>
-              <a:t>Lenguajes nuevos sobre la JVM incorporan construcciones y paradigmas que simplifican el desarrollo.</a:t>
-            </a:r>
-          </a:p>
-          <a:p>
-            <a:r>
-              <a:rPr lang="es-ES" smtClean="0"/>
-              <a:t>Los modelos para la implementación de sistemas  colaborativos en tiempo real están en constante desarrollo y evolución.</a:t>
-            </a:r>
-          </a:p>
-          <a:p>
-            <a:r>
-              <a:rPr lang="es-ES" smtClean="0"/>
-              <a:t>La colaboración en tiempo real permite  interactuar  a un grupo de trabajo  de forma simple y coordinada  acelerando, enriqueciendo y haciendo mas productivo su trabajo.</a:t>
-            </a:r>
-          </a:p>
-          <a:p>
-            <a:endParaRPr lang="es-ES" smtClean="0"/>
-          </a:p>
-          <a:p>
-            <a:r>
-              <a:rPr lang="es-ES" smtClean="0"/>
-              <a:t>Mucho texto me parece</a:t>
-            </a:r>
-            <a:endParaRPr lang="es-ES"/>
-          </a:p>
-        </p:txBody>
-      </p:sp>
-      <p:sp>
-        <p:nvSpPr>
-          <p:cNvPr id="2" name="1 Título"/>
+          <p:cNvPr id="4" name="Title 3"/>
           <p:cNvSpPr>
             <a:spLocks noGrp="1"/>
           </p:cNvSpPr>
@@ -6600,16 +9000,27 @@
             <p:ph type="title"/>
           </p:nvPr>
         </p:nvSpPr>
-        <p:spPr/>
-        <p:txBody>
-          <a:bodyPr/>
+        <p:spPr>
+          <a:xfrm>
+            <a:off x="2311384" y="2724144"/>
+            <a:ext cx="4500594" cy="1143000"/>
+          </a:xfrm>
+        </p:spPr>
+        <p:txBody>
+          <a:bodyPr>
+            <a:noAutofit/>
+          </a:bodyPr>
           <a:lstStyle/>
           <a:p>
             <a:r>
-              <a:rPr lang="es-ES" smtClean="0"/>
-              <a:t>Conclusiones</a:t>
-            </a:r>
-            <a:endParaRPr lang="es-ES"/>
+              <a:rPr lang="en-US" sz="6000" dirty="0" err="1" smtClean="0"/>
+              <a:t>Preguntas</a:t>
+            </a:r>
+            <a:r>
+              <a:rPr lang="en-US" sz="6000" dirty="0" smtClean="0"/>
+              <a:t>?</a:t>
+            </a:r>
+            <a:endParaRPr lang="es-AR" sz="6000" dirty="0"/>
           </a:p>
         </p:txBody>
       </p:sp>
@@ -6618,13 +9029,65 @@
   <p:clrMapOvr>
     <a:masterClrMapping/>
   </p:clrMapOvr>
-  <p:timing>
-    <p:tnLst>
-      <p:par>
-        <p:cTn id="1" dur="indefinite" restart="never" nodeType="tmRoot"/>
-      </p:par>
-    </p:tnLst>
-  </p:timing>
+</p:sld>
+</file>
+
+<file path=ppt/slides/slide19.xml><?xml version="1.0" encoding="utf-8"?>
+<p:sld xmlns:a="http://schemas.openxmlformats.org/drawingml/2006/main" xmlns:r="http://schemas.openxmlformats.org/officeDocument/2006/relationships" xmlns:p="http://schemas.openxmlformats.org/presentationml/2006/main">
+  <p:cSld>
+    <p:spTree>
+      <p:nvGrpSpPr>
+        <p:cNvPr id="1" name=""/>
+        <p:cNvGrpSpPr/>
+        <p:nvPr/>
+      </p:nvGrpSpPr>
+      <p:grpSpPr>
+        <a:xfrm>
+          <a:off x="0" y="0"/>
+          <a:ext cx="0" cy="0"/>
+          <a:chOff x="0" y="0"/>
+          <a:chExt cx="0" cy="0"/>
+        </a:xfrm>
+      </p:grpSpPr>
+      <p:sp>
+        <p:nvSpPr>
+          <p:cNvPr id="4" name="Title 3"/>
+          <p:cNvSpPr>
+            <a:spLocks noGrp="1"/>
+          </p:cNvSpPr>
+          <p:nvPr>
+            <p:ph type="title"/>
+          </p:nvPr>
+        </p:nvSpPr>
+        <p:spPr>
+          <a:xfrm>
+            <a:off x="1571604" y="2786058"/>
+            <a:ext cx="6000792" cy="1143000"/>
+          </a:xfrm>
+        </p:spPr>
+        <p:txBody>
+          <a:bodyPr>
+            <a:noAutofit/>
+          </a:bodyPr>
+          <a:lstStyle/>
+          <a:p>
+            <a:r>
+              <a:rPr lang="en-US" sz="6000" dirty="0" err="1" smtClean="0"/>
+              <a:t>Muchas</a:t>
+            </a:r>
+            <a:r>
+              <a:rPr lang="en-US" sz="6000" dirty="0" smtClean="0"/>
+              <a:t> Gracias</a:t>
+            </a:r>
+            <a:endParaRPr lang="es-AR" sz="6000" dirty="0"/>
+          </a:p>
+        </p:txBody>
+      </p:sp>
+    </p:spTree>
+  </p:cSld>
+  <p:clrMapOvr>
+    <a:masterClrMapping/>
+  </p:clrMapOvr>
 </p:sld>
 </file>
 
@@ -6924,7 +9387,11 @@
           <a:p>
             <a:r>
               <a:rPr lang="es-ES" dirty="0" smtClean="0"/>
-              <a:t>Cómo nace la idea del presente trabajo?</a:t>
+              <a:t>¿Cómo </a:t>
+            </a:r>
+            <a:r>
+              <a:rPr lang="es-ES" dirty="0" smtClean="0"/>
+              <a:t>nace la idea del presente trabajo?</a:t>
             </a:r>
           </a:p>
           <a:p>
@@ -9936,10 +12403,10 @@
           <a:lstStyle/>
           <a:p>
             <a:r>
-              <a:rPr lang="es-ES" smtClean="0"/>
-              <a:t>Otras soluciones similares</a:t>
-            </a:r>
-            <a:endParaRPr lang="es-ES"/>
+              <a:rPr lang="es-ES" dirty="0" smtClean="0"/>
+              <a:t>Soluciones existentes</a:t>
+            </a:r>
+            <a:endParaRPr lang="es-ES" dirty="0"/>
           </a:p>
         </p:txBody>
       </p:sp>
@@ -10018,6 +12485,30 @@
           </a:prstGeom>
         </p:spPr>
       </p:pic>
+      <p:pic>
+        <p:nvPicPr>
+          <p:cNvPr id="8" name="Picture 7" descr="analisis-chartista.jpg"/>
+          <p:cNvPicPr>
+            <a:picLocks noChangeAspect="1"/>
+          </p:cNvPicPr>
+          <p:nvPr/>
+        </p:nvPicPr>
+        <p:blipFill>
+          <a:blip r:embed="rId5" cstate="print"/>
+          <a:stretch>
+            <a:fillRect/>
+          </a:stretch>
+        </p:blipFill>
+        <p:spPr>
+          <a:xfrm>
+            <a:off x="7546996" y="315890"/>
+            <a:ext cx="1143008" cy="762005"/>
+          </a:xfrm>
+          <a:prstGeom prst="rect">
+            <a:avLst/>
+          </a:prstGeom>
+        </p:spPr>
+      </p:pic>
     </p:spTree>
   </p:cSld>
   <p:clrMapOvr>
@@ -10129,6 +12620,30 @@
           </a:p>
         </p:txBody>
       </p:sp>
+      <p:pic>
+        <p:nvPicPr>
+          <p:cNvPr id="4" name="Picture 3" descr="lupa.jpg"/>
+          <p:cNvPicPr>
+            <a:picLocks noChangeAspect="1"/>
+          </p:cNvPicPr>
+          <p:nvPr/>
+        </p:nvPicPr>
+        <p:blipFill>
+          <a:blip r:embed="rId2" cstate="print"/>
+          <a:stretch>
+            <a:fillRect/>
+          </a:stretch>
+        </p:blipFill>
+        <p:spPr>
+          <a:xfrm>
+            <a:off x="7656534" y="257152"/>
+            <a:ext cx="1192485" cy="895341"/>
+          </a:xfrm>
+          <a:prstGeom prst="rect">
+            <a:avLst/>
+          </a:prstGeom>
+        </p:spPr>
+      </p:pic>
     </p:spTree>
   </p:cSld>
   <p:clrMapOvr>
@@ -10178,12 +12693,30 @@
           </a:xfrm>
         </p:spPr>
         <p:txBody>
-          <a:bodyPr/>
+          <a:bodyPr>
+            <a:noAutofit/>
+          </a:bodyPr>
           <a:lstStyle/>
           <a:p>
             <a:r>
               <a:rPr lang="es-ES" dirty="0" smtClean="0"/>
-              <a:t>Originalmente se implementaron operaciones Borrar e Insertar de más de un </a:t>
+              <a:t>Originalmente se implementaron operaciones </a:t>
+            </a:r>
+            <a:r>
+              <a:rPr lang="es-ES" dirty="0" smtClean="0"/>
+              <a:t>borrar </a:t>
+            </a:r>
+            <a:r>
+              <a:rPr lang="es-ES" dirty="0" smtClean="0"/>
+              <a:t>e </a:t>
+            </a:r>
+            <a:r>
+              <a:rPr lang="es-ES" dirty="0" smtClean="0"/>
+              <a:t>insertar </a:t>
+            </a:r>
+            <a:r>
+              <a:rPr lang="es-ES" dirty="0" smtClean="0"/>
+              <a:t>de más de un </a:t>
             </a:r>
             <a:r>
               <a:rPr lang="es-ES" dirty="0" err="1" smtClean="0"/>
@@ -10197,7 +12730,11 @@
           <a:p>
             <a:r>
               <a:rPr lang="es-ES" dirty="0" smtClean="0"/>
-              <a:t>Finalmente, se utilizó la solución propuesta en el </a:t>
+              <a:t>Finalmente, se utilizó la solución propuesta en </a:t>
+            </a:r>
+            <a:r>
+              <a:rPr lang="es-ES" dirty="0" smtClean="0"/>
+              <a:t>el </a:t>
             </a:r>
             <a:r>
               <a:rPr lang="es-ES" dirty="0" err="1" smtClean="0"/>
@@ -10205,15 +12742,27 @@
             </a:r>
             <a:r>
               <a:rPr lang="es-ES" dirty="0" smtClean="0"/>
-              <a:t> </a:t>
-            </a:r>
-            <a:r>
-              <a:rPr lang="es-ES" dirty="0" err="1" smtClean="0"/>
-              <a:t>xxx</a:t>
+              <a:t> utilizado* haciendo </a:t>
             </a:r>
             <a:r>
               <a:rPr lang="es-ES" dirty="0" smtClean="0"/>
-              <a:t> haciendo uso de operaciones Borrar e Insertar de 1 </a:t>
+              <a:t>uso de operaciones </a:t>
+            </a:r>
+            <a:r>
+              <a:rPr lang="es-ES" dirty="0" smtClean="0"/>
+              <a:t>borrar </a:t>
+            </a:r>
+            <a:r>
+              <a:rPr lang="es-ES" dirty="0" smtClean="0"/>
+              <a:t>e </a:t>
+            </a:r>
+            <a:r>
+              <a:rPr lang="es-ES" dirty="0" smtClean="0"/>
+              <a:t>insertar </a:t>
+            </a:r>
+            <a:r>
+              <a:rPr lang="es-ES" dirty="0" smtClean="0"/>
+              <a:t>de 1 </a:t>
             </a:r>
             <a:r>
               <a:rPr lang="es-ES" dirty="0" err="1" smtClean="0"/>
@@ -10221,8 +12770,51 @@
             </a:r>
             <a:r>
               <a:rPr lang="es-ES" dirty="0" smtClean="0"/>
-              <a:t> de longitud.</a:t>
-            </a:r>
+              <a:t> de longitud</a:t>
+            </a:r>
+            <a:r>
+              <a:rPr lang="es-ES" dirty="0" smtClean="0"/>
+              <a:t>.</a:t>
+            </a:r>
+          </a:p>
+          <a:p>
+            <a:endParaRPr lang="es-ES" dirty="0" smtClean="0"/>
+          </a:p>
+          <a:p>
+            <a:endParaRPr lang="es-ES" dirty="0" smtClean="0"/>
+          </a:p>
+          <a:p>
+            <a:endParaRPr lang="es-ES" dirty="0" smtClean="0"/>
+          </a:p>
+          <a:p>
+            <a:pPr>
+              <a:buNone/>
+            </a:pPr>
+            <a:r>
+              <a:rPr lang="es-ES" sz="1800" dirty="0" smtClean="0"/>
+              <a:t>* </a:t>
+            </a:r>
+            <a:r>
+              <a:rPr lang="en-US" sz="1800" dirty="0" smtClean="0"/>
+              <a:t>Achieving Convergence With </a:t>
+            </a:r>
+            <a:r>
+              <a:rPr lang="en-US" sz="1800" dirty="0" smtClean="0"/>
+              <a:t>Operational </a:t>
+            </a:r>
+            <a:r>
+              <a:rPr lang="en-US" sz="1800" dirty="0" smtClean="0"/>
+              <a:t>Transformation in Distributed Groupware </a:t>
+            </a:r>
+            <a:r>
+              <a:rPr lang="en-US" sz="1800" dirty="0" smtClean="0"/>
+              <a:t>Systems</a:t>
+            </a:r>
+            <a:r>
+              <a:rPr lang="es-ES" sz="1800" dirty="0" smtClean="0"/>
+              <a:t>.</a:t>
+            </a:r>
+            <a:endParaRPr lang="en-US" sz="1800" dirty="0" smtClean="0"/>
           </a:p>
         </p:txBody>
       </p:sp>
@@ -10249,52 +12841,30 @@
           </a:p>
         </p:txBody>
       </p:sp>
-      <p:sp>
-        <p:nvSpPr>
-          <p:cNvPr id="5" name="4 CuadroTexto"/>
-          <p:cNvSpPr txBox="1"/>
+      <p:pic>
+        <p:nvPicPr>
+          <p:cNvPr id="6" name="Picture 5" descr="lupa.jpg"/>
+          <p:cNvPicPr>
+            <a:picLocks noChangeAspect="1"/>
+          </p:cNvPicPr>
           <p:nvPr/>
-        </p:nvSpPr>
+        </p:nvPicPr>
+        <p:blipFill>
+          <a:blip r:embed="rId2" cstate="print"/>
+          <a:stretch>
+            <a:fillRect/>
+          </a:stretch>
+        </p:blipFill>
         <p:spPr>
           <a:xfrm>
-            <a:off x="1428728" y="4643446"/>
-            <a:ext cx="6929486" cy="646331"/>
+            <a:off x="7656534" y="257152"/>
+            <a:ext cx="1192485" cy="895341"/>
           </a:xfrm>
           <a:prstGeom prst="rect">
             <a:avLst/>
           </a:prstGeom>
-          <a:noFill/>
         </p:spPr>
-        <p:txBody>
-          <a:bodyPr wrap="square" rtlCol="0">
-            <a:spAutoFit/>
-          </a:bodyPr>
-          <a:lstStyle/>
-          <a:p>
-            <a:r>
-              <a:rPr lang="es-ES" dirty="0" smtClean="0"/>
-              <a:t>Poner </a:t>
-            </a:r>
-            <a:r>
-              <a:rPr lang="es-ES" dirty="0" err="1" smtClean="0"/>
-              <a:t>ej</a:t>
-            </a:r>
-            <a:r>
-              <a:rPr lang="es-ES" dirty="0" smtClean="0"/>
-              <a:t> de </a:t>
-            </a:r>
-            <a:r>
-              <a:rPr lang="es-ES" dirty="0" err="1" smtClean="0"/>
-              <a:t>funcion</a:t>
-            </a:r>
-            <a:r>
-              <a:rPr lang="es-ES" dirty="0" smtClean="0"/>
-              <a:t> de transformación,  para dar una idea de lo que hace</a:t>
-            </a:r>
-            <a:endParaRPr lang="es-ES" dirty="0"/>
-          </a:p>
-        </p:txBody>
-      </p:sp>
+      </p:pic>
     </p:spTree>
   </p:cSld>
   <p:clrMapOvr>

--- a/doc/presentacion/presentacion.pptx
+++ b/doc/presentacion/presentacion.pptx
@@ -5537,11 +5537,7 @@
           <a:p>
             <a:r>
               <a:rPr lang="es-ES" dirty="0" smtClean="0"/>
-              <a:t>Trabajo </a:t>
-            </a:r>
-            <a:r>
-              <a:rPr lang="es-ES" dirty="0" smtClean="0"/>
-              <a:t>Profesional</a:t>
+              <a:t>Trabajo Profesional</a:t>
             </a:r>
           </a:p>
           <a:p>
@@ -5734,7 +5730,7 @@
         </p:nvSpPr>
         <p:spPr>
           <a:xfrm>
-            <a:off x="6606736" y="3981598"/>
+            <a:off x="6597652" y="3975112"/>
             <a:ext cx="1672102" cy="707886"/>
           </a:xfrm>
           <a:prstGeom prst="rect">
@@ -5781,12 +5777,14 @@
         </p:nvSpPr>
         <p:spPr/>
         <p:txBody>
-          <a:bodyPr/>
+          <a:bodyPr>
+            <a:normAutofit fontScale="90000"/>
+          </a:bodyPr>
           <a:lstStyle/>
           <a:p>
             <a:r>
               <a:rPr lang="es-ES" dirty="0" smtClean="0"/>
-              <a:t>Ejemplo</a:t>
+              <a:t>Ejemplo utilizando sincronizadores</a:t>
             </a:r>
             <a:endParaRPr lang="es-ES" dirty="0"/>
           </a:p>
@@ -5800,8 +5798,8 @@
         </p:nvGrpSpPr>
         <p:grpSpPr>
           <a:xfrm>
-            <a:off x="428596" y="2071678"/>
-            <a:ext cx="2096788" cy="858661"/>
+            <a:off x="974700" y="2168516"/>
+            <a:ext cx="1570018" cy="642942"/>
             <a:chOff x="642910" y="4813492"/>
             <a:chExt cx="2096788" cy="858661"/>
           </a:xfrm>
@@ -5864,8 +5862,8 @@
         </p:nvSpPr>
         <p:spPr>
           <a:xfrm>
-            <a:off x="3214678" y="857232"/>
-            <a:ext cx="2857520" cy="1214446"/>
+            <a:off x="3571868" y="1285860"/>
+            <a:ext cx="2071702" cy="880473"/>
           </a:xfrm>
           <a:prstGeom prst="cloud">
             <a:avLst/>
@@ -5920,8 +5918,8 @@
         </p:nvCxnSpPr>
         <p:spPr>
           <a:xfrm rot="5400000" flipH="1" flipV="1">
-            <a:off x="2274735" y="1122872"/>
-            <a:ext cx="607223" cy="1290391"/>
+            <a:off x="2618573" y="1208795"/>
+            <a:ext cx="442419" cy="1477024"/>
           </a:xfrm>
           <a:prstGeom prst="straightConnector1">
             <a:avLst/>
@@ -5954,8 +5952,8 @@
         </p:nvGrpSpPr>
         <p:grpSpPr>
           <a:xfrm>
-            <a:off x="6357950" y="2071678"/>
-            <a:ext cx="2096788" cy="858661"/>
+            <a:off x="6532574" y="2263768"/>
+            <a:ext cx="1601589" cy="655871"/>
             <a:chOff x="642910" y="4813492"/>
             <a:chExt cx="2096788" cy="858661"/>
           </a:xfrm>
@@ -5969,7 +5967,7 @@
             <p:nvPr/>
           </p:nvPicPr>
           <p:blipFill>
-            <a:blip r:embed="rId3" cstate="print"/>
+            <a:blip r:embed="rId5" cstate="print"/>
             <a:stretch>
               <a:fillRect/>
             </a:stretch>
@@ -6021,8 +6019,8 @@
         </p:nvCxnSpPr>
         <p:spPr>
           <a:xfrm rot="16200000" flipV="1">
-            <a:off x="6662550" y="871723"/>
-            <a:ext cx="607223" cy="1792688"/>
+            <a:off x="6392986" y="974956"/>
+            <a:ext cx="537671" cy="2039954"/>
           </a:xfrm>
           <a:prstGeom prst="straightConnector1">
             <a:avLst/>
@@ -6063,7 +6061,7 @@
         </p:blipFill>
         <p:spPr>
           <a:xfrm>
-            <a:off x="428596" y="3531730"/>
+            <a:off x="352396" y="3430130"/>
             <a:ext cx="2428892" cy="2286016"/>
           </a:xfrm>
           <a:prstGeom prst="rect">
@@ -6079,7 +6077,7 @@
         </p:nvSpPr>
         <p:spPr>
           <a:xfrm>
-            <a:off x="891696" y="4088720"/>
+            <a:off x="798486" y="4113218"/>
             <a:ext cx="1743540" cy="707886"/>
           </a:xfrm>
           <a:prstGeom prst="rect">
@@ -6116,7 +6114,7 @@
         </p:nvSpPr>
         <p:spPr>
           <a:xfrm>
-            <a:off x="857224" y="3000372"/>
+            <a:off x="895324" y="2916234"/>
             <a:ext cx="1476686" cy="369332"/>
           </a:xfrm>
           <a:prstGeom prst="rect">
@@ -6131,14 +6129,14 @@
           <a:lstStyle/>
           <a:p>
             <a:r>
-              <a:rPr lang="en-US" b="1" err="1" smtClean="0"/>
+              <a:rPr lang="en-US" b="1" dirty="0" err="1" smtClean="0"/>
               <a:t>ubicación</a:t>
             </a:r>
             <a:r>
-              <a:rPr lang="en-US" b="1" smtClean="0"/>
+              <a:rPr lang="en-US" b="1" dirty="0" smtClean="0"/>
               <a:t> 1</a:t>
             </a:r>
-            <a:endParaRPr lang="es-AR" b="1"/>
+            <a:endParaRPr lang="es-AR" b="1" dirty="0"/>
           </a:p>
         </p:txBody>
       </p:sp>
@@ -6150,7 +6148,7 @@
         </p:nvSpPr>
         <p:spPr>
           <a:xfrm>
-            <a:off x="6786578" y="3000372"/>
+            <a:off x="6561150" y="2970210"/>
             <a:ext cx="1478290" cy="369332"/>
           </a:xfrm>
           <a:prstGeom prst="rect">
@@ -6165,14 +6163,14 @@
           <a:lstStyle/>
           <a:p>
             <a:r>
-              <a:rPr lang="en-US" b="1" err="1" smtClean="0"/>
+              <a:rPr lang="en-US" b="1" dirty="0" err="1" smtClean="0"/>
               <a:t>ubicación</a:t>
             </a:r>
             <a:r>
-              <a:rPr lang="en-US" b="1" smtClean="0"/>
+              <a:rPr lang="en-US" b="1" dirty="0" smtClean="0"/>
               <a:t> 2</a:t>
             </a:r>
-            <a:endParaRPr lang="es-AR" b="1"/>
+            <a:endParaRPr lang="es-AR" b="1" dirty="0"/>
           </a:p>
         </p:txBody>
       </p:sp>
@@ -6185,14 +6183,14 @@
           <p:nvPr/>
         </p:nvPicPr>
         <p:blipFill>
-          <a:blip r:embed="rId5" cstate="print"/>
+          <a:blip r:embed="rId6" cstate="print"/>
           <a:stretch>
             <a:fillRect/>
           </a:stretch>
         </p:blipFill>
         <p:spPr>
           <a:xfrm>
-            <a:off x="1012800" y="1701788"/>
+            <a:off x="369858" y="2865434"/>
             <a:ext cx="428628" cy="428628"/>
           </a:xfrm>
           <a:prstGeom prst="rect">
@@ -6208,7 +6206,7 @@
         </p:nvSpPr>
         <p:spPr>
           <a:xfrm>
-            <a:off x="731358" y="4087818"/>
+            <a:off x="671486" y="4108456"/>
             <a:ext cx="1743540" cy="707886"/>
           </a:xfrm>
           <a:prstGeom prst="rect">
@@ -6251,7 +6249,7 @@
           <p:nvPr/>
         </p:nvPicPr>
         <p:blipFill>
-          <a:blip r:embed="rId6" cstate="print">
+          <a:blip r:embed="rId7" cstate="print">
             <a:duotone>
               <a:prstClr val="black"/>
               <a:schemeClr val="accent4">
@@ -6266,7 +6264,7 @@
         </p:blipFill>
         <p:spPr>
           <a:xfrm>
-            <a:off x="8001024" y="1714488"/>
+            <a:off x="8253438" y="2903534"/>
             <a:ext cx="433382" cy="433382"/>
           </a:xfrm>
           <a:prstGeom prst="rect">
@@ -6282,7 +6280,7 @@
         </p:nvSpPr>
         <p:spPr>
           <a:xfrm>
-            <a:off x="6753240" y="3975104"/>
+            <a:off x="6762640" y="3988629"/>
             <a:ext cx="1672102" cy="707886"/>
           </a:xfrm>
           <a:prstGeom prst="rect">
@@ -6325,7 +6323,7 @@
         </p:nvSpPr>
         <p:spPr>
           <a:xfrm>
-            <a:off x="566710" y="4097342"/>
+            <a:off x="487334" y="4117980"/>
             <a:ext cx="1743540" cy="707886"/>
           </a:xfrm>
           <a:prstGeom prst="rect">
@@ -6345,7 +6343,7 @@
                 <a:latin typeface="Courier New" pitchFamily="49" charset="0"/>
                 <a:cs typeface="Courier New" pitchFamily="49" charset="0"/>
               </a:rPr>
-              <a:t>COLA</a:t>
+              <a:t>CHLA</a:t>
             </a:r>
             <a:endParaRPr lang="es-AR" sz="4000" dirty="0">
               <a:latin typeface="Courier New" pitchFamily="49" charset="0"/>
@@ -6379,19 +6377,77 @@
             <a:r>
               <a:rPr lang="en-US" sz="6000" b="1" dirty="0" smtClean="0">
                 <a:solidFill>
-                  <a:schemeClr val="accent2"/>
+                  <a:srgbClr val="00B050"/>
                 </a:solidFill>
               </a:rPr>
-              <a:t>≠</a:t>
+              <a:t>=</a:t>
             </a:r>
             <a:endParaRPr lang="es-AR" sz="6000" b="1" dirty="0">
               <a:solidFill>
-                <a:schemeClr val="accent2"/>
+                <a:srgbClr val="00B050"/>
               </a:solidFill>
             </a:endParaRPr>
           </a:p>
         </p:txBody>
       </p:sp>
+      <p:pic>
+        <p:nvPicPr>
+          <p:cNvPr id="40" name="Picture 39" descr="sync.jpg"/>
+          <p:cNvPicPr>
+            <a:picLocks noChangeAspect="1"/>
+          </p:cNvPicPr>
+          <p:nvPr/>
+        </p:nvPicPr>
+        <p:blipFill>
+          <a:blip r:embed="rId8"/>
+          <a:stretch>
+            <a:fillRect/>
+          </a:stretch>
+        </p:blipFill>
+        <p:spPr>
+          <a:xfrm>
+            <a:off x="347634" y="2285992"/>
+            <a:ext cx="500066" cy="500066"/>
+          </a:xfrm>
+          <a:prstGeom prst="rect">
+            <a:avLst/>
+          </a:prstGeom>
+          <a:ln>
+            <a:solidFill>
+              <a:schemeClr val="tx1"/>
+            </a:solidFill>
+          </a:ln>
+        </p:spPr>
+      </p:pic>
+      <p:pic>
+        <p:nvPicPr>
+          <p:cNvPr id="41" name="Picture 40" descr="sync.jpg"/>
+          <p:cNvPicPr>
+            <a:picLocks noChangeAspect="1"/>
+          </p:cNvPicPr>
+          <p:nvPr/>
+        </p:nvPicPr>
+        <p:blipFill>
+          <a:blip r:embed="rId8"/>
+          <a:stretch>
+            <a:fillRect/>
+          </a:stretch>
+        </p:blipFill>
+        <p:spPr>
+          <a:xfrm>
+            <a:off x="8215338" y="2357430"/>
+            <a:ext cx="500066" cy="500066"/>
+          </a:xfrm>
+          <a:prstGeom prst="rect">
+            <a:avLst/>
+          </a:prstGeom>
+          <a:ln>
+            <a:solidFill>
+              <a:schemeClr val="tx1"/>
+            </a:solidFill>
+          </a:ln>
+        </p:spPr>
+      </p:pic>
     </p:spTree>
   </p:cSld>
   <p:clrMapOvr>
@@ -6422,9 +6478,6 @@
                                   <p:stCondLst>
                                     <p:cond delay="0"/>
                                   </p:stCondLst>
-                                  <p:iterate type="lt">
-                                    <p:tmPct val="0"/>
-                                  </p:iterate>
                                   <p:childTnLst>
                                     <p:set>
                                       <p:cBhvr>
@@ -6455,33 +6508,15 @@
                                   </p:childTnLst>
                                 </p:cTn>
                               </p:par>
-                            </p:childTnLst>
-                          </p:cTn>
-                        </p:par>
-                      </p:childTnLst>
-                    </p:cTn>
-                  </p:par>
-                  <p:par>
-                    <p:cTn id="8" fill="hold">
-                      <p:stCondLst>
-                        <p:cond delay="indefinite"/>
-                      </p:stCondLst>
-                      <p:childTnLst>
-                        <p:par>
-                          <p:cTn id="9" fill="hold">
-                            <p:stCondLst>
-                              <p:cond delay="0"/>
-                            </p:stCondLst>
-                            <p:childTnLst>
                               <p:par>
-                                <p:cTn id="10" presetID="10" presetClass="entr" presetSubtype="0" fill="hold" nodeType="clickEffect">
+                                <p:cTn id="8" presetID="10" presetClass="entr" presetSubtype="0" fill="hold" nodeType="withEffect">
                                   <p:stCondLst>
                                     <p:cond delay="0"/>
                                   </p:stCondLst>
                                   <p:childTnLst>
                                     <p:set>
                                       <p:cBhvr>
-                                        <p:cTn id="11" dur="1" fill="hold">
+                                        <p:cTn id="9" dur="1" fill="hold">
                                           <p:stCondLst>
                                             <p:cond delay="0"/>
                                           </p:stCondLst>
@@ -6499,7 +6534,7 @@
                                     </p:set>
                                     <p:animEffect transition="in" filter="fade">
                                       <p:cBhvr>
-                                        <p:cTn id="12" dur="2000"/>
+                                        <p:cTn id="10" dur="2000"/>
                                         <p:tgtEl>
                                           <p:spTgt spid="20"/>
                                         </p:tgtEl>
@@ -6515,26 +6550,26 @@
                     </p:cTn>
                   </p:par>
                   <p:par>
-                    <p:cTn id="13" fill="hold">
+                    <p:cTn id="11" fill="hold">
                       <p:stCondLst>
                         <p:cond delay="indefinite"/>
                       </p:stCondLst>
                       <p:childTnLst>
                         <p:par>
-                          <p:cTn id="14" fill="hold">
+                          <p:cTn id="12" fill="hold">
                             <p:stCondLst>
                               <p:cond delay="0"/>
                             </p:stCondLst>
                             <p:childTnLst>
                               <p:par>
-                                <p:cTn id="15" presetID="0" presetClass="path" presetSubtype="0" accel="50000" decel="50000" fill="hold" nodeType="clickEffect">
+                                <p:cTn id="13" presetID="0" presetClass="path" presetSubtype="0" accel="50000" decel="50000" fill="hold" nodeType="clickEffect">
                                   <p:stCondLst>
                                     <p:cond delay="0"/>
                                   </p:stCondLst>
                                   <p:childTnLst>
-                                    <p:animMotion origin="layout" path="M -2.77778E-7 4.07407E-6 C 0.05452 -0.00625 0.1092 -0.01227 0.15 -0.03704 C 0.1908 -0.06181 0.2099 -0.13403 0.24445 -0.14815 C 0.279 -0.16227 0.33681 -0.13149 0.35695 -0.12223 " pathEditMode="relative" ptsTypes="aaaA">
+                                    <p:animMotion origin="layout" path="M -0.00087 -0.00393 C -0.0007 -0.01736 1.11111E-6 -0.06736 0.00017 -0.08402 " pathEditMode="relative" rAng="0" ptsTypes="aa">
                                       <p:cBhvr>
-                                        <p:cTn id="16" dur="2000" fill="hold"/>
+                                        <p:cTn id="14" dur="2000" fill="hold"/>
                                         <p:tgtEl>
                                           <p:spTgt spid="20"/>
                                         </p:tgtEl>
@@ -6543,6 +6578,7 @@
                                           <p:attrName>ppt_y</p:attrName>
                                         </p:attrNameLst>
                                       </p:cBhvr>
+                                      <p:rCtr x="1" y="-40"/>
                                     </p:animMotion>
                                   </p:childTnLst>
                                 </p:cTn>
@@ -6554,26 +6590,206 @@
                     </p:cTn>
                   </p:par>
                   <p:par>
-                    <p:cTn id="17" fill="hold">
+                    <p:cTn id="15" fill="hold">
                       <p:stCondLst>
                         <p:cond delay="indefinite"/>
                       </p:stCondLst>
                       <p:childTnLst>
                         <p:par>
-                          <p:cTn id="18" fill="hold">
+                          <p:cTn id="16" fill="hold">
                             <p:stCondLst>
                               <p:cond delay="0"/>
                             </p:stCondLst>
                             <p:childTnLst>
                               <p:par>
-                                <p:cTn id="19" presetID="10" presetClass="exit" presetSubtype="0" fill="hold" grpId="0" nodeType="clickEffect">
+                                <p:cTn id="17" presetID="33" presetClass="emph" presetSubtype="0" fill="remove" nodeType="clickEffect">
+                                  <p:stCondLst>
+                                    <p:cond delay="0"/>
+                                  </p:stCondLst>
+                                  <p:childTnLst>
+                                    <p:animClr clrSpc="rgb">
+                                      <p:cBhvr override="childStyle">
+                                        <p:cTn id="18" dur="1500" accel="50000" autoRev="1" fill="hold" tmFilter="0, 0; .33333, 1; 1, 1">
+                                          <p:stCondLst>
+                                            <p:cond delay="0"/>
+                                          </p:stCondLst>
+                                        </p:cTn>
+                                        <p:tgtEl>
+                                          <p:spTgt spid="40"/>
+                                        </p:tgtEl>
+                                        <p:attrNameLst>
+                                          <p:attrName>style.color</p:attrName>
+                                        </p:attrNameLst>
+                                      </p:cBhvr>
+                                      <p:to>
+                                        <a:schemeClr val="accent2"/>
+                                      </p:to>
+                                    </p:animClr>
+                                    <p:animClr clrSpc="rgb">
+                                      <p:cBhvr>
+                                        <p:cTn id="19" dur="1500" accel="50000" autoRev="1" fill="hold" tmFilter="0, 0; .33333, 1; 1, 1">
+                                          <p:stCondLst>
+                                            <p:cond delay="0"/>
+                                          </p:stCondLst>
+                                        </p:cTn>
+                                        <p:tgtEl>
+                                          <p:spTgt spid="40"/>
+                                        </p:tgtEl>
+                                        <p:attrNameLst>
+                                          <p:attrName>fillcolor</p:attrName>
+                                        </p:attrNameLst>
+                                      </p:cBhvr>
+                                      <p:to>
+                                        <a:schemeClr val="accent2"/>
+                                      </p:to>
+                                    </p:animClr>
+                                    <p:set>
+                                      <p:cBhvr>
+                                        <p:cTn id="20" dur="3000" fill="hold"/>
+                                        <p:tgtEl>
+                                          <p:spTgt spid="40"/>
+                                        </p:tgtEl>
+                                        <p:attrNameLst>
+                                          <p:attrName>fill.type</p:attrName>
+                                        </p:attrNameLst>
+                                      </p:cBhvr>
+                                      <p:to>
+                                        <p:strVal val="solid"/>
+                                      </p:to>
+                                    </p:set>
+                                    <p:set>
+                                      <p:cBhvr>
+                                        <p:cTn id="21" dur="3000" fill="hold"/>
+                                        <p:tgtEl>
+                                          <p:spTgt spid="40"/>
+                                        </p:tgtEl>
+                                        <p:attrNameLst>
+                                          <p:attrName>fill.on</p:attrName>
+                                        </p:attrNameLst>
+                                      </p:cBhvr>
+                                      <p:to>
+                                        <p:strVal val="true"/>
+                                      </p:to>
+                                    </p:set>
+                                    <p:animScale>
+                                      <p:cBhvr>
+                                        <p:cTn id="22" dur="1500" accel="50000" autoRev="1" fill="hold" tmFilter="0, 0; .33333, 1; 1, 1">
+                                          <p:stCondLst>
+                                            <p:cond delay="0"/>
+                                          </p:stCondLst>
+                                        </p:cTn>
+                                        <p:tgtEl>
+                                          <p:spTgt spid="40"/>
+                                        </p:tgtEl>
+                                      </p:cBhvr>
+                                      <p:from x="100000" y="100000"/>
+                                      <p:to x="100000" y="140000"/>
+                                    </p:animScale>
+                                  </p:childTnLst>
+                                </p:cTn>
+                              </p:par>
+                            </p:childTnLst>
+                          </p:cTn>
+                        </p:par>
+                      </p:childTnLst>
+                    </p:cTn>
+                  </p:par>
+                  <p:par>
+                    <p:cTn id="23" fill="hold">
+                      <p:stCondLst>
+                        <p:cond delay="indefinite"/>
+                      </p:stCondLst>
+                      <p:childTnLst>
+                        <p:par>
+                          <p:cTn id="24" fill="hold">
+                            <p:stCondLst>
+                              <p:cond delay="0"/>
+                            </p:stCondLst>
+                            <p:childTnLst>
+                              <p:par>
+                                <p:cTn id="25" presetID="0" presetClass="path" presetSubtype="0" accel="50000" decel="50000" fill="hold" nodeType="clickEffect">
+                                  <p:stCondLst>
+                                    <p:cond delay="0"/>
+                                  </p:stCondLst>
+                                  <p:childTnLst>
+                                    <p:animMotion origin="layout" path="M -0.00278 -0.0963 C -0.0033 -0.10857 -0.01111 -0.14977 -0.00556 -0.16944 C 1.11111E-6 -0.18912 0.01597 -0.20394 0.03055 -0.21389 C 0.04514 -0.22384 0.05538 -0.22315 0.08194 -0.2287 C 0.10851 -0.23426 0.15833 -0.24236 0.19028 -0.24722 C 0.22222 -0.25208 0.23351 -0.25764 0.27361 -0.25833 C 0.31371 -0.25903 0.39792 -0.25255 0.43055 -0.25093 " pathEditMode="relative" rAng="0" ptsTypes="aaaaaaa">
+                                      <p:cBhvr>
+                                        <p:cTn id="26" dur="2000" fill="hold"/>
+                                        <p:tgtEl>
+                                          <p:spTgt spid="20"/>
+                                        </p:tgtEl>
+                                        <p:attrNameLst>
+                                          <p:attrName>ppt_x</p:attrName>
+                                          <p:attrName>ppt_y</p:attrName>
+                                        </p:attrNameLst>
+                                      </p:cBhvr>
+                                      <p:rCtr x="213" y="-81"/>
+                                    </p:animMotion>
+                                  </p:childTnLst>
+                                </p:cTn>
+                              </p:par>
+                            </p:childTnLst>
+                          </p:cTn>
+                        </p:par>
+                      </p:childTnLst>
+                    </p:cTn>
+                  </p:par>
+                  <p:par>
+                    <p:cTn id="27" fill="hold">
+                      <p:stCondLst>
+                        <p:cond delay="indefinite"/>
+                      </p:stCondLst>
+                      <p:childTnLst>
+                        <p:par>
+                          <p:cTn id="28" fill="hold">
+                            <p:stCondLst>
+                              <p:cond delay="0"/>
+                            </p:stCondLst>
+                            <p:childTnLst>
+                              <p:par>
+                                <p:cTn id="29" presetID="10" presetClass="entr" presetSubtype="0" fill="hold" nodeType="clickEffect">
+                                  <p:stCondLst>
+                                    <p:cond delay="0"/>
+                                  </p:stCondLst>
+                                  <p:childTnLst>
+                                    <p:set>
+                                      <p:cBhvr>
+                                        <p:cTn id="30" dur="1" fill="hold">
+                                          <p:stCondLst>
+                                            <p:cond delay="0"/>
+                                          </p:stCondLst>
+                                        </p:cTn>
+                                        <p:tgtEl>
+                                          <p:spTgt spid="24"/>
+                                        </p:tgtEl>
+                                        <p:attrNameLst>
+                                          <p:attrName>style.visibility</p:attrName>
+                                        </p:attrNameLst>
+                                      </p:cBhvr>
+                                      <p:to>
+                                        <p:strVal val="visible"/>
+                                      </p:to>
+                                    </p:set>
+                                    <p:animEffect transition="in" filter="fade">
+                                      <p:cBhvr>
+                                        <p:cTn id="31" dur="1000"/>
+                                        <p:tgtEl>
+                                          <p:spTgt spid="24"/>
+                                        </p:tgtEl>
+                                      </p:cBhvr>
+                                    </p:animEffect>
+                                  </p:childTnLst>
+                                </p:cTn>
+                              </p:par>
+                              <p:par>
+                                <p:cTn id="32" presetID="10" presetClass="exit" presetSubtype="0" fill="hold" grpId="0" nodeType="withEffect">
                                   <p:stCondLst>
                                     <p:cond delay="0"/>
                                   </p:stCondLst>
                                   <p:childTnLst>
                                     <p:animEffect transition="out" filter="fade">
                                       <p:cBhvr>
-                                        <p:cTn id="20" dur="500"/>
+                                        <p:cTn id="33" dur="500"/>
                                         <p:tgtEl>
                                           <p:spTgt spid="54"/>
                                         </p:tgtEl>
@@ -6581,7 +6797,7 @@
                                     </p:animEffect>
                                     <p:set>
                                       <p:cBhvr>
-                                        <p:cTn id="21" dur="1" fill="hold">
+                                        <p:cTn id="34" dur="1" fill="hold">
                                           <p:stCondLst>
                                             <p:cond delay="499"/>
                                           </p:stCondLst>
@@ -6601,14 +6817,14 @@
                                 </p:cTn>
                               </p:par>
                               <p:par>
-                                <p:cTn id="22" presetID="10" presetClass="entr" presetSubtype="0" fill="hold" grpId="0" nodeType="withEffect">
+                                <p:cTn id="35" presetID="10" presetClass="entr" presetSubtype="0" fill="hold" grpId="0" nodeType="withEffect">
                                   <p:stCondLst>
                                     <p:cond delay="0"/>
                                   </p:stCondLst>
                                   <p:childTnLst>
                                     <p:set>
                                       <p:cBhvr>
-                                        <p:cTn id="23" dur="1" fill="hold">
+                                        <p:cTn id="36" dur="1" fill="hold">
                                           <p:stCondLst>
                                             <p:cond delay="0"/>
                                           </p:stCondLst>
@@ -6626,144 +6842,12 @@
                                     </p:set>
                                     <p:animEffect transition="in" filter="fade">
                                       <p:cBhvr>
-                                        <p:cTn id="24" dur="500"/>
+                                        <p:cTn id="37" dur="500"/>
                                         <p:tgtEl>
                                           <p:spTgt spid="23"/>
                                         </p:tgtEl>
                                       </p:cBhvr>
                                     </p:animEffect>
-                                  </p:childTnLst>
-                                </p:cTn>
-                              </p:par>
-                            </p:childTnLst>
-                          </p:cTn>
-                        </p:par>
-                      </p:childTnLst>
-                    </p:cTn>
-                  </p:par>
-                  <p:par>
-                    <p:cTn id="25" fill="hold">
-                      <p:stCondLst>
-                        <p:cond delay="indefinite"/>
-                      </p:stCondLst>
-                      <p:childTnLst>
-                        <p:par>
-                          <p:cTn id="26" fill="hold">
-                            <p:stCondLst>
-                              <p:cond delay="0"/>
-                            </p:stCondLst>
-                            <p:childTnLst>
-                              <p:par>
-                                <p:cTn id="27" presetID="10" presetClass="entr" presetSubtype="0" fill="hold" nodeType="clickEffect">
-                                  <p:stCondLst>
-                                    <p:cond delay="0"/>
-                                  </p:stCondLst>
-                                  <p:childTnLst>
-                                    <p:set>
-                                      <p:cBhvr>
-                                        <p:cTn id="28" dur="1" fill="hold">
-                                          <p:stCondLst>
-                                            <p:cond delay="0"/>
-                                          </p:stCondLst>
-                                        </p:cTn>
-                                        <p:tgtEl>
-                                          <p:spTgt spid="24"/>
-                                        </p:tgtEl>
-                                        <p:attrNameLst>
-                                          <p:attrName>style.visibility</p:attrName>
-                                        </p:attrNameLst>
-                                      </p:cBhvr>
-                                      <p:to>
-                                        <p:strVal val="visible"/>
-                                      </p:to>
-                                    </p:set>
-                                    <p:animEffect transition="in" filter="fade">
-                                      <p:cBhvr>
-                                        <p:cTn id="29" dur="2000"/>
-                                        <p:tgtEl>
-                                          <p:spTgt spid="24"/>
-                                        </p:tgtEl>
-                                      </p:cBhvr>
-                                    </p:animEffect>
-                                  </p:childTnLst>
-                                </p:cTn>
-                              </p:par>
-                            </p:childTnLst>
-                          </p:cTn>
-                        </p:par>
-                      </p:childTnLst>
-                    </p:cTn>
-                  </p:par>
-                  <p:par>
-                    <p:cTn id="30" fill="hold">
-                      <p:stCondLst>
-                        <p:cond delay="indefinite"/>
-                      </p:stCondLst>
-                      <p:childTnLst>
-                        <p:par>
-                          <p:cTn id="31" fill="hold">
-                            <p:stCondLst>
-                              <p:cond delay="0"/>
-                            </p:stCondLst>
-                            <p:childTnLst>
-                              <p:par>
-                                <p:cTn id="32" presetID="0" presetClass="path" presetSubtype="0" accel="50000" decel="50000" fill="hold" nodeType="clickEffect">
-                                  <p:stCondLst>
-                                    <p:cond delay="0"/>
-                                  </p:stCondLst>
-                                  <p:childTnLst>
-                                    <p:animMotion origin="layout" path="M -1.11111E-6 -1.48148E-6 C -0.06389 -0.00671 -0.12778 -0.01296 -0.19687 -0.04467 C -0.26597 -0.07662 -0.37517 -0.17268 -0.41441 -0.19097 " pathEditMode="relative" rAng="0" ptsTypes="aaA">
-                                      <p:cBhvr>
-                                        <p:cTn id="33" dur="2000" fill="hold"/>
-                                        <p:tgtEl>
-                                          <p:spTgt spid="24"/>
-                                        </p:tgtEl>
-                                        <p:attrNameLst>
-                                          <p:attrName>ppt_x</p:attrName>
-                                          <p:attrName>ppt_y</p:attrName>
-                                        </p:attrNameLst>
-                                      </p:cBhvr>
-                                      <p:rCtr x="-207" y="-96"/>
-                                    </p:animMotion>
-                                  </p:childTnLst>
-                                </p:cTn>
-                              </p:par>
-                            </p:childTnLst>
-                          </p:cTn>
-                        </p:par>
-                      </p:childTnLst>
-                    </p:cTn>
-                  </p:par>
-                  <p:par>
-                    <p:cTn id="34" fill="hold">
-                      <p:stCondLst>
-                        <p:cond delay="indefinite"/>
-                      </p:stCondLst>
-                      <p:childTnLst>
-                        <p:par>
-                          <p:cTn id="35" fill="hold">
-                            <p:stCondLst>
-                              <p:cond delay="0"/>
-                            </p:stCondLst>
-                            <p:childTnLst>
-                              <p:par>
-                                <p:cTn id="36" presetID="0" presetClass="path" presetSubtype="0" accel="50000" decel="50000" fill="hold" nodeType="clickEffect">
-                                  <p:stCondLst>
-                                    <p:cond delay="0"/>
-                                  </p:stCondLst>
-                                  <p:childTnLst>
-                                    <p:animMotion origin="layout" path="M 0.35695 -0.12222 C 0.42744 -0.10463 0.49792 -0.08704 0.56528 -0.06667 C 0.63264 -0.0463 0.68959 -0.03148 0.76112 -1.85185E-6 " pathEditMode="relative" ptsTypes="aaA">
-                                      <p:cBhvr>
-                                        <p:cTn id="37" dur="2000" fill="hold"/>
-                                        <p:tgtEl>
-                                          <p:spTgt spid="20"/>
-                                        </p:tgtEl>
-                                        <p:attrNameLst>
-                                          <p:attrName>ppt_x</p:attrName>
-                                          <p:attrName>ppt_y</p:attrName>
-                                        </p:attrNameLst>
-                                      </p:cBhvr>
-                                    </p:animMotion>
                                   </p:childTnLst>
                                 </p:cTn>
                               </p:par>
@@ -6786,72 +6870,23 @@
                             </p:stCondLst>
                             <p:childTnLst>
                               <p:par>
-                                <p:cTn id="40" presetID="10" presetClass="exit" presetSubtype="0" fill="hold" grpId="1" nodeType="clickEffect">
+                                <p:cTn id="40" presetID="0" presetClass="path" presetSubtype="0" accel="50000" decel="50000" fill="hold" nodeType="clickEffect">
                                   <p:stCondLst>
                                     <p:cond delay="0"/>
                                   </p:stCondLst>
                                   <p:childTnLst>
-                                    <p:animEffect transition="out" filter="fade">
+                                    <p:animMotion origin="layout" path="M -5.83333E-6 -2.59259E-6 C -5.83333E-6 -2.59259E-6 -5.83333E-6 -0.03889 -5.83333E-6 -0.07777 " pathEditMode="relative" ptsTypes="aA">
                                       <p:cBhvr>
-                                        <p:cTn id="41" dur="500"/>
+                                        <p:cTn id="41" dur="1000" fill="hold"/>
                                         <p:tgtEl>
-                                          <p:spTgt spid="23"/>
-                                        </p:tgtEl>
-                                      </p:cBhvr>
-                                    </p:animEffect>
-                                    <p:set>
-                                      <p:cBhvr>
-                                        <p:cTn id="42" dur="1" fill="hold">
-                                          <p:stCondLst>
-                                            <p:cond delay="499"/>
-                                          </p:stCondLst>
-                                        </p:cTn>
-                                        <p:tgtEl>
-                                          <p:spTgt spid="23"/>
+                                          <p:spTgt spid="24"/>
                                         </p:tgtEl>
                                         <p:attrNameLst>
-                                          <p:attrName>style.visibility</p:attrName>
+                                          <p:attrName>ppt_x</p:attrName>
+                                          <p:attrName>ppt_y</p:attrName>
                                         </p:attrNameLst>
                                       </p:cBhvr>
-                                      <p:to>
-                                        <p:strVal val="hidden"/>
-                                      </p:to>
-                                    </p:set>
-                                  </p:childTnLst>
-                                </p:cTn>
-                              </p:par>
-                              <p:par>
-                                <p:cTn id="43" presetID="10" presetClass="entr" presetSubtype="0" fill="hold" grpId="0" nodeType="withEffect">
-                                  <p:stCondLst>
-                                    <p:cond delay="0"/>
-                                  </p:stCondLst>
-                                  <p:childTnLst>
-                                    <p:set>
-                                      <p:cBhvr>
-                                        <p:cTn id="44" dur="1" fill="hold">
-                                          <p:stCondLst>
-                                            <p:cond delay="0"/>
-                                          </p:stCondLst>
-                                        </p:cTn>
-                                        <p:tgtEl>
-                                          <p:spTgt spid="25"/>
-                                        </p:tgtEl>
-                                        <p:attrNameLst>
-                                          <p:attrName>style.visibility</p:attrName>
-                                        </p:attrNameLst>
-                                      </p:cBhvr>
-                                      <p:to>
-                                        <p:strVal val="visible"/>
-                                      </p:to>
-                                    </p:set>
-                                    <p:animEffect transition="in" filter="fade">
-                                      <p:cBhvr>
-                                        <p:cTn id="45" dur="500"/>
-                                        <p:tgtEl>
-                                          <p:spTgt spid="25"/>
-                                        </p:tgtEl>
-                                      </p:cBhvr>
-                                    </p:animEffect>
+                                    </p:animMotion>
                                   </p:childTnLst>
                                 </p:cTn>
                               </p:par>
@@ -6862,35 +6897,101 @@
                     </p:cTn>
                   </p:par>
                   <p:par>
-                    <p:cTn id="46" fill="hold">
+                    <p:cTn id="42" fill="hold">
                       <p:stCondLst>
                         <p:cond delay="indefinite"/>
                       </p:stCondLst>
                       <p:childTnLst>
                         <p:par>
-                          <p:cTn id="47" fill="hold">
+                          <p:cTn id="43" fill="hold">
                             <p:stCondLst>
                               <p:cond delay="0"/>
                             </p:stCondLst>
                             <p:childTnLst>
                               <p:par>
-                                <p:cTn id="48" presetID="0" presetClass="path" presetSubtype="0" accel="50000" decel="50000" fill="hold" nodeType="clickEffect">
+                                <p:cTn id="44" presetID="33" presetClass="emph" presetSubtype="0" fill="remove" nodeType="clickEffect">
                                   <p:stCondLst>
                                     <p:cond delay="0"/>
                                   </p:stCondLst>
                                   <p:childTnLst>
-                                    <p:animMotion origin="layout" path="M -0.41441 -0.19097 C -0.48489 -0.14375 -0.55521 -0.09653 -0.61441 -0.06505 C -0.67361 -0.03357 -0.74583 -0.00417 -0.76996 -0.00208 " pathEditMode="relative" ptsTypes="aaA">
-                                      <p:cBhvr>
-                                        <p:cTn id="49" dur="2000" fill="hold"/>
+                                    <p:animClr clrSpc="rgb">
+                                      <p:cBhvr override="childStyle">
+                                        <p:cTn id="45" dur="1500" accel="50000" autoRev="1" fill="hold" tmFilter="0, 0; .33333, 1; 1, 1">
+                                          <p:stCondLst>
+                                            <p:cond delay="0"/>
+                                          </p:stCondLst>
+                                        </p:cTn>
                                         <p:tgtEl>
-                                          <p:spTgt spid="24"/>
+                                          <p:spTgt spid="41"/>
                                         </p:tgtEl>
                                         <p:attrNameLst>
-                                          <p:attrName>ppt_x</p:attrName>
-                                          <p:attrName>ppt_y</p:attrName>
+                                          <p:attrName>style.color</p:attrName>
                                         </p:attrNameLst>
                                       </p:cBhvr>
-                                    </p:animMotion>
+                                      <p:to>
+                                        <a:schemeClr val="accent2"/>
+                                      </p:to>
+                                    </p:animClr>
+                                    <p:animClr clrSpc="rgb">
+                                      <p:cBhvr>
+                                        <p:cTn id="46" dur="1500" accel="50000" autoRev="1" fill="hold" tmFilter="0, 0; .33333, 1; 1, 1">
+                                          <p:stCondLst>
+                                            <p:cond delay="0"/>
+                                          </p:stCondLst>
+                                        </p:cTn>
+                                        <p:tgtEl>
+                                          <p:spTgt spid="41"/>
+                                        </p:tgtEl>
+                                        <p:attrNameLst>
+                                          <p:attrName>fillcolor</p:attrName>
+                                        </p:attrNameLst>
+                                      </p:cBhvr>
+                                      <p:to>
+                                        <a:schemeClr val="accent2"/>
+                                      </p:to>
+                                    </p:animClr>
+                                    <p:set>
+                                      <p:cBhvr>
+                                        <p:cTn id="47" dur="3000" fill="hold"/>
+                                        <p:tgtEl>
+                                          <p:spTgt spid="41"/>
+                                        </p:tgtEl>
+                                        <p:attrNameLst>
+                                          <p:attrName>fill.type</p:attrName>
+                                        </p:attrNameLst>
+                                      </p:cBhvr>
+                                      <p:to>
+                                        <p:strVal val="solid"/>
+                                      </p:to>
+                                    </p:set>
+                                    <p:set>
+                                      <p:cBhvr>
+                                        <p:cTn id="48" dur="3000" fill="hold"/>
+                                        <p:tgtEl>
+                                          <p:spTgt spid="41"/>
+                                        </p:tgtEl>
+                                        <p:attrNameLst>
+                                          <p:attrName>fill.on</p:attrName>
+                                        </p:attrNameLst>
+                                      </p:cBhvr>
+                                      <p:to>
+                                        <p:strVal val="true"/>
+                                      </p:to>
+                                    </p:set>
+                                    <p:animScale>
+                                      <p:cBhvr>
+                                        <p:cTn id="49" dur="1500" accel="50000" autoRev="1" fill="hold" tmFilter="0, 0; .33333, 1; 1, 1">
+                                          <p:stCondLst>
+                                            <p:cond delay="0"/>
+                                          </p:stCondLst>
+                                        </p:cTn>
+                                        <p:tgtEl>
+                                          <p:spTgt spid="41"/>
+                                        </p:tgtEl>
+                                      </p:cBhvr>
+                                      <p:from x="100000" y="100000"/>
+                                      <p:to x="100000" y="140000"/>
+                                    </p:animScale>
                                   </p:childTnLst>
                                 </p:cTn>
                               </p:par>
@@ -6913,14 +7014,616 @@
                             </p:stCondLst>
                             <p:childTnLst>
                               <p:par>
-                                <p:cTn id="52" presetID="10" presetClass="exit" presetSubtype="0" fill="hold" grpId="0" nodeType="clickEffect">
+                                <p:cTn id="52" presetID="0" presetClass="path" presetSubtype="0" accel="50000" decel="50000" fill="hold" nodeType="clickEffect">
+                                  <p:stCondLst>
+                                    <p:cond delay="0"/>
+                                  </p:stCondLst>
+                                  <p:childTnLst>
+                                    <p:animMotion origin="layout" path="M 4.72222E-6 -0.07778 C 0.00607 -0.10671 0.01232 -0.13542 -0.02223 -0.16296 C -0.05678 -0.19051 -0.14723 -0.24236 -0.20695 -0.24259 C -0.26667 -0.24282 -0.34306 -0.1794 -0.38056 -0.16481 C -0.41806 -0.15023 -0.42101 -0.15694 -0.43178 -0.15486 " pathEditMode="relative" rAng="0" ptsTypes="aaaaa">
+                                      <p:cBhvr>
+                                        <p:cTn id="53" dur="1000" fill="hold"/>
+                                        <p:tgtEl>
+                                          <p:spTgt spid="24"/>
+                                        </p:tgtEl>
+                                        <p:attrNameLst>
+                                          <p:attrName>ppt_x</p:attrName>
+                                          <p:attrName>ppt_y</p:attrName>
+                                        </p:attrNameLst>
+                                      </p:cBhvr>
+                                      <p:rCtr x="-210" y="-83"/>
+                                    </p:animMotion>
+                                  </p:childTnLst>
+                                </p:cTn>
+                              </p:par>
+                            </p:childTnLst>
+                          </p:cTn>
+                        </p:par>
+                      </p:childTnLst>
+                    </p:cTn>
+                  </p:par>
+                  <p:par>
+                    <p:cTn id="54" fill="hold">
+                      <p:stCondLst>
+                        <p:cond delay="indefinite"/>
+                      </p:stCondLst>
+                      <p:childTnLst>
+                        <p:par>
+                          <p:cTn id="55" fill="hold">
+                            <p:stCondLst>
+                              <p:cond delay="0"/>
+                            </p:stCondLst>
+                            <p:childTnLst>
+                              <p:par>
+                                <p:cTn id="56" presetID="0" presetClass="path" presetSubtype="0" accel="50000" decel="50000" fill="hold" nodeType="clickEffect">
+                                  <p:stCondLst>
+                                    <p:cond delay="0"/>
+                                  </p:stCondLst>
+                                  <p:childTnLst>
+                                    <p:animMotion origin="layout" path="M 0.43055 -0.25092 C 0.52292 -0.24745 0.61545 -0.24375 0.68194 -0.23426 C 0.74844 -0.22476 0.79722 -0.21088 0.82917 -0.19351 C 0.86111 -0.17615 0.86753 -0.15162 0.87361 -0.13055 C 0.87969 -0.10949 0.86736 -0.08078 0.86562 -0.06782 " pathEditMode="relative" rAng="0" ptsTypes="aaaaa">
+                                      <p:cBhvr>
+                                        <p:cTn id="57" dur="2000" fill="hold"/>
+                                        <p:tgtEl>
+                                          <p:spTgt spid="20"/>
+                                        </p:tgtEl>
+                                        <p:attrNameLst>
+                                          <p:attrName>ppt_x</p:attrName>
+                                          <p:attrName>ppt_y</p:attrName>
+                                        </p:attrNameLst>
+                                      </p:cBhvr>
+                                      <p:rCtr x="224" y="91"/>
+                                    </p:animMotion>
+                                  </p:childTnLst>
+                                </p:cTn>
+                              </p:par>
+                            </p:childTnLst>
+                          </p:cTn>
+                        </p:par>
+                      </p:childTnLst>
+                    </p:cTn>
+                  </p:par>
+                  <p:par>
+                    <p:cTn id="58" fill="hold">
+                      <p:stCondLst>
+                        <p:cond delay="indefinite"/>
+                      </p:stCondLst>
+                      <p:childTnLst>
+                        <p:par>
+                          <p:cTn id="59" fill="hold">
+                            <p:stCondLst>
+                              <p:cond delay="0"/>
+                            </p:stCondLst>
+                            <p:childTnLst>
+                              <p:par>
+                                <p:cTn id="60" presetID="33" presetClass="emph" presetSubtype="0" fill="remove" nodeType="clickEffect">
+                                  <p:stCondLst>
+                                    <p:cond delay="0"/>
+                                  </p:stCondLst>
+                                  <p:childTnLst>
+                                    <p:animClr clrSpc="rgb">
+                                      <p:cBhvr override="childStyle">
+                                        <p:cTn id="61" dur="500" accel="50000" autoRev="1" fill="hold" tmFilter="0, 0; .33333, 1; 1, 1">
+                                          <p:stCondLst>
+                                            <p:cond delay="0"/>
+                                          </p:stCondLst>
+                                        </p:cTn>
+                                        <p:tgtEl>
+                                          <p:spTgt spid="41"/>
+                                        </p:tgtEl>
+                                        <p:attrNameLst>
+                                          <p:attrName>style.color</p:attrName>
+                                        </p:attrNameLst>
+                                      </p:cBhvr>
+                                      <p:to>
+                                        <a:schemeClr val="accent2"/>
+                                      </p:to>
+                                    </p:animClr>
+                                    <p:animClr clrSpc="rgb">
+                                      <p:cBhvr>
+                                        <p:cTn id="62" dur="500" accel="50000" autoRev="1" fill="hold" tmFilter="0, 0; .33333, 1; 1, 1">
+                                          <p:stCondLst>
+                                            <p:cond delay="0"/>
+                                          </p:stCondLst>
+                                        </p:cTn>
+                                        <p:tgtEl>
+                                          <p:spTgt spid="41"/>
+                                        </p:tgtEl>
+                                        <p:attrNameLst>
+                                          <p:attrName>fillcolor</p:attrName>
+                                        </p:attrNameLst>
+                                      </p:cBhvr>
+                                      <p:to>
+                                        <a:schemeClr val="accent2"/>
+                                      </p:to>
+                                    </p:animClr>
+                                    <p:set>
+                                      <p:cBhvr>
+                                        <p:cTn id="63" dur="1000" fill="hold"/>
+                                        <p:tgtEl>
+                                          <p:spTgt spid="41"/>
+                                        </p:tgtEl>
+                                        <p:attrNameLst>
+                                          <p:attrName>fill.type</p:attrName>
+                                        </p:attrNameLst>
+                                      </p:cBhvr>
+                                      <p:to>
+                                        <p:strVal val="solid"/>
+                                      </p:to>
+                                    </p:set>
+                                    <p:set>
+                                      <p:cBhvr>
+                                        <p:cTn id="64" dur="1000" fill="hold"/>
+                                        <p:tgtEl>
+                                          <p:spTgt spid="41"/>
+                                        </p:tgtEl>
+                                        <p:attrNameLst>
+                                          <p:attrName>fill.on</p:attrName>
+                                        </p:attrNameLst>
+                                      </p:cBhvr>
+                                      <p:to>
+                                        <p:strVal val="true"/>
+                                      </p:to>
+                                    </p:set>
+                                    <p:animScale>
+                                      <p:cBhvr>
+                                        <p:cTn id="65" dur="500" accel="50000" autoRev="1" fill="hold" tmFilter="0, 0; .33333, 1; 1, 1">
+                                          <p:stCondLst>
+                                            <p:cond delay="0"/>
+                                          </p:stCondLst>
+                                        </p:cTn>
+                                        <p:tgtEl>
+                                          <p:spTgt spid="41"/>
+                                        </p:tgtEl>
+                                      </p:cBhvr>
+                                      <p:from x="100000" y="100000"/>
+                                      <p:to x="100000" y="140000"/>
+                                    </p:animScale>
+                                  </p:childTnLst>
+                                </p:cTn>
+                              </p:par>
+                            </p:childTnLst>
+                          </p:cTn>
+                        </p:par>
+                      </p:childTnLst>
+                    </p:cTn>
+                  </p:par>
+                  <p:par>
+                    <p:cTn id="66" fill="hold">
+                      <p:stCondLst>
+                        <p:cond delay="indefinite"/>
+                      </p:stCondLst>
+                      <p:childTnLst>
+                        <p:par>
+                          <p:cTn id="67" fill="hold">
+                            <p:stCondLst>
+                              <p:cond delay="0"/>
+                            </p:stCondLst>
+                            <p:childTnLst>
+                              <p:par>
+                                <p:cTn id="68" presetID="0" presetClass="path" presetSubtype="0" accel="50000" decel="50000" fill="hold" nodeType="clickEffect">
+                                  <p:stCondLst>
+                                    <p:cond delay="0"/>
+                                  </p:stCondLst>
+                                  <p:childTnLst>
+                                    <p:animMotion origin="layout" path="M 0.86233 -0.07192 C 0.86233 -0.07192 0.86354 -0.03053 0.86493 0.0111 " pathEditMode="relative" ptsTypes="aA">
+                                      <p:cBhvr>
+                                        <p:cTn id="69" dur="2000" fill="hold"/>
+                                        <p:tgtEl>
+                                          <p:spTgt spid="20"/>
+                                        </p:tgtEl>
+                                        <p:attrNameLst>
+                                          <p:attrName>ppt_x</p:attrName>
+                                          <p:attrName>ppt_y</p:attrName>
+                                        </p:attrNameLst>
+                                      </p:cBhvr>
+                                    </p:animMotion>
+                                  </p:childTnLst>
+                                </p:cTn>
+                              </p:par>
+                            </p:childTnLst>
+                          </p:cTn>
+                        </p:par>
+                      </p:childTnLst>
+                    </p:cTn>
+                  </p:par>
+                  <p:par>
+                    <p:cTn id="70" fill="hold">
+                      <p:stCondLst>
+                        <p:cond delay="indefinite"/>
+                      </p:stCondLst>
+                      <p:childTnLst>
+                        <p:par>
+                          <p:cTn id="71" fill="hold">
+                            <p:stCondLst>
+                              <p:cond delay="0"/>
+                            </p:stCondLst>
+                            <p:childTnLst>
+                              <p:par>
+                                <p:cTn id="72" presetID="10" presetClass="exit" presetSubtype="0" fill="hold" nodeType="clickEffect">
                                   <p:stCondLst>
                                     <p:cond delay="0"/>
                                   </p:stCondLst>
                                   <p:childTnLst>
                                     <p:animEffect transition="out" filter="fade">
                                       <p:cBhvr>
-                                        <p:cTn id="53" dur="500"/>
+                                        <p:cTn id="73" dur="2000"/>
+                                        <p:tgtEl>
+                                          <p:spTgt spid="20"/>
+                                        </p:tgtEl>
+                                      </p:cBhvr>
+                                    </p:animEffect>
+                                    <p:set>
+                                      <p:cBhvr>
+                                        <p:cTn id="74" dur="1" fill="hold">
+                                          <p:stCondLst>
+                                            <p:cond delay="1999"/>
+                                          </p:stCondLst>
+                                        </p:cTn>
+                                        <p:tgtEl>
+                                          <p:spTgt spid="20"/>
+                                        </p:tgtEl>
+                                        <p:attrNameLst>
+                                          <p:attrName>style.visibility</p:attrName>
+                                        </p:attrNameLst>
+                                      </p:cBhvr>
+                                      <p:to>
+                                        <p:strVal val="hidden"/>
+                                      </p:to>
+                                    </p:set>
+                                  </p:childTnLst>
+                                </p:cTn>
+                              </p:par>
+                              <p:par>
+                                <p:cTn id="75" presetID="10" presetClass="exit" presetSubtype="0" fill="hold" grpId="1" nodeType="withEffect">
+                                  <p:stCondLst>
+                                    <p:cond delay="0"/>
+                                  </p:stCondLst>
+                                  <p:childTnLst>
+                                    <p:animEffect transition="out" filter="fade">
+                                      <p:cBhvr>
+                                        <p:cTn id="76" dur="500"/>
+                                        <p:tgtEl>
+                                          <p:spTgt spid="23"/>
+                                        </p:tgtEl>
+                                      </p:cBhvr>
+                                    </p:animEffect>
+                                    <p:set>
+                                      <p:cBhvr>
+                                        <p:cTn id="77" dur="1" fill="hold">
+                                          <p:stCondLst>
+                                            <p:cond delay="499"/>
+                                          </p:stCondLst>
+                                        </p:cTn>
+                                        <p:tgtEl>
+                                          <p:spTgt spid="23"/>
+                                        </p:tgtEl>
+                                        <p:attrNameLst>
+                                          <p:attrName>style.visibility</p:attrName>
+                                        </p:attrNameLst>
+                                      </p:cBhvr>
+                                      <p:to>
+                                        <p:strVal val="hidden"/>
+                                      </p:to>
+                                    </p:set>
+                                  </p:childTnLst>
+                                </p:cTn>
+                              </p:par>
+                              <p:par>
+                                <p:cTn id="78" presetID="10" presetClass="entr" presetSubtype="0" fill="hold" grpId="0" nodeType="withEffect">
+                                  <p:stCondLst>
+                                    <p:cond delay="0"/>
+                                  </p:stCondLst>
+                                  <p:childTnLst>
+                                    <p:set>
+                                      <p:cBhvr>
+                                        <p:cTn id="79" dur="1" fill="hold">
+                                          <p:stCondLst>
+                                            <p:cond delay="0"/>
+                                          </p:stCondLst>
+                                        </p:cTn>
+                                        <p:tgtEl>
+                                          <p:spTgt spid="25"/>
+                                        </p:tgtEl>
+                                        <p:attrNameLst>
+                                          <p:attrName>style.visibility</p:attrName>
+                                        </p:attrNameLst>
+                                      </p:cBhvr>
+                                      <p:to>
+                                        <p:strVal val="visible"/>
+                                      </p:to>
+                                    </p:set>
+                                    <p:animEffect transition="in" filter="fade">
+                                      <p:cBhvr>
+                                        <p:cTn id="80" dur="500"/>
+                                        <p:tgtEl>
+                                          <p:spTgt spid="25"/>
+                                        </p:tgtEl>
+                                      </p:cBhvr>
+                                    </p:animEffect>
+                                  </p:childTnLst>
+                                </p:cTn>
+                              </p:par>
+                            </p:childTnLst>
+                          </p:cTn>
+                        </p:par>
+                      </p:childTnLst>
+                    </p:cTn>
+                  </p:par>
+                  <p:par>
+                    <p:cTn id="81" fill="hold">
+                      <p:stCondLst>
+                        <p:cond delay="indefinite"/>
+                      </p:stCondLst>
+                      <p:childTnLst>
+                        <p:par>
+                          <p:cTn id="82" fill="hold">
+                            <p:stCondLst>
+                              <p:cond delay="0"/>
+                            </p:stCondLst>
+                            <p:childTnLst>
+                              <p:par>
+                                <p:cTn id="83" presetID="0" presetClass="path" presetSubtype="0" accel="50000" decel="50000" fill="hold" nodeType="clickEffect">
+                                  <p:stCondLst>
+                                    <p:cond delay="0"/>
+                                  </p:stCondLst>
+                                  <p:childTnLst>
+                                    <p:animMotion origin="layout" path="M -0.43178 -0.15509 C -0.52119 -0.1787 -0.61059 -0.20208 -0.67466 -0.21227 C -0.73889 -0.22245 -0.78594 -0.22153 -0.81754 -0.21574 C -0.84914 -0.20995 -0.85695 -0.19954 -0.86424 -0.17755 C -0.87153 -0.15555 -0.86216 -0.10301 -0.86164 -0.08333 " pathEditMode="relative" rAng="0" ptsTypes="aaaaa">
+                                      <p:cBhvr>
+                                        <p:cTn id="84" dur="2000" fill="hold"/>
+                                        <p:tgtEl>
+                                          <p:spTgt spid="24"/>
+                                        </p:tgtEl>
+                                        <p:attrNameLst>
+                                          <p:attrName>ppt_x</p:attrName>
+                                          <p:attrName>ppt_y</p:attrName>
+                                        </p:attrNameLst>
+                                      </p:cBhvr>
+                                      <p:rCtr x="-220" y="2"/>
+                                    </p:animMotion>
+                                  </p:childTnLst>
+                                </p:cTn>
+                              </p:par>
+                            </p:childTnLst>
+                          </p:cTn>
+                        </p:par>
+                      </p:childTnLst>
+                    </p:cTn>
+                  </p:par>
+                  <p:par>
+                    <p:cTn id="85" fill="hold">
+                      <p:stCondLst>
+                        <p:cond delay="indefinite"/>
+                      </p:stCondLst>
+                      <p:childTnLst>
+                        <p:par>
+                          <p:cTn id="86" fill="hold">
+                            <p:stCondLst>
+                              <p:cond delay="0"/>
+                            </p:stCondLst>
+                            <p:childTnLst>
+                              <p:par>
+                                <p:cTn id="87" presetID="33" presetClass="emph" presetSubtype="0" fill="remove" nodeType="clickEffect">
+                                  <p:stCondLst>
+                                    <p:cond delay="0"/>
+                                  </p:stCondLst>
+                                  <p:childTnLst>
+                                    <p:animClr clrSpc="rgb">
+                                      <p:cBhvr override="childStyle">
+                                        <p:cTn id="88" dur="500" accel="50000" autoRev="1" fill="hold" tmFilter="0, 0; .33333, 1; 1, 1">
+                                          <p:stCondLst>
+                                            <p:cond delay="0"/>
+                                          </p:stCondLst>
+                                        </p:cTn>
+                                        <p:tgtEl>
+                                          <p:spTgt spid="40"/>
+                                        </p:tgtEl>
+                                        <p:attrNameLst>
+                                          <p:attrName>style.color</p:attrName>
+                                        </p:attrNameLst>
+                                      </p:cBhvr>
+                                      <p:to>
+                                        <a:schemeClr val="accent2"/>
+                                      </p:to>
+                                    </p:animClr>
+                                    <p:animClr clrSpc="rgb">
+                                      <p:cBhvr>
+                                        <p:cTn id="89" dur="500" accel="50000" autoRev="1" fill="hold" tmFilter="0, 0; .33333, 1; 1, 1">
+                                          <p:stCondLst>
+                                            <p:cond delay="0"/>
+                                          </p:stCondLst>
+                                        </p:cTn>
+                                        <p:tgtEl>
+                                          <p:spTgt spid="40"/>
+                                        </p:tgtEl>
+                                        <p:attrNameLst>
+                                          <p:attrName>fillcolor</p:attrName>
+                                        </p:attrNameLst>
+                                      </p:cBhvr>
+                                      <p:to>
+                                        <a:schemeClr val="accent2"/>
+                                      </p:to>
+                                    </p:animClr>
+                                    <p:set>
+                                      <p:cBhvr>
+                                        <p:cTn id="90" dur="1000" fill="hold"/>
+                                        <p:tgtEl>
+                                          <p:spTgt spid="40"/>
+                                        </p:tgtEl>
+                                        <p:attrNameLst>
+                                          <p:attrName>fill.type</p:attrName>
+                                        </p:attrNameLst>
+                                      </p:cBhvr>
+                                      <p:to>
+                                        <p:strVal val="solid"/>
+                                      </p:to>
+                                    </p:set>
+                                    <p:set>
+                                      <p:cBhvr>
+                                        <p:cTn id="91" dur="1000" fill="hold"/>
+                                        <p:tgtEl>
+                                          <p:spTgt spid="40"/>
+                                        </p:tgtEl>
+                                        <p:attrNameLst>
+                                          <p:attrName>fill.on</p:attrName>
+                                        </p:attrNameLst>
+                                      </p:cBhvr>
+                                      <p:to>
+                                        <p:strVal val="true"/>
+                                      </p:to>
+                                    </p:set>
+                                    <p:animScale>
+                                      <p:cBhvr>
+                                        <p:cTn id="92" dur="500" accel="50000" autoRev="1" fill="hold" tmFilter="0, 0; .33333, 1; 1, 1">
+                                          <p:stCondLst>
+                                            <p:cond delay="0"/>
+                                          </p:stCondLst>
+                                        </p:cTn>
+                                        <p:tgtEl>
+                                          <p:spTgt spid="40"/>
+                                        </p:tgtEl>
+                                      </p:cBhvr>
+                                      <p:from x="100000" y="100000"/>
+                                      <p:to x="100000" y="140000"/>
+                                    </p:animScale>
+                                  </p:childTnLst>
+                                </p:cTn>
+                              </p:par>
+                            </p:childTnLst>
+                          </p:cTn>
+                        </p:par>
+                      </p:childTnLst>
+                    </p:cTn>
+                  </p:par>
+                  <p:par>
+                    <p:cTn id="93" fill="hold">
+                      <p:stCondLst>
+                        <p:cond delay="indefinite"/>
+                      </p:stCondLst>
+                      <p:childTnLst>
+                        <p:par>
+                          <p:cTn id="94" fill="hold">
+                            <p:stCondLst>
+                              <p:cond delay="0"/>
+                            </p:stCondLst>
+                            <p:childTnLst>
+                              <p:par>
+                                <p:cTn id="95" presetID="0" presetClass="path" presetSubtype="0" accel="50000" decel="50000" fill="hold" nodeType="clickEffect">
+                                  <p:stCondLst>
+                                    <p:cond delay="0"/>
+                                  </p:stCondLst>
+                                  <p:childTnLst>
+                                    <p:animMotion origin="layout" path="M -0.8632 -0.09722 C -0.8632 -0.08264 -0.8632 -0.02801 -0.8632 -0.00972 " pathEditMode="relative" rAng="0" ptsTypes="aa">
+                                      <p:cBhvr>
+                                        <p:cTn id="96" dur="2000" fill="hold"/>
+                                        <p:tgtEl>
+                                          <p:spTgt spid="24"/>
+                                        </p:tgtEl>
+                                        <p:attrNameLst>
+                                          <p:attrName>ppt_x</p:attrName>
+                                          <p:attrName>ppt_y</p:attrName>
+                                        </p:attrNameLst>
+                                      </p:cBhvr>
+                                      <p:rCtr x="0" y="44"/>
+                                    </p:animMotion>
+                                  </p:childTnLst>
+                                </p:cTn>
+                              </p:par>
+                            </p:childTnLst>
+                          </p:cTn>
+                        </p:par>
+                      </p:childTnLst>
+                    </p:cTn>
+                  </p:par>
+                  <p:par>
+                    <p:cTn id="97" fill="hold">
+                      <p:stCondLst>
+                        <p:cond delay="indefinite"/>
+                      </p:stCondLst>
+                      <p:childTnLst>
+                        <p:par>
+                          <p:cTn id="98" fill="hold">
+                            <p:stCondLst>
+                              <p:cond delay="0"/>
+                            </p:stCondLst>
+                            <p:childTnLst>
+                              <p:par>
+                                <p:cTn id="99" presetID="10" presetClass="exit" presetSubtype="0" fill="hold" nodeType="clickEffect">
+                                  <p:stCondLst>
+                                    <p:cond delay="0"/>
+                                  </p:stCondLst>
+                                  <p:childTnLst>
+                                    <p:animEffect transition="out" filter="fade">
+                                      <p:cBhvr>
+                                        <p:cTn id="100" dur="2000"/>
+                                        <p:tgtEl>
+                                          <p:spTgt spid="24"/>
+                                        </p:tgtEl>
+                                      </p:cBhvr>
+                                    </p:animEffect>
+                                    <p:set>
+                                      <p:cBhvr>
+                                        <p:cTn id="101" dur="1" fill="hold">
+                                          <p:stCondLst>
+                                            <p:cond delay="1999"/>
+                                          </p:stCondLst>
+                                        </p:cTn>
+                                        <p:tgtEl>
+                                          <p:spTgt spid="24"/>
+                                        </p:tgtEl>
+                                        <p:attrNameLst>
+                                          <p:attrName>style.visibility</p:attrName>
+                                        </p:attrNameLst>
+                                      </p:cBhvr>
+                                      <p:to>
+                                        <p:strVal val="hidden"/>
+                                      </p:to>
+                                    </p:set>
+                                  </p:childTnLst>
+                                </p:cTn>
+                              </p:par>
+                              <p:par>
+                                <p:cTn id="102" presetID="10" presetClass="exit" presetSubtype="0" fill="hold" grpId="1" nodeType="withEffect">
+                                  <p:stCondLst>
+                                    <p:cond delay="0"/>
+                                  </p:stCondLst>
+                                  <p:childTnLst>
+                                    <p:animEffect transition="out" filter="fade">
+                                      <p:cBhvr>
+                                        <p:cTn id="103" dur="2000"/>
+                                        <p:tgtEl>
+                                          <p:spTgt spid="21"/>
+                                        </p:tgtEl>
+                                      </p:cBhvr>
+                                    </p:animEffect>
+                                    <p:set>
+                                      <p:cBhvr>
+                                        <p:cTn id="104" dur="1" fill="hold">
+                                          <p:stCondLst>
+                                            <p:cond delay="1999"/>
+                                          </p:stCondLst>
+                                        </p:cTn>
+                                        <p:tgtEl>
+                                          <p:spTgt spid="21"/>
+                                        </p:tgtEl>
+                                        <p:attrNameLst>
+                                          <p:attrName>style.visibility</p:attrName>
+                                        </p:attrNameLst>
+                                      </p:cBhvr>
+                                      <p:to>
+                                        <p:strVal val="hidden"/>
+                                      </p:to>
+                                    </p:set>
+                                  </p:childTnLst>
+                                </p:cTn>
+                              </p:par>
+                              <p:par>
+                                <p:cTn id="105" presetID="10" presetClass="exit" presetSubtype="0" fill="hold" grpId="0" nodeType="withEffect">
+                                  <p:stCondLst>
+                                    <p:cond delay="0"/>
+                                  </p:stCondLst>
+                                  <p:childTnLst>
+                                    <p:animEffect transition="out" filter="fade">
+                                      <p:cBhvr>
+                                        <p:cTn id="106" dur="1000"/>
                                         <p:tgtEl>
                                           <p:spTgt spid="47"/>
                                         </p:tgtEl>
@@ -6928,9 +7631,9 @@
                                     </p:animEffect>
                                     <p:set>
                                       <p:cBhvr>
-                                        <p:cTn id="54" dur="1" fill="hold">
+                                        <p:cTn id="107" dur="1" fill="hold">
                                           <p:stCondLst>
-                                            <p:cond delay="499"/>
+                                            <p:cond delay="999"/>
                                           </p:stCondLst>
                                         </p:cTn>
                                         <p:tgtEl>
@@ -6948,52 +7651,14 @@
                                 </p:cTn>
                               </p:par>
                               <p:par>
-                                <p:cTn id="55" presetID="10" presetClass="exit" presetSubtype="0" fill="hold" grpId="1" nodeType="withEffect">
-                                  <p:stCondLst>
-                                    <p:cond delay="0"/>
-                                  </p:stCondLst>
-                                  <p:iterate type="lt">
-                                    <p:tmPct val="0"/>
-                                  </p:iterate>
-                                  <p:childTnLst>
-                                    <p:animEffect transition="out" filter="fade">
-                                      <p:cBhvr>
-                                        <p:cTn id="56" dur="500"/>
-                                        <p:tgtEl>
-                                          <p:spTgt spid="21"/>
-                                        </p:tgtEl>
-                                      </p:cBhvr>
-                                    </p:animEffect>
-                                    <p:set>
-                                      <p:cBhvr>
-                                        <p:cTn id="57" dur="1" fill="hold">
-                                          <p:stCondLst>
-                                            <p:cond delay="499"/>
-                                          </p:stCondLst>
-                                        </p:cTn>
-                                        <p:tgtEl>
-                                          <p:spTgt spid="21"/>
-                                        </p:tgtEl>
-                                        <p:attrNameLst>
-                                          <p:attrName>style.visibility</p:attrName>
-                                        </p:attrNameLst>
-                                      </p:cBhvr>
-                                      <p:to>
-                                        <p:strVal val="hidden"/>
-                                      </p:to>
-                                    </p:set>
-                                  </p:childTnLst>
-                                </p:cTn>
-                              </p:par>
-                              <p:par>
-                                <p:cTn id="58" presetID="10" presetClass="entr" presetSubtype="0" fill="hold" grpId="0" nodeType="withEffect">
+                                <p:cTn id="108" presetID="10" presetClass="entr" presetSubtype="0" fill="hold" grpId="0" nodeType="withEffect">
                                   <p:stCondLst>
                                     <p:cond delay="0"/>
                                   </p:stCondLst>
                                   <p:childTnLst>
                                     <p:set>
                                       <p:cBhvr>
-                                        <p:cTn id="59" dur="1" fill="hold">
+                                        <p:cTn id="109" dur="1" fill="hold">
                                           <p:stCondLst>
                                             <p:cond delay="0"/>
                                           </p:stCondLst>
@@ -7011,7 +7676,7 @@
                                     </p:set>
                                     <p:animEffect transition="in" filter="fade">
                                       <p:cBhvr>
-                                        <p:cTn id="60" dur="500"/>
+                                        <p:cTn id="110" dur="1000"/>
                                         <p:tgtEl>
                                           <p:spTgt spid="26"/>
                                         </p:tgtEl>
@@ -7027,26 +7692,26 @@
                     </p:cTn>
                   </p:par>
                   <p:par>
-                    <p:cTn id="61" fill="hold">
+                    <p:cTn id="111" fill="hold">
                       <p:stCondLst>
                         <p:cond delay="indefinite"/>
                       </p:stCondLst>
                       <p:childTnLst>
                         <p:par>
-                          <p:cTn id="62" fill="hold">
+                          <p:cTn id="112" fill="hold">
                             <p:stCondLst>
                               <p:cond delay="0"/>
                             </p:stCondLst>
                             <p:childTnLst>
                               <p:par>
-                                <p:cTn id="63" presetID="0" presetClass="path" presetSubtype="0" accel="50000" decel="50000" fill="hold" nodeType="clickEffect">
+                                <p:cTn id="113" presetID="0" presetClass="path" presetSubtype="0" accel="50000" decel="50000" fill="hold" nodeType="clickEffect">
                                   <p:stCondLst>
                                     <p:cond delay="0"/>
                                   </p:stCondLst>
                                   <p:childTnLst>
-                                    <p:animMotion origin="layout" path="M 0 0 C 0.05729 0.0007 0.11476 0.00162 0.15 0 " pathEditMode="relative" ptsTypes="aA">
+                                    <p:animMotion origin="layout" path="M 0 0 C 0.06076 0.00069 0.12152 0.00162 0.15416 0.00185 " pathEditMode="relative" ptsTypes="aA">
                                       <p:cBhvr>
-                                        <p:cTn id="64" dur="2000" fill="hold"/>
+                                        <p:cTn id="114" dur="2000" fill="hold"/>
                                         <p:tgtEl>
                                           <p:spTgt spid="44"/>
                                         </p:tgtEl>
@@ -7060,14 +7725,14 @@
                                 </p:cTn>
                               </p:par>
                               <p:par>
-                                <p:cTn id="65" presetID="0" presetClass="path" presetSubtype="0" accel="50000" decel="50000" fill="hold" grpId="1" nodeType="withEffect">
+                                <p:cTn id="115" presetID="0" presetClass="path" presetSubtype="0" accel="50000" decel="50000" fill="hold" grpId="1" nodeType="withEffect">
                                   <p:stCondLst>
                                     <p:cond delay="0"/>
                                   </p:stCondLst>
                                   <p:childTnLst>
-                                    <p:animMotion origin="layout" path="M 0 0 C 0.05729 0.0007 0.11476 0.00162 0.15 0 " pathEditMode="relative" ptsTypes="aA">
+                                    <p:animMotion origin="layout" path="M 0 0 C 0.06076 0.00069 0.12152 0.00162 0.15416 0.00185 " pathEditMode="relative" ptsTypes="aA">
                                       <p:cBhvr>
-                                        <p:cTn id="66" dur="2000" fill="hold"/>
+                                        <p:cTn id="116" dur="2000" fill="hold"/>
                                         <p:tgtEl>
                                           <p:spTgt spid="47"/>
                                         </p:tgtEl>
@@ -7081,17 +7746,14 @@
                                 </p:cTn>
                               </p:par>
                               <p:par>
-                                <p:cTn id="67" presetID="0" presetClass="path" presetSubtype="0" accel="50000" decel="50000" fill="hold" grpId="2" nodeType="withEffect">
+                                <p:cTn id="117" presetID="0" presetClass="path" presetSubtype="0" accel="50000" decel="50000" fill="hold" grpId="2" nodeType="withEffect">
                                   <p:stCondLst>
                                     <p:cond delay="0"/>
                                   </p:stCondLst>
-                                  <p:iterate type="lt">
-                                    <p:tmPct val="0"/>
-                                  </p:iterate>
                                   <p:childTnLst>
-                                    <p:animMotion origin="layout" path="M 0 0 C 0.05729 0.0007 0.11476 0.00162 0.15 0 " pathEditMode="relative" ptsTypes="aA">
+                                    <p:animMotion origin="layout" path="M 0 0 C 0.06076 0.00069 0.12152 0.00162 0.15416 0.00185 " pathEditMode="relative" ptsTypes="aA">
                                       <p:cBhvr>
-                                        <p:cTn id="68" dur="2000" fill="hold"/>
+                                        <p:cTn id="118" dur="2000" fill="hold"/>
                                         <p:tgtEl>
                                           <p:spTgt spid="21"/>
                                         </p:tgtEl>
@@ -7105,14 +7767,14 @@
                                 </p:cTn>
                               </p:par>
                               <p:par>
-                                <p:cTn id="69" presetID="0" presetClass="path" presetSubtype="0" accel="50000" decel="50000" fill="hold" grpId="1" nodeType="withEffect">
+                                <p:cTn id="119" presetID="0" presetClass="path" presetSubtype="0" accel="50000" decel="50000" fill="hold" grpId="1" nodeType="withEffect">
                                   <p:stCondLst>
                                     <p:cond delay="0"/>
                                   </p:stCondLst>
                                   <p:childTnLst>
-                                    <p:animMotion origin="layout" path="M 0 0 C 0.05729 0.0007 0.11476 0.00162 0.15 0 " pathEditMode="relative" ptsTypes="aA">
+                                    <p:animMotion origin="layout" path="M 0 0 C 0.06076 0.00069 0.12152 0.00162 0.15416 0.00185 " pathEditMode="relative" ptsTypes="aA">
                                       <p:cBhvr>
-                                        <p:cTn id="70" dur="2000" fill="hold"/>
+                                        <p:cTn id="120" dur="2000" fill="hold"/>
                                         <p:tgtEl>
                                           <p:spTgt spid="26"/>
                                         </p:tgtEl>
@@ -7126,14 +7788,14 @@
                                 </p:cTn>
                               </p:par>
                               <p:par>
-                                <p:cTn id="71" presetID="0" presetClass="path" presetSubtype="0" accel="50000" decel="50000" fill="hold" nodeType="withEffect">
+                                <p:cTn id="121" presetID="0" presetClass="path" presetSubtype="0" accel="50000" decel="50000" fill="hold" nodeType="withEffect">
                                   <p:stCondLst>
                                     <p:cond delay="0"/>
                                   </p:stCondLst>
                                   <p:childTnLst>
-                                    <p:animMotion origin="layout" path="M 0 0 C 0 0 -0.07222 -0.00185 -0.14444 -0.00371 " pathEditMode="relative" ptsTypes="aA">
+                                    <p:animMotion origin="layout" path="M 0 0 C 0 0 -0.06389 -0.00093 -0.12778 -0.00186 " pathEditMode="relative" ptsTypes="aA">
                                       <p:cBhvr>
-                                        <p:cTn id="72" dur="2000" fill="hold"/>
+                                        <p:cTn id="122" dur="2000" fill="hold"/>
                                         <p:tgtEl>
                                           <p:spTgt spid="53"/>
                                         </p:tgtEl>
@@ -7147,14 +7809,14 @@
                                 </p:cTn>
                               </p:par>
                               <p:par>
-                                <p:cTn id="73" presetID="0" presetClass="path" presetSubtype="0" accel="50000" decel="50000" fill="hold" grpId="1" nodeType="withEffect">
+                                <p:cTn id="123" presetID="0" presetClass="path" presetSubtype="0" accel="50000" decel="50000" fill="hold" grpId="1" nodeType="withEffect">
                                   <p:stCondLst>
                                     <p:cond delay="0"/>
                                   </p:stCondLst>
                                   <p:childTnLst>
-                                    <p:animMotion origin="layout" path="M 0 0 C 0 0 -0.07222 -0.00185 -0.14444 -0.00371 " pathEditMode="relative" ptsTypes="aA">
+                                    <p:animMotion origin="layout" path="M 0 0 C 0 0 -0.06389 -0.00093 -0.12778 -0.00186 " pathEditMode="relative" ptsTypes="aA">
                                       <p:cBhvr>
-                                        <p:cTn id="74" dur="2000" fill="hold"/>
+                                        <p:cTn id="124" dur="2000" fill="hold"/>
                                         <p:tgtEl>
                                           <p:spTgt spid="54"/>
                                         </p:tgtEl>
@@ -7168,14 +7830,14 @@
                                 </p:cTn>
                               </p:par>
                               <p:par>
-                                <p:cTn id="75" presetID="0" presetClass="path" presetSubtype="0" accel="50000" decel="50000" fill="hold" grpId="2" nodeType="withEffect">
+                                <p:cTn id="125" presetID="0" presetClass="path" presetSubtype="0" accel="50000" decel="50000" fill="hold" grpId="2" nodeType="withEffect">
                                   <p:stCondLst>
                                     <p:cond delay="0"/>
                                   </p:stCondLst>
                                   <p:childTnLst>
-                                    <p:animMotion origin="layout" path="M 0 0 C 0 0 -0.07222 -0.00185 -0.14444 -0.00371 " pathEditMode="relative" ptsTypes="aA">
+                                    <p:animMotion origin="layout" path="M 0 0 C 0 0 -0.06389 -0.00093 -0.12778 -0.00186 " pathEditMode="relative" ptsTypes="aA">
                                       <p:cBhvr>
-                                        <p:cTn id="76" dur="2000" fill="hold"/>
+                                        <p:cTn id="126" dur="2000" fill="hold"/>
                                         <p:tgtEl>
                                           <p:spTgt spid="23"/>
                                         </p:tgtEl>
@@ -7189,14 +7851,14 @@
                                 </p:cTn>
                               </p:par>
                               <p:par>
-                                <p:cTn id="77" presetID="0" presetClass="path" presetSubtype="0" accel="50000" decel="50000" fill="hold" grpId="1" nodeType="withEffect">
+                                <p:cTn id="127" presetID="0" presetClass="path" presetSubtype="0" accel="50000" decel="50000" fill="hold" grpId="1" nodeType="withEffect">
                                   <p:stCondLst>
                                     <p:cond delay="0"/>
                                   </p:stCondLst>
                                   <p:childTnLst>
-                                    <p:animMotion origin="layout" path="M 0 0 C 0 0 -0.07222 -0.00185 -0.14444 -0.00371 " pathEditMode="relative" ptsTypes="aA">
+                                    <p:animMotion origin="layout" path="M 0 0 C 0 0 -0.06389 -0.00093 -0.12778 -0.00186 " pathEditMode="relative" ptsTypes="aA">
                                       <p:cBhvr>
-                                        <p:cTn id="78" dur="2000" fill="hold"/>
+                                        <p:cTn id="128" dur="2000" fill="hold"/>
                                         <p:tgtEl>
                                           <p:spTgt spid="25"/>
                                         </p:tgtEl>
@@ -7216,26 +7878,26 @@
                     </p:cTn>
                   </p:par>
                   <p:par>
-                    <p:cTn id="79" fill="hold">
+                    <p:cTn id="129" fill="hold">
                       <p:stCondLst>
                         <p:cond delay="indefinite"/>
                       </p:stCondLst>
                       <p:childTnLst>
                         <p:par>
-                          <p:cTn id="80" fill="hold">
+                          <p:cTn id="130" fill="hold">
                             <p:stCondLst>
                               <p:cond delay="0"/>
                             </p:stCondLst>
                             <p:childTnLst>
                               <p:par>
-                                <p:cTn id="81" presetID="49" presetClass="entr" presetSubtype="0" decel="100000" fill="hold" grpId="0" nodeType="clickEffect">
+                                <p:cTn id="131" presetID="49" presetClass="entr" presetSubtype="0" decel="100000" fill="hold" grpId="0" nodeType="clickEffect">
                                   <p:stCondLst>
                                     <p:cond delay="0"/>
                                   </p:stCondLst>
                                   <p:childTnLst>
                                     <p:set>
                                       <p:cBhvr>
-                                        <p:cTn id="82" dur="1" fill="hold">
+                                        <p:cTn id="132" dur="1" fill="hold">
                                           <p:stCondLst>
                                             <p:cond delay="0"/>
                                           </p:stCondLst>
@@ -7253,7 +7915,7 @@
                                     </p:set>
                                     <p:anim calcmode="lin" valueType="num">
                                       <p:cBhvr>
-                                        <p:cTn id="83" dur="500" fill="hold"/>
+                                        <p:cTn id="133" dur="500" fill="hold"/>
                                         <p:tgtEl>
                                           <p:spTgt spid="27"/>
                                         </p:tgtEl>
@@ -7276,7 +7938,7 @@
                                     </p:anim>
                                     <p:anim calcmode="lin" valueType="num">
                                       <p:cBhvr>
-                                        <p:cTn id="84" dur="500" fill="hold"/>
+                                        <p:cTn id="134" dur="500" fill="hold"/>
                                         <p:tgtEl>
                                           <p:spTgt spid="27"/>
                                         </p:tgtEl>
@@ -7299,7 +7961,7 @@
                                     </p:anim>
                                     <p:anim calcmode="lin" valueType="num">
                                       <p:cBhvr>
-                                        <p:cTn id="85" dur="500" fill="hold"/>
+                                        <p:cTn id="135" dur="500" fill="hold"/>
                                         <p:tgtEl>
                                           <p:spTgt spid="27"/>
                                         </p:tgtEl>
@@ -7322,7 +7984,7 @@
                                     </p:anim>
                                     <p:animEffect transition="in" filter="fade">
                                       <p:cBhvr>
-                                        <p:cTn id="86" dur="500"/>
+                                        <p:cTn id="136" dur="500"/>
                                         <p:tgtEl>
                                           <p:spTgt spid="27"/>
                                         </p:tgtEl>
@@ -7936,21 +8598,13 @@
             </a:r>
             <a:r>
               <a:rPr lang="en-US" dirty="0" smtClean="0"/>
-              <a:t> + </a:t>
-            </a:r>
+              <a:t> + Java.</a:t>
+            </a:r>
+          </a:p>
+          <a:p>
             <a:r>
               <a:rPr lang="en-US" dirty="0" smtClean="0"/>
-              <a:t>Java.</a:t>
-            </a:r>
-          </a:p>
-          <a:p>
-            <a:r>
-              <a:rPr lang="en-US" dirty="0" smtClean="0"/>
-              <a:t>Eclipse IDE</a:t>
-            </a:r>
-            <a:r>
-              <a:rPr lang="en-US" dirty="0" smtClean="0"/>
-              <a:t>.</a:t>
+              <a:t>Eclipse IDE.</a:t>
             </a:r>
           </a:p>
           <a:p>
@@ -7962,30 +8616,23 @@
               <a:rPr lang="en-US" dirty="0" smtClean="0"/>
               <a:t> IDEA.</a:t>
             </a:r>
-            <a:endParaRPr lang="en-US" dirty="0" smtClean="0"/>
           </a:p>
           <a:p>
             <a:r>
               <a:rPr lang="en-US" dirty="0" smtClean="0"/>
               <a:t>Maven.</a:t>
             </a:r>
-            <a:endParaRPr lang="en-US" dirty="0" smtClean="0"/>
           </a:p>
           <a:p>
             <a:r>
               <a:rPr lang="en-US" dirty="0" smtClean="0"/>
               <a:t>GIT.</a:t>
             </a:r>
-            <a:endParaRPr lang="en-US" dirty="0" smtClean="0"/>
           </a:p>
           <a:p>
             <a:r>
               <a:rPr lang="en-US" dirty="0" smtClean="0"/>
-              <a:t>Spring</a:t>
-            </a:r>
-            <a:r>
-              <a:rPr lang="en-US" dirty="0" smtClean="0"/>
-              <a:t>.</a:t>
+              <a:t>Spring.</a:t>
             </a:r>
           </a:p>
           <a:p>
@@ -8260,15 +8907,7 @@
           <a:p>
             <a:r>
               <a:rPr lang="es-ES" dirty="0" smtClean="0"/>
-              <a:t>Modelo </a:t>
-            </a:r>
-            <a:r>
-              <a:rPr lang="es-ES" dirty="0" smtClean="0"/>
-              <a:t>basado </a:t>
-            </a:r>
-            <a:r>
-              <a:rPr lang="es-ES" dirty="0" smtClean="0"/>
-              <a:t>Actores: reduce la complejidad en el desarrollo de aplicaciones concurrentes.</a:t>
+              <a:t>Modelo basado Actores: reduce la complejidad en el desarrollo de aplicaciones concurrentes.</a:t>
             </a:r>
           </a:p>
           <a:p>
@@ -8288,11 +8927,7 @@
           <a:p>
             <a:r>
               <a:rPr lang="es-ES" dirty="0" smtClean="0"/>
-              <a:t>Construcciones útiles</a:t>
-            </a:r>
-            <a:r>
-              <a:rPr lang="es-ES" dirty="0" smtClean="0"/>
-              <a:t>:</a:t>
+              <a:t>Construcciones útiles:</a:t>
             </a:r>
           </a:p>
           <a:p>
@@ -8487,7 +9122,6 @@
               <a:rPr lang="es-ES" dirty="0" smtClean="0"/>
               <a:t>Luego de los tres sprint se generó la documentación.</a:t>
             </a:r>
-            <a:endParaRPr lang="es-ES" dirty="0" smtClean="0"/>
           </a:p>
         </p:txBody>
       </p:sp>
@@ -8690,11 +9324,7 @@
           <a:p>
             <a:r>
               <a:rPr lang="es-ES" dirty="0" smtClean="0"/>
-              <a:t>Mecanismo </a:t>
-            </a:r>
-            <a:r>
-              <a:rPr lang="es-ES" dirty="0" smtClean="0"/>
-              <a:t>de deshacer cambios (</a:t>
+              <a:t>Mecanismo de deshacer cambios (</a:t>
             </a:r>
             <a:r>
               <a:rPr lang="es-ES" dirty="0" err="1" smtClean="0"/>
@@ -8704,16 +9334,11 @@
               <a:rPr lang="es-ES" dirty="0" smtClean="0"/>
               <a:t>).</a:t>
             </a:r>
-            <a:endParaRPr lang="es-ES" dirty="0" smtClean="0"/>
           </a:p>
           <a:p>
             <a:r>
               <a:rPr lang="es-ES" dirty="0" smtClean="0"/>
-              <a:t>Esquema </a:t>
-            </a:r>
-            <a:r>
-              <a:rPr lang="es-ES" dirty="0" smtClean="0"/>
-              <a:t>de autenticación y autorización.</a:t>
+              <a:t>Esquema de autenticación y autorización.</a:t>
             </a:r>
           </a:p>
           <a:p>
@@ -8735,7 +9360,6 @@
               <a:rPr lang="es-ES" dirty="0" smtClean="0"/>
               <a:t>.</a:t>
             </a:r>
-            <a:endParaRPr lang="es-ES" dirty="0" smtClean="0"/>
           </a:p>
           <a:p>
             <a:r>
@@ -8746,11 +9370,7 @@
           <a:p>
             <a:r>
               <a:rPr lang="es-ES" dirty="0" smtClean="0"/>
-              <a:t>Cifrado de mensajes</a:t>
-            </a:r>
-            <a:r>
-              <a:rPr lang="es-ES" dirty="0" smtClean="0"/>
-              <a:t>.</a:t>
+              <a:t>Cifrado de mensajes.</a:t>
             </a:r>
           </a:p>
         </p:txBody>
@@ -8873,41 +9493,8 @@
           <a:p>
             <a:r>
               <a:rPr lang="es-ES" dirty="0" smtClean="0"/>
-              <a:t>La colaboración en tiempo real permite  </a:t>
-            </a:r>
-            <a:r>
-              <a:rPr lang="es-ES" dirty="0" smtClean="0"/>
-              <a:t>interactuar </a:t>
-            </a:r>
-            <a:r>
-              <a:rPr lang="es-ES" dirty="0" smtClean="0"/>
-              <a:t>a un grupo de </a:t>
-            </a:r>
-            <a:r>
-              <a:rPr lang="es-ES" dirty="0" smtClean="0"/>
-              <a:t>trabajo </a:t>
-            </a:r>
-            <a:r>
-              <a:rPr lang="es-ES" dirty="0" smtClean="0"/>
-              <a:t>de forma simple y coordinada </a:t>
-            </a:r>
-            <a:r>
-              <a:rPr lang="es-ES" dirty="0" smtClean="0"/>
-              <a:t>a</a:t>
-            </a:r>
-            <a:r>
-              <a:rPr lang="es-ES" dirty="0" smtClean="0"/>
-              <a:t>celerando</a:t>
-            </a:r>
-            <a:r>
-              <a:rPr lang="es-ES" dirty="0" smtClean="0"/>
-              <a:t>, enriqueciendo y haciendo mas productivo su trabajo</a:t>
-            </a:r>
-            <a:r>
-              <a:rPr lang="es-ES" dirty="0" smtClean="0"/>
-              <a:t>.</a:t>
-            </a:r>
-            <a:endParaRPr lang="es-ES" dirty="0" smtClean="0"/>
+              <a:t>La colaboración en tiempo real permite  interactuar a un grupo de trabajo de forma simple y coordinada acelerando, enriqueciendo y haciendo mas productivo su trabajo.</a:t>
+            </a:r>
           </a:p>
         </p:txBody>
       </p:sp>
@@ -9387,11 +9974,7 @@
           <a:p>
             <a:r>
               <a:rPr lang="es-ES" dirty="0" smtClean="0"/>
-              <a:t>¿Cómo </a:t>
-            </a:r>
-            <a:r>
-              <a:rPr lang="es-ES" dirty="0" smtClean="0"/>
-              <a:t>nace la idea del presente trabajo?</a:t>
+              <a:t>¿Cómo nace la idea del presente trabajo?</a:t>
             </a:r>
           </a:p>
           <a:p>
@@ -12700,23 +13283,7 @@
           <a:p>
             <a:r>
               <a:rPr lang="es-ES" dirty="0" smtClean="0"/>
-              <a:t>Originalmente se implementaron operaciones </a:t>
-            </a:r>
-            <a:r>
-              <a:rPr lang="es-ES" dirty="0" smtClean="0"/>
-              <a:t>borrar </a:t>
-            </a:r>
-            <a:r>
-              <a:rPr lang="es-ES" dirty="0" smtClean="0"/>
-              <a:t>e </a:t>
-            </a:r>
-            <a:r>
-              <a:rPr lang="es-ES" dirty="0" smtClean="0"/>
-              <a:t>insertar </a:t>
-            </a:r>
-            <a:r>
-              <a:rPr lang="es-ES" dirty="0" smtClean="0"/>
-              <a:t>de más de un </a:t>
+              <a:t>Originalmente se implementaron operaciones borrar e insertar de más de un </a:t>
             </a:r>
             <a:r>
               <a:rPr lang="es-ES" dirty="0" err="1" smtClean="0"/>
@@ -12730,11 +13297,7 @@
           <a:p>
             <a:r>
               <a:rPr lang="es-ES" dirty="0" smtClean="0"/>
-              <a:t>Finalmente, se utilizó la solución propuesta en </a:t>
-            </a:r>
-            <a:r>
-              <a:rPr lang="es-ES" dirty="0" smtClean="0"/>
-              <a:t>el </a:t>
+              <a:t>Finalmente, se utilizó la solución propuesta en el </a:t>
             </a:r>
             <a:r>
               <a:rPr lang="es-ES" dirty="0" err="1" smtClean="0"/>
@@ -12742,27 +13305,7 @@
             </a:r>
             <a:r>
               <a:rPr lang="es-ES" dirty="0" smtClean="0"/>
-              <a:t> utilizado* haciendo </a:t>
-            </a:r>
-            <a:r>
-              <a:rPr lang="es-ES" dirty="0" smtClean="0"/>
-              <a:t>uso de operaciones </a:t>
-            </a:r>
-            <a:r>
-              <a:rPr lang="es-ES" dirty="0" smtClean="0"/>
-              <a:t>borrar </a:t>
-            </a:r>
-            <a:r>
-              <a:rPr lang="es-ES" dirty="0" smtClean="0"/>
-              <a:t>e </a:t>
-            </a:r>
-            <a:r>
-              <a:rPr lang="es-ES" dirty="0" smtClean="0"/>
-              <a:t>insertar </a:t>
-            </a:r>
-            <a:r>
-              <a:rPr lang="es-ES" dirty="0" smtClean="0"/>
-              <a:t>de 1 </a:t>
+              <a:t> utilizado* haciendo uso de operaciones borrar e insertar de 1 </a:t>
             </a:r>
             <a:r>
               <a:rPr lang="es-ES" dirty="0" err="1" smtClean="0"/>
@@ -12770,11 +13313,7 @@
             </a:r>
             <a:r>
               <a:rPr lang="es-ES" dirty="0" smtClean="0"/>
-              <a:t> de longitud</a:t>
-            </a:r>
-            <a:r>
-              <a:rPr lang="es-ES" dirty="0" smtClean="0"/>
-              <a:t>.</a:t>
+              <a:t> de longitud.</a:t>
             </a:r>
           </a:p>
           <a:p>
@@ -12796,19 +13335,7 @@
             </a:r>
             <a:r>
               <a:rPr lang="en-US" sz="1800" dirty="0" smtClean="0"/>
-              <a:t>Achieving Convergence With </a:t>
-            </a:r>
-            <a:r>
-              <a:rPr lang="en-US" sz="1800" dirty="0" smtClean="0"/>
-              <a:t>Operational </a:t>
-            </a:r>
-            <a:r>
-              <a:rPr lang="en-US" sz="1800" dirty="0" smtClean="0"/>
-              <a:t>Transformation in Distributed Groupware </a:t>
-            </a:r>
-            <a:r>
-              <a:rPr lang="en-US" sz="1800" dirty="0" smtClean="0"/>
-              <a:t>Systems</a:t>
+              <a:t>Achieving Convergence With Operational Transformation in Distributed Groupware Systems</a:t>
             </a:r>
             <a:r>
               <a:rPr lang="es-ES" sz="1800" dirty="0" smtClean="0"/>

--- a/doc/presentacion/presentacion.pptx
+++ b/doc/presentacion/presentacion.pptx
@@ -8921,7 +8921,15 @@
             </a:r>
             <a:r>
               <a:rPr lang="es-ES" dirty="0" smtClean="0"/>
-              <a:t> puede hacer uso bibliotecas de Java y viceversa.</a:t>
+              <a:t> puede hacer uso </a:t>
+            </a:r>
+            <a:r>
+              <a:rPr lang="es-ES" dirty="0" smtClean="0"/>
+              <a:t>de bibliotecas </a:t>
+            </a:r>
+            <a:r>
+              <a:rPr lang="es-ES" dirty="0" smtClean="0"/>
+              <a:t>de Java y viceversa.</a:t>
             </a:r>
           </a:p>
           <a:p>
@@ -9327,7 +9335,7 @@
               <a:t>Mecanismo de deshacer cambios (</a:t>
             </a:r>
             <a:r>
-              <a:rPr lang="es-ES" dirty="0" err="1" smtClean="0"/>
+              <a:rPr lang="es-ES" i="1" dirty="0" err="1" smtClean="0"/>
               <a:t>undo</a:t>
             </a:r>
             <a:r>
@@ -9493,7 +9501,15 @@
           <a:p>
             <a:r>
               <a:rPr lang="es-ES" dirty="0" smtClean="0"/>
-              <a:t>La colaboración en tiempo real permite  interactuar a un grupo de trabajo de forma simple y coordinada acelerando, enriqueciendo y haciendo mas productivo su trabajo.</a:t>
+              <a:t>La colaboración en tiempo real permite  interactuar a un </a:t>
+            </a:r>
+            <a:r>
+              <a:rPr lang="es-ES" dirty="0" smtClean="0"/>
+              <a:t>equipo de </a:t>
+            </a:r>
+            <a:r>
+              <a:rPr lang="es-ES" dirty="0" smtClean="0"/>
+              <a:t>trabajo de forma simple y coordinada acelerando, enriqueciendo y haciendo mas productivo su trabajo.</a:t>
             </a:r>
           </a:p>
         </p:txBody>
@@ -9616,6 +9632,13 @@
   <p:clrMapOvr>
     <a:masterClrMapping/>
   </p:clrMapOvr>
+  <p:timing>
+    <p:tnLst>
+      <p:par>
+        <p:cTn id="1" dur="indefinite" restart="never" nodeType="tmRoot"/>
+      </p:par>
+    </p:tnLst>
+  </p:timing>
 </p:sld>
 </file>
 
@@ -9675,6 +9698,13 @@
   <p:clrMapOvr>
     <a:masterClrMapping/>
   </p:clrMapOvr>
+  <p:timing>
+    <p:tnLst>
+      <p:par>
+        <p:cTn id="1" dur="indefinite" restart="never" nodeType="tmRoot"/>
+      </p:par>
+    </p:tnLst>
+  </p:timing>
 </p:sld>
 </file>
 
@@ -9799,7 +9829,23 @@
             <a:pPr lvl="1"/>
             <a:r>
               <a:rPr lang="en-US" dirty="0" err="1" smtClean="0"/>
-              <a:t>Tecnologìas</a:t>
+              <a:t>Arquitectura</a:t>
+            </a:r>
+            <a:r>
+              <a:rPr lang="en-US" dirty="0" smtClean="0"/>
+              <a:t> de la </a:t>
+            </a:r>
+            <a:r>
+              <a:rPr lang="en-US" dirty="0" err="1" smtClean="0"/>
+              <a:t>solución</a:t>
+            </a:r>
+            <a:endParaRPr lang="en-US" dirty="0" smtClean="0"/>
+          </a:p>
+          <a:p>
+            <a:pPr lvl="1"/>
+            <a:r>
+              <a:rPr lang="en-US" dirty="0" err="1" smtClean="0"/>
+              <a:t>Tecnologías</a:t>
             </a:r>
             <a:r>
               <a:rPr lang="en-US" dirty="0" smtClean="0"/>
@@ -9812,25 +9858,17 @@
             <a:endParaRPr lang="en-US" dirty="0" smtClean="0"/>
           </a:p>
           <a:p>
-            <a:pPr lvl="1"/>
             <a:r>
               <a:rPr lang="en-US" dirty="0" err="1" smtClean="0"/>
-              <a:t>Arquitectura</a:t>
+              <a:t>Demostración</a:t>
             </a:r>
             <a:r>
               <a:rPr lang="en-US" dirty="0" smtClean="0"/>
-              <a:t> de la </a:t>
-            </a:r>
-            <a:r>
-              <a:rPr lang="en-US" dirty="0" err="1" smtClean="0"/>
-              <a:t>solución</a:t>
-            </a:r>
-            <a:endParaRPr lang="en-US" dirty="0" smtClean="0"/>
-          </a:p>
-          <a:p>
+              <a:t> </a:t>
+            </a:r>
             <a:r>
               <a:rPr lang="en-US" dirty="0" smtClean="0"/>
-              <a:t>Demo en vivo</a:t>
+              <a:t>en vivo</a:t>
             </a:r>
           </a:p>
           <a:p>
@@ -9992,7 +10030,7 @@
               <a:t>Necesidad de obtener </a:t>
             </a:r>
             <a:r>
-              <a:rPr lang="es-ES" dirty="0" err="1" smtClean="0"/>
+              <a:rPr lang="es-ES" i="1" dirty="0" err="1" smtClean="0"/>
               <a:t>feedback</a:t>
             </a:r>
             <a:r>
@@ -10003,7 +10041,15 @@
           <a:p>
             <a:r>
               <a:rPr lang="es-ES" dirty="0" smtClean="0"/>
-              <a:t>Varios desarrolladores trabajando sobre lo mismo pero en diferentes lugares físicos.</a:t>
+              <a:t>Varios desarrolladores trabajando sobre </a:t>
+            </a:r>
+            <a:r>
+              <a:rPr lang="es-ES" dirty="0" smtClean="0"/>
+              <a:t>el mismo documento en </a:t>
+            </a:r>
+            <a:r>
+              <a:rPr lang="es-ES" dirty="0" smtClean="0"/>
+              <a:t>diferentes lugares físicos.</a:t>
             </a:r>
           </a:p>
           <a:p>
@@ -10471,14 +10517,21 @@
                   <a:latin typeface="Courier New" pitchFamily="49" charset="0"/>
                   <a:cs typeface="Courier New" pitchFamily="49" charset="0"/>
                 </a:rPr>
-                <a:t>int</a:t>
+                <a:t>val</a:t>
               </a:r>
               <a:r>
                 <a:rPr lang="en-US" sz="1400" dirty="0" smtClean="0">
                   <a:latin typeface="Courier New" pitchFamily="49" charset="0"/>
                   <a:cs typeface="Courier New" pitchFamily="49" charset="0"/>
                 </a:rPr>
-                <a:t> value = 0;</a:t>
+                <a:t> value </a:t>
+              </a:r>
+              <a:r>
+                <a:rPr lang="en-US" sz="1400" dirty="0" smtClean="0">
+                  <a:latin typeface="Courier New" pitchFamily="49" charset="0"/>
+                  <a:cs typeface="Courier New" pitchFamily="49" charset="0"/>
+                </a:rPr>
+                <a:t>= 0;</a:t>
               </a:r>
             </a:p>
             <a:p>
@@ -10667,104 +10720,111 @@
             <a:lstStyle/>
             <a:p>
               <a:r>
-                <a:rPr lang="en-US" sz="1400" smtClean="0">
+                <a:rPr lang="en-US" sz="1400" dirty="0" smtClean="0">
                   <a:latin typeface="Courier New" pitchFamily="49" charset="0"/>
                   <a:cs typeface="Courier New" pitchFamily="49" charset="0"/>
                 </a:rPr>
                 <a:t>class </a:t>
               </a:r>
               <a:r>
-                <a:rPr lang="en-US" sz="1400" err="1" smtClean="0">
+                <a:rPr lang="en-US" sz="1400" dirty="0" err="1" smtClean="0">
                   <a:latin typeface="Courier New" pitchFamily="49" charset="0"/>
                   <a:cs typeface="Courier New" pitchFamily="49" charset="0"/>
                 </a:rPr>
                 <a:t>MyClass</a:t>
               </a:r>
               <a:r>
-                <a:rPr lang="en-US" sz="1400" smtClean="0">
+                <a:rPr lang="en-US" sz="1400" dirty="0" smtClean="0">
                   <a:latin typeface="Courier New" pitchFamily="49" charset="0"/>
                   <a:cs typeface="Courier New" pitchFamily="49" charset="0"/>
                 </a:rPr>
                 <a:t> {</a:t>
               </a:r>
               <a:br>
-                <a:rPr lang="en-US" sz="1400" smtClean="0">
+                <a:rPr lang="en-US" sz="1400" dirty="0" smtClean="0">
                   <a:latin typeface="Courier New" pitchFamily="49" charset="0"/>
                   <a:cs typeface="Courier New" pitchFamily="49" charset="0"/>
                 </a:rPr>
               </a:br>
               <a:r>
-                <a:rPr lang="en-US" sz="1400" smtClean="0">
+                <a:rPr lang="en-US" sz="1400" dirty="0" smtClean="0">
                   <a:latin typeface="Courier New" pitchFamily="49" charset="0"/>
                   <a:cs typeface="Courier New" pitchFamily="49" charset="0"/>
                 </a:rPr>
                 <a:t>  </a:t>
               </a:r>
               <a:r>
-                <a:rPr lang="en-US" sz="1400" err="1" smtClean="0">
+                <a:rPr lang="en-US" sz="1400" dirty="0" err="1" smtClean="0">
                   <a:latin typeface="Courier New" pitchFamily="49" charset="0"/>
                   <a:cs typeface="Courier New" pitchFamily="49" charset="0"/>
                 </a:rPr>
-                <a:t>int</a:t>
+                <a:t>val</a:t>
               </a:r>
               <a:r>
-                <a:rPr lang="en-US" sz="1400" smtClean="0">
+                <a:rPr lang="en-US" sz="1400" dirty="0" smtClean="0">
                   <a:latin typeface="Courier New" pitchFamily="49" charset="0"/>
                   <a:cs typeface="Courier New" pitchFamily="49" charset="0"/>
                 </a:rPr>
-                <a:t> value = 0;</a:t>
+                <a:t> value </a:t>
+              </a:r>
+              <a:r>
+                <a:rPr lang="en-US" sz="1400" dirty="0" smtClean="0">
+                  <a:latin typeface="Courier New" pitchFamily="49" charset="0"/>
+                  <a:cs typeface="Courier New" pitchFamily="49" charset="0"/>
+                </a:rPr>
+                <a:t>= 0;</a:t>
               </a:r>
             </a:p>
             <a:p>
               <a:r>
-                <a:rPr lang="en-US" sz="1400" smtClean="0">
+                <a:rPr lang="en-US" sz="1400" dirty="0" smtClean="0">
                   <a:latin typeface="Courier New" pitchFamily="49" charset="0"/>
                   <a:cs typeface="Courier New" pitchFamily="49" charset="0"/>
                 </a:rPr>
                 <a:t>  // </a:t>
               </a:r>
               <a:r>
-                <a:rPr lang="en-US" sz="1400" err="1" smtClean="0">
+                <a:rPr lang="en-US" sz="1400" dirty="0" err="1" smtClean="0">
                   <a:latin typeface="Courier New" pitchFamily="49" charset="0"/>
                   <a:cs typeface="Courier New" pitchFamily="49" charset="0"/>
                 </a:rPr>
                 <a:t>es</a:t>
               </a:r>
               <a:r>
-                <a:rPr lang="en-US" sz="1400" smtClean="0">
+                <a:rPr lang="en-US" sz="1400" dirty="0" smtClean="0">
                   <a:latin typeface="Courier New" pitchFamily="49" charset="0"/>
                   <a:cs typeface="Courier New" pitchFamily="49" charset="0"/>
                 </a:rPr>
                 <a:t> </a:t>
               </a:r>
               <a:r>
-                <a:rPr lang="en-US" sz="1400" err="1" smtClean="0">
+                <a:rPr lang="en-US" sz="1400" dirty="0" err="1" smtClean="0">
                   <a:latin typeface="Courier New" pitchFamily="49" charset="0"/>
                   <a:cs typeface="Courier New" pitchFamily="49" charset="0"/>
                 </a:rPr>
                 <a:t>difícil</a:t>
               </a:r>
               <a:r>
-                <a:rPr lang="en-US" sz="1400" smtClean="0">
+                <a:rPr lang="en-US" sz="1400" dirty="0" smtClean="0">
                   <a:latin typeface="Courier New" pitchFamily="49" charset="0"/>
                   <a:cs typeface="Courier New" pitchFamily="49" charset="0"/>
                 </a:rPr>
                 <a:t>!</a:t>
               </a:r>
               <a:br>
-                <a:rPr lang="en-US" sz="1400" smtClean="0">
+                <a:rPr lang="en-US" sz="1400" dirty="0" smtClean="0">
                   <a:latin typeface="Courier New" pitchFamily="49" charset="0"/>
                   <a:cs typeface="Courier New" pitchFamily="49" charset="0"/>
                 </a:rPr>
               </a:br>
               <a:r>
-                <a:rPr lang="en-US" sz="1400" smtClean="0">
+                <a:rPr lang="en-US" sz="1400" dirty="0" smtClean="0">
                   <a:latin typeface="Courier New" pitchFamily="49" charset="0"/>
                   <a:cs typeface="Courier New" pitchFamily="49" charset="0"/>
                 </a:rPr>
                 <a:t>}</a:t>
               </a:r>
-              <a:endParaRPr lang="es-AR" sz="1400">
+              <a:endParaRPr lang="es-AR" sz="1400" dirty="0">
                 <a:latin typeface="Courier New" pitchFamily="49" charset="0"/>
                 <a:cs typeface="Courier New" pitchFamily="49" charset="0"/>
               </a:endParaRPr>
@@ -10830,7 +10890,7 @@
               <a:t>Ofrecer un </a:t>
             </a:r>
             <a:r>
-              <a:rPr lang="es-ES" dirty="0" err="1" smtClean="0"/>
+              <a:rPr lang="es-ES" i="1" dirty="0" err="1" smtClean="0"/>
               <a:t>feedback</a:t>
             </a:r>
             <a:r>
@@ -12763,22 +12823,26 @@
                     <a:lstStyle/>
                     <a:p>
                       <a:r>
-                        <a:rPr lang="es-ES" smtClean="0"/>
+                        <a:rPr lang="es-ES" dirty="0" smtClean="0"/>
                         <a:t>Edición</a:t>
                       </a:r>
                       <a:r>
-                        <a:rPr lang="es-ES" baseline="0" smtClean="0"/>
+                        <a:rPr lang="es-ES" baseline="0" dirty="0" smtClean="0"/>
                         <a:t> de </a:t>
                       </a:r>
                       <a:r>
-                        <a:rPr lang="es-ES" baseline="0" err="1" smtClean="0"/>
+                        <a:rPr lang="es-ES" baseline="0" dirty="0" err="1" smtClean="0"/>
                         <a:t>docs</a:t>
                       </a:r>
                       <a:r>
-                        <a:rPr lang="es-ES" baseline="0" smtClean="0"/>
-                        <a:t> en tiempo real desde un navegador.</a:t>
+                        <a:rPr lang="es-ES" baseline="0" dirty="0" smtClean="0"/>
+                        <a:t> </a:t>
                       </a:r>
-                      <a:endParaRPr lang="es-ES"/>
+                      <a:r>
+                        <a:rPr lang="es-ES" baseline="0" dirty="0" smtClean="0"/>
+                        <a:t>en tiempo real desde un navegador.</a:t>
+                      </a:r>
+                      <a:endParaRPr lang="es-ES" dirty="0"/>
                     </a:p>
                   </a:txBody>
                   <a:tcPr/>
@@ -12901,14 +12965,22 @@
                     <a:lstStyle/>
                     <a:p>
                       <a:r>
-                        <a:rPr lang="es-ES" smtClean="0"/>
+                        <a:rPr lang="es-ES" dirty="0" smtClean="0"/>
                         <a:t>Máximo</a:t>
                       </a:r>
                       <a:r>
-                        <a:rPr lang="es-ES" baseline="0" smtClean="0"/>
-                        <a:t> dos  usuarios en una sesión de edición. Depende del proyecto ECF.</a:t>
+                        <a:rPr lang="es-ES" baseline="0" dirty="0" smtClean="0"/>
+                        <a:t> dos </a:t>
                       </a:r>
-                      <a:endParaRPr lang="es-ES"/>
+                      <a:r>
+                        <a:rPr lang="es-ES" baseline="0" dirty="0" smtClean="0"/>
+                        <a:t>usuarios </a:t>
+                      </a:r>
+                      <a:r>
+                        <a:rPr lang="es-ES" baseline="0" dirty="0" smtClean="0"/>
+                        <a:t>en una sesión de edición. Depende del proyecto ECF.</a:t>
+                      </a:r>
+                      <a:endParaRPr lang="es-ES" dirty="0"/>
                     </a:p>
                   </a:txBody>
                   <a:tcPr/>
@@ -13297,7 +13369,19 @@
           <a:p>
             <a:r>
               <a:rPr lang="es-ES" dirty="0" smtClean="0"/>
-              <a:t>Finalmente, se utilizó la solución propuesta en el </a:t>
+              <a:t>Finalmente, </a:t>
+            </a:r>
+            <a:r>
+              <a:rPr lang="es-ES" dirty="0" smtClean="0"/>
+              <a:t>se implementó</a:t>
+            </a:r>
+            <a:r>
+              <a:rPr lang="es-ES" dirty="0" smtClean="0"/>
+              <a:t> </a:t>
+            </a:r>
+            <a:r>
+              <a:rPr lang="es-ES" dirty="0" smtClean="0"/>
+              <a:t>la solución propuesta en el </a:t>
             </a:r>
             <a:r>
               <a:rPr lang="es-ES" dirty="0" err="1" smtClean="0"/>
@@ -13305,7 +13389,11 @@
             </a:r>
             <a:r>
               <a:rPr lang="es-ES" dirty="0" smtClean="0"/>
-              <a:t> utilizado* haciendo uso de operaciones borrar e insertar de 1 </a:t>
+              <a:t> utilizado* haciendo uso de operaciones borrar e insertar de </a:t>
+            </a:r>
+            <a:r>
+              <a:rPr lang="es-ES" dirty="0" smtClean="0"/>
+              <a:t>un </a:t>
             </a:r>
             <a:r>
               <a:rPr lang="es-ES" dirty="0" err="1" smtClean="0"/>

--- a/doc/presentacion/presentacion.pptx
+++ b/doc/presentacion/presentacion.pptx
@@ -211,7 +211,7 @@
             <a:fld id="{53A9BA33-61B4-4CB5-A056-C0C55B1A2ED8}" type="datetimeFigureOut">
               <a:rPr lang="es-AR" smtClean="0"/>
               <a:pPr/>
-              <a:t>07/12/2010</a:t>
+              <a:t>19/12/2010</a:t>
             </a:fld>
             <a:endParaRPr lang="es-AR"/>
           </a:p>
@@ -373,7 +373,7 @@
             <a:fld id="{3BCBAC67-084D-419D-A89D-D7FC2C09E238}" type="slidenum">
               <a:rPr lang="es-AR" smtClean="0"/>
               <a:pPr/>
-              <a:t>‹#›</a:t>
+              <a:t>‹Nº›</a:t>
             </a:fld>
             <a:endParaRPr lang="es-AR"/>
           </a:p>
@@ -523,7 +523,81 @@
           </a:bodyPr>
           <a:lstStyle/>
           <a:p>
-            <a:endParaRPr lang="es-ES"/>
+            <a:pPr>
+              <a:buFont typeface="Arial" pitchFamily="34" charset="0"/>
+              <a:buChar char="•"/>
+            </a:pPr>
+            <a:r>
+              <a:rPr lang="es-ES" dirty="0" smtClean="0"/>
+              <a:t>Buenas noches/tardes, somos</a:t>
+            </a:r>
+            <a:r>
+              <a:rPr lang="es-ES" baseline="0" dirty="0" smtClean="0"/>
+              <a:t> </a:t>
+            </a:r>
+            <a:r>
+              <a:rPr lang="es-ES" baseline="0" dirty="0" err="1" smtClean="0"/>
+              <a:t>becho</a:t>
+            </a:r>
+            <a:r>
+              <a:rPr lang="es-ES" baseline="0" dirty="0" smtClean="0"/>
+              <a:t> y lea. Gracias a todos por venir.</a:t>
+            </a:r>
+          </a:p>
+          <a:p>
+            <a:pPr>
+              <a:buFont typeface="Arial" pitchFamily="34" charset="0"/>
+              <a:buChar char="•"/>
+            </a:pPr>
+            <a:r>
+              <a:rPr lang="es-ES" baseline="0" dirty="0" smtClean="0"/>
+              <a:t>Hoy vamos a realizar</a:t>
+            </a:r>
+            <a:r>
+              <a:rPr lang="es-ES" dirty="0" smtClean="0"/>
+              <a:t> la presentación del trabajo profesional de ingeniería en informática que desarrollamos bajo la tutoría</a:t>
+            </a:r>
+            <a:r>
+              <a:rPr lang="es-ES" baseline="0" dirty="0" smtClean="0"/>
+              <a:t> del Lic. Pablo </a:t>
+            </a:r>
+            <a:r>
+              <a:rPr lang="es-ES" baseline="0" dirty="0" err="1" smtClean="0"/>
+              <a:t>Cosso</a:t>
+            </a:r>
+            <a:r>
+              <a:rPr lang="es-ES" baseline="0" dirty="0" smtClean="0"/>
+              <a:t>.</a:t>
+            </a:r>
+          </a:p>
+          <a:p>
+            <a:pPr>
+              <a:buFont typeface="Arial" pitchFamily="34" charset="0"/>
+              <a:buChar char="•"/>
+            </a:pPr>
+            <a:r>
+              <a:rPr lang="es-ES" baseline="0" dirty="0" smtClean="0"/>
+              <a:t>El nombre que le dimos al proyecto es “Editor Paralelo” o en inglés como lo llamaremos de aquí en adelante “</a:t>
+            </a:r>
+            <a:r>
+              <a:rPr lang="es-ES" baseline="0" dirty="0" err="1" smtClean="0"/>
+              <a:t>ParalellEditor</a:t>
+            </a:r>
+            <a:r>
+              <a:rPr lang="es-ES" baseline="0" dirty="0" smtClean="0"/>
+              <a:t>”</a:t>
+            </a:r>
+          </a:p>
+          <a:p>
+            <a:pPr>
+              <a:buFont typeface="Arial" pitchFamily="34" charset="0"/>
+              <a:buChar char="•"/>
+            </a:pPr>
+            <a:r>
+              <a:rPr lang="es-ES" baseline="0" dirty="0" smtClean="0"/>
+              <a:t>A continuación vamos a pasar a revisar los puntos que se van a exponer a lo largo de la presentación.</a:t>
+            </a:r>
+            <a:endParaRPr lang="es-ES" dirty="0"/>
           </a:p>
         </p:txBody>
       </p:sp>
@@ -578,7 +652,7 @@
       </p:grpSpPr>
       <p:sp>
         <p:nvSpPr>
-          <p:cNvPr id="2" name="Slide Image Placeholder 1"/>
+          <p:cNvPr id="2" name="1 Marcador de imagen de diapositiva"/>
           <p:cNvSpPr>
             <a:spLocks noGrp="1" noRot="1" noChangeAspect="1"/>
           </p:cNvSpPr>
@@ -590,7 +664,7 @@
       </p:sp>
       <p:sp>
         <p:nvSpPr>
-          <p:cNvPr id="3" name="Notes Placeholder 2"/>
+          <p:cNvPr id="3" name="2 Marcador de notas"/>
           <p:cNvSpPr>
             <a:spLocks noGrp="1"/>
           </p:cNvSpPr>
@@ -605,13 +679,89 @@
           </a:bodyPr>
           <a:lstStyle/>
           <a:p>
-            <a:endParaRPr lang="es-AR"/>
+            <a:pPr>
+              <a:buFont typeface="Arial" pitchFamily="34" charset="0"/>
+              <a:buChar char="•"/>
+            </a:pPr>
+            <a:r>
+              <a:rPr lang="es-ES" dirty="0" smtClean="0"/>
+              <a:t>La presentación se va</a:t>
+            </a:r>
+            <a:r>
+              <a:rPr lang="es-ES" baseline="0" dirty="0" smtClean="0"/>
+              <a:t> a dividir en 3 partes:</a:t>
+            </a:r>
+          </a:p>
+          <a:p>
+            <a:pPr>
+              <a:buFont typeface="Arial" pitchFamily="34" charset="0"/>
+              <a:buChar char="•"/>
+            </a:pPr>
+            <a:r>
+              <a:rPr lang="es-ES" baseline="0" dirty="0" smtClean="0"/>
+              <a:t> La primera realiza una introducción al tema, para poner en contexto a aquellos que no están familiarizados con los sistemas colaborativos de tiempo real.</a:t>
+            </a:r>
+          </a:p>
+          <a:p>
+            <a:pPr>
+              <a:buFont typeface="Arial" pitchFamily="34" charset="0"/>
+              <a:buNone/>
+            </a:pPr>
+            <a:r>
+              <a:rPr lang="es-ES" baseline="0" dirty="0" smtClean="0"/>
+              <a:t> Se explica el porque o la motivación que nos lleva a desarrollar este trabajo junto con la explicación del problema que se quiere resolver y cuales son las soluciones que hoy en día existen y que tratan de resolverlo. Se analizan las ventajas y desventajas de estos productos.</a:t>
+            </a:r>
+          </a:p>
+          <a:p>
+            <a:pPr>
+              <a:buFont typeface="Arial" pitchFamily="34" charset="0"/>
+              <a:buChar char="•"/>
+            </a:pPr>
+            <a:r>
+              <a:rPr lang="es-ES" dirty="0" smtClean="0"/>
+              <a:t>Durante la 2º</a:t>
+            </a:r>
+            <a:r>
+              <a:rPr lang="es-ES" baseline="0" dirty="0" smtClean="0"/>
+              <a:t> parte se analiza la solución implementada.</a:t>
+            </a:r>
+          </a:p>
+          <a:p>
+            <a:pPr>
+              <a:buFont typeface="Arial" pitchFamily="34" charset="0"/>
+              <a:buNone/>
+            </a:pPr>
+            <a:r>
+              <a:rPr lang="es-ES" baseline="0" dirty="0" smtClean="0"/>
+              <a:t>Se explica cuales son los fundamentos, tecnologías y arquitectura aplicadas en el desarrollo de la misma.</a:t>
+            </a:r>
+          </a:p>
+          <a:p>
+            <a:pPr>
+              <a:buFont typeface="Arial" pitchFamily="34" charset="0"/>
+              <a:buChar char="•"/>
+            </a:pPr>
+            <a:r>
+              <a:rPr lang="es-ES" baseline="0" dirty="0" smtClean="0"/>
+              <a:t>Seguido de esto vamos a realizar una demostración en vivo del producto en lo que sería un escenario típico de uso: dos programadores en distintas ubicaciones desarrollando código fuente al mismo tiempo sobre el mismo archivo de un proyecto.</a:t>
+            </a:r>
+          </a:p>
+          <a:p>
+            <a:pPr>
+              <a:buFont typeface="Arial" pitchFamily="34" charset="0"/>
+              <a:buChar char="•"/>
+            </a:pPr>
+            <a:r>
+              <a:rPr lang="es-ES" baseline="0" dirty="0" smtClean="0"/>
+              <a:t>Como cierre se explicarán las futuras líneas de investigación o mejoras que podrían aplicarse al producto desarrollado para agregarle valor, y se expondrán las conclusiones obtenidas.</a:t>
+            </a:r>
+            <a:endParaRPr lang="es-ES" dirty="0"/>
           </a:p>
         </p:txBody>
       </p:sp>
       <p:sp>
         <p:nvSpPr>
-          <p:cNvPr id="4" name="Slide Number Placeholder 3"/>
+          <p:cNvPr id="4" name="3 Marcador de número de diapositiva"/>
           <p:cNvSpPr>
             <a:spLocks noGrp="1"/>
           </p:cNvSpPr>
@@ -627,7 +777,7 @@
             <a:fld id="{3BCBAC67-084D-419D-A89D-D7FC2C09E238}" type="slidenum">
               <a:rPr lang="es-AR" smtClean="0"/>
               <a:pPr/>
-              <a:t>3</a:t>
+              <a:t>2</a:t>
             </a:fld>
             <a:endParaRPr lang="es-AR"/>
           </a:p>
@@ -642,6 +792,161 @@
 </file>
 
 <file path=ppt/notesSlides/notesSlide3.xml><?xml version="1.0" encoding="utf-8"?>
+<p:notes xmlns:a="http://schemas.openxmlformats.org/drawingml/2006/main" xmlns:r="http://schemas.openxmlformats.org/officeDocument/2006/relationships" xmlns:p="http://schemas.openxmlformats.org/presentationml/2006/main">
+  <p:cSld>
+    <p:spTree>
+      <p:nvGrpSpPr>
+        <p:cNvPr id="1" name=""/>
+        <p:cNvGrpSpPr/>
+        <p:nvPr/>
+      </p:nvGrpSpPr>
+      <p:grpSpPr>
+        <a:xfrm>
+          <a:off x="0" y="0"/>
+          <a:ext cx="0" cy="0"/>
+          <a:chOff x="0" y="0"/>
+          <a:chExt cx="0" cy="0"/>
+        </a:xfrm>
+      </p:grpSpPr>
+      <p:sp>
+        <p:nvSpPr>
+          <p:cNvPr id="2" name="Slide Image Placeholder 1"/>
+          <p:cNvSpPr>
+            <a:spLocks noGrp="1" noRot="1" noChangeAspect="1"/>
+          </p:cNvSpPr>
+          <p:nvPr>
+            <p:ph type="sldImg"/>
+          </p:nvPr>
+        </p:nvSpPr>
+        <p:spPr/>
+      </p:sp>
+      <p:sp>
+        <p:nvSpPr>
+          <p:cNvPr id="3" name="Notes Placeholder 2"/>
+          <p:cNvSpPr>
+            <a:spLocks noGrp="1"/>
+          </p:cNvSpPr>
+          <p:nvPr>
+            <p:ph type="body" idx="1"/>
+          </p:nvPr>
+        </p:nvSpPr>
+        <p:spPr/>
+        <p:txBody>
+          <a:bodyPr>
+            <a:normAutofit/>
+          </a:bodyPr>
+          <a:lstStyle/>
+          <a:p>
+            <a:pPr>
+              <a:buFont typeface="Arial" pitchFamily="34" charset="0"/>
+              <a:buChar char="•"/>
+            </a:pPr>
+            <a:r>
+              <a:rPr lang="es-AR" dirty="0" smtClean="0"/>
+              <a:t>Frecuentemente</a:t>
+            </a:r>
+            <a:r>
+              <a:rPr lang="es-AR" baseline="0" dirty="0" smtClean="0"/>
+              <a:t> al enfrentarse con tareas en las cuales es necesario trabajar en forma grupal surge el inconveniente de que los integrantes del ET están distribuidos geográficamente. Un escenario muy común es la necesidad de desarrollar un trabajo práctico para la facultad. En este tipo de trabajos generalmente se realiza una división de tareas, que luego de ser resueltas por cada integrante requieren un cierto </a:t>
+            </a:r>
+            <a:r>
+              <a:rPr lang="es-AR" baseline="0" dirty="0" err="1" smtClean="0"/>
+              <a:t>feedback</a:t>
+            </a:r>
+            <a:r>
+              <a:rPr lang="es-AR" baseline="0" dirty="0" smtClean="0"/>
+              <a:t>.</a:t>
+            </a:r>
+          </a:p>
+          <a:p>
+            <a:pPr>
+              <a:buFont typeface="Arial" pitchFamily="34" charset="0"/>
+              <a:buChar char="•"/>
+            </a:pPr>
+            <a:r>
+              <a:rPr lang="es-AR" baseline="0" dirty="0" smtClean="0"/>
+              <a:t>En estas situaciones se necesitan </a:t>
+            </a:r>
+            <a:r>
+              <a:rPr lang="es-ES" dirty="0" smtClean="0"/>
+              <a:t>herramientas que ayuden a simplificar este proceso</a:t>
+            </a:r>
+            <a:r>
+              <a:rPr lang="es-ES" baseline="0" dirty="0" smtClean="0"/>
+              <a:t> y que ayude a que </a:t>
+            </a:r>
+            <a:r>
+              <a:rPr lang="es-ES" dirty="0" smtClean="0"/>
+              <a:t>los tiempos de coordinación e interacción entre</a:t>
+            </a:r>
+            <a:r>
+              <a:rPr lang="es-ES" baseline="0" dirty="0" smtClean="0"/>
+              <a:t> </a:t>
+            </a:r>
+            <a:r>
+              <a:rPr lang="es-ES" dirty="0" smtClean="0"/>
+              <a:t>los integrantes del grupo de trabajo sean bajos.</a:t>
+            </a:r>
+            <a:endParaRPr lang="es-AR" dirty="0" smtClean="0"/>
+          </a:p>
+          <a:p>
+            <a:pPr>
+              <a:buFont typeface="Arial" pitchFamily="34" charset="0"/>
+              <a:buChar char="•"/>
+            </a:pPr>
+            <a:r>
+              <a:rPr lang="es-AR" dirty="0" smtClean="0"/>
+              <a:t>Personalmente,</a:t>
+            </a:r>
+            <a:r>
+              <a:rPr lang="es-AR" baseline="0" dirty="0" smtClean="0"/>
+              <a:t> en los casos en los que se nos presento la necesidad de utilizar herramienta para el desarrollo de </a:t>
+            </a:r>
+            <a:r>
+              <a:rPr lang="es-AR" baseline="0" smtClean="0"/>
+              <a:t>un TP en </a:t>
+            </a:r>
+            <a:r>
+              <a:rPr lang="es-AR" baseline="0" dirty="0" smtClean="0"/>
+              <a:t>las condiciones que se explicaron anteriormente, las que estaban disponibles no fueron o resultaron satisfactorias por diversos motivos.</a:t>
+            </a:r>
+            <a:endParaRPr lang="es-ES" dirty="0" smtClean="0"/>
+          </a:p>
+        </p:txBody>
+      </p:sp>
+      <p:sp>
+        <p:nvSpPr>
+          <p:cNvPr id="4" name="Slide Number Placeholder 3"/>
+          <p:cNvSpPr>
+            <a:spLocks noGrp="1"/>
+          </p:cNvSpPr>
+          <p:nvPr>
+            <p:ph type="sldNum" sz="quarter" idx="10"/>
+          </p:nvPr>
+        </p:nvSpPr>
+        <p:spPr/>
+        <p:txBody>
+          <a:bodyPr/>
+          <a:lstStyle/>
+          <a:p>
+            <a:fld id="{3BCBAC67-084D-419D-A89D-D7FC2C09E238}" type="slidenum">
+              <a:rPr lang="es-AR" smtClean="0"/>
+              <a:pPr/>
+              <a:t>3</a:t>
+            </a:fld>
+            <a:endParaRPr lang="es-AR"/>
+          </a:p>
+        </p:txBody>
+      </p:sp>
+    </p:spTree>
+  </p:cSld>
+  <p:clrMapOvr>
+    <a:masterClrMapping/>
+  </p:clrMapOvr>
+</p:notes>
+</file>
+
+<file path=ppt/notesSlides/notesSlide4.xml><?xml version="1.0" encoding="utf-8"?>
 <p:notes xmlns:a="http://schemas.openxmlformats.org/drawingml/2006/main" xmlns:r="http://schemas.openxmlformats.org/officeDocument/2006/relationships" xmlns:p="http://schemas.openxmlformats.org/presentationml/2006/main">
   <p:cSld>
     <p:spTree>
@@ -1381,7 +1686,7 @@
             <a:fld id="{47C9B81F-C347-4BEF-BFDF-29C42F48304A}" type="datetimeFigureOut">
               <a:rPr lang="en-US" smtClean="0"/>
               <a:pPr/>
-              <a:t>12/7/2010</a:t>
+              <a:t>12/19/2010</a:t>
             </a:fld>
             <a:endParaRPr lang="en-US">
               <a:solidFill>
@@ -1457,7 +1762,7 @@
             <a:fld id="{042AED99-7FB4-404E-8A97-64753DCE42EC}" type="slidenum">
               <a:rPr kumimoji="0" lang="en-US" smtClean="0"/>
               <a:pPr/>
-              <a:t>‹#›</a:t>
+              <a:t>‹Nº›</a:t>
             </a:fld>
             <a:endParaRPr kumimoji="0" lang="en-US">
               <a:solidFill>
@@ -1598,7 +1903,7 @@
             <a:fld id="{47C9B81F-C347-4BEF-BFDF-29C42F48304A}" type="datetimeFigureOut">
               <a:rPr lang="en-US" smtClean="0"/>
               <a:pPr/>
-              <a:t>12/7/2010</a:t>
+              <a:t>12/19/2010</a:t>
             </a:fld>
             <a:endParaRPr lang="en-US">
               <a:solidFill>
@@ -1658,7 +1963,7 @@
             <a:fld id="{042AED99-7FB4-404E-8A97-64753DCE42EC}" type="slidenum">
               <a:rPr kumimoji="0" lang="en-US" smtClean="0"/>
               <a:pPr/>
-              <a:t>‹#›</a:t>
+              <a:t>‹Nº›</a:t>
             </a:fld>
             <a:endParaRPr kumimoji="0" lang="en-US">
               <a:solidFill>
@@ -1804,7 +2109,7 @@
             <a:fld id="{47C9B81F-C347-4BEF-BFDF-29C42F48304A}" type="datetimeFigureOut">
               <a:rPr lang="en-US" smtClean="0"/>
               <a:pPr/>
-              <a:t>12/7/2010</a:t>
+              <a:t>12/19/2010</a:t>
             </a:fld>
             <a:endParaRPr lang="en-US">
               <a:solidFill>
@@ -1864,7 +2169,7 @@
             <a:fld id="{042AED99-7FB4-404E-8A97-64753DCE42EC}" type="slidenum">
               <a:rPr kumimoji="0" lang="en-US" smtClean="0"/>
               <a:pPr/>
-              <a:t>‹#›</a:t>
+              <a:t>‹Nº›</a:t>
             </a:fld>
             <a:endParaRPr kumimoji="0" lang="en-US">
               <a:solidFill>
@@ -1975,7 +2280,7 @@
             <a:fld id="{47C9B81F-C347-4BEF-BFDF-29C42F48304A}" type="datetimeFigureOut">
               <a:rPr lang="en-US" smtClean="0"/>
               <a:pPr/>
-              <a:t>12/7/2010</a:t>
+              <a:t>12/19/2010</a:t>
             </a:fld>
             <a:endParaRPr lang="en-US">
               <a:solidFill>
@@ -2035,7 +2340,7 @@
             <a:fld id="{042AED99-7FB4-404E-8A97-64753DCE42EC}" type="slidenum">
               <a:rPr kumimoji="0" lang="en-US" smtClean="0"/>
               <a:pPr/>
-              <a:t>‹#›</a:t>
+              <a:t>‹Nº›</a:t>
             </a:fld>
             <a:endParaRPr kumimoji="0" lang="en-US">
               <a:solidFill>
@@ -2251,7 +2556,7 @@
             <a:fld id="{47C9B81F-C347-4BEF-BFDF-29C42F48304A}" type="datetimeFigureOut">
               <a:rPr lang="en-US" smtClean="0"/>
               <a:pPr/>
-              <a:t>12/7/2010</a:t>
+              <a:t>12/19/2010</a:t>
             </a:fld>
             <a:endParaRPr lang="en-US">
               <a:solidFill>
@@ -2311,7 +2616,7 @@
             <a:fld id="{042AED99-7FB4-404E-8A97-64753DCE42EC}" type="slidenum">
               <a:rPr kumimoji="0" lang="en-US" smtClean="0"/>
               <a:pPr/>
-              <a:t>‹#›</a:t>
+              <a:t>‹Nº›</a:t>
             </a:fld>
             <a:endParaRPr kumimoji="0" lang="en-US">
               <a:solidFill>
@@ -2681,7 +2986,7 @@
             <a:fld id="{47C9B81F-C347-4BEF-BFDF-29C42F48304A}" type="datetimeFigureOut">
               <a:rPr lang="en-US" smtClean="0"/>
               <a:pPr/>
-              <a:t>12/7/2010</a:t>
+              <a:t>12/19/2010</a:t>
             </a:fld>
             <a:endParaRPr lang="en-US">
               <a:solidFill>
@@ -2741,7 +3046,7 @@
             <a:fld id="{042AED99-7FB4-404E-8A97-64753DCE42EC}" type="slidenum">
               <a:rPr kumimoji="0" lang="en-US" smtClean="0"/>
               <a:pPr/>
-              <a:t>‹#›</a:t>
+              <a:t>‹Nº›</a:t>
             </a:fld>
             <a:endParaRPr kumimoji="0" lang="en-US">
               <a:solidFill>
@@ -3148,7 +3453,7 @@
             <a:fld id="{47C9B81F-C347-4BEF-BFDF-29C42F48304A}" type="datetimeFigureOut">
               <a:rPr lang="en-US" smtClean="0"/>
               <a:pPr/>
-              <a:t>12/7/2010</a:t>
+              <a:t>12/19/2010</a:t>
             </a:fld>
             <a:endParaRPr lang="en-US">
               <a:solidFill>
@@ -3208,7 +3513,7 @@
             <a:fld id="{042AED99-7FB4-404E-8A97-64753DCE42EC}" type="slidenum">
               <a:rPr kumimoji="0" lang="en-US" smtClean="0"/>
               <a:pPr/>
-              <a:t>‹#›</a:t>
+              <a:t>‹Nº›</a:t>
             </a:fld>
             <a:endParaRPr kumimoji="0" lang="en-US">
               <a:solidFill>
@@ -3270,7 +3575,7 @@
             <a:fld id="{47C9B81F-C347-4BEF-BFDF-29C42F48304A}" type="datetimeFigureOut">
               <a:rPr lang="en-US" smtClean="0"/>
               <a:pPr/>
-              <a:t>12/7/2010</a:t>
+              <a:t>12/19/2010</a:t>
             </a:fld>
             <a:endParaRPr lang="en-US">
               <a:solidFill>
@@ -3330,7 +3635,7 @@
             <a:fld id="{042AED99-7FB4-404E-8A97-64753DCE42EC}" type="slidenum">
               <a:rPr kumimoji="0" lang="en-US" smtClean="0"/>
               <a:pPr/>
-              <a:t>‹#›</a:t>
+              <a:t>‹Nº›</a:t>
             </a:fld>
             <a:endParaRPr kumimoji="0" lang="en-US">
               <a:solidFill>
@@ -3412,7 +3717,7 @@
             <a:fld id="{47C9B81F-C347-4BEF-BFDF-29C42F48304A}" type="datetimeFigureOut">
               <a:rPr lang="en-US" smtClean="0"/>
               <a:pPr/>
-              <a:t>12/7/2010</a:t>
+              <a:t>12/19/2010</a:t>
             </a:fld>
             <a:endParaRPr lang="en-US">
               <a:solidFill>
@@ -3472,7 +3777,7 @@
             <a:fld id="{042AED99-7FB4-404E-8A97-64753DCE42EC}" type="slidenum">
               <a:rPr kumimoji="0" lang="en-US" smtClean="0"/>
               <a:pPr/>
-              <a:t>‹#›</a:t>
+              <a:t>‹Nº›</a:t>
             </a:fld>
             <a:endParaRPr kumimoji="0" lang="en-US">
               <a:solidFill>
@@ -3707,7 +4012,7 @@
             <a:fld id="{47C9B81F-C347-4BEF-BFDF-29C42F48304A}" type="datetimeFigureOut">
               <a:rPr lang="en-US" smtClean="0"/>
               <a:pPr/>
-              <a:t>12/7/2010</a:t>
+              <a:t>12/19/2010</a:t>
             </a:fld>
             <a:endParaRPr lang="en-US">
               <a:solidFill>
@@ -3767,7 +4072,7 @@
             <a:fld id="{042AED99-7FB4-404E-8A97-64753DCE42EC}" type="slidenum">
               <a:rPr kumimoji="0" lang="en-US" smtClean="0"/>
               <a:pPr/>
-              <a:t>‹#›</a:t>
+              <a:t>‹Nº›</a:t>
             </a:fld>
             <a:endParaRPr kumimoji="0" lang="en-US">
               <a:solidFill>
@@ -3933,7 +4238,7 @@
             <a:fld id="{47C9B81F-C347-4BEF-BFDF-29C42F48304A}" type="datetimeFigureOut">
               <a:rPr lang="en-US" smtClean="0"/>
               <a:pPr/>
-              <a:t>12/7/2010</a:t>
+              <a:t>12/19/2010</a:t>
             </a:fld>
             <a:endParaRPr lang="en-US">
               <a:solidFill>
@@ -4012,7 +4317,7 @@
             <a:fld id="{042AED99-7FB4-404E-8A97-64753DCE42EC}" type="slidenum">
               <a:rPr kumimoji="0" lang="en-US" smtClean="0"/>
               <a:pPr/>
-              <a:t>‹#›</a:t>
+              <a:t>‹Nº›</a:t>
             </a:fld>
             <a:endParaRPr kumimoji="0" lang="en-US">
               <a:solidFill>
@@ -5063,7 +5368,7 @@
             <a:fld id="{47C9B81F-C347-4BEF-BFDF-29C42F48304A}" type="datetimeFigureOut">
               <a:rPr lang="en-US" smtClean="0"/>
               <a:pPr/>
-              <a:t>12/7/2010</a:t>
+              <a:t>12/19/2010</a:t>
             </a:fld>
             <a:endParaRPr lang="en-US">
               <a:solidFill>
@@ -5153,7 +5458,7 @@
             <a:fld id="{042AED99-7FB4-404E-8A97-64753DCE42EC}" type="slidenum">
               <a:rPr kumimoji="0" lang="en-US" smtClean="0"/>
               <a:pPr/>
-              <a:t>‹#›</a:t>
+              <a:t>‹Nº›</a:t>
             </a:fld>
             <a:endParaRPr kumimoji="0" lang="en-US">
               <a:solidFill>
@@ -8921,15 +9226,7 @@
             </a:r>
             <a:r>
               <a:rPr lang="es-ES" dirty="0" smtClean="0"/>
-              <a:t> puede hacer uso </a:t>
-            </a:r>
-            <a:r>
-              <a:rPr lang="es-ES" dirty="0" smtClean="0"/>
-              <a:t>de bibliotecas </a:t>
-            </a:r>
-            <a:r>
-              <a:rPr lang="es-ES" dirty="0" smtClean="0"/>
-              <a:t>de Java y viceversa.</a:t>
+              <a:t> puede hacer uso de bibliotecas de Java y viceversa.</a:t>
             </a:r>
           </a:p>
           <a:p>
@@ -9501,15 +9798,7 @@
           <a:p>
             <a:r>
               <a:rPr lang="es-ES" dirty="0" smtClean="0"/>
-              <a:t>La colaboración en tiempo real permite  interactuar a un </a:t>
-            </a:r>
-            <a:r>
-              <a:rPr lang="es-ES" dirty="0" smtClean="0"/>
-              <a:t>equipo de </a:t>
-            </a:r>
-            <a:r>
-              <a:rPr lang="es-ES" dirty="0" smtClean="0"/>
-              <a:t>trabajo de forma simple y coordinada acelerando, enriqueciendo y haciendo mas productivo su trabajo.</a:t>
+              <a:t>La colaboración en tiempo real permite  interactuar a un equipo de trabajo de forma simple y coordinada acelerando, enriqueciendo y haciendo mas productivo su trabajo.</a:t>
             </a:r>
           </a:p>
         </p:txBody>
@@ -9864,11 +10153,7 @@
             </a:r>
             <a:r>
               <a:rPr lang="en-US" dirty="0" smtClean="0"/>
-              <a:t> </a:t>
-            </a:r>
-            <a:r>
-              <a:rPr lang="en-US" dirty="0" smtClean="0"/>
-              <a:t>en vivo</a:t>
+              <a:t> en vivo</a:t>
             </a:r>
           </a:p>
           <a:p>
@@ -9939,7 +10224,7 @@
           <p:nvPr/>
         </p:nvPicPr>
         <p:blipFill>
-          <a:blip r:embed="rId2"/>
+          <a:blip r:embed="rId3"/>
           <a:srcRect/>
           <a:stretch>
             <a:fillRect/>
@@ -10041,15 +10326,7 @@
           <a:p>
             <a:r>
               <a:rPr lang="es-ES" dirty="0" smtClean="0"/>
-              <a:t>Varios desarrolladores trabajando sobre </a:t>
-            </a:r>
-            <a:r>
-              <a:rPr lang="es-ES" dirty="0" smtClean="0"/>
-              <a:t>el mismo documento en </a:t>
-            </a:r>
-            <a:r>
-              <a:rPr lang="es-ES" dirty="0" smtClean="0"/>
-              <a:t>diferentes lugares físicos.</a:t>
+              <a:t>Varios desarrolladores trabajando sobre el mismo documento en diferentes lugares físicos.</a:t>
             </a:r>
           </a:p>
           <a:p>
@@ -10524,14 +10801,7 @@
                   <a:latin typeface="Courier New" pitchFamily="49" charset="0"/>
                   <a:cs typeface="Courier New" pitchFamily="49" charset="0"/>
                 </a:rPr>
-                <a:t> value </a:t>
-              </a:r>
-              <a:r>
-                <a:rPr lang="en-US" sz="1400" dirty="0" smtClean="0">
-                  <a:latin typeface="Courier New" pitchFamily="49" charset="0"/>
-                  <a:cs typeface="Courier New" pitchFamily="49" charset="0"/>
-                </a:rPr>
-                <a:t>= 0;</a:t>
+                <a:t> value = 0;</a:t>
               </a:r>
             </a:p>
             <a:p>
@@ -10765,14 +11035,7 @@
                   <a:latin typeface="Courier New" pitchFamily="49" charset="0"/>
                   <a:cs typeface="Courier New" pitchFamily="49" charset="0"/>
                 </a:rPr>
-                <a:t> value </a:t>
-              </a:r>
-              <a:r>
-                <a:rPr lang="en-US" sz="1400" dirty="0" smtClean="0">
-                  <a:latin typeface="Courier New" pitchFamily="49" charset="0"/>
-                  <a:cs typeface="Courier New" pitchFamily="49" charset="0"/>
-                </a:rPr>
-                <a:t>= 0;</a:t>
+                <a:t> value = 0;</a:t>
               </a:r>
             </a:p>
             <a:p>
@@ -12836,11 +13099,7 @@
                       </a:r>
                       <a:r>
                         <a:rPr lang="es-ES" baseline="0" dirty="0" smtClean="0"/>
-                        <a:t> </a:t>
-                      </a:r>
-                      <a:r>
-                        <a:rPr lang="es-ES" baseline="0" dirty="0" smtClean="0"/>
-                        <a:t>en tiempo real desde un navegador.</a:t>
+                        <a:t> en tiempo real desde un navegador.</a:t>
                       </a:r>
                       <a:endParaRPr lang="es-ES" dirty="0"/>
                     </a:p>
@@ -12970,15 +13229,7 @@
                       </a:r>
                       <a:r>
                         <a:rPr lang="es-ES" baseline="0" dirty="0" smtClean="0"/>
-                        <a:t> dos </a:t>
-                      </a:r>
-                      <a:r>
-                        <a:rPr lang="es-ES" baseline="0" dirty="0" smtClean="0"/>
-                        <a:t>usuarios </a:t>
-                      </a:r>
-                      <a:r>
-                        <a:rPr lang="es-ES" baseline="0" dirty="0" smtClean="0"/>
-                        <a:t>en una sesión de edición. Depende del proyecto ECF.</a:t>
+                        <a:t> dos usuarios en una sesión de edición. Depende del proyecto ECF.</a:t>
                       </a:r>
                       <a:endParaRPr lang="es-ES" dirty="0"/>
                     </a:p>
@@ -13369,19 +13620,7 @@
           <a:p>
             <a:r>
               <a:rPr lang="es-ES" dirty="0" smtClean="0"/>
-              <a:t>Finalmente, </a:t>
-            </a:r>
-            <a:r>
-              <a:rPr lang="es-ES" dirty="0" smtClean="0"/>
-              <a:t>se implementó</a:t>
-            </a:r>
-            <a:r>
-              <a:rPr lang="es-ES" dirty="0" smtClean="0"/>
-              <a:t> </a:t>
-            </a:r>
-            <a:r>
-              <a:rPr lang="es-ES" dirty="0" smtClean="0"/>
-              <a:t>la solución propuesta en el </a:t>
+              <a:t>Finalmente, se implementó la solución propuesta en el </a:t>
             </a:r>
             <a:r>
               <a:rPr lang="es-ES" dirty="0" err="1" smtClean="0"/>
@@ -13389,11 +13628,7 @@
             </a:r>
             <a:r>
               <a:rPr lang="es-ES" dirty="0" smtClean="0"/>
-              <a:t> utilizado* haciendo uso de operaciones borrar e insertar de </a:t>
-            </a:r>
-            <a:r>
-              <a:rPr lang="es-ES" dirty="0" smtClean="0"/>
-              <a:t>un </a:t>
+              <a:t> utilizado* haciendo uso de operaciones borrar e insertar de un </a:t>
             </a:r>
             <a:r>
               <a:rPr lang="es-ES" dirty="0" err="1" smtClean="0"/>

--- a/doc/presentacion/presentacion.pptx
+++ b/doc/presentacion/presentacion.pptx
@@ -900,15 +900,7 @@
             </a:r>
             <a:r>
               <a:rPr lang="es-AR" baseline="0" dirty="0" smtClean="0"/>
-              <a:t> en los casos en los que se nos presento la necesidad de utilizar herramienta para el desarrollo de </a:t>
-            </a:r>
-            <a:r>
-              <a:rPr lang="es-AR" baseline="0" smtClean="0"/>
-              <a:t>un TP en </a:t>
-            </a:r>
-            <a:r>
-              <a:rPr lang="es-AR" baseline="0" dirty="0" smtClean="0"/>
-              <a:t>las condiciones que se explicaron anteriormente, las que estaban disponibles no fueron o resultaron satisfactorias por diversos motivos.</a:t>
+              <a:t> en los casos en los que se nos presento la necesidad de utilizar herramienta para el desarrollo de un TP en las condiciones que se explicaron anteriormente, las que estaban disponibles no fueron o resultaron satisfactorias por diversos motivos.</a:t>
             </a:r>
             <a:endParaRPr lang="es-ES" dirty="0" smtClean="0"/>
           </a:p>
@@ -947,6 +939,657 @@
 </file>
 
 <file path=ppt/notesSlides/notesSlide4.xml><?xml version="1.0" encoding="utf-8"?>
+<p:notes xmlns:a="http://schemas.openxmlformats.org/drawingml/2006/main" xmlns:r="http://schemas.openxmlformats.org/officeDocument/2006/relationships" xmlns:p="http://schemas.openxmlformats.org/presentationml/2006/main">
+  <p:cSld>
+    <p:spTree>
+      <p:nvGrpSpPr>
+        <p:cNvPr id="1" name=""/>
+        <p:cNvGrpSpPr/>
+        <p:nvPr/>
+      </p:nvGrpSpPr>
+      <p:grpSpPr>
+        <a:xfrm>
+          <a:off x="0" y="0"/>
+          <a:ext cx="0" cy="0"/>
+          <a:chOff x="0" y="0"/>
+          <a:chExt cx="0" cy="0"/>
+        </a:xfrm>
+      </p:grpSpPr>
+      <p:sp>
+        <p:nvSpPr>
+          <p:cNvPr id="2" name="1 Marcador de imagen de diapositiva"/>
+          <p:cNvSpPr>
+            <a:spLocks noGrp="1" noRot="1" noChangeAspect="1"/>
+          </p:cNvSpPr>
+          <p:nvPr>
+            <p:ph type="sldImg"/>
+          </p:nvPr>
+        </p:nvSpPr>
+        <p:spPr/>
+      </p:sp>
+      <p:sp>
+        <p:nvSpPr>
+          <p:cNvPr id="3" name="2 Marcador de notas"/>
+          <p:cNvSpPr>
+            <a:spLocks noGrp="1"/>
+          </p:cNvSpPr>
+          <p:nvPr>
+            <p:ph type="body" idx="1"/>
+          </p:nvPr>
+        </p:nvSpPr>
+        <p:spPr/>
+        <p:txBody>
+          <a:bodyPr>
+            <a:normAutofit/>
+          </a:bodyPr>
+          <a:lstStyle/>
+          <a:p>
+            <a:pPr>
+              <a:buFont typeface="Arial" pitchFamily="34" charset="0"/>
+              <a:buChar char="•"/>
+            </a:pPr>
+            <a:r>
+              <a:rPr lang="es-AR" dirty="0" smtClean="0"/>
+              <a:t>En esta</a:t>
+            </a:r>
+            <a:r>
+              <a:rPr lang="es-AR" baseline="0" dirty="0" smtClean="0"/>
+              <a:t> diapositiva se observa el escenario típico descripto anteriormente, que sirvió de motivación para el desarrollo del trabajo profesional.</a:t>
+            </a:r>
+          </a:p>
+          <a:p>
+            <a:pPr>
+              <a:buFont typeface="Arial" pitchFamily="34" charset="0"/>
+              <a:buChar char="•"/>
+            </a:pPr>
+            <a:r>
+              <a:rPr lang="es-AR" baseline="0" dirty="0" smtClean="0"/>
+              <a:t>Podemos apreciar que existen dos personas distribuidas en distintas ubicaciones. Cada una de ellas posee una PC en la cual se encuentra editando una copia local de un archivo de código fuente de un proyecto.</a:t>
+            </a:r>
+          </a:p>
+          <a:p>
+            <a:pPr>
+              <a:buFont typeface="Arial" pitchFamily="34" charset="0"/>
+              <a:buChar char="•"/>
+            </a:pPr>
+            <a:r>
+              <a:rPr lang="es-AR" baseline="0" dirty="0" smtClean="0"/>
+              <a:t>Acá puede verse que no hay un </a:t>
+            </a:r>
+            <a:r>
+              <a:rPr lang="es-AR" baseline="0" dirty="0" err="1" smtClean="0"/>
+              <a:t>feedback</a:t>
+            </a:r>
+            <a:r>
+              <a:rPr lang="es-AR" baseline="0" dirty="0" smtClean="0"/>
+              <a:t> instantáneo entre las partes. Si una parte hace un cambio en el archivo la otra no se entera hasta que de alguna forma pueda enviarle el archivo con los cambios (por </a:t>
+            </a:r>
+            <a:r>
+              <a:rPr lang="es-AR" baseline="0" dirty="0" err="1" smtClean="0"/>
+              <a:t>ej</a:t>
+            </a:r>
+            <a:r>
+              <a:rPr lang="es-AR" baseline="0" dirty="0" smtClean="0"/>
+              <a:t>, mediante un email, mensajería, </a:t>
+            </a:r>
+            <a:r>
+              <a:rPr lang="es-AR" baseline="0" dirty="0" err="1" smtClean="0"/>
+              <a:t>pendrive</a:t>
+            </a:r>
+            <a:r>
+              <a:rPr lang="es-AR" baseline="0" dirty="0" smtClean="0"/>
+              <a:t>, </a:t>
+            </a:r>
+            <a:r>
+              <a:rPr lang="es-AR" baseline="0" dirty="0" err="1" smtClean="0"/>
+              <a:t>etc</a:t>
+            </a:r>
+            <a:r>
+              <a:rPr lang="es-AR" baseline="0" dirty="0" smtClean="0"/>
+              <a:t>).</a:t>
+            </a:r>
+          </a:p>
+          <a:p>
+            <a:pPr>
+              <a:buFont typeface="Arial" pitchFamily="34" charset="0"/>
+              <a:buChar char="•"/>
+            </a:pPr>
+            <a:r>
+              <a:rPr lang="es-AR" baseline="0" dirty="0" smtClean="0"/>
+              <a:t>En este caso si </a:t>
+            </a:r>
+            <a:r>
+              <a:rPr lang="es-AR" baseline="0" dirty="0" smtClean="0"/>
+              <a:t>además </a:t>
+            </a:r>
+            <a:r>
+              <a:rPr lang="es-AR" baseline="0" dirty="0" smtClean="0"/>
+              <a:t>la persona en la otra ubicación produjo cambios, tendrá que notificarlos a la contraparte y ambos deberán conciliar las diferencias entre sus versiones para llegar a una misma versión final.</a:t>
+            </a:r>
+          </a:p>
+          <a:p>
+            <a:pPr>
+              <a:buFont typeface="Arial" pitchFamily="34" charset="0"/>
+              <a:buChar char="•"/>
+            </a:pPr>
+            <a:r>
+              <a:rPr lang="es-AR" baseline="0" dirty="0" smtClean="0"/>
+              <a:t>Lo ideal seria que los cambios que una parte realiza sean visibles instantáneamente en la otra ubicación, sin tener que realizar todo el proceso anterior.</a:t>
+            </a:r>
+            <a:endParaRPr lang="es-ES" dirty="0"/>
+          </a:p>
+        </p:txBody>
+      </p:sp>
+      <p:sp>
+        <p:nvSpPr>
+          <p:cNvPr id="4" name="3 Marcador de número de diapositiva"/>
+          <p:cNvSpPr>
+            <a:spLocks noGrp="1"/>
+          </p:cNvSpPr>
+          <p:nvPr>
+            <p:ph type="sldNum" sz="quarter" idx="10"/>
+          </p:nvPr>
+        </p:nvSpPr>
+        <p:spPr/>
+        <p:txBody>
+          <a:bodyPr/>
+          <a:lstStyle/>
+          <a:p>
+            <a:fld id="{3BCBAC67-084D-419D-A89D-D7FC2C09E238}" type="slidenum">
+              <a:rPr lang="es-AR" smtClean="0"/>
+              <a:pPr/>
+              <a:t>4</a:t>
+            </a:fld>
+            <a:endParaRPr lang="es-AR"/>
+          </a:p>
+        </p:txBody>
+      </p:sp>
+    </p:spTree>
+  </p:cSld>
+  <p:clrMapOvr>
+    <a:masterClrMapping/>
+  </p:clrMapOvr>
+</p:notes>
+</file>
+
+<file path=ppt/notesSlides/notesSlide5.xml><?xml version="1.0" encoding="utf-8"?>
+<p:notes xmlns:a="http://schemas.openxmlformats.org/drawingml/2006/main" xmlns:r="http://schemas.openxmlformats.org/officeDocument/2006/relationships" xmlns:p="http://schemas.openxmlformats.org/presentationml/2006/main">
+  <p:cSld>
+    <p:spTree>
+      <p:nvGrpSpPr>
+        <p:cNvPr id="1" name=""/>
+        <p:cNvGrpSpPr/>
+        <p:nvPr/>
+      </p:nvGrpSpPr>
+      <p:grpSpPr>
+        <a:xfrm>
+          <a:off x="0" y="0"/>
+          <a:ext cx="0" cy="0"/>
+          <a:chOff x="0" y="0"/>
+          <a:chExt cx="0" cy="0"/>
+        </a:xfrm>
+      </p:grpSpPr>
+      <p:sp>
+        <p:nvSpPr>
+          <p:cNvPr id="2" name="1 Marcador de imagen de diapositiva"/>
+          <p:cNvSpPr>
+            <a:spLocks noGrp="1" noRot="1" noChangeAspect="1"/>
+          </p:cNvSpPr>
+          <p:nvPr>
+            <p:ph type="sldImg"/>
+          </p:nvPr>
+        </p:nvSpPr>
+        <p:spPr/>
+      </p:sp>
+      <p:sp>
+        <p:nvSpPr>
+          <p:cNvPr id="3" name="2 Marcador de notas"/>
+          <p:cNvSpPr>
+            <a:spLocks noGrp="1"/>
+          </p:cNvSpPr>
+          <p:nvPr>
+            <p:ph type="body" idx="1"/>
+          </p:nvPr>
+        </p:nvSpPr>
+        <p:spPr/>
+        <p:txBody>
+          <a:bodyPr>
+            <a:normAutofit/>
+          </a:bodyPr>
+          <a:lstStyle/>
+          <a:p>
+            <a:pPr>
+              <a:buFont typeface="Arial" pitchFamily="34" charset="0"/>
+              <a:buChar char="•"/>
+            </a:pPr>
+            <a:r>
+              <a:rPr lang="es-AR" dirty="0" smtClean="0"/>
+              <a:t>De la situación anterior surgen</a:t>
+            </a:r>
+            <a:r>
+              <a:rPr lang="es-AR" baseline="0" dirty="0" smtClean="0"/>
+              <a:t> entonces la necesidad de resolver varios problemas:</a:t>
+            </a:r>
+          </a:p>
+          <a:p>
+            <a:pPr>
+              <a:buFont typeface="Arial" pitchFamily="34" charset="0"/>
+              <a:buChar char="•"/>
+            </a:pPr>
+            <a:r>
+              <a:rPr lang="es-AR" baseline="0" dirty="0" smtClean="0"/>
+              <a:t>En primer lugar es necesario que el documento que las partes editan se mantenga sincronizado en todas las ubicaciones. Esto quiere decir que al final de las tareas de edición en cada parte, el documento resultante en todas las ubicaciones debe ser exactamente el mismo.</a:t>
+            </a:r>
+          </a:p>
+          <a:p>
+            <a:pPr>
+              <a:buFont typeface="Arial" pitchFamily="34" charset="0"/>
+              <a:buChar char="•"/>
+            </a:pPr>
+            <a:r>
+              <a:rPr lang="es-AR" baseline="0" dirty="0" smtClean="0"/>
+              <a:t>Otro problema a resolver es que en cada ubicación, los cambios que se introducen tanto local como remotamente deben ser visibles instantáneamente. Por </a:t>
+            </a:r>
+            <a:r>
+              <a:rPr lang="es-AR" baseline="0" dirty="0" err="1" smtClean="0"/>
+              <a:t>ej</a:t>
+            </a:r>
+            <a:r>
+              <a:rPr lang="es-AR" baseline="0" dirty="0" smtClean="0"/>
+              <a:t>: no se desea que haya un arbitro que coordine y determine quién puede introducir cambios al documento en cada momento.</a:t>
+            </a:r>
+          </a:p>
+          <a:p>
+            <a:pPr>
+              <a:buFont typeface="Arial" pitchFamily="34" charset="0"/>
+              <a:buChar char="•"/>
+            </a:pPr>
+            <a:r>
+              <a:rPr lang="es-AR" baseline="0" dirty="0" smtClean="0"/>
+              <a:t>Se requiere que este esquema pueda ser integrado a herramientas existentes, aprovechando las capacidades que éstas ya ofrecen.</a:t>
+            </a:r>
+          </a:p>
+          <a:p>
+            <a:pPr>
+              <a:buFont typeface="Arial" pitchFamily="34" charset="0"/>
+              <a:buChar char="•"/>
+            </a:pPr>
+            <a:r>
+              <a:rPr lang="es-AR" baseline="0" dirty="0" smtClean="0"/>
+              <a:t>Finalmente se busca simplicidad para la configuración y uso de este sistema, enfocando al usuario en las tareas que realmente le interesan, en lugar de tener que preocuparse por instalaciones y configuraciones que desalientan su uso.</a:t>
+            </a:r>
+            <a:endParaRPr lang="es-ES" dirty="0"/>
+          </a:p>
+        </p:txBody>
+      </p:sp>
+      <p:sp>
+        <p:nvSpPr>
+          <p:cNvPr id="4" name="3 Marcador de número de diapositiva"/>
+          <p:cNvSpPr>
+            <a:spLocks noGrp="1"/>
+          </p:cNvSpPr>
+          <p:nvPr>
+            <p:ph type="sldNum" sz="quarter" idx="10"/>
+          </p:nvPr>
+        </p:nvSpPr>
+        <p:spPr/>
+        <p:txBody>
+          <a:bodyPr/>
+          <a:lstStyle/>
+          <a:p>
+            <a:fld id="{3BCBAC67-084D-419D-A89D-D7FC2C09E238}" type="slidenum">
+              <a:rPr lang="es-AR" smtClean="0"/>
+              <a:pPr/>
+              <a:t>5</a:t>
+            </a:fld>
+            <a:endParaRPr lang="es-AR"/>
+          </a:p>
+        </p:txBody>
+      </p:sp>
+    </p:spTree>
+  </p:cSld>
+  <p:clrMapOvr>
+    <a:masterClrMapping/>
+  </p:clrMapOvr>
+</p:notes>
+</file>
+
+<file path=ppt/notesSlides/notesSlide6.xml><?xml version="1.0" encoding="utf-8"?>
+<p:notes xmlns:a="http://schemas.openxmlformats.org/drawingml/2006/main" xmlns:r="http://schemas.openxmlformats.org/officeDocument/2006/relationships" xmlns:p="http://schemas.openxmlformats.org/presentationml/2006/main">
+  <p:cSld>
+    <p:spTree>
+      <p:nvGrpSpPr>
+        <p:cNvPr id="1" name=""/>
+        <p:cNvGrpSpPr/>
+        <p:nvPr/>
+      </p:nvGrpSpPr>
+      <p:grpSpPr>
+        <a:xfrm>
+          <a:off x="0" y="0"/>
+          <a:ext cx="0" cy="0"/>
+          <a:chOff x="0" y="0"/>
+          <a:chExt cx="0" cy="0"/>
+        </a:xfrm>
+      </p:grpSpPr>
+      <p:sp>
+        <p:nvSpPr>
+          <p:cNvPr id="2" name="1 Marcador de imagen de diapositiva"/>
+          <p:cNvSpPr>
+            <a:spLocks noGrp="1" noRot="1" noChangeAspect="1"/>
+          </p:cNvSpPr>
+          <p:nvPr>
+            <p:ph type="sldImg"/>
+          </p:nvPr>
+        </p:nvSpPr>
+        <p:spPr/>
+      </p:sp>
+      <p:sp>
+        <p:nvSpPr>
+          <p:cNvPr id="3" name="2 Marcador de notas"/>
+          <p:cNvSpPr>
+            <a:spLocks noGrp="1"/>
+          </p:cNvSpPr>
+          <p:nvPr>
+            <p:ph type="body" idx="1"/>
+          </p:nvPr>
+        </p:nvSpPr>
+        <p:spPr/>
+        <p:txBody>
+          <a:bodyPr>
+            <a:normAutofit lnSpcReduction="10000"/>
+          </a:bodyPr>
+          <a:lstStyle/>
+          <a:p>
+            <a:r>
+              <a:rPr lang="es-AR" dirty="0" smtClean="0"/>
+              <a:t>En este ejemplo</a:t>
+            </a:r>
+            <a:r>
+              <a:rPr lang="es-AR" baseline="0" dirty="0" smtClean="0"/>
+              <a:t> se pueden apreciar los problemas que se presentan en aplicaciones tradicionales</a:t>
+            </a:r>
+          </a:p>
+          <a:p>
+            <a:endParaRPr lang="es-AR" baseline="0" dirty="0" smtClean="0"/>
+          </a:p>
+          <a:p>
+            <a:pPr marL="228600" indent="-228600">
+              <a:buFont typeface="+mj-lt"/>
+              <a:buAutoNum type="arabicPeriod"/>
+            </a:pPr>
+            <a:r>
+              <a:rPr lang="es-AR" baseline="0" dirty="0" smtClean="0"/>
+              <a:t>Supongamos que dos usuarios están trabajando con una copia de un documento en el mismo estado inicial.</a:t>
+            </a:r>
+          </a:p>
+          <a:p>
+            <a:pPr marL="228600" indent="-228600">
+              <a:buFont typeface="+mj-lt"/>
+              <a:buAutoNum type="arabicPeriod"/>
+            </a:pPr>
+            <a:r>
+              <a:rPr lang="es-AR" baseline="0" dirty="0" smtClean="0"/>
+              <a:t>Ambas ubicaciones tienen el contenido en “hola”</a:t>
+            </a:r>
+          </a:p>
+          <a:p>
+            <a:pPr marL="228600" indent="-228600">
+              <a:buFont typeface="+mj-lt"/>
+              <a:buAutoNum type="arabicPeriod"/>
+            </a:pPr>
+            <a:r>
+              <a:rPr lang="es-AR" baseline="0" dirty="0" smtClean="0"/>
+              <a:t>El usuario 1 tiene la intención de insertar una letra “c” al inicio del documento.</a:t>
+            </a:r>
+          </a:p>
+          <a:p>
+            <a:pPr marL="228600" indent="-228600">
+              <a:buFont typeface="+mj-lt"/>
+              <a:buAutoNum type="arabicPeriod"/>
+            </a:pPr>
+            <a:r>
+              <a:rPr lang="es-AR" baseline="0" dirty="0" smtClean="0"/>
+              <a:t>El mismo realiza el cambio en su copia local y prepara un mensaje para notificarle al usuario 2 del cambio que produjo.</a:t>
+            </a:r>
+          </a:p>
+          <a:p>
+            <a:pPr marL="228600" indent="-228600">
+              <a:buFont typeface="+mj-lt"/>
+              <a:buAutoNum type="arabicPeriod"/>
+            </a:pPr>
+            <a:r>
+              <a:rPr lang="es-AR" baseline="0" dirty="0" smtClean="0"/>
+              <a:t>El mensaje tiene la forma de “insertar ‘c’ en posición 0”</a:t>
+            </a:r>
+          </a:p>
+          <a:p>
+            <a:pPr marL="228600" indent="-228600">
+              <a:buFont typeface="+mj-lt"/>
+              <a:buAutoNum type="arabicPeriod"/>
+            </a:pPr>
+            <a:r>
+              <a:rPr lang="es-AR" baseline="0" dirty="0" smtClean="0"/>
+              <a:t>El mensaje se envía a través de la red que los comunica, en este caso Internet.</a:t>
+            </a:r>
+          </a:p>
+          <a:p>
+            <a:pPr marL="228600" indent="-228600">
+              <a:buFont typeface="+mj-lt"/>
+              <a:buAutoNum type="arabicPeriod"/>
+            </a:pPr>
+            <a:r>
+              <a:rPr lang="es-AR" baseline="0" dirty="0" smtClean="0"/>
+              <a:t>Éste no llega instantáneamente al otro lado. Existe una demora propia de las comunicaciones que depende de varios factores (distancias, ruteo, congestión).</a:t>
+            </a:r>
+          </a:p>
+          <a:p>
+            <a:pPr marL="228600" indent="-228600">
+              <a:buFont typeface="+mj-lt"/>
+              <a:buAutoNum type="arabicPeriod"/>
+            </a:pPr>
+            <a:r>
+              <a:rPr lang="es-AR" baseline="0" dirty="0" smtClean="0"/>
+              <a:t>Supongamos que mientras el mensaje esta en tránsito, el usuario 2 tiene la intención de borrar la “o” del documento.</a:t>
+            </a:r>
+          </a:p>
+          <a:p>
+            <a:pPr marL="228600" indent="-228600">
+              <a:buFont typeface="+mj-lt"/>
+              <a:buAutoNum type="arabicPeriod"/>
+            </a:pPr>
+            <a:r>
+              <a:rPr lang="es-AR" baseline="0" dirty="0" smtClean="0"/>
+              <a:t>Realiza el cambio en su copia local y envía el mensaje notificando esta situación a la ubicación 1. El mensaje se puede expresar como “eliminar 1 carácter en posición 1”</a:t>
+            </a:r>
+          </a:p>
+          <a:p>
+            <a:pPr marL="228600" indent="-228600">
+              <a:buFont typeface="+mj-lt"/>
+              <a:buAutoNum type="arabicPeriod"/>
+            </a:pPr>
+            <a:r>
+              <a:rPr lang="es-AR" baseline="0" dirty="0" smtClean="0"/>
+              <a:t> Este mensaje también tarda un determinado tiempo en llegar a la otra ubicación.</a:t>
+            </a:r>
+          </a:p>
+          <a:p>
+            <a:pPr marL="228600" indent="-228600">
+              <a:buFont typeface="+mj-lt"/>
+              <a:buAutoNum type="arabicPeriod"/>
+            </a:pPr>
+            <a:r>
+              <a:rPr lang="es-AR" baseline="0" dirty="0" smtClean="0"/>
+              <a:t> Mientras el 2° mensaje esta atravesando la red, el 1° llega a la ubicación 2.</a:t>
+            </a:r>
+          </a:p>
+          <a:p>
+            <a:pPr marL="228600" indent="-228600">
+              <a:buFont typeface="+mj-lt"/>
+              <a:buAutoNum type="arabicPeriod"/>
+            </a:pPr>
+            <a:r>
+              <a:rPr lang="es-AR" baseline="0" dirty="0" smtClean="0"/>
+              <a:t> El usuario 2 analiza el mensaje con los cambios introducidos por el usuario 1 y los aplica localmente llevando el estado de su copia local a “</a:t>
+            </a:r>
+            <a:r>
+              <a:rPr lang="es-AR" baseline="0" dirty="0" err="1" smtClean="0"/>
+              <a:t>chla</a:t>
+            </a:r>
+            <a:r>
+              <a:rPr lang="es-AR" baseline="0" dirty="0" smtClean="0"/>
+              <a:t>”</a:t>
+            </a:r>
+          </a:p>
+          <a:p>
+            <a:pPr marL="228600" indent="-228600">
+              <a:buFont typeface="+mj-lt"/>
+              <a:buAutoNum type="arabicPeriod"/>
+            </a:pPr>
+            <a:r>
+              <a:rPr lang="es-AR" baseline="0" dirty="0" smtClean="0"/>
+              <a:t> A continuación, mensaje con los cambios originados por el usuario 2 arriba a la ubicación del usuario 1.</a:t>
+            </a:r>
+          </a:p>
+          <a:p>
+            <a:pPr marL="228600" indent="-228600">
+              <a:buFont typeface="+mj-lt"/>
+              <a:buAutoNum type="arabicPeriod"/>
+            </a:pPr>
+            <a:r>
+              <a:rPr lang="es-AR" baseline="0" dirty="0" smtClean="0"/>
+              <a:t> Éste también analiza el mensaje aplicando los cambios que le fueron notificados a su copia local del documento. Éste proceso lleva el estado de su copia a “cola”</a:t>
+            </a:r>
+          </a:p>
+          <a:p>
+            <a:r>
+              <a:rPr lang="es-AR" baseline="0" dirty="0" smtClean="0"/>
+              <a:t>15. Al finalizar la edición, podemos ver que ambas copias poseen un estado distinto, es decir, no se ha logrado la convergencia.</a:t>
+            </a:r>
+          </a:p>
+          <a:p>
+            <a:pPr marL="228600" indent="-228600">
+              <a:buFont typeface="+mj-lt"/>
+              <a:buAutoNum type="arabicPeriod"/>
+            </a:pPr>
+            <a:endParaRPr lang="es-ES" dirty="0"/>
+          </a:p>
+        </p:txBody>
+      </p:sp>
+      <p:sp>
+        <p:nvSpPr>
+          <p:cNvPr id="4" name="3 Marcador de número de diapositiva"/>
+          <p:cNvSpPr>
+            <a:spLocks noGrp="1"/>
+          </p:cNvSpPr>
+          <p:nvPr>
+            <p:ph type="sldNum" sz="quarter" idx="10"/>
+          </p:nvPr>
+        </p:nvSpPr>
+        <p:spPr/>
+        <p:txBody>
+          <a:bodyPr/>
+          <a:lstStyle/>
+          <a:p>
+            <a:fld id="{3BCBAC67-084D-419D-A89D-D7FC2C09E238}" type="slidenum">
+              <a:rPr lang="es-AR" smtClean="0"/>
+              <a:pPr/>
+              <a:t>6</a:t>
+            </a:fld>
+            <a:endParaRPr lang="es-AR"/>
+          </a:p>
+        </p:txBody>
+      </p:sp>
+    </p:spTree>
+  </p:cSld>
+  <p:clrMapOvr>
+    <a:masterClrMapping/>
+  </p:clrMapOvr>
+</p:notes>
+</file>
+
+<file path=ppt/notesSlides/notesSlide7.xml><?xml version="1.0" encoding="utf-8"?>
+<p:notes xmlns:a="http://schemas.openxmlformats.org/drawingml/2006/main" xmlns:r="http://schemas.openxmlformats.org/officeDocument/2006/relationships" xmlns:p="http://schemas.openxmlformats.org/presentationml/2006/main">
+  <p:cSld>
+    <p:spTree>
+      <p:nvGrpSpPr>
+        <p:cNvPr id="1" name=""/>
+        <p:cNvGrpSpPr/>
+        <p:nvPr/>
+      </p:nvGrpSpPr>
+      <p:grpSpPr>
+        <a:xfrm>
+          <a:off x="0" y="0"/>
+          <a:ext cx="0" cy="0"/>
+          <a:chOff x="0" y="0"/>
+          <a:chExt cx="0" cy="0"/>
+        </a:xfrm>
+      </p:grpSpPr>
+      <p:sp>
+        <p:nvSpPr>
+          <p:cNvPr id="2" name="1 Marcador de imagen de diapositiva"/>
+          <p:cNvSpPr>
+            <a:spLocks noGrp="1" noRot="1" noChangeAspect="1"/>
+          </p:cNvSpPr>
+          <p:nvPr>
+            <p:ph type="sldImg"/>
+          </p:nvPr>
+        </p:nvSpPr>
+        <p:spPr/>
+      </p:sp>
+      <p:sp>
+        <p:nvSpPr>
+          <p:cNvPr id="3" name="2 Marcador de notas"/>
+          <p:cNvSpPr>
+            <a:spLocks noGrp="1"/>
+          </p:cNvSpPr>
+          <p:nvPr>
+            <p:ph type="body" idx="1"/>
+          </p:nvPr>
+        </p:nvSpPr>
+        <p:spPr/>
+        <p:txBody>
+          <a:bodyPr>
+            <a:normAutofit/>
+          </a:bodyPr>
+          <a:lstStyle/>
+          <a:p>
+            <a:endParaRPr lang="es-ES" dirty="0"/>
+          </a:p>
+        </p:txBody>
+      </p:sp>
+      <p:sp>
+        <p:nvSpPr>
+          <p:cNvPr id="4" name="3 Marcador de número de diapositiva"/>
+          <p:cNvSpPr>
+            <a:spLocks noGrp="1"/>
+          </p:cNvSpPr>
+          <p:nvPr>
+            <p:ph type="sldNum" sz="quarter" idx="10"/>
+          </p:nvPr>
+        </p:nvSpPr>
+        <p:spPr/>
+        <p:txBody>
+          <a:bodyPr/>
+          <a:lstStyle/>
+          <a:p>
+            <a:fld id="{3BCBAC67-084D-419D-A89D-D7FC2C09E238}" type="slidenum">
+              <a:rPr lang="es-AR" smtClean="0"/>
+              <a:pPr/>
+              <a:t>7</a:t>
+            </a:fld>
+            <a:endParaRPr lang="es-AR"/>
+          </a:p>
+        </p:txBody>
+      </p:sp>
+    </p:spTree>
+  </p:cSld>
+  <p:clrMapOvr>
+    <a:masterClrMapping/>
+  </p:clrMapOvr>
+</p:notes>
+</file>
+
+<file path=ppt/notesSlides/notesSlide8.xml><?xml version="1.0" encoding="utf-8"?>
 <p:notes xmlns:a="http://schemas.openxmlformats.org/drawingml/2006/main" xmlns:r="http://schemas.openxmlformats.org/officeDocument/2006/relationships" xmlns:p="http://schemas.openxmlformats.org/presentationml/2006/main">
   <p:cSld>
     <p:spTree>
@@ -10463,7 +11106,7 @@
             <p:nvPr/>
           </p:nvPicPr>
           <p:blipFill>
-            <a:blip r:embed="rId2" cstate="print"/>
+            <a:blip r:embed="rId3" cstate="print"/>
             <a:stretch>
               <a:fillRect/>
             </a:stretch>
@@ -10487,7 +11130,7 @@
             <p:nvPr/>
           </p:nvPicPr>
           <p:blipFill>
-            <a:blip r:embed="rId3"/>
+            <a:blip r:embed="rId4"/>
             <a:srcRect t="12062" b="15563"/>
             <a:stretch>
               <a:fillRect/>
@@ -10617,7 +11260,7 @@
             <p:nvPr/>
           </p:nvPicPr>
           <p:blipFill>
-            <a:blip r:embed="rId2" cstate="print"/>
+            <a:blip r:embed="rId3" cstate="print"/>
             <a:stretch>
               <a:fillRect/>
             </a:stretch>
@@ -10641,7 +11284,7 @@
             <p:nvPr/>
           </p:nvPicPr>
           <p:blipFill>
-            <a:blip r:embed="rId3"/>
+            <a:blip r:embed="rId4"/>
             <a:srcRect t="12062" b="15563"/>
             <a:stretch>
               <a:fillRect/>
@@ -10718,7 +11361,7 @@
             <p:nvPr/>
           </p:nvPicPr>
           <p:blipFill>
-            <a:blip r:embed="rId4"/>
+            <a:blip r:embed="rId5"/>
             <a:stretch>
               <a:fillRect/>
             </a:stretch>
@@ -10952,7 +11595,7 @@
             <p:nvPr/>
           </p:nvPicPr>
           <p:blipFill>
-            <a:blip r:embed="rId4"/>
+            <a:blip r:embed="rId5"/>
             <a:stretch>
               <a:fillRect/>
             </a:stretch>
@@ -11208,7 +11851,7 @@
           <p:nvPr/>
         </p:nvPicPr>
         <p:blipFill>
-          <a:blip r:embed="rId2"/>
+          <a:blip r:embed="rId3"/>
           <a:stretch>
             <a:fillRect/>
           </a:stretch>
@@ -11264,7 +11907,7 @@
           <p:nvPr/>
         </p:nvPicPr>
         <p:blipFill>
-          <a:blip r:embed="rId2"/>
+          <a:blip r:embed="rId3"/>
           <a:stretch>
             <a:fillRect/>
           </a:stretch>
@@ -11411,7 +12054,7 @@
             <p:nvPr/>
           </p:nvPicPr>
           <p:blipFill>
-            <a:blip r:embed="rId3" cstate="print"/>
+            <a:blip r:embed="rId4" cstate="print"/>
             <a:stretch>
               <a:fillRect/>
             </a:stretch>
@@ -11435,7 +12078,7 @@
             <p:nvPr/>
           </p:nvPicPr>
           <p:blipFill>
-            <a:blip r:embed="rId4"/>
+            <a:blip r:embed="rId5"/>
             <a:srcRect t="12062" b="15563"/>
             <a:stretch>
               <a:fillRect/>
@@ -11565,7 +12208,7 @@
             <p:nvPr/>
           </p:nvPicPr>
           <p:blipFill>
-            <a:blip r:embed="rId3" cstate="print"/>
+            <a:blip r:embed="rId4" cstate="print"/>
             <a:stretch>
               <a:fillRect/>
             </a:stretch>
@@ -11589,7 +12232,7 @@
             <p:nvPr/>
           </p:nvPicPr>
           <p:blipFill>
-            <a:blip r:embed="rId4"/>
+            <a:blip r:embed="rId5"/>
             <a:srcRect t="12062" b="15563"/>
             <a:stretch>
               <a:fillRect/>
@@ -11652,7 +12295,7 @@
           <p:nvPr/>
         </p:nvPicPr>
         <p:blipFill>
-          <a:blip r:embed="rId2"/>
+          <a:blip r:embed="rId3"/>
           <a:stretch>
             <a:fillRect/>
           </a:stretch>
@@ -11781,7 +12424,7 @@
           <p:nvPr/>
         </p:nvPicPr>
         <p:blipFill>
-          <a:blip r:embed="rId5" cstate="print"/>
+          <a:blip r:embed="rId6" cstate="print"/>
           <a:stretch>
             <a:fillRect/>
           </a:stretch>
@@ -11847,7 +12490,7 @@
           <p:nvPr/>
         </p:nvPicPr>
         <p:blipFill>
-          <a:blip r:embed="rId6" cstate="print">
+          <a:blip r:embed="rId7" cstate="print">
             <a:duotone>
               <a:prstClr val="black"/>
               <a:schemeClr val="accent4">
@@ -13325,7 +13968,7 @@
           <p:nvPr/>
         </p:nvPicPr>
         <p:blipFill>
-          <a:blip r:embed="rId2"/>
+          <a:blip r:embed="rId3"/>
           <a:stretch>
             <a:fillRect/>
           </a:stretch>
@@ -13352,7 +13995,7 @@
           <p:nvPr/>
         </p:nvPicPr>
         <p:blipFill>
-          <a:blip r:embed="rId3"/>
+          <a:blip r:embed="rId4"/>
           <a:stretch>
             <a:fillRect/>
           </a:stretch>
@@ -13376,7 +14019,7 @@
           <p:nvPr/>
         </p:nvPicPr>
         <p:blipFill>
-          <a:blip r:embed="rId4"/>
+          <a:blip r:embed="rId5"/>
           <a:stretch>
             <a:fillRect/>
           </a:stretch>
@@ -13400,7 +14043,7 @@
           <p:nvPr/>
         </p:nvPicPr>
         <p:blipFill>
-          <a:blip r:embed="rId5" cstate="print"/>
+          <a:blip r:embed="rId6" cstate="print"/>
           <a:stretch>
             <a:fillRect/>
           </a:stretch>

--- a/doc/presentacion/presentacion.pptx
+++ b/doc/presentacion/presentacion.pptx
@@ -633,6 +633,440 @@
 </p:notes>
 </file>
 
+<file path=ppt/notesSlides/notesSlide10.xml><?xml version="1.0" encoding="utf-8"?>
+<p:notes xmlns:a="http://schemas.openxmlformats.org/drawingml/2006/main" xmlns:r="http://schemas.openxmlformats.org/officeDocument/2006/relationships" xmlns:p="http://schemas.openxmlformats.org/presentationml/2006/main">
+  <p:cSld>
+    <p:spTree>
+      <p:nvGrpSpPr>
+        <p:cNvPr id="1" name=""/>
+        <p:cNvGrpSpPr/>
+        <p:nvPr/>
+      </p:nvGrpSpPr>
+      <p:grpSpPr>
+        <a:xfrm>
+          <a:off x="0" y="0"/>
+          <a:ext cx="0" cy="0"/>
+          <a:chOff x="0" y="0"/>
+          <a:chExt cx="0" cy="0"/>
+        </a:xfrm>
+      </p:grpSpPr>
+      <p:sp>
+        <p:nvSpPr>
+          <p:cNvPr id="2" name="1 Marcador de imagen de diapositiva"/>
+          <p:cNvSpPr>
+            <a:spLocks noGrp="1" noRot="1" noChangeAspect="1"/>
+          </p:cNvSpPr>
+          <p:nvPr>
+            <p:ph type="sldImg"/>
+          </p:nvPr>
+        </p:nvSpPr>
+        <p:spPr/>
+      </p:sp>
+      <p:sp>
+        <p:nvSpPr>
+          <p:cNvPr id="3" name="2 Marcador de notas"/>
+          <p:cNvSpPr>
+            <a:spLocks noGrp="1"/>
+          </p:cNvSpPr>
+          <p:nvPr>
+            <p:ph type="body" idx="1"/>
+          </p:nvPr>
+        </p:nvSpPr>
+        <p:spPr/>
+        <p:txBody>
+          <a:bodyPr>
+            <a:normAutofit fontScale="92500" lnSpcReduction="20000"/>
+          </a:bodyPr>
+          <a:lstStyle/>
+          <a:p>
+            <a:pPr>
+              <a:buFont typeface="Arial" pitchFamily="34" charset="0"/>
+              <a:buChar char="•"/>
+            </a:pPr>
+            <a:r>
+              <a:rPr lang="es-ES" dirty="0" err="1" smtClean="0"/>
+              <a:t>Vovemo</a:t>
+            </a:r>
+            <a:r>
+              <a:rPr lang="es-ES" baseline="0" dirty="0" err="1" smtClean="0"/>
+              <a:t>s</a:t>
+            </a:r>
+            <a:r>
+              <a:rPr lang="es-ES" baseline="0" dirty="0" smtClean="0"/>
+              <a:t> a analizar el ejemplo de la animación anterior pero mostrando como la inclusión del algoritmo de sincronización funciona para lograr la convergencia.</a:t>
+            </a:r>
+          </a:p>
+          <a:p>
+            <a:pPr>
+              <a:buFont typeface="Arial" pitchFamily="34" charset="0"/>
+              <a:buChar char="•"/>
+            </a:pPr>
+            <a:r>
+              <a:rPr lang="es-ES" baseline="0" dirty="0" smtClean="0"/>
+              <a:t>Se ha agregado un dibujo (circulo) que representa el sincronizador presente en cada ubicación. Éste será el encargado de transformar las operaciones recibidas antes de aplicarlas a la copia local del documento.</a:t>
+            </a:r>
+          </a:p>
+          <a:p>
+            <a:pPr>
+              <a:buFont typeface="Arial" pitchFamily="34" charset="0"/>
+              <a:buChar char="•"/>
+            </a:pPr>
+            <a:endParaRPr lang="es-ES" baseline="0" dirty="0" smtClean="0"/>
+          </a:p>
+          <a:p>
+            <a:pPr marL="228600" indent="-228600">
+              <a:buFont typeface="+mj-lt"/>
+              <a:buAutoNum type="arabicPeriod"/>
+            </a:pPr>
+            <a:r>
+              <a:rPr lang="es-AR" baseline="0" dirty="0" smtClean="0"/>
+              <a:t>Supongamos nuevamente que dos usuarios están trabajando con una copia de un documento en el mismo estado inicial.</a:t>
+            </a:r>
+          </a:p>
+          <a:p>
+            <a:pPr marL="228600" indent="-228600">
+              <a:buFont typeface="+mj-lt"/>
+              <a:buAutoNum type="arabicPeriod"/>
+            </a:pPr>
+            <a:r>
+              <a:rPr lang="es-AR" baseline="0" dirty="0" smtClean="0"/>
+              <a:t>Ambas ubicaciones tienen el contenido en “hola”</a:t>
+            </a:r>
+          </a:p>
+          <a:p>
+            <a:pPr marL="228600" indent="-228600">
+              <a:buFont typeface="+mj-lt"/>
+              <a:buAutoNum type="arabicPeriod"/>
+            </a:pPr>
+            <a:r>
+              <a:rPr lang="es-AR" baseline="0" dirty="0" smtClean="0"/>
+              <a:t>El usuario 1 tiene la intención de insertar una letra “c” al inicio del documento.</a:t>
+            </a:r>
+          </a:p>
+          <a:p>
+            <a:pPr marL="228600" indent="-228600">
+              <a:buFont typeface="+mj-lt"/>
+              <a:buAutoNum type="arabicPeriod"/>
+            </a:pPr>
+            <a:r>
+              <a:rPr lang="es-AR" baseline="0" dirty="0" smtClean="0"/>
+              <a:t>El mismo realiza el cambio en su copia local y prepara un mensaje para notificarle al usuario 2 del cambio que produjo.</a:t>
+            </a:r>
+          </a:p>
+          <a:p>
+            <a:pPr marL="228600" indent="-228600">
+              <a:buFont typeface="+mj-lt"/>
+              <a:buAutoNum type="arabicPeriod"/>
+            </a:pPr>
+            <a:r>
+              <a:rPr lang="es-AR" baseline="0" dirty="0" smtClean="0"/>
+              <a:t>El mensaje tiene la forma de “insertar ‘c’ en posición 0”</a:t>
+            </a:r>
+          </a:p>
+          <a:p>
+            <a:pPr marL="228600" indent="-228600">
+              <a:buFont typeface="+mj-lt"/>
+              <a:buAutoNum type="arabicPeriod"/>
+            </a:pPr>
+            <a:r>
+              <a:rPr lang="es-AR" baseline="0" dirty="0" smtClean="0"/>
+              <a:t>Antes de ser enviado a la otra parte, el mensaje debe pasar por el sincronizador local. Éste registra la operación que se aplicó localmente. La información registrada será utilizada luego para poder transformar mensajes remotos.</a:t>
+            </a:r>
+          </a:p>
+          <a:p>
+            <a:pPr marL="228600" indent="-228600">
+              <a:buFont typeface="+mj-lt"/>
+              <a:buAutoNum type="arabicPeriod"/>
+            </a:pPr>
+            <a:r>
+              <a:rPr lang="es-AR" baseline="0" dirty="0" smtClean="0"/>
+              <a:t>Una vez que paso el sincronizador, el mensaje se envía a través de la red que los comunica, en este caso Internet.</a:t>
+            </a:r>
+          </a:p>
+          <a:p>
+            <a:pPr marL="228600" indent="-228600">
+              <a:buFont typeface="+mj-lt"/>
+              <a:buAutoNum type="arabicPeriod"/>
+            </a:pPr>
+            <a:r>
+              <a:rPr lang="es-AR" baseline="0" dirty="0" smtClean="0"/>
+              <a:t>Éste no llega instantáneamente al otro lado. Existe una demora propia de las comunicaciones que depende de varios factores (distancias, ruteo, congestión).</a:t>
+            </a:r>
+          </a:p>
+          <a:p>
+            <a:pPr marL="228600" indent="-228600">
+              <a:buFont typeface="+mj-lt"/>
+              <a:buAutoNum type="arabicPeriod"/>
+            </a:pPr>
+            <a:r>
+              <a:rPr lang="es-AR" baseline="0" dirty="0" smtClean="0"/>
+              <a:t>Supongamos que mientras el mensaje esta en tránsito, el usuario 2 tiene la intención de borrar la “o” del documento.</a:t>
+            </a:r>
+          </a:p>
+          <a:p>
+            <a:pPr marL="228600" indent="-228600">
+              <a:buFont typeface="+mj-lt"/>
+              <a:buAutoNum type="arabicPeriod"/>
+            </a:pPr>
+            <a:r>
+              <a:rPr lang="es-AR" baseline="0" dirty="0" smtClean="0"/>
+              <a:t>Realiza el cambio en su copia local y envía el mensaje notificando esta situación a la ubicación 1. El mensaje se puede expresar como “eliminar 1 carácter en posición 1”. El mismo debe pasar por el sincronizador local y luego se envía a la otra parte.</a:t>
+            </a:r>
+          </a:p>
+          <a:p>
+            <a:pPr marL="228600" indent="-228600">
+              <a:buFont typeface="+mj-lt"/>
+              <a:buAutoNum type="arabicPeriod"/>
+            </a:pPr>
+            <a:r>
+              <a:rPr lang="es-AR" baseline="0" dirty="0" smtClean="0"/>
+              <a:t> Este mensaje también tarda un determinado tiempo en llegar a la otra ubicación.</a:t>
+            </a:r>
+          </a:p>
+          <a:p>
+            <a:pPr marL="228600" indent="-228600">
+              <a:buFont typeface="+mj-lt"/>
+              <a:buAutoNum type="arabicPeriod"/>
+            </a:pPr>
+            <a:r>
+              <a:rPr lang="es-AR" baseline="0" dirty="0" smtClean="0"/>
+              <a:t> Mientras el 2° mensaje esta atravesando la red, el 1° llega a la ubicación 2.</a:t>
+            </a:r>
+          </a:p>
+          <a:p>
+            <a:pPr marL="228600" indent="-228600">
+              <a:buFont typeface="+mj-lt"/>
+              <a:buAutoNum type="arabicPeriod"/>
+            </a:pPr>
+            <a:r>
+              <a:rPr lang="es-AR" baseline="0" dirty="0" smtClean="0"/>
+              <a:t> El usuario 2 analiza el mensaje con los cambios introducidos por el usuario 1, sin embargo, no los aplica directamente como en el caso anterior.</a:t>
+            </a:r>
+          </a:p>
+          <a:p>
+            <a:pPr marL="228600" indent="-228600">
+              <a:buFont typeface="+mj-lt"/>
+              <a:buAutoNum type="arabicPeriod"/>
+            </a:pPr>
+            <a:r>
+              <a:rPr lang="es-AR" baseline="0" dirty="0" smtClean="0"/>
+              <a:t> Antes de poder aplicar la operación recibida, la misma debe ser transformada por el sincronizador.</a:t>
+            </a:r>
+          </a:p>
+          <a:p>
+            <a:pPr marL="228600" indent="-228600">
+              <a:buFont typeface="+mj-lt"/>
+              <a:buAutoNum type="arabicPeriod"/>
+            </a:pPr>
+            <a:r>
+              <a:rPr lang="es-AR" baseline="0" dirty="0" smtClean="0"/>
+              <a:t> Una vez transformada, se aplica localmente llevando el estado de su copia local a “</a:t>
+            </a:r>
+            <a:r>
+              <a:rPr lang="es-AR" baseline="0" dirty="0" err="1" smtClean="0"/>
+              <a:t>chla</a:t>
+            </a:r>
+            <a:r>
+              <a:rPr lang="es-AR" baseline="0" dirty="0" smtClean="0"/>
+              <a:t>”</a:t>
+            </a:r>
+          </a:p>
+          <a:p>
+            <a:pPr marL="228600" indent="-228600">
+              <a:buFont typeface="+mj-lt"/>
+              <a:buAutoNum type="arabicPeriod"/>
+            </a:pPr>
+            <a:r>
+              <a:rPr lang="es-AR" baseline="0" dirty="0" smtClean="0"/>
+              <a:t> A continuación, el mensaje con los cambios originados por el usuario 2 arriba a la ubicación del usuario 1.</a:t>
+            </a:r>
+          </a:p>
+          <a:p>
+            <a:pPr marL="228600" indent="-228600">
+              <a:buFont typeface="+mj-lt"/>
+              <a:buAutoNum type="arabicPeriod"/>
+            </a:pPr>
+            <a:r>
+              <a:rPr lang="es-AR" baseline="0" dirty="0" smtClean="0"/>
+              <a:t> Éste también analiza el mensaje, transforma la operación recibida utilizando el sincronizador  y aplica la operación transformada a su copia local del documento. Éste proceso lleva el estado de su copia a “</a:t>
+            </a:r>
+            <a:r>
+              <a:rPr lang="es-AR" baseline="0" dirty="0" err="1" smtClean="0"/>
+              <a:t>chla</a:t>
+            </a:r>
+            <a:r>
+              <a:rPr lang="es-AR" baseline="0" dirty="0" smtClean="0"/>
+              <a:t>”.</a:t>
+            </a:r>
+          </a:p>
+          <a:p>
+            <a:pPr marL="228600" indent="-228600">
+              <a:buFont typeface="+mj-lt"/>
+              <a:buAutoNum type="arabicPeriod"/>
+            </a:pPr>
+            <a:r>
+              <a:rPr lang="es-AR" baseline="0" dirty="0" smtClean="0"/>
+              <a:t>15. Al finalizar la edición, podemos ver que ambas copias poseen el mismo estado, es decir, se ha logrado la convergencia.</a:t>
+            </a:r>
+          </a:p>
+          <a:p>
+            <a:pPr marL="228600" indent="-228600">
+              <a:buFont typeface="+mj-lt"/>
+              <a:buAutoNum type="arabicPeriod"/>
+            </a:pPr>
+            <a:endParaRPr lang="es-ES" baseline="0" dirty="0" smtClean="0"/>
+          </a:p>
+          <a:p>
+            <a:endParaRPr lang="es-ES" dirty="0"/>
+          </a:p>
+        </p:txBody>
+      </p:sp>
+      <p:sp>
+        <p:nvSpPr>
+          <p:cNvPr id="4" name="3 Marcador de número de diapositiva"/>
+          <p:cNvSpPr>
+            <a:spLocks noGrp="1"/>
+          </p:cNvSpPr>
+          <p:nvPr>
+            <p:ph type="sldNum" sz="quarter" idx="10"/>
+          </p:nvPr>
+        </p:nvSpPr>
+        <p:spPr/>
+        <p:txBody>
+          <a:bodyPr/>
+          <a:lstStyle/>
+          <a:p>
+            <a:fld id="{3BCBAC67-084D-419D-A89D-D7FC2C09E238}" type="slidenum">
+              <a:rPr lang="es-AR" smtClean="0"/>
+              <a:pPr/>
+              <a:t>10</a:t>
+            </a:fld>
+            <a:endParaRPr lang="es-AR"/>
+          </a:p>
+        </p:txBody>
+      </p:sp>
+    </p:spTree>
+  </p:cSld>
+  <p:clrMapOvr>
+    <a:masterClrMapping/>
+  </p:clrMapOvr>
+</p:notes>
+</file>
+
+<file path=ppt/notesSlides/notesSlide11.xml><?xml version="1.0" encoding="utf-8"?>
+<p:notes xmlns:a="http://schemas.openxmlformats.org/drawingml/2006/main" xmlns:r="http://schemas.openxmlformats.org/officeDocument/2006/relationships" xmlns:p="http://schemas.openxmlformats.org/presentationml/2006/main">
+  <p:cSld>
+    <p:spTree>
+      <p:nvGrpSpPr>
+        <p:cNvPr id="1" name=""/>
+        <p:cNvGrpSpPr/>
+        <p:nvPr/>
+      </p:nvGrpSpPr>
+      <p:grpSpPr>
+        <a:xfrm>
+          <a:off x="0" y="0"/>
+          <a:ext cx="0" cy="0"/>
+          <a:chOff x="0" y="0"/>
+          <a:chExt cx="0" cy="0"/>
+        </a:xfrm>
+      </p:grpSpPr>
+      <p:sp>
+        <p:nvSpPr>
+          <p:cNvPr id="2" name="Slide Image Placeholder 1"/>
+          <p:cNvSpPr>
+            <a:spLocks noGrp="1" noRot="1" noChangeAspect="1"/>
+          </p:cNvSpPr>
+          <p:nvPr>
+            <p:ph type="sldImg"/>
+          </p:nvPr>
+        </p:nvSpPr>
+        <p:spPr/>
+      </p:sp>
+      <p:sp>
+        <p:nvSpPr>
+          <p:cNvPr id="3" name="Notes Placeholder 2"/>
+          <p:cNvSpPr>
+            <a:spLocks noGrp="1"/>
+          </p:cNvSpPr>
+          <p:nvPr>
+            <p:ph type="body" idx="1"/>
+          </p:nvPr>
+        </p:nvSpPr>
+        <p:spPr/>
+        <p:txBody>
+          <a:bodyPr>
+            <a:normAutofit/>
+          </a:bodyPr>
+          <a:lstStyle/>
+          <a:p>
+            <a:r>
+              <a:rPr lang="en-US" dirty="0" smtClean="0"/>
+              <a:t>Peer</a:t>
+            </a:r>
+            <a:r>
+              <a:rPr lang="en-US" baseline="0" dirty="0" smtClean="0"/>
+              <a:t> to Peer </a:t>
+            </a:r>
+            <a:r>
+              <a:rPr lang="en-US" baseline="0" dirty="0" err="1" smtClean="0"/>
+              <a:t>es</a:t>
+            </a:r>
+            <a:r>
+              <a:rPr lang="en-US" baseline="0" dirty="0" smtClean="0"/>
+              <a:t> </a:t>
+            </a:r>
+            <a:r>
+              <a:rPr lang="en-US" baseline="0" dirty="0" err="1" smtClean="0"/>
+              <a:t>más</a:t>
+            </a:r>
+            <a:r>
+              <a:rPr lang="en-US" baseline="0" dirty="0" smtClean="0"/>
+              <a:t> </a:t>
+            </a:r>
+            <a:r>
+              <a:rPr lang="en-US" baseline="0" dirty="0" err="1" smtClean="0"/>
+              <a:t>facilmente</a:t>
+            </a:r>
+            <a:r>
+              <a:rPr lang="en-US" baseline="0" dirty="0" smtClean="0"/>
+              <a:t> configurable.</a:t>
+            </a:r>
+            <a:endParaRPr lang="es-AR" dirty="0"/>
+          </a:p>
+        </p:txBody>
+      </p:sp>
+      <p:sp>
+        <p:nvSpPr>
+          <p:cNvPr id="4" name="Slide Number Placeholder 3"/>
+          <p:cNvSpPr>
+            <a:spLocks noGrp="1"/>
+          </p:cNvSpPr>
+          <p:nvPr>
+            <p:ph type="sldNum" sz="quarter" idx="10"/>
+          </p:nvPr>
+        </p:nvSpPr>
+        <p:spPr/>
+        <p:txBody>
+          <a:bodyPr/>
+          <a:lstStyle/>
+          <a:p>
+            <a:fld id="{3BCBAC67-084D-419D-A89D-D7FC2C09E238}" type="slidenum">
+              <a:rPr lang="es-AR" smtClean="0"/>
+              <a:pPr/>
+              <a:t>11</a:t>
+            </a:fld>
+            <a:endParaRPr lang="es-AR"/>
+          </a:p>
+        </p:txBody>
+      </p:sp>
+    </p:spTree>
+  </p:cSld>
+  <p:clrMapOvr>
+    <a:masterClrMapping/>
+  </p:clrMapOvr>
+</p:notes>
+</file>
+
 <file path=ppt/notesSlides/notesSlide2.xml><?xml version="1.0" encoding="utf-8"?>
 <p:notes xmlns:a="http://schemas.openxmlformats.org/drawingml/2006/main" xmlns:r="http://schemas.openxmlformats.org/officeDocument/2006/relationships" xmlns:p="http://schemas.openxmlformats.org/presentationml/2006/main">
   <p:cSld>
@@ -1056,15 +1490,7 @@
             </a:pPr>
             <a:r>
               <a:rPr lang="es-AR" baseline="0" dirty="0" smtClean="0"/>
-              <a:t>En este caso si </a:t>
-            </a:r>
-            <a:r>
-              <a:rPr lang="es-AR" baseline="0" dirty="0" smtClean="0"/>
-              <a:t>además </a:t>
-            </a:r>
-            <a:r>
-              <a:rPr lang="es-AR" baseline="0" dirty="0" smtClean="0"/>
-              <a:t>la persona en la otra ubicación produjo cambios, tendrá que notificarlos a la contraparte y ambos deberán conciliar las diferencias entre sus versiones para llegar a una misma versión final.</a:t>
+              <a:t>En este caso si además la persona en la otra ubicación produjo cambios, tendrá que notificarlos a la contraparte y ambos deberán conciliar las diferencias entre sus versiones para llegar a una misma versión final.</a:t>
             </a:r>
           </a:p>
           <a:p>
@@ -1178,7 +1604,7 @@
             </a:pPr>
             <a:r>
               <a:rPr lang="es-AR" baseline="0" dirty="0" smtClean="0"/>
-              <a:t>En primer lugar es necesario que el documento que las partes editan se mantenga sincronizado en todas las ubicaciones. Esto quiere decir que al final de las tareas de edición en cada parte, el documento resultante en todas las ubicaciones debe ser exactamente el mismo.</a:t>
+              <a:t>En primer lugar es necesario que el documento que las partes editan se mantenga sincronizado en todas las ubicaciones. Esto quiere decir que al final de las tareas de edición en cada parte, el documento resultante en todas las ubicaciones debe ser exactamente el mismo. Este problema de sincronización es el principal obstáculo a resolver.</a:t>
             </a:r>
           </a:p>
           <a:p>
@@ -1553,7 +1979,122 @@
           </a:bodyPr>
           <a:lstStyle/>
           <a:p>
-            <a:endParaRPr lang="es-ES" dirty="0"/>
+            <a:pPr>
+              <a:buFont typeface="Arial" pitchFamily="34" charset="0"/>
+              <a:buChar char="•"/>
+            </a:pPr>
+            <a:r>
+              <a:rPr lang="es-AR" dirty="0" smtClean="0"/>
+              <a:t>Aquí</a:t>
+            </a:r>
+            <a:r>
+              <a:rPr lang="es-AR" baseline="0" dirty="0" smtClean="0"/>
+              <a:t> se presenta un cuadro que muestra las soluciones existentes para los problemas planteados que se analizaron antes de iniciar el proyecto.</a:t>
+            </a:r>
+          </a:p>
+          <a:p>
+            <a:pPr>
+              <a:buFont typeface="Arial" pitchFamily="34" charset="0"/>
+              <a:buChar char="•"/>
+            </a:pPr>
+            <a:r>
+              <a:rPr lang="es-AR" baseline="0" dirty="0" smtClean="0"/>
+              <a:t>Tanto Google </a:t>
+            </a:r>
+            <a:r>
+              <a:rPr lang="es-AR" baseline="0" dirty="0" err="1" smtClean="0"/>
+              <a:t>Docs</a:t>
+            </a:r>
+            <a:r>
+              <a:rPr lang="es-AR" baseline="0" dirty="0" smtClean="0"/>
+              <a:t> como Wave son herramientas que sirven para editar archivos simultáneamente, pero su principal desventaja consiste en que solo funciona sobre un </a:t>
+            </a:r>
+            <a:r>
+              <a:rPr lang="es-AR" baseline="0" dirty="0" err="1" smtClean="0"/>
+              <a:t>navegardor</a:t>
+            </a:r>
+            <a:r>
+              <a:rPr lang="es-AR" baseline="0" dirty="0" smtClean="0"/>
+              <a:t>. En el caso de Google Wave es importante notar que se ha abandonado su desarrollo.</a:t>
+            </a:r>
+          </a:p>
+          <a:p>
+            <a:pPr>
+              <a:buFont typeface="Arial" pitchFamily="34" charset="0"/>
+              <a:buChar char="•"/>
+            </a:pPr>
+            <a:r>
+              <a:rPr lang="es-AR" baseline="0" dirty="0" smtClean="0"/>
+              <a:t> COLA es un </a:t>
+            </a:r>
+            <a:r>
+              <a:rPr lang="es-AR" baseline="0" dirty="0" err="1" smtClean="0"/>
+              <a:t>plugin</a:t>
+            </a:r>
+            <a:r>
+              <a:rPr lang="es-AR" baseline="0" dirty="0" smtClean="0"/>
+              <a:t> o agregado para el entorno de desarrollo integrado (IDE) Eclipse, que agrega funcionalidad para editar archivos en tiempo real, pero limitando la cantidad de usuarios a dos. Su dependencia con ECF (eclipse </a:t>
+            </a:r>
+            <a:r>
+              <a:rPr lang="es-AR" baseline="0" dirty="0" err="1" smtClean="0"/>
+              <a:t>communication</a:t>
+            </a:r>
+            <a:r>
+              <a:rPr lang="es-AR" baseline="0" dirty="0" smtClean="0"/>
+              <a:t> </a:t>
+            </a:r>
+            <a:r>
+              <a:rPr lang="es-AR" baseline="0" dirty="0" err="1" smtClean="0"/>
+              <a:t>framework</a:t>
+            </a:r>
+            <a:r>
+              <a:rPr lang="es-AR" baseline="0" dirty="0" smtClean="0"/>
+              <a:t>) hace que sea difícil incorporarlo a otros productos.</a:t>
+            </a:r>
+          </a:p>
+          <a:p>
+            <a:pPr>
+              <a:buFont typeface="Arial" pitchFamily="34" charset="0"/>
+              <a:buChar char="•"/>
+            </a:pPr>
+            <a:r>
+              <a:rPr lang="es-AR" baseline="0" dirty="0" smtClean="0"/>
+              <a:t> Por último, </a:t>
+            </a:r>
+            <a:r>
+              <a:rPr lang="es-AR" baseline="0" dirty="0" err="1" smtClean="0"/>
+              <a:t>beweevee</a:t>
+            </a:r>
+            <a:r>
+              <a:rPr lang="es-AR" baseline="0" dirty="0" smtClean="0"/>
+              <a:t> es una solución para la plataforma </a:t>
+            </a:r>
+            <a:r>
+              <a:rPr lang="es-AR" baseline="0" dirty="0" err="1" smtClean="0"/>
+              <a:t>.Net</a:t>
+            </a:r>
+            <a:r>
+              <a:rPr lang="es-AR" baseline="0" dirty="0" smtClean="0"/>
+              <a:t> y además el código fuente es cerrado. Esto restringe los ámbitos en los cuales puede ser integrado y requiere recursos para comprar una licencia.</a:t>
+            </a:r>
+          </a:p>
+          <a:p>
+            <a:pPr>
+              <a:buFont typeface="Arial" pitchFamily="34" charset="0"/>
+              <a:buChar char="•"/>
+            </a:pPr>
+            <a:r>
+              <a:rPr lang="es-AR" baseline="0" dirty="0" smtClean="0"/>
+              <a:t>Nuestra solución apunta a resolver los problemas planteados cubriendo además las desventajas o puntos débiles expuestos por las soluciones existentes, principalmente se busca un software open </a:t>
+            </a:r>
+            <a:r>
+              <a:rPr lang="es-AR" baseline="0" dirty="0" err="1" smtClean="0"/>
+              <a:t>source</a:t>
+            </a:r>
+            <a:r>
+              <a:rPr lang="es-AR" baseline="0" dirty="0" smtClean="0"/>
+              <a:t>, multiusuario, integrable en productos de 3° y sobre la plataforma Java.</a:t>
+            </a:r>
           </a:p>
         </p:txBody>
       </p:sp>
@@ -1608,7 +2149,7 @@
       </p:grpSpPr>
       <p:sp>
         <p:nvSpPr>
-          <p:cNvPr id="2" name="Slide Image Placeholder 1"/>
+          <p:cNvPr id="2" name="1 Marcador de imagen de diapositiva"/>
           <p:cNvSpPr>
             <a:spLocks noGrp="1" noRot="1" noChangeAspect="1"/>
           </p:cNvSpPr>
@@ -1620,7 +2161,7 @@
       </p:sp>
       <p:sp>
         <p:nvSpPr>
-          <p:cNvPr id="3" name="Notes Placeholder 2"/>
+          <p:cNvPr id="3" name="2 Marcador de notas"/>
           <p:cNvSpPr>
             <a:spLocks noGrp="1"/>
           </p:cNvSpPr>
@@ -1635,45 +2176,191 @@
           </a:bodyPr>
           <a:lstStyle/>
           <a:p>
-            <a:r>
-              <a:rPr lang="en-US" dirty="0" smtClean="0"/>
-              <a:t>Peer</a:t>
-            </a:r>
-            <a:r>
-              <a:rPr lang="en-US" baseline="0" dirty="0" smtClean="0"/>
-              <a:t> to Peer </a:t>
-            </a:r>
-            <a:r>
-              <a:rPr lang="en-US" baseline="0" dirty="0" err="1" smtClean="0"/>
-              <a:t>es</a:t>
-            </a:r>
-            <a:r>
-              <a:rPr lang="en-US" baseline="0" dirty="0" smtClean="0"/>
-              <a:t> </a:t>
-            </a:r>
-            <a:r>
-              <a:rPr lang="en-US" baseline="0" dirty="0" err="1" smtClean="0"/>
-              <a:t>más</a:t>
-            </a:r>
-            <a:r>
-              <a:rPr lang="en-US" baseline="0" dirty="0" smtClean="0"/>
-              <a:t> </a:t>
-            </a:r>
-            <a:r>
-              <a:rPr lang="en-US" baseline="0" dirty="0" err="1" smtClean="0"/>
-              <a:t>facilmente</a:t>
-            </a:r>
-            <a:r>
-              <a:rPr lang="en-US" baseline="0" dirty="0" smtClean="0"/>
-              <a:t> configurable.</a:t>
-            </a:r>
-            <a:endParaRPr lang="es-AR" dirty="0"/>
+            <a:pPr>
+              <a:buFont typeface="Arial" pitchFamily="34" charset="0"/>
+              <a:buChar char="•"/>
+            </a:pPr>
+            <a:r>
+              <a:rPr lang="es-AR" dirty="0" smtClean="0"/>
+              <a:t>Durante la etapa</a:t>
+            </a:r>
+            <a:r>
+              <a:rPr lang="es-AR" baseline="0" dirty="0" smtClean="0"/>
+              <a:t> de concepción del proyecto se realizó una investigación respecto a la solución del problema de la sincronización de documentos en ambientes distribuidos. Como resultado se analizaron distintos </a:t>
+            </a:r>
+            <a:r>
+              <a:rPr lang="es-AR" baseline="0" dirty="0" err="1" smtClean="0"/>
+              <a:t>papers</a:t>
+            </a:r>
+            <a:r>
+              <a:rPr lang="es-AR" baseline="0" dirty="0" smtClean="0"/>
+              <a:t> entre los que se propone el algoritmo Júpiter como la opción más viable.</a:t>
+            </a:r>
+          </a:p>
+          <a:p>
+            <a:pPr marL="0" marR="0" indent="0" algn="l" defTabSz="914400" rtl="0" eaLnBrk="1" fontAlgn="auto" latinLnBrk="0" hangingPunct="1">
+              <a:lnSpc>
+                <a:spcPct val="100000"/>
+              </a:lnSpc>
+              <a:spcBef>
+                <a:spcPts val="0"/>
+              </a:spcBef>
+              <a:spcAft>
+                <a:spcPts val="0"/>
+              </a:spcAft>
+              <a:buClrTx/>
+              <a:buSzTx/>
+              <a:buFont typeface="Arial" pitchFamily="34" charset="0"/>
+              <a:buChar char="•"/>
+              <a:tabLst/>
+              <a:defRPr/>
+            </a:pPr>
+            <a:r>
+              <a:rPr lang="es-AR" baseline="0" dirty="0" smtClean="0"/>
+              <a:t>  Se eligió este algoritmo para la implementación de la solución.</a:t>
+            </a:r>
+          </a:p>
+          <a:p>
+            <a:pPr>
+              <a:buFont typeface="Arial" pitchFamily="34" charset="0"/>
+              <a:buChar char="•"/>
+            </a:pPr>
+            <a:r>
+              <a:rPr lang="es-AR" baseline="0" dirty="0" smtClean="0"/>
+              <a:t>Es importante notar que no exige que el modelo de documento que se edita sea de texto, podría ser de cualquier otro tipo como un archivo </a:t>
+            </a:r>
+            <a:r>
+              <a:rPr lang="es-AR" baseline="0" dirty="0" err="1" smtClean="0"/>
+              <a:t>cad</a:t>
+            </a:r>
+            <a:r>
+              <a:rPr lang="es-AR" baseline="0" dirty="0" smtClean="0"/>
+              <a:t> o un área de dibujo por ej.</a:t>
+            </a:r>
+          </a:p>
+          <a:p>
+            <a:pPr>
+              <a:buFont typeface="Arial" pitchFamily="34" charset="0"/>
+              <a:buChar char="•"/>
+            </a:pPr>
+            <a:r>
+              <a:rPr lang="es-AR" baseline="0" dirty="0" smtClean="0"/>
+              <a:t>Utiliza  mensajes y operaciones.</a:t>
+            </a:r>
+          </a:p>
+          <a:p>
+            <a:pPr>
+              <a:buFont typeface="Arial" pitchFamily="34" charset="0"/>
+              <a:buChar char="•"/>
+            </a:pPr>
+            <a:r>
+              <a:rPr lang="es-AR" baseline="0" dirty="0" smtClean="0"/>
+              <a:t>Operación: es una acción que modifica el estado del documento que se está editando, puede ser por </a:t>
+            </a:r>
+            <a:r>
+              <a:rPr lang="es-AR" baseline="0" dirty="0" err="1" smtClean="0"/>
+              <a:t>ej</a:t>
+            </a:r>
+            <a:r>
+              <a:rPr lang="es-AR" baseline="0" dirty="0" smtClean="0"/>
+              <a:t>, la inserción o borrado de un carácter en el caso de este trabajo.</a:t>
+            </a:r>
+          </a:p>
+          <a:p>
+            <a:pPr>
+              <a:buFont typeface="Arial" pitchFamily="34" charset="0"/>
+              <a:buChar char="•"/>
+            </a:pPr>
+            <a:r>
+              <a:rPr lang="es-AR" baseline="0" dirty="0" smtClean="0"/>
+              <a:t>Mensaje: es la notificación que se envía a cada una de las partes que se encuentran editando el modelo de documento. Contiene información necesaria para el proceso de sincronización (</a:t>
+            </a:r>
+            <a:r>
+              <a:rPr lang="es-AR" baseline="0" dirty="0" err="1" smtClean="0"/>
+              <a:t>ej</a:t>
+            </a:r>
+            <a:r>
+              <a:rPr lang="es-AR" baseline="0" dirty="0" smtClean="0"/>
+              <a:t>: autor, estado del </a:t>
+            </a:r>
+            <a:r>
+              <a:rPr lang="es-AR" baseline="0" dirty="0" err="1" smtClean="0"/>
+              <a:t>doc</a:t>
+            </a:r>
+            <a:r>
+              <a:rPr lang="es-AR" baseline="0" dirty="0" smtClean="0"/>
+              <a:t>, etc.) además de la operación que se realizó</a:t>
+            </a:r>
+            <a:r>
+              <a:rPr lang="es-AR" baseline="0" dirty="0" smtClean="0"/>
+              <a:t>.</a:t>
+            </a:r>
+          </a:p>
+          <a:p>
+            <a:pPr>
+              <a:buFont typeface="Arial" pitchFamily="34" charset="0"/>
+              <a:buChar char="•"/>
+            </a:pPr>
+            <a:r>
+              <a:rPr lang="es-AR" baseline="0" dirty="0" smtClean="0"/>
+              <a:t>El circuito básico del algoritmo es el siguiente:</a:t>
+            </a:r>
+            <a:endParaRPr lang="es-AR" baseline="0" dirty="0" smtClean="0"/>
+          </a:p>
+          <a:p>
+            <a:pPr>
+              <a:buFont typeface="Arial" pitchFamily="34" charset="0"/>
+              <a:buChar char="•"/>
+            </a:pPr>
+            <a:r>
+              <a:rPr lang="es-AR" baseline="0" dirty="0" smtClean="0"/>
+              <a:t>Cada vez que un usuario realiza una acción sobre su copia del documento, se genera una operación que se envía a las demás partes a través de un mensaje.</a:t>
+            </a:r>
+          </a:p>
+          <a:p>
+            <a:pPr>
+              <a:buFont typeface="Arial" pitchFamily="34" charset="0"/>
+              <a:buChar char="•"/>
+            </a:pPr>
+            <a:r>
+              <a:rPr lang="es-AR" baseline="0" dirty="0" smtClean="0"/>
+              <a:t>En cada ubicación cuando se recibe un mensaje se debe analizar la operación que éste contiene, transformarla y </a:t>
+            </a:r>
+            <a:r>
+              <a:rPr lang="es-AR" baseline="0" dirty="0" smtClean="0"/>
+              <a:t>recién hecho </a:t>
+            </a:r>
+            <a:r>
+              <a:rPr lang="es-AR" baseline="0" dirty="0" smtClean="0"/>
+              <a:t>esto puede ser aplicada localmente.</a:t>
+            </a:r>
+          </a:p>
+          <a:p>
+            <a:pPr>
+              <a:buFont typeface="Arial" pitchFamily="34" charset="0"/>
+              <a:buChar char="•"/>
+            </a:pPr>
+            <a:endParaRPr lang="es-AR" baseline="0" dirty="0" smtClean="0"/>
+          </a:p>
+          <a:p>
+            <a:pPr>
+              <a:buFont typeface="Arial" pitchFamily="34" charset="0"/>
+              <a:buChar char="•"/>
+            </a:pPr>
+            <a:endParaRPr lang="es-AR" baseline="0" dirty="0" smtClean="0"/>
+          </a:p>
+          <a:p>
+            <a:pPr>
+              <a:buFont typeface="Arial" pitchFamily="34" charset="0"/>
+              <a:buNone/>
+            </a:pPr>
+            <a:endParaRPr lang="es-ES" dirty="0"/>
           </a:p>
         </p:txBody>
       </p:sp>
       <p:sp>
         <p:nvSpPr>
-          <p:cNvPr id="4" name="Slide Number Placeholder 3"/>
+          <p:cNvPr id="4" name="3 Marcador de número de diapositiva"/>
           <p:cNvSpPr>
             <a:spLocks noGrp="1"/>
           </p:cNvSpPr>
@@ -1689,7 +2376,148 @@
             <a:fld id="{3BCBAC67-084D-419D-A89D-D7FC2C09E238}" type="slidenum">
               <a:rPr lang="es-AR" smtClean="0"/>
               <a:pPr/>
-              <a:t>11</a:t>
+              <a:t>8</a:t>
+            </a:fld>
+            <a:endParaRPr lang="es-AR"/>
+          </a:p>
+        </p:txBody>
+      </p:sp>
+    </p:spTree>
+  </p:cSld>
+  <p:clrMapOvr>
+    <a:masterClrMapping/>
+  </p:clrMapOvr>
+</p:notes>
+</file>
+
+<file path=ppt/notesSlides/notesSlide9.xml><?xml version="1.0" encoding="utf-8"?>
+<p:notes xmlns:a="http://schemas.openxmlformats.org/drawingml/2006/main" xmlns:r="http://schemas.openxmlformats.org/officeDocument/2006/relationships" xmlns:p="http://schemas.openxmlformats.org/presentationml/2006/main">
+  <p:cSld>
+    <p:spTree>
+      <p:nvGrpSpPr>
+        <p:cNvPr id="1" name=""/>
+        <p:cNvGrpSpPr/>
+        <p:nvPr/>
+      </p:nvGrpSpPr>
+      <p:grpSpPr>
+        <a:xfrm>
+          <a:off x="0" y="0"/>
+          <a:ext cx="0" cy="0"/>
+          <a:chOff x="0" y="0"/>
+          <a:chExt cx="0" cy="0"/>
+        </a:xfrm>
+      </p:grpSpPr>
+      <p:sp>
+        <p:nvSpPr>
+          <p:cNvPr id="2" name="1 Marcador de imagen de diapositiva"/>
+          <p:cNvSpPr>
+            <a:spLocks noGrp="1" noRot="1" noChangeAspect="1"/>
+          </p:cNvSpPr>
+          <p:nvPr>
+            <p:ph type="sldImg"/>
+          </p:nvPr>
+        </p:nvSpPr>
+        <p:spPr/>
+      </p:sp>
+      <p:sp>
+        <p:nvSpPr>
+          <p:cNvPr id="3" name="2 Marcador de notas"/>
+          <p:cNvSpPr>
+            <a:spLocks noGrp="1"/>
+          </p:cNvSpPr>
+          <p:nvPr>
+            <p:ph type="body" idx="1"/>
+          </p:nvPr>
+        </p:nvSpPr>
+        <p:spPr/>
+        <p:txBody>
+          <a:bodyPr>
+            <a:normAutofit/>
+          </a:bodyPr>
+          <a:lstStyle/>
+          <a:p>
+            <a:pPr>
+              <a:buFont typeface="Arial" pitchFamily="34" charset="0"/>
+              <a:buChar char="•"/>
+            </a:pPr>
+            <a:r>
+              <a:rPr lang="es-ES" dirty="0" smtClean="0"/>
+              <a:t> Para</a:t>
+            </a:r>
+            <a:r>
+              <a:rPr lang="es-ES" baseline="0" dirty="0" smtClean="0"/>
+              <a:t> el modelo de documento implementado en el trabajo profesional (documento de texto) se utilizaron dos tipos de operaciones </a:t>
+            </a:r>
+          </a:p>
+          <a:p>
+            <a:pPr>
+              <a:buFont typeface="Arial" pitchFamily="34" charset="0"/>
+              <a:buChar char="•"/>
+            </a:pPr>
+            <a:r>
+              <a:rPr lang="es-ES" baseline="0" dirty="0" smtClean="0"/>
+              <a:t> Insertar carácter x en posición y</a:t>
+            </a:r>
+          </a:p>
+          <a:p>
+            <a:pPr>
+              <a:buFont typeface="Arial" pitchFamily="34" charset="0"/>
+              <a:buChar char="•"/>
+            </a:pPr>
+            <a:r>
+              <a:rPr lang="es-ES" baseline="0" dirty="0" smtClean="0"/>
+              <a:t> Eliminar carácter en posición y</a:t>
+            </a:r>
+          </a:p>
+          <a:p>
+            <a:pPr>
+              <a:buFont typeface="Arial" pitchFamily="34" charset="0"/>
+              <a:buChar char="•"/>
+            </a:pPr>
+            <a:r>
+              <a:rPr lang="es-ES" baseline="0" dirty="0" smtClean="0"/>
+              <a:t> En un principio se utilizaron operaciones que podían tomar mas de un carácter (por </a:t>
+            </a:r>
+            <a:r>
+              <a:rPr lang="es-ES" baseline="0" dirty="0" err="1" smtClean="0"/>
+              <a:t>ej</a:t>
+            </a:r>
+            <a:r>
+              <a:rPr lang="es-ES" baseline="0" dirty="0" smtClean="0"/>
+              <a:t>: insertar “hola” en posición 1) sin embargo, esto produjo dificultades en la implementación de la función de transformación de operaciones por lo cual finalmente se optó por las operaciones de 1 sólo carácter.</a:t>
+            </a:r>
+          </a:p>
+          <a:p>
+            <a:pPr>
+              <a:buFont typeface="Arial" pitchFamily="34" charset="0"/>
+              <a:buChar char="•"/>
+            </a:pPr>
+            <a:r>
+              <a:rPr lang="es-ES" baseline="0" dirty="0" smtClean="0"/>
+              <a:t> Es importante notar que la complejidad del algoritmo de sincronización es mayor cuanto mayor número de operaciones existen. Por lo tanto es deseable mantener la cantidad de operaciones distintas al mínimo posible.</a:t>
+            </a:r>
+          </a:p>
+        </p:txBody>
+      </p:sp>
+      <p:sp>
+        <p:nvSpPr>
+          <p:cNvPr id="4" name="3 Marcador de número de diapositiva"/>
+          <p:cNvSpPr>
+            <a:spLocks noGrp="1"/>
+          </p:cNvSpPr>
+          <p:nvPr>
+            <p:ph type="sldNum" sz="quarter" idx="10"/>
+          </p:nvPr>
+        </p:nvSpPr>
+        <p:spPr/>
+        <p:txBody>
+          <a:bodyPr/>
+          <a:lstStyle/>
+          <a:p>
+            <a:fld id="{3BCBAC67-084D-419D-A89D-D7FC2C09E238}" type="slidenum">
+              <a:rPr lang="es-AR" smtClean="0"/>
+              <a:pPr/>
+              <a:t>9</a:t>
             </a:fld>
             <a:endParaRPr lang="es-AR"/>
           </a:p>
@@ -6612,7 +7440,7 @@
           <p:nvPr/>
         </p:nvPicPr>
         <p:blipFill>
-          <a:blip r:embed="rId2"/>
+          <a:blip r:embed="rId3"/>
           <a:stretch>
             <a:fillRect/>
           </a:stretch>
@@ -6761,7 +7589,7 @@
             <p:nvPr/>
           </p:nvPicPr>
           <p:blipFill>
-            <a:blip r:embed="rId3" cstate="print"/>
+            <a:blip r:embed="rId4" cstate="print"/>
             <a:stretch>
               <a:fillRect/>
             </a:stretch>
@@ -6785,7 +7613,7 @@
             <p:nvPr/>
           </p:nvPicPr>
           <p:blipFill>
-            <a:blip r:embed="rId4"/>
+            <a:blip r:embed="rId5"/>
             <a:srcRect t="12062" b="15563"/>
             <a:stretch>
               <a:fillRect/>
@@ -6915,7 +7743,7 @@
             <p:nvPr/>
           </p:nvPicPr>
           <p:blipFill>
-            <a:blip r:embed="rId5" cstate="print"/>
+            <a:blip r:embed="rId6" cstate="print"/>
             <a:stretch>
               <a:fillRect/>
             </a:stretch>
@@ -6939,7 +7767,7 @@
             <p:nvPr/>
           </p:nvPicPr>
           <p:blipFill>
-            <a:blip r:embed="rId4"/>
+            <a:blip r:embed="rId5"/>
             <a:srcRect t="12062" b="15563"/>
             <a:stretch>
               <a:fillRect/>
@@ -7002,7 +7830,7 @@
           <p:nvPr/>
         </p:nvPicPr>
         <p:blipFill>
-          <a:blip r:embed="rId2"/>
+          <a:blip r:embed="rId3"/>
           <a:stretch>
             <a:fillRect/>
           </a:stretch>
@@ -7131,7 +7959,7 @@
           <p:nvPr/>
         </p:nvPicPr>
         <p:blipFill>
-          <a:blip r:embed="rId6" cstate="print"/>
+          <a:blip r:embed="rId7" cstate="print"/>
           <a:stretch>
             <a:fillRect/>
           </a:stretch>
@@ -7197,7 +8025,7 @@
           <p:nvPr/>
         </p:nvPicPr>
         <p:blipFill>
-          <a:blip r:embed="rId7" cstate="print">
+          <a:blip r:embed="rId8" cstate="print">
             <a:duotone>
               <a:prstClr val="black"/>
               <a:schemeClr val="accent4">
@@ -7347,7 +8175,7 @@
           <p:nvPr/>
         </p:nvPicPr>
         <p:blipFill>
-          <a:blip r:embed="rId8"/>
+          <a:blip r:embed="rId9"/>
           <a:stretch>
             <a:fillRect/>
           </a:stretch>
@@ -7376,7 +8204,7 @@
           <p:nvPr/>
         </p:nvPicPr>
         <p:blipFill>
-          <a:blip r:embed="rId8"/>
+          <a:blip r:embed="rId9"/>
           <a:stretch>
             <a:fillRect/>
           </a:stretch>
@@ -11787,7 +12615,15 @@
           <a:p>
             <a:r>
               <a:rPr lang="es-ES" dirty="0" smtClean="0"/>
-              <a:t>Mantener sincronizado el mismo documento en todas las ubicaciones.</a:t>
+              <a:t>Mantener </a:t>
+            </a:r>
+            <a:r>
+              <a:rPr lang="es-ES" b="1" dirty="0" smtClean="0"/>
+              <a:t>sincronizado</a:t>
+            </a:r>
+            <a:r>
+              <a:rPr lang="es-ES" dirty="0" smtClean="0"/>
+              <a:t> el documento en todas las ubicaciones.</a:t>
             </a:r>
           </a:p>
           <a:p>
@@ -11796,12 +12632,16 @@
               <a:t>Ofrecer un </a:t>
             </a:r>
             <a:r>
-              <a:rPr lang="es-ES" i="1" dirty="0" err="1" smtClean="0"/>
+              <a:rPr lang="es-ES" b="1" i="1" dirty="0" err="1" smtClean="0"/>
               <a:t>feedback</a:t>
             </a:r>
             <a:r>
+              <a:rPr lang="es-ES" b="1" dirty="0" smtClean="0"/>
+              <a:t> instantáneo </a:t>
+            </a:r>
+            <a:r>
               <a:rPr lang="es-ES" dirty="0" smtClean="0"/>
-              <a:t> instantáneo al usuario.</a:t>
+              <a:t>al usuario.</a:t>
             </a:r>
           </a:p>
           <a:p>
@@ -13695,10 +14535,10 @@
                     <a:lstStyle/>
                     <a:p>
                       <a:r>
-                        <a:rPr lang="es-ES" smtClean="0"/>
-                        <a:t>Comparativa</a:t>
+                        <a:rPr lang="es-AR" dirty="0" smtClean="0"/>
+                        <a:t>Puntos débiles</a:t>
                       </a:r>
-                      <a:endParaRPr lang="es-ES"/>
+                      <a:endParaRPr lang="es-ES" dirty="0"/>
                     </a:p>
                   </a:txBody>
                   <a:tcPr/>
@@ -14178,7 +15018,7 @@
           <p:nvPr/>
         </p:nvPicPr>
         <p:blipFill>
-          <a:blip r:embed="rId2" cstate="print"/>
+          <a:blip r:embed="rId3" cstate="print"/>
           <a:stretch>
             <a:fillRect/>
           </a:stretch>
@@ -14252,13 +15092,10 @@
               <a:t>Originalmente se implementaron operaciones borrar e insertar de más de un </a:t>
             </a:r>
             <a:r>
-              <a:rPr lang="es-ES" dirty="0" err="1" smtClean="0"/>
-              <a:t>caracter</a:t>
-            </a:r>
-            <a:r>
               <a:rPr lang="es-ES" dirty="0" smtClean="0"/>
-              <a:t>.</a:t>
-            </a:r>
+              <a:t>carácter.</a:t>
+            </a:r>
+            <a:endParaRPr lang="es-ES" dirty="0" smtClean="0"/>
           </a:p>
           <a:p>
             <a:r>
@@ -14274,12 +15111,12 @@
               <a:t> utilizado* haciendo uso de operaciones borrar e insertar de un </a:t>
             </a:r>
             <a:r>
-              <a:rPr lang="es-ES" dirty="0" err="1" smtClean="0"/>
-              <a:t>caracter</a:t>
-            </a:r>
-            <a:r>
               <a:rPr lang="es-ES" dirty="0" smtClean="0"/>
-              <a:t> de longitud.</a:t>
+              <a:t>carácter </a:t>
+            </a:r>
+            <a:r>
+              <a:rPr lang="es-ES" dirty="0" smtClean="0"/>
+              <a:t>de longitud.</a:t>
             </a:r>
           </a:p>
           <a:p>
@@ -14343,7 +15180,7 @@
           <p:nvPr/>
         </p:nvPicPr>
         <p:blipFill>
-          <a:blip r:embed="rId2" cstate="print"/>
+          <a:blip r:embed="rId3" cstate="print"/>
           <a:stretch>
             <a:fillRect/>
           </a:stretch>

--- a/doc/presentacion/presentacion.pptx
+++ b/doc/presentacion/presentacion.pptx
@@ -684,16 +684,16 @@
               <a:buChar char="•"/>
             </a:pPr>
             <a:r>
-              <a:rPr lang="es-ES" dirty="0" err="1" smtClean="0"/>
-              <a:t>Vovemo</a:t>
-            </a:r>
-            <a:r>
-              <a:rPr lang="es-ES" baseline="0" dirty="0" err="1" smtClean="0"/>
-              <a:t>s</a:t>
+              <a:rPr lang="es-ES" dirty="0" smtClean="0"/>
+              <a:t>Volvemo</a:t>
             </a:r>
             <a:r>
               <a:rPr lang="es-ES" baseline="0" dirty="0" smtClean="0"/>
-              <a:t> a analizar el ejemplo de la animación anterior pero mostrando como la inclusión del algoritmo de sincronización funciona para lograr la convergencia.</a:t>
+              <a:t>s </a:t>
+            </a:r>
+            <a:r>
+              <a:rPr lang="es-ES" baseline="0" dirty="0" smtClean="0"/>
+              <a:t>a analizar el ejemplo de la animación anterior pero mostrando como la inclusión del algoritmo de sincronización funciona para lograr la convergencia.</a:t>
             </a:r>
           </a:p>
           <a:p>
@@ -1001,11 +1001,174 @@
           <a:p>
             <a:r>
               <a:rPr lang="en-US" dirty="0" smtClean="0"/>
+              <a:t>En</a:t>
+            </a:r>
+            <a:r>
+              <a:rPr lang="en-US" baseline="0" dirty="0" smtClean="0"/>
+              <a:t> los </a:t>
+            </a:r>
+            <a:r>
+              <a:rPr lang="es-AR" baseline="0" noProof="0" dirty="0" smtClean="0"/>
+              <a:t>objetivos</a:t>
+            </a:r>
+            <a:r>
+              <a:rPr lang="en-US" baseline="0" dirty="0" smtClean="0"/>
+              <a:t> se </a:t>
+            </a:r>
+            <a:r>
+              <a:rPr lang="en-US" baseline="0" dirty="0" err="1" smtClean="0"/>
+              <a:t>planteó</a:t>
+            </a:r>
+            <a:r>
+              <a:rPr lang="en-US" baseline="0" dirty="0" smtClean="0"/>
+              <a:t> </a:t>
+            </a:r>
+            <a:r>
+              <a:rPr lang="en-US" baseline="0" dirty="0" err="1" smtClean="0"/>
+              <a:t>que</a:t>
+            </a:r>
+            <a:r>
+              <a:rPr lang="en-US" baseline="0" dirty="0" smtClean="0"/>
+              <a:t> la </a:t>
+            </a:r>
+            <a:r>
+              <a:rPr lang="en-US" baseline="0" dirty="0" err="1" smtClean="0"/>
+              <a:t>simplicidad</a:t>
+            </a:r>
+            <a:r>
+              <a:rPr lang="en-US" baseline="0" dirty="0" smtClean="0"/>
+              <a:t> en la </a:t>
+            </a:r>
+            <a:r>
+              <a:rPr lang="en-US" baseline="0" dirty="0" err="1" smtClean="0"/>
+              <a:t>configuración</a:t>
+            </a:r>
+            <a:r>
+              <a:rPr lang="en-US" baseline="0" dirty="0" smtClean="0"/>
+              <a:t> del </a:t>
+            </a:r>
+            <a:r>
+              <a:rPr lang="en-US" baseline="0" dirty="0" err="1" smtClean="0"/>
+              <a:t>producto</a:t>
+            </a:r>
+            <a:r>
+              <a:rPr lang="en-US" baseline="0" dirty="0" smtClean="0"/>
+              <a:t> sea un </a:t>
+            </a:r>
+            <a:r>
+              <a:rPr lang="en-US" baseline="0" dirty="0" err="1" smtClean="0"/>
+              <a:t>punto</a:t>
+            </a:r>
+            <a:r>
+              <a:rPr lang="en-US" baseline="0" dirty="0" smtClean="0"/>
+              <a:t> a </a:t>
+            </a:r>
+            <a:r>
+              <a:rPr lang="en-US" baseline="0" dirty="0" err="1" smtClean="0"/>
+              <a:t>tener</a:t>
+            </a:r>
+            <a:r>
+              <a:rPr lang="en-US" baseline="0" dirty="0" smtClean="0"/>
+              <a:t> en </a:t>
+            </a:r>
+            <a:r>
+              <a:rPr lang="en-US" baseline="0" dirty="0" err="1" smtClean="0"/>
+              <a:t>cuenta</a:t>
+            </a:r>
+            <a:r>
+              <a:rPr lang="en-US" baseline="0" dirty="0" smtClean="0"/>
+              <a:t>. </a:t>
+            </a:r>
+            <a:r>
+              <a:rPr lang="en-US" baseline="0" dirty="0" err="1" smtClean="0"/>
+              <a:t>Por</a:t>
+            </a:r>
+            <a:r>
+              <a:rPr lang="en-US" baseline="0" dirty="0" smtClean="0"/>
+              <a:t> </a:t>
+            </a:r>
+            <a:r>
+              <a:rPr lang="en-US" baseline="0" dirty="0" err="1" smtClean="0"/>
+              <a:t>esa</a:t>
+            </a:r>
+            <a:r>
+              <a:rPr lang="en-US" baseline="0" dirty="0" smtClean="0"/>
+              <a:t> </a:t>
+            </a:r>
+            <a:r>
+              <a:rPr lang="en-US" baseline="0" dirty="0" err="1" smtClean="0"/>
+              <a:t>razon</a:t>
+            </a:r>
+            <a:r>
+              <a:rPr lang="en-US" baseline="0" dirty="0" smtClean="0"/>
+              <a:t>, </a:t>
+            </a:r>
+            <a:r>
+              <a:rPr lang="en-US" baseline="0" dirty="0" err="1" smtClean="0"/>
+              <a:t>es</a:t>
+            </a:r>
+            <a:r>
+              <a:rPr lang="en-US" baseline="0" dirty="0" smtClean="0"/>
+              <a:t> </a:t>
+            </a:r>
+            <a:r>
+              <a:rPr lang="en-US" baseline="0" dirty="0" err="1" smtClean="0"/>
+              <a:t>posible</a:t>
+            </a:r>
+            <a:r>
+              <a:rPr lang="en-US" baseline="0" dirty="0" smtClean="0"/>
+              <a:t> </a:t>
+            </a:r>
+            <a:r>
+              <a:rPr lang="en-US" baseline="0" dirty="0" err="1" smtClean="0"/>
+              <a:t>desplegar</a:t>
+            </a:r>
+            <a:r>
+              <a:rPr lang="en-US" baseline="0" dirty="0" smtClean="0"/>
+              <a:t> el </a:t>
+            </a:r>
+            <a:r>
+              <a:rPr lang="en-US" baseline="0" dirty="0" err="1" smtClean="0"/>
+              <a:t>producto</a:t>
+            </a:r>
+            <a:r>
+              <a:rPr lang="en-US" baseline="0" dirty="0" smtClean="0"/>
+              <a:t> en dos </a:t>
+            </a:r>
+            <a:r>
+              <a:rPr lang="en-US" baseline="0" dirty="0" err="1" smtClean="0"/>
+              <a:t>esquemas</a:t>
+            </a:r>
+            <a:r>
+              <a:rPr lang="en-US" baseline="0" dirty="0" smtClean="0"/>
+              <a:t> </a:t>
+            </a:r>
+            <a:r>
+              <a:rPr lang="en-US" baseline="0" dirty="0" err="1" smtClean="0"/>
+              <a:t>distintos</a:t>
+            </a:r>
+            <a:r>
+              <a:rPr lang="en-US" baseline="0" dirty="0" smtClean="0"/>
+              <a:t>.</a:t>
+            </a:r>
+            <a:endParaRPr lang="en-US" dirty="0" smtClean="0"/>
+          </a:p>
+          <a:p>
+            <a:pPr>
+              <a:buFont typeface="Arial" pitchFamily="34" charset="0"/>
+              <a:buChar char="•"/>
+            </a:pPr>
+            <a:r>
+              <a:rPr lang="en-US" dirty="0" smtClean="0"/>
               <a:t>Peer</a:t>
             </a:r>
             <a:r>
               <a:rPr lang="en-US" baseline="0" dirty="0" smtClean="0"/>
-              <a:t> to Peer </a:t>
+              <a:t> </a:t>
+            </a:r>
+            <a:r>
+              <a:rPr lang="en-US" baseline="0" dirty="0" smtClean="0"/>
+              <a:t>to Peer </a:t>
             </a:r>
             <a:r>
               <a:rPr lang="en-US" baseline="0" dirty="0" err="1" smtClean="0"/>
@@ -1029,8 +1192,320 @@
             </a:r>
             <a:r>
               <a:rPr lang="en-US" baseline="0" dirty="0" smtClean="0"/>
-              <a:t> configurable.</a:t>
-            </a:r>
+              <a:t> </a:t>
+            </a:r>
+            <a:r>
+              <a:rPr lang="en-US" baseline="0" dirty="0" smtClean="0"/>
+              <a:t>configurable y no </a:t>
+            </a:r>
+            <a:r>
+              <a:rPr lang="en-US" baseline="0" dirty="0" err="1" smtClean="0"/>
+              <a:t>necesita</a:t>
+            </a:r>
+            <a:r>
+              <a:rPr lang="en-US" baseline="0" dirty="0" smtClean="0"/>
+              <a:t> un </a:t>
+            </a:r>
+            <a:r>
+              <a:rPr lang="en-US" baseline="0" dirty="0" err="1" smtClean="0"/>
+              <a:t>servidor</a:t>
+            </a:r>
+            <a:r>
+              <a:rPr lang="en-US" baseline="0" dirty="0" smtClean="0"/>
+              <a:t> </a:t>
+            </a:r>
+            <a:r>
+              <a:rPr lang="en-US" baseline="0" dirty="0" err="1" smtClean="0"/>
+              <a:t>para</a:t>
+            </a:r>
+            <a:r>
+              <a:rPr lang="en-US" baseline="0" dirty="0" smtClean="0"/>
+              <a:t> </a:t>
+            </a:r>
+            <a:r>
+              <a:rPr lang="en-US" baseline="0" dirty="0" err="1" smtClean="0"/>
+              <a:t>funcionar</a:t>
+            </a:r>
+            <a:r>
+              <a:rPr lang="en-US" baseline="0" dirty="0" smtClean="0"/>
+              <a:t>. </a:t>
+            </a:r>
+            <a:r>
+              <a:rPr lang="en-US" baseline="0" dirty="0" err="1" smtClean="0"/>
+              <a:t>Una</a:t>
+            </a:r>
+            <a:r>
+              <a:rPr lang="en-US" baseline="0" dirty="0" smtClean="0"/>
+              <a:t> de </a:t>
+            </a:r>
+            <a:r>
+              <a:rPr lang="en-US" baseline="0" dirty="0" err="1" smtClean="0"/>
+              <a:t>las</a:t>
+            </a:r>
+            <a:r>
+              <a:rPr lang="en-US" baseline="0" dirty="0" smtClean="0"/>
+              <a:t> </a:t>
+            </a:r>
+            <a:r>
+              <a:rPr lang="en-US" baseline="0" dirty="0" err="1" smtClean="0"/>
+              <a:t>partes</a:t>
+            </a:r>
+            <a:r>
+              <a:rPr lang="en-US" baseline="0" dirty="0" smtClean="0"/>
+              <a:t> </a:t>
+            </a:r>
+            <a:r>
+              <a:rPr lang="en-US" baseline="0" dirty="0" err="1" smtClean="0"/>
+              <a:t>será</a:t>
+            </a:r>
+            <a:r>
+              <a:rPr lang="en-US" baseline="0" dirty="0" smtClean="0"/>
+              <a:t> </a:t>
+            </a:r>
+            <a:r>
+              <a:rPr lang="en-US" baseline="0" dirty="0" err="1" smtClean="0"/>
+              <a:t>encargada</a:t>
+            </a:r>
+            <a:r>
+              <a:rPr lang="en-US" baseline="0" dirty="0" smtClean="0"/>
+              <a:t> de ser el </a:t>
+            </a:r>
+            <a:r>
+              <a:rPr lang="en-US" baseline="0" dirty="0" err="1" smtClean="0"/>
+              <a:t>servidor</a:t>
+            </a:r>
+            <a:r>
+              <a:rPr lang="en-US" baseline="0" dirty="0" smtClean="0"/>
+              <a:t> y la </a:t>
+            </a:r>
+            <a:r>
+              <a:rPr lang="en-US" baseline="0" dirty="0" err="1" smtClean="0"/>
+              <a:t>otra</a:t>
+            </a:r>
+            <a:r>
+              <a:rPr lang="en-US" baseline="0" dirty="0" smtClean="0"/>
+              <a:t> </a:t>
+            </a:r>
+            <a:r>
+              <a:rPr lang="en-US" baseline="0" dirty="0" err="1" smtClean="0"/>
+              <a:t>será</a:t>
+            </a:r>
+            <a:r>
+              <a:rPr lang="en-US" baseline="0" dirty="0" smtClean="0"/>
+              <a:t> </a:t>
+            </a:r>
+            <a:r>
+              <a:rPr lang="en-US" baseline="0" dirty="0" err="1" smtClean="0"/>
+              <a:t>únicamente</a:t>
+            </a:r>
+            <a:r>
+              <a:rPr lang="en-US" baseline="0" dirty="0" smtClean="0"/>
+              <a:t> </a:t>
+            </a:r>
+            <a:r>
+              <a:rPr lang="en-US" baseline="0" dirty="0" err="1" smtClean="0"/>
+              <a:t>cliente</a:t>
+            </a:r>
+            <a:r>
+              <a:rPr lang="en-US" baseline="0" dirty="0" smtClean="0"/>
+              <a:t>.</a:t>
+            </a:r>
+          </a:p>
+          <a:p>
+            <a:pPr>
+              <a:buFont typeface="Arial" pitchFamily="34" charset="0"/>
+              <a:buChar char="•"/>
+            </a:pPr>
+            <a:r>
+              <a:rPr lang="en-US" baseline="0" dirty="0" smtClean="0"/>
+              <a:t>En el </a:t>
+            </a:r>
+            <a:r>
+              <a:rPr lang="en-US" baseline="0" dirty="0" err="1" smtClean="0"/>
+              <a:t>esquema</a:t>
+            </a:r>
+            <a:r>
+              <a:rPr lang="en-US" baseline="0" dirty="0" smtClean="0"/>
+              <a:t> </a:t>
+            </a:r>
+            <a:r>
+              <a:rPr lang="en-US" baseline="0" dirty="0" err="1" smtClean="0"/>
+              <a:t>Cliente</a:t>
+            </a:r>
+            <a:r>
+              <a:rPr lang="en-US" baseline="0" dirty="0" smtClean="0"/>
+              <a:t> </a:t>
+            </a:r>
+            <a:r>
+              <a:rPr lang="en-US" baseline="0" dirty="0" err="1" smtClean="0"/>
+              <a:t>Servidor</a:t>
+            </a:r>
+            <a:r>
+              <a:rPr lang="en-US" baseline="0" dirty="0" smtClean="0"/>
+              <a:t> </a:t>
+            </a:r>
+            <a:r>
+              <a:rPr lang="en-US" baseline="0" dirty="0" err="1" smtClean="0"/>
+              <a:t>existe</a:t>
+            </a:r>
+            <a:r>
+              <a:rPr lang="en-US" baseline="0" dirty="0" smtClean="0"/>
+              <a:t> un </a:t>
+            </a:r>
+            <a:r>
+              <a:rPr lang="en-US" baseline="0" dirty="0" err="1" smtClean="0"/>
+              <a:t>servidor</a:t>
+            </a:r>
+            <a:r>
+              <a:rPr lang="en-US" baseline="0" dirty="0" smtClean="0"/>
+              <a:t> </a:t>
+            </a:r>
+            <a:r>
+              <a:rPr lang="en-US" baseline="0" dirty="0" err="1" smtClean="0"/>
+              <a:t>dedicado</a:t>
+            </a:r>
+            <a:r>
+              <a:rPr lang="en-US" baseline="0" dirty="0" smtClean="0"/>
+              <a:t> </a:t>
+            </a:r>
+            <a:r>
+              <a:rPr lang="en-US" baseline="0" dirty="0" err="1" smtClean="0"/>
+              <a:t>cuyo</a:t>
+            </a:r>
+            <a:r>
+              <a:rPr lang="en-US" baseline="0" dirty="0" smtClean="0"/>
+              <a:t> </a:t>
+            </a:r>
+            <a:r>
+              <a:rPr lang="en-US" baseline="0" dirty="0" err="1" smtClean="0"/>
+              <a:t>objetivo</a:t>
+            </a:r>
+            <a:r>
+              <a:rPr lang="en-US" baseline="0" dirty="0" smtClean="0"/>
+              <a:t> </a:t>
+            </a:r>
+            <a:r>
+              <a:rPr lang="en-US" baseline="0" dirty="0" err="1" smtClean="0"/>
+              <a:t>es</a:t>
+            </a:r>
+            <a:r>
+              <a:rPr lang="en-US" baseline="0" dirty="0" smtClean="0"/>
+              <a:t> </a:t>
+            </a:r>
+            <a:r>
+              <a:rPr lang="en-US" baseline="0" dirty="0" err="1" smtClean="0"/>
+              <a:t>almacenar</a:t>
+            </a:r>
+            <a:r>
+              <a:rPr lang="en-US" baseline="0" dirty="0" smtClean="0"/>
+              <a:t> los </a:t>
+            </a:r>
+            <a:r>
+              <a:rPr lang="en-US" baseline="0" dirty="0" err="1" smtClean="0"/>
+              <a:t>documentos</a:t>
+            </a:r>
+            <a:r>
+              <a:rPr lang="en-US" baseline="0" dirty="0" smtClean="0"/>
+              <a:t>. </a:t>
+            </a:r>
+            <a:r>
+              <a:rPr lang="en-US" baseline="0" dirty="0" err="1" smtClean="0"/>
+              <a:t>Esta</a:t>
+            </a:r>
+            <a:r>
+              <a:rPr lang="en-US" baseline="0" dirty="0" smtClean="0"/>
+              <a:t> </a:t>
+            </a:r>
+            <a:r>
+              <a:rPr lang="en-US" baseline="0" dirty="0" err="1" smtClean="0"/>
+              <a:t>alternativa</a:t>
+            </a:r>
+            <a:r>
+              <a:rPr lang="en-US" baseline="0" dirty="0" smtClean="0"/>
+              <a:t> </a:t>
+            </a:r>
+            <a:r>
+              <a:rPr lang="en-US" baseline="0" dirty="0" err="1" smtClean="0"/>
+              <a:t>es</a:t>
+            </a:r>
+            <a:r>
+              <a:rPr lang="en-US" baseline="0" dirty="0" smtClean="0"/>
+              <a:t> viable </a:t>
+            </a:r>
+            <a:r>
+              <a:rPr lang="en-US" baseline="0" dirty="0" err="1" smtClean="0"/>
+              <a:t>cuando</a:t>
+            </a:r>
+            <a:r>
+              <a:rPr lang="en-US" baseline="0" dirty="0" smtClean="0"/>
+              <a:t> se </a:t>
+            </a:r>
+            <a:r>
+              <a:rPr lang="en-US" baseline="0" dirty="0" err="1" smtClean="0"/>
+              <a:t>necesite</a:t>
+            </a:r>
+            <a:r>
+              <a:rPr lang="en-US" baseline="0" dirty="0" smtClean="0"/>
+              <a:t> un </a:t>
+            </a:r>
+            <a:r>
+              <a:rPr lang="en-US" baseline="0" dirty="0" err="1" smtClean="0"/>
+              <a:t>punto</a:t>
+            </a:r>
+            <a:r>
+              <a:rPr lang="en-US" baseline="0" dirty="0" smtClean="0"/>
+              <a:t> central de </a:t>
+            </a:r>
+            <a:r>
+              <a:rPr lang="en-US" baseline="0" dirty="0" err="1" smtClean="0"/>
+              <a:t>configuración</a:t>
+            </a:r>
+            <a:r>
+              <a:rPr lang="en-US" baseline="0" dirty="0" smtClean="0"/>
+              <a:t> o </a:t>
+            </a:r>
+            <a:r>
+              <a:rPr lang="en-US" baseline="0" dirty="0" err="1" smtClean="0"/>
+              <a:t>cuando</a:t>
+            </a:r>
+            <a:r>
+              <a:rPr lang="en-US" baseline="0" dirty="0" smtClean="0"/>
+              <a:t> </a:t>
+            </a:r>
+            <a:r>
+              <a:rPr lang="en-US" baseline="0" dirty="0" err="1" smtClean="0"/>
+              <a:t>haya</a:t>
+            </a:r>
+            <a:r>
+              <a:rPr lang="en-US" baseline="0" dirty="0" smtClean="0"/>
+              <a:t> </a:t>
+            </a:r>
+            <a:r>
+              <a:rPr lang="en-US" baseline="0" dirty="0" err="1" smtClean="0"/>
+              <a:t>más</a:t>
+            </a:r>
+            <a:r>
+              <a:rPr lang="en-US" baseline="0" dirty="0" smtClean="0"/>
+              <a:t> </a:t>
+            </a:r>
+            <a:r>
+              <a:rPr lang="en-US" baseline="0" dirty="0" err="1" smtClean="0"/>
+              <a:t>cantidad</a:t>
+            </a:r>
+            <a:r>
+              <a:rPr lang="en-US" baseline="0" dirty="0" smtClean="0"/>
+              <a:t> de </a:t>
+            </a:r>
+            <a:r>
+              <a:rPr lang="en-US" baseline="0" dirty="0" err="1" smtClean="0"/>
+              <a:t>documentos</a:t>
+            </a:r>
+            <a:r>
+              <a:rPr lang="en-US" baseline="0" dirty="0" smtClean="0"/>
+              <a:t>.</a:t>
+            </a:r>
+          </a:p>
+          <a:p>
             <a:endParaRPr lang="es-AR" dirty="0"/>
           </a:p>
         </p:txBody>
@@ -1054,6 +1529,2439 @@
               <a:rPr lang="es-AR" smtClean="0"/>
               <a:pPr/>
               <a:t>11</a:t>
+            </a:fld>
+            <a:endParaRPr lang="es-AR"/>
+          </a:p>
+        </p:txBody>
+      </p:sp>
+    </p:spTree>
+  </p:cSld>
+  <p:clrMapOvr>
+    <a:masterClrMapping/>
+  </p:clrMapOvr>
+</p:notes>
+</file>
+
+<file path=ppt/notesSlides/notesSlide12.xml><?xml version="1.0" encoding="utf-8"?>
+<p:notes xmlns:a="http://schemas.openxmlformats.org/drawingml/2006/main" xmlns:r="http://schemas.openxmlformats.org/officeDocument/2006/relationships" xmlns:p="http://schemas.openxmlformats.org/presentationml/2006/main">
+  <p:cSld>
+    <p:spTree>
+      <p:nvGrpSpPr>
+        <p:cNvPr id="1" name=""/>
+        <p:cNvGrpSpPr/>
+        <p:nvPr/>
+      </p:nvGrpSpPr>
+      <p:grpSpPr>
+        <a:xfrm>
+          <a:off x="0" y="0"/>
+          <a:ext cx="0" cy="0"/>
+          <a:chOff x="0" y="0"/>
+          <a:chExt cx="0" cy="0"/>
+        </a:xfrm>
+      </p:grpSpPr>
+      <p:sp>
+        <p:nvSpPr>
+          <p:cNvPr id="2" name="1 Marcador de imagen de diapositiva"/>
+          <p:cNvSpPr>
+            <a:spLocks noGrp="1" noRot="1" noChangeAspect="1"/>
+          </p:cNvSpPr>
+          <p:nvPr>
+            <p:ph type="sldImg"/>
+          </p:nvPr>
+        </p:nvSpPr>
+        <p:spPr/>
+      </p:sp>
+      <p:sp>
+        <p:nvSpPr>
+          <p:cNvPr id="3" name="2 Marcador de notas"/>
+          <p:cNvSpPr>
+            <a:spLocks noGrp="1"/>
+          </p:cNvSpPr>
+          <p:nvPr>
+            <p:ph type="body" idx="1"/>
+          </p:nvPr>
+        </p:nvSpPr>
+        <p:spPr/>
+        <p:txBody>
+          <a:bodyPr>
+            <a:normAutofit/>
+          </a:bodyPr>
+          <a:lstStyle/>
+          <a:p>
+            <a:r>
+              <a:rPr lang="en-US" dirty="0" err="1" smtClean="0"/>
+              <a:t>Acá</a:t>
+            </a:r>
+            <a:r>
+              <a:rPr lang="en-US" baseline="0" dirty="0" smtClean="0"/>
+              <a:t> se </a:t>
+            </a:r>
+            <a:r>
+              <a:rPr lang="en-US" baseline="0" dirty="0" err="1" smtClean="0"/>
+              <a:t>observan</a:t>
+            </a:r>
+            <a:r>
+              <a:rPr lang="en-US" baseline="0" dirty="0" smtClean="0"/>
+              <a:t> </a:t>
+            </a:r>
+            <a:r>
+              <a:rPr lang="en-US" baseline="0" dirty="0" err="1" smtClean="0"/>
+              <a:t>las</a:t>
+            </a:r>
+            <a:r>
+              <a:rPr lang="en-US" baseline="0" dirty="0" smtClean="0"/>
+              <a:t> </a:t>
+            </a:r>
+            <a:r>
+              <a:rPr lang="en-US" baseline="0" dirty="0" err="1" smtClean="0"/>
+              <a:t>herramientas</a:t>
+            </a:r>
+            <a:r>
+              <a:rPr lang="en-US" baseline="0" dirty="0" smtClean="0"/>
+              <a:t> </a:t>
+            </a:r>
+            <a:r>
+              <a:rPr lang="en-US" baseline="0" dirty="0" err="1" smtClean="0"/>
+              <a:t>utilizadas</a:t>
+            </a:r>
+            <a:r>
+              <a:rPr lang="en-US" baseline="0" dirty="0" smtClean="0"/>
+              <a:t> </a:t>
+            </a:r>
+            <a:r>
+              <a:rPr lang="en-US" baseline="0" dirty="0" err="1" smtClean="0"/>
+              <a:t>durante</a:t>
+            </a:r>
+            <a:r>
+              <a:rPr lang="en-US" baseline="0" dirty="0" smtClean="0"/>
+              <a:t> el </a:t>
+            </a:r>
+            <a:r>
+              <a:rPr lang="en-US" baseline="0" dirty="0" err="1" smtClean="0"/>
+              <a:t>desarrollo</a:t>
+            </a:r>
+            <a:r>
+              <a:rPr lang="en-US" baseline="0" dirty="0" smtClean="0"/>
+              <a:t> del </a:t>
+            </a:r>
+            <a:r>
+              <a:rPr lang="en-US" baseline="0" dirty="0" err="1" smtClean="0"/>
+              <a:t>proyecto</a:t>
+            </a:r>
+            <a:r>
+              <a:rPr lang="en-US" baseline="0" dirty="0" smtClean="0"/>
+              <a:t>.</a:t>
+            </a:r>
+          </a:p>
+          <a:p>
+            <a:r>
+              <a:rPr lang="en-US" baseline="0" dirty="0" smtClean="0"/>
+              <a:t>El </a:t>
+            </a:r>
+            <a:r>
+              <a:rPr lang="en-US" baseline="0" dirty="0" err="1" smtClean="0"/>
+              <a:t>lenguaje</a:t>
+            </a:r>
+            <a:r>
+              <a:rPr lang="en-US" baseline="0" dirty="0" smtClean="0"/>
+              <a:t> de </a:t>
+            </a:r>
+            <a:r>
+              <a:rPr lang="en-US" baseline="0" dirty="0" err="1" smtClean="0"/>
+              <a:t>programación</a:t>
+            </a:r>
+            <a:r>
+              <a:rPr lang="en-US" baseline="0" dirty="0" smtClean="0"/>
+              <a:t> </a:t>
+            </a:r>
+            <a:r>
+              <a:rPr lang="en-US" baseline="0" dirty="0" err="1" smtClean="0"/>
+              <a:t>Scala</a:t>
+            </a:r>
+            <a:r>
+              <a:rPr lang="en-US" baseline="0" dirty="0" smtClean="0"/>
+              <a:t> </a:t>
+            </a:r>
+            <a:r>
+              <a:rPr lang="en-US" baseline="0" dirty="0" err="1" smtClean="0"/>
+              <a:t>fue</a:t>
+            </a:r>
+            <a:r>
+              <a:rPr lang="en-US" baseline="0" dirty="0" smtClean="0"/>
+              <a:t> </a:t>
+            </a:r>
+            <a:r>
+              <a:rPr lang="en-US" baseline="0" dirty="0" err="1" smtClean="0"/>
+              <a:t>utilizado</a:t>
+            </a:r>
+            <a:r>
+              <a:rPr lang="en-US" baseline="0" dirty="0" smtClean="0"/>
+              <a:t> </a:t>
+            </a:r>
+            <a:r>
+              <a:rPr lang="en-US" baseline="0" dirty="0" err="1" smtClean="0"/>
+              <a:t>para</a:t>
+            </a:r>
+            <a:r>
+              <a:rPr lang="en-US" baseline="0" dirty="0" smtClean="0"/>
+              <a:t> los </a:t>
+            </a:r>
+            <a:r>
+              <a:rPr lang="en-US" baseline="0" dirty="0" err="1" smtClean="0"/>
+              <a:t>módulos</a:t>
+            </a:r>
+            <a:r>
+              <a:rPr lang="en-US" baseline="0" dirty="0" smtClean="0"/>
+              <a:t> base del </a:t>
+            </a:r>
+            <a:r>
+              <a:rPr lang="en-US" baseline="0" dirty="0" err="1" smtClean="0"/>
+              <a:t>proyecto</a:t>
+            </a:r>
+            <a:r>
+              <a:rPr lang="en-US" baseline="0" dirty="0" smtClean="0"/>
+              <a:t> </a:t>
+            </a:r>
+            <a:r>
+              <a:rPr lang="en-US" baseline="0" dirty="0" err="1" smtClean="0"/>
+              <a:t>mientras</a:t>
+            </a:r>
+            <a:r>
+              <a:rPr lang="en-US" baseline="0" dirty="0" smtClean="0"/>
+              <a:t> </a:t>
+            </a:r>
+            <a:r>
+              <a:rPr lang="en-US" baseline="0" dirty="0" err="1" smtClean="0"/>
+              <a:t>que</a:t>
+            </a:r>
+            <a:r>
+              <a:rPr lang="en-US" baseline="0" dirty="0" smtClean="0"/>
+              <a:t> Java </a:t>
+            </a:r>
+            <a:r>
+              <a:rPr lang="en-US" baseline="0" dirty="0" err="1" smtClean="0"/>
+              <a:t>fue</a:t>
+            </a:r>
+            <a:r>
+              <a:rPr lang="en-US" baseline="0" dirty="0" smtClean="0"/>
+              <a:t> </a:t>
+            </a:r>
+            <a:r>
+              <a:rPr lang="en-US" baseline="0" dirty="0" err="1" smtClean="0"/>
+              <a:t>utilizado</a:t>
+            </a:r>
+            <a:r>
+              <a:rPr lang="en-US" baseline="0" dirty="0" smtClean="0"/>
+              <a:t> </a:t>
+            </a:r>
+            <a:r>
+              <a:rPr lang="en-US" baseline="0" dirty="0" err="1" smtClean="0"/>
+              <a:t>para</a:t>
+            </a:r>
+            <a:r>
+              <a:rPr lang="en-US" baseline="0" dirty="0" smtClean="0"/>
+              <a:t> el </a:t>
+            </a:r>
+            <a:r>
+              <a:rPr lang="en-US" baseline="0" dirty="0" err="1" smtClean="0"/>
+              <a:t>desarrollo</a:t>
+            </a:r>
+            <a:r>
+              <a:rPr lang="en-US" baseline="0" dirty="0" smtClean="0"/>
+              <a:t> del </a:t>
+            </a:r>
+            <a:r>
+              <a:rPr lang="en-US" baseline="0" dirty="0" err="1" smtClean="0"/>
+              <a:t>plugin</a:t>
+            </a:r>
+            <a:r>
+              <a:rPr lang="en-US" baseline="0" dirty="0" smtClean="0"/>
+              <a:t> </a:t>
+            </a:r>
+            <a:r>
+              <a:rPr lang="en-US" baseline="0" dirty="0" err="1" smtClean="0"/>
+              <a:t>para</a:t>
+            </a:r>
+            <a:r>
+              <a:rPr lang="en-US" baseline="0" dirty="0" smtClean="0"/>
+              <a:t> Eclipse.</a:t>
+            </a:r>
+          </a:p>
+          <a:p>
+            <a:endParaRPr lang="en-US" u="none" baseline="0" dirty="0" smtClean="0"/>
+          </a:p>
+          <a:p>
+            <a:r>
+              <a:rPr lang="en-US" u="none" baseline="0" dirty="0" smtClean="0"/>
+              <a:t>A </a:t>
+            </a:r>
+            <a:r>
+              <a:rPr lang="en-US" u="none" baseline="0" dirty="0" err="1" smtClean="0"/>
+              <a:t>su</a:t>
+            </a:r>
+            <a:r>
+              <a:rPr lang="en-US" u="none" baseline="0" dirty="0" smtClean="0"/>
+              <a:t> </a:t>
+            </a:r>
+            <a:r>
+              <a:rPr lang="en-US" u="none" baseline="0" dirty="0" err="1" smtClean="0"/>
+              <a:t>vez</a:t>
+            </a:r>
+            <a:r>
+              <a:rPr lang="en-US" u="none" baseline="0" dirty="0" smtClean="0"/>
+              <a:t>, </a:t>
+            </a:r>
+            <a:r>
+              <a:rPr lang="en-US" u="none" baseline="0" dirty="0" err="1" smtClean="0"/>
+              <a:t>podemos</a:t>
+            </a:r>
+            <a:r>
+              <a:rPr lang="en-US" u="none" baseline="0" dirty="0" smtClean="0"/>
+              <a:t> </a:t>
+            </a:r>
+            <a:r>
+              <a:rPr lang="en-US" u="none" baseline="0" dirty="0" err="1" smtClean="0"/>
+              <a:t>nombrar</a:t>
+            </a:r>
+            <a:r>
+              <a:rPr lang="en-US" u="none" baseline="0" dirty="0" smtClean="0"/>
+              <a:t> </a:t>
+            </a:r>
+            <a:r>
+              <a:rPr lang="en-US" u="none" baseline="0" dirty="0" err="1" smtClean="0"/>
+              <a:t>estas</a:t>
+            </a:r>
+            <a:r>
+              <a:rPr lang="en-US" u="none" baseline="0" dirty="0" smtClean="0"/>
+              <a:t> </a:t>
+            </a:r>
+            <a:r>
+              <a:rPr lang="en-US" u="none" baseline="0" dirty="0" err="1" smtClean="0"/>
+              <a:t>herramientas</a:t>
+            </a:r>
+            <a:r>
+              <a:rPr lang="en-US" u="none" baseline="0" dirty="0" smtClean="0"/>
+              <a:t>: Eclipse, Maven, </a:t>
+            </a:r>
+            <a:r>
+              <a:rPr lang="en-US" u="none" baseline="0" dirty="0" err="1" smtClean="0"/>
+              <a:t>IntelliJ</a:t>
+            </a:r>
+            <a:r>
+              <a:rPr lang="en-US" u="none" baseline="0" dirty="0" smtClean="0"/>
+              <a:t> Idea, </a:t>
+            </a:r>
+            <a:r>
+              <a:rPr lang="en-US" u="none" baseline="0" dirty="0" err="1" smtClean="0"/>
+              <a:t>Git</a:t>
+            </a:r>
+            <a:r>
+              <a:rPr lang="en-US" u="none" baseline="0" dirty="0" smtClean="0"/>
+              <a:t>, Spring Framework.</a:t>
+            </a:r>
+            <a:endParaRPr lang="es-AR" u="none" dirty="0"/>
+          </a:p>
+        </p:txBody>
+      </p:sp>
+      <p:sp>
+        <p:nvSpPr>
+          <p:cNvPr id="4" name="3 Marcador de número de diapositiva"/>
+          <p:cNvSpPr>
+            <a:spLocks noGrp="1"/>
+          </p:cNvSpPr>
+          <p:nvPr>
+            <p:ph type="sldNum" sz="quarter" idx="10"/>
+          </p:nvPr>
+        </p:nvSpPr>
+        <p:spPr/>
+        <p:txBody>
+          <a:bodyPr/>
+          <a:lstStyle/>
+          <a:p>
+            <a:fld id="{3BCBAC67-084D-419D-A89D-D7FC2C09E238}" type="slidenum">
+              <a:rPr lang="es-AR" smtClean="0"/>
+              <a:pPr/>
+              <a:t>12</a:t>
+            </a:fld>
+            <a:endParaRPr lang="es-AR"/>
+          </a:p>
+        </p:txBody>
+      </p:sp>
+    </p:spTree>
+  </p:cSld>
+  <p:clrMapOvr>
+    <a:masterClrMapping/>
+  </p:clrMapOvr>
+</p:notes>
+</file>
+
+<file path=ppt/notesSlides/notesSlide13.xml><?xml version="1.0" encoding="utf-8"?>
+<p:notes xmlns:a="http://schemas.openxmlformats.org/drawingml/2006/main" xmlns:r="http://schemas.openxmlformats.org/officeDocument/2006/relationships" xmlns:p="http://schemas.openxmlformats.org/presentationml/2006/main">
+  <p:cSld>
+    <p:spTree>
+      <p:nvGrpSpPr>
+        <p:cNvPr id="1" name=""/>
+        <p:cNvGrpSpPr/>
+        <p:nvPr/>
+      </p:nvGrpSpPr>
+      <p:grpSpPr>
+        <a:xfrm>
+          <a:off x="0" y="0"/>
+          <a:ext cx="0" cy="0"/>
+          <a:chOff x="0" y="0"/>
+          <a:chExt cx="0" cy="0"/>
+        </a:xfrm>
+      </p:grpSpPr>
+      <p:sp>
+        <p:nvSpPr>
+          <p:cNvPr id="2" name="1 Marcador de imagen de diapositiva"/>
+          <p:cNvSpPr>
+            <a:spLocks noGrp="1" noRot="1" noChangeAspect="1"/>
+          </p:cNvSpPr>
+          <p:nvPr>
+            <p:ph type="sldImg"/>
+          </p:nvPr>
+        </p:nvSpPr>
+        <p:spPr/>
+      </p:sp>
+      <p:sp>
+        <p:nvSpPr>
+          <p:cNvPr id="3" name="2 Marcador de notas"/>
+          <p:cNvSpPr>
+            <a:spLocks noGrp="1"/>
+          </p:cNvSpPr>
+          <p:nvPr>
+            <p:ph type="body" idx="1"/>
+          </p:nvPr>
+        </p:nvSpPr>
+        <p:spPr/>
+        <p:txBody>
+          <a:bodyPr>
+            <a:normAutofit/>
+          </a:bodyPr>
+          <a:lstStyle/>
+          <a:p>
+            <a:r>
+              <a:rPr lang="en-US" baseline="0" dirty="0" err="1" smtClean="0"/>
+              <a:t>Nombraremos</a:t>
+            </a:r>
+            <a:r>
+              <a:rPr lang="en-US" baseline="0" dirty="0" smtClean="0"/>
+              <a:t> </a:t>
+            </a:r>
+            <a:r>
+              <a:rPr lang="en-US" baseline="0" dirty="0" err="1" smtClean="0"/>
+              <a:t>algunas</a:t>
+            </a:r>
+            <a:r>
+              <a:rPr lang="en-US" baseline="0" dirty="0" smtClean="0"/>
+              <a:t> </a:t>
+            </a:r>
+            <a:r>
+              <a:rPr lang="en-US" baseline="0" dirty="0" err="1" smtClean="0"/>
+              <a:t>características</a:t>
+            </a:r>
+            <a:r>
+              <a:rPr lang="en-US" baseline="0" dirty="0" smtClean="0"/>
+              <a:t> </a:t>
+            </a:r>
+            <a:r>
+              <a:rPr lang="en-US" baseline="0" dirty="0" err="1" smtClean="0"/>
+              <a:t>interesantes</a:t>
+            </a:r>
+            <a:r>
+              <a:rPr lang="en-US" baseline="0" dirty="0" smtClean="0"/>
+              <a:t> del </a:t>
+            </a:r>
+            <a:r>
+              <a:rPr lang="en-US" baseline="0" dirty="0" err="1" smtClean="0"/>
+              <a:t>lenguaje</a:t>
+            </a:r>
+            <a:r>
+              <a:rPr lang="en-US" baseline="0" dirty="0" smtClean="0"/>
+              <a:t> de </a:t>
+            </a:r>
+            <a:r>
+              <a:rPr lang="en-US" baseline="0" dirty="0" err="1" smtClean="0"/>
+              <a:t>programación</a:t>
+            </a:r>
+            <a:r>
+              <a:rPr lang="en-US" baseline="0" dirty="0" smtClean="0"/>
+              <a:t> </a:t>
+            </a:r>
+            <a:r>
+              <a:rPr lang="en-US" baseline="0" dirty="0" err="1" smtClean="0"/>
+              <a:t>Scala</a:t>
+            </a:r>
+            <a:r>
+              <a:rPr lang="en-US" baseline="0" dirty="0" smtClean="0"/>
+              <a:t>.</a:t>
+            </a:r>
+          </a:p>
+          <a:p>
+            <a:r>
+              <a:rPr lang="en-US" baseline="0" dirty="0" smtClean="0"/>
+              <a:t>Es un </a:t>
+            </a:r>
+            <a:r>
+              <a:rPr lang="en-US" baseline="0" dirty="0" err="1" smtClean="0"/>
+              <a:t>lenguaje</a:t>
+            </a:r>
+            <a:r>
+              <a:rPr lang="en-US" baseline="0" dirty="0" smtClean="0"/>
+              <a:t> </a:t>
+            </a:r>
+            <a:r>
+              <a:rPr lang="en-US" baseline="0" dirty="0" err="1" smtClean="0"/>
+              <a:t>que</a:t>
+            </a:r>
+            <a:r>
+              <a:rPr lang="en-US" baseline="0" dirty="0" smtClean="0"/>
+              <a:t> </a:t>
+            </a:r>
+            <a:r>
+              <a:rPr lang="en-US" baseline="0" dirty="0" err="1" smtClean="0"/>
+              <a:t>compila</a:t>
+            </a:r>
+            <a:r>
+              <a:rPr lang="en-US" baseline="0" dirty="0" smtClean="0"/>
+              <a:t> a </a:t>
+            </a:r>
+            <a:r>
+              <a:rPr lang="en-US" baseline="0" dirty="0" err="1" smtClean="0"/>
+              <a:t>bytecode</a:t>
+            </a:r>
+            <a:r>
+              <a:rPr lang="en-US" baseline="0" dirty="0" smtClean="0"/>
+              <a:t> de la JVM. Como </a:t>
+            </a:r>
+            <a:r>
+              <a:rPr lang="en-US" baseline="0" dirty="0" err="1" smtClean="0"/>
+              <a:t>consecuencia</a:t>
+            </a:r>
+            <a:r>
+              <a:rPr lang="en-US" baseline="0" dirty="0" smtClean="0"/>
+              <a:t> de </a:t>
+            </a:r>
+            <a:r>
+              <a:rPr lang="en-US" baseline="0" dirty="0" err="1" smtClean="0"/>
+              <a:t>esto</a:t>
+            </a:r>
+            <a:r>
+              <a:rPr lang="en-US" baseline="0" dirty="0" smtClean="0"/>
+              <a:t> </a:t>
+            </a:r>
+            <a:r>
+              <a:rPr lang="en-US" baseline="0" dirty="0" err="1" smtClean="0"/>
+              <a:t>puede</a:t>
+            </a:r>
+            <a:r>
+              <a:rPr lang="en-US" baseline="0" dirty="0" smtClean="0"/>
+              <a:t> </a:t>
+            </a:r>
+            <a:r>
+              <a:rPr lang="en-US" baseline="0" dirty="0" err="1" smtClean="0"/>
+              <a:t>interoperar</a:t>
+            </a:r>
+            <a:r>
+              <a:rPr lang="en-US" baseline="0" dirty="0" smtClean="0"/>
+              <a:t> con Java sin </a:t>
+            </a:r>
+            <a:r>
+              <a:rPr lang="en-US" baseline="0" dirty="0" err="1" smtClean="0"/>
+              <a:t>problema</a:t>
+            </a:r>
+            <a:r>
+              <a:rPr lang="en-US" baseline="0" dirty="0" smtClean="0"/>
+              <a:t> </a:t>
+            </a:r>
+            <a:r>
+              <a:rPr lang="en-US" baseline="0" dirty="0" err="1" smtClean="0"/>
+              <a:t>alguno</a:t>
+            </a:r>
+            <a:r>
+              <a:rPr lang="en-US" baseline="0" dirty="0" smtClean="0"/>
+              <a:t> </a:t>
+            </a:r>
+            <a:r>
+              <a:rPr lang="en-US" baseline="0" dirty="0" err="1" smtClean="0"/>
+              <a:t>posibilitando</a:t>
+            </a:r>
+            <a:r>
+              <a:rPr lang="en-US" baseline="0" dirty="0" smtClean="0"/>
+              <a:t> el </a:t>
+            </a:r>
+            <a:r>
+              <a:rPr lang="en-US" baseline="0" dirty="0" err="1" smtClean="0"/>
+              <a:t>uso</a:t>
+            </a:r>
+            <a:r>
+              <a:rPr lang="en-US" baseline="0" dirty="0" smtClean="0"/>
+              <a:t> de </a:t>
+            </a:r>
+            <a:r>
+              <a:rPr lang="en-US" baseline="0" dirty="0" err="1" smtClean="0"/>
+              <a:t>bibliotecas</a:t>
+            </a:r>
+            <a:r>
+              <a:rPr lang="en-US" baseline="0" dirty="0" smtClean="0"/>
+              <a:t> </a:t>
+            </a:r>
+            <a:r>
+              <a:rPr lang="en-US" baseline="0" dirty="0" err="1" smtClean="0"/>
+              <a:t>ya</a:t>
+            </a:r>
+            <a:r>
+              <a:rPr lang="en-US" baseline="0" dirty="0" smtClean="0"/>
+              <a:t> </a:t>
+            </a:r>
+            <a:r>
+              <a:rPr lang="en-US" baseline="0" dirty="0" err="1" smtClean="0"/>
+              <a:t>existentes</a:t>
+            </a:r>
+            <a:r>
+              <a:rPr lang="en-US" baseline="0" dirty="0" smtClean="0"/>
+              <a:t> </a:t>
+            </a:r>
+            <a:r>
+              <a:rPr lang="en-US" baseline="0" dirty="0" err="1" smtClean="0"/>
+              <a:t>como</a:t>
+            </a:r>
+            <a:r>
+              <a:rPr lang="en-US" baseline="0" dirty="0" smtClean="0"/>
+              <a:t> Spring Framework, </a:t>
+            </a:r>
+            <a:r>
+              <a:rPr lang="en-US" baseline="0" dirty="0" err="1" smtClean="0"/>
+              <a:t>por</a:t>
+            </a:r>
+            <a:r>
+              <a:rPr lang="en-US" baseline="0" dirty="0" smtClean="0"/>
+              <a:t> </a:t>
+            </a:r>
+            <a:r>
+              <a:rPr lang="en-US" baseline="0" dirty="0" err="1" smtClean="0"/>
+              <a:t>ejemplo</a:t>
+            </a:r>
+            <a:r>
+              <a:rPr lang="en-US" baseline="0" dirty="0" smtClean="0"/>
+              <a:t>.</a:t>
+            </a:r>
+          </a:p>
+          <a:p>
+            <a:r>
+              <a:rPr lang="en-US" baseline="0" dirty="0" err="1" smtClean="0"/>
+              <a:t>Scala</a:t>
+            </a:r>
+            <a:r>
+              <a:rPr lang="en-US" baseline="0" dirty="0" smtClean="0"/>
+              <a:t> </a:t>
+            </a:r>
+            <a:r>
+              <a:rPr lang="en-US" baseline="0" dirty="0" err="1" smtClean="0"/>
+              <a:t>es</a:t>
+            </a:r>
+            <a:r>
+              <a:rPr lang="en-US" baseline="0" dirty="0" smtClean="0"/>
+              <a:t> un </a:t>
+            </a:r>
+            <a:r>
+              <a:rPr lang="en-US" baseline="0" dirty="0" err="1" smtClean="0"/>
+              <a:t>lenguaje</a:t>
+            </a:r>
+            <a:r>
+              <a:rPr lang="en-US" baseline="0" dirty="0" smtClean="0"/>
+              <a:t> </a:t>
+            </a:r>
+            <a:r>
+              <a:rPr lang="en-US" baseline="0" dirty="0" err="1" smtClean="0"/>
+              <a:t>multiparadigma</a:t>
+            </a:r>
+            <a:r>
+              <a:rPr lang="en-US" baseline="0" dirty="0" smtClean="0"/>
+              <a:t>, </a:t>
+            </a:r>
+            <a:r>
+              <a:rPr lang="en-US" baseline="0" dirty="0" err="1" smtClean="0"/>
+              <a:t>orientado</a:t>
+            </a:r>
+            <a:r>
+              <a:rPr lang="en-US" baseline="0" dirty="0" smtClean="0"/>
+              <a:t> a </a:t>
+            </a:r>
+            <a:r>
+              <a:rPr lang="en-US" baseline="0" dirty="0" err="1" smtClean="0"/>
+              <a:t>objetos</a:t>
+            </a:r>
+            <a:r>
+              <a:rPr lang="en-US" baseline="0" dirty="0" smtClean="0"/>
+              <a:t> y </a:t>
+            </a:r>
+            <a:r>
+              <a:rPr lang="en-US" baseline="0" dirty="0" err="1" smtClean="0"/>
+              <a:t>funcional</a:t>
+            </a:r>
+            <a:r>
+              <a:rPr lang="en-US" baseline="0" dirty="0" smtClean="0"/>
+              <a:t>. El </a:t>
+            </a:r>
+            <a:r>
+              <a:rPr lang="en-US" baseline="0" dirty="0" err="1" smtClean="0"/>
+              <a:t>codigo</a:t>
+            </a:r>
+            <a:r>
+              <a:rPr lang="en-US" baseline="0" dirty="0" smtClean="0"/>
+              <a:t> </a:t>
+            </a:r>
+            <a:r>
+              <a:rPr lang="en-US" baseline="0" dirty="0" err="1" smtClean="0"/>
+              <a:t>desarrollado</a:t>
+            </a:r>
+            <a:r>
+              <a:rPr lang="en-US" baseline="0" dirty="0" smtClean="0"/>
+              <a:t> en </a:t>
+            </a:r>
+            <a:r>
+              <a:rPr lang="en-US" baseline="0" dirty="0" err="1" smtClean="0"/>
+              <a:t>Scala</a:t>
+            </a:r>
+            <a:r>
+              <a:rPr lang="en-US" baseline="0" dirty="0" smtClean="0"/>
+              <a:t> </a:t>
+            </a:r>
+            <a:r>
+              <a:rPr lang="en-US" baseline="0" dirty="0" err="1" smtClean="0"/>
+              <a:t>es</a:t>
+            </a:r>
+            <a:r>
+              <a:rPr lang="en-US" baseline="0" dirty="0" smtClean="0"/>
+              <a:t> mucho </a:t>
+            </a:r>
+            <a:r>
+              <a:rPr lang="en-US" baseline="0" dirty="0" err="1" smtClean="0"/>
+              <a:t>más</a:t>
+            </a:r>
+            <a:r>
+              <a:rPr lang="en-US" baseline="0" dirty="0" smtClean="0"/>
+              <a:t> </a:t>
+            </a:r>
+            <a:r>
+              <a:rPr lang="en-US" baseline="0" dirty="0" err="1" smtClean="0"/>
+              <a:t>conciso</a:t>
+            </a:r>
+            <a:r>
+              <a:rPr lang="en-US" baseline="0" dirty="0" smtClean="0"/>
+              <a:t> </a:t>
+            </a:r>
+            <a:r>
+              <a:rPr lang="en-US" baseline="0" dirty="0" err="1" smtClean="0"/>
+              <a:t>que</a:t>
+            </a:r>
+            <a:r>
+              <a:rPr lang="en-US" baseline="0" dirty="0" smtClean="0"/>
+              <a:t> el </a:t>
+            </a:r>
+            <a:r>
+              <a:rPr lang="en-US" baseline="0" dirty="0" err="1" smtClean="0"/>
+              <a:t>generado</a:t>
+            </a:r>
+            <a:r>
+              <a:rPr lang="en-US" baseline="0" dirty="0" smtClean="0"/>
+              <a:t> en Java.</a:t>
+            </a:r>
+            <a:endParaRPr lang="en-US" u="sng" baseline="0" dirty="0" smtClean="0"/>
+          </a:p>
+          <a:p>
+            <a:r>
+              <a:rPr lang="en-US" u="none" baseline="0" dirty="0" smtClean="0"/>
+              <a:t>A </a:t>
+            </a:r>
+            <a:r>
+              <a:rPr lang="en-US" u="none" baseline="0" dirty="0" err="1" smtClean="0"/>
+              <a:t>su</a:t>
+            </a:r>
+            <a:r>
+              <a:rPr lang="en-US" u="none" baseline="0" dirty="0" smtClean="0"/>
+              <a:t> </a:t>
+            </a:r>
+            <a:r>
+              <a:rPr lang="en-US" u="none" baseline="0" dirty="0" err="1" smtClean="0"/>
+              <a:t>vez</a:t>
+            </a:r>
+            <a:r>
+              <a:rPr lang="en-US" u="none" baseline="0" dirty="0" smtClean="0"/>
+              <a:t> </a:t>
+            </a:r>
+            <a:r>
+              <a:rPr lang="en-US" u="none" baseline="0" dirty="0" err="1" smtClean="0"/>
+              <a:t>presenta</a:t>
+            </a:r>
+            <a:r>
+              <a:rPr lang="en-US" u="none" baseline="0" dirty="0" smtClean="0"/>
+              <a:t> un </a:t>
+            </a:r>
+            <a:r>
+              <a:rPr lang="en-US" u="none" baseline="0" dirty="0" err="1" smtClean="0"/>
+              <a:t>modelo</a:t>
+            </a:r>
+            <a:r>
+              <a:rPr lang="en-US" u="none" baseline="0" dirty="0" smtClean="0"/>
+              <a:t> de </a:t>
+            </a:r>
+            <a:r>
+              <a:rPr lang="en-US" u="none" baseline="0" dirty="0" err="1" smtClean="0"/>
+              <a:t>concurrencia</a:t>
+            </a:r>
+            <a:r>
+              <a:rPr lang="en-US" u="none" baseline="0" dirty="0" smtClean="0"/>
+              <a:t> </a:t>
+            </a:r>
+            <a:r>
+              <a:rPr lang="en-US" u="none" baseline="0" dirty="0" err="1" smtClean="0"/>
+              <a:t>basado</a:t>
+            </a:r>
+            <a:r>
+              <a:rPr lang="en-US" u="none" baseline="0" dirty="0" smtClean="0"/>
+              <a:t> en </a:t>
+            </a:r>
+            <a:r>
+              <a:rPr lang="en-US" u="none" baseline="0" dirty="0" err="1" smtClean="0"/>
+              <a:t>actores</a:t>
+            </a:r>
+            <a:r>
+              <a:rPr lang="en-US" u="none" baseline="0" dirty="0" smtClean="0"/>
+              <a:t>, ideal </a:t>
+            </a:r>
+            <a:r>
+              <a:rPr lang="en-US" u="none" baseline="0" dirty="0" err="1" smtClean="0"/>
+              <a:t>para</a:t>
+            </a:r>
+            <a:r>
+              <a:rPr lang="en-US" u="none" baseline="0" dirty="0" smtClean="0"/>
+              <a:t> un </a:t>
+            </a:r>
+            <a:r>
+              <a:rPr lang="en-US" u="none" baseline="0" dirty="0" err="1" smtClean="0"/>
+              <a:t>ambiente</a:t>
+            </a:r>
+            <a:r>
+              <a:rPr lang="en-US" u="none" baseline="0" dirty="0" smtClean="0"/>
+              <a:t> en </a:t>
+            </a:r>
+            <a:r>
+              <a:rPr lang="en-US" u="none" baseline="0" dirty="0" err="1" smtClean="0"/>
+              <a:t>donde</a:t>
+            </a:r>
+            <a:r>
+              <a:rPr lang="en-US" u="none" baseline="0" dirty="0" smtClean="0"/>
+              <a:t> hay </a:t>
+            </a:r>
+            <a:r>
+              <a:rPr lang="en-US" u="none" baseline="0" dirty="0" err="1" smtClean="0"/>
+              <a:t>concurrencia</a:t>
+            </a:r>
+            <a:r>
+              <a:rPr lang="en-US" u="none" baseline="0" dirty="0" smtClean="0"/>
+              <a:t> </a:t>
+            </a:r>
+            <a:r>
+              <a:rPr lang="en-US" u="none" baseline="0" dirty="0" err="1" smtClean="0"/>
+              <a:t>sobre</a:t>
+            </a:r>
+            <a:r>
+              <a:rPr lang="en-US" u="none" baseline="0" dirty="0" smtClean="0"/>
+              <a:t> </a:t>
+            </a:r>
+            <a:r>
+              <a:rPr lang="en-US" u="none" baseline="0" dirty="0" err="1" smtClean="0"/>
+              <a:t>objetos</a:t>
+            </a:r>
+            <a:r>
+              <a:rPr lang="en-US" u="none" baseline="0" dirty="0" smtClean="0"/>
+              <a:t>.</a:t>
+            </a:r>
+          </a:p>
+        </p:txBody>
+      </p:sp>
+      <p:sp>
+        <p:nvSpPr>
+          <p:cNvPr id="4" name="3 Marcador de número de diapositiva"/>
+          <p:cNvSpPr>
+            <a:spLocks noGrp="1"/>
+          </p:cNvSpPr>
+          <p:nvPr>
+            <p:ph type="sldNum" sz="quarter" idx="10"/>
+          </p:nvPr>
+        </p:nvSpPr>
+        <p:spPr/>
+        <p:txBody>
+          <a:bodyPr/>
+          <a:lstStyle/>
+          <a:p>
+            <a:fld id="{3BCBAC67-084D-419D-A89D-D7FC2C09E238}" type="slidenum">
+              <a:rPr lang="es-AR" smtClean="0"/>
+              <a:pPr/>
+              <a:t>13</a:t>
+            </a:fld>
+            <a:endParaRPr lang="es-AR"/>
+          </a:p>
+        </p:txBody>
+      </p:sp>
+    </p:spTree>
+  </p:cSld>
+  <p:clrMapOvr>
+    <a:masterClrMapping/>
+  </p:clrMapOvr>
+</p:notes>
+</file>
+
+<file path=ppt/notesSlides/notesSlide14.xml><?xml version="1.0" encoding="utf-8"?>
+<p:notes xmlns:a="http://schemas.openxmlformats.org/drawingml/2006/main" xmlns:r="http://schemas.openxmlformats.org/officeDocument/2006/relationships" xmlns:p="http://schemas.openxmlformats.org/presentationml/2006/main">
+  <p:cSld>
+    <p:spTree>
+      <p:nvGrpSpPr>
+        <p:cNvPr id="1" name=""/>
+        <p:cNvGrpSpPr/>
+        <p:nvPr/>
+      </p:nvGrpSpPr>
+      <p:grpSpPr>
+        <a:xfrm>
+          <a:off x="0" y="0"/>
+          <a:ext cx="0" cy="0"/>
+          <a:chOff x="0" y="0"/>
+          <a:chExt cx="0" cy="0"/>
+        </a:xfrm>
+      </p:grpSpPr>
+      <p:sp>
+        <p:nvSpPr>
+          <p:cNvPr id="2" name="1 Marcador de imagen de diapositiva"/>
+          <p:cNvSpPr>
+            <a:spLocks noGrp="1" noRot="1" noChangeAspect="1"/>
+          </p:cNvSpPr>
+          <p:nvPr>
+            <p:ph type="sldImg"/>
+          </p:nvPr>
+        </p:nvSpPr>
+        <p:spPr/>
+      </p:sp>
+      <p:sp>
+        <p:nvSpPr>
+          <p:cNvPr id="3" name="2 Marcador de notas"/>
+          <p:cNvSpPr>
+            <a:spLocks noGrp="1"/>
+          </p:cNvSpPr>
+          <p:nvPr>
+            <p:ph type="body" idx="1"/>
+          </p:nvPr>
+        </p:nvSpPr>
+        <p:spPr/>
+        <p:txBody>
+          <a:bodyPr>
+            <a:normAutofit/>
+          </a:bodyPr>
+          <a:lstStyle/>
+          <a:p>
+            <a:r>
+              <a:rPr lang="en-US" dirty="0" smtClean="0"/>
+              <a:t>Scrum </a:t>
+            </a:r>
+            <a:r>
+              <a:rPr lang="en-US" dirty="0" err="1" smtClean="0"/>
+              <a:t>fue</a:t>
+            </a:r>
+            <a:r>
+              <a:rPr lang="en-US" dirty="0" smtClean="0"/>
+              <a:t> </a:t>
+            </a:r>
+            <a:r>
+              <a:rPr lang="en-US" dirty="0" err="1" smtClean="0"/>
+              <a:t>utilizado</a:t>
+            </a:r>
+            <a:r>
+              <a:rPr lang="en-US" dirty="0" smtClean="0"/>
+              <a:t> </a:t>
+            </a:r>
+            <a:r>
+              <a:rPr lang="en-US" dirty="0" err="1" smtClean="0"/>
+              <a:t>como</a:t>
+            </a:r>
+            <a:r>
+              <a:rPr lang="en-US" dirty="0" smtClean="0"/>
+              <a:t> </a:t>
+            </a:r>
+            <a:r>
+              <a:rPr lang="en-US" dirty="0" err="1" smtClean="0"/>
+              <a:t>metodología</a:t>
+            </a:r>
+            <a:r>
+              <a:rPr lang="en-US" dirty="0" smtClean="0"/>
+              <a:t> de </a:t>
+            </a:r>
+            <a:r>
+              <a:rPr lang="en-US" dirty="0" err="1" smtClean="0"/>
+              <a:t>desarrollo</a:t>
+            </a:r>
+            <a:r>
+              <a:rPr lang="en-US" dirty="0" smtClean="0"/>
+              <a:t>. Se</a:t>
+            </a:r>
+            <a:r>
+              <a:rPr lang="en-US" baseline="0" dirty="0" smtClean="0"/>
+              <a:t> </a:t>
+            </a:r>
+            <a:r>
+              <a:rPr lang="en-US" baseline="0" dirty="0" err="1" smtClean="0"/>
+              <a:t>planificaron</a:t>
+            </a:r>
+            <a:r>
+              <a:rPr lang="en-US" baseline="0" dirty="0" smtClean="0"/>
+              <a:t> </a:t>
+            </a:r>
+            <a:r>
+              <a:rPr lang="en-US" baseline="0" dirty="0" err="1" smtClean="0"/>
+              <a:t>cuatro</a:t>
+            </a:r>
+            <a:r>
+              <a:rPr lang="en-US" baseline="0" dirty="0" smtClean="0"/>
+              <a:t> sprints en total al </a:t>
+            </a:r>
+            <a:r>
+              <a:rPr lang="en-US" baseline="0" dirty="0" err="1" smtClean="0"/>
+              <a:t>inicio</a:t>
+            </a:r>
+            <a:r>
+              <a:rPr lang="en-US" baseline="0" dirty="0" smtClean="0"/>
+              <a:t> del </a:t>
+            </a:r>
+            <a:r>
+              <a:rPr lang="en-US" baseline="0" dirty="0" err="1" smtClean="0"/>
+              <a:t>proyecto</a:t>
+            </a:r>
+            <a:r>
+              <a:rPr lang="en-US" baseline="0" dirty="0" smtClean="0"/>
+              <a:t>, </a:t>
+            </a:r>
+            <a:r>
+              <a:rPr lang="en-US" baseline="0" dirty="0" err="1" smtClean="0"/>
+              <a:t>pero</a:t>
+            </a:r>
+            <a:r>
+              <a:rPr lang="en-US" baseline="0" dirty="0" smtClean="0"/>
+              <a:t> el </a:t>
+            </a:r>
+            <a:r>
+              <a:rPr lang="en-US" baseline="0" dirty="0" err="1" smtClean="0"/>
+              <a:t>último</a:t>
+            </a:r>
+            <a:r>
+              <a:rPr lang="en-US" baseline="0" dirty="0" smtClean="0"/>
+              <a:t> </a:t>
+            </a:r>
+            <a:r>
+              <a:rPr lang="en-US" baseline="0" dirty="0" err="1" smtClean="0"/>
+              <a:t>pudo</a:t>
+            </a:r>
+            <a:r>
+              <a:rPr lang="en-US" baseline="0" dirty="0" smtClean="0"/>
+              <a:t> ser </a:t>
+            </a:r>
+            <a:r>
+              <a:rPr lang="en-US" baseline="0" dirty="0" err="1" smtClean="0"/>
+              <a:t>comprimido</a:t>
+            </a:r>
+            <a:r>
+              <a:rPr lang="en-US" baseline="0" dirty="0" smtClean="0"/>
+              <a:t> en el </a:t>
+            </a:r>
+            <a:r>
+              <a:rPr lang="en-US" baseline="0" dirty="0" err="1" smtClean="0"/>
+              <a:t>tercero</a:t>
+            </a:r>
+            <a:r>
+              <a:rPr lang="en-US" baseline="0" dirty="0" smtClean="0"/>
+              <a:t> </a:t>
+            </a:r>
+            <a:r>
+              <a:rPr lang="en-US" baseline="0" dirty="0" err="1" smtClean="0"/>
+              <a:t>ya</a:t>
+            </a:r>
+            <a:r>
+              <a:rPr lang="en-US" baseline="0" dirty="0" smtClean="0"/>
+              <a:t> </a:t>
+            </a:r>
+            <a:r>
+              <a:rPr lang="en-US" baseline="0" dirty="0" err="1" smtClean="0"/>
+              <a:t>que</a:t>
+            </a:r>
+            <a:r>
+              <a:rPr lang="en-US" baseline="0" dirty="0" smtClean="0"/>
+              <a:t> se </a:t>
+            </a:r>
+            <a:r>
+              <a:rPr lang="en-US" baseline="0" dirty="0" err="1" smtClean="0"/>
+              <a:t>aplicó</a:t>
+            </a:r>
+            <a:r>
+              <a:rPr lang="en-US" baseline="0" dirty="0" smtClean="0"/>
+              <a:t> un mayor </a:t>
+            </a:r>
+            <a:r>
+              <a:rPr lang="en-US" baseline="0" dirty="0" err="1" smtClean="0"/>
+              <a:t>esfuerzo</a:t>
+            </a:r>
+            <a:r>
+              <a:rPr lang="en-US" baseline="0" dirty="0" smtClean="0"/>
+              <a:t> en </a:t>
+            </a:r>
+            <a:r>
+              <a:rPr lang="en-US" baseline="0" dirty="0" err="1" smtClean="0"/>
+              <a:t>este</a:t>
+            </a:r>
+            <a:r>
+              <a:rPr lang="en-US" baseline="0" dirty="0" smtClean="0"/>
+              <a:t> sprint.</a:t>
+            </a:r>
+            <a:endParaRPr lang="en-US" u="sng" baseline="0" dirty="0" smtClean="0"/>
+          </a:p>
+          <a:p>
+            <a:r>
+              <a:rPr lang="en-US" u="none" baseline="0" dirty="0" err="1" smtClean="0"/>
+              <a:t>Luego</a:t>
+            </a:r>
+            <a:r>
+              <a:rPr lang="en-US" u="none" baseline="0" dirty="0" smtClean="0"/>
+              <a:t> del </a:t>
+            </a:r>
+            <a:r>
+              <a:rPr lang="en-US" u="none" baseline="0" dirty="0" err="1" smtClean="0"/>
+              <a:t>tercer</a:t>
+            </a:r>
+            <a:r>
+              <a:rPr lang="en-US" u="none" baseline="0" dirty="0" smtClean="0"/>
+              <a:t> sprint se </a:t>
+            </a:r>
+            <a:r>
+              <a:rPr lang="en-US" u="none" baseline="0" dirty="0" err="1" smtClean="0"/>
+              <a:t>generó</a:t>
+            </a:r>
+            <a:r>
+              <a:rPr lang="en-US" u="none" baseline="0" dirty="0" smtClean="0"/>
+              <a:t> la </a:t>
+            </a:r>
+            <a:r>
+              <a:rPr lang="en-US" u="none" baseline="0" dirty="0" err="1" smtClean="0"/>
+              <a:t>documentación</a:t>
+            </a:r>
+            <a:r>
+              <a:rPr lang="en-US" u="none" baseline="0" dirty="0" smtClean="0"/>
+              <a:t>.</a:t>
+            </a:r>
+            <a:endParaRPr lang="es-AR" u="none" dirty="0"/>
+          </a:p>
+        </p:txBody>
+      </p:sp>
+      <p:sp>
+        <p:nvSpPr>
+          <p:cNvPr id="4" name="3 Marcador de número de diapositiva"/>
+          <p:cNvSpPr>
+            <a:spLocks noGrp="1"/>
+          </p:cNvSpPr>
+          <p:nvPr>
+            <p:ph type="sldNum" sz="quarter" idx="10"/>
+          </p:nvPr>
+        </p:nvSpPr>
+        <p:spPr/>
+        <p:txBody>
+          <a:bodyPr/>
+          <a:lstStyle/>
+          <a:p>
+            <a:fld id="{3BCBAC67-084D-419D-A89D-D7FC2C09E238}" type="slidenum">
+              <a:rPr lang="es-AR" smtClean="0"/>
+              <a:pPr/>
+              <a:t>14</a:t>
+            </a:fld>
+            <a:endParaRPr lang="es-AR"/>
+          </a:p>
+        </p:txBody>
+      </p:sp>
+    </p:spTree>
+  </p:cSld>
+  <p:clrMapOvr>
+    <a:masterClrMapping/>
+  </p:clrMapOvr>
+</p:notes>
+</file>
+
+<file path=ppt/notesSlides/notesSlide15.xml><?xml version="1.0" encoding="utf-8"?>
+<p:notes xmlns:a="http://schemas.openxmlformats.org/drawingml/2006/main" xmlns:r="http://schemas.openxmlformats.org/officeDocument/2006/relationships" xmlns:p="http://schemas.openxmlformats.org/presentationml/2006/main">
+  <p:cSld>
+    <p:spTree>
+      <p:nvGrpSpPr>
+        <p:cNvPr id="1" name=""/>
+        <p:cNvGrpSpPr/>
+        <p:nvPr/>
+      </p:nvGrpSpPr>
+      <p:grpSpPr>
+        <a:xfrm>
+          <a:off x="0" y="0"/>
+          <a:ext cx="0" cy="0"/>
+          <a:chOff x="0" y="0"/>
+          <a:chExt cx="0" cy="0"/>
+        </a:xfrm>
+      </p:grpSpPr>
+      <p:sp>
+        <p:nvSpPr>
+          <p:cNvPr id="2" name="1 Marcador de imagen de diapositiva"/>
+          <p:cNvSpPr>
+            <a:spLocks noGrp="1" noRot="1" noChangeAspect="1"/>
+          </p:cNvSpPr>
+          <p:nvPr>
+            <p:ph type="sldImg"/>
+          </p:nvPr>
+        </p:nvSpPr>
+        <p:spPr/>
+      </p:sp>
+      <p:sp>
+        <p:nvSpPr>
+          <p:cNvPr id="3" name="2 Marcador de notas"/>
+          <p:cNvSpPr>
+            <a:spLocks noGrp="1"/>
+          </p:cNvSpPr>
+          <p:nvPr>
+            <p:ph type="body" idx="1"/>
+          </p:nvPr>
+        </p:nvSpPr>
+        <p:spPr/>
+        <p:txBody>
+          <a:bodyPr>
+            <a:normAutofit/>
+          </a:bodyPr>
+          <a:lstStyle/>
+          <a:p>
+            <a:r>
+              <a:rPr lang="en-US" dirty="0" smtClean="0"/>
+              <a:t>Se</a:t>
+            </a:r>
+            <a:r>
+              <a:rPr lang="en-US" baseline="0" dirty="0" smtClean="0"/>
+              <a:t> </a:t>
+            </a:r>
+            <a:r>
+              <a:rPr lang="en-US" baseline="0" dirty="0" err="1" smtClean="0"/>
+              <a:t>mostrará</a:t>
+            </a:r>
+            <a:r>
+              <a:rPr lang="en-US" baseline="0" dirty="0" smtClean="0"/>
+              <a:t> la </a:t>
+            </a:r>
+            <a:r>
+              <a:rPr lang="en-US" baseline="0" dirty="0" err="1" smtClean="0"/>
+              <a:t>funcionalidad</a:t>
+            </a:r>
+            <a:r>
+              <a:rPr lang="en-US" baseline="0" dirty="0" smtClean="0"/>
+              <a:t> </a:t>
+            </a:r>
+            <a:r>
+              <a:rPr lang="en-US" baseline="0" dirty="0" err="1" smtClean="0"/>
+              <a:t>implementada</a:t>
+            </a:r>
+            <a:r>
+              <a:rPr lang="en-US" baseline="0" dirty="0" smtClean="0"/>
+              <a:t> </a:t>
+            </a:r>
+            <a:r>
+              <a:rPr lang="en-US" baseline="0" dirty="0" err="1" smtClean="0"/>
+              <a:t>dentro</a:t>
+            </a:r>
+            <a:r>
+              <a:rPr lang="en-US" baseline="0" dirty="0" smtClean="0"/>
+              <a:t> del Eclipse.</a:t>
+            </a:r>
+            <a:endParaRPr lang="es-AR" dirty="0"/>
+          </a:p>
+        </p:txBody>
+      </p:sp>
+      <p:sp>
+        <p:nvSpPr>
+          <p:cNvPr id="4" name="3 Marcador de número de diapositiva"/>
+          <p:cNvSpPr>
+            <a:spLocks noGrp="1"/>
+          </p:cNvSpPr>
+          <p:nvPr>
+            <p:ph type="sldNum" sz="quarter" idx="10"/>
+          </p:nvPr>
+        </p:nvSpPr>
+        <p:spPr/>
+        <p:txBody>
+          <a:bodyPr/>
+          <a:lstStyle/>
+          <a:p>
+            <a:fld id="{3BCBAC67-084D-419D-A89D-D7FC2C09E238}" type="slidenum">
+              <a:rPr lang="es-AR" smtClean="0"/>
+              <a:pPr/>
+              <a:t>15</a:t>
+            </a:fld>
+            <a:endParaRPr lang="es-AR"/>
+          </a:p>
+        </p:txBody>
+      </p:sp>
+    </p:spTree>
+  </p:cSld>
+  <p:clrMapOvr>
+    <a:masterClrMapping/>
+  </p:clrMapOvr>
+</p:notes>
+</file>
+
+<file path=ppt/notesSlides/notesSlide16.xml><?xml version="1.0" encoding="utf-8"?>
+<p:notes xmlns:a="http://schemas.openxmlformats.org/drawingml/2006/main" xmlns:r="http://schemas.openxmlformats.org/officeDocument/2006/relationships" xmlns:p="http://schemas.openxmlformats.org/presentationml/2006/main">
+  <p:cSld>
+    <p:spTree>
+      <p:nvGrpSpPr>
+        <p:cNvPr id="1" name=""/>
+        <p:cNvGrpSpPr/>
+        <p:nvPr/>
+      </p:nvGrpSpPr>
+      <p:grpSpPr>
+        <a:xfrm>
+          <a:off x="0" y="0"/>
+          <a:ext cx="0" cy="0"/>
+          <a:chOff x="0" y="0"/>
+          <a:chExt cx="0" cy="0"/>
+        </a:xfrm>
+      </p:grpSpPr>
+      <p:sp>
+        <p:nvSpPr>
+          <p:cNvPr id="2" name="1 Marcador de imagen de diapositiva"/>
+          <p:cNvSpPr>
+            <a:spLocks noGrp="1" noRot="1" noChangeAspect="1"/>
+          </p:cNvSpPr>
+          <p:nvPr>
+            <p:ph type="sldImg"/>
+          </p:nvPr>
+        </p:nvSpPr>
+        <p:spPr/>
+      </p:sp>
+      <p:sp>
+        <p:nvSpPr>
+          <p:cNvPr id="3" name="2 Marcador de notas"/>
+          <p:cNvSpPr>
+            <a:spLocks noGrp="1"/>
+          </p:cNvSpPr>
+          <p:nvPr>
+            <p:ph type="body" idx="1"/>
+          </p:nvPr>
+        </p:nvSpPr>
+        <p:spPr/>
+        <p:txBody>
+          <a:bodyPr>
+            <a:normAutofit lnSpcReduction="10000"/>
+          </a:bodyPr>
+          <a:lstStyle/>
+          <a:p>
+            <a:r>
+              <a:rPr lang="en-US" dirty="0" err="1" smtClean="0"/>
+              <a:t>Ahora</a:t>
+            </a:r>
+            <a:r>
+              <a:rPr lang="en-US" baseline="0" dirty="0" smtClean="0"/>
+              <a:t> </a:t>
+            </a:r>
+            <a:r>
+              <a:rPr lang="en-US" baseline="0" dirty="0" err="1" smtClean="0"/>
+              <a:t>analizaremos</a:t>
+            </a:r>
+            <a:r>
+              <a:rPr lang="en-US" baseline="0" dirty="0" smtClean="0"/>
+              <a:t> </a:t>
+            </a:r>
+            <a:r>
+              <a:rPr lang="en-US" baseline="0" dirty="0" err="1" smtClean="0"/>
+              <a:t>las</a:t>
+            </a:r>
+            <a:r>
+              <a:rPr lang="en-US" baseline="0" dirty="0" smtClean="0"/>
+              <a:t> </a:t>
+            </a:r>
+            <a:r>
+              <a:rPr lang="en-US" baseline="0" dirty="0" err="1" smtClean="0"/>
+              <a:t>posibles</a:t>
+            </a:r>
+            <a:r>
+              <a:rPr lang="en-US" baseline="0" dirty="0" smtClean="0"/>
+              <a:t> </a:t>
+            </a:r>
+            <a:r>
+              <a:rPr lang="en-US" baseline="0" dirty="0" err="1" smtClean="0"/>
+              <a:t>mejores</a:t>
+            </a:r>
+            <a:r>
+              <a:rPr lang="en-US" baseline="0" dirty="0" smtClean="0"/>
+              <a:t> a </a:t>
+            </a:r>
+            <a:r>
+              <a:rPr lang="en-US" baseline="0" dirty="0" err="1" smtClean="0"/>
+              <a:t>implementar</a:t>
+            </a:r>
+            <a:r>
+              <a:rPr lang="en-US" baseline="0" dirty="0" smtClean="0"/>
+              <a:t> en el </a:t>
+            </a:r>
+            <a:r>
+              <a:rPr lang="en-US" baseline="0" dirty="0" err="1" smtClean="0"/>
+              <a:t>presente</a:t>
+            </a:r>
+            <a:r>
+              <a:rPr lang="en-US" baseline="0" dirty="0" smtClean="0"/>
+              <a:t> </a:t>
+            </a:r>
+            <a:r>
+              <a:rPr lang="en-US" baseline="0" dirty="0" err="1" smtClean="0"/>
+              <a:t>proyecto</a:t>
+            </a:r>
+            <a:r>
+              <a:rPr lang="en-US" baseline="0" dirty="0" smtClean="0"/>
+              <a:t>.</a:t>
+            </a:r>
+          </a:p>
+          <a:p>
+            <a:endParaRPr lang="en-US" baseline="0" dirty="0" smtClean="0"/>
+          </a:p>
+          <a:p>
+            <a:r>
+              <a:rPr lang="en-US" baseline="0" dirty="0" smtClean="0"/>
+              <a:t>El primer </a:t>
+            </a:r>
+            <a:r>
+              <a:rPr lang="en-US" baseline="0" dirty="0" err="1" smtClean="0"/>
+              <a:t>punto</a:t>
+            </a:r>
+            <a:r>
+              <a:rPr lang="en-US" baseline="0" dirty="0" smtClean="0"/>
+              <a:t> </a:t>
+            </a:r>
+            <a:r>
+              <a:rPr lang="en-US" baseline="0" dirty="0" err="1" smtClean="0"/>
+              <a:t>es</a:t>
+            </a:r>
+            <a:r>
+              <a:rPr lang="en-US" baseline="0" dirty="0" smtClean="0"/>
+              <a:t> el </a:t>
+            </a:r>
+            <a:r>
+              <a:rPr lang="en-US" baseline="0" dirty="0" err="1" smtClean="0"/>
+              <a:t>mecanismo</a:t>
+            </a:r>
+            <a:r>
+              <a:rPr lang="en-US" baseline="0" dirty="0" smtClean="0"/>
+              <a:t> de undo o </a:t>
+            </a:r>
+            <a:r>
+              <a:rPr lang="en-US" baseline="0" dirty="0" err="1" smtClean="0"/>
+              <a:t>deshacer</a:t>
+            </a:r>
+            <a:r>
+              <a:rPr lang="en-US" baseline="0" dirty="0" smtClean="0"/>
+              <a:t>. </a:t>
+            </a:r>
+            <a:r>
+              <a:rPr lang="en-US" baseline="0" dirty="0" err="1" smtClean="0"/>
+              <a:t>Cuando</a:t>
+            </a:r>
+            <a:r>
+              <a:rPr lang="en-US" baseline="0" dirty="0" smtClean="0"/>
+              <a:t> un </a:t>
+            </a:r>
+            <a:r>
+              <a:rPr lang="en-US" baseline="0" dirty="0" err="1" smtClean="0"/>
+              <a:t>usuario</a:t>
+            </a:r>
+            <a:r>
+              <a:rPr lang="en-US" baseline="0" dirty="0" smtClean="0"/>
+              <a:t> se </a:t>
+            </a:r>
+            <a:r>
+              <a:rPr lang="en-US" baseline="0" dirty="0" err="1" smtClean="0"/>
+              <a:t>encuentra</a:t>
+            </a:r>
+            <a:r>
+              <a:rPr lang="en-US" baseline="0" dirty="0" smtClean="0"/>
+              <a:t> </a:t>
+            </a:r>
+            <a:r>
+              <a:rPr lang="en-US" baseline="0" dirty="0" err="1" smtClean="0"/>
+              <a:t>editando</a:t>
+            </a:r>
+            <a:r>
+              <a:rPr lang="en-US" baseline="0" dirty="0" smtClean="0"/>
+              <a:t> </a:t>
+            </a:r>
+            <a:r>
+              <a:rPr lang="en-US" baseline="0" dirty="0" err="1" smtClean="0"/>
+              <a:t>es</a:t>
+            </a:r>
+            <a:r>
+              <a:rPr lang="en-US" baseline="0" dirty="0" smtClean="0"/>
+              <a:t> </a:t>
+            </a:r>
+            <a:r>
+              <a:rPr lang="en-US" baseline="0" dirty="0" err="1" smtClean="0"/>
+              <a:t>comun</a:t>
+            </a:r>
+            <a:r>
+              <a:rPr lang="en-US" baseline="0" dirty="0" smtClean="0"/>
+              <a:t> </a:t>
+            </a:r>
+            <a:r>
+              <a:rPr lang="en-US" baseline="0" dirty="0" err="1" smtClean="0"/>
+              <a:t>que</a:t>
+            </a:r>
+            <a:r>
+              <a:rPr lang="en-US" baseline="0" dirty="0" smtClean="0"/>
+              <a:t> </a:t>
+            </a:r>
+            <a:r>
+              <a:rPr lang="en-US" baseline="0" dirty="0" err="1" smtClean="0"/>
+              <a:t>utilice</a:t>
+            </a:r>
+            <a:r>
+              <a:rPr lang="en-US" baseline="0" dirty="0" smtClean="0"/>
+              <a:t> la </a:t>
+            </a:r>
+            <a:r>
+              <a:rPr lang="en-US" baseline="0" dirty="0" err="1" smtClean="0"/>
+              <a:t>combinacion</a:t>
+            </a:r>
+            <a:r>
+              <a:rPr lang="en-US" baseline="0" dirty="0" smtClean="0"/>
+              <a:t> de </a:t>
+            </a:r>
+            <a:r>
+              <a:rPr lang="en-US" baseline="0" dirty="0" err="1" smtClean="0"/>
+              <a:t>teclas</a:t>
+            </a:r>
+            <a:r>
+              <a:rPr lang="en-US" baseline="0" dirty="0" smtClean="0"/>
+              <a:t> control-z </a:t>
+            </a:r>
+            <a:r>
+              <a:rPr lang="en-US" baseline="0" dirty="0" err="1" smtClean="0"/>
+              <a:t>para</a:t>
+            </a:r>
+            <a:r>
+              <a:rPr lang="en-US" baseline="0" dirty="0" smtClean="0"/>
+              <a:t> </a:t>
+            </a:r>
+            <a:r>
+              <a:rPr lang="en-US" baseline="0" dirty="0" err="1" smtClean="0"/>
+              <a:t>deshacer</a:t>
+            </a:r>
+            <a:r>
+              <a:rPr lang="en-US" baseline="0" dirty="0" smtClean="0"/>
+              <a:t> el </a:t>
+            </a:r>
+            <a:r>
+              <a:rPr lang="en-US" baseline="0" dirty="0" err="1" smtClean="0"/>
+              <a:t>último</a:t>
+            </a:r>
+            <a:r>
+              <a:rPr lang="en-US" baseline="0" dirty="0" smtClean="0"/>
+              <a:t> </a:t>
+            </a:r>
+            <a:r>
+              <a:rPr lang="en-US" baseline="0" dirty="0" err="1" smtClean="0"/>
+              <a:t>cambio</a:t>
+            </a:r>
+            <a:r>
+              <a:rPr lang="en-US" baseline="0" dirty="0" smtClean="0"/>
+              <a:t> </a:t>
+            </a:r>
+            <a:r>
+              <a:rPr lang="en-US" baseline="0" dirty="0" err="1" smtClean="0"/>
+              <a:t>que</a:t>
+            </a:r>
+            <a:r>
+              <a:rPr lang="en-US" baseline="0" dirty="0" smtClean="0"/>
+              <a:t> </a:t>
+            </a:r>
+            <a:r>
+              <a:rPr lang="en-US" baseline="0" dirty="0" err="1" smtClean="0"/>
+              <a:t>introdujo</a:t>
+            </a:r>
+            <a:r>
+              <a:rPr lang="en-US" baseline="0" dirty="0" smtClean="0"/>
+              <a:t>, </a:t>
+            </a:r>
+            <a:r>
+              <a:rPr lang="en-US" baseline="0" dirty="0" err="1" smtClean="0"/>
+              <a:t>ya</a:t>
+            </a:r>
+            <a:r>
+              <a:rPr lang="en-US" baseline="0" dirty="0" smtClean="0"/>
+              <a:t> sea </a:t>
+            </a:r>
+            <a:r>
+              <a:rPr lang="en-US" baseline="0" dirty="0" err="1" smtClean="0"/>
+              <a:t>por</a:t>
+            </a:r>
+            <a:r>
+              <a:rPr lang="en-US" baseline="0" dirty="0" smtClean="0"/>
+              <a:t> un error de </a:t>
+            </a:r>
+            <a:r>
+              <a:rPr lang="en-US" baseline="0" dirty="0" err="1" smtClean="0"/>
+              <a:t>tipeo</a:t>
+            </a:r>
+            <a:r>
+              <a:rPr lang="en-US" baseline="0" dirty="0" smtClean="0"/>
+              <a:t> u </a:t>
+            </a:r>
+            <a:r>
+              <a:rPr lang="en-US" baseline="0" dirty="0" err="1" smtClean="0"/>
+              <a:t>otra</a:t>
+            </a:r>
+            <a:r>
+              <a:rPr lang="en-US" baseline="0" dirty="0" smtClean="0"/>
+              <a:t> </a:t>
+            </a:r>
+            <a:r>
+              <a:rPr lang="en-US" baseline="0" dirty="0" err="1" smtClean="0"/>
+              <a:t>razon</a:t>
+            </a:r>
+            <a:r>
+              <a:rPr lang="en-US" baseline="0" dirty="0" smtClean="0"/>
+              <a:t>. La </a:t>
+            </a:r>
+            <a:r>
+              <a:rPr lang="en-US" baseline="0" dirty="0" err="1" smtClean="0"/>
+              <a:t>intencion</a:t>
+            </a:r>
+            <a:r>
+              <a:rPr lang="en-US" baseline="0" dirty="0" smtClean="0"/>
+              <a:t> del </a:t>
+            </a:r>
+            <a:r>
+              <a:rPr lang="en-US" baseline="0" dirty="0" err="1" smtClean="0"/>
+              <a:t>usuario</a:t>
+            </a:r>
+            <a:r>
+              <a:rPr lang="en-US" baseline="0" dirty="0" smtClean="0"/>
+              <a:t> </a:t>
+            </a:r>
+            <a:r>
+              <a:rPr lang="en-US" baseline="0" dirty="0" err="1" smtClean="0"/>
+              <a:t>es</a:t>
+            </a:r>
+            <a:r>
+              <a:rPr lang="en-US" baseline="0" dirty="0" smtClean="0"/>
+              <a:t> </a:t>
+            </a:r>
+            <a:r>
+              <a:rPr lang="en-US" baseline="0" dirty="0" err="1" smtClean="0"/>
+              <a:t>deshacer</a:t>
+            </a:r>
+            <a:r>
+              <a:rPr lang="en-US" baseline="0" dirty="0" smtClean="0"/>
+              <a:t> </a:t>
+            </a:r>
+            <a:r>
+              <a:rPr lang="en-US" baseline="0" dirty="0" err="1" smtClean="0"/>
+              <a:t>su</a:t>
+            </a:r>
+            <a:r>
+              <a:rPr lang="en-US" baseline="0" dirty="0" smtClean="0"/>
+              <a:t> ultimo </a:t>
+            </a:r>
+            <a:r>
+              <a:rPr lang="en-US" baseline="0" dirty="0" err="1" smtClean="0"/>
+              <a:t>cambio</a:t>
+            </a:r>
+            <a:r>
+              <a:rPr lang="en-US" baseline="0" dirty="0" smtClean="0"/>
+              <a:t> al </a:t>
+            </a:r>
+            <a:r>
+              <a:rPr lang="en-US" baseline="0" dirty="0" err="1" smtClean="0"/>
+              <a:t>documento</a:t>
+            </a:r>
+            <a:r>
+              <a:rPr lang="en-US" baseline="0" dirty="0" smtClean="0"/>
+              <a:t>. </a:t>
+            </a:r>
+            <a:r>
+              <a:rPr lang="en-US" baseline="0" dirty="0" err="1" smtClean="0"/>
+              <a:t>Sim</a:t>
+            </a:r>
+            <a:r>
+              <a:rPr lang="en-US" baseline="0" dirty="0" smtClean="0"/>
+              <a:t> embargo, </a:t>
+            </a:r>
+            <a:r>
+              <a:rPr lang="en-US" baseline="0" dirty="0" err="1" smtClean="0"/>
+              <a:t>es</a:t>
+            </a:r>
+            <a:r>
+              <a:rPr lang="en-US" baseline="0" dirty="0" smtClean="0"/>
+              <a:t> </a:t>
+            </a:r>
+            <a:r>
+              <a:rPr lang="en-US" baseline="0" dirty="0" err="1" smtClean="0"/>
+              <a:t>posible</a:t>
+            </a:r>
+            <a:r>
+              <a:rPr lang="en-US" baseline="0" dirty="0" smtClean="0"/>
+              <a:t> </a:t>
+            </a:r>
+            <a:r>
+              <a:rPr lang="en-US" baseline="0" dirty="0" err="1" smtClean="0"/>
+              <a:t>que</a:t>
+            </a:r>
+            <a:r>
+              <a:rPr lang="en-US" baseline="0" dirty="0" smtClean="0"/>
+              <a:t> </a:t>
+            </a:r>
+            <a:r>
+              <a:rPr lang="en-US" baseline="0" dirty="0" err="1" smtClean="0"/>
+              <a:t>otro</a:t>
+            </a:r>
+            <a:r>
+              <a:rPr lang="en-US" baseline="0" dirty="0" smtClean="0"/>
+              <a:t> </a:t>
+            </a:r>
+            <a:r>
+              <a:rPr lang="en-US" baseline="0" dirty="0" err="1" smtClean="0"/>
+              <a:t>usuario</a:t>
+            </a:r>
+            <a:r>
+              <a:rPr lang="en-US" baseline="0" dirty="0" smtClean="0"/>
+              <a:t> </a:t>
+            </a:r>
+            <a:r>
+              <a:rPr lang="en-US" baseline="0" dirty="0" err="1" smtClean="0"/>
+              <a:t>haya</a:t>
+            </a:r>
+            <a:r>
+              <a:rPr lang="en-US" baseline="0" dirty="0" smtClean="0"/>
+              <a:t> </a:t>
+            </a:r>
+            <a:r>
+              <a:rPr lang="en-US" baseline="0" dirty="0" err="1" smtClean="0"/>
+              <a:t>modificado</a:t>
+            </a:r>
+            <a:r>
+              <a:rPr lang="en-US" baseline="0" dirty="0" smtClean="0"/>
+              <a:t> el </a:t>
+            </a:r>
+            <a:r>
+              <a:rPr lang="en-US" baseline="0" dirty="0" err="1" smtClean="0"/>
+              <a:t>documento</a:t>
+            </a:r>
+            <a:r>
+              <a:rPr lang="en-US" baseline="0" dirty="0" smtClean="0"/>
+              <a:t> antes de </a:t>
+            </a:r>
+            <a:r>
+              <a:rPr lang="en-US" baseline="0" dirty="0" err="1" smtClean="0"/>
+              <a:t>que</a:t>
+            </a:r>
+            <a:r>
+              <a:rPr lang="en-US" baseline="0" dirty="0" smtClean="0"/>
+              <a:t> se </a:t>
+            </a:r>
+            <a:r>
+              <a:rPr lang="en-US" baseline="0" dirty="0" err="1" smtClean="0"/>
+              <a:t>intente</a:t>
+            </a:r>
+            <a:r>
+              <a:rPr lang="en-US" baseline="0" dirty="0" smtClean="0"/>
+              <a:t> </a:t>
+            </a:r>
+            <a:r>
+              <a:rPr lang="en-US" baseline="0" dirty="0" err="1" smtClean="0"/>
+              <a:t>deshacer</a:t>
+            </a:r>
+            <a:r>
+              <a:rPr lang="en-US" baseline="0" dirty="0" smtClean="0"/>
+              <a:t> la </a:t>
+            </a:r>
+            <a:r>
+              <a:rPr lang="en-US" baseline="0" dirty="0" err="1" smtClean="0"/>
+              <a:t>operación</a:t>
+            </a:r>
+            <a:r>
+              <a:rPr lang="en-US" baseline="0" dirty="0" smtClean="0"/>
+              <a:t>. A </a:t>
+            </a:r>
+            <a:r>
+              <a:rPr lang="en-US" baseline="0" dirty="0" err="1" smtClean="0"/>
+              <a:t>pesar</a:t>
+            </a:r>
+            <a:r>
+              <a:rPr lang="en-US" baseline="0" dirty="0" smtClean="0"/>
+              <a:t> de </a:t>
+            </a:r>
+            <a:r>
+              <a:rPr lang="en-US" baseline="0" dirty="0" err="1" smtClean="0"/>
+              <a:t>este</a:t>
+            </a:r>
+            <a:r>
+              <a:rPr lang="en-US" baseline="0" dirty="0" smtClean="0"/>
+              <a:t> </a:t>
+            </a:r>
+            <a:r>
+              <a:rPr lang="en-US" baseline="0" dirty="0" err="1" smtClean="0"/>
+              <a:t>cambio</a:t>
+            </a:r>
+            <a:r>
+              <a:rPr lang="en-US" baseline="0" dirty="0" smtClean="0"/>
+              <a:t>, la </a:t>
+            </a:r>
+            <a:r>
+              <a:rPr lang="en-US" baseline="0" dirty="0" err="1" smtClean="0"/>
+              <a:t>intencion</a:t>
+            </a:r>
+            <a:r>
+              <a:rPr lang="en-US" baseline="0" dirty="0" smtClean="0"/>
+              <a:t> del </a:t>
+            </a:r>
+            <a:r>
+              <a:rPr lang="en-US" baseline="0" dirty="0" err="1" smtClean="0"/>
+              <a:t>usuario</a:t>
+            </a:r>
+            <a:r>
+              <a:rPr lang="en-US" baseline="0" dirty="0" smtClean="0"/>
+              <a:t> </a:t>
+            </a:r>
+            <a:r>
+              <a:rPr lang="en-US" baseline="0" dirty="0" err="1" smtClean="0"/>
+              <a:t>es</a:t>
+            </a:r>
+            <a:r>
+              <a:rPr lang="en-US" baseline="0" dirty="0" smtClean="0"/>
+              <a:t> </a:t>
+            </a:r>
+            <a:r>
+              <a:rPr lang="en-US" baseline="0" dirty="0" err="1" smtClean="0"/>
+              <a:t>deshacer</a:t>
+            </a:r>
+            <a:r>
+              <a:rPr lang="en-US" baseline="0" dirty="0" smtClean="0"/>
+              <a:t> </a:t>
+            </a:r>
+            <a:r>
+              <a:rPr lang="en-US" baseline="0" dirty="0" err="1" smtClean="0"/>
+              <a:t>su</a:t>
+            </a:r>
+            <a:r>
+              <a:rPr lang="en-US" baseline="0" dirty="0" smtClean="0"/>
+              <a:t> </a:t>
+            </a:r>
+            <a:r>
+              <a:rPr lang="en-US" baseline="0" dirty="0" err="1" smtClean="0"/>
+              <a:t>cambio</a:t>
+            </a:r>
+            <a:r>
+              <a:rPr lang="en-US" baseline="0" dirty="0" smtClean="0"/>
+              <a:t> y no los </a:t>
+            </a:r>
+            <a:r>
+              <a:rPr lang="en-US" baseline="0" dirty="0" err="1" smtClean="0"/>
+              <a:t>generados</a:t>
+            </a:r>
+            <a:r>
+              <a:rPr lang="en-US" baseline="0" dirty="0" smtClean="0"/>
+              <a:t> </a:t>
+            </a:r>
+            <a:r>
+              <a:rPr lang="en-US" baseline="0" dirty="0" err="1" smtClean="0"/>
+              <a:t>por</a:t>
+            </a:r>
+            <a:r>
+              <a:rPr lang="en-US" baseline="0" dirty="0" smtClean="0"/>
+              <a:t> lo </a:t>
+            </a:r>
+            <a:r>
+              <a:rPr lang="en-US" baseline="0" dirty="0" err="1" smtClean="0"/>
+              <a:t>demás</a:t>
+            </a:r>
+            <a:r>
+              <a:rPr lang="en-US" baseline="0" dirty="0" smtClean="0"/>
+              <a:t> </a:t>
+            </a:r>
+            <a:r>
+              <a:rPr lang="en-US" baseline="0" dirty="0" err="1" smtClean="0"/>
+              <a:t>usuarios</a:t>
+            </a:r>
+            <a:r>
+              <a:rPr lang="en-US" baseline="0" dirty="0" smtClean="0"/>
+              <a:t>.</a:t>
+            </a:r>
+          </a:p>
+          <a:p>
+            <a:r>
+              <a:rPr lang="en-US" baseline="0" dirty="0" err="1" smtClean="0"/>
+              <a:t>Actualmente</a:t>
+            </a:r>
+            <a:r>
+              <a:rPr lang="en-US" baseline="0" dirty="0" smtClean="0"/>
+              <a:t> </a:t>
+            </a:r>
+            <a:r>
+              <a:rPr lang="en-US" baseline="0" dirty="0" err="1" smtClean="0"/>
+              <a:t>esta</a:t>
+            </a:r>
+            <a:r>
+              <a:rPr lang="en-US" baseline="0" dirty="0" smtClean="0"/>
+              <a:t> </a:t>
+            </a:r>
+            <a:r>
+              <a:rPr lang="en-US" baseline="0" dirty="0" err="1" smtClean="0"/>
+              <a:t>funcionalidad</a:t>
+            </a:r>
+            <a:r>
+              <a:rPr lang="en-US" baseline="0" dirty="0" smtClean="0"/>
+              <a:t> no </a:t>
+            </a:r>
+            <a:r>
+              <a:rPr lang="en-US" baseline="0" dirty="0" err="1" smtClean="0"/>
+              <a:t>está</a:t>
+            </a:r>
+            <a:r>
+              <a:rPr lang="en-US" baseline="0" dirty="0" smtClean="0"/>
+              <a:t> </a:t>
+            </a:r>
+            <a:r>
+              <a:rPr lang="en-US" baseline="0" dirty="0" err="1" smtClean="0"/>
+              <a:t>implementada</a:t>
+            </a:r>
+            <a:r>
+              <a:rPr lang="en-US" baseline="0" dirty="0" smtClean="0"/>
+              <a:t>.</a:t>
+            </a:r>
+          </a:p>
+          <a:p>
+            <a:endParaRPr lang="en-US" baseline="0" dirty="0" smtClean="0"/>
+          </a:p>
+          <a:p>
+            <a:r>
+              <a:rPr lang="en-US" dirty="0" err="1" smtClean="0"/>
+              <a:t>Permitir</a:t>
+            </a:r>
+            <a:r>
+              <a:rPr lang="en-US" baseline="0" dirty="0" smtClean="0"/>
+              <a:t> </a:t>
+            </a:r>
+            <a:r>
+              <a:rPr lang="en-US" baseline="0" dirty="0" err="1" smtClean="0"/>
+              <a:t>que</a:t>
+            </a:r>
+            <a:r>
+              <a:rPr lang="en-US" baseline="0" dirty="0" smtClean="0"/>
+              <a:t> los </a:t>
+            </a:r>
+            <a:r>
+              <a:rPr lang="en-US" baseline="0" dirty="0" err="1" smtClean="0"/>
+              <a:t>usuarios</a:t>
+            </a:r>
+            <a:r>
+              <a:rPr lang="en-US" baseline="0" dirty="0" smtClean="0"/>
+              <a:t> </a:t>
+            </a:r>
+            <a:r>
+              <a:rPr lang="en-US" baseline="0" dirty="0" err="1" smtClean="0"/>
+              <a:t>ingresen</a:t>
+            </a:r>
+            <a:r>
+              <a:rPr lang="en-US" baseline="0" dirty="0" smtClean="0"/>
+              <a:t> </a:t>
+            </a:r>
+            <a:r>
+              <a:rPr lang="en-US" baseline="0" dirty="0" err="1" smtClean="0"/>
+              <a:t>nombre</a:t>
+            </a:r>
+            <a:r>
+              <a:rPr lang="en-US" baseline="0" dirty="0" smtClean="0"/>
+              <a:t> de </a:t>
+            </a:r>
+            <a:r>
+              <a:rPr lang="en-US" baseline="0" dirty="0" err="1" smtClean="0"/>
+              <a:t>usuario</a:t>
+            </a:r>
+            <a:r>
+              <a:rPr lang="en-US" baseline="0" dirty="0" smtClean="0"/>
+              <a:t> y </a:t>
+            </a:r>
+            <a:r>
+              <a:rPr lang="en-US" baseline="0" dirty="0" err="1" smtClean="0"/>
+              <a:t>contraseña</a:t>
+            </a:r>
+            <a:r>
+              <a:rPr lang="en-US" baseline="0" dirty="0" smtClean="0"/>
+              <a:t> </a:t>
+            </a:r>
+            <a:r>
+              <a:rPr lang="en-US" baseline="0" dirty="0" err="1" smtClean="0"/>
+              <a:t>para</a:t>
+            </a:r>
+            <a:r>
+              <a:rPr lang="en-US" baseline="0" dirty="0" smtClean="0"/>
+              <a:t> </a:t>
+            </a:r>
+            <a:r>
+              <a:rPr lang="en-US" baseline="0" dirty="0" err="1" smtClean="0"/>
+              <a:t>poder</a:t>
+            </a:r>
+            <a:r>
+              <a:rPr lang="en-US" baseline="0" dirty="0" smtClean="0"/>
+              <a:t> </a:t>
+            </a:r>
+            <a:r>
+              <a:rPr lang="en-US" baseline="0" dirty="0" err="1" smtClean="0"/>
+              <a:t>editar</a:t>
+            </a:r>
+            <a:r>
+              <a:rPr lang="en-US" baseline="0" dirty="0" smtClean="0"/>
+              <a:t> </a:t>
+            </a:r>
+            <a:r>
+              <a:rPr lang="en-US" baseline="0" dirty="0" err="1" smtClean="0"/>
+              <a:t>documentos</a:t>
+            </a:r>
+            <a:r>
+              <a:rPr lang="en-US" baseline="0" dirty="0" smtClean="0"/>
+              <a:t>. </a:t>
+            </a:r>
+            <a:r>
+              <a:rPr lang="en-US" baseline="0" dirty="0" err="1" smtClean="0"/>
+              <a:t>Esto</a:t>
+            </a:r>
+            <a:r>
+              <a:rPr lang="en-US" baseline="0" dirty="0" smtClean="0"/>
+              <a:t> </a:t>
+            </a:r>
+            <a:r>
+              <a:rPr lang="en-US" baseline="0" dirty="0" err="1" smtClean="0"/>
+              <a:t>permitiría</a:t>
+            </a:r>
+            <a:r>
+              <a:rPr lang="en-US" baseline="0" dirty="0" smtClean="0"/>
+              <a:t> </a:t>
+            </a:r>
+            <a:r>
+              <a:rPr lang="en-US" baseline="0" dirty="0" err="1" smtClean="0"/>
+              <a:t>poseer</a:t>
+            </a:r>
+            <a:r>
+              <a:rPr lang="en-US" baseline="0" dirty="0" smtClean="0"/>
+              <a:t> un control </a:t>
+            </a:r>
+            <a:r>
+              <a:rPr lang="en-US" baseline="0" dirty="0" err="1" smtClean="0"/>
+              <a:t>sobre</a:t>
+            </a:r>
+            <a:r>
+              <a:rPr lang="en-US" baseline="0" dirty="0" smtClean="0"/>
+              <a:t> </a:t>
+            </a:r>
+            <a:r>
+              <a:rPr lang="en-US" baseline="0" dirty="0" err="1" smtClean="0"/>
+              <a:t>que</a:t>
+            </a:r>
+            <a:r>
+              <a:rPr lang="en-US" baseline="0" dirty="0" smtClean="0"/>
+              <a:t> </a:t>
+            </a:r>
+            <a:r>
+              <a:rPr lang="en-US" baseline="0" dirty="0" err="1" smtClean="0"/>
+              <a:t>usuarios</a:t>
+            </a:r>
+            <a:r>
+              <a:rPr lang="en-US" baseline="0" dirty="0" smtClean="0"/>
+              <a:t> </a:t>
+            </a:r>
+            <a:r>
+              <a:rPr lang="en-US" baseline="0" dirty="0" err="1" smtClean="0"/>
+              <a:t>acceden</a:t>
+            </a:r>
+            <a:r>
+              <a:rPr lang="en-US" baseline="0" dirty="0" smtClean="0"/>
+              <a:t> a </a:t>
+            </a:r>
+            <a:r>
+              <a:rPr lang="en-US" baseline="0" dirty="0" err="1" smtClean="0"/>
+              <a:t>que</a:t>
+            </a:r>
+            <a:r>
+              <a:rPr lang="en-US" baseline="0" dirty="0" smtClean="0"/>
+              <a:t> </a:t>
+            </a:r>
+            <a:r>
+              <a:rPr lang="en-US" baseline="0" dirty="0" err="1" smtClean="0"/>
+              <a:t>documentos</a:t>
+            </a:r>
+            <a:r>
+              <a:rPr lang="en-US" baseline="0" dirty="0" smtClean="0"/>
+              <a:t>.</a:t>
+            </a:r>
+          </a:p>
+          <a:p>
+            <a:endParaRPr lang="en-US" baseline="0" dirty="0" smtClean="0"/>
+          </a:p>
+          <a:p>
+            <a:r>
+              <a:rPr lang="en-US" baseline="0" dirty="0" err="1" smtClean="0"/>
+              <a:t>Integrar</a:t>
+            </a:r>
+            <a:r>
+              <a:rPr lang="en-US" baseline="0" dirty="0" smtClean="0"/>
+              <a:t> la </a:t>
+            </a:r>
+            <a:r>
+              <a:rPr lang="en-US" baseline="0" dirty="0" err="1" smtClean="0"/>
+              <a:t>solucion</a:t>
+            </a:r>
+            <a:r>
+              <a:rPr lang="en-US" baseline="0" dirty="0" smtClean="0"/>
+              <a:t> </a:t>
+            </a:r>
+            <a:r>
+              <a:rPr lang="en-US" baseline="0" dirty="0" err="1" smtClean="0"/>
+              <a:t>desarrollada</a:t>
+            </a:r>
+            <a:r>
+              <a:rPr lang="en-US" baseline="0" dirty="0" smtClean="0"/>
+              <a:t> a </a:t>
+            </a:r>
+            <a:r>
+              <a:rPr lang="en-US" baseline="0" dirty="0" err="1" smtClean="0"/>
+              <a:t>otros</a:t>
+            </a:r>
+            <a:r>
+              <a:rPr lang="en-US" baseline="0" dirty="0" smtClean="0"/>
+              <a:t> IDEs </a:t>
+            </a:r>
+            <a:r>
+              <a:rPr lang="en-US" baseline="0" dirty="0" err="1" smtClean="0"/>
+              <a:t>ya</a:t>
+            </a:r>
+            <a:r>
+              <a:rPr lang="en-US" baseline="0" dirty="0" smtClean="0"/>
+              <a:t> </a:t>
+            </a:r>
+            <a:r>
+              <a:rPr lang="en-US" baseline="0" dirty="0" err="1" smtClean="0"/>
+              <a:t>que</a:t>
+            </a:r>
+            <a:r>
+              <a:rPr lang="en-US" baseline="0" dirty="0" smtClean="0"/>
+              <a:t> </a:t>
+            </a:r>
+            <a:r>
+              <a:rPr lang="en-US" baseline="0" dirty="0" err="1" smtClean="0"/>
+              <a:t>es</a:t>
+            </a:r>
+            <a:r>
+              <a:rPr lang="en-US" baseline="0" dirty="0" smtClean="0"/>
+              <a:t> </a:t>
+            </a:r>
+            <a:r>
+              <a:rPr lang="en-US" baseline="0" dirty="0" err="1" smtClean="0"/>
+              <a:t>muy</a:t>
+            </a:r>
+            <a:r>
+              <a:rPr lang="en-US" baseline="0" dirty="0" smtClean="0"/>
+              <a:t> </a:t>
+            </a:r>
+            <a:r>
+              <a:rPr lang="en-US" baseline="0" dirty="0" err="1" smtClean="0"/>
+              <a:t>comun</a:t>
+            </a:r>
+            <a:r>
+              <a:rPr lang="en-US" baseline="0" dirty="0" smtClean="0"/>
+              <a:t> </a:t>
+            </a:r>
+            <a:r>
+              <a:rPr lang="en-US" baseline="0" dirty="0" err="1" smtClean="0"/>
+              <a:t>que</a:t>
+            </a:r>
+            <a:r>
+              <a:rPr lang="en-US" baseline="0" dirty="0" smtClean="0"/>
+              <a:t> </a:t>
+            </a:r>
+            <a:r>
+              <a:rPr lang="en-US" baseline="0" dirty="0" err="1" smtClean="0"/>
+              <a:t>soporten</a:t>
+            </a:r>
+            <a:r>
+              <a:rPr lang="en-US" baseline="0" dirty="0" smtClean="0"/>
+              <a:t> el </a:t>
+            </a:r>
+            <a:r>
+              <a:rPr lang="en-US" baseline="0" dirty="0" err="1" smtClean="0"/>
+              <a:t>agregado</a:t>
+            </a:r>
+            <a:r>
+              <a:rPr lang="en-US" baseline="0" dirty="0" smtClean="0"/>
+              <a:t> de </a:t>
+            </a:r>
+            <a:r>
+              <a:rPr lang="en-US" baseline="0" dirty="0" err="1" smtClean="0"/>
+              <a:t>funcionalidad</a:t>
+            </a:r>
+            <a:r>
+              <a:rPr lang="en-US" baseline="0" dirty="0" smtClean="0"/>
+              <a:t> </a:t>
+            </a:r>
+            <a:r>
+              <a:rPr lang="en-US" baseline="0" dirty="0" err="1" smtClean="0"/>
+              <a:t>mediante</a:t>
+            </a:r>
+            <a:r>
+              <a:rPr lang="en-US" baseline="0" dirty="0" smtClean="0"/>
+              <a:t> </a:t>
+            </a:r>
+            <a:r>
+              <a:rPr lang="en-US" baseline="0" dirty="0" err="1" smtClean="0"/>
+              <a:t>plugins</a:t>
+            </a:r>
+            <a:r>
+              <a:rPr lang="en-US" baseline="0" dirty="0" smtClean="0"/>
+              <a:t>.</a:t>
+            </a:r>
+          </a:p>
+          <a:p>
+            <a:endParaRPr lang="en-US" baseline="0" dirty="0" smtClean="0"/>
+          </a:p>
+          <a:p>
+            <a:r>
+              <a:rPr lang="en-US" dirty="0" err="1" smtClean="0"/>
+              <a:t>Permitir</a:t>
+            </a:r>
+            <a:r>
+              <a:rPr lang="en-US" baseline="0" dirty="0" smtClean="0"/>
+              <a:t> el </a:t>
+            </a:r>
+            <a:r>
+              <a:rPr lang="en-US" baseline="0" dirty="0" err="1" smtClean="0"/>
+              <a:t>uso</a:t>
+            </a:r>
+            <a:r>
+              <a:rPr lang="en-US" baseline="0" dirty="0" smtClean="0"/>
+              <a:t> del </a:t>
+            </a:r>
+            <a:r>
+              <a:rPr lang="en-US" baseline="0" dirty="0" err="1" smtClean="0"/>
+              <a:t>presente</a:t>
+            </a:r>
+            <a:r>
+              <a:rPr lang="en-US" baseline="0" dirty="0" smtClean="0"/>
+              <a:t> </a:t>
+            </a:r>
+            <a:r>
+              <a:rPr lang="en-US" baseline="0" dirty="0" err="1" smtClean="0"/>
+              <a:t>producto</a:t>
+            </a:r>
+            <a:r>
+              <a:rPr lang="en-US" baseline="0" dirty="0" smtClean="0"/>
+              <a:t> en </a:t>
+            </a:r>
+            <a:r>
+              <a:rPr lang="en-US" baseline="0" dirty="0" err="1" smtClean="0"/>
+              <a:t>otros</a:t>
+            </a:r>
+            <a:r>
+              <a:rPr lang="en-US" baseline="0" dirty="0" smtClean="0"/>
+              <a:t> </a:t>
+            </a:r>
+            <a:r>
+              <a:rPr lang="en-US" baseline="0" dirty="0" err="1" smtClean="0"/>
+              <a:t>tipos</a:t>
+            </a:r>
+            <a:r>
+              <a:rPr lang="en-US" baseline="0" dirty="0" smtClean="0"/>
+              <a:t> de </a:t>
+            </a:r>
+            <a:r>
+              <a:rPr lang="en-US" baseline="0" dirty="0" err="1" smtClean="0"/>
+              <a:t>modelos</a:t>
+            </a:r>
+            <a:r>
+              <a:rPr lang="en-US" baseline="0" dirty="0" smtClean="0"/>
+              <a:t>, </a:t>
+            </a:r>
+            <a:r>
+              <a:rPr lang="en-US" baseline="0" dirty="0" err="1" smtClean="0"/>
+              <a:t>como</a:t>
+            </a:r>
+            <a:r>
+              <a:rPr lang="en-US" baseline="0" dirty="0" smtClean="0"/>
+              <a:t> </a:t>
+            </a:r>
+            <a:r>
+              <a:rPr lang="en-US" baseline="0" dirty="0" err="1" smtClean="0"/>
+              <a:t>por</a:t>
+            </a:r>
+            <a:r>
+              <a:rPr lang="en-US" baseline="0" dirty="0" smtClean="0"/>
+              <a:t> </a:t>
+            </a:r>
+            <a:r>
+              <a:rPr lang="en-US" baseline="0" dirty="0" err="1" smtClean="0"/>
+              <a:t>ejemplo</a:t>
+            </a:r>
+            <a:r>
+              <a:rPr lang="en-US" baseline="0" dirty="0" smtClean="0"/>
+              <a:t> el </a:t>
+            </a:r>
+            <a:r>
+              <a:rPr lang="en-US" baseline="0" dirty="0" err="1" smtClean="0"/>
+              <a:t>uso</a:t>
+            </a:r>
+            <a:r>
+              <a:rPr lang="en-US" baseline="0" dirty="0" smtClean="0"/>
+              <a:t> en </a:t>
+            </a:r>
+            <a:r>
+              <a:rPr lang="en-US" baseline="0" dirty="0" err="1" smtClean="0"/>
+              <a:t>pizarras</a:t>
+            </a:r>
+            <a:r>
+              <a:rPr lang="en-US" baseline="0" dirty="0" smtClean="0"/>
+              <a:t> de </a:t>
+            </a:r>
+            <a:r>
+              <a:rPr lang="en-US" baseline="0" dirty="0" err="1" smtClean="0"/>
+              <a:t>dibujo</a:t>
+            </a:r>
+            <a:r>
+              <a:rPr lang="en-US" baseline="0" dirty="0" smtClean="0"/>
+              <a:t> </a:t>
+            </a:r>
+            <a:r>
+              <a:rPr lang="en-US" baseline="0" dirty="0" err="1" smtClean="0"/>
+              <a:t>compartidas</a:t>
+            </a:r>
+            <a:r>
+              <a:rPr lang="en-US" baseline="0" dirty="0" smtClean="0"/>
+              <a:t> entre </a:t>
+            </a:r>
+            <a:r>
+              <a:rPr lang="en-US" baseline="0" dirty="0" err="1" smtClean="0"/>
+              <a:t>usuarios</a:t>
+            </a:r>
+            <a:r>
+              <a:rPr lang="en-US" baseline="0" dirty="0" smtClean="0"/>
+              <a:t>.</a:t>
+            </a:r>
+          </a:p>
+          <a:p>
+            <a:endParaRPr lang="en-US" baseline="0" dirty="0" smtClean="0"/>
+          </a:p>
+          <a:p>
+            <a:r>
+              <a:rPr lang="en-US" baseline="0" dirty="0" err="1" smtClean="0"/>
+              <a:t>Implementar</a:t>
+            </a:r>
+            <a:r>
+              <a:rPr lang="en-US" baseline="0" dirty="0" smtClean="0"/>
+              <a:t> un </a:t>
+            </a:r>
+            <a:r>
+              <a:rPr lang="en-US" baseline="0" dirty="0" err="1" smtClean="0"/>
+              <a:t>mecanismo</a:t>
+            </a:r>
+            <a:r>
+              <a:rPr lang="en-US" baseline="0" dirty="0" smtClean="0"/>
+              <a:t> de </a:t>
+            </a:r>
+            <a:r>
+              <a:rPr lang="en-US" baseline="0" dirty="0" err="1" smtClean="0"/>
+              <a:t>cifrado</a:t>
+            </a:r>
+            <a:r>
+              <a:rPr lang="en-US" baseline="0" dirty="0" smtClean="0"/>
+              <a:t> de </a:t>
+            </a:r>
+            <a:r>
+              <a:rPr lang="en-US" baseline="0" dirty="0" err="1" smtClean="0"/>
+              <a:t>datos</a:t>
+            </a:r>
+            <a:r>
+              <a:rPr lang="en-US" baseline="0" dirty="0" smtClean="0"/>
+              <a:t> </a:t>
+            </a:r>
+            <a:r>
+              <a:rPr lang="en-US" baseline="0" dirty="0" err="1" smtClean="0"/>
+              <a:t>si</a:t>
+            </a:r>
+            <a:r>
+              <a:rPr lang="en-US" baseline="0" dirty="0" smtClean="0"/>
+              <a:t> se </a:t>
+            </a:r>
+            <a:r>
+              <a:rPr lang="en-US" baseline="0" dirty="0" err="1" smtClean="0"/>
+              <a:t>va</a:t>
+            </a:r>
+            <a:r>
+              <a:rPr lang="en-US" baseline="0" dirty="0" smtClean="0"/>
+              <a:t> a </a:t>
+            </a:r>
+            <a:r>
+              <a:rPr lang="en-US" baseline="0" dirty="0" err="1" smtClean="0"/>
+              <a:t>utilizar</a:t>
+            </a:r>
+            <a:r>
+              <a:rPr lang="en-US" baseline="0" dirty="0" smtClean="0"/>
+              <a:t> </a:t>
+            </a:r>
+            <a:r>
+              <a:rPr lang="en-US" baseline="0" dirty="0" err="1" smtClean="0"/>
+              <a:t>para</a:t>
+            </a:r>
+            <a:r>
+              <a:rPr lang="en-US" baseline="0" dirty="0" smtClean="0"/>
+              <a:t> </a:t>
+            </a:r>
+            <a:r>
+              <a:rPr lang="en-US" baseline="0" dirty="0" err="1" smtClean="0"/>
+              <a:t>transmitir</a:t>
+            </a:r>
+            <a:r>
+              <a:rPr lang="en-US" baseline="0" dirty="0" smtClean="0"/>
+              <a:t> </a:t>
+            </a:r>
+            <a:r>
+              <a:rPr lang="en-US" baseline="0" dirty="0" err="1" smtClean="0"/>
+              <a:t>información</a:t>
+            </a:r>
+            <a:r>
+              <a:rPr lang="en-US" baseline="0" dirty="0" smtClean="0"/>
+              <a:t> sensible.</a:t>
+            </a:r>
+            <a:endParaRPr lang="es-AR" dirty="0"/>
+          </a:p>
+        </p:txBody>
+      </p:sp>
+      <p:sp>
+        <p:nvSpPr>
+          <p:cNvPr id="4" name="3 Marcador de número de diapositiva"/>
+          <p:cNvSpPr>
+            <a:spLocks noGrp="1"/>
+          </p:cNvSpPr>
+          <p:nvPr>
+            <p:ph type="sldNum" sz="quarter" idx="10"/>
+          </p:nvPr>
+        </p:nvSpPr>
+        <p:spPr/>
+        <p:txBody>
+          <a:bodyPr/>
+          <a:lstStyle/>
+          <a:p>
+            <a:fld id="{3BCBAC67-084D-419D-A89D-D7FC2C09E238}" type="slidenum">
+              <a:rPr lang="es-AR" smtClean="0"/>
+              <a:pPr/>
+              <a:t>16</a:t>
             </a:fld>
             <a:endParaRPr lang="es-AR"/>
           </a:p>
@@ -2289,11 +5197,7 @@
             </a:r>
             <a:r>
               <a:rPr lang="es-AR" baseline="0" dirty="0" smtClean="0"/>
-              <a:t>, etc.) además de la operación que se realizó</a:t>
-            </a:r>
-            <a:r>
-              <a:rPr lang="es-AR" baseline="0" dirty="0" smtClean="0"/>
-              <a:t>.</a:t>
+              <a:t>, etc.) además de la operación que se realizó.</a:t>
             </a:r>
           </a:p>
           <a:p>
@@ -2305,7 +5209,6 @@
               <a:rPr lang="es-AR" baseline="0" dirty="0" smtClean="0"/>
               <a:t>El circuito básico del algoritmo es el siguiente:</a:t>
             </a:r>
-            <a:endParaRPr lang="es-AR" baseline="0" dirty="0" smtClean="0"/>
           </a:p>
           <a:p>
             <a:pPr>
@@ -2324,15 +5227,7 @@
             </a:pPr>
             <a:r>
               <a:rPr lang="es-AR" baseline="0" dirty="0" smtClean="0"/>
-              <a:t>En cada ubicación cuando se recibe un mensaje se debe analizar la operación que éste contiene, transformarla y </a:t>
-            </a:r>
-            <a:r>
-              <a:rPr lang="es-AR" baseline="0" dirty="0" smtClean="0"/>
-              <a:t>recién hecho </a:t>
-            </a:r>
-            <a:r>
-              <a:rPr lang="es-AR" baseline="0" dirty="0" smtClean="0"/>
-              <a:t>esto puede ser aplicada localmente.</a:t>
+              <a:t>En cada ubicación cuando se recibe un mensaje se debe analizar la operación que éste contiene, transformarla y recién hecho esto puede ser aplicada localmente.</a:t>
             </a:r>
           </a:p>
           <a:p>
@@ -10425,7 +13320,7 @@
           <p:nvPr/>
         </p:nvPicPr>
         <p:blipFill>
-          <a:blip r:embed="rId2"/>
+          <a:blip r:embed="rId3"/>
           <a:stretch>
             <a:fillRect/>
           </a:stretch>
@@ -10474,7 +13369,7 @@
           <p:nvPr/>
         </p:nvPicPr>
         <p:blipFill>
-          <a:blip r:embed="rId3"/>
+          <a:blip r:embed="rId4"/>
           <a:stretch>
             <a:fillRect/>
           </a:stretch>
@@ -10498,7 +13393,7 @@
           <p:nvPr/>
         </p:nvPicPr>
         <p:blipFill>
-          <a:blip r:embed="rId4"/>
+          <a:blip r:embed="rId5"/>
           <a:srcRect b="28921"/>
           <a:stretch>
             <a:fillRect/>
@@ -10523,7 +13418,7 @@
           <p:nvPr/>
         </p:nvPicPr>
         <p:blipFill>
-          <a:blip r:embed="rId5"/>
+          <a:blip r:embed="rId6"/>
           <a:stretch>
             <a:fillRect/>
           </a:stretch>
@@ -10547,7 +13442,7 @@
           <p:nvPr/>
         </p:nvPicPr>
         <p:blipFill>
-          <a:blip r:embed="rId6"/>
+          <a:blip r:embed="rId7"/>
           <a:stretch>
             <a:fillRect/>
           </a:stretch>
@@ -10571,7 +13466,7 @@
           <p:nvPr/>
         </p:nvPicPr>
         <p:blipFill>
-          <a:blip r:embed="rId7"/>
+          <a:blip r:embed="rId8"/>
           <a:stretch>
             <a:fillRect/>
           </a:stretch>
@@ -10595,7 +13490,7 @@
           <p:nvPr/>
         </p:nvPicPr>
         <p:blipFill>
-          <a:blip r:embed="rId8"/>
+          <a:blip r:embed="rId9"/>
           <a:stretch>
             <a:fillRect/>
           </a:stretch>
@@ -10619,7 +13514,7 @@
           <p:nvPr/>
         </p:nvPicPr>
         <p:blipFill>
-          <a:blip r:embed="rId9"/>
+          <a:blip r:embed="rId10"/>
           <a:stretch>
             <a:fillRect/>
           </a:stretch>
@@ -10800,7 +13695,7 @@
           <p:nvPr/>
         </p:nvPicPr>
         <p:blipFill>
-          <a:blip r:embed="rId2" cstate="print"/>
+          <a:blip r:embed="rId3" cstate="print"/>
           <a:stretch>
             <a:fillRect/>
           </a:stretch>
@@ -10933,7 +13828,7 @@
           <p:nvPr/>
         </p:nvPicPr>
         <p:blipFill>
-          <a:blip r:embed="rId2"/>
+          <a:blip r:embed="rId3"/>
           <a:stretch>
             <a:fillRect/>
           </a:stretch>
@@ -11012,7 +13907,7 @@
           <p:nvPr/>
         </p:nvPicPr>
         <p:blipFill>
-          <a:blip r:embed="rId2"/>
+          <a:blip r:embed="rId3"/>
           <a:stretch>
             <a:fillRect/>
           </a:stretch>
@@ -11036,7 +13931,7 @@
           <p:nvPr/>
         </p:nvPicPr>
         <p:blipFill>
-          <a:blip r:embed="rId3" cstate="print"/>
+          <a:blip r:embed="rId4" cstate="print"/>
           <a:stretch>
             <a:fillRect/>
           </a:stretch>
@@ -11120,13 +14015,11 @@
           <a:p>
             <a:r>
               <a:rPr lang="es-ES" dirty="0" smtClean="0"/>
-              <a:t>Optimización del uso de red.</a:t>
-            </a:r>
-          </a:p>
-          <a:p>
+              <a:t>Integración </a:t>
+            </a:r>
             <a:r>
               <a:rPr lang="es-ES" dirty="0" smtClean="0"/>
-              <a:t>Integración con otros </a:t>
+              <a:t>con otros </a:t>
             </a:r>
             <a:r>
               <a:rPr lang="es-ES" dirty="0" err="1" smtClean="0"/>
@@ -11185,7 +14078,7 @@
           <p:nvPr/>
         </p:nvPicPr>
         <p:blipFill>
-          <a:blip r:embed="rId2"/>
+          <a:blip r:embed="rId3"/>
           <a:stretch>
             <a:fillRect/>
           </a:stretch>
@@ -15089,13 +17982,8 @@
           <a:p>
             <a:r>
               <a:rPr lang="es-ES" dirty="0" smtClean="0"/>
-              <a:t>Originalmente se implementaron operaciones borrar e insertar de más de un </a:t>
-            </a:r>
-            <a:r>
-              <a:rPr lang="es-ES" dirty="0" smtClean="0"/>
-              <a:t>carácter.</a:t>
-            </a:r>
-            <a:endParaRPr lang="es-ES" dirty="0" smtClean="0"/>
+              <a:t>Originalmente se implementaron operaciones borrar e insertar de más de un carácter.</a:t>
+            </a:r>
           </a:p>
           <a:p>
             <a:r>
@@ -15108,15 +17996,7 @@
             </a:r>
             <a:r>
               <a:rPr lang="es-ES" dirty="0" smtClean="0"/>
-              <a:t> utilizado* haciendo uso de operaciones borrar e insertar de un </a:t>
-            </a:r>
-            <a:r>
-              <a:rPr lang="es-ES" dirty="0" smtClean="0"/>
-              <a:t>carácter </a:t>
-            </a:r>
-            <a:r>
-              <a:rPr lang="es-ES" dirty="0" smtClean="0"/>
-              <a:t>de longitud.</a:t>
+              <a:t> utilizado* haciendo uso de operaciones borrar e insertar de un carácter de longitud.</a:t>
             </a:r>
           </a:p>
           <a:p>

--- a/doc/presentacion/presentacion.pptx
+++ b/doc/presentacion/presentacion.pptx
@@ -3962,6 +3962,755 @@
               <a:rPr lang="es-AR" smtClean="0"/>
               <a:pPr/>
               <a:t>16</a:t>
+            </a:fld>
+            <a:endParaRPr lang="es-AR"/>
+          </a:p>
+        </p:txBody>
+      </p:sp>
+    </p:spTree>
+  </p:cSld>
+  <p:clrMapOvr>
+    <a:masterClrMapping/>
+  </p:clrMapOvr>
+</p:notes>
+</file>
+
+<file path=ppt/notesSlides/notesSlide17.xml><?xml version="1.0" encoding="utf-8"?>
+<p:notes xmlns:a="http://schemas.openxmlformats.org/drawingml/2006/main" xmlns:r="http://schemas.openxmlformats.org/officeDocument/2006/relationships" xmlns:p="http://schemas.openxmlformats.org/presentationml/2006/main">
+  <p:cSld>
+    <p:spTree>
+      <p:nvGrpSpPr>
+        <p:cNvPr id="1" name=""/>
+        <p:cNvGrpSpPr/>
+        <p:nvPr/>
+      </p:nvGrpSpPr>
+      <p:grpSpPr>
+        <a:xfrm>
+          <a:off x="0" y="0"/>
+          <a:ext cx="0" cy="0"/>
+          <a:chOff x="0" y="0"/>
+          <a:chExt cx="0" cy="0"/>
+        </a:xfrm>
+      </p:grpSpPr>
+      <p:sp>
+        <p:nvSpPr>
+          <p:cNvPr id="2" name="1 Marcador de imagen de diapositiva"/>
+          <p:cNvSpPr>
+            <a:spLocks noGrp="1" noRot="1" noChangeAspect="1"/>
+          </p:cNvSpPr>
+          <p:nvPr>
+            <p:ph type="sldImg"/>
+          </p:nvPr>
+        </p:nvSpPr>
+        <p:spPr/>
+      </p:sp>
+      <p:sp>
+        <p:nvSpPr>
+          <p:cNvPr id="3" name="2 Marcador de notas"/>
+          <p:cNvSpPr>
+            <a:spLocks noGrp="1"/>
+          </p:cNvSpPr>
+          <p:nvPr>
+            <p:ph type="body" idx="1"/>
+          </p:nvPr>
+        </p:nvSpPr>
+        <p:spPr/>
+        <p:txBody>
+          <a:bodyPr>
+            <a:normAutofit/>
+          </a:bodyPr>
+          <a:lstStyle/>
+          <a:p>
+            <a:pPr marL="228600" indent="-228600">
+              <a:buAutoNum type="arabicParenR"/>
+            </a:pPr>
+            <a:r>
+              <a:rPr lang="en-US" dirty="0" smtClean="0"/>
+              <a:t>El </a:t>
+            </a:r>
+            <a:r>
+              <a:rPr lang="en-US" dirty="0" err="1" smtClean="0"/>
+              <a:t>modelo</a:t>
+            </a:r>
+            <a:r>
+              <a:rPr lang="en-US" dirty="0" smtClean="0"/>
+              <a:t> de </a:t>
+            </a:r>
+            <a:r>
+              <a:rPr lang="en-US" dirty="0" err="1" smtClean="0"/>
+              <a:t>actores</a:t>
+            </a:r>
+            <a:r>
+              <a:rPr lang="en-US" dirty="0" smtClean="0"/>
+              <a:t> </a:t>
+            </a:r>
+            <a:r>
+              <a:rPr lang="en-US" dirty="0" err="1" smtClean="0"/>
+              <a:t>provee</a:t>
+            </a:r>
+            <a:r>
+              <a:rPr lang="en-US" dirty="0" smtClean="0"/>
+              <a:t> un </a:t>
+            </a:r>
+            <a:r>
+              <a:rPr lang="en-US" dirty="0" err="1" smtClean="0"/>
+              <a:t>nivel</a:t>
+            </a:r>
+            <a:r>
+              <a:rPr lang="en-US" dirty="0" smtClean="0"/>
+              <a:t> de </a:t>
+            </a:r>
+            <a:r>
+              <a:rPr lang="en-US" dirty="0" err="1" smtClean="0"/>
+              <a:t>abstracción</a:t>
+            </a:r>
+            <a:r>
+              <a:rPr lang="en-US" dirty="0" smtClean="0"/>
+              <a:t> mucho mayor en </a:t>
+            </a:r>
+            <a:r>
+              <a:rPr lang="en-US" dirty="0" err="1" smtClean="0"/>
+              <a:t>comparación</a:t>
+            </a:r>
+            <a:r>
+              <a:rPr lang="en-US" baseline="0" dirty="0" smtClean="0"/>
+              <a:t> con el </a:t>
+            </a:r>
+            <a:r>
+              <a:rPr lang="en-US" baseline="0" dirty="0" err="1" smtClean="0"/>
+              <a:t>modelo</a:t>
+            </a:r>
+            <a:r>
+              <a:rPr lang="en-US" baseline="0" dirty="0" smtClean="0"/>
+              <a:t> </a:t>
+            </a:r>
+            <a:r>
+              <a:rPr lang="en-US" dirty="0" smtClean="0"/>
+              <a:t>de threads.</a:t>
+            </a:r>
+          </a:p>
+          <a:p>
+            <a:pPr marL="228600" indent="-228600">
+              <a:buAutoNum type="arabicParenR"/>
+            </a:pPr>
+            <a:r>
+              <a:rPr lang="en-US" dirty="0" smtClean="0"/>
+              <a:t>En</a:t>
+            </a:r>
+            <a:r>
+              <a:rPr lang="en-US" baseline="0" dirty="0" smtClean="0"/>
+              <a:t> </a:t>
+            </a:r>
+            <a:r>
+              <a:rPr lang="en-US" baseline="0" dirty="0" err="1" smtClean="0"/>
+              <a:t>este</a:t>
+            </a:r>
+            <a:r>
+              <a:rPr lang="en-US" baseline="0" dirty="0" smtClean="0"/>
+              <a:t> </a:t>
+            </a:r>
+            <a:r>
+              <a:rPr lang="en-US" baseline="0" dirty="0" err="1" smtClean="0"/>
+              <a:t>último</a:t>
+            </a:r>
+            <a:r>
+              <a:rPr lang="en-US" baseline="0" dirty="0" smtClean="0"/>
+              <a:t> </a:t>
+            </a:r>
+            <a:r>
+              <a:rPr lang="en-US" baseline="0" dirty="0" err="1" smtClean="0"/>
+              <a:t>tiempo</a:t>
+            </a:r>
+            <a:r>
+              <a:rPr lang="en-US" baseline="0" dirty="0" smtClean="0"/>
+              <a:t>, </a:t>
+            </a:r>
+            <a:r>
+              <a:rPr lang="en-US" baseline="0" dirty="0" err="1" smtClean="0"/>
+              <a:t>aprox</a:t>
+            </a:r>
+            <a:r>
+              <a:rPr lang="en-US" baseline="0" dirty="0" smtClean="0"/>
+              <a:t>. 5 o 6 </a:t>
+            </a:r>
+            <a:r>
+              <a:rPr lang="en-US" baseline="0" dirty="0" err="1" smtClean="0"/>
+              <a:t>años</a:t>
+            </a:r>
+            <a:r>
+              <a:rPr lang="en-US" baseline="0" dirty="0" smtClean="0"/>
+              <a:t>, </a:t>
+            </a:r>
+            <a:r>
+              <a:rPr lang="en-US" baseline="0" dirty="0" err="1" smtClean="0"/>
+              <a:t>nacieron</a:t>
+            </a:r>
+            <a:r>
+              <a:rPr lang="en-US" baseline="0" dirty="0" smtClean="0"/>
+              <a:t> </a:t>
+            </a:r>
+            <a:r>
+              <a:rPr lang="en-US" baseline="0" dirty="0" err="1" smtClean="0"/>
+              <a:t>varios</a:t>
+            </a:r>
+            <a:r>
+              <a:rPr lang="en-US" baseline="0" dirty="0" smtClean="0"/>
+              <a:t> </a:t>
+            </a:r>
+            <a:r>
+              <a:rPr lang="en-US" baseline="0" dirty="0" err="1" smtClean="0"/>
+              <a:t>nuevo</a:t>
+            </a:r>
+            <a:r>
+              <a:rPr lang="en-US" baseline="0" dirty="0" smtClean="0"/>
+              <a:t> </a:t>
+            </a:r>
+            <a:r>
+              <a:rPr lang="en-US" baseline="0" dirty="0" err="1" smtClean="0"/>
+              <a:t>lenguajes</a:t>
+            </a:r>
+            <a:r>
+              <a:rPr lang="en-US" baseline="0" dirty="0" smtClean="0"/>
+              <a:t> </a:t>
+            </a:r>
+            <a:r>
+              <a:rPr lang="en-US" baseline="0" dirty="0" err="1" smtClean="0"/>
+              <a:t>que</a:t>
+            </a:r>
+            <a:r>
+              <a:rPr lang="en-US" baseline="0" dirty="0" smtClean="0"/>
+              <a:t> </a:t>
+            </a:r>
+            <a:r>
+              <a:rPr lang="en-US" baseline="0" dirty="0" err="1" smtClean="0"/>
+              <a:t>corren</a:t>
+            </a:r>
+            <a:r>
+              <a:rPr lang="en-US" baseline="0" dirty="0" smtClean="0"/>
+              <a:t> </a:t>
+            </a:r>
+            <a:r>
+              <a:rPr lang="en-US" baseline="0" dirty="0" err="1" smtClean="0"/>
+              <a:t>sobre</a:t>
+            </a:r>
+            <a:r>
+              <a:rPr lang="en-US" baseline="0" dirty="0" smtClean="0"/>
+              <a:t> la JVM. En </a:t>
+            </a:r>
+            <a:r>
+              <a:rPr lang="en-US" baseline="0" dirty="0" err="1" smtClean="0"/>
+              <a:t>gral</a:t>
+            </a:r>
+            <a:r>
+              <a:rPr lang="en-US" baseline="0" dirty="0" smtClean="0"/>
+              <a:t> </a:t>
+            </a:r>
+            <a:r>
+              <a:rPr lang="en-US" baseline="0" dirty="0" err="1" smtClean="0"/>
+              <a:t>incorporan</a:t>
+            </a:r>
+            <a:r>
+              <a:rPr lang="en-US" baseline="0" dirty="0" smtClean="0"/>
+              <a:t> </a:t>
+            </a:r>
+            <a:r>
+              <a:rPr lang="en-US" baseline="0" dirty="0" err="1" smtClean="0"/>
+              <a:t>conceptos</a:t>
+            </a:r>
+            <a:r>
+              <a:rPr lang="en-US" baseline="0" dirty="0" smtClean="0"/>
+              <a:t> de </a:t>
+            </a:r>
+            <a:r>
+              <a:rPr lang="en-US" baseline="0" dirty="0" err="1" smtClean="0"/>
+              <a:t>diversos</a:t>
+            </a:r>
+            <a:r>
+              <a:rPr lang="en-US" baseline="0" dirty="0" smtClean="0"/>
+              <a:t> </a:t>
+            </a:r>
+            <a:r>
+              <a:rPr lang="en-US" baseline="0" dirty="0" err="1" smtClean="0"/>
+              <a:t>paradigmas</a:t>
+            </a:r>
+            <a:r>
+              <a:rPr lang="en-US" baseline="0" dirty="0" smtClean="0"/>
+              <a:t> </a:t>
+            </a:r>
+            <a:r>
+              <a:rPr lang="en-US" baseline="0" dirty="0" err="1" smtClean="0"/>
+              <a:t>que</a:t>
+            </a:r>
+            <a:r>
+              <a:rPr lang="en-US" baseline="0" dirty="0" smtClean="0"/>
+              <a:t> </a:t>
+            </a:r>
+            <a:r>
+              <a:rPr lang="en-US" baseline="0" dirty="0" err="1" smtClean="0"/>
+              <a:t>facilitan</a:t>
+            </a:r>
+            <a:r>
+              <a:rPr lang="en-US" baseline="0" dirty="0" smtClean="0"/>
+              <a:t> el </a:t>
+            </a:r>
+            <a:r>
+              <a:rPr lang="en-US" baseline="0" dirty="0" err="1" smtClean="0"/>
+              <a:t>desarrollo</a:t>
+            </a:r>
+            <a:r>
+              <a:rPr lang="en-US" baseline="0" dirty="0" smtClean="0"/>
+              <a:t>.</a:t>
+            </a:r>
+          </a:p>
+          <a:p>
+            <a:pPr marL="228600" indent="-228600">
+              <a:buAutoNum type="arabicParenR"/>
+            </a:pPr>
+            <a:r>
+              <a:rPr lang="en-US" baseline="0" dirty="0" smtClean="0"/>
+              <a:t>Los </a:t>
+            </a:r>
+            <a:r>
+              <a:rPr lang="en-US" baseline="0" dirty="0" err="1" smtClean="0"/>
+              <a:t>modelos</a:t>
+            </a:r>
+            <a:r>
+              <a:rPr lang="en-US" baseline="0" dirty="0" smtClean="0"/>
+              <a:t> </a:t>
+            </a:r>
+            <a:r>
+              <a:rPr lang="en-US" baseline="0" dirty="0" err="1" smtClean="0"/>
+              <a:t>para</a:t>
+            </a:r>
+            <a:r>
+              <a:rPr lang="en-US" baseline="0" dirty="0" smtClean="0"/>
+              <a:t> la </a:t>
+            </a:r>
+            <a:r>
+              <a:rPr lang="en-US" baseline="0" dirty="0" err="1" smtClean="0"/>
+              <a:t>implementación</a:t>
+            </a:r>
+            <a:r>
+              <a:rPr lang="en-US" baseline="0" dirty="0" smtClean="0"/>
+              <a:t> de </a:t>
+            </a:r>
+            <a:r>
+              <a:rPr lang="en-US" baseline="0" dirty="0" err="1" smtClean="0"/>
+              <a:t>sistemas</a:t>
+            </a:r>
+            <a:r>
+              <a:rPr lang="en-US" baseline="0" dirty="0" smtClean="0"/>
+              <a:t> </a:t>
+            </a:r>
+            <a:r>
+              <a:rPr lang="en-US" baseline="0" dirty="0" err="1" smtClean="0"/>
+              <a:t>colaborativos</a:t>
+            </a:r>
+            <a:r>
+              <a:rPr lang="en-US" baseline="0" dirty="0" smtClean="0"/>
+              <a:t> </a:t>
+            </a:r>
+            <a:r>
+              <a:rPr lang="en-US" baseline="0" dirty="0" err="1" smtClean="0"/>
+              <a:t>esta</a:t>
+            </a:r>
+            <a:r>
+              <a:rPr lang="en-US" baseline="0" dirty="0" smtClean="0"/>
+              <a:t> en </a:t>
+            </a:r>
+            <a:r>
+              <a:rPr lang="en-US" baseline="0" dirty="0" err="1" smtClean="0"/>
+              <a:t>constante</a:t>
+            </a:r>
+            <a:r>
+              <a:rPr lang="en-US" baseline="0" dirty="0" smtClean="0"/>
+              <a:t> </a:t>
+            </a:r>
+            <a:r>
+              <a:rPr lang="en-US" baseline="0" dirty="0" err="1" smtClean="0"/>
+              <a:t>crecimiento</a:t>
+            </a:r>
+            <a:r>
+              <a:rPr lang="en-US" baseline="0" dirty="0" smtClean="0"/>
+              <a:t> y </a:t>
+            </a:r>
+            <a:r>
+              <a:rPr lang="en-US" baseline="0" dirty="0" err="1" smtClean="0"/>
+              <a:t>evolución</a:t>
+            </a:r>
+            <a:r>
+              <a:rPr lang="en-US" baseline="0" dirty="0" smtClean="0"/>
+              <a:t>. Durante el </a:t>
+            </a:r>
+            <a:r>
+              <a:rPr lang="en-US" baseline="0" dirty="0" err="1" smtClean="0"/>
+              <a:t>desarrollo</a:t>
+            </a:r>
+            <a:r>
+              <a:rPr lang="en-US" baseline="0" dirty="0" smtClean="0"/>
+              <a:t> de </a:t>
+            </a:r>
+            <a:r>
+              <a:rPr lang="en-US" baseline="0" dirty="0" err="1" smtClean="0"/>
+              <a:t>este</a:t>
+            </a:r>
+            <a:r>
+              <a:rPr lang="en-US" baseline="0" dirty="0" smtClean="0"/>
+              <a:t> </a:t>
+            </a:r>
+            <a:r>
+              <a:rPr lang="en-US" baseline="0" dirty="0" err="1" smtClean="0"/>
+              <a:t>proyecto</a:t>
+            </a:r>
+            <a:r>
+              <a:rPr lang="en-US" baseline="0" dirty="0" smtClean="0"/>
+              <a:t> se </a:t>
+            </a:r>
+            <a:r>
+              <a:rPr lang="en-US" baseline="0" dirty="0" err="1" smtClean="0"/>
+              <a:t>encontraron</a:t>
+            </a:r>
+            <a:r>
+              <a:rPr lang="en-US" baseline="0" dirty="0" smtClean="0"/>
+              <a:t> </a:t>
+            </a:r>
+            <a:r>
+              <a:rPr lang="en-US" baseline="0" dirty="0" err="1" smtClean="0"/>
+              <a:t>muchas</a:t>
+            </a:r>
+            <a:r>
+              <a:rPr lang="en-US" baseline="0" dirty="0" smtClean="0"/>
+              <a:t> </a:t>
+            </a:r>
+            <a:r>
+              <a:rPr lang="en-US" baseline="0" dirty="0" err="1" smtClean="0"/>
+              <a:t>publicaciones</a:t>
+            </a:r>
+            <a:r>
+              <a:rPr lang="en-US" baseline="0" dirty="0" smtClean="0"/>
+              <a:t> la </a:t>
+            </a:r>
+            <a:r>
+              <a:rPr lang="en-US" baseline="0" dirty="0" err="1" smtClean="0"/>
+              <a:t>cual</a:t>
+            </a:r>
+            <a:r>
+              <a:rPr lang="en-US" baseline="0" dirty="0" smtClean="0"/>
+              <a:t> </a:t>
+            </a:r>
+            <a:r>
+              <a:rPr lang="en-US" baseline="0" dirty="0" err="1" smtClean="0"/>
+              <a:t>proponene</a:t>
+            </a:r>
+            <a:r>
+              <a:rPr lang="en-US" baseline="0" dirty="0" smtClean="0"/>
+              <a:t> </a:t>
+            </a:r>
+            <a:r>
+              <a:rPr lang="en-US" baseline="0" dirty="0" err="1" smtClean="0"/>
+              <a:t>soluciones</a:t>
+            </a:r>
+            <a:r>
+              <a:rPr lang="en-US" baseline="0" dirty="0" smtClean="0"/>
+              <a:t> a </a:t>
+            </a:r>
+            <a:r>
+              <a:rPr lang="en-US" baseline="0" dirty="0" err="1" smtClean="0"/>
+              <a:t>problemas</a:t>
+            </a:r>
+            <a:r>
+              <a:rPr lang="en-US" baseline="0" dirty="0" smtClean="0"/>
+              <a:t> de la </a:t>
+            </a:r>
+            <a:r>
+              <a:rPr lang="en-US" baseline="0" dirty="0" err="1" smtClean="0"/>
+              <a:t>naturaleza</a:t>
+            </a:r>
+            <a:r>
+              <a:rPr lang="en-US" baseline="0" dirty="0" smtClean="0"/>
+              <a:t> de </a:t>
+            </a:r>
+            <a:r>
+              <a:rPr lang="en-US" baseline="0" dirty="0" err="1" smtClean="0"/>
+              <a:t>edición</a:t>
+            </a:r>
+            <a:r>
+              <a:rPr lang="en-US" baseline="0" dirty="0" smtClean="0"/>
+              <a:t> en </a:t>
+            </a:r>
+            <a:r>
+              <a:rPr lang="en-US" baseline="0" dirty="0" err="1" smtClean="0"/>
+              <a:t>tiempo</a:t>
+            </a:r>
+            <a:r>
+              <a:rPr lang="en-US" baseline="0" dirty="0" smtClean="0"/>
+              <a:t> real.</a:t>
+            </a:r>
+            <a:endParaRPr lang="en-US" u="sng" baseline="0" dirty="0" smtClean="0"/>
+          </a:p>
+          <a:p>
+            <a:pPr marL="228600" indent="-228600">
+              <a:buAutoNum type="arabicParenR"/>
+            </a:pPr>
+            <a:r>
+              <a:rPr lang="en-US" u="none" baseline="0" dirty="0" smtClean="0"/>
+              <a:t>El feedback de </a:t>
+            </a:r>
+            <a:r>
+              <a:rPr lang="en-US" u="none" baseline="0" dirty="0" err="1" smtClean="0"/>
+              <a:t>nuestros</a:t>
+            </a:r>
+            <a:r>
+              <a:rPr lang="en-US" u="none" baseline="0" dirty="0" smtClean="0"/>
+              <a:t> </a:t>
+            </a:r>
+            <a:r>
+              <a:rPr lang="en-US" u="none" baseline="0" dirty="0" err="1" smtClean="0"/>
+              <a:t>colegas</a:t>
+            </a:r>
+            <a:r>
+              <a:rPr lang="en-US" u="none" baseline="0" dirty="0" smtClean="0"/>
+              <a:t> </a:t>
+            </a:r>
+            <a:r>
+              <a:rPr lang="en-US" u="none" baseline="0" dirty="0" err="1" smtClean="0"/>
+              <a:t>es</a:t>
+            </a:r>
+            <a:r>
+              <a:rPr lang="en-US" u="none" baseline="0" dirty="0" smtClean="0"/>
+              <a:t> </a:t>
+            </a:r>
+            <a:r>
+              <a:rPr lang="en-US" u="none" baseline="0" dirty="0" err="1" smtClean="0"/>
+              <a:t>cada</a:t>
+            </a:r>
+            <a:r>
+              <a:rPr lang="en-US" u="none" baseline="0" dirty="0" smtClean="0"/>
+              <a:t> </a:t>
+            </a:r>
+            <a:r>
+              <a:rPr lang="en-US" u="none" baseline="0" dirty="0" err="1" smtClean="0"/>
+              <a:t>vez</a:t>
+            </a:r>
+            <a:r>
+              <a:rPr lang="en-US" u="none" baseline="0" dirty="0" smtClean="0"/>
+              <a:t> </a:t>
+            </a:r>
+            <a:r>
+              <a:rPr lang="en-US" u="none" baseline="0" dirty="0" err="1" smtClean="0"/>
+              <a:t>más</a:t>
+            </a:r>
+            <a:r>
+              <a:rPr lang="en-US" u="none" baseline="0" dirty="0" smtClean="0"/>
+              <a:t> </a:t>
+            </a:r>
+            <a:r>
+              <a:rPr lang="en-US" u="none" baseline="0" dirty="0" err="1" smtClean="0"/>
+              <a:t>importante</a:t>
+            </a:r>
+            <a:r>
+              <a:rPr lang="en-US" u="none" baseline="0" dirty="0" smtClean="0"/>
+              <a:t> de </a:t>
+            </a:r>
+            <a:r>
+              <a:rPr lang="en-US" u="none" baseline="0" dirty="0" err="1" smtClean="0"/>
+              <a:t>modo</a:t>
+            </a:r>
+            <a:r>
+              <a:rPr lang="en-US" u="none" baseline="0" dirty="0" smtClean="0"/>
+              <a:t> de </a:t>
+            </a:r>
+            <a:r>
+              <a:rPr lang="en-US" u="none" baseline="0" dirty="0" err="1" smtClean="0"/>
+              <a:t>poder</a:t>
+            </a:r>
+            <a:r>
+              <a:rPr lang="en-US" u="none" baseline="0" dirty="0" smtClean="0"/>
+              <a:t> </a:t>
+            </a:r>
+            <a:r>
+              <a:rPr lang="en-US" u="none" baseline="0" dirty="0" err="1" smtClean="0"/>
+              <a:t>garantizar</a:t>
+            </a:r>
+            <a:r>
+              <a:rPr lang="en-US" u="none" baseline="0" dirty="0" smtClean="0"/>
+              <a:t> la </a:t>
+            </a:r>
+            <a:r>
+              <a:rPr lang="en-US" u="none" baseline="0" dirty="0" err="1" smtClean="0"/>
+              <a:t>calidad</a:t>
+            </a:r>
+            <a:r>
+              <a:rPr lang="en-US" u="none" baseline="0" dirty="0" smtClean="0"/>
+              <a:t> de lo </a:t>
+            </a:r>
+            <a:r>
+              <a:rPr lang="en-US" u="none" baseline="0" dirty="0" err="1" smtClean="0"/>
+              <a:t>que</a:t>
+            </a:r>
+            <a:r>
+              <a:rPr lang="en-US" u="none" baseline="0" dirty="0" smtClean="0"/>
+              <a:t> </a:t>
+            </a:r>
+            <a:r>
+              <a:rPr lang="en-US" u="none" baseline="0" dirty="0" err="1" smtClean="0"/>
+              <a:t>desarrollamos</a:t>
+            </a:r>
+            <a:r>
+              <a:rPr lang="en-US" u="none" baseline="0" dirty="0" smtClean="0"/>
+              <a:t>. </a:t>
+            </a:r>
+            <a:r>
+              <a:rPr lang="en-US" u="none" baseline="0" dirty="0" err="1" smtClean="0"/>
+              <a:t>Herramientas</a:t>
+            </a:r>
+            <a:r>
+              <a:rPr lang="en-US" u="none" baseline="0" dirty="0" smtClean="0"/>
+              <a:t> </a:t>
+            </a:r>
+            <a:r>
+              <a:rPr lang="en-US" u="none" baseline="0" dirty="0" err="1" smtClean="0"/>
+              <a:t>como</a:t>
+            </a:r>
+            <a:r>
+              <a:rPr lang="en-US" u="none" baseline="0" dirty="0" smtClean="0"/>
+              <a:t> la </a:t>
+            </a:r>
+            <a:r>
+              <a:rPr lang="en-US" u="none" baseline="0" dirty="0" err="1" smtClean="0"/>
+              <a:t>que</a:t>
+            </a:r>
+            <a:r>
+              <a:rPr lang="en-US" u="none" baseline="0" dirty="0" smtClean="0"/>
+              <a:t> se </a:t>
+            </a:r>
+            <a:r>
+              <a:rPr lang="en-US" u="none" baseline="0" dirty="0" err="1" smtClean="0"/>
+              <a:t>presenta</a:t>
+            </a:r>
+            <a:r>
+              <a:rPr lang="en-US" u="none" baseline="0" dirty="0" smtClean="0"/>
+              <a:t> </a:t>
+            </a:r>
+            <a:r>
+              <a:rPr lang="en-US" u="none" baseline="0" dirty="0" err="1" smtClean="0"/>
+              <a:t>aquí</a:t>
+            </a:r>
+            <a:r>
+              <a:rPr lang="en-US" u="none" baseline="0" dirty="0" smtClean="0"/>
+              <a:t> </a:t>
+            </a:r>
+            <a:r>
+              <a:rPr lang="en-US" u="none" baseline="0" dirty="0" err="1" smtClean="0"/>
+              <a:t>facilita</a:t>
+            </a:r>
+            <a:r>
+              <a:rPr lang="en-US" u="none" baseline="0" dirty="0" smtClean="0"/>
+              <a:t> la </a:t>
+            </a:r>
+            <a:r>
+              <a:rPr lang="en-US" u="none" baseline="0" dirty="0" err="1" smtClean="0"/>
+              <a:t>generación</a:t>
+            </a:r>
+            <a:r>
+              <a:rPr lang="en-US" u="none" baseline="0" dirty="0" smtClean="0"/>
+              <a:t> de feedback </a:t>
+            </a:r>
+            <a:r>
+              <a:rPr lang="en-US" u="none" baseline="0" dirty="0" err="1" smtClean="0"/>
+              <a:t>haciendo</a:t>
+            </a:r>
+            <a:r>
+              <a:rPr lang="en-US" u="none" baseline="0" dirty="0" smtClean="0"/>
+              <a:t> </a:t>
+            </a:r>
+            <a:r>
+              <a:rPr lang="en-US" u="none" baseline="0" dirty="0" err="1" smtClean="0"/>
+              <a:t>que</a:t>
+            </a:r>
+            <a:r>
+              <a:rPr lang="en-US" u="none" baseline="0" dirty="0" smtClean="0"/>
+              <a:t> </a:t>
+            </a:r>
+            <a:r>
+              <a:rPr lang="en-US" u="none" baseline="0" dirty="0" err="1" smtClean="0"/>
+              <a:t>las</a:t>
+            </a:r>
+            <a:r>
+              <a:rPr lang="en-US" u="none" baseline="0" dirty="0" smtClean="0"/>
+              <a:t> </a:t>
+            </a:r>
+            <a:r>
+              <a:rPr lang="en-US" u="none" baseline="0" dirty="0" err="1" smtClean="0"/>
+              <a:t>tareas</a:t>
+            </a:r>
+            <a:r>
+              <a:rPr lang="en-US" u="none" baseline="0" dirty="0" smtClean="0"/>
+              <a:t> </a:t>
+            </a:r>
+            <a:r>
+              <a:rPr lang="en-US" u="none" baseline="0" dirty="0" err="1" smtClean="0"/>
+              <a:t>sean</a:t>
+            </a:r>
+            <a:r>
+              <a:rPr lang="en-US" u="none" baseline="0" dirty="0" smtClean="0"/>
+              <a:t> </a:t>
+            </a:r>
+            <a:r>
+              <a:rPr lang="en-US" u="none" baseline="0" dirty="0" err="1" smtClean="0"/>
+              <a:t>mas</a:t>
+            </a:r>
+            <a:r>
+              <a:rPr lang="en-US" u="none" baseline="0" dirty="0" smtClean="0"/>
+              <a:t> </a:t>
+            </a:r>
+            <a:r>
+              <a:rPr lang="en-US" u="none" baseline="0" dirty="0" err="1" smtClean="0"/>
+              <a:t>rápidas</a:t>
+            </a:r>
+            <a:r>
+              <a:rPr lang="en-US" u="none" baseline="0" dirty="0" smtClean="0"/>
+              <a:t> de </a:t>
+            </a:r>
+            <a:r>
+              <a:rPr lang="en-US" u="none" baseline="0" dirty="0" err="1" smtClean="0"/>
+              <a:t>llevar</a:t>
+            </a:r>
+            <a:r>
+              <a:rPr lang="en-US" u="none" baseline="0" dirty="0" smtClean="0"/>
+              <a:t> a </a:t>
+            </a:r>
+            <a:r>
+              <a:rPr lang="en-US" u="none" baseline="0" dirty="0" err="1" smtClean="0"/>
+              <a:t>cabo</a:t>
+            </a:r>
+            <a:r>
+              <a:rPr lang="en-US" u="none" baseline="0" dirty="0" smtClean="0"/>
+              <a:t>.</a:t>
+            </a:r>
+            <a:endParaRPr lang="es-AR" u="none" dirty="0"/>
+          </a:p>
+        </p:txBody>
+      </p:sp>
+      <p:sp>
+        <p:nvSpPr>
+          <p:cNvPr id="4" name="3 Marcador de número de diapositiva"/>
+          <p:cNvSpPr>
+            <a:spLocks noGrp="1"/>
+          </p:cNvSpPr>
+          <p:nvPr>
+            <p:ph type="sldNum" sz="quarter" idx="10"/>
+          </p:nvPr>
+        </p:nvSpPr>
+        <p:spPr/>
+        <p:txBody>
+          <a:bodyPr/>
+          <a:lstStyle/>
+          <a:p>
+            <a:fld id="{3BCBAC67-084D-419D-A89D-D7FC2C09E238}" type="slidenum">
+              <a:rPr lang="es-AR" smtClean="0"/>
+              <a:pPr/>
+              <a:t>17</a:t>
             </a:fld>
             <a:endParaRPr lang="es-AR"/>
           </a:p>
@@ -14199,7 +14948,7 @@
           <p:nvPr/>
         </p:nvPicPr>
         <p:blipFill>
-          <a:blip r:embed="rId2"/>
+          <a:blip r:embed="rId3"/>
           <a:stretch>
             <a:fillRect/>
           </a:stretch>

--- a/doc/presentacion/presentacion.pptx
+++ b/doc/presentacion/presentacion.pptx
@@ -211,7 +211,7 @@
             <a:fld id="{53A9BA33-61B4-4CB5-A056-C0C55B1A2ED8}" type="datetimeFigureOut">
               <a:rPr lang="es-AR" smtClean="0"/>
               <a:pPr/>
-              <a:t>19/12/2010</a:t>
+              <a:t>27/12/2010</a:t>
             </a:fld>
             <a:endParaRPr lang="es-AR"/>
           </a:p>
@@ -689,11 +689,7 @@
             </a:r>
             <a:r>
               <a:rPr lang="es-ES" baseline="0" dirty="0" smtClean="0"/>
-              <a:t>s </a:t>
-            </a:r>
-            <a:r>
-              <a:rPr lang="es-ES" baseline="0" dirty="0" smtClean="0"/>
-              <a:t>a analizar el ejemplo de la animación anterior pero mostrando como la inclusión del algoritmo de sincronización funciona para lograr la convergencia.</a:t>
+              <a:t>s a analizar el ejemplo de la animación anterior pero mostrando como la inclusión del algoritmo de sincronización funciona para lograr la convergencia.</a:t>
             </a:r>
           </a:p>
           <a:p>
@@ -1164,15 +1160,19 @@
             </a:r>
             <a:r>
               <a:rPr lang="en-US" baseline="0" dirty="0" smtClean="0"/>
+              <a:t> to Peer </a:t>
+            </a:r>
+            <a:r>
+              <a:rPr lang="en-US" baseline="0" dirty="0" err="1" smtClean="0"/>
+              <a:t>es</a:t>
+            </a:r>
+            <a:r>
+              <a:rPr lang="en-US" baseline="0" dirty="0" smtClean="0"/>
               <a:t> </a:t>
             </a:r>
             <a:r>
-              <a:rPr lang="en-US" baseline="0" dirty="0" smtClean="0"/>
-              <a:t>to Peer </a:t>
-            </a:r>
-            <a:r>
-              <a:rPr lang="en-US" baseline="0" dirty="0" err="1" smtClean="0"/>
-              <a:t>es</a:t>
+              <a:rPr lang="en-US" baseline="0" dirty="0" err="1" smtClean="0"/>
+              <a:t>más</a:t>
             </a:r>
             <a:r>
               <a:rPr lang="en-US" baseline="0" dirty="0" smtClean="0"/>
@@ -1180,23 +1180,11 @@
             </a:r>
             <a:r>
               <a:rPr lang="en-US" baseline="0" dirty="0" err="1" smtClean="0"/>
-              <a:t>más</a:t>
-            </a:r>
-            <a:r>
-              <a:rPr lang="en-US" baseline="0" dirty="0" smtClean="0"/>
-              <a:t> </a:t>
-            </a:r>
-            <a:r>
-              <a:rPr lang="en-US" baseline="0" dirty="0" err="1" smtClean="0"/>
               <a:t>facilmente</a:t>
             </a:r>
             <a:r>
               <a:rPr lang="en-US" baseline="0" dirty="0" smtClean="0"/>
-              <a:t> </a:t>
-            </a:r>
-            <a:r>
-              <a:rPr lang="en-US" baseline="0" dirty="0" smtClean="0"/>
-              <a:t>configurable y no </a:t>
+              <a:t> configurable y no </a:t>
             </a:r>
             <a:r>
               <a:rPr lang="en-US" baseline="0" dirty="0" err="1" smtClean="0"/>
@@ -6801,7 +6789,7 @@
             <a:fld id="{47C9B81F-C347-4BEF-BFDF-29C42F48304A}" type="datetimeFigureOut">
               <a:rPr lang="en-US" smtClean="0"/>
               <a:pPr/>
-              <a:t>12/19/2010</a:t>
+              <a:t>12/27/2010</a:t>
             </a:fld>
             <a:endParaRPr lang="en-US">
               <a:solidFill>
@@ -6894,6 +6882,9 @@
   <p:clrMapOvr>
     <a:masterClrMapping/>
   </p:clrMapOvr>
+  <p:transition>
+    <p:fade/>
+  </p:transition>
 </p:sldLayout>
 </file>
 
@@ -7018,7 +7009,7 @@
             <a:fld id="{47C9B81F-C347-4BEF-BFDF-29C42F48304A}" type="datetimeFigureOut">
               <a:rPr lang="en-US" smtClean="0"/>
               <a:pPr/>
-              <a:t>12/19/2010</a:t>
+              <a:t>12/27/2010</a:t>
             </a:fld>
             <a:endParaRPr lang="en-US">
               <a:solidFill>
@@ -7095,6 +7086,9 @@
   <p:clrMapOvr>
     <a:masterClrMapping/>
   </p:clrMapOvr>
+  <p:transition>
+    <p:fade/>
+  </p:transition>
 </p:sldLayout>
 </file>
 
@@ -7224,7 +7218,7 @@
             <a:fld id="{47C9B81F-C347-4BEF-BFDF-29C42F48304A}" type="datetimeFigureOut">
               <a:rPr lang="en-US" smtClean="0"/>
               <a:pPr/>
-              <a:t>12/19/2010</a:t>
+              <a:t>12/27/2010</a:t>
             </a:fld>
             <a:endParaRPr lang="en-US">
               <a:solidFill>
@@ -7301,6 +7295,9 @@
   <p:clrMapOvr>
     <a:masterClrMapping/>
   </p:clrMapOvr>
+  <p:transition>
+    <p:fade/>
+  </p:transition>
 </p:sldLayout>
 </file>
 
@@ -7395,7 +7392,7 @@
             <a:fld id="{47C9B81F-C347-4BEF-BFDF-29C42F48304A}" type="datetimeFigureOut">
               <a:rPr lang="en-US" smtClean="0"/>
               <a:pPr/>
-              <a:t>12/19/2010</a:t>
+              <a:t>12/27/2010</a:t>
             </a:fld>
             <a:endParaRPr lang="en-US">
               <a:solidFill>
@@ -7497,6 +7494,9 @@
   <p:clrMapOvr>
     <a:masterClrMapping/>
   </p:clrMapOvr>
+  <p:transition>
+    <p:fade/>
+  </p:transition>
 </p:sldLayout>
 </file>
 
@@ -7671,7 +7671,7 @@
             <a:fld id="{47C9B81F-C347-4BEF-BFDF-29C42F48304A}" type="datetimeFigureOut">
               <a:rPr lang="en-US" smtClean="0"/>
               <a:pPr/>
-              <a:t>12/19/2010</a:t>
+              <a:t>12/27/2010</a:t>
             </a:fld>
             <a:endParaRPr lang="en-US">
               <a:solidFill>
@@ -7908,6 +7908,9 @@
   <p:clrMapOvr>
     <a:overrideClrMapping bg1="dk1" tx1="lt1" bg2="dk2" tx2="lt2" accent1="accent1" accent2="accent2" accent3="accent3" accent4="accent4" accent5="accent5" accent6="accent6" hlink="hlink" folHlink="folHlink"/>
   </p:clrMapOvr>
+  <p:transition>
+    <p:fade/>
+  </p:transition>
 </p:sldLayout>
 </file>
 
@@ -8101,7 +8104,7 @@
             <a:fld id="{47C9B81F-C347-4BEF-BFDF-29C42F48304A}" type="datetimeFigureOut">
               <a:rPr lang="en-US" smtClean="0"/>
               <a:pPr/>
-              <a:t>12/19/2010</a:t>
+              <a:t>12/27/2010</a:t>
             </a:fld>
             <a:endParaRPr lang="en-US">
               <a:solidFill>
@@ -8203,6 +8206,9 @@
   <p:clrMapOvr>
     <a:overrideClrMapping bg1="dk1" tx1="lt1" bg2="dk2" tx2="lt2" accent1="accent1" accent2="accent2" accent3="accent3" accent4="accent4" accent5="accent5" accent6="accent6" hlink="hlink" folHlink="folHlink"/>
   </p:clrMapOvr>
+  <p:transition>
+    <p:fade/>
+  </p:transition>
 </p:sldLayout>
 </file>
 
@@ -8568,7 +8574,7 @@
             <a:fld id="{47C9B81F-C347-4BEF-BFDF-29C42F48304A}" type="datetimeFigureOut">
               <a:rPr lang="en-US" smtClean="0"/>
               <a:pPr/>
-              <a:t>12/19/2010</a:t>
+              <a:t>12/27/2010</a:t>
             </a:fld>
             <a:endParaRPr lang="en-US">
               <a:solidFill>
@@ -8645,6 +8651,9 @@
   <p:clrMapOvr>
     <a:overrideClrMapping bg1="lt1" tx1="dk1" bg2="lt2" tx2="dk2" accent1="accent1" accent2="accent2" accent3="accent3" accent4="accent4" accent5="accent5" accent6="accent6" hlink="hlink" folHlink="folHlink"/>
   </p:clrMapOvr>
+  <p:transition>
+    <p:fade/>
+  </p:transition>
 </p:sldLayout>
 </file>
 
@@ -8690,7 +8699,7 @@
             <a:fld id="{47C9B81F-C347-4BEF-BFDF-29C42F48304A}" type="datetimeFigureOut">
               <a:rPr lang="en-US" smtClean="0"/>
               <a:pPr/>
-              <a:t>12/19/2010</a:t>
+              <a:t>12/27/2010</a:t>
             </a:fld>
             <a:endParaRPr lang="en-US">
               <a:solidFill>
@@ -8792,6 +8801,9 @@
   <p:clrMapOvr>
     <a:overrideClrMapping bg1="dk1" tx1="lt1" bg2="dk2" tx2="lt2" accent1="accent1" accent2="accent2" accent3="accent3" accent4="accent4" accent5="accent5" accent6="accent6" hlink="hlink" folHlink="folHlink"/>
   </p:clrMapOvr>
+  <p:transition>
+    <p:fade/>
+  </p:transition>
 </p:sldLayout>
 </file>
 
@@ -8832,7 +8844,7 @@
             <a:fld id="{47C9B81F-C347-4BEF-BFDF-29C42F48304A}" type="datetimeFigureOut">
               <a:rPr lang="en-US" smtClean="0"/>
               <a:pPr/>
-              <a:t>12/19/2010</a:t>
+              <a:t>12/27/2010</a:t>
             </a:fld>
             <a:endParaRPr lang="en-US">
               <a:solidFill>
@@ -8909,6 +8921,9 @@
   <p:clrMapOvr>
     <a:masterClrMapping/>
   </p:clrMapOvr>
+  <p:transition>
+    <p:fade/>
+  </p:transition>
 </p:sldLayout>
 </file>
 
@@ -9127,7 +9142,7 @@
             <a:fld id="{47C9B81F-C347-4BEF-BFDF-29C42F48304A}" type="datetimeFigureOut">
               <a:rPr lang="en-US" smtClean="0"/>
               <a:pPr/>
-              <a:t>12/19/2010</a:t>
+              <a:t>12/27/2010</a:t>
             </a:fld>
             <a:endParaRPr lang="en-US">
               <a:solidFill>
@@ -9204,6 +9219,9 @@
   <p:clrMapOvr>
     <a:overrideClrMapping bg1="lt1" tx1="dk1" bg2="lt2" tx2="dk2" accent1="accent1" accent2="accent2" accent3="accent3" accent4="accent4" accent5="accent5" accent6="accent6" hlink="hlink" folHlink="folHlink"/>
   </p:clrMapOvr>
+  <p:transition>
+    <p:fade/>
+  </p:transition>
 </p:sldLayout>
 </file>
 
@@ -9353,7 +9371,7 @@
             <a:fld id="{47C9B81F-C347-4BEF-BFDF-29C42F48304A}" type="datetimeFigureOut">
               <a:rPr lang="en-US" smtClean="0"/>
               <a:pPr/>
-              <a:t>12/19/2010</a:t>
+              <a:t>12/27/2010</a:t>
             </a:fld>
             <a:endParaRPr lang="en-US">
               <a:solidFill>
@@ -9987,6 +10005,9 @@
   <p:clrMapOvr>
     <a:overrideClrMapping bg1="dk1" tx1="lt1" bg2="dk2" tx2="lt2" accent1="accent1" accent2="accent2" accent3="accent3" accent4="accent4" accent5="accent5" accent6="accent6" hlink="hlink" folHlink="folHlink"/>
   </p:clrMapOvr>
+  <p:transition>
+    <p:fade/>
+  </p:transition>
 </p:sldLayout>
 </file>
 
@@ -10483,7 +10504,7 @@
             <a:fld id="{47C9B81F-C347-4BEF-BFDF-29C42F48304A}" type="datetimeFigureOut">
               <a:rPr lang="en-US" smtClean="0"/>
               <a:pPr/>
-              <a:t>12/19/2010</a:t>
+              <a:t>12/27/2010</a:t>
             </a:fld>
             <a:endParaRPr lang="en-US">
               <a:solidFill>
@@ -10601,6 +10622,9 @@
     <p:sldLayoutId id="2147483682" r:id="rId10"/>
     <p:sldLayoutId id="2147483683" r:id="rId11"/>
   </p:sldLayoutIdLst>
+  <p:transition>
+    <p:fade/>
+  </p:transition>
   <p:txStyles>
     <p:titleStyle>
       <a:lvl1pPr algn="l" rtl="0" eaLnBrk="1" latinLnBrk="0" hangingPunct="1">
@@ -11048,6 +11072,9 @@
   <p:clrMapOvr>
     <a:masterClrMapping/>
   </p:clrMapOvr>
+  <p:transition>
+    <p:fade/>
+  </p:transition>
   <p:timing>
     <p:tnLst>
       <p:par>
@@ -11873,6 +11900,9 @@
   <p:clrMapOvr>
     <a:masterClrMapping/>
   </p:clrMapOvr>
+  <p:transition>
+    <p:fade/>
+  </p:transition>
   <p:timing>
     <p:tnLst>
       <p:par>
@@ -13951,6 +13981,9 @@
   <p:clrMapOvr>
     <a:masterClrMapping/>
   </p:clrMapOvr>
+  <p:transition>
+    <p:fade/>
+  </p:transition>
   <p:timing>
     <p:tnLst>
       <p:par>
@@ -14283,6 +14316,9 @@
   <p:clrMapOvr>
     <a:masterClrMapping/>
   </p:clrMapOvr>
+  <p:transition>
+    <p:fade/>
+  </p:transition>
   <p:timing>
     <p:tnLst>
       <p:par>
@@ -14464,12 +14500,396 @@
   <p:clrMapOvr>
     <a:masterClrMapping/>
   </p:clrMapOvr>
+  <p:transition>
+    <p:fade/>
+  </p:transition>
   <p:timing>
     <p:tnLst>
       <p:par>
-        <p:cTn id="1" dur="indefinite" restart="never" nodeType="tmRoot"/>
+        <p:cTn id="1" dur="indefinite" restart="never" nodeType="tmRoot">
+          <p:childTnLst>
+            <p:seq concurrent="1" nextAc="seek">
+              <p:cTn id="2" dur="indefinite" nodeType="mainSeq">
+                <p:childTnLst>
+                  <p:par>
+                    <p:cTn id="3" fill="hold">
+                      <p:stCondLst>
+                        <p:cond delay="indefinite"/>
+                      </p:stCondLst>
+                      <p:childTnLst>
+                        <p:par>
+                          <p:cTn id="4" fill="hold">
+                            <p:stCondLst>
+                              <p:cond delay="0"/>
+                            </p:stCondLst>
+                            <p:childTnLst>
+                              <p:par>
+                                <p:cTn id="5" presetID="10" presetClass="entr" presetSubtype="0" fill="hold" grpId="0" nodeType="clickEffect">
+                                  <p:stCondLst>
+                                    <p:cond delay="0"/>
+                                  </p:stCondLst>
+                                  <p:childTnLst>
+                                    <p:set>
+                                      <p:cBhvr>
+                                        <p:cTn id="6" dur="1" fill="hold">
+                                          <p:stCondLst>
+                                            <p:cond delay="0"/>
+                                          </p:stCondLst>
+                                        </p:cTn>
+                                        <p:tgtEl>
+                                          <p:spTgt spid="3">
+                                            <p:txEl>
+                                              <p:pRg st="0" end="0"/>
+                                            </p:txEl>
+                                          </p:spTgt>
+                                        </p:tgtEl>
+                                        <p:attrNameLst>
+                                          <p:attrName>style.visibility</p:attrName>
+                                        </p:attrNameLst>
+                                      </p:cBhvr>
+                                      <p:to>
+                                        <p:strVal val="visible"/>
+                                      </p:to>
+                                    </p:set>
+                                    <p:animEffect transition="in" filter="fade">
+                                      <p:cBhvr>
+                                        <p:cTn id="7" dur="2000"/>
+                                        <p:tgtEl>
+                                          <p:spTgt spid="3">
+                                            <p:txEl>
+                                              <p:pRg st="0" end="0"/>
+                                            </p:txEl>
+                                          </p:spTgt>
+                                        </p:tgtEl>
+                                      </p:cBhvr>
+                                    </p:animEffect>
+                                  </p:childTnLst>
+                                </p:cTn>
+                              </p:par>
+                            </p:childTnLst>
+                          </p:cTn>
+                        </p:par>
+                      </p:childTnLst>
+                    </p:cTn>
+                  </p:par>
+                  <p:par>
+                    <p:cTn id="8" fill="hold">
+                      <p:stCondLst>
+                        <p:cond delay="indefinite"/>
+                      </p:stCondLst>
+                      <p:childTnLst>
+                        <p:par>
+                          <p:cTn id="9" fill="hold">
+                            <p:stCondLst>
+                              <p:cond delay="0"/>
+                            </p:stCondLst>
+                            <p:childTnLst>
+                              <p:par>
+                                <p:cTn id="10" presetID="10" presetClass="entr" presetSubtype="0" fill="hold" grpId="0" nodeType="clickEffect">
+                                  <p:stCondLst>
+                                    <p:cond delay="0"/>
+                                  </p:stCondLst>
+                                  <p:childTnLst>
+                                    <p:set>
+                                      <p:cBhvr>
+                                        <p:cTn id="11" dur="1" fill="hold">
+                                          <p:stCondLst>
+                                            <p:cond delay="0"/>
+                                          </p:stCondLst>
+                                        </p:cTn>
+                                        <p:tgtEl>
+                                          <p:spTgt spid="3">
+                                            <p:txEl>
+                                              <p:pRg st="1" end="1"/>
+                                            </p:txEl>
+                                          </p:spTgt>
+                                        </p:tgtEl>
+                                        <p:attrNameLst>
+                                          <p:attrName>style.visibility</p:attrName>
+                                        </p:attrNameLst>
+                                      </p:cBhvr>
+                                      <p:to>
+                                        <p:strVal val="visible"/>
+                                      </p:to>
+                                    </p:set>
+                                    <p:animEffect transition="in" filter="fade">
+                                      <p:cBhvr>
+                                        <p:cTn id="12" dur="2000"/>
+                                        <p:tgtEl>
+                                          <p:spTgt spid="3">
+                                            <p:txEl>
+                                              <p:pRg st="1" end="1"/>
+                                            </p:txEl>
+                                          </p:spTgt>
+                                        </p:tgtEl>
+                                      </p:cBhvr>
+                                    </p:animEffect>
+                                  </p:childTnLst>
+                                </p:cTn>
+                              </p:par>
+                            </p:childTnLst>
+                          </p:cTn>
+                        </p:par>
+                      </p:childTnLst>
+                    </p:cTn>
+                  </p:par>
+                  <p:par>
+                    <p:cTn id="13" fill="hold">
+                      <p:stCondLst>
+                        <p:cond delay="indefinite"/>
+                      </p:stCondLst>
+                      <p:childTnLst>
+                        <p:par>
+                          <p:cTn id="14" fill="hold">
+                            <p:stCondLst>
+                              <p:cond delay="0"/>
+                            </p:stCondLst>
+                            <p:childTnLst>
+                              <p:par>
+                                <p:cTn id="15" presetID="10" presetClass="entr" presetSubtype="0" fill="hold" grpId="0" nodeType="clickEffect">
+                                  <p:stCondLst>
+                                    <p:cond delay="0"/>
+                                  </p:stCondLst>
+                                  <p:childTnLst>
+                                    <p:set>
+                                      <p:cBhvr>
+                                        <p:cTn id="16" dur="1" fill="hold">
+                                          <p:stCondLst>
+                                            <p:cond delay="0"/>
+                                          </p:stCondLst>
+                                        </p:cTn>
+                                        <p:tgtEl>
+                                          <p:spTgt spid="3">
+                                            <p:txEl>
+                                              <p:pRg st="2" end="2"/>
+                                            </p:txEl>
+                                          </p:spTgt>
+                                        </p:tgtEl>
+                                        <p:attrNameLst>
+                                          <p:attrName>style.visibility</p:attrName>
+                                        </p:attrNameLst>
+                                      </p:cBhvr>
+                                      <p:to>
+                                        <p:strVal val="visible"/>
+                                      </p:to>
+                                    </p:set>
+                                    <p:animEffect transition="in" filter="fade">
+                                      <p:cBhvr>
+                                        <p:cTn id="17" dur="2000"/>
+                                        <p:tgtEl>
+                                          <p:spTgt spid="3">
+                                            <p:txEl>
+                                              <p:pRg st="2" end="2"/>
+                                            </p:txEl>
+                                          </p:spTgt>
+                                        </p:tgtEl>
+                                      </p:cBhvr>
+                                    </p:animEffect>
+                                  </p:childTnLst>
+                                </p:cTn>
+                              </p:par>
+                              <p:par>
+                                <p:cTn id="18" presetID="10" presetClass="entr" presetSubtype="0" fill="hold" grpId="0" nodeType="withEffect">
+                                  <p:stCondLst>
+                                    <p:cond delay="0"/>
+                                  </p:stCondLst>
+                                  <p:childTnLst>
+                                    <p:set>
+                                      <p:cBhvr>
+                                        <p:cTn id="19" dur="1" fill="hold">
+                                          <p:stCondLst>
+                                            <p:cond delay="0"/>
+                                          </p:stCondLst>
+                                        </p:cTn>
+                                        <p:tgtEl>
+                                          <p:spTgt spid="3">
+                                            <p:txEl>
+                                              <p:pRg st="3" end="3"/>
+                                            </p:txEl>
+                                          </p:spTgt>
+                                        </p:tgtEl>
+                                        <p:attrNameLst>
+                                          <p:attrName>style.visibility</p:attrName>
+                                        </p:attrNameLst>
+                                      </p:cBhvr>
+                                      <p:to>
+                                        <p:strVal val="visible"/>
+                                      </p:to>
+                                    </p:set>
+                                    <p:animEffect transition="in" filter="fade">
+                                      <p:cBhvr>
+                                        <p:cTn id="20" dur="2000"/>
+                                        <p:tgtEl>
+                                          <p:spTgt spid="3">
+                                            <p:txEl>
+                                              <p:pRg st="3" end="3"/>
+                                            </p:txEl>
+                                          </p:spTgt>
+                                        </p:tgtEl>
+                                      </p:cBhvr>
+                                    </p:animEffect>
+                                  </p:childTnLst>
+                                </p:cTn>
+                              </p:par>
+                              <p:par>
+                                <p:cTn id="21" presetID="10" presetClass="entr" presetSubtype="0" fill="hold" grpId="0" nodeType="withEffect">
+                                  <p:stCondLst>
+                                    <p:cond delay="0"/>
+                                  </p:stCondLst>
+                                  <p:childTnLst>
+                                    <p:set>
+                                      <p:cBhvr>
+                                        <p:cTn id="22" dur="1" fill="hold">
+                                          <p:stCondLst>
+                                            <p:cond delay="0"/>
+                                          </p:stCondLst>
+                                        </p:cTn>
+                                        <p:tgtEl>
+                                          <p:spTgt spid="3">
+                                            <p:txEl>
+                                              <p:pRg st="4" end="4"/>
+                                            </p:txEl>
+                                          </p:spTgt>
+                                        </p:tgtEl>
+                                        <p:attrNameLst>
+                                          <p:attrName>style.visibility</p:attrName>
+                                        </p:attrNameLst>
+                                      </p:cBhvr>
+                                      <p:to>
+                                        <p:strVal val="visible"/>
+                                      </p:to>
+                                    </p:set>
+                                    <p:animEffect transition="in" filter="fade">
+                                      <p:cBhvr>
+                                        <p:cTn id="23" dur="2000"/>
+                                        <p:tgtEl>
+                                          <p:spTgt spid="3">
+                                            <p:txEl>
+                                              <p:pRg st="4" end="4"/>
+                                            </p:txEl>
+                                          </p:spTgt>
+                                        </p:tgtEl>
+                                      </p:cBhvr>
+                                    </p:animEffect>
+                                  </p:childTnLst>
+                                </p:cTn>
+                              </p:par>
+                              <p:par>
+                                <p:cTn id="24" presetID="10" presetClass="entr" presetSubtype="0" fill="hold" grpId="0" nodeType="withEffect">
+                                  <p:stCondLst>
+                                    <p:cond delay="0"/>
+                                  </p:stCondLst>
+                                  <p:childTnLst>
+                                    <p:set>
+                                      <p:cBhvr>
+                                        <p:cTn id="25" dur="1" fill="hold">
+                                          <p:stCondLst>
+                                            <p:cond delay="0"/>
+                                          </p:stCondLst>
+                                        </p:cTn>
+                                        <p:tgtEl>
+                                          <p:spTgt spid="3">
+                                            <p:txEl>
+                                              <p:pRg st="5" end="5"/>
+                                            </p:txEl>
+                                          </p:spTgt>
+                                        </p:tgtEl>
+                                        <p:attrNameLst>
+                                          <p:attrName>style.visibility</p:attrName>
+                                        </p:attrNameLst>
+                                      </p:cBhvr>
+                                      <p:to>
+                                        <p:strVal val="visible"/>
+                                      </p:to>
+                                    </p:set>
+                                    <p:animEffect transition="in" filter="fade">
+                                      <p:cBhvr>
+                                        <p:cTn id="26" dur="2000"/>
+                                        <p:tgtEl>
+                                          <p:spTgt spid="3">
+                                            <p:txEl>
+                                              <p:pRg st="5" end="5"/>
+                                            </p:txEl>
+                                          </p:spTgt>
+                                        </p:tgtEl>
+                                      </p:cBhvr>
+                                    </p:animEffect>
+                                  </p:childTnLst>
+                                </p:cTn>
+                              </p:par>
+                              <p:par>
+                                <p:cTn id="27" presetID="10" presetClass="entr" presetSubtype="0" fill="hold" grpId="0" nodeType="withEffect">
+                                  <p:stCondLst>
+                                    <p:cond delay="0"/>
+                                  </p:stCondLst>
+                                  <p:childTnLst>
+                                    <p:set>
+                                      <p:cBhvr>
+                                        <p:cTn id="28" dur="1" fill="hold">
+                                          <p:stCondLst>
+                                            <p:cond delay="0"/>
+                                          </p:stCondLst>
+                                        </p:cTn>
+                                        <p:tgtEl>
+                                          <p:spTgt spid="3">
+                                            <p:txEl>
+                                              <p:pRg st="6" end="6"/>
+                                            </p:txEl>
+                                          </p:spTgt>
+                                        </p:tgtEl>
+                                        <p:attrNameLst>
+                                          <p:attrName>style.visibility</p:attrName>
+                                        </p:attrNameLst>
+                                      </p:cBhvr>
+                                      <p:to>
+                                        <p:strVal val="visible"/>
+                                      </p:to>
+                                    </p:set>
+                                    <p:animEffect transition="in" filter="fade">
+                                      <p:cBhvr>
+                                        <p:cTn id="29" dur="2000"/>
+                                        <p:tgtEl>
+                                          <p:spTgt spid="3">
+                                            <p:txEl>
+                                              <p:pRg st="6" end="6"/>
+                                            </p:txEl>
+                                          </p:spTgt>
+                                        </p:tgtEl>
+                                      </p:cBhvr>
+                                    </p:animEffect>
+                                  </p:childTnLst>
+                                </p:cTn>
+                              </p:par>
+                            </p:childTnLst>
+                          </p:cTn>
+                        </p:par>
+                      </p:childTnLst>
+                    </p:cTn>
+                  </p:par>
+                </p:childTnLst>
+              </p:cTn>
+              <p:prevCondLst>
+                <p:cond evt="onPrev" delay="0">
+                  <p:tgtEl>
+                    <p:sldTgt/>
+                  </p:tgtEl>
+                </p:cond>
+              </p:prevCondLst>
+              <p:nextCondLst>
+                <p:cond evt="onNext" delay="0">
+                  <p:tgtEl>
+                    <p:sldTgt/>
+                  </p:tgtEl>
+                </p:cond>
+              </p:nextCondLst>
+            </p:seq>
+          </p:childTnLst>
+        </p:cTn>
       </p:par>
     </p:tnLst>
+    <p:bldLst>
+      <p:bldP spid="3" grpId="0" build="p"/>
+    </p:bldLst>
   </p:timing>
 </p:sld>
 </file>
@@ -14597,12 +15017,285 @@
   <p:clrMapOvr>
     <a:masterClrMapping/>
   </p:clrMapOvr>
+  <p:transition>
+    <p:fade/>
+  </p:transition>
   <p:timing>
     <p:tnLst>
       <p:par>
-        <p:cTn id="1" dur="indefinite" restart="never" nodeType="tmRoot"/>
+        <p:cTn id="1" dur="indefinite" restart="never" nodeType="tmRoot">
+          <p:childTnLst>
+            <p:seq concurrent="1" nextAc="seek">
+              <p:cTn id="2" dur="indefinite" nodeType="mainSeq">
+                <p:childTnLst>
+                  <p:par>
+                    <p:cTn id="3" fill="hold">
+                      <p:stCondLst>
+                        <p:cond delay="indefinite"/>
+                      </p:stCondLst>
+                      <p:childTnLst>
+                        <p:par>
+                          <p:cTn id="4" fill="hold">
+                            <p:stCondLst>
+                              <p:cond delay="0"/>
+                            </p:stCondLst>
+                            <p:childTnLst>
+                              <p:par>
+                                <p:cTn id="5" presetID="10" presetClass="entr" presetSubtype="0" fill="hold" grpId="0" nodeType="clickEffect">
+                                  <p:stCondLst>
+                                    <p:cond delay="0"/>
+                                  </p:stCondLst>
+                                  <p:childTnLst>
+                                    <p:set>
+                                      <p:cBhvr>
+                                        <p:cTn id="6" dur="1" fill="hold">
+                                          <p:stCondLst>
+                                            <p:cond delay="0"/>
+                                          </p:stCondLst>
+                                        </p:cTn>
+                                        <p:tgtEl>
+                                          <p:spTgt spid="3">
+                                            <p:txEl>
+                                              <p:pRg st="0" end="0"/>
+                                            </p:txEl>
+                                          </p:spTgt>
+                                        </p:tgtEl>
+                                        <p:attrNameLst>
+                                          <p:attrName>style.visibility</p:attrName>
+                                        </p:attrNameLst>
+                                      </p:cBhvr>
+                                      <p:to>
+                                        <p:strVal val="visible"/>
+                                      </p:to>
+                                    </p:set>
+                                    <p:animEffect transition="in" filter="fade">
+                                      <p:cBhvr>
+                                        <p:cTn id="7" dur="2000"/>
+                                        <p:tgtEl>
+                                          <p:spTgt spid="3">
+                                            <p:txEl>
+                                              <p:pRg st="0" end="0"/>
+                                            </p:txEl>
+                                          </p:spTgt>
+                                        </p:tgtEl>
+                                      </p:cBhvr>
+                                    </p:animEffect>
+                                  </p:childTnLst>
+                                </p:cTn>
+                              </p:par>
+                            </p:childTnLst>
+                          </p:cTn>
+                        </p:par>
+                      </p:childTnLst>
+                    </p:cTn>
+                  </p:par>
+                  <p:par>
+                    <p:cTn id="8" fill="hold">
+                      <p:stCondLst>
+                        <p:cond delay="indefinite"/>
+                      </p:stCondLst>
+                      <p:childTnLst>
+                        <p:par>
+                          <p:cTn id="9" fill="hold">
+                            <p:stCondLst>
+                              <p:cond delay="0"/>
+                            </p:stCondLst>
+                            <p:childTnLst>
+                              <p:par>
+                                <p:cTn id="10" presetID="10" presetClass="entr" presetSubtype="0" fill="hold" grpId="0" nodeType="clickEffect">
+                                  <p:stCondLst>
+                                    <p:cond delay="0"/>
+                                  </p:stCondLst>
+                                  <p:childTnLst>
+                                    <p:set>
+                                      <p:cBhvr>
+                                        <p:cTn id="11" dur="1" fill="hold">
+                                          <p:stCondLst>
+                                            <p:cond delay="0"/>
+                                          </p:stCondLst>
+                                        </p:cTn>
+                                        <p:tgtEl>
+                                          <p:spTgt spid="3">
+                                            <p:txEl>
+                                              <p:pRg st="1" end="1"/>
+                                            </p:txEl>
+                                          </p:spTgt>
+                                        </p:tgtEl>
+                                        <p:attrNameLst>
+                                          <p:attrName>style.visibility</p:attrName>
+                                        </p:attrNameLst>
+                                      </p:cBhvr>
+                                      <p:to>
+                                        <p:strVal val="visible"/>
+                                      </p:to>
+                                    </p:set>
+                                    <p:animEffect transition="in" filter="fade">
+                                      <p:cBhvr>
+                                        <p:cTn id="12" dur="2000"/>
+                                        <p:tgtEl>
+                                          <p:spTgt spid="3">
+                                            <p:txEl>
+                                              <p:pRg st="1" end="1"/>
+                                            </p:txEl>
+                                          </p:spTgt>
+                                        </p:tgtEl>
+                                      </p:cBhvr>
+                                    </p:animEffect>
+                                  </p:childTnLst>
+                                </p:cTn>
+                              </p:par>
+                            </p:childTnLst>
+                          </p:cTn>
+                        </p:par>
+                      </p:childTnLst>
+                    </p:cTn>
+                  </p:par>
+                  <p:par>
+                    <p:cTn id="13" fill="hold">
+                      <p:stCondLst>
+                        <p:cond delay="indefinite"/>
+                      </p:stCondLst>
+                      <p:childTnLst>
+                        <p:par>
+                          <p:cTn id="14" fill="hold">
+                            <p:stCondLst>
+                              <p:cond delay="0"/>
+                            </p:stCondLst>
+                            <p:childTnLst>
+                              <p:par>
+                                <p:cTn id="15" presetID="10" presetClass="entr" presetSubtype="0" fill="hold" grpId="0" nodeType="clickEffect">
+                                  <p:stCondLst>
+                                    <p:cond delay="0"/>
+                                  </p:stCondLst>
+                                  <p:childTnLst>
+                                    <p:set>
+                                      <p:cBhvr>
+                                        <p:cTn id="16" dur="1" fill="hold">
+                                          <p:stCondLst>
+                                            <p:cond delay="0"/>
+                                          </p:stCondLst>
+                                        </p:cTn>
+                                        <p:tgtEl>
+                                          <p:spTgt spid="3">
+                                            <p:txEl>
+                                              <p:pRg st="2" end="2"/>
+                                            </p:txEl>
+                                          </p:spTgt>
+                                        </p:tgtEl>
+                                        <p:attrNameLst>
+                                          <p:attrName>style.visibility</p:attrName>
+                                        </p:attrNameLst>
+                                      </p:cBhvr>
+                                      <p:to>
+                                        <p:strVal val="visible"/>
+                                      </p:to>
+                                    </p:set>
+                                    <p:animEffect transition="in" filter="fade">
+                                      <p:cBhvr>
+                                        <p:cTn id="17" dur="2000"/>
+                                        <p:tgtEl>
+                                          <p:spTgt spid="3">
+                                            <p:txEl>
+                                              <p:pRg st="2" end="2"/>
+                                            </p:txEl>
+                                          </p:spTgt>
+                                        </p:tgtEl>
+                                      </p:cBhvr>
+                                    </p:animEffect>
+                                  </p:childTnLst>
+                                </p:cTn>
+                              </p:par>
+                            </p:childTnLst>
+                          </p:cTn>
+                        </p:par>
+                      </p:childTnLst>
+                    </p:cTn>
+                  </p:par>
+                  <p:par>
+                    <p:cTn id="18" fill="hold">
+                      <p:stCondLst>
+                        <p:cond delay="indefinite"/>
+                      </p:stCondLst>
+                      <p:childTnLst>
+                        <p:par>
+                          <p:cTn id="19" fill="hold">
+                            <p:stCondLst>
+                              <p:cond delay="0"/>
+                            </p:stCondLst>
+                            <p:childTnLst>
+                              <p:par>
+                                <p:cTn id="20" presetID="10" presetClass="entr" presetSubtype="0" fill="hold" grpId="0" nodeType="clickEffect">
+                                  <p:stCondLst>
+                                    <p:cond delay="0"/>
+                                  </p:stCondLst>
+                                  <p:childTnLst>
+                                    <p:set>
+                                      <p:cBhvr>
+                                        <p:cTn id="21" dur="1" fill="hold">
+                                          <p:stCondLst>
+                                            <p:cond delay="0"/>
+                                          </p:stCondLst>
+                                        </p:cTn>
+                                        <p:tgtEl>
+                                          <p:spTgt spid="3">
+                                            <p:txEl>
+                                              <p:pRg st="3" end="3"/>
+                                            </p:txEl>
+                                          </p:spTgt>
+                                        </p:tgtEl>
+                                        <p:attrNameLst>
+                                          <p:attrName>style.visibility</p:attrName>
+                                        </p:attrNameLst>
+                                      </p:cBhvr>
+                                      <p:to>
+                                        <p:strVal val="visible"/>
+                                      </p:to>
+                                    </p:set>
+                                    <p:animEffect transition="in" filter="fade">
+                                      <p:cBhvr>
+                                        <p:cTn id="22" dur="2000"/>
+                                        <p:tgtEl>
+                                          <p:spTgt spid="3">
+                                            <p:txEl>
+                                              <p:pRg st="3" end="3"/>
+                                            </p:txEl>
+                                          </p:spTgt>
+                                        </p:tgtEl>
+                                      </p:cBhvr>
+                                    </p:animEffect>
+                                  </p:childTnLst>
+                                </p:cTn>
+                              </p:par>
+                            </p:childTnLst>
+                          </p:cTn>
+                        </p:par>
+                      </p:childTnLst>
+                    </p:cTn>
+                  </p:par>
+                </p:childTnLst>
+              </p:cTn>
+              <p:prevCondLst>
+                <p:cond evt="onPrev" delay="0">
+                  <p:tgtEl>
+                    <p:sldTgt/>
+                  </p:tgtEl>
+                </p:cond>
+              </p:prevCondLst>
+              <p:nextCondLst>
+                <p:cond evt="onNext" delay="0">
+                  <p:tgtEl>
+                    <p:sldTgt/>
+                  </p:tgtEl>
+                </p:cond>
+              </p:nextCondLst>
+            </p:seq>
+          </p:childTnLst>
+        </p:cTn>
       </p:par>
     </p:tnLst>
+    <p:bldLst>
+      <p:bldP spid="3" grpId="0" build="p"/>
+    </p:bldLst>
   </p:timing>
 </p:sld>
 </file>
@@ -14700,6 +15393,9 @@
   <p:clrMapOvr>
     <a:masterClrMapping/>
   </p:clrMapOvr>
+  <p:transition>
+    <p:fade/>
+  </p:transition>
   <p:timing>
     <p:tnLst>
       <p:par>
@@ -14764,11 +15460,7 @@
           <a:p>
             <a:r>
               <a:rPr lang="es-ES" dirty="0" smtClean="0"/>
-              <a:t>Integración </a:t>
-            </a:r>
-            <a:r>
-              <a:rPr lang="es-ES" dirty="0" smtClean="0"/>
-              <a:t>con otros </a:t>
+              <a:t>Integración con otros </a:t>
             </a:r>
             <a:r>
               <a:rPr lang="es-ES" dirty="0" err="1" smtClean="0"/>
@@ -14847,12 +15539,346 @@
   <p:clrMapOvr>
     <a:masterClrMapping/>
   </p:clrMapOvr>
+  <p:transition>
+    <p:fade/>
+  </p:transition>
   <p:timing>
     <p:tnLst>
       <p:par>
-        <p:cTn id="1" dur="indefinite" restart="never" nodeType="tmRoot"/>
+        <p:cTn id="1" dur="indefinite" restart="never" nodeType="tmRoot">
+          <p:childTnLst>
+            <p:seq concurrent="1" nextAc="seek">
+              <p:cTn id="2" dur="indefinite" nodeType="mainSeq">
+                <p:childTnLst>
+                  <p:par>
+                    <p:cTn id="3" fill="hold">
+                      <p:stCondLst>
+                        <p:cond delay="indefinite"/>
+                      </p:stCondLst>
+                      <p:childTnLst>
+                        <p:par>
+                          <p:cTn id="4" fill="hold">
+                            <p:stCondLst>
+                              <p:cond delay="0"/>
+                            </p:stCondLst>
+                            <p:childTnLst>
+                              <p:par>
+                                <p:cTn id="5" presetID="10" presetClass="entr" presetSubtype="0" fill="hold" grpId="0" nodeType="clickEffect">
+                                  <p:stCondLst>
+                                    <p:cond delay="0"/>
+                                  </p:stCondLst>
+                                  <p:childTnLst>
+                                    <p:set>
+                                      <p:cBhvr>
+                                        <p:cTn id="6" dur="1" fill="hold">
+                                          <p:stCondLst>
+                                            <p:cond delay="0"/>
+                                          </p:stCondLst>
+                                        </p:cTn>
+                                        <p:tgtEl>
+                                          <p:spTgt spid="3">
+                                            <p:txEl>
+                                              <p:pRg st="0" end="0"/>
+                                            </p:txEl>
+                                          </p:spTgt>
+                                        </p:tgtEl>
+                                        <p:attrNameLst>
+                                          <p:attrName>style.visibility</p:attrName>
+                                        </p:attrNameLst>
+                                      </p:cBhvr>
+                                      <p:to>
+                                        <p:strVal val="visible"/>
+                                      </p:to>
+                                    </p:set>
+                                    <p:animEffect transition="in" filter="fade">
+                                      <p:cBhvr>
+                                        <p:cTn id="7" dur="2000"/>
+                                        <p:tgtEl>
+                                          <p:spTgt spid="3">
+                                            <p:txEl>
+                                              <p:pRg st="0" end="0"/>
+                                            </p:txEl>
+                                          </p:spTgt>
+                                        </p:tgtEl>
+                                      </p:cBhvr>
+                                    </p:animEffect>
+                                  </p:childTnLst>
+                                </p:cTn>
+                              </p:par>
+                            </p:childTnLst>
+                          </p:cTn>
+                        </p:par>
+                      </p:childTnLst>
+                    </p:cTn>
+                  </p:par>
+                  <p:par>
+                    <p:cTn id="8" fill="hold">
+                      <p:stCondLst>
+                        <p:cond delay="indefinite"/>
+                      </p:stCondLst>
+                      <p:childTnLst>
+                        <p:par>
+                          <p:cTn id="9" fill="hold">
+                            <p:stCondLst>
+                              <p:cond delay="0"/>
+                            </p:stCondLst>
+                            <p:childTnLst>
+                              <p:par>
+                                <p:cTn id="10" presetID="10" presetClass="entr" presetSubtype="0" fill="hold" grpId="0" nodeType="clickEffect">
+                                  <p:stCondLst>
+                                    <p:cond delay="0"/>
+                                  </p:stCondLst>
+                                  <p:childTnLst>
+                                    <p:set>
+                                      <p:cBhvr>
+                                        <p:cTn id="11" dur="1" fill="hold">
+                                          <p:stCondLst>
+                                            <p:cond delay="0"/>
+                                          </p:stCondLst>
+                                        </p:cTn>
+                                        <p:tgtEl>
+                                          <p:spTgt spid="3">
+                                            <p:txEl>
+                                              <p:pRg st="1" end="1"/>
+                                            </p:txEl>
+                                          </p:spTgt>
+                                        </p:tgtEl>
+                                        <p:attrNameLst>
+                                          <p:attrName>style.visibility</p:attrName>
+                                        </p:attrNameLst>
+                                      </p:cBhvr>
+                                      <p:to>
+                                        <p:strVal val="visible"/>
+                                      </p:to>
+                                    </p:set>
+                                    <p:animEffect transition="in" filter="fade">
+                                      <p:cBhvr>
+                                        <p:cTn id="12" dur="2000"/>
+                                        <p:tgtEl>
+                                          <p:spTgt spid="3">
+                                            <p:txEl>
+                                              <p:pRg st="1" end="1"/>
+                                            </p:txEl>
+                                          </p:spTgt>
+                                        </p:tgtEl>
+                                      </p:cBhvr>
+                                    </p:animEffect>
+                                  </p:childTnLst>
+                                </p:cTn>
+                              </p:par>
+                            </p:childTnLst>
+                          </p:cTn>
+                        </p:par>
+                      </p:childTnLst>
+                    </p:cTn>
+                  </p:par>
+                  <p:par>
+                    <p:cTn id="13" fill="hold">
+                      <p:stCondLst>
+                        <p:cond delay="indefinite"/>
+                      </p:stCondLst>
+                      <p:childTnLst>
+                        <p:par>
+                          <p:cTn id="14" fill="hold">
+                            <p:stCondLst>
+                              <p:cond delay="0"/>
+                            </p:stCondLst>
+                            <p:childTnLst>
+                              <p:par>
+                                <p:cTn id="15" presetID="10" presetClass="entr" presetSubtype="0" fill="hold" grpId="0" nodeType="clickEffect">
+                                  <p:stCondLst>
+                                    <p:cond delay="0"/>
+                                  </p:stCondLst>
+                                  <p:childTnLst>
+                                    <p:set>
+                                      <p:cBhvr>
+                                        <p:cTn id="16" dur="1" fill="hold">
+                                          <p:stCondLst>
+                                            <p:cond delay="0"/>
+                                          </p:stCondLst>
+                                        </p:cTn>
+                                        <p:tgtEl>
+                                          <p:spTgt spid="3">
+                                            <p:txEl>
+                                              <p:pRg st="2" end="2"/>
+                                            </p:txEl>
+                                          </p:spTgt>
+                                        </p:tgtEl>
+                                        <p:attrNameLst>
+                                          <p:attrName>style.visibility</p:attrName>
+                                        </p:attrNameLst>
+                                      </p:cBhvr>
+                                      <p:to>
+                                        <p:strVal val="visible"/>
+                                      </p:to>
+                                    </p:set>
+                                    <p:animEffect transition="in" filter="fade">
+                                      <p:cBhvr>
+                                        <p:cTn id="17" dur="2000"/>
+                                        <p:tgtEl>
+                                          <p:spTgt spid="3">
+                                            <p:txEl>
+                                              <p:pRg st="2" end="2"/>
+                                            </p:txEl>
+                                          </p:spTgt>
+                                        </p:tgtEl>
+                                      </p:cBhvr>
+                                    </p:animEffect>
+                                  </p:childTnLst>
+                                </p:cTn>
+                              </p:par>
+                            </p:childTnLst>
+                          </p:cTn>
+                        </p:par>
+                      </p:childTnLst>
+                    </p:cTn>
+                  </p:par>
+                  <p:par>
+                    <p:cTn id="18" fill="hold">
+                      <p:stCondLst>
+                        <p:cond delay="indefinite"/>
+                      </p:stCondLst>
+                      <p:childTnLst>
+                        <p:par>
+                          <p:cTn id="19" fill="hold">
+                            <p:stCondLst>
+                              <p:cond delay="0"/>
+                            </p:stCondLst>
+                            <p:childTnLst>
+                              <p:par>
+                                <p:cTn id="20" presetID="10" presetClass="entr" presetSubtype="0" fill="hold" grpId="0" nodeType="clickEffect">
+                                  <p:stCondLst>
+                                    <p:cond delay="0"/>
+                                  </p:stCondLst>
+                                  <p:childTnLst>
+                                    <p:set>
+                                      <p:cBhvr>
+                                        <p:cTn id="21" dur="1" fill="hold">
+                                          <p:stCondLst>
+                                            <p:cond delay="0"/>
+                                          </p:stCondLst>
+                                        </p:cTn>
+                                        <p:tgtEl>
+                                          <p:spTgt spid="3">
+                                            <p:txEl>
+                                              <p:pRg st="3" end="3"/>
+                                            </p:txEl>
+                                          </p:spTgt>
+                                        </p:tgtEl>
+                                        <p:attrNameLst>
+                                          <p:attrName>style.visibility</p:attrName>
+                                        </p:attrNameLst>
+                                      </p:cBhvr>
+                                      <p:to>
+                                        <p:strVal val="visible"/>
+                                      </p:to>
+                                    </p:set>
+                                    <p:animEffect transition="in" filter="fade">
+                                      <p:cBhvr>
+                                        <p:cTn id="22" dur="2000"/>
+                                        <p:tgtEl>
+                                          <p:spTgt spid="3">
+                                            <p:txEl>
+                                              <p:pRg st="3" end="3"/>
+                                            </p:txEl>
+                                          </p:spTgt>
+                                        </p:tgtEl>
+                                      </p:cBhvr>
+                                    </p:animEffect>
+                                  </p:childTnLst>
+                                </p:cTn>
+                              </p:par>
+                            </p:childTnLst>
+                          </p:cTn>
+                        </p:par>
+                      </p:childTnLst>
+                    </p:cTn>
+                  </p:par>
+                  <p:par>
+                    <p:cTn id="23" fill="hold">
+                      <p:stCondLst>
+                        <p:cond delay="indefinite"/>
+                      </p:stCondLst>
+                      <p:childTnLst>
+                        <p:par>
+                          <p:cTn id="24" fill="hold">
+                            <p:stCondLst>
+                              <p:cond delay="0"/>
+                            </p:stCondLst>
+                            <p:childTnLst>
+                              <p:par>
+                                <p:cTn id="25" presetID="10" presetClass="entr" presetSubtype="0" fill="hold" grpId="0" nodeType="clickEffect">
+                                  <p:stCondLst>
+                                    <p:cond delay="0"/>
+                                  </p:stCondLst>
+                                  <p:childTnLst>
+                                    <p:set>
+                                      <p:cBhvr>
+                                        <p:cTn id="26" dur="1" fill="hold">
+                                          <p:stCondLst>
+                                            <p:cond delay="0"/>
+                                          </p:stCondLst>
+                                        </p:cTn>
+                                        <p:tgtEl>
+                                          <p:spTgt spid="3">
+                                            <p:txEl>
+                                              <p:pRg st="4" end="4"/>
+                                            </p:txEl>
+                                          </p:spTgt>
+                                        </p:tgtEl>
+                                        <p:attrNameLst>
+                                          <p:attrName>style.visibility</p:attrName>
+                                        </p:attrNameLst>
+                                      </p:cBhvr>
+                                      <p:to>
+                                        <p:strVal val="visible"/>
+                                      </p:to>
+                                    </p:set>
+                                    <p:animEffect transition="in" filter="fade">
+                                      <p:cBhvr>
+                                        <p:cTn id="27" dur="2000"/>
+                                        <p:tgtEl>
+                                          <p:spTgt spid="3">
+                                            <p:txEl>
+                                              <p:pRg st="4" end="4"/>
+                                            </p:txEl>
+                                          </p:spTgt>
+                                        </p:tgtEl>
+                                      </p:cBhvr>
+                                    </p:animEffect>
+                                  </p:childTnLst>
+                                </p:cTn>
+                              </p:par>
+                            </p:childTnLst>
+                          </p:cTn>
+                        </p:par>
+                      </p:childTnLst>
+                    </p:cTn>
+                  </p:par>
+                </p:childTnLst>
+              </p:cTn>
+              <p:prevCondLst>
+                <p:cond evt="onPrev" delay="0">
+                  <p:tgtEl>
+                    <p:sldTgt/>
+                  </p:tgtEl>
+                </p:cond>
+              </p:prevCondLst>
+              <p:nextCondLst>
+                <p:cond evt="onNext" delay="0">
+                  <p:tgtEl>
+                    <p:sldTgt/>
+                  </p:tgtEl>
+                </p:cond>
+              </p:nextCondLst>
+            </p:seq>
+          </p:childTnLst>
+        </p:cTn>
       </p:par>
     </p:tnLst>
+    <p:bldLst>
+      <p:bldP spid="3" grpId="0" build="p"/>
+    </p:bldLst>
   </p:timing>
 </p:sld>
 </file>
@@ -14968,12 +15994,285 @@
   <p:clrMapOvr>
     <a:masterClrMapping/>
   </p:clrMapOvr>
+  <p:transition>
+    <p:fade/>
+  </p:transition>
   <p:timing>
     <p:tnLst>
       <p:par>
-        <p:cTn id="1" dur="indefinite" restart="never" nodeType="tmRoot"/>
+        <p:cTn id="1" dur="indefinite" restart="never" nodeType="tmRoot">
+          <p:childTnLst>
+            <p:seq concurrent="1" nextAc="seek">
+              <p:cTn id="2" dur="indefinite" nodeType="mainSeq">
+                <p:childTnLst>
+                  <p:par>
+                    <p:cTn id="3" fill="hold">
+                      <p:stCondLst>
+                        <p:cond delay="indefinite"/>
+                      </p:stCondLst>
+                      <p:childTnLst>
+                        <p:par>
+                          <p:cTn id="4" fill="hold">
+                            <p:stCondLst>
+                              <p:cond delay="0"/>
+                            </p:stCondLst>
+                            <p:childTnLst>
+                              <p:par>
+                                <p:cTn id="5" presetID="10" presetClass="entr" presetSubtype="0" fill="hold" grpId="0" nodeType="clickEffect">
+                                  <p:stCondLst>
+                                    <p:cond delay="0"/>
+                                  </p:stCondLst>
+                                  <p:childTnLst>
+                                    <p:set>
+                                      <p:cBhvr>
+                                        <p:cTn id="6" dur="1" fill="hold">
+                                          <p:stCondLst>
+                                            <p:cond delay="0"/>
+                                          </p:stCondLst>
+                                        </p:cTn>
+                                        <p:tgtEl>
+                                          <p:spTgt spid="3">
+                                            <p:txEl>
+                                              <p:pRg st="0" end="0"/>
+                                            </p:txEl>
+                                          </p:spTgt>
+                                        </p:tgtEl>
+                                        <p:attrNameLst>
+                                          <p:attrName>style.visibility</p:attrName>
+                                        </p:attrNameLst>
+                                      </p:cBhvr>
+                                      <p:to>
+                                        <p:strVal val="visible"/>
+                                      </p:to>
+                                    </p:set>
+                                    <p:animEffect transition="in" filter="fade">
+                                      <p:cBhvr>
+                                        <p:cTn id="7" dur="2000"/>
+                                        <p:tgtEl>
+                                          <p:spTgt spid="3">
+                                            <p:txEl>
+                                              <p:pRg st="0" end="0"/>
+                                            </p:txEl>
+                                          </p:spTgt>
+                                        </p:tgtEl>
+                                      </p:cBhvr>
+                                    </p:animEffect>
+                                  </p:childTnLst>
+                                </p:cTn>
+                              </p:par>
+                            </p:childTnLst>
+                          </p:cTn>
+                        </p:par>
+                      </p:childTnLst>
+                    </p:cTn>
+                  </p:par>
+                  <p:par>
+                    <p:cTn id="8" fill="hold">
+                      <p:stCondLst>
+                        <p:cond delay="indefinite"/>
+                      </p:stCondLst>
+                      <p:childTnLst>
+                        <p:par>
+                          <p:cTn id="9" fill="hold">
+                            <p:stCondLst>
+                              <p:cond delay="0"/>
+                            </p:stCondLst>
+                            <p:childTnLst>
+                              <p:par>
+                                <p:cTn id="10" presetID="10" presetClass="entr" presetSubtype="0" fill="hold" grpId="0" nodeType="clickEffect">
+                                  <p:stCondLst>
+                                    <p:cond delay="0"/>
+                                  </p:stCondLst>
+                                  <p:childTnLst>
+                                    <p:set>
+                                      <p:cBhvr>
+                                        <p:cTn id="11" dur="1" fill="hold">
+                                          <p:stCondLst>
+                                            <p:cond delay="0"/>
+                                          </p:stCondLst>
+                                        </p:cTn>
+                                        <p:tgtEl>
+                                          <p:spTgt spid="3">
+                                            <p:txEl>
+                                              <p:pRg st="1" end="1"/>
+                                            </p:txEl>
+                                          </p:spTgt>
+                                        </p:tgtEl>
+                                        <p:attrNameLst>
+                                          <p:attrName>style.visibility</p:attrName>
+                                        </p:attrNameLst>
+                                      </p:cBhvr>
+                                      <p:to>
+                                        <p:strVal val="visible"/>
+                                      </p:to>
+                                    </p:set>
+                                    <p:animEffect transition="in" filter="fade">
+                                      <p:cBhvr>
+                                        <p:cTn id="12" dur="2000"/>
+                                        <p:tgtEl>
+                                          <p:spTgt spid="3">
+                                            <p:txEl>
+                                              <p:pRg st="1" end="1"/>
+                                            </p:txEl>
+                                          </p:spTgt>
+                                        </p:tgtEl>
+                                      </p:cBhvr>
+                                    </p:animEffect>
+                                  </p:childTnLst>
+                                </p:cTn>
+                              </p:par>
+                            </p:childTnLst>
+                          </p:cTn>
+                        </p:par>
+                      </p:childTnLst>
+                    </p:cTn>
+                  </p:par>
+                  <p:par>
+                    <p:cTn id="13" fill="hold">
+                      <p:stCondLst>
+                        <p:cond delay="indefinite"/>
+                      </p:stCondLst>
+                      <p:childTnLst>
+                        <p:par>
+                          <p:cTn id="14" fill="hold">
+                            <p:stCondLst>
+                              <p:cond delay="0"/>
+                            </p:stCondLst>
+                            <p:childTnLst>
+                              <p:par>
+                                <p:cTn id="15" presetID="10" presetClass="entr" presetSubtype="0" fill="hold" grpId="0" nodeType="clickEffect">
+                                  <p:stCondLst>
+                                    <p:cond delay="0"/>
+                                  </p:stCondLst>
+                                  <p:childTnLst>
+                                    <p:set>
+                                      <p:cBhvr>
+                                        <p:cTn id="16" dur="1" fill="hold">
+                                          <p:stCondLst>
+                                            <p:cond delay="0"/>
+                                          </p:stCondLst>
+                                        </p:cTn>
+                                        <p:tgtEl>
+                                          <p:spTgt spid="3">
+                                            <p:txEl>
+                                              <p:pRg st="2" end="2"/>
+                                            </p:txEl>
+                                          </p:spTgt>
+                                        </p:tgtEl>
+                                        <p:attrNameLst>
+                                          <p:attrName>style.visibility</p:attrName>
+                                        </p:attrNameLst>
+                                      </p:cBhvr>
+                                      <p:to>
+                                        <p:strVal val="visible"/>
+                                      </p:to>
+                                    </p:set>
+                                    <p:animEffect transition="in" filter="fade">
+                                      <p:cBhvr>
+                                        <p:cTn id="17" dur="2000"/>
+                                        <p:tgtEl>
+                                          <p:spTgt spid="3">
+                                            <p:txEl>
+                                              <p:pRg st="2" end="2"/>
+                                            </p:txEl>
+                                          </p:spTgt>
+                                        </p:tgtEl>
+                                      </p:cBhvr>
+                                    </p:animEffect>
+                                  </p:childTnLst>
+                                </p:cTn>
+                              </p:par>
+                            </p:childTnLst>
+                          </p:cTn>
+                        </p:par>
+                      </p:childTnLst>
+                    </p:cTn>
+                  </p:par>
+                  <p:par>
+                    <p:cTn id="18" fill="hold">
+                      <p:stCondLst>
+                        <p:cond delay="indefinite"/>
+                      </p:stCondLst>
+                      <p:childTnLst>
+                        <p:par>
+                          <p:cTn id="19" fill="hold">
+                            <p:stCondLst>
+                              <p:cond delay="0"/>
+                            </p:stCondLst>
+                            <p:childTnLst>
+                              <p:par>
+                                <p:cTn id="20" presetID="10" presetClass="entr" presetSubtype="0" fill="hold" grpId="0" nodeType="clickEffect">
+                                  <p:stCondLst>
+                                    <p:cond delay="0"/>
+                                  </p:stCondLst>
+                                  <p:childTnLst>
+                                    <p:set>
+                                      <p:cBhvr>
+                                        <p:cTn id="21" dur="1" fill="hold">
+                                          <p:stCondLst>
+                                            <p:cond delay="0"/>
+                                          </p:stCondLst>
+                                        </p:cTn>
+                                        <p:tgtEl>
+                                          <p:spTgt spid="3">
+                                            <p:txEl>
+                                              <p:pRg st="3" end="3"/>
+                                            </p:txEl>
+                                          </p:spTgt>
+                                        </p:tgtEl>
+                                        <p:attrNameLst>
+                                          <p:attrName>style.visibility</p:attrName>
+                                        </p:attrNameLst>
+                                      </p:cBhvr>
+                                      <p:to>
+                                        <p:strVal val="visible"/>
+                                      </p:to>
+                                    </p:set>
+                                    <p:animEffect transition="in" filter="fade">
+                                      <p:cBhvr>
+                                        <p:cTn id="22" dur="2000"/>
+                                        <p:tgtEl>
+                                          <p:spTgt spid="3">
+                                            <p:txEl>
+                                              <p:pRg st="3" end="3"/>
+                                            </p:txEl>
+                                          </p:spTgt>
+                                        </p:tgtEl>
+                                      </p:cBhvr>
+                                    </p:animEffect>
+                                  </p:childTnLst>
+                                </p:cTn>
+                              </p:par>
+                            </p:childTnLst>
+                          </p:cTn>
+                        </p:par>
+                      </p:childTnLst>
+                    </p:cTn>
+                  </p:par>
+                </p:childTnLst>
+              </p:cTn>
+              <p:prevCondLst>
+                <p:cond evt="onPrev" delay="0">
+                  <p:tgtEl>
+                    <p:sldTgt/>
+                  </p:tgtEl>
+                </p:cond>
+              </p:prevCondLst>
+              <p:nextCondLst>
+                <p:cond evt="onNext" delay="0">
+                  <p:tgtEl>
+                    <p:sldTgt/>
+                  </p:tgtEl>
+                </p:cond>
+              </p:nextCondLst>
+            </p:seq>
+          </p:childTnLst>
+        </p:cTn>
       </p:par>
     </p:tnLst>
+    <p:bldLst>
+      <p:bldP spid="3" grpId="0" build="p"/>
+    </p:bldLst>
   </p:timing>
 </p:sld>
 </file>
@@ -15034,6 +16333,9 @@
   <p:clrMapOvr>
     <a:masterClrMapping/>
   </p:clrMapOvr>
+  <p:transition>
+    <p:fade/>
+  </p:transition>
   <p:timing>
     <p:tnLst>
       <p:par>
@@ -15100,6 +16402,9 @@
   <p:clrMapOvr>
     <a:masterClrMapping/>
   </p:clrMapOvr>
+  <p:transition>
+    <p:fade/>
+  </p:transition>
   <p:timing>
     <p:tnLst>
       <p:par>
@@ -15366,12 +16671,672 @@
   <p:clrMapOvr>
     <a:masterClrMapping/>
   </p:clrMapOvr>
+  <p:transition>
+    <p:fade/>
+  </p:transition>
   <p:timing>
     <p:tnLst>
       <p:par>
-        <p:cTn id="1" dur="indefinite" restart="never" nodeType="tmRoot"/>
+        <p:cTn id="1" dur="indefinite" restart="never" nodeType="tmRoot">
+          <p:childTnLst>
+            <p:seq concurrent="1" nextAc="seek">
+              <p:cTn id="2" dur="indefinite" nodeType="mainSeq">
+                <p:childTnLst>
+                  <p:par>
+                    <p:cTn id="3" fill="hold">
+                      <p:stCondLst>
+                        <p:cond delay="indefinite"/>
+                      </p:stCondLst>
+                      <p:childTnLst>
+                        <p:par>
+                          <p:cTn id="4" fill="hold">
+                            <p:stCondLst>
+                              <p:cond delay="0"/>
+                            </p:stCondLst>
+                            <p:childTnLst>
+                              <p:par>
+                                <p:cTn id="5" presetID="10" presetClass="entr" presetSubtype="0" fill="hold" grpId="0" nodeType="clickEffect">
+                                  <p:stCondLst>
+                                    <p:cond delay="0"/>
+                                  </p:stCondLst>
+                                  <p:childTnLst>
+                                    <p:set>
+                                      <p:cBhvr>
+                                        <p:cTn id="6" dur="1" fill="hold">
+                                          <p:stCondLst>
+                                            <p:cond delay="0"/>
+                                          </p:stCondLst>
+                                        </p:cTn>
+                                        <p:tgtEl>
+                                          <p:spTgt spid="2">
+                                            <p:txEl>
+                                              <p:pRg st="0" end="0"/>
+                                            </p:txEl>
+                                          </p:spTgt>
+                                        </p:tgtEl>
+                                        <p:attrNameLst>
+                                          <p:attrName>style.visibility</p:attrName>
+                                        </p:attrNameLst>
+                                      </p:cBhvr>
+                                      <p:to>
+                                        <p:strVal val="visible"/>
+                                      </p:to>
+                                    </p:set>
+                                    <p:animEffect transition="in" filter="fade">
+                                      <p:cBhvr>
+                                        <p:cTn id="7" dur="2000"/>
+                                        <p:tgtEl>
+                                          <p:spTgt spid="2">
+                                            <p:txEl>
+                                              <p:pRg st="0" end="0"/>
+                                            </p:txEl>
+                                          </p:spTgt>
+                                        </p:tgtEl>
+                                      </p:cBhvr>
+                                    </p:animEffect>
+                                  </p:childTnLst>
+                                </p:cTn>
+                              </p:par>
+                              <p:par>
+                                <p:cTn id="8" presetID="10" presetClass="entr" presetSubtype="0" fill="hold" grpId="0" nodeType="withEffect">
+                                  <p:stCondLst>
+                                    <p:cond delay="0"/>
+                                  </p:stCondLst>
+                                  <p:childTnLst>
+                                    <p:set>
+                                      <p:cBhvr>
+                                        <p:cTn id="9" dur="1" fill="hold">
+                                          <p:stCondLst>
+                                            <p:cond delay="0"/>
+                                          </p:stCondLst>
+                                        </p:cTn>
+                                        <p:tgtEl>
+                                          <p:spTgt spid="2">
+                                            <p:txEl>
+                                              <p:pRg st="1" end="1"/>
+                                            </p:txEl>
+                                          </p:spTgt>
+                                        </p:tgtEl>
+                                        <p:attrNameLst>
+                                          <p:attrName>style.visibility</p:attrName>
+                                        </p:attrNameLst>
+                                      </p:cBhvr>
+                                      <p:to>
+                                        <p:strVal val="visible"/>
+                                      </p:to>
+                                    </p:set>
+                                    <p:animEffect transition="in" filter="fade">
+                                      <p:cBhvr>
+                                        <p:cTn id="10" dur="2000"/>
+                                        <p:tgtEl>
+                                          <p:spTgt spid="2">
+                                            <p:txEl>
+                                              <p:pRg st="1" end="1"/>
+                                            </p:txEl>
+                                          </p:spTgt>
+                                        </p:tgtEl>
+                                      </p:cBhvr>
+                                    </p:animEffect>
+                                  </p:childTnLst>
+                                </p:cTn>
+                              </p:par>
+                              <p:par>
+                                <p:cTn id="11" presetID="10" presetClass="entr" presetSubtype="0" fill="hold" grpId="0" nodeType="withEffect">
+                                  <p:stCondLst>
+                                    <p:cond delay="0"/>
+                                  </p:stCondLst>
+                                  <p:childTnLst>
+                                    <p:set>
+                                      <p:cBhvr>
+                                        <p:cTn id="12" dur="1" fill="hold">
+                                          <p:stCondLst>
+                                            <p:cond delay="0"/>
+                                          </p:stCondLst>
+                                        </p:cTn>
+                                        <p:tgtEl>
+                                          <p:spTgt spid="2">
+                                            <p:txEl>
+                                              <p:pRg st="2" end="2"/>
+                                            </p:txEl>
+                                          </p:spTgt>
+                                        </p:tgtEl>
+                                        <p:attrNameLst>
+                                          <p:attrName>style.visibility</p:attrName>
+                                        </p:attrNameLst>
+                                      </p:cBhvr>
+                                      <p:to>
+                                        <p:strVal val="visible"/>
+                                      </p:to>
+                                    </p:set>
+                                    <p:animEffect transition="in" filter="fade">
+                                      <p:cBhvr>
+                                        <p:cTn id="13" dur="2000"/>
+                                        <p:tgtEl>
+                                          <p:spTgt spid="2">
+                                            <p:txEl>
+                                              <p:pRg st="2" end="2"/>
+                                            </p:txEl>
+                                          </p:spTgt>
+                                        </p:tgtEl>
+                                      </p:cBhvr>
+                                    </p:animEffect>
+                                  </p:childTnLst>
+                                </p:cTn>
+                              </p:par>
+                              <p:par>
+                                <p:cTn id="14" presetID="10" presetClass="entr" presetSubtype="0" fill="hold" grpId="0" nodeType="withEffect">
+                                  <p:stCondLst>
+                                    <p:cond delay="0"/>
+                                  </p:stCondLst>
+                                  <p:childTnLst>
+                                    <p:set>
+                                      <p:cBhvr>
+                                        <p:cTn id="15" dur="1" fill="hold">
+                                          <p:stCondLst>
+                                            <p:cond delay="0"/>
+                                          </p:stCondLst>
+                                        </p:cTn>
+                                        <p:tgtEl>
+                                          <p:spTgt spid="2">
+                                            <p:txEl>
+                                              <p:pRg st="3" end="3"/>
+                                            </p:txEl>
+                                          </p:spTgt>
+                                        </p:tgtEl>
+                                        <p:attrNameLst>
+                                          <p:attrName>style.visibility</p:attrName>
+                                        </p:attrNameLst>
+                                      </p:cBhvr>
+                                      <p:to>
+                                        <p:strVal val="visible"/>
+                                      </p:to>
+                                    </p:set>
+                                    <p:animEffect transition="in" filter="fade">
+                                      <p:cBhvr>
+                                        <p:cTn id="16" dur="2000"/>
+                                        <p:tgtEl>
+                                          <p:spTgt spid="2">
+                                            <p:txEl>
+                                              <p:pRg st="3" end="3"/>
+                                            </p:txEl>
+                                          </p:spTgt>
+                                        </p:tgtEl>
+                                      </p:cBhvr>
+                                    </p:animEffect>
+                                  </p:childTnLst>
+                                </p:cTn>
+                              </p:par>
+                              <p:par>
+                                <p:cTn id="17" presetID="10" presetClass="entr" presetSubtype="0" fill="hold" grpId="0" nodeType="withEffect">
+                                  <p:stCondLst>
+                                    <p:cond delay="0"/>
+                                  </p:stCondLst>
+                                  <p:childTnLst>
+                                    <p:set>
+                                      <p:cBhvr>
+                                        <p:cTn id="18" dur="1" fill="hold">
+                                          <p:stCondLst>
+                                            <p:cond delay="0"/>
+                                          </p:stCondLst>
+                                        </p:cTn>
+                                        <p:tgtEl>
+                                          <p:spTgt spid="2">
+                                            <p:txEl>
+                                              <p:pRg st="4" end="4"/>
+                                            </p:txEl>
+                                          </p:spTgt>
+                                        </p:tgtEl>
+                                        <p:attrNameLst>
+                                          <p:attrName>style.visibility</p:attrName>
+                                        </p:attrNameLst>
+                                      </p:cBhvr>
+                                      <p:to>
+                                        <p:strVal val="visible"/>
+                                      </p:to>
+                                    </p:set>
+                                    <p:animEffect transition="in" filter="fade">
+                                      <p:cBhvr>
+                                        <p:cTn id="19" dur="2000"/>
+                                        <p:tgtEl>
+                                          <p:spTgt spid="2">
+                                            <p:txEl>
+                                              <p:pRg st="4" end="4"/>
+                                            </p:txEl>
+                                          </p:spTgt>
+                                        </p:tgtEl>
+                                      </p:cBhvr>
+                                    </p:animEffect>
+                                  </p:childTnLst>
+                                </p:cTn>
+                              </p:par>
+                            </p:childTnLst>
+                          </p:cTn>
+                        </p:par>
+                      </p:childTnLst>
+                    </p:cTn>
+                  </p:par>
+                  <p:par>
+                    <p:cTn id="20" fill="hold">
+                      <p:stCondLst>
+                        <p:cond delay="indefinite"/>
+                      </p:stCondLst>
+                      <p:childTnLst>
+                        <p:par>
+                          <p:cTn id="21" fill="hold">
+                            <p:stCondLst>
+                              <p:cond delay="0"/>
+                            </p:stCondLst>
+                            <p:childTnLst>
+                              <p:par>
+                                <p:cTn id="22" presetID="10" presetClass="entr" presetSubtype="0" fill="hold" grpId="0" nodeType="clickEffect">
+                                  <p:stCondLst>
+                                    <p:cond delay="0"/>
+                                  </p:stCondLst>
+                                  <p:childTnLst>
+                                    <p:set>
+                                      <p:cBhvr>
+                                        <p:cTn id="23" dur="1" fill="hold">
+                                          <p:stCondLst>
+                                            <p:cond delay="0"/>
+                                          </p:stCondLst>
+                                        </p:cTn>
+                                        <p:tgtEl>
+                                          <p:spTgt spid="2">
+                                            <p:txEl>
+                                              <p:pRg st="5" end="5"/>
+                                            </p:txEl>
+                                          </p:spTgt>
+                                        </p:tgtEl>
+                                        <p:attrNameLst>
+                                          <p:attrName>style.visibility</p:attrName>
+                                        </p:attrNameLst>
+                                      </p:cBhvr>
+                                      <p:to>
+                                        <p:strVal val="visible"/>
+                                      </p:to>
+                                    </p:set>
+                                    <p:animEffect transition="in" filter="fade">
+                                      <p:cBhvr>
+                                        <p:cTn id="24" dur="2000"/>
+                                        <p:tgtEl>
+                                          <p:spTgt spid="2">
+                                            <p:txEl>
+                                              <p:pRg st="5" end="5"/>
+                                            </p:txEl>
+                                          </p:spTgt>
+                                        </p:tgtEl>
+                                      </p:cBhvr>
+                                    </p:animEffect>
+                                  </p:childTnLst>
+                                </p:cTn>
+                              </p:par>
+                              <p:par>
+                                <p:cTn id="25" presetID="10" presetClass="entr" presetSubtype="0" fill="hold" grpId="0" nodeType="withEffect">
+                                  <p:stCondLst>
+                                    <p:cond delay="0"/>
+                                  </p:stCondLst>
+                                  <p:childTnLst>
+                                    <p:set>
+                                      <p:cBhvr>
+                                        <p:cTn id="26" dur="1" fill="hold">
+                                          <p:stCondLst>
+                                            <p:cond delay="0"/>
+                                          </p:stCondLst>
+                                        </p:cTn>
+                                        <p:tgtEl>
+                                          <p:spTgt spid="2">
+                                            <p:txEl>
+                                              <p:pRg st="6" end="6"/>
+                                            </p:txEl>
+                                          </p:spTgt>
+                                        </p:tgtEl>
+                                        <p:attrNameLst>
+                                          <p:attrName>style.visibility</p:attrName>
+                                        </p:attrNameLst>
+                                      </p:cBhvr>
+                                      <p:to>
+                                        <p:strVal val="visible"/>
+                                      </p:to>
+                                    </p:set>
+                                    <p:animEffect transition="in" filter="fade">
+                                      <p:cBhvr>
+                                        <p:cTn id="27" dur="2000"/>
+                                        <p:tgtEl>
+                                          <p:spTgt spid="2">
+                                            <p:txEl>
+                                              <p:pRg st="6" end="6"/>
+                                            </p:txEl>
+                                          </p:spTgt>
+                                        </p:tgtEl>
+                                      </p:cBhvr>
+                                    </p:animEffect>
+                                  </p:childTnLst>
+                                </p:cTn>
+                              </p:par>
+                              <p:par>
+                                <p:cTn id="28" presetID="10" presetClass="entr" presetSubtype="0" fill="hold" grpId="0" nodeType="withEffect">
+                                  <p:stCondLst>
+                                    <p:cond delay="0"/>
+                                  </p:stCondLst>
+                                  <p:childTnLst>
+                                    <p:set>
+                                      <p:cBhvr>
+                                        <p:cTn id="29" dur="1" fill="hold">
+                                          <p:stCondLst>
+                                            <p:cond delay="0"/>
+                                          </p:stCondLst>
+                                        </p:cTn>
+                                        <p:tgtEl>
+                                          <p:spTgt spid="2">
+                                            <p:txEl>
+                                              <p:pRg st="7" end="7"/>
+                                            </p:txEl>
+                                          </p:spTgt>
+                                        </p:tgtEl>
+                                        <p:attrNameLst>
+                                          <p:attrName>style.visibility</p:attrName>
+                                        </p:attrNameLst>
+                                      </p:cBhvr>
+                                      <p:to>
+                                        <p:strVal val="visible"/>
+                                      </p:to>
+                                    </p:set>
+                                    <p:animEffect transition="in" filter="fade">
+                                      <p:cBhvr>
+                                        <p:cTn id="30" dur="2000"/>
+                                        <p:tgtEl>
+                                          <p:spTgt spid="2">
+                                            <p:txEl>
+                                              <p:pRg st="7" end="7"/>
+                                            </p:txEl>
+                                          </p:spTgt>
+                                        </p:tgtEl>
+                                      </p:cBhvr>
+                                    </p:animEffect>
+                                  </p:childTnLst>
+                                </p:cTn>
+                              </p:par>
+                              <p:par>
+                                <p:cTn id="31" presetID="10" presetClass="entr" presetSubtype="0" fill="hold" grpId="0" nodeType="withEffect">
+                                  <p:stCondLst>
+                                    <p:cond delay="0"/>
+                                  </p:stCondLst>
+                                  <p:childTnLst>
+                                    <p:set>
+                                      <p:cBhvr>
+                                        <p:cTn id="32" dur="1" fill="hold">
+                                          <p:stCondLst>
+                                            <p:cond delay="0"/>
+                                          </p:stCondLst>
+                                        </p:cTn>
+                                        <p:tgtEl>
+                                          <p:spTgt spid="2">
+                                            <p:txEl>
+                                              <p:pRg st="8" end="8"/>
+                                            </p:txEl>
+                                          </p:spTgt>
+                                        </p:tgtEl>
+                                        <p:attrNameLst>
+                                          <p:attrName>style.visibility</p:attrName>
+                                        </p:attrNameLst>
+                                      </p:cBhvr>
+                                      <p:to>
+                                        <p:strVal val="visible"/>
+                                      </p:to>
+                                    </p:set>
+                                    <p:animEffect transition="in" filter="fade">
+                                      <p:cBhvr>
+                                        <p:cTn id="33" dur="2000"/>
+                                        <p:tgtEl>
+                                          <p:spTgt spid="2">
+                                            <p:txEl>
+                                              <p:pRg st="8" end="8"/>
+                                            </p:txEl>
+                                          </p:spTgt>
+                                        </p:tgtEl>
+                                      </p:cBhvr>
+                                    </p:animEffect>
+                                  </p:childTnLst>
+                                </p:cTn>
+                              </p:par>
+                            </p:childTnLst>
+                          </p:cTn>
+                        </p:par>
+                      </p:childTnLst>
+                    </p:cTn>
+                  </p:par>
+                  <p:par>
+                    <p:cTn id="34" fill="hold">
+                      <p:stCondLst>
+                        <p:cond delay="indefinite"/>
+                      </p:stCondLst>
+                      <p:childTnLst>
+                        <p:par>
+                          <p:cTn id="35" fill="hold">
+                            <p:stCondLst>
+                              <p:cond delay="0"/>
+                            </p:stCondLst>
+                            <p:childTnLst>
+                              <p:par>
+                                <p:cTn id="36" presetID="10" presetClass="entr" presetSubtype="0" fill="hold" grpId="0" nodeType="clickEffect">
+                                  <p:stCondLst>
+                                    <p:cond delay="0"/>
+                                  </p:stCondLst>
+                                  <p:childTnLst>
+                                    <p:set>
+                                      <p:cBhvr>
+                                        <p:cTn id="37" dur="1" fill="hold">
+                                          <p:stCondLst>
+                                            <p:cond delay="0"/>
+                                          </p:stCondLst>
+                                        </p:cTn>
+                                        <p:tgtEl>
+                                          <p:spTgt spid="2">
+                                            <p:txEl>
+                                              <p:pRg st="9" end="9"/>
+                                            </p:txEl>
+                                          </p:spTgt>
+                                        </p:tgtEl>
+                                        <p:attrNameLst>
+                                          <p:attrName>style.visibility</p:attrName>
+                                        </p:attrNameLst>
+                                      </p:cBhvr>
+                                      <p:to>
+                                        <p:strVal val="visible"/>
+                                      </p:to>
+                                    </p:set>
+                                    <p:animEffect transition="in" filter="fade">
+                                      <p:cBhvr>
+                                        <p:cTn id="38" dur="2000"/>
+                                        <p:tgtEl>
+                                          <p:spTgt spid="2">
+                                            <p:txEl>
+                                              <p:pRg st="9" end="9"/>
+                                            </p:txEl>
+                                          </p:spTgt>
+                                        </p:tgtEl>
+                                      </p:cBhvr>
+                                    </p:animEffect>
+                                  </p:childTnLst>
+                                </p:cTn>
+                              </p:par>
+                            </p:childTnLst>
+                          </p:cTn>
+                        </p:par>
+                      </p:childTnLst>
+                    </p:cTn>
+                  </p:par>
+                  <p:par>
+                    <p:cTn id="39" fill="hold">
+                      <p:stCondLst>
+                        <p:cond delay="indefinite"/>
+                      </p:stCondLst>
+                      <p:childTnLst>
+                        <p:par>
+                          <p:cTn id="40" fill="hold">
+                            <p:stCondLst>
+                              <p:cond delay="0"/>
+                            </p:stCondLst>
+                            <p:childTnLst>
+                              <p:par>
+                                <p:cTn id="41" presetID="10" presetClass="entr" presetSubtype="0" fill="hold" grpId="0" nodeType="clickEffect">
+                                  <p:stCondLst>
+                                    <p:cond delay="0"/>
+                                  </p:stCondLst>
+                                  <p:childTnLst>
+                                    <p:set>
+                                      <p:cBhvr>
+                                        <p:cTn id="42" dur="1" fill="hold">
+                                          <p:stCondLst>
+                                            <p:cond delay="0"/>
+                                          </p:stCondLst>
+                                        </p:cTn>
+                                        <p:tgtEl>
+                                          <p:spTgt spid="2">
+                                            <p:txEl>
+                                              <p:pRg st="10" end="10"/>
+                                            </p:txEl>
+                                          </p:spTgt>
+                                        </p:tgtEl>
+                                        <p:attrNameLst>
+                                          <p:attrName>style.visibility</p:attrName>
+                                        </p:attrNameLst>
+                                      </p:cBhvr>
+                                      <p:to>
+                                        <p:strVal val="visible"/>
+                                      </p:to>
+                                    </p:set>
+                                    <p:animEffect transition="in" filter="fade">
+                                      <p:cBhvr>
+                                        <p:cTn id="43" dur="2000"/>
+                                        <p:tgtEl>
+                                          <p:spTgt spid="2">
+                                            <p:txEl>
+                                              <p:pRg st="10" end="10"/>
+                                            </p:txEl>
+                                          </p:spTgt>
+                                        </p:tgtEl>
+                                      </p:cBhvr>
+                                    </p:animEffect>
+                                  </p:childTnLst>
+                                </p:cTn>
+                              </p:par>
+                              <p:par>
+                                <p:cTn id="44" presetID="10" presetClass="entr" presetSubtype="0" fill="hold" grpId="0" nodeType="withEffect">
+                                  <p:stCondLst>
+                                    <p:cond delay="0"/>
+                                  </p:stCondLst>
+                                  <p:childTnLst>
+                                    <p:set>
+                                      <p:cBhvr>
+                                        <p:cTn id="45" dur="1" fill="hold">
+                                          <p:stCondLst>
+                                            <p:cond delay="0"/>
+                                          </p:stCondLst>
+                                        </p:cTn>
+                                        <p:tgtEl>
+                                          <p:spTgt spid="2">
+                                            <p:txEl>
+                                              <p:pRg st="11" end="11"/>
+                                            </p:txEl>
+                                          </p:spTgt>
+                                        </p:tgtEl>
+                                        <p:attrNameLst>
+                                          <p:attrName>style.visibility</p:attrName>
+                                        </p:attrNameLst>
+                                      </p:cBhvr>
+                                      <p:to>
+                                        <p:strVal val="visible"/>
+                                      </p:to>
+                                    </p:set>
+                                    <p:animEffect transition="in" filter="fade">
+                                      <p:cBhvr>
+                                        <p:cTn id="46" dur="2000"/>
+                                        <p:tgtEl>
+                                          <p:spTgt spid="2">
+                                            <p:txEl>
+                                              <p:pRg st="11" end="11"/>
+                                            </p:txEl>
+                                          </p:spTgt>
+                                        </p:tgtEl>
+                                      </p:cBhvr>
+                                    </p:animEffect>
+                                  </p:childTnLst>
+                                </p:cTn>
+                              </p:par>
+                              <p:par>
+                                <p:cTn id="47" presetID="10" presetClass="entr" presetSubtype="0" fill="hold" grpId="0" nodeType="withEffect">
+                                  <p:stCondLst>
+                                    <p:cond delay="0"/>
+                                  </p:stCondLst>
+                                  <p:childTnLst>
+                                    <p:set>
+                                      <p:cBhvr>
+                                        <p:cTn id="48" dur="1" fill="hold">
+                                          <p:stCondLst>
+                                            <p:cond delay="0"/>
+                                          </p:stCondLst>
+                                        </p:cTn>
+                                        <p:tgtEl>
+                                          <p:spTgt spid="2">
+                                            <p:txEl>
+                                              <p:pRg st="12" end="12"/>
+                                            </p:txEl>
+                                          </p:spTgt>
+                                        </p:tgtEl>
+                                        <p:attrNameLst>
+                                          <p:attrName>style.visibility</p:attrName>
+                                        </p:attrNameLst>
+                                      </p:cBhvr>
+                                      <p:to>
+                                        <p:strVal val="visible"/>
+                                      </p:to>
+                                    </p:set>
+                                    <p:animEffect transition="in" filter="fade">
+                                      <p:cBhvr>
+                                        <p:cTn id="49" dur="2000"/>
+                                        <p:tgtEl>
+                                          <p:spTgt spid="2">
+                                            <p:txEl>
+                                              <p:pRg st="12" end="12"/>
+                                            </p:txEl>
+                                          </p:spTgt>
+                                        </p:tgtEl>
+                                      </p:cBhvr>
+                                    </p:animEffect>
+                                  </p:childTnLst>
+                                </p:cTn>
+                              </p:par>
+                            </p:childTnLst>
+                          </p:cTn>
+                        </p:par>
+                      </p:childTnLst>
+                    </p:cTn>
+                  </p:par>
+                </p:childTnLst>
+              </p:cTn>
+              <p:prevCondLst>
+                <p:cond evt="onPrev" delay="0">
+                  <p:tgtEl>
+                    <p:sldTgt/>
+                  </p:tgtEl>
+                </p:cond>
+              </p:prevCondLst>
+              <p:nextCondLst>
+                <p:cond evt="onNext" delay="0">
+                  <p:tgtEl>
+                    <p:sldTgt/>
+                  </p:tgtEl>
+                </p:cond>
+              </p:nextCondLst>
+            </p:seq>
+          </p:childTnLst>
+        </p:cTn>
       </p:par>
     </p:tnLst>
+    <p:bldLst>
+      <p:bldP spid="2" grpId="0" build="p"/>
+    </p:bldLst>
   </p:timing>
 </p:sld>
 </file>
@@ -15503,12 +17468,346 @@
   <p:clrMapOvr>
     <a:masterClrMapping/>
   </p:clrMapOvr>
+  <p:transition>
+    <p:fade/>
+  </p:transition>
   <p:timing>
     <p:tnLst>
       <p:par>
-        <p:cTn id="1" dur="indefinite" restart="never" nodeType="tmRoot"/>
+        <p:cTn id="1" dur="indefinite" restart="never" nodeType="tmRoot">
+          <p:childTnLst>
+            <p:seq concurrent="1" nextAc="seek">
+              <p:cTn id="2" dur="indefinite" nodeType="mainSeq">
+                <p:childTnLst>
+                  <p:par>
+                    <p:cTn id="3" fill="hold">
+                      <p:stCondLst>
+                        <p:cond delay="indefinite"/>
+                      </p:stCondLst>
+                      <p:childTnLst>
+                        <p:par>
+                          <p:cTn id="4" fill="hold">
+                            <p:stCondLst>
+                              <p:cond delay="0"/>
+                            </p:stCondLst>
+                            <p:childTnLst>
+                              <p:par>
+                                <p:cTn id="5" presetID="10" presetClass="entr" presetSubtype="0" fill="hold" grpId="0" nodeType="clickEffect">
+                                  <p:stCondLst>
+                                    <p:cond delay="0"/>
+                                  </p:stCondLst>
+                                  <p:childTnLst>
+                                    <p:set>
+                                      <p:cBhvr>
+                                        <p:cTn id="6" dur="1" fill="hold">
+                                          <p:stCondLst>
+                                            <p:cond delay="0"/>
+                                          </p:stCondLst>
+                                        </p:cTn>
+                                        <p:tgtEl>
+                                          <p:spTgt spid="3">
+                                            <p:txEl>
+                                              <p:pRg st="0" end="0"/>
+                                            </p:txEl>
+                                          </p:spTgt>
+                                        </p:tgtEl>
+                                        <p:attrNameLst>
+                                          <p:attrName>style.visibility</p:attrName>
+                                        </p:attrNameLst>
+                                      </p:cBhvr>
+                                      <p:to>
+                                        <p:strVal val="visible"/>
+                                      </p:to>
+                                    </p:set>
+                                    <p:animEffect transition="in" filter="fade">
+                                      <p:cBhvr>
+                                        <p:cTn id="7" dur="2000"/>
+                                        <p:tgtEl>
+                                          <p:spTgt spid="3">
+                                            <p:txEl>
+                                              <p:pRg st="0" end="0"/>
+                                            </p:txEl>
+                                          </p:spTgt>
+                                        </p:tgtEl>
+                                      </p:cBhvr>
+                                    </p:animEffect>
+                                  </p:childTnLst>
+                                </p:cTn>
+                              </p:par>
+                            </p:childTnLst>
+                          </p:cTn>
+                        </p:par>
+                      </p:childTnLst>
+                    </p:cTn>
+                  </p:par>
+                  <p:par>
+                    <p:cTn id="8" fill="hold">
+                      <p:stCondLst>
+                        <p:cond delay="indefinite"/>
+                      </p:stCondLst>
+                      <p:childTnLst>
+                        <p:par>
+                          <p:cTn id="9" fill="hold">
+                            <p:stCondLst>
+                              <p:cond delay="0"/>
+                            </p:stCondLst>
+                            <p:childTnLst>
+                              <p:par>
+                                <p:cTn id="10" presetID="10" presetClass="entr" presetSubtype="0" fill="hold" grpId="0" nodeType="clickEffect">
+                                  <p:stCondLst>
+                                    <p:cond delay="0"/>
+                                  </p:stCondLst>
+                                  <p:childTnLst>
+                                    <p:set>
+                                      <p:cBhvr>
+                                        <p:cTn id="11" dur="1" fill="hold">
+                                          <p:stCondLst>
+                                            <p:cond delay="0"/>
+                                          </p:stCondLst>
+                                        </p:cTn>
+                                        <p:tgtEl>
+                                          <p:spTgt spid="3">
+                                            <p:txEl>
+                                              <p:pRg st="2" end="2"/>
+                                            </p:txEl>
+                                          </p:spTgt>
+                                        </p:tgtEl>
+                                        <p:attrNameLst>
+                                          <p:attrName>style.visibility</p:attrName>
+                                        </p:attrNameLst>
+                                      </p:cBhvr>
+                                      <p:to>
+                                        <p:strVal val="visible"/>
+                                      </p:to>
+                                    </p:set>
+                                    <p:animEffect transition="in" filter="fade">
+                                      <p:cBhvr>
+                                        <p:cTn id="12" dur="2000"/>
+                                        <p:tgtEl>
+                                          <p:spTgt spid="3">
+                                            <p:txEl>
+                                              <p:pRg st="2" end="2"/>
+                                            </p:txEl>
+                                          </p:spTgt>
+                                        </p:tgtEl>
+                                      </p:cBhvr>
+                                    </p:animEffect>
+                                  </p:childTnLst>
+                                </p:cTn>
+                              </p:par>
+                            </p:childTnLst>
+                          </p:cTn>
+                        </p:par>
+                      </p:childTnLst>
+                    </p:cTn>
+                  </p:par>
+                  <p:par>
+                    <p:cTn id="13" fill="hold">
+                      <p:stCondLst>
+                        <p:cond delay="indefinite"/>
+                      </p:stCondLst>
+                      <p:childTnLst>
+                        <p:par>
+                          <p:cTn id="14" fill="hold">
+                            <p:stCondLst>
+                              <p:cond delay="0"/>
+                            </p:stCondLst>
+                            <p:childTnLst>
+                              <p:par>
+                                <p:cTn id="15" presetID="10" presetClass="entr" presetSubtype="0" fill="hold" grpId="0" nodeType="clickEffect">
+                                  <p:stCondLst>
+                                    <p:cond delay="0"/>
+                                  </p:stCondLst>
+                                  <p:childTnLst>
+                                    <p:set>
+                                      <p:cBhvr>
+                                        <p:cTn id="16" dur="1" fill="hold">
+                                          <p:stCondLst>
+                                            <p:cond delay="0"/>
+                                          </p:stCondLst>
+                                        </p:cTn>
+                                        <p:tgtEl>
+                                          <p:spTgt spid="3">
+                                            <p:txEl>
+                                              <p:pRg st="3" end="3"/>
+                                            </p:txEl>
+                                          </p:spTgt>
+                                        </p:tgtEl>
+                                        <p:attrNameLst>
+                                          <p:attrName>style.visibility</p:attrName>
+                                        </p:attrNameLst>
+                                      </p:cBhvr>
+                                      <p:to>
+                                        <p:strVal val="visible"/>
+                                      </p:to>
+                                    </p:set>
+                                    <p:animEffect transition="in" filter="fade">
+                                      <p:cBhvr>
+                                        <p:cTn id="17" dur="2000"/>
+                                        <p:tgtEl>
+                                          <p:spTgt spid="3">
+                                            <p:txEl>
+                                              <p:pRg st="3" end="3"/>
+                                            </p:txEl>
+                                          </p:spTgt>
+                                        </p:tgtEl>
+                                      </p:cBhvr>
+                                    </p:animEffect>
+                                  </p:childTnLst>
+                                </p:cTn>
+                              </p:par>
+                            </p:childTnLst>
+                          </p:cTn>
+                        </p:par>
+                      </p:childTnLst>
+                    </p:cTn>
+                  </p:par>
+                  <p:par>
+                    <p:cTn id="18" fill="hold">
+                      <p:stCondLst>
+                        <p:cond delay="indefinite"/>
+                      </p:stCondLst>
+                      <p:childTnLst>
+                        <p:par>
+                          <p:cTn id="19" fill="hold">
+                            <p:stCondLst>
+                              <p:cond delay="0"/>
+                            </p:stCondLst>
+                            <p:childTnLst>
+                              <p:par>
+                                <p:cTn id="20" presetID="10" presetClass="entr" presetSubtype="0" fill="hold" grpId="0" nodeType="clickEffect">
+                                  <p:stCondLst>
+                                    <p:cond delay="0"/>
+                                  </p:stCondLst>
+                                  <p:childTnLst>
+                                    <p:set>
+                                      <p:cBhvr>
+                                        <p:cTn id="21" dur="1" fill="hold">
+                                          <p:stCondLst>
+                                            <p:cond delay="0"/>
+                                          </p:stCondLst>
+                                        </p:cTn>
+                                        <p:tgtEl>
+                                          <p:spTgt spid="3">
+                                            <p:txEl>
+                                              <p:pRg st="4" end="4"/>
+                                            </p:txEl>
+                                          </p:spTgt>
+                                        </p:tgtEl>
+                                        <p:attrNameLst>
+                                          <p:attrName>style.visibility</p:attrName>
+                                        </p:attrNameLst>
+                                      </p:cBhvr>
+                                      <p:to>
+                                        <p:strVal val="visible"/>
+                                      </p:to>
+                                    </p:set>
+                                    <p:animEffect transition="in" filter="fade">
+                                      <p:cBhvr>
+                                        <p:cTn id="22" dur="2000"/>
+                                        <p:tgtEl>
+                                          <p:spTgt spid="3">
+                                            <p:txEl>
+                                              <p:pRg st="4" end="4"/>
+                                            </p:txEl>
+                                          </p:spTgt>
+                                        </p:tgtEl>
+                                      </p:cBhvr>
+                                    </p:animEffect>
+                                  </p:childTnLst>
+                                </p:cTn>
+                              </p:par>
+                            </p:childTnLst>
+                          </p:cTn>
+                        </p:par>
+                      </p:childTnLst>
+                    </p:cTn>
+                  </p:par>
+                  <p:par>
+                    <p:cTn id="23" fill="hold">
+                      <p:stCondLst>
+                        <p:cond delay="indefinite"/>
+                      </p:stCondLst>
+                      <p:childTnLst>
+                        <p:par>
+                          <p:cTn id="24" fill="hold">
+                            <p:stCondLst>
+                              <p:cond delay="0"/>
+                            </p:stCondLst>
+                            <p:childTnLst>
+                              <p:par>
+                                <p:cTn id="25" presetID="10" presetClass="entr" presetSubtype="0" fill="hold" grpId="0" nodeType="clickEffect">
+                                  <p:stCondLst>
+                                    <p:cond delay="0"/>
+                                  </p:stCondLst>
+                                  <p:childTnLst>
+                                    <p:set>
+                                      <p:cBhvr>
+                                        <p:cTn id="26" dur="1" fill="hold">
+                                          <p:stCondLst>
+                                            <p:cond delay="0"/>
+                                          </p:stCondLst>
+                                        </p:cTn>
+                                        <p:tgtEl>
+                                          <p:spTgt spid="3">
+                                            <p:txEl>
+                                              <p:pRg st="5" end="5"/>
+                                            </p:txEl>
+                                          </p:spTgt>
+                                        </p:tgtEl>
+                                        <p:attrNameLst>
+                                          <p:attrName>style.visibility</p:attrName>
+                                        </p:attrNameLst>
+                                      </p:cBhvr>
+                                      <p:to>
+                                        <p:strVal val="visible"/>
+                                      </p:to>
+                                    </p:set>
+                                    <p:animEffect transition="in" filter="fade">
+                                      <p:cBhvr>
+                                        <p:cTn id="27" dur="2000"/>
+                                        <p:tgtEl>
+                                          <p:spTgt spid="3">
+                                            <p:txEl>
+                                              <p:pRg st="5" end="5"/>
+                                            </p:txEl>
+                                          </p:spTgt>
+                                        </p:tgtEl>
+                                      </p:cBhvr>
+                                    </p:animEffect>
+                                  </p:childTnLst>
+                                </p:cTn>
+                              </p:par>
+                            </p:childTnLst>
+                          </p:cTn>
+                        </p:par>
+                      </p:childTnLst>
+                    </p:cTn>
+                  </p:par>
+                </p:childTnLst>
+              </p:cTn>
+              <p:prevCondLst>
+                <p:cond evt="onPrev" delay="0">
+                  <p:tgtEl>
+                    <p:sldTgt/>
+                  </p:tgtEl>
+                </p:cond>
+              </p:prevCondLst>
+              <p:nextCondLst>
+                <p:cond evt="onNext" delay="0">
+                  <p:tgtEl>
+                    <p:sldTgt/>
+                  </p:tgtEl>
+                </p:cond>
+              </p:nextCondLst>
+            </p:seq>
+          </p:childTnLst>
+        </p:cTn>
       </p:par>
     </p:tnLst>
+    <p:bldLst>
+      <p:bldP spid="3" grpId="0" build="p"/>
+    </p:bldLst>
   </p:timing>
 </p:sld>
 </file>
@@ -16213,6 +18512,9 @@
   <p:clrMapOvr>
     <a:masterClrMapping/>
   </p:clrMapOvr>
+  <p:transition>
+    <p:fade/>
+  </p:transition>
   <p:timing>
     <p:tnLst>
       <p:par>
@@ -16353,12 +18655,285 @@
   <p:clrMapOvr>
     <a:masterClrMapping/>
   </p:clrMapOvr>
+  <p:transition>
+    <p:fade/>
+  </p:transition>
   <p:timing>
     <p:tnLst>
       <p:par>
-        <p:cTn id="1" dur="indefinite" restart="never" nodeType="tmRoot"/>
+        <p:cTn id="1" dur="indefinite" restart="never" nodeType="tmRoot">
+          <p:childTnLst>
+            <p:seq concurrent="1" nextAc="seek">
+              <p:cTn id="2" dur="indefinite" nodeType="mainSeq">
+                <p:childTnLst>
+                  <p:par>
+                    <p:cTn id="3" fill="hold">
+                      <p:stCondLst>
+                        <p:cond delay="indefinite"/>
+                      </p:stCondLst>
+                      <p:childTnLst>
+                        <p:par>
+                          <p:cTn id="4" fill="hold">
+                            <p:stCondLst>
+                              <p:cond delay="0"/>
+                            </p:stCondLst>
+                            <p:childTnLst>
+                              <p:par>
+                                <p:cTn id="5" presetID="10" presetClass="entr" presetSubtype="0" fill="hold" grpId="0" nodeType="clickEffect">
+                                  <p:stCondLst>
+                                    <p:cond delay="0"/>
+                                  </p:stCondLst>
+                                  <p:childTnLst>
+                                    <p:set>
+                                      <p:cBhvr>
+                                        <p:cTn id="6" dur="1" fill="hold">
+                                          <p:stCondLst>
+                                            <p:cond delay="0"/>
+                                          </p:stCondLst>
+                                        </p:cTn>
+                                        <p:tgtEl>
+                                          <p:spTgt spid="3">
+                                            <p:txEl>
+                                              <p:pRg st="0" end="0"/>
+                                            </p:txEl>
+                                          </p:spTgt>
+                                        </p:tgtEl>
+                                        <p:attrNameLst>
+                                          <p:attrName>style.visibility</p:attrName>
+                                        </p:attrNameLst>
+                                      </p:cBhvr>
+                                      <p:to>
+                                        <p:strVal val="visible"/>
+                                      </p:to>
+                                    </p:set>
+                                    <p:animEffect transition="in" filter="fade">
+                                      <p:cBhvr>
+                                        <p:cTn id="7" dur="2000"/>
+                                        <p:tgtEl>
+                                          <p:spTgt spid="3">
+                                            <p:txEl>
+                                              <p:pRg st="0" end="0"/>
+                                            </p:txEl>
+                                          </p:spTgt>
+                                        </p:tgtEl>
+                                      </p:cBhvr>
+                                    </p:animEffect>
+                                  </p:childTnLst>
+                                </p:cTn>
+                              </p:par>
+                            </p:childTnLst>
+                          </p:cTn>
+                        </p:par>
+                      </p:childTnLst>
+                    </p:cTn>
+                  </p:par>
+                  <p:par>
+                    <p:cTn id="8" fill="hold">
+                      <p:stCondLst>
+                        <p:cond delay="indefinite"/>
+                      </p:stCondLst>
+                      <p:childTnLst>
+                        <p:par>
+                          <p:cTn id="9" fill="hold">
+                            <p:stCondLst>
+                              <p:cond delay="0"/>
+                            </p:stCondLst>
+                            <p:childTnLst>
+                              <p:par>
+                                <p:cTn id="10" presetID="10" presetClass="entr" presetSubtype="0" fill="hold" grpId="0" nodeType="clickEffect">
+                                  <p:stCondLst>
+                                    <p:cond delay="0"/>
+                                  </p:stCondLst>
+                                  <p:childTnLst>
+                                    <p:set>
+                                      <p:cBhvr>
+                                        <p:cTn id="11" dur="1" fill="hold">
+                                          <p:stCondLst>
+                                            <p:cond delay="0"/>
+                                          </p:stCondLst>
+                                        </p:cTn>
+                                        <p:tgtEl>
+                                          <p:spTgt spid="3">
+                                            <p:txEl>
+                                              <p:pRg st="1" end="1"/>
+                                            </p:txEl>
+                                          </p:spTgt>
+                                        </p:tgtEl>
+                                        <p:attrNameLst>
+                                          <p:attrName>style.visibility</p:attrName>
+                                        </p:attrNameLst>
+                                      </p:cBhvr>
+                                      <p:to>
+                                        <p:strVal val="visible"/>
+                                      </p:to>
+                                    </p:set>
+                                    <p:animEffect transition="in" filter="fade">
+                                      <p:cBhvr>
+                                        <p:cTn id="12" dur="2000"/>
+                                        <p:tgtEl>
+                                          <p:spTgt spid="3">
+                                            <p:txEl>
+                                              <p:pRg st="1" end="1"/>
+                                            </p:txEl>
+                                          </p:spTgt>
+                                        </p:tgtEl>
+                                      </p:cBhvr>
+                                    </p:animEffect>
+                                  </p:childTnLst>
+                                </p:cTn>
+                              </p:par>
+                            </p:childTnLst>
+                          </p:cTn>
+                        </p:par>
+                      </p:childTnLst>
+                    </p:cTn>
+                  </p:par>
+                  <p:par>
+                    <p:cTn id="13" fill="hold">
+                      <p:stCondLst>
+                        <p:cond delay="indefinite"/>
+                      </p:stCondLst>
+                      <p:childTnLst>
+                        <p:par>
+                          <p:cTn id="14" fill="hold">
+                            <p:stCondLst>
+                              <p:cond delay="0"/>
+                            </p:stCondLst>
+                            <p:childTnLst>
+                              <p:par>
+                                <p:cTn id="15" presetID="10" presetClass="entr" presetSubtype="0" fill="hold" grpId="0" nodeType="clickEffect">
+                                  <p:stCondLst>
+                                    <p:cond delay="0"/>
+                                  </p:stCondLst>
+                                  <p:childTnLst>
+                                    <p:set>
+                                      <p:cBhvr>
+                                        <p:cTn id="16" dur="1" fill="hold">
+                                          <p:stCondLst>
+                                            <p:cond delay="0"/>
+                                          </p:stCondLst>
+                                        </p:cTn>
+                                        <p:tgtEl>
+                                          <p:spTgt spid="3">
+                                            <p:txEl>
+                                              <p:pRg st="2" end="2"/>
+                                            </p:txEl>
+                                          </p:spTgt>
+                                        </p:tgtEl>
+                                        <p:attrNameLst>
+                                          <p:attrName>style.visibility</p:attrName>
+                                        </p:attrNameLst>
+                                      </p:cBhvr>
+                                      <p:to>
+                                        <p:strVal val="visible"/>
+                                      </p:to>
+                                    </p:set>
+                                    <p:animEffect transition="in" filter="fade">
+                                      <p:cBhvr>
+                                        <p:cTn id="17" dur="2000"/>
+                                        <p:tgtEl>
+                                          <p:spTgt spid="3">
+                                            <p:txEl>
+                                              <p:pRg st="2" end="2"/>
+                                            </p:txEl>
+                                          </p:spTgt>
+                                        </p:tgtEl>
+                                      </p:cBhvr>
+                                    </p:animEffect>
+                                  </p:childTnLst>
+                                </p:cTn>
+                              </p:par>
+                            </p:childTnLst>
+                          </p:cTn>
+                        </p:par>
+                      </p:childTnLst>
+                    </p:cTn>
+                  </p:par>
+                  <p:par>
+                    <p:cTn id="18" fill="hold">
+                      <p:stCondLst>
+                        <p:cond delay="indefinite"/>
+                      </p:stCondLst>
+                      <p:childTnLst>
+                        <p:par>
+                          <p:cTn id="19" fill="hold">
+                            <p:stCondLst>
+                              <p:cond delay="0"/>
+                            </p:stCondLst>
+                            <p:childTnLst>
+                              <p:par>
+                                <p:cTn id="20" presetID="10" presetClass="entr" presetSubtype="0" fill="hold" grpId="0" nodeType="clickEffect">
+                                  <p:stCondLst>
+                                    <p:cond delay="0"/>
+                                  </p:stCondLst>
+                                  <p:childTnLst>
+                                    <p:set>
+                                      <p:cBhvr>
+                                        <p:cTn id="21" dur="1" fill="hold">
+                                          <p:stCondLst>
+                                            <p:cond delay="0"/>
+                                          </p:stCondLst>
+                                        </p:cTn>
+                                        <p:tgtEl>
+                                          <p:spTgt spid="3">
+                                            <p:txEl>
+                                              <p:pRg st="3" end="3"/>
+                                            </p:txEl>
+                                          </p:spTgt>
+                                        </p:tgtEl>
+                                        <p:attrNameLst>
+                                          <p:attrName>style.visibility</p:attrName>
+                                        </p:attrNameLst>
+                                      </p:cBhvr>
+                                      <p:to>
+                                        <p:strVal val="visible"/>
+                                      </p:to>
+                                    </p:set>
+                                    <p:animEffect transition="in" filter="fade">
+                                      <p:cBhvr>
+                                        <p:cTn id="22" dur="2000"/>
+                                        <p:tgtEl>
+                                          <p:spTgt spid="3">
+                                            <p:txEl>
+                                              <p:pRg st="3" end="3"/>
+                                            </p:txEl>
+                                          </p:spTgt>
+                                        </p:tgtEl>
+                                      </p:cBhvr>
+                                    </p:animEffect>
+                                  </p:childTnLst>
+                                </p:cTn>
+                              </p:par>
+                            </p:childTnLst>
+                          </p:cTn>
+                        </p:par>
+                      </p:childTnLst>
+                    </p:cTn>
+                  </p:par>
+                </p:childTnLst>
+              </p:cTn>
+              <p:prevCondLst>
+                <p:cond evt="onPrev" delay="0">
+                  <p:tgtEl>
+                    <p:sldTgt/>
+                  </p:tgtEl>
+                </p:cond>
+              </p:prevCondLst>
+              <p:nextCondLst>
+                <p:cond evt="onNext" delay="0">
+                  <p:tgtEl>
+                    <p:sldTgt/>
+                  </p:tgtEl>
+                </p:cond>
+              </p:nextCondLst>
+            </p:seq>
+          </p:childTnLst>
+        </p:cTn>
       </p:par>
     </p:tnLst>
+    <p:bldLst>
+      <p:bldP spid="3" grpId="0" build="p"/>
+    </p:bldLst>
   </p:timing>
 </p:sld>
 </file>
@@ -17118,6 +19693,9 @@
   <p:clrMapOvr>
     <a:masterClrMapping/>
   </p:clrMapOvr>
+  <p:transition>
+    <p:fade/>
+  </p:transition>
   <p:timing>
     <p:tnLst>
       <p:par>
@@ -18545,6 +21123,9 @@
   <p:clrMapOvr>
     <a:masterClrMapping/>
   </p:clrMapOvr>
+  <p:transition>
+    <p:fade/>
+  </p:transition>
   <p:timing>
     <p:tnLst>
       <p:par>
@@ -18680,12 +21261,371 @@
   <p:clrMapOvr>
     <a:masterClrMapping/>
   </p:clrMapOvr>
+  <p:transition>
+    <p:fade/>
+  </p:transition>
   <p:timing>
     <p:tnLst>
       <p:par>
-        <p:cTn id="1" dur="indefinite" restart="never" nodeType="tmRoot"/>
+        <p:cTn id="1" dur="indefinite" restart="never" nodeType="tmRoot">
+          <p:childTnLst>
+            <p:seq concurrent="1" nextAc="seek">
+              <p:cTn id="2" dur="indefinite" nodeType="mainSeq">
+                <p:childTnLst>
+                  <p:par>
+                    <p:cTn id="3" fill="hold">
+                      <p:stCondLst>
+                        <p:cond delay="indefinite"/>
+                      </p:stCondLst>
+                      <p:childTnLst>
+                        <p:par>
+                          <p:cTn id="4" fill="hold">
+                            <p:stCondLst>
+                              <p:cond delay="0"/>
+                            </p:stCondLst>
+                            <p:childTnLst>
+                              <p:par>
+                                <p:cTn id="5" presetID="10" presetClass="entr" presetSubtype="0" fill="hold" grpId="0" nodeType="clickEffect">
+                                  <p:stCondLst>
+                                    <p:cond delay="0"/>
+                                  </p:stCondLst>
+                                  <p:childTnLst>
+                                    <p:set>
+                                      <p:cBhvr>
+                                        <p:cTn id="6" dur="1" fill="hold">
+                                          <p:stCondLst>
+                                            <p:cond delay="0"/>
+                                          </p:stCondLst>
+                                        </p:cTn>
+                                        <p:tgtEl>
+                                          <p:spTgt spid="3">
+                                            <p:txEl>
+                                              <p:pRg st="0" end="0"/>
+                                            </p:txEl>
+                                          </p:spTgt>
+                                        </p:tgtEl>
+                                        <p:attrNameLst>
+                                          <p:attrName>style.visibility</p:attrName>
+                                        </p:attrNameLst>
+                                      </p:cBhvr>
+                                      <p:to>
+                                        <p:strVal val="visible"/>
+                                      </p:to>
+                                    </p:set>
+                                    <p:animEffect transition="in" filter="fade">
+                                      <p:cBhvr>
+                                        <p:cTn id="7" dur="2000"/>
+                                        <p:tgtEl>
+                                          <p:spTgt spid="3">
+                                            <p:txEl>
+                                              <p:pRg st="0" end="0"/>
+                                            </p:txEl>
+                                          </p:spTgt>
+                                        </p:tgtEl>
+                                      </p:cBhvr>
+                                    </p:animEffect>
+                                  </p:childTnLst>
+                                </p:cTn>
+                              </p:par>
+                            </p:childTnLst>
+                          </p:cTn>
+                        </p:par>
+                      </p:childTnLst>
+                    </p:cTn>
+                  </p:par>
+                  <p:par>
+                    <p:cTn id="8" fill="hold">
+                      <p:stCondLst>
+                        <p:cond delay="indefinite"/>
+                      </p:stCondLst>
+                      <p:childTnLst>
+                        <p:par>
+                          <p:cTn id="9" fill="hold">
+                            <p:stCondLst>
+                              <p:cond delay="0"/>
+                            </p:stCondLst>
+                            <p:childTnLst>
+                              <p:par>
+                                <p:cTn id="10" presetID="10" presetClass="entr" presetSubtype="0" fill="hold" grpId="0" nodeType="clickEffect">
+                                  <p:stCondLst>
+                                    <p:cond delay="0"/>
+                                  </p:stCondLst>
+                                  <p:childTnLst>
+                                    <p:set>
+                                      <p:cBhvr>
+                                        <p:cTn id="11" dur="1" fill="hold">
+                                          <p:stCondLst>
+                                            <p:cond delay="0"/>
+                                          </p:stCondLst>
+                                        </p:cTn>
+                                        <p:tgtEl>
+                                          <p:spTgt spid="3">
+                                            <p:txEl>
+                                              <p:pRg st="1" end="1"/>
+                                            </p:txEl>
+                                          </p:spTgt>
+                                        </p:tgtEl>
+                                        <p:attrNameLst>
+                                          <p:attrName>style.visibility</p:attrName>
+                                        </p:attrNameLst>
+                                      </p:cBhvr>
+                                      <p:to>
+                                        <p:strVal val="visible"/>
+                                      </p:to>
+                                    </p:set>
+                                    <p:animEffect transition="in" filter="fade">
+                                      <p:cBhvr>
+                                        <p:cTn id="12" dur="2000"/>
+                                        <p:tgtEl>
+                                          <p:spTgt spid="3">
+                                            <p:txEl>
+                                              <p:pRg st="1" end="1"/>
+                                            </p:txEl>
+                                          </p:spTgt>
+                                        </p:tgtEl>
+                                      </p:cBhvr>
+                                    </p:animEffect>
+                                  </p:childTnLst>
+                                </p:cTn>
+                              </p:par>
+                              <p:par>
+                                <p:cTn id="13" presetID="10" presetClass="entr" presetSubtype="0" fill="hold" grpId="0" nodeType="withEffect">
+                                  <p:stCondLst>
+                                    <p:cond delay="0"/>
+                                  </p:stCondLst>
+                                  <p:childTnLst>
+                                    <p:set>
+                                      <p:cBhvr>
+                                        <p:cTn id="14" dur="1" fill="hold">
+                                          <p:stCondLst>
+                                            <p:cond delay="0"/>
+                                          </p:stCondLst>
+                                        </p:cTn>
+                                        <p:tgtEl>
+                                          <p:spTgt spid="3">
+                                            <p:txEl>
+                                              <p:pRg st="2" end="2"/>
+                                            </p:txEl>
+                                          </p:spTgt>
+                                        </p:tgtEl>
+                                        <p:attrNameLst>
+                                          <p:attrName>style.visibility</p:attrName>
+                                        </p:attrNameLst>
+                                      </p:cBhvr>
+                                      <p:to>
+                                        <p:strVal val="visible"/>
+                                      </p:to>
+                                    </p:set>
+                                    <p:animEffect transition="in" filter="fade">
+                                      <p:cBhvr>
+                                        <p:cTn id="15" dur="2000"/>
+                                        <p:tgtEl>
+                                          <p:spTgt spid="3">
+                                            <p:txEl>
+                                              <p:pRg st="2" end="2"/>
+                                            </p:txEl>
+                                          </p:spTgt>
+                                        </p:tgtEl>
+                                      </p:cBhvr>
+                                    </p:animEffect>
+                                  </p:childTnLst>
+                                </p:cTn>
+                              </p:par>
+                              <p:par>
+                                <p:cTn id="16" presetID="10" presetClass="entr" presetSubtype="0" fill="hold" grpId="0" nodeType="withEffect">
+                                  <p:stCondLst>
+                                    <p:cond delay="0"/>
+                                  </p:stCondLst>
+                                  <p:childTnLst>
+                                    <p:set>
+                                      <p:cBhvr>
+                                        <p:cTn id="17" dur="1" fill="hold">
+                                          <p:stCondLst>
+                                            <p:cond delay="0"/>
+                                          </p:stCondLst>
+                                        </p:cTn>
+                                        <p:tgtEl>
+                                          <p:spTgt spid="3">
+                                            <p:txEl>
+                                              <p:pRg st="3" end="3"/>
+                                            </p:txEl>
+                                          </p:spTgt>
+                                        </p:tgtEl>
+                                        <p:attrNameLst>
+                                          <p:attrName>style.visibility</p:attrName>
+                                        </p:attrNameLst>
+                                      </p:cBhvr>
+                                      <p:to>
+                                        <p:strVal val="visible"/>
+                                      </p:to>
+                                    </p:set>
+                                    <p:animEffect transition="in" filter="fade">
+                                      <p:cBhvr>
+                                        <p:cTn id="18" dur="2000"/>
+                                        <p:tgtEl>
+                                          <p:spTgt spid="3">
+                                            <p:txEl>
+                                              <p:pRg st="3" end="3"/>
+                                            </p:txEl>
+                                          </p:spTgt>
+                                        </p:tgtEl>
+                                      </p:cBhvr>
+                                    </p:animEffect>
+                                  </p:childTnLst>
+                                </p:cTn>
+                              </p:par>
+                            </p:childTnLst>
+                          </p:cTn>
+                        </p:par>
+                      </p:childTnLst>
+                    </p:cTn>
+                  </p:par>
+                  <p:par>
+                    <p:cTn id="19" fill="hold">
+                      <p:stCondLst>
+                        <p:cond delay="indefinite"/>
+                      </p:stCondLst>
+                      <p:childTnLst>
+                        <p:par>
+                          <p:cTn id="20" fill="hold">
+                            <p:stCondLst>
+                              <p:cond delay="0"/>
+                            </p:stCondLst>
+                            <p:childTnLst>
+                              <p:par>
+                                <p:cTn id="21" presetID="10" presetClass="entr" presetSubtype="0" fill="hold" grpId="0" nodeType="clickEffect">
+                                  <p:stCondLst>
+                                    <p:cond delay="0"/>
+                                  </p:stCondLst>
+                                  <p:childTnLst>
+                                    <p:set>
+                                      <p:cBhvr>
+                                        <p:cTn id="22" dur="1" fill="hold">
+                                          <p:stCondLst>
+                                            <p:cond delay="0"/>
+                                          </p:stCondLst>
+                                        </p:cTn>
+                                        <p:tgtEl>
+                                          <p:spTgt spid="3">
+                                            <p:txEl>
+                                              <p:pRg st="4" end="4"/>
+                                            </p:txEl>
+                                          </p:spTgt>
+                                        </p:tgtEl>
+                                        <p:attrNameLst>
+                                          <p:attrName>style.visibility</p:attrName>
+                                        </p:attrNameLst>
+                                      </p:cBhvr>
+                                      <p:to>
+                                        <p:strVal val="visible"/>
+                                      </p:to>
+                                    </p:set>
+                                    <p:animEffect transition="in" filter="fade">
+                                      <p:cBhvr>
+                                        <p:cTn id="23" dur="2000"/>
+                                        <p:tgtEl>
+                                          <p:spTgt spid="3">
+                                            <p:txEl>
+                                              <p:pRg st="4" end="4"/>
+                                            </p:txEl>
+                                          </p:spTgt>
+                                        </p:tgtEl>
+                                      </p:cBhvr>
+                                    </p:animEffect>
+                                  </p:childTnLst>
+                                </p:cTn>
+                              </p:par>
+                            </p:childTnLst>
+                          </p:cTn>
+                        </p:par>
+                      </p:childTnLst>
+                    </p:cTn>
+                  </p:par>
+                  <p:par>
+                    <p:cTn id="24" fill="hold">
+                      <p:stCondLst>
+                        <p:cond delay="indefinite"/>
+                      </p:stCondLst>
+                      <p:childTnLst>
+                        <p:par>
+                          <p:cTn id="25" fill="hold">
+                            <p:stCondLst>
+                              <p:cond delay="0"/>
+                            </p:stCondLst>
+                            <p:childTnLst>
+                              <p:par>
+                                <p:cTn id="26" presetID="10" presetClass="entr" presetSubtype="0" fill="hold" grpId="0" nodeType="clickEffect">
+                                  <p:stCondLst>
+                                    <p:cond delay="0"/>
+                                  </p:stCondLst>
+                                  <p:childTnLst>
+                                    <p:set>
+                                      <p:cBhvr>
+                                        <p:cTn id="27" dur="1" fill="hold">
+                                          <p:stCondLst>
+                                            <p:cond delay="0"/>
+                                          </p:stCondLst>
+                                        </p:cTn>
+                                        <p:tgtEl>
+                                          <p:spTgt spid="3">
+                                            <p:txEl>
+                                              <p:pRg st="5" end="5"/>
+                                            </p:txEl>
+                                          </p:spTgt>
+                                        </p:tgtEl>
+                                        <p:attrNameLst>
+                                          <p:attrName>style.visibility</p:attrName>
+                                        </p:attrNameLst>
+                                      </p:cBhvr>
+                                      <p:to>
+                                        <p:strVal val="visible"/>
+                                      </p:to>
+                                    </p:set>
+                                    <p:animEffect transition="in" filter="fade">
+                                      <p:cBhvr>
+                                        <p:cTn id="28" dur="2000"/>
+                                        <p:tgtEl>
+                                          <p:spTgt spid="3">
+                                            <p:txEl>
+                                              <p:pRg st="5" end="5"/>
+                                            </p:txEl>
+                                          </p:spTgt>
+                                        </p:tgtEl>
+                                      </p:cBhvr>
+                                    </p:animEffect>
+                                  </p:childTnLst>
+                                </p:cTn>
+                              </p:par>
+                            </p:childTnLst>
+                          </p:cTn>
+                        </p:par>
+                      </p:childTnLst>
+                    </p:cTn>
+                  </p:par>
+                </p:childTnLst>
+              </p:cTn>
+              <p:prevCondLst>
+                <p:cond evt="onPrev" delay="0">
+                  <p:tgtEl>
+                    <p:sldTgt/>
+                  </p:tgtEl>
+                </p:cond>
+              </p:prevCondLst>
+              <p:nextCondLst>
+                <p:cond evt="onNext" delay="0">
+                  <p:tgtEl>
+                    <p:sldTgt/>
+                  </p:tgtEl>
+                </p:cond>
+              </p:nextCondLst>
+            </p:seq>
+          </p:childTnLst>
+        </p:cTn>
       </p:par>
     </p:tnLst>
+    <p:bldLst>
+      <p:bldP spid="3" grpId="0" build="p"/>
+    </p:bldLst>
   </p:timing>
 </p:sld>
 </file>
@@ -18829,12 +21769,224 @@
   <p:clrMapOvr>
     <a:masterClrMapping/>
   </p:clrMapOvr>
+  <p:transition>
+    <p:fade/>
+  </p:transition>
   <p:timing>
     <p:tnLst>
       <p:par>
-        <p:cTn id="1" dur="indefinite" restart="never" nodeType="tmRoot"/>
+        <p:cTn id="1" dur="indefinite" restart="never" nodeType="tmRoot">
+          <p:childTnLst>
+            <p:seq concurrent="1" nextAc="seek">
+              <p:cTn id="2" dur="indefinite" nodeType="mainSeq">
+                <p:childTnLst>
+                  <p:par>
+                    <p:cTn id="3" fill="hold">
+                      <p:stCondLst>
+                        <p:cond delay="indefinite"/>
+                      </p:stCondLst>
+                      <p:childTnLst>
+                        <p:par>
+                          <p:cTn id="4" fill="hold">
+                            <p:stCondLst>
+                              <p:cond delay="0"/>
+                            </p:stCondLst>
+                            <p:childTnLst>
+                              <p:par>
+                                <p:cTn id="5" presetID="10" presetClass="entr" presetSubtype="0" fill="hold" grpId="0" nodeType="clickEffect">
+                                  <p:stCondLst>
+                                    <p:cond delay="0"/>
+                                  </p:stCondLst>
+                                  <p:childTnLst>
+                                    <p:set>
+                                      <p:cBhvr>
+                                        <p:cTn id="6" dur="1" fill="hold">
+                                          <p:stCondLst>
+                                            <p:cond delay="0"/>
+                                          </p:stCondLst>
+                                        </p:cTn>
+                                        <p:tgtEl>
+                                          <p:spTgt spid="3">
+                                            <p:txEl>
+                                              <p:pRg st="0" end="0"/>
+                                            </p:txEl>
+                                          </p:spTgt>
+                                        </p:tgtEl>
+                                        <p:attrNameLst>
+                                          <p:attrName>style.visibility</p:attrName>
+                                        </p:attrNameLst>
+                                      </p:cBhvr>
+                                      <p:to>
+                                        <p:strVal val="visible"/>
+                                      </p:to>
+                                    </p:set>
+                                    <p:animEffect transition="in" filter="fade">
+                                      <p:cBhvr>
+                                        <p:cTn id="7" dur="2000"/>
+                                        <p:tgtEl>
+                                          <p:spTgt spid="3">
+                                            <p:txEl>
+                                              <p:pRg st="0" end="0"/>
+                                            </p:txEl>
+                                          </p:spTgt>
+                                        </p:tgtEl>
+                                      </p:cBhvr>
+                                    </p:animEffect>
+                                  </p:childTnLst>
+                                </p:cTn>
+                              </p:par>
+                            </p:childTnLst>
+                          </p:cTn>
+                        </p:par>
+                      </p:childTnLst>
+                    </p:cTn>
+                  </p:par>
+                  <p:par>
+                    <p:cTn id="8" fill="hold">
+                      <p:stCondLst>
+                        <p:cond delay="indefinite"/>
+                      </p:stCondLst>
+                      <p:childTnLst>
+                        <p:par>
+                          <p:cTn id="9" fill="hold">
+                            <p:stCondLst>
+                              <p:cond delay="0"/>
+                            </p:stCondLst>
+                            <p:childTnLst>
+                              <p:par>
+                                <p:cTn id="10" presetID="10" presetClass="entr" presetSubtype="0" fill="hold" grpId="0" nodeType="clickEffect">
+                                  <p:stCondLst>
+                                    <p:cond delay="0"/>
+                                  </p:stCondLst>
+                                  <p:childTnLst>
+                                    <p:set>
+                                      <p:cBhvr>
+                                        <p:cTn id="11" dur="1" fill="hold">
+                                          <p:stCondLst>
+                                            <p:cond delay="0"/>
+                                          </p:stCondLst>
+                                        </p:cTn>
+                                        <p:tgtEl>
+                                          <p:spTgt spid="3">
+                                            <p:txEl>
+                                              <p:pRg st="1" end="1"/>
+                                            </p:txEl>
+                                          </p:spTgt>
+                                        </p:tgtEl>
+                                        <p:attrNameLst>
+                                          <p:attrName>style.visibility</p:attrName>
+                                        </p:attrNameLst>
+                                      </p:cBhvr>
+                                      <p:to>
+                                        <p:strVal val="visible"/>
+                                      </p:to>
+                                    </p:set>
+                                    <p:animEffect transition="in" filter="fade">
+                                      <p:cBhvr>
+                                        <p:cTn id="12" dur="2000"/>
+                                        <p:tgtEl>
+                                          <p:spTgt spid="3">
+                                            <p:txEl>
+                                              <p:pRg st="1" end="1"/>
+                                            </p:txEl>
+                                          </p:spTgt>
+                                        </p:tgtEl>
+                                      </p:cBhvr>
+                                    </p:animEffect>
+                                  </p:childTnLst>
+                                </p:cTn>
+                              </p:par>
+                            </p:childTnLst>
+                          </p:cTn>
+                        </p:par>
+                      </p:childTnLst>
+                    </p:cTn>
+                  </p:par>
+                  <p:par>
+                    <p:cTn id="13" fill="hold">
+                      <p:stCondLst>
+                        <p:cond delay="indefinite"/>
+                      </p:stCondLst>
+                      <p:childTnLst>
+                        <p:par>
+                          <p:cTn id="14" fill="hold">
+                            <p:stCondLst>
+                              <p:cond delay="0"/>
+                            </p:stCondLst>
+                            <p:childTnLst>
+                              <p:par>
+                                <p:cTn id="15" presetID="10" presetClass="entr" presetSubtype="0" fill="hold" grpId="0" nodeType="clickEffect">
+                                  <p:stCondLst>
+                                    <p:cond delay="0"/>
+                                  </p:stCondLst>
+                                  <p:childTnLst>
+                                    <p:set>
+                                      <p:cBhvr>
+                                        <p:cTn id="16" dur="1" fill="hold">
+                                          <p:stCondLst>
+                                            <p:cond delay="0"/>
+                                          </p:stCondLst>
+                                        </p:cTn>
+                                        <p:tgtEl>
+                                          <p:spTgt spid="3">
+                                            <p:txEl>
+                                              <p:pRg st="5" end="5"/>
+                                            </p:txEl>
+                                          </p:spTgt>
+                                        </p:tgtEl>
+                                        <p:attrNameLst>
+                                          <p:attrName>style.visibility</p:attrName>
+                                        </p:attrNameLst>
+                                      </p:cBhvr>
+                                      <p:to>
+                                        <p:strVal val="visible"/>
+                                      </p:to>
+                                    </p:set>
+                                    <p:animEffect transition="in" filter="fade">
+                                      <p:cBhvr>
+                                        <p:cTn id="17" dur="2000"/>
+                                        <p:tgtEl>
+                                          <p:spTgt spid="3">
+                                            <p:txEl>
+                                              <p:pRg st="5" end="5"/>
+                                            </p:txEl>
+                                          </p:spTgt>
+                                        </p:tgtEl>
+                                      </p:cBhvr>
+                                    </p:animEffect>
+                                  </p:childTnLst>
+                                </p:cTn>
+                              </p:par>
+                            </p:childTnLst>
+                          </p:cTn>
+                        </p:par>
+                      </p:childTnLst>
+                    </p:cTn>
+                  </p:par>
+                </p:childTnLst>
+              </p:cTn>
+              <p:prevCondLst>
+                <p:cond evt="onPrev" delay="0">
+                  <p:tgtEl>
+                    <p:sldTgt/>
+                  </p:tgtEl>
+                </p:cond>
+              </p:prevCondLst>
+              <p:nextCondLst>
+                <p:cond evt="onNext" delay="0">
+                  <p:tgtEl>
+                    <p:sldTgt/>
+                  </p:tgtEl>
+                </p:cond>
+              </p:nextCondLst>
+            </p:seq>
+          </p:childTnLst>
+        </p:cTn>
       </p:par>
     </p:tnLst>
+    <p:bldLst>
+      <p:bldP spid="3" grpId="0" build="p"/>
+    </p:bldLst>
   </p:timing>
 </p:sld>
 </file>

--- a/doc/presentacion/presentacion.pptx
+++ b/doc/presentacion/presentacion.pptx
@@ -536,12 +536,12 @@
               <a:t> </a:t>
             </a:r>
             <a:r>
-              <a:rPr lang="es-ES" baseline="0" dirty="0" err="1" smtClean="0"/>
-              <a:t>becho</a:t>
-            </a:r>
-            <a:r>
               <a:rPr lang="es-ES" baseline="0" dirty="0" smtClean="0"/>
-              <a:t> y lea. Gracias a todos por venir.</a:t>
+              <a:t>Mauro y Leandro. </a:t>
+            </a:r>
+            <a:r>
+              <a:rPr lang="es-ES" baseline="0" dirty="0" smtClean="0"/>
+              <a:t>Gracias a todos por venir.</a:t>
             </a:r>
           </a:p>
           <a:p>
@@ -581,7 +581,7 @@
             </a:r>
             <a:r>
               <a:rPr lang="es-ES" baseline="0" dirty="0" err="1" smtClean="0"/>
-              <a:t>ParalellEditor</a:t>
+              <a:t>ParallelEditor</a:t>
             </a:r>
             <a:r>
               <a:rPr lang="es-ES" baseline="0" dirty="0" smtClean="0"/>
@@ -4768,7 +4768,15 @@
             </a:r>
             <a:r>
               <a:rPr lang="es-ES" baseline="0" dirty="0" smtClean="0"/>
-              <a:t> a dividir en 3 partes:</a:t>
+              <a:t> a dividir en </a:t>
+            </a:r>
+            <a:r>
+              <a:rPr lang="es-ES" baseline="0" dirty="0" smtClean="0"/>
+              <a:t>4 </a:t>
+            </a:r>
+            <a:r>
+              <a:rPr lang="es-ES" baseline="0" dirty="0" smtClean="0"/>
+              <a:t>partes:</a:t>
             </a:r>
           </a:p>
           <a:p>
@@ -4778,7 +4786,11 @@
             </a:pPr>
             <a:r>
               <a:rPr lang="es-ES" baseline="0" dirty="0" smtClean="0"/>
-              <a:t> La primera realiza una introducción al tema, para poner en contexto a aquellos que no están familiarizados con los sistemas colaborativos de tiempo real.</a:t>
+              <a:t>La </a:t>
+            </a:r>
+            <a:r>
+              <a:rPr lang="es-ES" baseline="0" dirty="0" smtClean="0"/>
+              <a:t>primera realiza una introducción al tema, para poner en contexto a aquellos que no están familiarizados con los sistemas colaborativos de tiempo real.</a:t>
             </a:r>
           </a:p>
           <a:p>
@@ -4788,7 +4800,11 @@
             </a:pPr>
             <a:r>
               <a:rPr lang="es-ES" baseline="0" dirty="0" smtClean="0"/>
-              <a:t> Se explica el porque o la motivación que nos lleva a desarrollar este trabajo junto con la explicación del problema que se quiere resolver y cuales son las soluciones que hoy en día existen y que tratan de resolverlo. Se analizan las ventajas y desventajas de estos productos.</a:t>
+              <a:t>Se </a:t>
+            </a:r>
+            <a:r>
+              <a:rPr lang="es-ES" baseline="0" dirty="0" smtClean="0"/>
+              <a:t>explica el porque o la motivación que nos lleva a desarrollar este trabajo junto con la explicación del problema que se quiere resolver y cuales son las soluciones que hoy en día existen y que tratan de resolverlo. Se analizan las ventajas y desventajas de estos productos.</a:t>
             </a:r>
           </a:p>
           <a:p>
@@ -4832,7 +4848,15 @@
             </a:pPr>
             <a:r>
               <a:rPr lang="es-ES" baseline="0" dirty="0" smtClean="0"/>
-              <a:t>Como cierre se explicarán las futuras líneas de investigación o mejoras que podrían aplicarse al producto desarrollado para agregarle valor, y se expondrán las conclusiones obtenidas.</a:t>
+              <a:t>Como cierre se explicarán las futuras líneas de investigación </a:t>
+            </a:r>
+            <a:r>
+              <a:rPr lang="es-ES" baseline="0" dirty="0" smtClean="0"/>
+              <a:t>y </a:t>
+            </a:r>
+            <a:r>
+              <a:rPr lang="es-ES" baseline="0" dirty="0" smtClean="0"/>
+              <a:t>mejoras que podrían aplicarse al producto desarrollado para agregarle valor, y se expondrán las conclusiones obtenidas.</a:t>
             </a:r>
             <a:endParaRPr lang="es-ES" dirty="0"/>
           </a:p>
@@ -4921,19 +4945,275 @@
               <a:buChar char="•"/>
             </a:pPr>
             <a:r>
-              <a:rPr lang="es-AR" dirty="0" smtClean="0"/>
-              <a:t>Frecuentemente</a:t>
-            </a:r>
-            <a:r>
-              <a:rPr lang="es-AR" baseline="0" dirty="0" smtClean="0"/>
-              <a:t> al enfrentarse con tareas en las cuales es necesario trabajar en forma grupal surge el inconveniente de que los integrantes del ET están distribuidos geográficamente. Un escenario muy común es la necesidad de desarrollar un trabajo práctico para la facultad. En este tipo de trabajos generalmente se realiza una división de tareas, que luego de ser resueltas por cada integrante requieren un cierto </a:t>
-            </a:r>
-            <a:r>
-              <a:rPr lang="es-AR" baseline="0" dirty="0" err="1" smtClean="0"/>
-              <a:t>feedback</a:t>
-            </a:r>
-            <a:r>
-              <a:rPr lang="es-AR" baseline="0" dirty="0" smtClean="0"/>
+              <a:rPr lang="en-US" baseline="0" dirty="0" err="1" smtClean="0"/>
+              <a:t>Necesidad</a:t>
+            </a:r>
+            <a:r>
+              <a:rPr lang="en-US" baseline="0" dirty="0" smtClean="0"/>
+              <a:t> de </a:t>
+            </a:r>
+            <a:r>
+              <a:rPr lang="en-US" baseline="0" dirty="0" err="1" smtClean="0"/>
+              <a:t>trabajar</a:t>
+            </a:r>
+            <a:r>
+              <a:rPr lang="en-US" baseline="0" dirty="0" smtClean="0"/>
+              <a:t> </a:t>
+            </a:r>
+            <a:r>
+              <a:rPr lang="en-US" baseline="0" dirty="0" err="1" smtClean="0"/>
+              <a:t>sobre</a:t>
+            </a:r>
+            <a:r>
+              <a:rPr lang="en-US" baseline="0" dirty="0" smtClean="0"/>
+              <a:t> un </a:t>
+            </a:r>
+            <a:r>
+              <a:rPr lang="en-US" baseline="0" dirty="0" err="1" smtClean="0"/>
+              <a:t>mismo</a:t>
+            </a:r>
+            <a:r>
+              <a:rPr lang="en-US" baseline="0" dirty="0" smtClean="0"/>
+              <a:t> </a:t>
+            </a:r>
+            <a:r>
+              <a:rPr lang="en-US" baseline="0" dirty="0" err="1" smtClean="0"/>
+              <a:t>documento</a:t>
+            </a:r>
+            <a:r>
+              <a:rPr lang="en-US" baseline="0" dirty="0" smtClean="0"/>
+              <a:t> </a:t>
+            </a:r>
+            <a:r>
+              <a:rPr lang="en-US" baseline="0" dirty="0" err="1" smtClean="0"/>
+              <a:t>simultáneamente</a:t>
+            </a:r>
+            <a:r>
+              <a:rPr lang="en-US" baseline="0" dirty="0" smtClean="0"/>
+              <a:t>: se </a:t>
+            </a:r>
+            <a:r>
+              <a:rPr lang="en-US" baseline="0" dirty="0" err="1" smtClean="0"/>
+              <a:t>da</a:t>
+            </a:r>
+            <a:r>
+              <a:rPr lang="en-US" baseline="0" dirty="0" smtClean="0"/>
+              <a:t> </a:t>
+            </a:r>
+            <a:r>
+              <a:rPr lang="en-US" baseline="0" dirty="0" err="1" smtClean="0"/>
+              <a:t>frecuentemente</a:t>
+            </a:r>
+            <a:r>
+              <a:rPr lang="en-US" baseline="0" dirty="0" smtClean="0"/>
+              <a:t> </a:t>
+            </a:r>
+            <a:r>
+              <a:rPr lang="en-US" baseline="0" dirty="0" err="1" smtClean="0"/>
+              <a:t>cuando</a:t>
+            </a:r>
+            <a:r>
+              <a:rPr lang="en-US" baseline="0" dirty="0" smtClean="0"/>
+              <a:t> un </a:t>
+            </a:r>
+            <a:r>
+              <a:rPr lang="en-US" baseline="0" dirty="0" err="1" smtClean="0"/>
+              <a:t>equipo</a:t>
+            </a:r>
+            <a:r>
+              <a:rPr lang="en-US" baseline="0" dirty="0" smtClean="0"/>
+              <a:t> </a:t>
+            </a:r>
+            <a:r>
+              <a:rPr lang="en-US" baseline="0" dirty="0" err="1" smtClean="0"/>
+              <a:t>debe</a:t>
+            </a:r>
+            <a:r>
+              <a:rPr lang="en-US" baseline="0" dirty="0" smtClean="0"/>
+              <a:t> </a:t>
+            </a:r>
+            <a:r>
+              <a:rPr lang="en-US" baseline="0" dirty="0" err="1" smtClean="0"/>
+              <a:t>trabajar</a:t>
+            </a:r>
+            <a:r>
+              <a:rPr lang="en-US" baseline="0" dirty="0" smtClean="0"/>
+              <a:t> en forma </a:t>
+            </a:r>
+            <a:r>
+              <a:rPr lang="en-US" baseline="0" dirty="0" err="1" smtClean="0"/>
+              <a:t>conjunta</a:t>
+            </a:r>
+            <a:r>
+              <a:rPr lang="en-US" baseline="0" dirty="0" smtClean="0"/>
+              <a:t> </a:t>
+            </a:r>
+            <a:r>
+              <a:rPr lang="en-US" baseline="0" dirty="0" err="1" smtClean="0"/>
+              <a:t>para</a:t>
+            </a:r>
+            <a:r>
+              <a:rPr lang="en-US" baseline="0" dirty="0" smtClean="0"/>
+              <a:t> el </a:t>
+            </a:r>
+            <a:r>
+              <a:rPr lang="en-US" baseline="0" dirty="0" err="1" smtClean="0"/>
+              <a:t>desarrollo</a:t>
+            </a:r>
+            <a:r>
+              <a:rPr lang="en-US" baseline="0" dirty="0" smtClean="0"/>
+              <a:t> de </a:t>
+            </a:r>
+            <a:r>
+              <a:rPr lang="en-US" baseline="0" dirty="0" err="1" smtClean="0"/>
+              <a:t>documento</a:t>
+            </a:r>
+            <a:r>
+              <a:rPr lang="en-US" baseline="0" dirty="0" smtClean="0"/>
+              <a:t> (</a:t>
+            </a:r>
+            <a:r>
+              <a:rPr lang="en-US" baseline="0" dirty="0" err="1" smtClean="0"/>
+              <a:t>informe</a:t>
+            </a:r>
+            <a:r>
+              <a:rPr lang="en-US" baseline="0" dirty="0" smtClean="0"/>
+              <a:t> o </a:t>
+            </a:r>
+            <a:r>
+              <a:rPr lang="en-US" baseline="0" dirty="0" err="1" smtClean="0"/>
+              <a:t>código</a:t>
+            </a:r>
+            <a:r>
+              <a:rPr lang="en-US" baseline="0" dirty="0" smtClean="0"/>
+              <a:t>). </a:t>
+            </a:r>
+            <a:r>
+              <a:rPr lang="en-US" baseline="0" dirty="0" err="1" smtClean="0"/>
+              <a:t>Personalmente</a:t>
+            </a:r>
+            <a:r>
+              <a:rPr lang="en-US" baseline="0" dirty="0" smtClean="0"/>
+              <a:t>, </a:t>
+            </a:r>
+            <a:r>
+              <a:rPr lang="en-US" baseline="0" dirty="0" err="1" smtClean="0"/>
+              <a:t>este</a:t>
+            </a:r>
+            <a:r>
+              <a:rPr lang="en-US" baseline="0" dirty="0" smtClean="0"/>
+              <a:t> </a:t>
+            </a:r>
+            <a:r>
+              <a:rPr lang="en-US" baseline="0" dirty="0" err="1" smtClean="0"/>
+              <a:t>escenario</a:t>
+            </a:r>
+            <a:r>
+              <a:rPr lang="en-US" baseline="0" dirty="0" smtClean="0"/>
+              <a:t> lo </a:t>
+            </a:r>
+            <a:r>
+              <a:rPr lang="en-US" baseline="0" dirty="0" err="1" smtClean="0"/>
+              <a:t>encontramos</a:t>
+            </a:r>
+            <a:r>
+              <a:rPr lang="en-US" baseline="0" dirty="0" smtClean="0"/>
+              <a:t> al </a:t>
+            </a:r>
+            <a:r>
+              <a:rPr lang="en-US" baseline="0" dirty="0" err="1" smtClean="0"/>
+              <a:t>desarrollar</a:t>
+            </a:r>
+            <a:r>
+              <a:rPr lang="en-US" baseline="0" dirty="0" smtClean="0"/>
+              <a:t> </a:t>
+            </a:r>
+            <a:r>
+              <a:rPr lang="en-US" baseline="0" dirty="0" err="1" smtClean="0"/>
+              <a:t>trabajos</a:t>
+            </a:r>
+            <a:r>
+              <a:rPr lang="en-US" baseline="0" dirty="0" smtClean="0"/>
+              <a:t> </a:t>
+            </a:r>
+            <a:r>
+              <a:rPr lang="en-US" baseline="0" dirty="0" err="1" smtClean="0"/>
+              <a:t>prácticos</a:t>
+            </a:r>
+            <a:r>
+              <a:rPr lang="en-US" baseline="0" dirty="0" smtClean="0"/>
+              <a:t> </a:t>
+            </a:r>
+            <a:r>
+              <a:rPr lang="en-US" baseline="0" dirty="0" err="1" smtClean="0"/>
+              <a:t>para</a:t>
+            </a:r>
+            <a:r>
+              <a:rPr lang="en-US" baseline="0" dirty="0" smtClean="0"/>
+              <a:t> la </a:t>
+            </a:r>
+            <a:r>
+              <a:rPr lang="en-US" baseline="0" dirty="0" err="1" smtClean="0"/>
+              <a:t>facultad</a:t>
+            </a:r>
+            <a:r>
+              <a:rPr lang="en-US" baseline="0" dirty="0" smtClean="0"/>
+              <a:t> </a:t>
+            </a:r>
+            <a:r>
+              <a:rPr lang="en-US" baseline="0" dirty="0" err="1" smtClean="0"/>
+              <a:t>debido</a:t>
+            </a:r>
+            <a:r>
+              <a:rPr lang="en-US" baseline="0" dirty="0" smtClean="0"/>
+              <a:t> a </a:t>
+            </a:r>
+            <a:r>
+              <a:rPr lang="en-US" baseline="0" dirty="0" err="1" smtClean="0"/>
+              <a:t>que</a:t>
+            </a:r>
+            <a:r>
+              <a:rPr lang="en-US" baseline="0" dirty="0" smtClean="0"/>
+              <a:t> no </a:t>
+            </a:r>
+            <a:r>
+              <a:rPr lang="en-US" baseline="0" dirty="0" err="1" smtClean="0"/>
+              <a:t>necesariamente</a:t>
+            </a:r>
+            <a:r>
+              <a:rPr lang="en-US" baseline="0" dirty="0" smtClean="0"/>
+              <a:t> los </a:t>
+            </a:r>
+            <a:r>
+              <a:rPr lang="en-US" baseline="0" dirty="0" err="1" smtClean="0"/>
+              <a:t>integrantes</a:t>
+            </a:r>
+            <a:r>
+              <a:rPr lang="en-US" baseline="0" dirty="0" smtClean="0"/>
+              <a:t> </a:t>
+            </a:r>
+            <a:r>
+              <a:rPr lang="en-US" baseline="0" dirty="0" err="1" smtClean="0"/>
+              <a:t>están</a:t>
+            </a:r>
+            <a:r>
+              <a:rPr lang="en-US" baseline="0" dirty="0" smtClean="0"/>
+              <a:t> en el </a:t>
+            </a:r>
+            <a:r>
+              <a:rPr lang="en-US" baseline="0" dirty="0" err="1" smtClean="0"/>
+              <a:t>mismo</a:t>
+            </a:r>
+            <a:r>
+              <a:rPr lang="en-US" baseline="0" dirty="0" smtClean="0"/>
+              <a:t> </a:t>
+            </a:r>
+            <a:r>
+              <a:rPr lang="en-US" baseline="0" dirty="0" err="1" smtClean="0"/>
+              <a:t>lugar</a:t>
+            </a:r>
+            <a:r>
+              <a:rPr lang="en-US" baseline="0" dirty="0" smtClean="0"/>
               <a:t>.</a:t>
             </a:r>
           </a:p>
@@ -4943,45 +5223,342 @@
               <a:buChar char="•"/>
             </a:pPr>
             <a:r>
-              <a:rPr lang="es-AR" baseline="0" dirty="0" smtClean="0"/>
-              <a:t>En estas situaciones se necesitan </a:t>
-            </a:r>
-            <a:r>
-              <a:rPr lang="es-ES" dirty="0" smtClean="0"/>
-              <a:t>herramientas que ayuden a simplificar este proceso</a:t>
-            </a:r>
-            <a:r>
-              <a:rPr lang="es-ES" baseline="0" dirty="0" smtClean="0"/>
-              <a:t> y que ayude a que </a:t>
-            </a:r>
-            <a:r>
-              <a:rPr lang="es-ES" dirty="0" smtClean="0"/>
-              <a:t>los tiempos de coordinación e interacción entre</a:t>
-            </a:r>
-            <a:r>
-              <a:rPr lang="es-ES" baseline="0" dirty="0" smtClean="0"/>
-              <a:t> </a:t>
-            </a:r>
-            <a:r>
-              <a:rPr lang="es-ES" dirty="0" smtClean="0"/>
-              <a:t>los integrantes del grupo de trabajo sean bajos.</a:t>
+              <a:rPr lang="en-US" baseline="0" dirty="0" err="1" smtClean="0"/>
+              <a:t>Necesidad</a:t>
+            </a:r>
+            <a:r>
+              <a:rPr lang="en-US" baseline="0" dirty="0" smtClean="0"/>
+              <a:t> de </a:t>
+            </a:r>
+            <a:r>
+              <a:rPr lang="en-US" baseline="0" dirty="0" err="1" smtClean="0"/>
+              <a:t>obtener</a:t>
+            </a:r>
+            <a:r>
+              <a:rPr lang="en-US" baseline="0" dirty="0" smtClean="0"/>
+              <a:t> feedback </a:t>
+            </a:r>
+            <a:r>
+              <a:rPr lang="en-US" baseline="0" dirty="0" err="1" smtClean="0"/>
+              <a:t>instantáneo</a:t>
+            </a:r>
+            <a:r>
+              <a:rPr lang="en-US" baseline="0" dirty="0" smtClean="0"/>
+              <a:t>: en el </a:t>
+            </a:r>
+            <a:r>
+              <a:rPr lang="en-US" baseline="0" dirty="0" err="1" smtClean="0"/>
+              <a:t>caso</a:t>
+            </a:r>
+            <a:r>
+              <a:rPr lang="en-US" baseline="0" dirty="0" smtClean="0"/>
+              <a:t> de </a:t>
+            </a:r>
+            <a:r>
+              <a:rPr lang="en-US" baseline="0" dirty="0" err="1" smtClean="0"/>
+              <a:t>que</a:t>
+            </a:r>
+            <a:r>
+              <a:rPr lang="en-US" baseline="0" dirty="0" smtClean="0"/>
+              <a:t> </a:t>
+            </a:r>
+            <a:r>
+              <a:rPr lang="en-US" baseline="0" dirty="0" err="1" smtClean="0"/>
+              <a:t>las</a:t>
+            </a:r>
+            <a:r>
+              <a:rPr lang="en-US" baseline="0" dirty="0" smtClean="0"/>
+              <a:t> personas </a:t>
+            </a:r>
+            <a:r>
+              <a:rPr lang="en-US" baseline="0" dirty="0" err="1" smtClean="0"/>
+              <a:t>esten</a:t>
+            </a:r>
+            <a:r>
+              <a:rPr lang="en-US" baseline="0" dirty="0" smtClean="0"/>
+              <a:t> </a:t>
+            </a:r>
+            <a:r>
+              <a:rPr lang="en-US" baseline="0" dirty="0" err="1" smtClean="0"/>
+              <a:t>reunidas</a:t>
+            </a:r>
+            <a:r>
+              <a:rPr lang="en-US" baseline="0" dirty="0" smtClean="0"/>
+              <a:t> en el </a:t>
+            </a:r>
+            <a:r>
+              <a:rPr lang="en-US" baseline="0" dirty="0" err="1" smtClean="0"/>
+              <a:t>mismo</a:t>
+            </a:r>
+            <a:r>
+              <a:rPr lang="en-US" baseline="0" dirty="0" smtClean="0"/>
+              <a:t> </a:t>
+            </a:r>
+            <a:r>
+              <a:rPr lang="en-US" baseline="0" dirty="0" err="1" smtClean="0"/>
+              <a:t>lugar</a:t>
+            </a:r>
+            <a:r>
+              <a:rPr lang="en-US" baseline="0" dirty="0" smtClean="0"/>
+              <a:t>, </a:t>
+            </a:r>
+            <a:r>
+              <a:rPr lang="en-US" baseline="0" dirty="0" err="1" smtClean="0"/>
+              <a:t>es</a:t>
+            </a:r>
+            <a:r>
+              <a:rPr lang="en-US" baseline="0" dirty="0" smtClean="0"/>
+              <a:t> </a:t>
+            </a:r>
+            <a:r>
+              <a:rPr lang="en-US" baseline="0" dirty="0" err="1" smtClean="0"/>
+              <a:t>factible</a:t>
+            </a:r>
+            <a:r>
+              <a:rPr lang="en-US" baseline="0" dirty="0" smtClean="0"/>
+              <a:t> </a:t>
+            </a:r>
+            <a:r>
+              <a:rPr lang="en-US" baseline="0" dirty="0" err="1" smtClean="0"/>
+              <a:t>intercambiar</a:t>
+            </a:r>
+            <a:r>
+              <a:rPr lang="en-US" baseline="0" dirty="0" smtClean="0"/>
+              <a:t> </a:t>
+            </a:r>
+            <a:r>
+              <a:rPr lang="en-US" baseline="0" dirty="0" err="1" smtClean="0"/>
+              <a:t>facilmente</a:t>
+            </a:r>
+            <a:r>
+              <a:rPr lang="en-US" baseline="0" dirty="0" smtClean="0"/>
+              <a:t> </a:t>
+            </a:r>
+            <a:r>
+              <a:rPr lang="en-US" baseline="0" dirty="0" err="1" smtClean="0"/>
+              <a:t>opiniones</a:t>
+            </a:r>
+            <a:r>
+              <a:rPr lang="en-US" baseline="0" dirty="0" smtClean="0"/>
+              <a:t> y </a:t>
+            </a:r>
+            <a:r>
+              <a:rPr lang="en-US" baseline="0" dirty="0" err="1" smtClean="0"/>
+              <a:t>sugerencias</a:t>
+            </a:r>
+            <a:r>
+              <a:rPr lang="en-US" baseline="0" dirty="0" smtClean="0"/>
+              <a:t> </a:t>
+            </a:r>
+            <a:r>
+              <a:rPr lang="en-US" baseline="0" dirty="0" err="1" smtClean="0"/>
+              <a:t>sobre</a:t>
+            </a:r>
+            <a:r>
+              <a:rPr lang="en-US" baseline="0" dirty="0" smtClean="0"/>
+              <a:t> </a:t>
+            </a:r>
+            <a:r>
+              <a:rPr lang="en-US" baseline="0" dirty="0" err="1" smtClean="0"/>
+              <a:t>las</a:t>
+            </a:r>
+            <a:r>
+              <a:rPr lang="en-US" baseline="0" dirty="0" smtClean="0"/>
+              <a:t> </a:t>
+            </a:r>
+            <a:r>
+              <a:rPr lang="en-US" baseline="0" dirty="0" err="1" smtClean="0"/>
+              <a:t>tareas</a:t>
+            </a:r>
+            <a:r>
+              <a:rPr lang="en-US" baseline="0" dirty="0" smtClean="0"/>
+              <a:t> </a:t>
+            </a:r>
+            <a:r>
+              <a:rPr lang="en-US" baseline="0" dirty="0" err="1" smtClean="0"/>
+              <a:t>que</a:t>
+            </a:r>
+            <a:r>
+              <a:rPr lang="en-US" baseline="0" dirty="0" smtClean="0"/>
+              <a:t> se van </a:t>
+            </a:r>
+            <a:r>
+              <a:rPr lang="en-US" baseline="0" dirty="0" err="1" smtClean="0"/>
+              <a:t>desarrollando</a:t>
+            </a:r>
+            <a:r>
+              <a:rPr lang="en-US" baseline="0" dirty="0" smtClean="0"/>
+              <a:t>. </a:t>
+            </a:r>
+            <a:r>
+              <a:rPr lang="en-US" baseline="0" dirty="0" err="1" smtClean="0"/>
+              <a:t>Esta</a:t>
+            </a:r>
+            <a:r>
+              <a:rPr lang="en-US" baseline="0" dirty="0" smtClean="0"/>
+              <a:t> </a:t>
+            </a:r>
+            <a:r>
+              <a:rPr lang="en-US" baseline="0" dirty="0" err="1" smtClean="0"/>
+              <a:t>situacion</a:t>
+            </a:r>
+            <a:r>
+              <a:rPr lang="en-US" baseline="0" dirty="0" smtClean="0"/>
+              <a:t> cambia </a:t>
+            </a:r>
+            <a:r>
+              <a:rPr lang="en-US" baseline="0" dirty="0" err="1" smtClean="0"/>
+              <a:t>cuando</a:t>
+            </a:r>
+            <a:r>
+              <a:rPr lang="en-US" baseline="0" dirty="0" smtClean="0"/>
+              <a:t> no se </a:t>
+            </a:r>
+            <a:r>
+              <a:rPr lang="en-US" baseline="0" dirty="0" err="1" smtClean="0"/>
+              <a:t>encuentran</a:t>
+            </a:r>
+            <a:r>
+              <a:rPr lang="en-US" baseline="0" dirty="0" smtClean="0"/>
+              <a:t> </a:t>
+            </a:r>
+            <a:r>
+              <a:rPr lang="en-US" baseline="0" dirty="0" err="1" smtClean="0"/>
+              <a:t>reunidos</a:t>
+            </a:r>
+            <a:r>
+              <a:rPr lang="en-US" baseline="0" dirty="0" smtClean="0"/>
+              <a:t>. La </a:t>
+            </a:r>
+            <a:r>
+              <a:rPr lang="en-US" baseline="0" dirty="0" err="1" smtClean="0"/>
+              <a:t>comunicacion</a:t>
+            </a:r>
+            <a:r>
+              <a:rPr lang="en-US" baseline="0" dirty="0" smtClean="0"/>
+              <a:t> </a:t>
+            </a:r>
+            <a:r>
+              <a:rPr lang="en-US" baseline="0" dirty="0" err="1" smtClean="0"/>
+              <a:t>es</a:t>
+            </a:r>
+            <a:r>
+              <a:rPr lang="en-US" baseline="0" dirty="0" smtClean="0"/>
+              <a:t> </a:t>
+            </a:r>
+            <a:r>
+              <a:rPr lang="en-US" baseline="0" dirty="0" err="1" smtClean="0"/>
+              <a:t>mas</a:t>
+            </a:r>
+            <a:r>
+              <a:rPr lang="en-US" baseline="0" dirty="0" smtClean="0"/>
+              <a:t> </a:t>
+            </a:r>
+            <a:r>
+              <a:rPr lang="en-US" baseline="0" dirty="0" err="1" smtClean="0"/>
+              <a:t>lenta</a:t>
+            </a:r>
+            <a:r>
+              <a:rPr lang="en-US" baseline="0" dirty="0" smtClean="0"/>
+              <a:t> y los </a:t>
+            </a:r>
+            <a:r>
+              <a:rPr lang="en-US" baseline="0" dirty="0" err="1" smtClean="0"/>
+              <a:t>cambios</a:t>
+            </a:r>
+            <a:r>
+              <a:rPr lang="en-US" baseline="0" dirty="0" smtClean="0"/>
+              <a:t> </a:t>
+            </a:r>
+            <a:r>
+              <a:rPr lang="en-US" baseline="0" dirty="0" err="1" smtClean="0"/>
+              <a:t>introducidos</a:t>
+            </a:r>
+            <a:r>
+              <a:rPr lang="en-US" baseline="0" dirty="0" smtClean="0"/>
+              <a:t> </a:t>
+            </a:r>
+            <a:r>
+              <a:rPr lang="en-US" baseline="0" dirty="0" err="1" smtClean="0"/>
+              <a:t>por</a:t>
+            </a:r>
+            <a:r>
+              <a:rPr lang="en-US" baseline="0" dirty="0" smtClean="0"/>
+              <a:t> </a:t>
+            </a:r>
+            <a:r>
+              <a:rPr lang="en-US" baseline="0" dirty="0" err="1" smtClean="0"/>
+              <a:t>una</a:t>
+            </a:r>
+            <a:r>
+              <a:rPr lang="en-US" baseline="0" dirty="0" smtClean="0"/>
+              <a:t> persona no son </a:t>
+            </a:r>
+            <a:r>
+              <a:rPr lang="en-US" baseline="0" dirty="0" err="1" smtClean="0"/>
+              <a:t>visibles</a:t>
+            </a:r>
+            <a:r>
+              <a:rPr lang="en-US" baseline="0" dirty="0" smtClean="0"/>
+              <a:t> a </a:t>
+            </a:r>
+            <a:r>
+              <a:rPr lang="en-US" baseline="0" dirty="0" err="1" smtClean="0"/>
+              <a:t>las</a:t>
+            </a:r>
+            <a:r>
+              <a:rPr lang="en-US" baseline="0" dirty="0" smtClean="0"/>
+              <a:t> </a:t>
+            </a:r>
+            <a:r>
+              <a:rPr lang="en-US" baseline="0" dirty="0" err="1" smtClean="0"/>
+              <a:t>demás</a:t>
+            </a:r>
+            <a:r>
+              <a:rPr lang="en-US" baseline="0" dirty="0" smtClean="0"/>
+              <a:t> personas </a:t>
+            </a:r>
+            <a:r>
+              <a:rPr lang="en-US" baseline="0" dirty="0" err="1" smtClean="0"/>
+              <a:t>generando</a:t>
+            </a:r>
+            <a:r>
+              <a:rPr lang="en-US" baseline="0" dirty="0" smtClean="0"/>
+              <a:t> </a:t>
+            </a:r>
+            <a:r>
+              <a:rPr lang="en-US" baseline="0" dirty="0" err="1" smtClean="0"/>
+              <a:t>tiempos</a:t>
+            </a:r>
+            <a:r>
+              <a:rPr lang="en-US" baseline="0" dirty="0" smtClean="0"/>
+              <a:t> </a:t>
+            </a:r>
+            <a:r>
+              <a:rPr lang="en-US" baseline="0" dirty="0" err="1" smtClean="0"/>
+              <a:t>muertos</a:t>
+            </a:r>
+            <a:r>
+              <a:rPr lang="en-US" baseline="0" dirty="0" smtClean="0"/>
+              <a:t>: </a:t>
+            </a:r>
+            <a:r>
+              <a:rPr lang="en-US" baseline="0" dirty="0" err="1" smtClean="0"/>
+              <a:t>esperar</a:t>
+            </a:r>
+            <a:r>
+              <a:rPr lang="en-US" baseline="0" dirty="0" smtClean="0"/>
+              <a:t> al </a:t>
+            </a:r>
+            <a:r>
+              <a:rPr lang="en-US" baseline="0" dirty="0" err="1" smtClean="0"/>
+              <a:t>otro</a:t>
+            </a:r>
+            <a:r>
+              <a:rPr lang="en-US" baseline="0" dirty="0" smtClean="0"/>
+              <a:t> o merge.</a:t>
             </a:r>
             <a:endParaRPr lang="es-AR" dirty="0" smtClean="0"/>
-          </a:p>
-          <a:p>
-            <a:pPr>
-              <a:buFont typeface="Arial" pitchFamily="34" charset="0"/>
-              <a:buChar char="•"/>
-            </a:pPr>
-            <a:r>
-              <a:rPr lang="es-AR" dirty="0" smtClean="0"/>
-              <a:t>Personalmente,</a:t>
-            </a:r>
-            <a:r>
-              <a:rPr lang="es-AR" baseline="0" dirty="0" smtClean="0"/>
-              <a:t> en los casos en los que se nos presento la necesidad de utilizar herramienta para el desarrollo de un TP en las condiciones que se explicaron anteriormente, las que estaban disponibles no fueron o resultaron satisfactorias por diversos motivos.</a:t>
-            </a:r>
-            <a:endParaRPr lang="es-ES" dirty="0" smtClean="0"/>
           </a:p>
         </p:txBody>
       </p:sp>
@@ -5862,7 +6439,11 @@
             </a:pPr>
             <a:r>
               <a:rPr lang="es-AR" baseline="0" dirty="0" smtClean="0"/>
-              <a:t>  Se eligió este algoritmo para la implementación de la solución.</a:t>
+              <a:t>Se </a:t>
+            </a:r>
+            <a:r>
+              <a:rPr lang="es-AR" baseline="0" dirty="0" smtClean="0"/>
+              <a:t>eligió este algoritmo para la implementación de la solución.</a:t>
             </a:r>
           </a:p>
           <a:p>
@@ -5890,7 +6471,15 @@
             </a:pPr>
             <a:r>
               <a:rPr lang="es-AR" baseline="0" dirty="0" smtClean="0"/>
-              <a:t>Utiliza  mensajes y operaciones.</a:t>
+              <a:t>Utiliza </a:t>
+            </a:r>
+            <a:r>
+              <a:rPr lang="es-AR" baseline="0" dirty="0" smtClean="0"/>
+              <a:t>mensajes </a:t>
+            </a:r>
+            <a:r>
+              <a:rPr lang="es-AR" baseline="0" dirty="0" smtClean="0"/>
+              <a:t>y operaciones.</a:t>
             </a:r>
           </a:p>
           <a:p>
@@ -14358,14 +14947,10 @@
         </p:nvSpPr>
         <p:spPr/>
         <p:txBody>
-          <a:bodyPr/>
+          <a:bodyPr>
+            <a:normAutofit/>
+          </a:bodyPr>
           <a:lstStyle/>
-          <a:p>
-            <a:r>
-              <a:rPr lang="es-ES" dirty="0" smtClean="0"/>
-              <a:t>Modelo basado Actores: reduce la complejidad en el desarrollo de aplicaciones concurrentes.</a:t>
-            </a:r>
-          </a:p>
           <a:p>
             <a:r>
               <a:rPr lang="es-ES" dirty="0" smtClean="0"/>
@@ -14377,13 +14962,32 @@
             </a:r>
             <a:r>
               <a:rPr lang="es-ES" dirty="0" smtClean="0"/>
-              <a:t> puede hacer uso de bibliotecas de Java y viceversa.</a:t>
-            </a:r>
-          </a:p>
-          <a:p>
+              <a:t> puede hacer uso de bibliotecas de Java y viceversa</a:t>
+            </a:r>
             <a:r>
               <a:rPr lang="es-ES" dirty="0" smtClean="0"/>
-              <a:t>Construcciones útiles:</a:t>
+              <a:t>.</a:t>
+            </a:r>
+            <a:endParaRPr lang="es-ES" dirty="0" smtClean="0"/>
+          </a:p>
+          <a:p>
+            <a:r>
+              <a:rPr lang="es-ES" dirty="0" smtClean="0"/>
+              <a:t>Modelo </a:t>
+            </a:r>
+            <a:r>
+              <a:rPr lang="es-ES" dirty="0" smtClean="0"/>
+              <a:t>basado Actores: reduce la complejidad en el desarrollo de aplicaciones concurrentes.</a:t>
+            </a:r>
+          </a:p>
+          <a:p>
+            <a:r>
+              <a:rPr lang="es-ES" dirty="0" smtClean="0"/>
+              <a:t>Construcciones </a:t>
+            </a:r>
+            <a:r>
+              <a:rPr lang="es-ES" dirty="0" smtClean="0"/>
+              <a:t>útiles:</a:t>
             </a:r>
           </a:p>
           <a:p>
@@ -16394,6 +16998,36 @@
               <a:t> Gracias</a:t>
             </a:r>
             <a:endParaRPr lang="es-AR" sz="6000" dirty="0"/>
+          </a:p>
+        </p:txBody>
+      </p:sp>
+      <p:sp>
+        <p:nvSpPr>
+          <p:cNvPr id="3" name="2 CuadroTexto"/>
+          <p:cNvSpPr txBox="1"/>
+          <p:nvPr/>
+        </p:nvSpPr>
+        <p:spPr>
+          <a:xfrm>
+            <a:off x="8161810" y="6344576"/>
+            <a:ext cx="857256" cy="369332"/>
+          </a:xfrm>
+          <a:prstGeom prst="rect">
+            <a:avLst/>
+          </a:prstGeom>
+          <a:noFill/>
+        </p:spPr>
+        <p:txBody>
+          <a:bodyPr wrap="square" rtlCol="0">
+            <a:spAutoFit/>
+          </a:bodyPr>
+          <a:lstStyle/>
+          <a:p>
+            <a:r>
+              <a:rPr lang="en-US" dirty="0" smtClean="0"/>
+              <a:t>EOF</a:t>
+            </a:r>
+            <a:endParaRPr lang="es-AR" dirty="0"/>
           </a:p>
         </p:txBody>
       </p:sp>

--- a/doc/presentacion/presentacion.pptx
+++ b/doc/presentacion/presentacion.pptx
@@ -211,7 +211,7 @@
             <a:fld id="{53A9BA33-61B4-4CB5-A056-C0C55B1A2ED8}" type="datetimeFigureOut">
               <a:rPr lang="es-AR" smtClean="0"/>
               <a:pPr/>
-              <a:t>27/12/2010</a:t>
+              <a:t>28/12/2010</a:t>
             </a:fld>
             <a:endParaRPr lang="es-AR"/>
           </a:p>
@@ -533,15 +533,7 @@
             </a:r>
             <a:r>
               <a:rPr lang="es-ES" baseline="0" dirty="0" smtClean="0"/>
-              <a:t> </a:t>
-            </a:r>
-            <a:r>
-              <a:rPr lang="es-ES" baseline="0" dirty="0" smtClean="0"/>
-              <a:t>Mauro y Leandro. </a:t>
-            </a:r>
-            <a:r>
-              <a:rPr lang="es-ES" baseline="0" dirty="0" smtClean="0"/>
-              <a:t>Gracias a todos por venir.</a:t>
+              <a:t> Mauro y Leandro. Gracias a todos por venir.</a:t>
             </a:r>
           </a:p>
           <a:p>
@@ -4768,15 +4760,7 @@
             </a:r>
             <a:r>
               <a:rPr lang="es-ES" baseline="0" dirty="0" smtClean="0"/>
-              <a:t> a dividir en </a:t>
-            </a:r>
-            <a:r>
-              <a:rPr lang="es-ES" baseline="0" dirty="0" smtClean="0"/>
-              <a:t>4 </a:t>
-            </a:r>
-            <a:r>
-              <a:rPr lang="es-ES" baseline="0" dirty="0" smtClean="0"/>
-              <a:t>partes:</a:t>
+              <a:t> a dividir en 4 partes:</a:t>
             </a:r>
           </a:p>
           <a:p>
@@ -4786,11 +4770,7 @@
             </a:pPr>
             <a:r>
               <a:rPr lang="es-ES" baseline="0" dirty="0" smtClean="0"/>
-              <a:t>La </a:t>
-            </a:r>
-            <a:r>
-              <a:rPr lang="es-ES" baseline="0" dirty="0" smtClean="0"/>
-              <a:t>primera realiza una introducción al tema, para poner en contexto a aquellos que no están familiarizados con los sistemas colaborativos de tiempo real.</a:t>
+              <a:t>La primera realiza una introducción al tema, para poner en contexto a aquellos que no están familiarizados con los sistemas colaborativos de tiempo real.</a:t>
             </a:r>
           </a:p>
           <a:p>
@@ -4800,11 +4780,7 @@
             </a:pPr>
             <a:r>
               <a:rPr lang="es-ES" baseline="0" dirty="0" smtClean="0"/>
-              <a:t>Se </a:t>
-            </a:r>
-            <a:r>
-              <a:rPr lang="es-ES" baseline="0" dirty="0" smtClean="0"/>
-              <a:t>explica el porque o la motivación que nos lleva a desarrollar este trabajo junto con la explicación del problema que se quiere resolver y cuales son las soluciones que hoy en día existen y que tratan de resolverlo. Se analizan las ventajas y desventajas de estos productos.</a:t>
+              <a:t>Se explica el porque o la motivación que nos lleva a desarrollar este trabajo junto con la explicación del problema que se quiere resolver y cuales son las soluciones que hoy en día existen y que tratan de resolverlo. Se analizan las ventajas y desventajas de estos productos.</a:t>
             </a:r>
           </a:p>
           <a:p>
@@ -4848,15 +4824,7 @@
             </a:pPr>
             <a:r>
               <a:rPr lang="es-ES" baseline="0" dirty="0" smtClean="0"/>
-              <a:t>Como cierre se explicarán las futuras líneas de investigación </a:t>
-            </a:r>
-            <a:r>
-              <a:rPr lang="es-ES" baseline="0" dirty="0" smtClean="0"/>
-              <a:t>y </a:t>
-            </a:r>
-            <a:r>
-              <a:rPr lang="es-ES" baseline="0" dirty="0" smtClean="0"/>
-              <a:t>mejoras que podrían aplicarse al producto desarrollado para agregarle valor, y se expondrán las conclusiones obtenidas.</a:t>
+              <a:t>Como cierre se explicarán las futuras líneas de investigación y mejoras que podrían aplicarse al producto desarrollado para agregarle valor, y se expondrán las conclusiones obtenidas.</a:t>
             </a:r>
             <a:endParaRPr lang="es-ES" dirty="0"/>
           </a:p>
@@ -6439,11 +6407,7 @@
             </a:pPr>
             <a:r>
               <a:rPr lang="es-AR" baseline="0" dirty="0" smtClean="0"/>
-              <a:t>Se </a:t>
-            </a:r>
-            <a:r>
-              <a:rPr lang="es-AR" baseline="0" dirty="0" smtClean="0"/>
-              <a:t>eligió este algoritmo para la implementación de la solución.</a:t>
+              <a:t>Se eligió este algoritmo para la implementación de la solución.</a:t>
             </a:r>
           </a:p>
           <a:p>
@@ -6471,15 +6435,7 @@
             </a:pPr>
             <a:r>
               <a:rPr lang="es-AR" baseline="0" dirty="0" smtClean="0"/>
-              <a:t>Utiliza </a:t>
-            </a:r>
-            <a:r>
-              <a:rPr lang="es-AR" baseline="0" dirty="0" smtClean="0"/>
-              <a:t>mensajes </a:t>
-            </a:r>
-            <a:r>
-              <a:rPr lang="es-AR" baseline="0" dirty="0" smtClean="0"/>
-              <a:t>y operaciones.</a:t>
+              <a:t>Utiliza mensajes y operaciones.</a:t>
             </a:r>
           </a:p>
           <a:p>
@@ -7378,7 +7334,7 @@
             <a:fld id="{47C9B81F-C347-4BEF-BFDF-29C42F48304A}" type="datetimeFigureOut">
               <a:rPr lang="en-US" smtClean="0"/>
               <a:pPr/>
-              <a:t>12/27/2010</a:t>
+              <a:t>12/28/2010</a:t>
             </a:fld>
             <a:endParaRPr lang="en-US">
               <a:solidFill>
@@ -7598,7 +7554,7 @@
             <a:fld id="{47C9B81F-C347-4BEF-BFDF-29C42F48304A}" type="datetimeFigureOut">
               <a:rPr lang="en-US" smtClean="0"/>
               <a:pPr/>
-              <a:t>12/27/2010</a:t>
+              <a:t>12/28/2010</a:t>
             </a:fld>
             <a:endParaRPr lang="en-US">
               <a:solidFill>
@@ -7807,7 +7763,7 @@
             <a:fld id="{47C9B81F-C347-4BEF-BFDF-29C42F48304A}" type="datetimeFigureOut">
               <a:rPr lang="en-US" smtClean="0"/>
               <a:pPr/>
-              <a:t>12/27/2010</a:t>
+              <a:t>12/28/2010</a:t>
             </a:fld>
             <a:endParaRPr lang="en-US">
               <a:solidFill>
@@ -7981,7 +7937,7 @@
             <a:fld id="{47C9B81F-C347-4BEF-BFDF-29C42F48304A}" type="datetimeFigureOut">
               <a:rPr lang="en-US" smtClean="0"/>
               <a:pPr/>
-              <a:t>12/27/2010</a:t>
+              <a:t>12/28/2010</a:t>
             </a:fld>
             <a:endParaRPr lang="en-US">
               <a:solidFill>
@@ -8260,7 +8216,7 @@
             <a:fld id="{47C9B81F-C347-4BEF-BFDF-29C42F48304A}" type="datetimeFigureOut">
               <a:rPr lang="en-US" smtClean="0"/>
               <a:pPr/>
-              <a:t>12/27/2010</a:t>
+              <a:t>12/28/2010</a:t>
             </a:fld>
             <a:endParaRPr lang="en-US">
               <a:solidFill>
@@ -8693,7 +8649,7 @@
             <a:fld id="{47C9B81F-C347-4BEF-BFDF-29C42F48304A}" type="datetimeFigureOut">
               <a:rPr lang="en-US" smtClean="0"/>
               <a:pPr/>
-              <a:t>12/27/2010</a:t>
+              <a:t>12/28/2010</a:t>
             </a:fld>
             <a:endParaRPr lang="en-US">
               <a:solidFill>
@@ -9163,7 +9119,7 @@
             <a:fld id="{47C9B81F-C347-4BEF-BFDF-29C42F48304A}" type="datetimeFigureOut">
               <a:rPr lang="en-US" smtClean="0"/>
               <a:pPr/>
-              <a:t>12/27/2010</a:t>
+              <a:t>12/28/2010</a:t>
             </a:fld>
             <a:endParaRPr lang="en-US">
               <a:solidFill>
@@ -9288,7 +9244,7 @@
             <a:fld id="{47C9B81F-C347-4BEF-BFDF-29C42F48304A}" type="datetimeFigureOut">
               <a:rPr lang="en-US" smtClean="0"/>
               <a:pPr/>
-              <a:t>12/27/2010</a:t>
+              <a:t>12/28/2010</a:t>
             </a:fld>
             <a:endParaRPr lang="en-US">
               <a:solidFill>
@@ -9433,7 +9389,7 @@
             <a:fld id="{47C9B81F-C347-4BEF-BFDF-29C42F48304A}" type="datetimeFigureOut">
               <a:rPr lang="en-US" smtClean="0"/>
               <a:pPr/>
-              <a:t>12/27/2010</a:t>
+              <a:t>12/28/2010</a:t>
             </a:fld>
             <a:endParaRPr lang="en-US">
               <a:solidFill>
@@ -9731,7 +9687,7 @@
             <a:fld id="{47C9B81F-C347-4BEF-BFDF-29C42F48304A}" type="datetimeFigureOut">
               <a:rPr lang="en-US" smtClean="0"/>
               <a:pPr/>
-              <a:t>12/27/2010</a:t>
+              <a:t>12/28/2010</a:t>
             </a:fld>
             <a:endParaRPr lang="en-US">
               <a:solidFill>
@@ -9960,7 +9916,7 @@
             <a:fld id="{47C9B81F-C347-4BEF-BFDF-29C42F48304A}" type="datetimeFigureOut">
               <a:rPr lang="en-US" smtClean="0"/>
               <a:pPr/>
-              <a:t>12/27/2010</a:t>
+              <a:t>12/28/2010</a:t>
             </a:fld>
             <a:endParaRPr lang="en-US">
               <a:solidFill>
@@ -11093,7 +11049,7 @@
             <a:fld id="{47C9B81F-C347-4BEF-BFDF-29C42F48304A}" type="datetimeFigureOut">
               <a:rPr lang="en-US" smtClean="0"/>
               <a:pPr/>
-              <a:t>12/27/2010</a:t>
+              <a:t>12/28/2010</a:t>
             </a:fld>
             <a:endParaRPr lang="en-US">
               <a:solidFill>
@@ -11693,6 +11649,67 @@
       </p:grpSpPr>
       <p:pic>
         <p:nvPicPr>
+          <p:cNvPr id="44" name="Picture 43" descr="file.png"/>
+          <p:cNvPicPr>
+            <a:picLocks noChangeAspect="1"/>
+          </p:cNvPicPr>
+          <p:nvPr/>
+        </p:nvPicPr>
+        <p:blipFill>
+          <a:blip r:embed="rId3"/>
+          <a:stretch>
+            <a:fillRect/>
+          </a:stretch>
+        </p:blipFill>
+        <p:spPr>
+          <a:xfrm>
+            <a:off x="352396" y="3430130"/>
+            <a:ext cx="2428892" cy="2286016"/>
+          </a:xfrm>
+          <a:prstGeom prst="rect">
+            <a:avLst/>
+          </a:prstGeom>
+        </p:spPr>
+      </p:pic>
+      <p:sp>
+        <p:nvSpPr>
+          <p:cNvPr id="26" name="TextBox 25"/>
+          <p:cNvSpPr txBox="1"/>
+          <p:nvPr/>
+        </p:nvSpPr>
+        <p:spPr>
+          <a:xfrm>
+            <a:off x="487334" y="4117980"/>
+            <a:ext cx="1743540" cy="707886"/>
+          </a:xfrm>
+          <a:prstGeom prst="rect">
+            <a:avLst/>
+          </a:prstGeom>
+          <a:noFill/>
+        </p:spPr>
+        <p:txBody>
+          <a:bodyPr wrap="square" rtlCol="0">
+            <a:spAutoFit/>
+          </a:bodyPr>
+          <a:lstStyle/>
+          <a:p>
+            <a:pPr algn="ctr"/>
+            <a:r>
+              <a:rPr lang="en-US" sz="4000" dirty="0" smtClean="0">
+                <a:latin typeface="Courier New" pitchFamily="49" charset="0"/>
+                <a:cs typeface="Courier New" pitchFamily="49" charset="0"/>
+              </a:rPr>
+              <a:t>BHLA</a:t>
+            </a:r>
+            <a:endParaRPr lang="es-AR" sz="4000" dirty="0">
+              <a:latin typeface="Courier New" pitchFamily="49" charset="0"/>
+              <a:cs typeface="Courier New" pitchFamily="49" charset="0"/>
+            </a:endParaRPr>
+          </a:p>
+        </p:txBody>
+      </p:sp>
+      <p:pic>
+        <p:nvPicPr>
           <p:cNvPr id="53" name="Picture 52" descr="file.png"/>
           <p:cNvPicPr>
             <a:picLocks noChangeAspect="1"/>
@@ -12081,30 +12098,6 @@
           </a:fontRef>
         </p:style>
       </p:cxnSp>
-      <p:pic>
-        <p:nvPicPr>
-          <p:cNvPr id="44" name="Picture 43" descr="file.png"/>
-          <p:cNvPicPr>
-            <a:picLocks noChangeAspect="1"/>
-          </p:cNvPicPr>
-          <p:nvPr/>
-        </p:nvPicPr>
-        <p:blipFill>
-          <a:blip r:embed="rId3"/>
-          <a:stretch>
-            <a:fillRect/>
-          </a:stretch>
-        </p:blipFill>
-        <p:spPr>
-          <a:xfrm>
-            <a:off x="352396" y="3430130"/>
-            <a:ext cx="2428892" cy="2286016"/>
-          </a:xfrm>
-          <a:prstGeom prst="rect">
-            <a:avLst/>
-          </a:prstGeom>
-        </p:spPr>
-      </p:pic>
       <p:sp>
         <p:nvSpPr>
           <p:cNvPr id="47" name="TextBox 46"/>
@@ -12264,7 +12257,7 @@
                 <a:latin typeface="Courier New" pitchFamily="49" charset="0"/>
                 <a:cs typeface="Courier New" pitchFamily="49" charset="0"/>
               </a:rPr>
-              <a:t>C</a:t>
+              <a:t>B</a:t>
             </a:r>
             <a:endParaRPr lang="es-AR" sz="4000" dirty="0">
               <a:solidFill>
@@ -12339,49 +12332,22 @@
                 <a:latin typeface="Courier New" pitchFamily="49" charset="0"/>
                 <a:cs typeface="Courier New" pitchFamily="49" charset="0"/>
               </a:rPr>
-              <a:t>CHLA</a:t>
+              <a:t>B</a:t>
+            </a:r>
+            <a:r>
+              <a:rPr lang="en-US" sz="4000" dirty="0" smtClean="0">
+                <a:solidFill>
+                  <a:prstClr val="black"/>
+                </a:solidFill>
+                <a:latin typeface="Courier New" pitchFamily="49" charset="0"/>
+                <a:cs typeface="Courier New" pitchFamily="49" charset="0"/>
+              </a:rPr>
+              <a:t>HLA</a:t>
             </a:r>
             <a:endParaRPr lang="es-AR" sz="4000" dirty="0">
               <a:solidFill>
                 <a:prstClr val="black"/>
               </a:solidFill>
-              <a:latin typeface="Courier New" pitchFamily="49" charset="0"/>
-              <a:cs typeface="Courier New" pitchFamily="49" charset="0"/>
-            </a:endParaRPr>
-          </a:p>
-        </p:txBody>
-      </p:sp>
-      <p:sp>
-        <p:nvSpPr>
-          <p:cNvPr id="26" name="TextBox 25"/>
-          <p:cNvSpPr txBox="1"/>
-          <p:nvPr/>
-        </p:nvSpPr>
-        <p:spPr>
-          <a:xfrm>
-            <a:off x="487334" y="4117980"/>
-            <a:ext cx="1743540" cy="707886"/>
-          </a:xfrm>
-          <a:prstGeom prst="rect">
-            <a:avLst/>
-          </a:prstGeom>
-          <a:noFill/>
-        </p:spPr>
-        <p:txBody>
-          <a:bodyPr wrap="square" rtlCol="0">
-            <a:spAutoFit/>
-          </a:bodyPr>
-          <a:lstStyle/>
-          <a:p>
-            <a:pPr algn="ctr"/>
-            <a:r>
-              <a:rPr lang="en-US" sz="4000" dirty="0" smtClean="0">
-                <a:latin typeface="Courier New" pitchFamily="49" charset="0"/>
-                <a:cs typeface="Courier New" pitchFamily="49" charset="0"/>
-              </a:rPr>
-              <a:t>CHLA</a:t>
-            </a:r>
-            <a:endParaRPr lang="es-AR" sz="4000" dirty="0">
               <a:latin typeface="Courier New" pitchFamily="49" charset="0"/>
               <a:cs typeface="Courier New" pitchFamily="49" charset="0"/>
             </a:endParaRPr>
@@ -14060,6 +14026,8 @@
       </p:par>
     </p:tnLst>
     <p:bldLst>
+      <p:bldP spid="26" grpId="0"/>
+      <p:bldP spid="26" grpId="1"/>
       <p:bldP spid="54" grpId="0"/>
       <p:bldP spid="54" grpId="1"/>
       <p:bldP spid="23" grpId="0"/>
@@ -14072,8 +14040,6 @@
       <p:bldP spid="21" grpId="2"/>
       <p:bldP spid="25" grpId="0"/>
       <p:bldP spid="25" grpId="1"/>
-      <p:bldP spid="26" grpId="0"/>
-      <p:bldP spid="26" grpId="1"/>
       <p:bldP spid="27" grpId="0"/>
     </p:bldLst>
   </p:timing>
@@ -14962,32 +14928,31 @@
             </a:r>
             <a:r>
               <a:rPr lang="es-ES" dirty="0" smtClean="0"/>
-              <a:t> puede hacer uso de bibliotecas de Java y viceversa</a:t>
-            </a:r>
+              <a:t> puede hacer uso de bibliotecas de Java y viceversa.</a:t>
+            </a:r>
+          </a:p>
+          <a:p>
             <a:r>
               <a:rPr lang="es-ES" dirty="0" smtClean="0"/>
-              <a:t>.</a:t>
-            </a:r>
-            <a:endParaRPr lang="es-ES" dirty="0" smtClean="0"/>
-          </a:p>
-          <a:p>
+              <a:t>Modelo basado </a:t>
+            </a:r>
             <a:r>
               <a:rPr lang="es-ES" dirty="0" smtClean="0"/>
-              <a:t>Modelo </a:t>
+              <a:t>en </a:t>
             </a:r>
             <a:r>
               <a:rPr lang="es-ES" dirty="0" smtClean="0"/>
-              <a:t>basado Actores: reduce la complejidad en el desarrollo de aplicaciones concurrentes.</a:t>
-            </a:r>
-          </a:p>
-          <a:p>
+              <a:t>Actores</a:t>
+            </a:r>
             <a:r>
               <a:rPr lang="es-ES" dirty="0" smtClean="0"/>
-              <a:t>Construcciones </a:t>
-            </a:r>
+              <a:t>: reduce la complejidad en el desarrollo de aplicaciones concurrentes.</a:t>
+            </a:r>
+          </a:p>
+          <a:p>
             <a:r>
               <a:rPr lang="es-ES" dirty="0" smtClean="0"/>
-              <a:t>útiles:</a:t>
+              <a:t>Construcciones útiles:</a:t>
             </a:r>
           </a:p>
           <a:p>
@@ -19591,6 +19556,67 @@
       </p:grpSpPr>
       <p:pic>
         <p:nvPicPr>
+          <p:cNvPr id="44" name="Picture 43" descr="file.png"/>
+          <p:cNvPicPr>
+            <a:picLocks noChangeAspect="1"/>
+          </p:cNvPicPr>
+          <p:nvPr/>
+        </p:nvPicPr>
+        <p:blipFill>
+          <a:blip r:embed="rId3"/>
+          <a:stretch>
+            <a:fillRect/>
+          </a:stretch>
+        </p:blipFill>
+        <p:spPr>
+          <a:xfrm>
+            <a:off x="428596" y="3531730"/>
+            <a:ext cx="2428892" cy="2286016"/>
+          </a:xfrm>
+          <a:prstGeom prst="rect">
+            <a:avLst/>
+          </a:prstGeom>
+        </p:spPr>
+      </p:pic>
+      <p:sp>
+        <p:nvSpPr>
+          <p:cNvPr id="26" name="TextBox 25"/>
+          <p:cNvSpPr txBox="1"/>
+          <p:nvPr/>
+        </p:nvSpPr>
+        <p:spPr>
+          <a:xfrm>
+            <a:off x="566710" y="4097342"/>
+            <a:ext cx="1743540" cy="707886"/>
+          </a:xfrm>
+          <a:prstGeom prst="rect">
+            <a:avLst/>
+          </a:prstGeom>
+          <a:noFill/>
+        </p:spPr>
+        <p:txBody>
+          <a:bodyPr wrap="square" rtlCol="0">
+            <a:spAutoFit/>
+          </a:bodyPr>
+          <a:lstStyle/>
+          <a:p>
+            <a:pPr algn="ctr"/>
+            <a:r>
+              <a:rPr lang="en-US" sz="4000" dirty="0" smtClean="0">
+                <a:latin typeface="Courier New" pitchFamily="49" charset="0"/>
+                <a:cs typeface="Courier New" pitchFamily="49" charset="0"/>
+              </a:rPr>
+              <a:t>BOLA</a:t>
+            </a:r>
+            <a:endParaRPr lang="es-AR" sz="4000" dirty="0">
+              <a:latin typeface="Courier New" pitchFamily="49" charset="0"/>
+              <a:cs typeface="Courier New" pitchFamily="49" charset="0"/>
+            </a:endParaRPr>
+          </a:p>
+        </p:txBody>
+      </p:sp>
+      <p:pic>
+        <p:nvPicPr>
           <p:cNvPr id="53" name="Picture 52" descr="file.png"/>
           <p:cNvPicPr>
             <a:picLocks noChangeAspect="1"/>
@@ -19977,30 +20003,6 @@
           </a:fontRef>
         </p:style>
       </p:cxnSp>
-      <p:pic>
-        <p:nvPicPr>
-          <p:cNvPr id="44" name="Picture 43" descr="file.png"/>
-          <p:cNvPicPr>
-            <a:picLocks noChangeAspect="1"/>
-          </p:cNvPicPr>
-          <p:nvPr/>
-        </p:nvPicPr>
-        <p:blipFill>
-          <a:blip r:embed="rId3"/>
-          <a:stretch>
-            <a:fillRect/>
-          </a:stretch>
-        </p:blipFill>
-        <p:spPr>
-          <a:xfrm>
-            <a:off x="428596" y="3531730"/>
-            <a:ext cx="2428892" cy="2286016"/>
-          </a:xfrm>
-          <a:prstGeom prst="rect">
-            <a:avLst/>
-          </a:prstGeom>
-        </p:spPr>
-      </p:pic>
       <p:sp>
         <p:nvSpPr>
           <p:cNvPr id="47" name="TextBox 46"/>
@@ -20160,7 +20162,7 @@
                 <a:latin typeface="Courier New" pitchFamily="49" charset="0"/>
                 <a:cs typeface="Courier New" pitchFamily="49" charset="0"/>
               </a:rPr>
-              <a:t>C</a:t>
+              <a:t>B</a:t>
             </a:r>
             <a:endParaRPr lang="es-AR" sz="4000" dirty="0">
               <a:solidFill>
@@ -20235,49 +20237,12 @@
                 <a:latin typeface="Courier New" pitchFamily="49" charset="0"/>
                 <a:cs typeface="Courier New" pitchFamily="49" charset="0"/>
               </a:rPr>
-              <a:t>CHLA</a:t>
+              <a:t>BHLA</a:t>
             </a:r>
             <a:endParaRPr lang="es-AR" sz="4000" dirty="0">
               <a:solidFill>
                 <a:prstClr val="black"/>
               </a:solidFill>
-              <a:latin typeface="Courier New" pitchFamily="49" charset="0"/>
-              <a:cs typeface="Courier New" pitchFamily="49" charset="0"/>
-            </a:endParaRPr>
-          </a:p>
-        </p:txBody>
-      </p:sp>
-      <p:sp>
-        <p:nvSpPr>
-          <p:cNvPr id="26" name="TextBox 25"/>
-          <p:cNvSpPr txBox="1"/>
-          <p:nvPr/>
-        </p:nvSpPr>
-        <p:spPr>
-          <a:xfrm>
-            <a:off x="566710" y="4097342"/>
-            <a:ext cx="1743540" cy="707886"/>
-          </a:xfrm>
-          <a:prstGeom prst="rect">
-            <a:avLst/>
-          </a:prstGeom>
-          <a:noFill/>
-        </p:spPr>
-        <p:txBody>
-          <a:bodyPr wrap="square" rtlCol="0">
-            <a:spAutoFit/>
-          </a:bodyPr>
-          <a:lstStyle/>
-          <a:p>
-            <a:pPr algn="ctr"/>
-            <a:r>
-              <a:rPr lang="en-US" sz="4000" dirty="0" smtClean="0">
-                <a:latin typeface="Courier New" pitchFamily="49" charset="0"/>
-                <a:cs typeface="Courier New" pitchFamily="49" charset="0"/>
-              </a:rPr>
-              <a:t>COLA</a:t>
-            </a:r>
-            <a:endParaRPr lang="es-AR" sz="4000" dirty="0">
               <a:latin typeface="Courier New" pitchFamily="49" charset="0"/>
               <a:cs typeface="Courier New" pitchFamily="49" charset="0"/>
             </a:endParaRPr>
@@ -21292,6 +21257,8 @@
       </p:par>
     </p:tnLst>
     <p:bldLst>
+      <p:bldP spid="26" grpId="0"/>
+      <p:bldP spid="26" grpId="1"/>
       <p:bldP spid="54" grpId="0"/>
       <p:bldP spid="54" grpId="1"/>
       <p:bldP spid="23" grpId="0"/>
@@ -21304,8 +21271,6 @@
       <p:bldP spid="21" grpId="3"/>
       <p:bldP spid="25" grpId="1"/>
       <p:bldP spid="25" grpId="2"/>
-      <p:bldP spid="26" grpId="0"/>
-      <p:bldP spid="26" grpId="1"/>
       <p:bldP spid="27" grpId="0"/>
     </p:bldLst>
   </p:timing>
